--- a/JavaScriptFunctionObject.pptx
+++ b/JavaScriptFunctionObject.pptx
@@ -4,10 +4,21 @@
   <p:sldMasterIdLst>
     <p:sldMasterId id="2147483744" r:id="rId1"/>
   </p:sldMasterIdLst>
+  <p:notesMasterIdLst>
+    <p:notesMasterId r:id="rId13"/>
+  </p:notesMasterIdLst>
   <p:sldIdLst>
     <p:sldId id="256" r:id="rId2"/>
     <p:sldId id="257" r:id="rId3"/>
     <p:sldId id="258" r:id="rId4"/>
+    <p:sldId id="259" r:id="rId5"/>
+    <p:sldId id="264" r:id="rId6"/>
+    <p:sldId id="260" r:id="rId7"/>
+    <p:sldId id="261" r:id="rId8"/>
+    <p:sldId id="262" r:id="rId9"/>
+    <p:sldId id="263" r:id="rId10"/>
+    <p:sldId id="265" r:id="rId11"/>
+    <p:sldId id="266" r:id="rId12"/>
   </p:sldIdLst>
   <p:sldSz cx="9144000" cy="6858000" type="screen4x3"/>
   <p:notesSz cx="6858000" cy="9144000"/>
@@ -107,6 +118,712 @@
     </a:lvl9pPr>
   </p:defaultTextStyle>
 </p:presentation>
+</file>
+
+<file path=ppt/notesMasters/notesMaster1.xml><?xml version="1.0" encoding="utf-8"?>
+<p:notesMaster xmlns:a="http://schemas.openxmlformats.org/drawingml/2006/main" xmlns:r="http://schemas.openxmlformats.org/officeDocument/2006/relationships" xmlns:p="http://schemas.openxmlformats.org/presentationml/2006/main">
+  <p:cSld>
+    <p:bg>
+      <p:bgRef idx="1001">
+        <a:schemeClr val="bg1"/>
+      </p:bgRef>
+    </p:bg>
+    <p:spTree>
+      <p:nvGrpSpPr>
+        <p:cNvPr id="1" name=""/>
+        <p:cNvGrpSpPr/>
+        <p:nvPr/>
+      </p:nvGrpSpPr>
+      <p:grpSpPr>
+        <a:xfrm>
+          <a:off x="0" y="0"/>
+          <a:ext cx="0" cy="0"/>
+          <a:chOff x="0" y="0"/>
+          <a:chExt cx="0" cy="0"/>
+        </a:xfrm>
+      </p:grpSpPr>
+      <p:sp>
+        <p:nvSpPr>
+          <p:cNvPr id="2" name="页眉占位符 1"/>
+          <p:cNvSpPr>
+            <a:spLocks noGrp="1"/>
+          </p:cNvSpPr>
+          <p:nvPr>
+            <p:ph type="hdr" sz="quarter"/>
+          </p:nvPr>
+        </p:nvSpPr>
+        <p:spPr>
+          <a:xfrm>
+            <a:off x="0" y="0"/>
+            <a:ext cx="2971800" cy="457200"/>
+          </a:xfrm>
+          <a:prstGeom prst="rect">
+            <a:avLst/>
+          </a:prstGeom>
+        </p:spPr>
+        <p:txBody>
+          <a:bodyPr vert="horz" lIns="91440" tIns="45720" rIns="91440" bIns="45720" rtlCol="0"/>
+          <a:lstStyle>
+            <a:lvl1pPr algn="l">
+              <a:defRPr sz="1200"/>
+            </a:lvl1pPr>
+          </a:lstStyle>
+          <a:p>
+            <a:endParaRPr kumimoji="1" lang="zh-CN" altLang="en-US"/>
+          </a:p>
+        </p:txBody>
+      </p:sp>
+      <p:sp>
+        <p:nvSpPr>
+          <p:cNvPr id="3" name="日期占位符 2"/>
+          <p:cNvSpPr>
+            <a:spLocks noGrp="1"/>
+          </p:cNvSpPr>
+          <p:nvPr>
+            <p:ph type="dt" idx="1"/>
+          </p:nvPr>
+        </p:nvSpPr>
+        <p:spPr>
+          <a:xfrm>
+            <a:off x="3884613" y="0"/>
+            <a:ext cx="2971800" cy="457200"/>
+          </a:xfrm>
+          <a:prstGeom prst="rect">
+            <a:avLst/>
+          </a:prstGeom>
+        </p:spPr>
+        <p:txBody>
+          <a:bodyPr vert="horz" lIns="91440" tIns="45720" rIns="91440" bIns="45720" rtlCol="0"/>
+          <a:lstStyle>
+            <a:lvl1pPr algn="r">
+              <a:defRPr sz="1200"/>
+            </a:lvl1pPr>
+          </a:lstStyle>
+          <a:p>
+            <a:fld id="{317286D4-F5AA-6C46-BE6D-415A806E88D7}" type="datetimeFigureOut">
+              <a:rPr kumimoji="1" lang="zh-CN" altLang="en-US" smtClean="0"/>
+              <a:t>13-10-3</a:t>
+            </a:fld>
+            <a:endParaRPr kumimoji="1" lang="zh-CN" altLang="en-US"/>
+          </a:p>
+        </p:txBody>
+      </p:sp>
+      <p:sp>
+        <p:nvSpPr>
+          <p:cNvPr id="4" name="幻灯片图像占位符 3"/>
+          <p:cNvSpPr>
+            <a:spLocks noGrp="1" noRot="1" noChangeAspect="1"/>
+          </p:cNvSpPr>
+          <p:nvPr>
+            <p:ph type="sldImg" idx="2"/>
+          </p:nvPr>
+        </p:nvSpPr>
+        <p:spPr>
+          <a:xfrm>
+            <a:off x="1143000" y="685800"/>
+            <a:ext cx="4572000" cy="3429000"/>
+          </a:xfrm>
+          <a:prstGeom prst="rect">
+            <a:avLst/>
+          </a:prstGeom>
+          <a:noFill/>
+          <a:ln w="12700">
+            <a:solidFill>
+              <a:prstClr val="black"/>
+            </a:solidFill>
+          </a:ln>
+        </p:spPr>
+        <p:txBody>
+          <a:bodyPr vert="horz" lIns="91440" tIns="45720" rIns="91440" bIns="45720" rtlCol="0" anchor="ctr"/>
+          <a:lstStyle/>
+          <a:p>
+            <a:endParaRPr lang="zh-CN" altLang="en-US"/>
+          </a:p>
+        </p:txBody>
+      </p:sp>
+      <p:sp>
+        <p:nvSpPr>
+          <p:cNvPr id="5" name="备注占位符 4"/>
+          <p:cNvSpPr>
+            <a:spLocks noGrp="1"/>
+          </p:cNvSpPr>
+          <p:nvPr>
+            <p:ph type="body" sz="quarter" idx="3"/>
+          </p:nvPr>
+        </p:nvSpPr>
+        <p:spPr>
+          <a:xfrm>
+            <a:off x="685800" y="4343400"/>
+            <a:ext cx="5486400" cy="4114800"/>
+          </a:xfrm>
+          <a:prstGeom prst="rect">
+            <a:avLst/>
+          </a:prstGeom>
+        </p:spPr>
+        <p:txBody>
+          <a:bodyPr vert="horz" lIns="91440" tIns="45720" rIns="91440" bIns="45720" rtlCol="0"/>
+          <a:lstStyle/>
+          <a:p>
+            <a:pPr lvl="0"/>
+            <a:r>
+              <a:rPr kumimoji="1" lang="zh-CN" altLang="en-US" smtClean="0"/>
+              <a:t>单击此处编辑母版文本样式</a:t>
+            </a:r>
+          </a:p>
+          <a:p>
+            <a:pPr lvl="1"/>
+            <a:r>
+              <a:rPr kumimoji="1" lang="zh-CN" altLang="en-US" smtClean="0"/>
+              <a:t>二级</a:t>
+            </a:r>
+          </a:p>
+          <a:p>
+            <a:pPr lvl="2"/>
+            <a:r>
+              <a:rPr kumimoji="1" lang="zh-CN" altLang="en-US" smtClean="0"/>
+              <a:t>三级</a:t>
+            </a:r>
+          </a:p>
+          <a:p>
+            <a:pPr lvl="3"/>
+            <a:r>
+              <a:rPr kumimoji="1" lang="zh-CN" altLang="en-US" smtClean="0"/>
+              <a:t>四级</a:t>
+            </a:r>
+          </a:p>
+          <a:p>
+            <a:pPr lvl="4"/>
+            <a:r>
+              <a:rPr kumimoji="1" lang="zh-CN" altLang="en-US" smtClean="0"/>
+              <a:t>五级</a:t>
+            </a:r>
+            <a:endParaRPr kumimoji="1" lang="zh-CN" altLang="en-US"/>
+          </a:p>
+        </p:txBody>
+      </p:sp>
+      <p:sp>
+        <p:nvSpPr>
+          <p:cNvPr id="6" name="页脚占位符 5"/>
+          <p:cNvSpPr>
+            <a:spLocks noGrp="1"/>
+          </p:cNvSpPr>
+          <p:nvPr>
+            <p:ph type="ftr" sz="quarter" idx="4"/>
+          </p:nvPr>
+        </p:nvSpPr>
+        <p:spPr>
+          <a:xfrm>
+            <a:off x="0" y="8685213"/>
+            <a:ext cx="2971800" cy="457200"/>
+          </a:xfrm>
+          <a:prstGeom prst="rect">
+            <a:avLst/>
+          </a:prstGeom>
+        </p:spPr>
+        <p:txBody>
+          <a:bodyPr vert="horz" lIns="91440" tIns="45720" rIns="91440" bIns="45720" rtlCol="0" anchor="b"/>
+          <a:lstStyle>
+            <a:lvl1pPr algn="l">
+              <a:defRPr sz="1200"/>
+            </a:lvl1pPr>
+          </a:lstStyle>
+          <a:p>
+            <a:endParaRPr kumimoji="1" lang="zh-CN" altLang="en-US"/>
+          </a:p>
+        </p:txBody>
+      </p:sp>
+      <p:sp>
+        <p:nvSpPr>
+          <p:cNvPr id="7" name="幻灯片编号占位符 6"/>
+          <p:cNvSpPr>
+            <a:spLocks noGrp="1"/>
+          </p:cNvSpPr>
+          <p:nvPr>
+            <p:ph type="sldNum" sz="quarter" idx="5"/>
+          </p:nvPr>
+        </p:nvSpPr>
+        <p:spPr>
+          <a:xfrm>
+            <a:off x="3884613" y="8685213"/>
+            <a:ext cx="2971800" cy="457200"/>
+          </a:xfrm>
+          <a:prstGeom prst="rect">
+            <a:avLst/>
+          </a:prstGeom>
+        </p:spPr>
+        <p:txBody>
+          <a:bodyPr vert="horz" lIns="91440" tIns="45720" rIns="91440" bIns="45720" rtlCol="0" anchor="b"/>
+          <a:lstStyle>
+            <a:lvl1pPr algn="r">
+              <a:defRPr sz="1200"/>
+            </a:lvl1pPr>
+          </a:lstStyle>
+          <a:p>
+            <a:fld id="{6E617A2A-56D0-C847-AD3B-89221304CA23}" type="slidenum">
+              <a:rPr kumimoji="1" lang="zh-CN" altLang="en-US" smtClean="0"/>
+              <a:t>‹#›</a:t>
+            </a:fld>
+            <a:endParaRPr kumimoji="1" lang="zh-CN" altLang="en-US"/>
+          </a:p>
+        </p:txBody>
+      </p:sp>
+    </p:spTree>
+    <p:extLst>
+      <p:ext uri="{BB962C8B-B14F-4D97-AF65-F5344CB8AC3E}">
+        <p14:creationId xmlns:p14="http://schemas.microsoft.com/office/powerpoint/2010/main" val="2513719626"/>
+      </p:ext>
+    </p:extLst>
+  </p:cSld>
+  <p:clrMap bg1="lt1" tx1="dk1" bg2="lt2" tx2="dk2" accent1="accent1" accent2="accent2" accent3="accent3" accent4="accent4" accent5="accent5" accent6="accent6" hlink="hlink" folHlink="folHlink"/>
+  <p:notesStyle>
+    <a:lvl1pPr marL="0" algn="l" defTabSz="457200" rtl="0" eaLnBrk="1" latinLnBrk="0" hangingPunct="1">
+      <a:defRPr sz="1200" kern="1200">
+        <a:solidFill>
+          <a:schemeClr val="tx1"/>
+        </a:solidFill>
+        <a:latin typeface="+mn-lt"/>
+        <a:ea typeface="+mn-ea"/>
+        <a:cs typeface="+mn-cs"/>
+      </a:defRPr>
+    </a:lvl1pPr>
+    <a:lvl2pPr marL="457200" algn="l" defTabSz="457200" rtl="0" eaLnBrk="1" latinLnBrk="0" hangingPunct="1">
+      <a:defRPr sz="1200" kern="1200">
+        <a:solidFill>
+          <a:schemeClr val="tx1"/>
+        </a:solidFill>
+        <a:latin typeface="+mn-lt"/>
+        <a:ea typeface="+mn-ea"/>
+        <a:cs typeface="+mn-cs"/>
+      </a:defRPr>
+    </a:lvl2pPr>
+    <a:lvl3pPr marL="914400" algn="l" defTabSz="457200" rtl="0" eaLnBrk="1" latinLnBrk="0" hangingPunct="1">
+      <a:defRPr sz="1200" kern="1200">
+        <a:solidFill>
+          <a:schemeClr val="tx1"/>
+        </a:solidFill>
+        <a:latin typeface="+mn-lt"/>
+        <a:ea typeface="+mn-ea"/>
+        <a:cs typeface="+mn-cs"/>
+      </a:defRPr>
+    </a:lvl3pPr>
+    <a:lvl4pPr marL="1371600" algn="l" defTabSz="457200" rtl="0" eaLnBrk="1" latinLnBrk="0" hangingPunct="1">
+      <a:defRPr sz="1200" kern="1200">
+        <a:solidFill>
+          <a:schemeClr val="tx1"/>
+        </a:solidFill>
+        <a:latin typeface="+mn-lt"/>
+        <a:ea typeface="+mn-ea"/>
+        <a:cs typeface="+mn-cs"/>
+      </a:defRPr>
+    </a:lvl4pPr>
+    <a:lvl5pPr marL="1828800" algn="l" defTabSz="457200" rtl="0" eaLnBrk="1" latinLnBrk="0" hangingPunct="1">
+      <a:defRPr sz="1200" kern="1200">
+        <a:solidFill>
+          <a:schemeClr val="tx1"/>
+        </a:solidFill>
+        <a:latin typeface="+mn-lt"/>
+        <a:ea typeface="+mn-ea"/>
+        <a:cs typeface="+mn-cs"/>
+      </a:defRPr>
+    </a:lvl5pPr>
+    <a:lvl6pPr marL="2286000" algn="l" defTabSz="457200" rtl="0" eaLnBrk="1" latinLnBrk="0" hangingPunct="1">
+      <a:defRPr sz="1200" kern="1200">
+        <a:solidFill>
+          <a:schemeClr val="tx1"/>
+        </a:solidFill>
+        <a:latin typeface="+mn-lt"/>
+        <a:ea typeface="+mn-ea"/>
+        <a:cs typeface="+mn-cs"/>
+      </a:defRPr>
+    </a:lvl6pPr>
+    <a:lvl7pPr marL="2743200" algn="l" defTabSz="457200" rtl="0" eaLnBrk="1" latinLnBrk="0" hangingPunct="1">
+      <a:defRPr sz="1200" kern="1200">
+        <a:solidFill>
+          <a:schemeClr val="tx1"/>
+        </a:solidFill>
+        <a:latin typeface="+mn-lt"/>
+        <a:ea typeface="+mn-ea"/>
+        <a:cs typeface="+mn-cs"/>
+      </a:defRPr>
+    </a:lvl7pPr>
+    <a:lvl8pPr marL="3200400" algn="l" defTabSz="457200" rtl="0" eaLnBrk="1" latinLnBrk="0" hangingPunct="1">
+      <a:defRPr sz="1200" kern="1200">
+        <a:solidFill>
+          <a:schemeClr val="tx1"/>
+        </a:solidFill>
+        <a:latin typeface="+mn-lt"/>
+        <a:ea typeface="+mn-ea"/>
+        <a:cs typeface="+mn-cs"/>
+      </a:defRPr>
+    </a:lvl8pPr>
+    <a:lvl9pPr marL="3657600" algn="l" defTabSz="457200" rtl="0" eaLnBrk="1" latinLnBrk="0" hangingPunct="1">
+      <a:defRPr sz="1200" kern="1200">
+        <a:solidFill>
+          <a:schemeClr val="tx1"/>
+        </a:solidFill>
+        <a:latin typeface="+mn-lt"/>
+        <a:ea typeface="+mn-ea"/>
+        <a:cs typeface="+mn-cs"/>
+      </a:defRPr>
+    </a:lvl9pPr>
+  </p:notesStyle>
+</p:notesMaster>
+</file>
+
+<file path=ppt/notesSlides/notesSlide1.xml><?xml version="1.0" encoding="utf-8"?>
+<p:notes xmlns:a="http://schemas.openxmlformats.org/drawingml/2006/main" xmlns:r="http://schemas.openxmlformats.org/officeDocument/2006/relationships" xmlns:p="http://schemas.openxmlformats.org/presentationml/2006/main">
+  <p:cSld>
+    <p:spTree>
+      <p:nvGrpSpPr>
+        <p:cNvPr id="1" name=""/>
+        <p:cNvGrpSpPr/>
+        <p:nvPr/>
+      </p:nvGrpSpPr>
+      <p:grpSpPr>
+        <a:xfrm>
+          <a:off x="0" y="0"/>
+          <a:ext cx="0" cy="0"/>
+          <a:chOff x="0" y="0"/>
+          <a:chExt cx="0" cy="0"/>
+        </a:xfrm>
+      </p:grpSpPr>
+      <p:sp>
+        <p:nvSpPr>
+          <p:cNvPr id="2" name="幻灯片图像占位符 1"/>
+          <p:cNvSpPr>
+            <a:spLocks noGrp="1" noRot="1" noChangeAspect="1"/>
+          </p:cNvSpPr>
+          <p:nvPr>
+            <p:ph type="sldImg"/>
+          </p:nvPr>
+        </p:nvSpPr>
+        <p:spPr/>
+      </p:sp>
+      <p:sp>
+        <p:nvSpPr>
+          <p:cNvPr id="3" name="备注占位符 2"/>
+          <p:cNvSpPr>
+            <a:spLocks noGrp="1"/>
+          </p:cNvSpPr>
+          <p:nvPr>
+            <p:ph type="body" idx="1"/>
+          </p:nvPr>
+        </p:nvSpPr>
+        <p:spPr/>
+        <p:txBody>
+          <a:bodyPr/>
+          <a:lstStyle/>
+          <a:p>
+            <a:r>
+              <a:rPr kumimoji="1" lang="en-US" altLang="en-US" dirty="0" smtClean="0"/>
+              <a:t>这本书中</a:t>
+            </a:r>
+            <a:r>
+              <a:rPr kumimoji="1" lang="zh-CN" altLang="en-US" dirty="0" smtClean="0"/>
+              <a:t>深入的</a:t>
+            </a:r>
+            <a:r>
+              <a:rPr kumimoji="1" lang="en-US" altLang="en-US" dirty="0" err="1" smtClean="0"/>
+              <a:t>解释了一些其他JavaScript书籍中一直没有很好的</a:t>
+            </a:r>
+            <a:r>
+              <a:rPr kumimoji="1" lang="zh-CN" altLang="en-US" dirty="0" smtClean="0"/>
+              <a:t>涉及</a:t>
+            </a:r>
+            <a:r>
+              <a:rPr kumimoji="1" lang="en-US" altLang="en-US" dirty="0" smtClean="0"/>
+              <a:t>的内容：函数对象， 闭包， 跨浏览器问题， 事件机制等</a:t>
+            </a:r>
+            <a:endParaRPr kumimoji="1" lang="zh-CN" altLang="en-US" dirty="0"/>
+          </a:p>
+        </p:txBody>
+      </p:sp>
+      <p:sp>
+        <p:nvSpPr>
+          <p:cNvPr id="4" name="幻灯片编号占位符 3"/>
+          <p:cNvSpPr>
+            <a:spLocks noGrp="1"/>
+          </p:cNvSpPr>
+          <p:nvPr>
+            <p:ph type="sldNum" sz="quarter" idx="10"/>
+          </p:nvPr>
+        </p:nvSpPr>
+        <p:spPr/>
+        <p:txBody>
+          <a:bodyPr/>
+          <a:lstStyle/>
+          <a:p>
+            <a:fld id="{6E617A2A-56D0-C847-AD3B-89221304CA23}" type="slidenum">
+              <a:rPr kumimoji="1" lang="zh-CN" altLang="en-US" smtClean="0"/>
+              <a:t>4</a:t>
+            </a:fld>
+            <a:endParaRPr kumimoji="1" lang="zh-CN" altLang="en-US"/>
+          </a:p>
+        </p:txBody>
+      </p:sp>
+    </p:spTree>
+    <p:extLst>
+      <p:ext uri="{BB962C8B-B14F-4D97-AF65-F5344CB8AC3E}">
+        <p14:creationId xmlns:p14="http://schemas.microsoft.com/office/powerpoint/2010/main" val="2483970726"/>
+      </p:ext>
+    </p:extLst>
+  </p:cSld>
+  <p:clrMapOvr>
+    <a:masterClrMapping/>
+  </p:clrMapOvr>
+</p:notes>
+</file>
+
+<file path=ppt/notesSlides/notesSlide2.xml><?xml version="1.0" encoding="utf-8"?>
+<p:notes xmlns:a="http://schemas.openxmlformats.org/drawingml/2006/main" xmlns:r="http://schemas.openxmlformats.org/officeDocument/2006/relationships" xmlns:p="http://schemas.openxmlformats.org/presentationml/2006/main">
+  <p:cSld>
+    <p:spTree>
+      <p:nvGrpSpPr>
+        <p:cNvPr id="1" name=""/>
+        <p:cNvGrpSpPr/>
+        <p:nvPr/>
+      </p:nvGrpSpPr>
+      <p:grpSpPr>
+        <a:xfrm>
+          <a:off x="0" y="0"/>
+          <a:ext cx="0" cy="0"/>
+          <a:chOff x="0" y="0"/>
+          <a:chExt cx="0" cy="0"/>
+        </a:xfrm>
+      </p:grpSpPr>
+      <p:sp>
+        <p:nvSpPr>
+          <p:cNvPr id="2" name="幻灯片图像占位符 1"/>
+          <p:cNvSpPr>
+            <a:spLocks noGrp="1" noRot="1" noChangeAspect="1"/>
+          </p:cNvSpPr>
+          <p:nvPr>
+            <p:ph type="sldImg"/>
+          </p:nvPr>
+        </p:nvSpPr>
+        <p:spPr/>
+      </p:sp>
+      <p:sp>
+        <p:nvSpPr>
+          <p:cNvPr id="3" name="备注占位符 2"/>
+          <p:cNvSpPr>
+            <a:spLocks noGrp="1"/>
+          </p:cNvSpPr>
+          <p:nvPr>
+            <p:ph type="body" idx="1"/>
+          </p:nvPr>
+        </p:nvSpPr>
+        <p:spPr/>
+        <p:txBody>
+          <a:bodyPr/>
+          <a:lstStyle/>
+          <a:p>
+            <a:endParaRPr kumimoji="1" lang="zh-CN" altLang="en-US" dirty="0"/>
+          </a:p>
+        </p:txBody>
+      </p:sp>
+      <p:sp>
+        <p:nvSpPr>
+          <p:cNvPr id="4" name="幻灯片编号占位符 3"/>
+          <p:cNvSpPr>
+            <a:spLocks noGrp="1"/>
+          </p:cNvSpPr>
+          <p:nvPr>
+            <p:ph type="sldNum" sz="quarter" idx="10"/>
+          </p:nvPr>
+        </p:nvSpPr>
+        <p:spPr/>
+        <p:txBody>
+          <a:bodyPr/>
+          <a:lstStyle/>
+          <a:p>
+            <a:fld id="{6E617A2A-56D0-C847-AD3B-89221304CA23}" type="slidenum">
+              <a:rPr kumimoji="1" lang="zh-CN" altLang="en-US" smtClean="0"/>
+              <a:t>5</a:t>
+            </a:fld>
+            <a:endParaRPr kumimoji="1" lang="zh-CN" altLang="en-US"/>
+          </a:p>
+        </p:txBody>
+      </p:sp>
+    </p:spTree>
+    <p:extLst>
+      <p:ext uri="{BB962C8B-B14F-4D97-AF65-F5344CB8AC3E}">
+        <p14:creationId xmlns:p14="http://schemas.microsoft.com/office/powerpoint/2010/main" val="2261169387"/>
+      </p:ext>
+    </p:extLst>
+  </p:cSld>
+  <p:clrMapOvr>
+    <a:masterClrMapping/>
+  </p:clrMapOvr>
+</p:notes>
+</file>
+
+<file path=ppt/notesSlides/notesSlide3.xml><?xml version="1.0" encoding="utf-8"?>
+<p:notes xmlns:a="http://schemas.openxmlformats.org/drawingml/2006/main" xmlns:r="http://schemas.openxmlformats.org/officeDocument/2006/relationships" xmlns:p="http://schemas.openxmlformats.org/presentationml/2006/main">
+  <p:cSld>
+    <p:spTree>
+      <p:nvGrpSpPr>
+        <p:cNvPr id="1" name=""/>
+        <p:cNvGrpSpPr/>
+        <p:nvPr/>
+      </p:nvGrpSpPr>
+      <p:grpSpPr>
+        <a:xfrm>
+          <a:off x="0" y="0"/>
+          <a:ext cx="0" cy="0"/>
+          <a:chOff x="0" y="0"/>
+          <a:chExt cx="0" cy="0"/>
+        </a:xfrm>
+      </p:grpSpPr>
+      <p:sp>
+        <p:nvSpPr>
+          <p:cNvPr id="2" name="幻灯片图像占位符 1"/>
+          <p:cNvSpPr>
+            <a:spLocks noGrp="1" noRot="1" noChangeAspect="1"/>
+          </p:cNvSpPr>
+          <p:nvPr>
+            <p:ph type="sldImg"/>
+          </p:nvPr>
+        </p:nvSpPr>
+        <p:spPr/>
+      </p:sp>
+      <p:sp>
+        <p:nvSpPr>
+          <p:cNvPr id="3" name="备注占位符 2"/>
+          <p:cNvSpPr>
+            <a:spLocks noGrp="1"/>
+          </p:cNvSpPr>
+          <p:nvPr>
+            <p:ph type="body" idx="1"/>
+          </p:nvPr>
+        </p:nvSpPr>
+        <p:spPr/>
+        <p:txBody>
+          <a:bodyPr/>
+          <a:lstStyle/>
+          <a:p>
+            <a:endParaRPr kumimoji="1" lang="zh-CN" altLang="en-US" dirty="0"/>
+          </a:p>
+        </p:txBody>
+      </p:sp>
+      <p:sp>
+        <p:nvSpPr>
+          <p:cNvPr id="4" name="幻灯片编号占位符 3"/>
+          <p:cNvSpPr>
+            <a:spLocks noGrp="1"/>
+          </p:cNvSpPr>
+          <p:nvPr>
+            <p:ph type="sldNum" sz="quarter" idx="10"/>
+          </p:nvPr>
+        </p:nvSpPr>
+        <p:spPr/>
+        <p:txBody>
+          <a:bodyPr/>
+          <a:lstStyle/>
+          <a:p>
+            <a:fld id="{6E617A2A-56D0-C847-AD3B-89221304CA23}" type="slidenum">
+              <a:rPr kumimoji="1" lang="zh-CN" altLang="en-US" smtClean="0"/>
+              <a:t>6</a:t>
+            </a:fld>
+            <a:endParaRPr kumimoji="1" lang="zh-CN" altLang="en-US"/>
+          </a:p>
+        </p:txBody>
+      </p:sp>
+    </p:spTree>
+    <p:extLst>
+      <p:ext uri="{BB962C8B-B14F-4D97-AF65-F5344CB8AC3E}">
+        <p14:creationId xmlns:p14="http://schemas.microsoft.com/office/powerpoint/2010/main" val="2261169387"/>
+      </p:ext>
+    </p:extLst>
+  </p:cSld>
+  <p:clrMapOvr>
+    <a:masterClrMapping/>
+  </p:clrMapOvr>
+</p:notes>
+</file>
+
+<file path=ppt/notesSlides/notesSlide4.xml><?xml version="1.0" encoding="utf-8"?>
+<p:notes xmlns:a="http://schemas.openxmlformats.org/drawingml/2006/main" xmlns:r="http://schemas.openxmlformats.org/officeDocument/2006/relationships" xmlns:p="http://schemas.openxmlformats.org/presentationml/2006/main">
+  <p:cSld>
+    <p:spTree>
+      <p:nvGrpSpPr>
+        <p:cNvPr id="1" name=""/>
+        <p:cNvGrpSpPr/>
+        <p:nvPr/>
+      </p:nvGrpSpPr>
+      <p:grpSpPr>
+        <a:xfrm>
+          <a:off x="0" y="0"/>
+          <a:ext cx="0" cy="0"/>
+          <a:chOff x="0" y="0"/>
+          <a:chExt cx="0" cy="0"/>
+        </a:xfrm>
+      </p:grpSpPr>
+      <p:sp>
+        <p:nvSpPr>
+          <p:cNvPr id="2" name="幻灯片图像占位符 1"/>
+          <p:cNvSpPr>
+            <a:spLocks noGrp="1" noRot="1" noChangeAspect="1"/>
+          </p:cNvSpPr>
+          <p:nvPr>
+            <p:ph type="sldImg"/>
+          </p:nvPr>
+        </p:nvSpPr>
+        <p:spPr/>
+      </p:sp>
+      <p:sp>
+        <p:nvSpPr>
+          <p:cNvPr id="3" name="备注占位符 2"/>
+          <p:cNvSpPr>
+            <a:spLocks noGrp="1"/>
+          </p:cNvSpPr>
+          <p:nvPr>
+            <p:ph type="body" idx="1"/>
+          </p:nvPr>
+        </p:nvSpPr>
+        <p:spPr/>
+        <p:txBody>
+          <a:bodyPr/>
+          <a:lstStyle/>
+          <a:p>
+            <a:endParaRPr kumimoji="1" lang="zh-CN" altLang="en-US" dirty="0"/>
+          </a:p>
+        </p:txBody>
+      </p:sp>
+      <p:sp>
+        <p:nvSpPr>
+          <p:cNvPr id="4" name="幻灯片编号占位符 3"/>
+          <p:cNvSpPr>
+            <a:spLocks noGrp="1"/>
+          </p:cNvSpPr>
+          <p:nvPr>
+            <p:ph type="sldNum" sz="quarter" idx="10"/>
+          </p:nvPr>
+        </p:nvSpPr>
+        <p:spPr/>
+        <p:txBody>
+          <a:bodyPr/>
+          <a:lstStyle/>
+          <a:p>
+            <a:fld id="{6E617A2A-56D0-C847-AD3B-89221304CA23}" type="slidenum">
+              <a:rPr kumimoji="1" lang="zh-CN" altLang="en-US" smtClean="0"/>
+              <a:t>10</a:t>
+            </a:fld>
+            <a:endParaRPr kumimoji="1" lang="zh-CN" altLang="en-US"/>
+          </a:p>
+        </p:txBody>
+      </p:sp>
+    </p:spTree>
+    <p:extLst>
+      <p:ext uri="{BB962C8B-B14F-4D97-AF65-F5344CB8AC3E}">
+        <p14:creationId xmlns:p14="http://schemas.microsoft.com/office/powerpoint/2010/main" val="2261169387"/>
+      </p:ext>
+    </p:extLst>
+  </p:cSld>
+  <p:clrMapOvr>
+    <a:masterClrMapping/>
+  </p:clrMapOvr>
+</p:notes>
 </file>
 
 <file path=ppt/slideLayouts/slideLayout1.xml><?xml version="1.0" encoding="utf-8"?>
@@ -14678,6 +15395,1537 @@
 </p:sld>
 </file>
 
+<file path=ppt/slides/slide10.xml><?xml version="1.0" encoding="utf-8"?>
+<p:sld xmlns:a="http://schemas.openxmlformats.org/drawingml/2006/main" xmlns:r="http://schemas.openxmlformats.org/officeDocument/2006/relationships" xmlns:p="http://schemas.openxmlformats.org/presentationml/2006/main">
+  <p:cSld>
+    <p:spTree>
+      <p:nvGrpSpPr>
+        <p:cNvPr id="1" name=""/>
+        <p:cNvGrpSpPr/>
+        <p:nvPr/>
+      </p:nvGrpSpPr>
+      <p:grpSpPr>
+        <a:xfrm>
+          <a:off x="0" y="0"/>
+          <a:ext cx="0" cy="0"/>
+          <a:chOff x="0" y="0"/>
+          <a:chExt cx="0" cy="0"/>
+        </a:xfrm>
+      </p:grpSpPr>
+      <p:sp>
+        <p:nvSpPr>
+          <p:cNvPr id="2" name="标题 1"/>
+          <p:cNvSpPr>
+            <a:spLocks noGrp="1"/>
+          </p:cNvSpPr>
+          <p:nvPr>
+            <p:ph type="ctrTitle"/>
+          </p:nvPr>
+        </p:nvSpPr>
+        <p:spPr/>
+        <p:txBody>
+          <a:bodyPr/>
+          <a:lstStyle/>
+          <a:p>
+            <a:r>
+              <a:rPr kumimoji="1" lang="en-US" altLang="zh-TW" dirty="0">
+                <a:latin typeface="Heiti SC Light"/>
+                <a:ea typeface="Heiti SC Light"/>
+                <a:cs typeface="Heiti SC Light"/>
+              </a:rPr>
+              <a:t>Function</a:t>
+            </a:r>
+            <a:r>
+              <a:rPr kumimoji="1" lang="zh-TW" altLang="en-US" dirty="0">
+                <a:latin typeface="Heiti SC Light"/>
+                <a:ea typeface="Heiti SC Light"/>
+                <a:cs typeface="Heiti SC Light"/>
+              </a:rPr>
+              <a:t>对象的特性</a:t>
+            </a:r>
+            <a:endParaRPr kumimoji="1" lang="zh-CN" altLang="en-US" dirty="0">
+              <a:latin typeface="Heiti SC Light"/>
+              <a:ea typeface="Heiti SC Light"/>
+              <a:cs typeface="Heiti SC Light"/>
+            </a:endParaRPr>
+          </a:p>
+        </p:txBody>
+      </p:sp>
+      <p:sp>
+        <p:nvSpPr>
+          <p:cNvPr id="4" name="副标题 2"/>
+          <p:cNvSpPr txBox="1">
+            <a:spLocks/>
+          </p:cNvSpPr>
+          <p:nvPr/>
+        </p:nvSpPr>
+        <p:spPr>
+          <a:xfrm>
+            <a:off x="690032" y="1651180"/>
+            <a:ext cx="7772400" cy="4153985"/>
+          </a:xfrm>
+          <a:prstGeom prst="rect">
+            <a:avLst/>
+          </a:prstGeom>
+        </p:spPr>
+        <p:txBody>
+          <a:bodyPr vert="horz" lIns="91440" tIns="45720" rIns="91440" bIns="45720" rtlCol="0" anchor="b">
+            <a:normAutofit/>
+          </a:bodyPr>
+          <a:lstStyle>
+            <a:lvl1pPr marL="0" indent="0" algn="ctr" defTabSz="914400" rtl="0" eaLnBrk="1" latinLnBrk="0" hangingPunct="1">
+              <a:spcBef>
+                <a:spcPct val="20000"/>
+              </a:spcBef>
+              <a:buClr>
+                <a:schemeClr val="accent1"/>
+              </a:buClr>
+              <a:buSzPct val="100000"/>
+              <a:buFont typeface="Symbol" pitchFamily="18" charset="2"/>
+              <a:buNone/>
+              <a:defRPr sz="2000" kern="1200">
+                <a:solidFill>
+                  <a:srgbClr val="FFFFFF"/>
+                </a:solidFill>
+                <a:latin typeface="+mn-lt"/>
+                <a:ea typeface="+mn-ea"/>
+                <a:cs typeface="+mn-cs"/>
+              </a:defRPr>
+            </a:lvl1pPr>
+            <a:lvl2pPr marL="457200" indent="0" algn="l" defTabSz="914400" rtl="0" eaLnBrk="1" latinLnBrk="0" hangingPunct="1">
+              <a:spcBef>
+                <a:spcPct val="20000"/>
+              </a:spcBef>
+              <a:buClr>
+                <a:schemeClr val="accent1"/>
+              </a:buClr>
+              <a:buSzPct val="100000"/>
+              <a:buFont typeface="Symbol" pitchFamily="18" charset="2"/>
+              <a:buNone/>
+              <a:defRPr sz="1800" kern="1200">
+                <a:solidFill>
+                  <a:schemeClr val="tx1">
+                    <a:tint val="75000"/>
+                  </a:schemeClr>
+                </a:solidFill>
+                <a:latin typeface="+mn-lt"/>
+                <a:ea typeface="+mn-ea"/>
+                <a:cs typeface="+mn-cs"/>
+              </a:defRPr>
+            </a:lvl2pPr>
+            <a:lvl3pPr marL="914400" indent="0" algn="l" defTabSz="914400" rtl="0" eaLnBrk="1" latinLnBrk="0" hangingPunct="1">
+              <a:spcBef>
+                <a:spcPct val="20000"/>
+              </a:spcBef>
+              <a:buClr>
+                <a:schemeClr val="accent1"/>
+              </a:buClr>
+              <a:buSzPct val="100000"/>
+              <a:buFont typeface="Symbol" pitchFamily="18" charset="2"/>
+              <a:buNone/>
+              <a:defRPr sz="1600" kern="1200">
+                <a:solidFill>
+                  <a:schemeClr val="tx1">
+                    <a:tint val="75000"/>
+                  </a:schemeClr>
+                </a:solidFill>
+                <a:latin typeface="+mn-lt"/>
+                <a:ea typeface="+mn-ea"/>
+                <a:cs typeface="+mn-cs"/>
+              </a:defRPr>
+            </a:lvl3pPr>
+            <a:lvl4pPr marL="1371600" indent="0" algn="l" defTabSz="914400" rtl="0" eaLnBrk="1" latinLnBrk="0" hangingPunct="1">
+              <a:spcBef>
+                <a:spcPct val="20000"/>
+              </a:spcBef>
+              <a:buClr>
+                <a:schemeClr val="accent1"/>
+              </a:buClr>
+              <a:buSzPct val="100000"/>
+              <a:buFont typeface="Symbol" pitchFamily="18" charset="2"/>
+              <a:buNone/>
+              <a:defRPr sz="1400" kern="1200">
+                <a:solidFill>
+                  <a:schemeClr val="tx1">
+                    <a:tint val="75000"/>
+                  </a:schemeClr>
+                </a:solidFill>
+                <a:latin typeface="+mn-lt"/>
+                <a:ea typeface="+mn-ea"/>
+                <a:cs typeface="+mn-cs"/>
+              </a:defRPr>
+            </a:lvl4pPr>
+            <a:lvl5pPr marL="1828800" indent="0" algn="l" defTabSz="914400" rtl="0" eaLnBrk="1" latinLnBrk="0" hangingPunct="1">
+              <a:spcBef>
+                <a:spcPct val="20000"/>
+              </a:spcBef>
+              <a:buClr>
+                <a:schemeClr val="accent1"/>
+              </a:buClr>
+              <a:buSzPct val="100000"/>
+              <a:buFont typeface="Symbol" pitchFamily="18" charset="2"/>
+              <a:buNone/>
+              <a:defRPr sz="1400" kern="1200">
+                <a:solidFill>
+                  <a:schemeClr val="tx1">
+                    <a:tint val="75000"/>
+                  </a:schemeClr>
+                </a:solidFill>
+                <a:latin typeface="+mn-lt"/>
+                <a:ea typeface="+mn-ea"/>
+                <a:cs typeface="+mn-cs"/>
+              </a:defRPr>
+            </a:lvl5pPr>
+            <a:lvl6pPr marL="2286000" indent="0" algn="l" defTabSz="914400" rtl="0" eaLnBrk="1" latinLnBrk="0" hangingPunct="1">
+              <a:spcBef>
+                <a:spcPts val="384"/>
+              </a:spcBef>
+              <a:buClr>
+                <a:schemeClr val="accent1"/>
+              </a:buClr>
+              <a:buFont typeface="Symbol" pitchFamily="18" charset="2"/>
+              <a:buNone/>
+              <a:defRPr sz="1400" kern="1200">
+                <a:solidFill>
+                  <a:schemeClr val="tx1">
+                    <a:tint val="75000"/>
+                  </a:schemeClr>
+                </a:solidFill>
+                <a:latin typeface="+mn-lt"/>
+                <a:ea typeface="+mn-ea"/>
+                <a:cs typeface="+mn-cs"/>
+              </a:defRPr>
+            </a:lvl6pPr>
+            <a:lvl7pPr marL="2743200" indent="0" algn="l" defTabSz="914400" rtl="0" eaLnBrk="1" latinLnBrk="0" hangingPunct="1">
+              <a:spcBef>
+                <a:spcPts val="384"/>
+              </a:spcBef>
+              <a:buClr>
+                <a:schemeClr val="accent1"/>
+              </a:buClr>
+              <a:buFont typeface="Symbol" pitchFamily="18" charset="2"/>
+              <a:buNone/>
+              <a:defRPr sz="1400" kern="1200">
+                <a:solidFill>
+                  <a:schemeClr val="tx1">
+                    <a:tint val="75000"/>
+                  </a:schemeClr>
+                </a:solidFill>
+                <a:latin typeface="+mn-lt"/>
+                <a:ea typeface="+mn-ea"/>
+                <a:cs typeface="+mn-cs"/>
+              </a:defRPr>
+            </a:lvl7pPr>
+            <a:lvl8pPr marL="3200400" indent="0" algn="l" defTabSz="914400" rtl="0" eaLnBrk="1" latinLnBrk="0" hangingPunct="1">
+              <a:spcBef>
+                <a:spcPts val="384"/>
+              </a:spcBef>
+              <a:buClr>
+                <a:schemeClr val="accent1"/>
+              </a:buClr>
+              <a:buFont typeface="Symbol" pitchFamily="18" charset="2"/>
+              <a:buNone/>
+              <a:defRPr sz="1400" kern="1200">
+                <a:solidFill>
+                  <a:schemeClr val="tx1">
+                    <a:tint val="75000"/>
+                  </a:schemeClr>
+                </a:solidFill>
+                <a:latin typeface="+mn-lt"/>
+                <a:ea typeface="+mn-ea"/>
+                <a:cs typeface="+mn-cs"/>
+              </a:defRPr>
+            </a:lvl8pPr>
+            <a:lvl9pPr marL="3657600" indent="0" algn="l" defTabSz="914400" rtl="0" eaLnBrk="1" latinLnBrk="0" hangingPunct="1">
+              <a:spcBef>
+                <a:spcPts val="384"/>
+              </a:spcBef>
+              <a:buClr>
+                <a:schemeClr val="accent1"/>
+              </a:buClr>
+              <a:buFont typeface="Symbol" pitchFamily="18" charset="2"/>
+              <a:buNone/>
+              <a:defRPr sz="1400" kern="1200">
+                <a:solidFill>
+                  <a:schemeClr val="tx1">
+                    <a:tint val="75000"/>
+                  </a:schemeClr>
+                </a:solidFill>
+                <a:latin typeface="+mn-lt"/>
+                <a:ea typeface="+mn-ea"/>
+                <a:cs typeface="+mn-cs"/>
+              </a:defRPr>
+            </a:lvl9pPr>
+          </a:lstStyle>
+          <a:p>
+            <a:endParaRPr kumimoji="1" lang="zh-CN" altLang="en-US" dirty="0">
+              <a:solidFill>
+                <a:schemeClr val="tx1"/>
+              </a:solidFill>
+            </a:endParaRPr>
+          </a:p>
+        </p:txBody>
+      </p:sp>
+      <p:sp>
+        <p:nvSpPr>
+          <p:cNvPr id="3" name="副标题 2"/>
+          <p:cNvSpPr>
+            <a:spLocks noGrp="1"/>
+          </p:cNvSpPr>
+          <p:nvPr>
+            <p:ph type="subTitle" idx="1"/>
+          </p:nvPr>
+        </p:nvSpPr>
+        <p:spPr/>
+        <p:txBody>
+          <a:bodyPr/>
+          <a:lstStyle/>
+          <a:p>
+            <a:endParaRPr kumimoji="1" lang="zh-CN" altLang="en-US"/>
+          </a:p>
+        </p:txBody>
+      </p:sp>
+    </p:spTree>
+    <p:extLst>
+      <p:ext uri="{BB962C8B-B14F-4D97-AF65-F5344CB8AC3E}">
+        <p14:creationId xmlns:p14="http://schemas.microsoft.com/office/powerpoint/2010/main" val="3365890356"/>
+      </p:ext>
+    </p:extLst>
+  </p:cSld>
+  <p:clrMapOvr>
+    <a:masterClrMapping/>
+  </p:clrMapOvr>
+  <p:timing>
+    <p:tnLst>
+      <p:par>
+        <p:cTn xmlns:p14="http://schemas.microsoft.com/office/powerpoint/2010/main" id="1" dur="indefinite" restart="never" nodeType="tmRoot"/>
+      </p:par>
+    </p:tnLst>
+  </p:timing>
+</p:sld>
+</file>
+
+<file path=ppt/slides/slide11.xml><?xml version="1.0" encoding="utf-8"?>
+<p:sld xmlns:a="http://schemas.openxmlformats.org/drawingml/2006/main" xmlns:r="http://schemas.openxmlformats.org/officeDocument/2006/relationships" xmlns:p="http://schemas.openxmlformats.org/presentationml/2006/main">
+  <p:cSld>
+    <p:spTree>
+      <p:nvGrpSpPr>
+        <p:cNvPr id="1" name=""/>
+        <p:cNvGrpSpPr/>
+        <p:nvPr/>
+      </p:nvGrpSpPr>
+      <p:grpSpPr>
+        <a:xfrm>
+          <a:off x="0" y="0"/>
+          <a:ext cx="0" cy="0"/>
+          <a:chOff x="0" y="0"/>
+          <a:chExt cx="0" cy="0"/>
+        </a:xfrm>
+      </p:grpSpPr>
+      <p:sp>
+        <p:nvSpPr>
+          <p:cNvPr id="5" name="内容占位符 4"/>
+          <p:cNvSpPr>
+            <a:spLocks noGrp="1"/>
+          </p:cNvSpPr>
+          <p:nvPr>
+            <p:ph idx="1"/>
+          </p:nvPr>
+        </p:nvSpPr>
+        <p:spPr>
+          <a:xfrm>
+            <a:off x="872067" y="3089514"/>
+            <a:ext cx="7408333" cy="849706"/>
+          </a:xfrm>
+        </p:spPr>
+        <p:txBody>
+          <a:bodyPr>
+            <a:normAutofit/>
+          </a:bodyPr>
+          <a:lstStyle/>
+          <a:p>
+            <a:pPr marL="0" indent="0">
+              <a:buNone/>
+            </a:pPr>
+            <a:r>
+              <a:rPr kumimoji="1" lang="zh-CN" altLang="zh-CN" sz="2800" dirty="0">
+                <a:latin typeface="Heiti SC Light"/>
+                <a:ea typeface="Heiti SC Light"/>
+                <a:cs typeface="Heiti SC Light"/>
+              </a:rPr>
+              <a:t>f</a:t>
+            </a:r>
+            <a:r>
+              <a:rPr kumimoji="1" lang="en-US" altLang="zh-CN" sz="2800" dirty="0" smtClean="0">
+                <a:latin typeface="Heiti SC Light"/>
+                <a:ea typeface="Heiti SC Light"/>
+                <a:cs typeface="Heiti SC Light"/>
+              </a:rPr>
+              <a:t>unction</a:t>
+            </a:r>
+            <a:r>
+              <a:rPr kumimoji="1" lang="zh-CN" altLang="en-US" sz="2800" dirty="0" smtClean="0">
+                <a:latin typeface="Heiti SC Light"/>
+                <a:ea typeface="Heiti SC Light"/>
+                <a:cs typeface="Heiti SC Light"/>
+              </a:rPr>
+              <a:t> </a:t>
+            </a:r>
+            <a:r>
+              <a:rPr kumimoji="1" lang="en-US" altLang="zh-CN" sz="2800" dirty="0" smtClean="0">
+                <a:latin typeface="Heiti SC Light"/>
+                <a:ea typeface="Heiti SC Light"/>
+                <a:cs typeface="Heiti SC Light"/>
+              </a:rPr>
+              <a:t>foo(arg1,</a:t>
+            </a:r>
+            <a:r>
+              <a:rPr kumimoji="1" lang="zh-CN" altLang="en-US" sz="2800" dirty="0" smtClean="0">
+                <a:latin typeface="Heiti SC Light"/>
+                <a:ea typeface="Heiti SC Light"/>
+                <a:cs typeface="Heiti SC Light"/>
+              </a:rPr>
+              <a:t> </a:t>
+            </a:r>
+            <a:r>
+              <a:rPr kumimoji="1" lang="en-US" altLang="zh-CN" sz="2800" dirty="0" smtClean="0">
+                <a:latin typeface="Heiti SC Light"/>
+                <a:ea typeface="Heiti SC Light"/>
+                <a:cs typeface="Heiti SC Light"/>
+              </a:rPr>
+              <a:t>arg2){return</a:t>
+            </a:r>
+            <a:r>
+              <a:rPr kumimoji="1" lang="zh-CN" altLang="en-US" sz="2800" dirty="0" smtClean="0">
+                <a:latin typeface="Heiti SC Light"/>
+                <a:ea typeface="Heiti SC Light"/>
+                <a:cs typeface="Heiti SC Light"/>
+              </a:rPr>
+              <a:t> </a:t>
+            </a:r>
+            <a:r>
+              <a:rPr kumimoji="1" lang="en-US" altLang="zh-CN" sz="2800" dirty="0" smtClean="0">
+                <a:latin typeface="Heiti SC Light"/>
+                <a:ea typeface="Heiti SC Light"/>
+                <a:cs typeface="Heiti SC Light"/>
+              </a:rPr>
+              <a:t>true;}</a:t>
+            </a:r>
+          </a:p>
+        </p:txBody>
+      </p:sp>
+      <p:sp>
+        <p:nvSpPr>
+          <p:cNvPr id="2" name="标题 1"/>
+          <p:cNvSpPr>
+            <a:spLocks noGrp="1"/>
+          </p:cNvSpPr>
+          <p:nvPr>
+            <p:ph type="title"/>
+          </p:nvPr>
+        </p:nvSpPr>
+        <p:spPr/>
+        <p:txBody>
+          <a:bodyPr>
+            <a:normAutofit/>
+          </a:bodyPr>
+          <a:lstStyle/>
+          <a:p>
+            <a:r>
+              <a:rPr kumimoji="1" lang="zh-CN" altLang="en-US" dirty="0" smtClean="0">
+                <a:latin typeface="Heiti SC Light"/>
+                <a:ea typeface="Heiti SC Light"/>
+                <a:cs typeface="Heiti SC Light"/>
+              </a:rPr>
+              <a:t>如何定义函数？</a:t>
+            </a:r>
+            <a:endParaRPr kumimoji="1" lang="zh-CN" altLang="en-US" dirty="0">
+              <a:latin typeface="Heiti SC Light"/>
+              <a:ea typeface="Heiti SC Light"/>
+              <a:cs typeface="Heiti SC Light"/>
+            </a:endParaRPr>
+          </a:p>
+        </p:txBody>
+      </p:sp>
+      <p:sp>
+        <p:nvSpPr>
+          <p:cNvPr id="4" name="副标题 2"/>
+          <p:cNvSpPr txBox="1">
+            <a:spLocks/>
+          </p:cNvSpPr>
+          <p:nvPr/>
+        </p:nvSpPr>
+        <p:spPr>
+          <a:xfrm>
+            <a:off x="690032" y="1651180"/>
+            <a:ext cx="7772400" cy="4153985"/>
+          </a:xfrm>
+          <a:prstGeom prst="rect">
+            <a:avLst/>
+          </a:prstGeom>
+        </p:spPr>
+        <p:txBody>
+          <a:bodyPr vert="horz" lIns="91440" tIns="45720" rIns="91440" bIns="45720" rtlCol="0" anchor="b">
+            <a:normAutofit/>
+          </a:bodyPr>
+          <a:lstStyle>
+            <a:lvl1pPr marL="0" indent="0" algn="ctr" defTabSz="914400" rtl="0" eaLnBrk="1" latinLnBrk="0" hangingPunct="1">
+              <a:spcBef>
+                <a:spcPct val="20000"/>
+              </a:spcBef>
+              <a:buClr>
+                <a:schemeClr val="accent1"/>
+              </a:buClr>
+              <a:buSzPct val="100000"/>
+              <a:buFont typeface="Symbol" pitchFamily="18" charset="2"/>
+              <a:buNone/>
+              <a:defRPr sz="2000" kern="1200">
+                <a:solidFill>
+                  <a:srgbClr val="FFFFFF"/>
+                </a:solidFill>
+                <a:latin typeface="+mn-lt"/>
+                <a:ea typeface="+mn-ea"/>
+                <a:cs typeface="+mn-cs"/>
+              </a:defRPr>
+            </a:lvl1pPr>
+            <a:lvl2pPr marL="457200" indent="0" algn="l" defTabSz="914400" rtl="0" eaLnBrk="1" latinLnBrk="0" hangingPunct="1">
+              <a:spcBef>
+                <a:spcPct val="20000"/>
+              </a:spcBef>
+              <a:buClr>
+                <a:schemeClr val="accent1"/>
+              </a:buClr>
+              <a:buSzPct val="100000"/>
+              <a:buFont typeface="Symbol" pitchFamily="18" charset="2"/>
+              <a:buNone/>
+              <a:defRPr sz="1800" kern="1200">
+                <a:solidFill>
+                  <a:schemeClr val="tx1">
+                    <a:tint val="75000"/>
+                  </a:schemeClr>
+                </a:solidFill>
+                <a:latin typeface="+mn-lt"/>
+                <a:ea typeface="+mn-ea"/>
+                <a:cs typeface="+mn-cs"/>
+              </a:defRPr>
+            </a:lvl2pPr>
+            <a:lvl3pPr marL="914400" indent="0" algn="l" defTabSz="914400" rtl="0" eaLnBrk="1" latinLnBrk="0" hangingPunct="1">
+              <a:spcBef>
+                <a:spcPct val="20000"/>
+              </a:spcBef>
+              <a:buClr>
+                <a:schemeClr val="accent1"/>
+              </a:buClr>
+              <a:buSzPct val="100000"/>
+              <a:buFont typeface="Symbol" pitchFamily="18" charset="2"/>
+              <a:buNone/>
+              <a:defRPr sz="1600" kern="1200">
+                <a:solidFill>
+                  <a:schemeClr val="tx1">
+                    <a:tint val="75000"/>
+                  </a:schemeClr>
+                </a:solidFill>
+                <a:latin typeface="+mn-lt"/>
+                <a:ea typeface="+mn-ea"/>
+                <a:cs typeface="+mn-cs"/>
+              </a:defRPr>
+            </a:lvl3pPr>
+            <a:lvl4pPr marL="1371600" indent="0" algn="l" defTabSz="914400" rtl="0" eaLnBrk="1" latinLnBrk="0" hangingPunct="1">
+              <a:spcBef>
+                <a:spcPct val="20000"/>
+              </a:spcBef>
+              <a:buClr>
+                <a:schemeClr val="accent1"/>
+              </a:buClr>
+              <a:buSzPct val="100000"/>
+              <a:buFont typeface="Symbol" pitchFamily="18" charset="2"/>
+              <a:buNone/>
+              <a:defRPr sz="1400" kern="1200">
+                <a:solidFill>
+                  <a:schemeClr val="tx1">
+                    <a:tint val="75000"/>
+                  </a:schemeClr>
+                </a:solidFill>
+                <a:latin typeface="+mn-lt"/>
+                <a:ea typeface="+mn-ea"/>
+                <a:cs typeface="+mn-cs"/>
+              </a:defRPr>
+            </a:lvl4pPr>
+            <a:lvl5pPr marL="1828800" indent="0" algn="l" defTabSz="914400" rtl="0" eaLnBrk="1" latinLnBrk="0" hangingPunct="1">
+              <a:spcBef>
+                <a:spcPct val="20000"/>
+              </a:spcBef>
+              <a:buClr>
+                <a:schemeClr val="accent1"/>
+              </a:buClr>
+              <a:buSzPct val="100000"/>
+              <a:buFont typeface="Symbol" pitchFamily="18" charset="2"/>
+              <a:buNone/>
+              <a:defRPr sz="1400" kern="1200">
+                <a:solidFill>
+                  <a:schemeClr val="tx1">
+                    <a:tint val="75000"/>
+                  </a:schemeClr>
+                </a:solidFill>
+                <a:latin typeface="+mn-lt"/>
+                <a:ea typeface="+mn-ea"/>
+                <a:cs typeface="+mn-cs"/>
+              </a:defRPr>
+            </a:lvl5pPr>
+            <a:lvl6pPr marL="2286000" indent="0" algn="l" defTabSz="914400" rtl="0" eaLnBrk="1" latinLnBrk="0" hangingPunct="1">
+              <a:spcBef>
+                <a:spcPts val="384"/>
+              </a:spcBef>
+              <a:buClr>
+                <a:schemeClr val="accent1"/>
+              </a:buClr>
+              <a:buFont typeface="Symbol" pitchFamily="18" charset="2"/>
+              <a:buNone/>
+              <a:defRPr sz="1400" kern="1200">
+                <a:solidFill>
+                  <a:schemeClr val="tx1">
+                    <a:tint val="75000"/>
+                  </a:schemeClr>
+                </a:solidFill>
+                <a:latin typeface="+mn-lt"/>
+                <a:ea typeface="+mn-ea"/>
+                <a:cs typeface="+mn-cs"/>
+              </a:defRPr>
+            </a:lvl6pPr>
+            <a:lvl7pPr marL="2743200" indent="0" algn="l" defTabSz="914400" rtl="0" eaLnBrk="1" latinLnBrk="0" hangingPunct="1">
+              <a:spcBef>
+                <a:spcPts val="384"/>
+              </a:spcBef>
+              <a:buClr>
+                <a:schemeClr val="accent1"/>
+              </a:buClr>
+              <a:buFont typeface="Symbol" pitchFamily="18" charset="2"/>
+              <a:buNone/>
+              <a:defRPr sz="1400" kern="1200">
+                <a:solidFill>
+                  <a:schemeClr val="tx1">
+                    <a:tint val="75000"/>
+                  </a:schemeClr>
+                </a:solidFill>
+                <a:latin typeface="+mn-lt"/>
+                <a:ea typeface="+mn-ea"/>
+                <a:cs typeface="+mn-cs"/>
+              </a:defRPr>
+            </a:lvl7pPr>
+            <a:lvl8pPr marL="3200400" indent="0" algn="l" defTabSz="914400" rtl="0" eaLnBrk="1" latinLnBrk="0" hangingPunct="1">
+              <a:spcBef>
+                <a:spcPts val="384"/>
+              </a:spcBef>
+              <a:buClr>
+                <a:schemeClr val="accent1"/>
+              </a:buClr>
+              <a:buFont typeface="Symbol" pitchFamily="18" charset="2"/>
+              <a:buNone/>
+              <a:defRPr sz="1400" kern="1200">
+                <a:solidFill>
+                  <a:schemeClr val="tx1">
+                    <a:tint val="75000"/>
+                  </a:schemeClr>
+                </a:solidFill>
+                <a:latin typeface="+mn-lt"/>
+                <a:ea typeface="+mn-ea"/>
+                <a:cs typeface="+mn-cs"/>
+              </a:defRPr>
+            </a:lvl8pPr>
+            <a:lvl9pPr marL="3657600" indent="0" algn="l" defTabSz="914400" rtl="0" eaLnBrk="1" latinLnBrk="0" hangingPunct="1">
+              <a:spcBef>
+                <a:spcPts val="384"/>
+              </a:spcBef>
+              <a:buClr>
+                <a:schemeClr val="accent1"/>
+              </a:buClr>
+              <a:buFont typeface="Symbol" pitchFamily="18" charset="2"/>
+              <a:buNone/>
+              <a:defRPr sz="1400" kern="1200">
+                <a:solidFill>
+                  <a:schemeClr val="tx1">
+                    <a:tint val="75000"/>
+                  </a:schemeClr>
+                </a:solidFill>
+                <a:latin typeface="+mn-lt"/>
+                <a:ea typeface="+mn-ea"/>
+                <a:cs typeface="+mn-cs"/>
+              </a:defRPr>
+            </a:lvl9pPr>
+          </a:lstStyle>
+          <a:p>
+            <a:endParaRPr kumimoji="1" lang="zh-CN" altLang="en-US" dirty="0">
+              <a:solidFill>
+                <a:schemeClr val="tx1"/>
+              </a:solidFill>
+            </a:endParaRPr>
+          </a:p>
+        </p:txBody>
+      </p:sp>
+      <p:sp>
+        <p:nvSpPr>
+          <p:cNvPr id="3" name="线形标注 1 2"/>
+          <p:cNvSpPr/>
+          <p:nvPr/>
+        </p:nvSpPr>
+        <p:spPr>
+          <a:xfrm>
+            <a:off x="457200" y="2186270"/>
+            <a:ext cx="1891974" cy="405321"/>
+          </a:xfrm>
+          <a:prstGeom prst="borderCallout1">
+            <a:avLst>
+              <a:gd name="adj1" fmla="val 122389"/>
+              <a:gd name="adj2" fmla="val 38570"/>
+              <a:gd name="adj3" fmla="val 250758"/>
+              <a:gd name="adj4" fmla="val 66001"/>
+            </a:avLst>
+          </a:prstGeom>
+        </p:spPr>
+        <p:style>
+          <a:lnRef idx="1">
+            <a:schemeClr val="accent3"/>
+          </a:lnRef>
+          <a:fillRef idx="3">
+            <a:schemeClr val="accent3"/>
+          </a:fillRef>
+          <a:effectRef idx="2">
+            <a:schemeClr val="accent3"/>
+          </a:effectRef>
+          <a:fontRef idx="minor">
+            <a:schemeClr val="lt1"/>
+          </a:fontRef>
+        </p:style>
+        <p:txBody>
+          <a:bodyPr rtlCol="0" anchor="ctr"/>
+          <a:lstStyle/>
+          <a:p>
+            <a:pPr algn="ctr"/>
+            <a:r>
+              <a:rPr kumimoji="1" lang="en-US" altLang="zh-CN" dirty="0" smtClean="0"/>
+              <a:t>function</a:t>
+            </a:r>
+            <a:r>
+              <a:rPr kumimoji="1" lang="zh-CN" altLang="en-US" dirty="0" smtClean="0"/>
+              <a:t>关键字</a:t>
+            </a:r>
+            <a:endParaRPr kumimoji="1" lang="zh-CN" altLang="en-US" dirty="0"/>
+          </a:p>
+        </p:txBody>
+      </p:sp>
+      <p:sp>
+        <p:nvSpPr>
+          <p:cNvPr id="6" name="线形标注 1 5"/>
+          <p:cNvSpPr/>
+          <p:nvPr/>
+        </p:nvSpPr>
+        <p:spPr>
+          <a:xfrm>
+            <a:off x="1555587" y="4411943"/>
+            <a:ext cx="1891974" cy="405321"/>
+          </a:xfrm>
+          <a:prstGeom prst="borderCallout1">
+            <a:avLst>
+              <a:gd name="adj1" fmla="val -34262"/>
+              <a:gd name="adj2" fmla="val 46104"/>
+              <a:gd name="adj3" fmla="val -200014"/>
+              <a:gd name="adj4" fmla="val 66686"/>
+            </a:avLst>
+          </a:prstGeom>
+        </p:spPr>
+        <p:style>
+          <a:lnRef idx="1">
+            <a:schemeClr val="accent3"/>
+          </a:lnRef>
+          <a:fillRef idx="3">
+            <a:schemeClr val="accent3"/>
+          </a:fillRef>
+          <a:effectRef idx="2">
+            <a:schemeClr val="accent3"/>
+          </a:effectRef>
+          <a:fontRef idx="minor">
+            <a:schemeClr val="lt1"/>
+          </a:fontRef>
+        </p:style>
+        <p:txBody>
+          <a:bodyPr rtlCol="0" anchor="ctr"/>
+          <a:lstStyle/>
+          <a:p>
+            <a:pPr algn="ctr"/>
+            <a:r>
+              <a:rPr kumimoji="1" lang="zh-CN" altLang="en-US" dirty="0" smtClean="0"/>
+              <a:t>函数名（可选）</a:t>
+            </a:r>
+            <a:endParaRPr kumimoji="1" lang="zh-CN" altLang="en-US" dirty="0"/>
+          </a:p>
+        </p:txBody>
+      </p:sp>
+      <p:sp>
+        <p:nvSpPr>
+          <p:cNvPr id="7" name="线形标注 1 6"/>
+          <p:cNvSpPr/>
+          <p:nvPr/>
+        </p:nvSpPr>
+        <p:spPr>
+          <a:xfrm>
+            <a:off x="4144228" y="4453958"/>
+            <a:ext cx="2218506" cy="405321"/>
+          </a:xfrm>
+          <a:prstGeom prst="borderCallout1">
+            <a:avLst>
+              <a:gd name="adj1" fmla="val -34262"/>
+              <a:gd name="adj2" fmla="val 46104"/>
+              <a:gd name="adj3" fmla="val -209605"/>
+              <a:gd name="adj4" fmla="val 9010"/>
+            </a:avLst>
+          </a:prstGeom>
+        </p:spPr>
+        <p:style>
+          <a:lnRef idx="1">
+            <a:schemeClr val="accent3"/>
+          </a:lnRef>
+          <a:fillRef idx="3">
+            <a:schemeClr val="accent3"/>
+          </a:fillRef>
+          <a:effectRef idx="2">
+            <a:schemeClr val="accent3"/>
+          </a:effectRef>
+          <a:fontRef idx="minor">
+            <a:schemeClr val="lt1"/>
+          </a:fontRef>
+        </p:style>
+        <p:txBody>
+          <a:bodyPr rtlCol="0" anchor="ctr"/>
+          <a:lstStyle/>
+          <a:p>
+            <a:pPr algn="ctr"/>
+            <a:r>
+              <a:rPr kumimoji="1" lang="zh-CN" altLang="en-US" dirty="0" smtClean="0"/>
+              <a:t>逗号分隔参数列表</a:t>
+            </a:r>
+            <a:endParaRPr kumimoji="1" lang="zh-CN" altLang="en-US" dirty="0"/>
+          </a:p>
+        </p:txBody>
+      </p:sp>
+      <p:sp>
+        <p:nvSpPr>
+          <p:cNvPr id="8" name="线形标注 1 7"/>
+          <p:cNvSpPr/>
+          <p:nvPr/>
+        </p:nvSpPr>
+        <p:spPr>
+          <a:xfrm>
+            <a:off x="5253481" y="1800189"/>
+            <a:ext cx="2218506" cy="405321"/>
+          </a:xfrm>
+          <a:prstGeom prst="borderCallout1">
+            <a:avLst>
+              <a:gd name="adj1" fmla="val 138374"/>
+              <a:gd name="adj2" fmla="val 46104"/>
+              <a:gd name="adj3" fmla="val 311500"/>
+              <a:gd name="adj4" fmla="val 34127"/>
+            </a:avLst>
+          </a:prstGeom>
+        </p:spPr>
+        <p:style>
+          <a:lnRef idx="1">
+            <a:schemeClr val="accent3"/>
+          </a:lnRef>
+          <a:fillRef idx="3">
+            <a:schemeClr val="accent3"/>
+          </a:fillRef>
+          <a:effectRef idx="2">
+            <a:schemeClr val="accent3"/>
+          </a:effectRef>
+          <a:fontRef idx="minor">
+            <a:schemeClr val="lt1"/>
+          </a:fontRef>
+        </p:style>
+        <p:txBody>
+          <a:bodyPr rtlCol="0" anchor="ctr"/>
+          <a:lstStyle/>
+          <a:p>
+            <a:pPr algn="ctr"/>
+            <a:r>
+              <a:rPr kumimoji="1" lang="zh-CN" altLang="en-US" dirty="0" smtClean="0"/>
+              <a:t>函数体</a:t>
+            </a:r>
+            <a:endParaRPr kumimoji="1" lang="zh-CN" altLang="en-US" dirty="0"/>
+          </a:p>
+        </p:txBody>
+      </p:sp>
+      <p:sp>
+        <p:nvSpPr>
+          <p:cNvPr id="9" name="内容占位符 4"/>
+          <p:cNvSpPr txBox="1">
+            <a:spLocks/>
+          </p:cNvSpPr>
+          <p:nvPr/>
+        </p:nvSpPr>
+        <p:spPr>
+          <a:xfrm>
+            <a:off x="1024467" y="4970841"/>
+            <a:ext cx="7408333" cy="1236022"/>
+          </a:xfrm>
+          <a:prstGeom prst="rect">
+            <a:avLst/>
+          </a:prstGeom>
+        </p:spPr>
+        <p:txBody>
+          <a:bodyPr vert="horz" lIns="91440" tIns="45720" rIns="91440" bIns="45720" rtlCol="0">
+            <a:normAutofit fontScale="70000" lnSpcReduction="20000"/>
+          </a:bodyPr>
+          <a:lstStyle>
+            <a:lvl1pPr marL="274320" indent="-274320" algn="l" defTabSz="914400" rtl="0" eaLnBrk="1" latinLnBrk="0" hangingPunct="1">
+              <a:spcBef>
+                <a:spcPct val="20000"/>
+              </a:spcBef>
+              <a:buClr>
+                <a:schemeClr val="accent1"/>
+              </a:buClr>
+              <a:buSzPct val="100000"/>
+              <a:buFont typeface="Symbol" pitchFamily="18" charset="2"/>
+              <a:buChar char=""/>
+              <a:defRPr sz="2400" kern="1200">
+                <a:solidFill>
+                  <a:schemeClr val="tx2"/>
+                </a:solidFill>
+                <a:latin typeface="+mn-lt"/>
+                <a:ea typeface="+mn-ea"/>
+                <a:cs typeface="+mn-cs"/>
+              </a:defRPr>
+            </a:lvl1pPr>
+            <a:lvl2pPr marL="576263" indent="-274320" algn="l" defTabSz="914400" rtl="0" eaLnBrk="1" latinLnBrk="0" hangingPunct="1">
+              <a:spcBef>
+                <a:spcPct val="20000"/>
+              </a:spcBef>
+              <a:buClr>
+                <a:schemeClr val="accent1"/>
+              </a:buClr>
+              <a:buSzPct val="100000"/>
+              <a:buFont typeface="Symbol" pitchFamily="18" charset="2"/>
+              <a:buChar char=""/>
+              <a:defRPr sz="2200" kern="1200">
+                <a:solidFill>
+                  <a:schemeClr val="tx2"/>
+                </a:solidFill>
+                <a:latin typeface="+mn-lt"/>
+                <a:ea typeface="+mn-ea"/>
+                <a:cs typeface="+mn-cs"/>
+              </a:defRPr>
+            </a:lvl2pPr>
+            <a:lvl3pPr marL="855663" indent="-228600" algn="l" defTabSz="914400" rtl="0" eaLnBrk="1" latinLnBrk="0" hangingPunct="1">
+              <a:spcBef>
+                <a:spcPct val="20000"/>
+              </a:spcBef>
+              <a:buClr>
+                <a:schemeClr val="accent1"/>
+              </a:buClr>
+              <a:buSzPct val="100000"/>
+              <a:buFont typeface="Symbol" pitchFamily="18" charset="2"/>
+              <a:buChar char=""/>
+              <a:defRPr sz="2000" kern="1200">
+                <a:solidFill>
+                  <a:schemeClr val="tx2"/>
+                </a:solidFill>
+                <a:latin typeface="+mn-lt"/>
+                <a:ea typeface="+mn-ea"/>
+                <a:cs typeface="+mn-cs"/>
+              </a:defRPr>
+            </a:lvl3pPr>
+            <a:lvl4pPr marL="1143000" indent="-228600" algn="l" defTabSz="914400" rtl="0" eaLnBrk="1" latinLnBrk="0" hangingPunct="1">
+              <a:spcBef>
+                <a:spcPct val="20000"/>
+              </a:spcBef>
+              <a:buClr>
+                <a:schemeClr val="accent1"/>
+              </a:buClr>
+              <a:buSzPct val="100000"/>
+              <a:buFont typeface="Symbol" pitchFamily="18" charset="2"/>
+              <a:buChar char=""/>
+              <a:defRPr sz="1800" kern="1200">
+                <a:solidFill>
+                  <a:schemeClr val="tx2"/>
+                </a:solidFill>
+                <a:latin typeface="+mn-lt"/>
+                <a:ea typeface="+mn-ea"/>
+                <a:cs typeface="+mn-cs"/>
+              </a:defRPr>
+            </a:lvl4pPr>
+            <a:lvl5pPr marL="1463040" indent="-228600" algn="l" defTabSz="914400" rtl="0" eaLnBrk="1" latinLnBrk="0" hangingPunct="1">
+              <a:spcBef>
+                <a:spcPct val="20000"/>
+              </a:spcBef>
+              <a:buClr>
+                <a:schemeClr val="accent1"/>
+              </a:buClr>
+              <a:buSzPct val="100000"/>
+              <a:buFont typeface="Symbol" pitchFamily="18" charset="2"/>
+              <a:buChar char=""/>
+              <a:defRPr sz="1600" kern="1200">
+                <a:solidFill>
+                  <a:schemeClr val="tx2"/>
+                </a:solidFill>
+                <a:latin typeface="+mn-lt"/>
+                <a:ea typeface="+mn-ea"/>
+                <a:cs typeface="+mn-cs"/>
+              </a:defRPr>
+            </a:lvl5pPr>
+            <a:lvl6pPr marL="1783080" indent="-228600" algn="l" defTabSz="914400" rtl="0" eaLnBrk="1" latinLnBrk="0" hangingPunct="1">
+              <a:spcBef>
+                <a:spcPts val="384"/>
+              </a:spcBef>
+              <a:buClr>
+                <a:schemeClr val="accent1"/>
+              </a:buClr>
+              <a:buFont typeface="Symbol" pitchFamily="18" charset="2"/>
+              <a:buChar char="*"/>
+              <a:defRPr sz="1400" kern="1200">
+                <a:solidFill>
+                  <a:schemeClr val="tx2"/>
+                </a:solidFill>
+                <a:latin typeface="+mn-lt"/>
+                <a:ea typeface="+mn-ea"/>
+                <a:cs typeface="+mn-cs"/>
+              </a:defRPr>
+            </a:lvl6pPr>
+            <a:lvl7pPr marL="2103120" indent="-228600" algn="l" defTabSz="914400" rtl="0" eaLnBrk="1" latinLnBrk="0" hangingPunct="1">
+              <a:spcBef>
+                <a:spcPts val="384"/>
+              </a:spcBef>
+              <a:buClr>
+                <a:schemeClr val="accent1"/>
+              </a:buClr>
+              <a:buFont typeface="Symbol" pitchFamily="18" charset="2"/>
+              <a:buChar char="*"/>
+              <a:defRPr sz="1400" kern="1200">
+                <a:solidFill>
+                  <a:schemeClr val="tx2"/>
+                </a:solidFill>
+                <a:latin typeface="+mn-lt"/>
+                <a:ea typeface="+mn-ea"/>
+                <a:cs typeface="+mn-cs"/>
+              </a:defRPr>
+            </a:lvl7pPr>
+            <a:lvl8pPr marL="2423160" indent="-228600" algn="l" defTabSz="914400" rtl="0" eaLnBrk="1" latinLnBrk="0" hangingPunct="1">
+              <a:spcBef>
+                <a:spcPts val="384"/>
+              </a:spcBef>
+              <a:buClr>
+                <a:schemeClr val="accent1"/>
+              </a:buClr>
+              <a:buFont typeface="Symbol" pitchFamily="18" charset="2"/>
+              <a:buChar char="*"/>
+              <a:defRPr sz="1400" kern="1200">
+                <a:solidFill>
+                  <a:schemeClr val="tx2"/>
+                </a:solidFill>
+                <a:latin typeface="+mn-lt"/>
+                <a:ea typeface="+mn-ea"/>
+                <a:cs typeface="+mn-cs"/>
+              </a:defRPr>
+            </a:lvl8pPr>
+            <a:lvl9pPr marL="2743200" indent="-228600" algn="l" defTabSz="914400" rtl="0" eaLnBrk="1" latinLnBrk="0" hangingPunct="1">
+              <a:spcBef>
+                <a:spcPts val="384"/>
+              </a:spcBef>
+              <a:buClr>
+                <a:schemeClr val="accent1"/>
+              </a:buClr>
+              <a:buFont typeface="Symbol" pitchFamily="18" charset="2"/>
+              <a:buChar char="*"/>
+              <a:defRPr sz="1400" kern="1200">
+                <a:solidFill>
+                  <a:schemeClr val="tx2"/>
+                </a:solidFill>
+                <a:latin typeface="+mn-lt"/>
+                <a:ea typeface="+mn-ea"/>
+                <a:cs typeface="+mn-cs"/>
+              </a:defRPr>
+            </a:lvl9pPr>
+          </a:lstStyle>
+          <a:p>
+            <a:pPr>
+              <a:buFont typeface="Wingdings" charset="2"/>
+              <a:buChar char="Ø"/>
+            </a:pPr>
+            <a:r>
+              <a:rPr kumimoji="1" lang="zh-CN" altLang="en-US" sz="2800" dirty="0" smtClean="0">
+                <a:latin typeface="Heiti SC Light"/>
+                <a:ea typeface="Heiti SC Light"/>
+                <a:cs typeface="Heiti SC Light"/>
+              </a:rPr>
+              <a:t>函数名是可选的。</a:t>
+            </a:r>
+            <a:endParaRPr kumimoji="1" lang="en-US" altLang="zh-CN" sz="2800" dirty="0" smtClean="0">
+              <a:latin typeface="Heiti SC Light"/>
+              <a:ea typeface="Heiti SC Light"/>
+              <a:cs typeface="Heiti SC Light"/>
+            </a:endParaRPr>
+          </a:p>
+          <a:p>
+            <a:pPr>
+              <a:buFont typeface="Wingdings" charset="2"/>
+              <a:buChar char="Ø"/>
+            </a:pPr>
+            <a:r>
+              <a:rPr kumimoji="1" lang="zh-CN" altLang="en-US" sz="2800" dirty="0" smtClean="0">
+                <a:latin typeface="Heiti SC Light"/>
+                <a:ea typeface="Heiti SC Light"/>
+                <a:cs typeface="Heiti SC Light"/>
+              </a:rPr>
+              <a:t>函数的名字的有效</a:t>
+            </a:r>
+            <a:r>
+              <a:rPr kumimoji="1" lang="en-US" altLang="zh-CN" sz="2800" dirty="0" smtClean="0">
+                <a:latin typeface="Heiti SC Light"/>
+                <a:ea typeface="Heiti SC Light"/>
+                <a:cs typeface="Heiti SC Light"/>
+              </a:rPr>
+              <a:t>scope</a:t>
+            </a:r>
+            <a:r>
+              <a:rPr kumimoji="1" lang="zh-CN" altLang="en-US" sz="2800" dirty="0" smtClean="0">
+                <a:latin typeface="Heiti SC Light"/>
+                <a:ea typeface="Heiti SC Light"/>
+                <a:cs typeface="Heiti SC Light"/>
+              </a:rPr>
+              <a:t>和函数定义的</a:t>
+            </a:r>
+            <a:r>
+              <a:rPr kumimoji="1" lang="en-US" altLang="zh-CN" sz="2800" dirty="0" smtClean="0">
+                <a:latin typeface="Heiti SC Light"/>
+                <a:ea typeface="Heiti SC Light"/>
+                <a:cs typeface="Heiti SC Light"/>
+              </a:rPr>
+              <a:t>scope</a:t>
+            </a:r>
+            <a:r>
+              <a:rPr kumimoji="1" lang="zh-CN" altLang="en-US" sz="2800" dirty="0" smtClean="0">
+                <a:latin typeface="Heiti SC Light"/>
+                <a:ea typeface="Heiti SC Light"/>
+                <a:cs typeface="Heiti SC Light"/>
+              </a:rPr>
+              <a:t>一致。</a:t>
+            </a:r>
+            <a:endParaRPr kumimoji="1" lang="en-US" altLang="zh-CN" sz="2800" dirty="0" smtClean="0">
+              <a:latin typeface="Heiti SC Light"/>
+              <a:ea typeface="Heiti SC Light"/>
+              <a:cs typeface="Heiti SC Light"/>
+            </a:endParaRPr>
+          </a:p>
+          <a:p>
+            <a:pPr>
+              <a:buFont typeface="Wingdings" charset="2"/>
+              <a:buChar char="Ø"/>
+            </a:pPr>
+            <a:r>
+              <a:rPr kumimoji="1" lang="zh-CN" altLang="en-US" sz="2800" dirty="0" smtClean="0">
+                <a:latin typeface="Heiti SC Light"/>
+                <a:ea typeface="Heiti SC Light"/>
+                <a:cs typeface="Heiti SC Light"/>
+              </a:rPr>
+              <a:t>可以通过</a:t>
+            </a:r>
+            <a:r>
+              <a:rPr kumimoji="1" lang="en-US" altLang="zh-CN" sz="2800" dirty="0" smtClean="0">
+                <a:latin typeface="Heiti SC Light"/>
+                <a:ea typeface="Heiti SC Light"/>
+                <a:cs typeface="Heiti SC Light"/>
+              </a:rPr>
+              <a:t>name</a:t>
+            </a:r>
+            <a:r>
+              <a:rPr kumimoji="1" lang="zh-CN" altLang="en-US" sz="2800" dirty="0" smtClean="0">
+                <a:latin typeface="Heiti SC Light"/>
+                <a:ea typeface="Heiti SC Light"/>
+                <a:cs typeface="Heiti SC Light"/>
+              </a:rPr>
+              <a:t>属性取得函数名，匿名函数的</a:t>
+            </a:r>
+            <a:r>
+              <a:rPr kumimoji="1" lang="en-US" altLang="zh-CN" sz="2800" dirty="0" smtClean="0">
+                <a:latin typeface="Heiti SC Light"/>
+                <a:ea typeface="Heiti SC Light"/>
+                <a:cs typeface="Heiti SC Light"/>
+              </a:rPr>
+              <a:t>name</a:t>
+            </a:r>
+            <a:r>
+              <a:rPr kumimoji="1" lang="zh-CN" altLang="en-US" sz="2800" dirty="0" smtClean="0">
+                <a:latin typeface="Heiti SC Light"/>
+                <a:ea typeface="Heiti SC Light"/>
+                <a:cs typeface="Heiti SC Light"/>
+              </a:rPr>
+              <a:t>属性为空字符串。</a:t>
+            </a:r>
+            <a:endParaRPr kumimoji="1" lang="en-US" altLang="zh-CN" sz="2800" dirty="0" smtClean="0">
+              <a:latin typeface="Heiti SC Light"/>
+              <a:ea typeface="Heiti SC Light"/>
+              <a:cs typeface="Heiti SC Light"/>
+            </a:endParaRPr>
+          </a:p>
+        </p:txBody>
+      </p:sp>
+    </p:spTree>
+    <p:extLst>
+      <p:ext uri="{BB962C8B-B14F-4D97-AF65-F5344CB8AC3E}">
+        <p14:creationId xmlns:p14="http://schemas.microsoft.com/office/powerpoint/2010/main" val="3227741022"/>
+      </p:ext>
+    </p:extLst>
+  </p:cSld>
+  <p:clrMapOvr>
+    <a:masterClrMapping/>
+  </p:clrMapOvr>
+  <p:timing>
+    <p:tnLst>
+      <p:par>
+        <p:cTn xmlns:p14="http://schemas.microsoft.com/office/powerpoint/2010/main" id="1" dur="indefinite" restart="never" nodeType="tmRoot">
+          <p:childTnLst>
+            <p:seq concurrent="1" nextAc="seek">
+              <p:cTn id="2" dur="indefinite" nodeType="mainSeq">
+                <p:childTnLst>
+                  <p:par>
+                    <p:cTn id="3" fill="hold">
+                      <p:stCondLst>
+                        <p:cond delay="indefinite"/>
+                      </p:stCondLst>
+                      <p:childTnLst>
+                        <p:par>
+                          <p:cTn id="4" fill="hold">
+                            <p:stCondLst>
+                              <p:cond delay="0"/>
+                            </p:stCondLst>
+                            <p:childTnLst>
+                              <p:par>
+                                <p:cTn id="5" presetID="2" presetClass="entr" presetSubtype="4" fill="hold" grpId="0" nodeType="clickEffect">
+                                  <p:stCondLst>
+                                    <p:cond delay="0"/>
+                                  </p:stCondLst>
+                                  <p:childTnLst>
+                                    <p:set>
+                                      <p:cBhvr>
+                                        <p:cTn id="6" dur="1" fill="hold">
+                                          <p:stCondLst>
+                                            <p:cond delay="0"/>
+                                          </p:stCondLst>
+                                        </p:cTn>
+                                        <p:tgtEl>
+                                          <p:spTgt spid="7"/>
+                                        </p:tgtEl>
+                                        <p:attrNameLst>
+                                          <p:attrName>style.visibility</p:attrName>
+                                        </p:attrNameLst>
+                                      </p:cBhvr>
+                                      <p:to>
+                                        <p:strVal val="visible"/>
+                                      </p:to>
+                                    </p:set>
+                                    <p:anim calcmode="lin" valueType="num">
+                                      <p:cBhvr additive="base">
+                                        <p:cTn id="7" dur="500" fill="hold"/>
+                                        <p:tgtEl>
+                                          <p:spTgt spid="7"/>
+                                        </p:tgtEl>
+                                        <p:attrNameLst>
+                                          <p:attrName>ppt_x</p:attrName>
+                                        </p:attrNameLst>
+                                      </p:cBhvr>
+                                      <p:tavLst>
+                                        <p:tav tm="0">
+                                          <p:val>
+                                            <p:strVal val="#ppt_x"/>
+                                          </p:val>
+                                        </p:tav>
+                                        <p:tav tm="100000">
+                                          <p:val>
+                                            <p:strVal val="#ppt_x"/>
+                                          </p:val>
+                                        </p:tav>
+                                      </p:tavLst>
+                                    </p:anim>
+                                    <p:anim calcmode="lin" valueType="num">
+                                      <p:cBhvr additive="base">
+                                        <p:cTn id="8" dur="500" fill="hold"/>
+                                        <p:tgtEl>
+                                          <p:spTgt spid="7"/>
+                                        </p:tgtEl>
+                                        <p:attrNameLst>
+                                          <p:attrName>ppt_y</p:attrName>
+                                        </p:attrNameLst>
+                                      </p:cBhvr>
+                                      <p:tavLst>
+                                        <p:tav tm="0">
+                                          <p:val>
+                                            <p:strVal val="1+#ppt_h/2"/>
+                                          </p:val>
+                                        </p:tav>
+                                        <p:tav tm="100000">
+                                          <p:val>
+                                            <p:strVal val="#ppt_y"/>
+                                          </p:val>
+                                        </p:tav>
+                                      </p:tavLst>
+                                    </p:anim>
+                                  </p:childTnLst>
+                                </p:cTn>
+                              </p:par>
+                              <p:par>
+                                <p:cTn id="9" presetID="2" presetClass="entr" presetSubtype="4" fill="hold" grpId="0" nodeType="withEffect">
+                                  <p:stCondLst>
+                                    <p:cond delay="0"/>
+                                  </p:stCondLst>
+                                  <p:childTnLst>
+                                    <p:set>
+                                      <p:cBhvr>
+                                        <p:cTn id="10" dur="1" fill="hold">
+                                          <p:stCondLst>
+                                            <p:cond delay="0"/>
+                                          </p:stCondLst>
+                                        </p:cTn>
+                                        <p:tgtEl>
+                                          <p:spTgt spid="8"/>
+                                        </p:tgtEl>
+                                        <p:attrNameLst>
+                                          <p:attrName>style.visibility</p:attrName>
+                                        </p:attrNameLst>
+                                      </p:cBhvr>
+                                      <p:to>
+                                        <p:strVal val="visible"/>
+                                      </p:to>
+                                    </p:set>
+                                    <p:anim calcmode="lin" valueType="num">
+                                      <p:cBhvr additive="base">
+                                        <p:cTn id="11" dur="500" fill="hold"/>
+                                        <p:tgtEl>
+                                          <p:spTgt spid="8"/>
+                                        </p:tgtEl>
+                                        <p:attrNameLst>
+                                          <p:attrName>ppt_x</p:attrName>
+                                        </p:attrNameLst>
+                                      </p:cBhvr>
+                                      <p:tavLst>
+                                        <p:tav tm="0">
+                                          <p:val>
+                                            <p:strVal val="#ppt_x"/>
+                                          </p:val>
+                                        </p:tav>
+                                        <p:tav tm="100000">
+                                          <p:val>
+                                            <p:strVal val="#ppt_x"/>
+                                          </p:val>
+                                        </p:tav>
+                                      </p:tavLst>
+                                    </p:anim>
+                                    <p:anim calcmode="lin" valueType="num">
+                                      <p:cBhvr additive="base">
+                                        <p:cTn id="12" dur="500" fill="hold"/>
+                                        <p:tgtEl>
+                                          <p:spTgt spid="8"/>
+                                        </p:tgtEl>
+                                        <p:attrNameLst>
+                                          <p:attrName>ppt_y</p:attrName>
+                                        </p:attrNameLst>
+                                      </p:cBhvr>
+                                      <p:tavLst>
+                                        <p:tav tm="0">
+                                          <p:val>
+                                            <p:strVal val="1+#ppt_h/2"/>
+                                          </p:val>
+                                        </p:tav>
+                                        <p:tav tm="100000">
+                                          <p:val>
+                                            <p:strVal val="#ppt_y"/>
+                                          </p:val>
+                                        </p:tav>
+                                      </p:tavLst>
+                                    </p:anim>
+                                  </p:childTnLst>
+                                </p:cTn>
+                              </p:par>
+                              <p:par>
+                                <p:cTn id="13" presetID="2" presetClass="entr" presetSubtype="4" fill="hold" grpId="0" nodeType="withEffect">
+                                  <p:stCondLst>
+                                    <p:cond delay="0"/>
+                                  </p:stCondLst>
+                                  <p:childTnLst>
+                                    <p:set>
+                                      <p:cBhvr>
+                                        <p:cTn id="14" dur="1" fill="hold">
+                                          <p:stCondLst>
+                                            <p:cond delay="0"/>
+                                          </p:stCondLst>
+                                        </p:cTn>
+                                        <p:tgtEl>
+                                          <p:spTgt spid="6"/>
+                                        </p:tgtEl>
+                                        <p:attrNameLst>
+                                          <p:attrName>style.visibility</p:attrName>
+                                        </p:attrNameLst>
+                                      </p:cBhvr>
+                                      <p:to>
+                                        <p:strVal val="visible"/>
+                                      </p:to>
+                                    </p:set>
+                                    <p:anim calcmode="lin" valueType="num">
+                                      <p:cBhvr additive="base">
+                                        <p:cTn id="15" dur="500" fill="hold"/>
+                                        <p:tgtEl>
+                                          <p:spTgt spid="6"/>
+                                        </p:tgtEl>
+                                        <p:attrNameLst>
+                                          <p:attrName>ppt_x</p:attrName>
+                                        </p:attrNameLst>
+                                      </p:cBhvr>
+                                      <p:tavLst>
+                                        <p:tav tm="0">
+                                          <p:val>
+                                            <p:strVal val="#ppt_x"/>
+                                          </p:val>
+                                        </p:tav>
+                                        <p:tav tm="100000">
+                                          <p:val>
+                                            <p:strVal val="#ppt_x"/>
+                                          </p:val>
+                                        </p:tav>
+                                      </p:tavLst>
+                                    </p:anim>
+                                    <p:anim calcmode="lin" valueType="num">
+                                      <p:cBhvr additive="base">
+                                        <p:cTn id="16" dur="500" fill="hold"/>
+                                        <p:tgtEl>
+                                          <p:spTgt spid="6"/>
+                                        </p:tgtEl>
+                                        <p:attrNameLst>
+                                          <p:attrName>ppt_y</p:attrName>
+                                        </p:attrNameLst>
+                                      </p:cBhvr>
+                                      <p:tavLst>
+                                        <p:tav tm="0">
+                                          <p:val>
+                                            <p:strVal val="1+#ppt_h/2"/>
+                                          </p:val>
+                                        </p:tav>
+                                        <p:tav tm="100000">
+                                          <p:val>
+                                            <p:strVal val="#ppt_y"/>
+                                          </p:val>
+                                        </p:tav>
+                                      </p:tavLst>
+                                    </p:anim>
+                                  </p:childTnLst>
+                                </p:cTn>
+                              </p:par>
+                              <p:par>
+                                <p:cTn id="17" presetID="2" presetClass="entr" presetSubtype="4" fill="hold" grpId="0" nodeType="withEffect">
+                                  <p:stCondLst>
+                                    <p:cond delay="0"/>
+                                  </p:stCondLst>
+                                  <p:childTnLst>
+                                    <p:set>
+                                      <p:cBhvr>
+                                        <p:cTn id="18" dur="1" fill="hold">
+                                          <p:stCondLst>
+                                            <p:cond delay="0"/>
+                                          </p:stCondLst>
+                                        </p:cTn>
+                                        <p:tgtEl>
+                                          <p:spTgt spid="3"/>
+                                        </p:tgtEl>
+                                        <p:attrNameLst>
+                                          <p:attrName>style.visibility</p:attrName>
+                                        </p:attrNameLst>
+                                      </p:cBhvr>
+                                      <p:to>
+                                        <p:strVal val="visible"/>
+                                      </p:to>
+                                    </p:set>
+                                    <p:anim calcmode="lin" valueType="num">
+                                      <p:cBhvr additive="base">
+                                        <p:cTn id="19" dur="500" fill="hold"/>
+                                        <p:tgtEl>
+                                          <p:spTgt spid="3"/>
+                                        </p:tgtEl>
+                                        <p:attrNameLst>
+                                          <p:attrName>ppt_x</p:attrName>
+                                        </p:attrNameLst>
+                                      </p:cBhvr>
+                                      <p:tavLst>
+                                        <p:tav tm="0">
+                                          <p:val>
+                                            <p:strVal val="#ppt_x"/>
+                                          </p:val>
+                                        </p:tav>
+                                        <p:tav tm="100000">
+                                          <p:val>
+                                            <p:strVal val="#ppt_x"/>
+                                          </p:val>
+                                        </p:tav>
+                                      </p:tavLst>
+                                    </p:anim>
+                                    <p:anim calcmode="lin" valueType="num">
+                                      <p:cBhvr additive="base">
+                                        <p:cTn id="20" dur="500" fill="hold"/>
+                                        <p:tgtEl>
+                                          <p:spTgt spid="3"/>
+                                        </p:tgtEl>
+                                        <p:attrNameLst>
+                                          <p:attrName>ppt_y</p:attrName>
+                                        </p:attrNameLst>
+                                      </p:cBhvr>
+                                      <p:tavLst>
+                                        <p:tav tm="0">
+                                          <p:val>
+                                            <p:strVal val="1+#ppt_h/2"/>
+                                          </p:val>
+                                        </p:tav>
+                                        <p:tav tm="100000">
+                                          <p:val>
+                                            <p:strVal val="#ppt_y"/>
+                                          </p:val>
+                                        </p:tav>
+                                      </p:tavLst>
+                                    </p:anim>
+                                  </p:childTnLst>
+                                </p:cTn>
+                              </p:par>
+                            </p:childTnLst>
+                          </p:cTn>
+                        </p:par>
+                      </p:childTnLst>
+                    </p:cTn>
+                  </p:par>
+                </p:childTnLst>
+              </p:cTn>
+              <p:prevCondLst>
+                <p:cond evt="onPrev" delay="0">
+                  <p:tgtEl>
+                    <p:sldTgt/>
+                  </p:tgtEl>
+                </p:cond>
+              </p:prevCondLst>
+              <p:nextCondLst>
+                <p:cond evt="onNext" delay="0">
+                  <p:tgtEl>
+                    <p:sldTgt/>
+                  </p:tgtEl>
+                </p:cond>
+              </p:nextCondLst>
+            </p:seq>
+          </p:childTnLst>
+        </p:cTn>
+      </p:par>
+    </p:tnLst>
+    <p:bldLst>
+      <p:bldP spid="3" grpId="0" animBg="1"/>
+      <p:bldP spid="6" grpId="0" animBg="1"/>
+      <p:bldP spid="7" grpId="0" animBg="1"/>
+      <p:bldP spid="8" grpId="0" animBg="1"/>
+    </p:bldLst>
+  </p:timing>
+</p:sld>
+</file>
+
 <file path=ppt/slides/slide2.xml><?xml version="1.0" encoding="utf-8"?>
 <p:sld xmlns:a="http://schemas.openxmlformats.org/drawingml/2006/main" xmlns:r="http://schemas.openxmlformats.org/officeDocument/2006/relationships" xmlns:p="http://schemas.openxmlformats.org/presentationml/2006/main">
   <p:cSld>
@@ -15139,9 +17387,16 @@
             <p:ph idx="1"/>
           </p:nvPr>
         </p:nvSpPr>
-        <p:spPr/>
+        <p:spPr>
+          <a:xfrm>
+            <a:off x="872067" y="1651180"/>
+            <a:ext cx="7408333" cy="4474983"/>
+          </a:xfrm>
+        </p:spPr>
         <p:txBody>
-          <a:bodyPr/>
+          <a:bodyPr>
+            <a:normAutofit fontScale="92500" lnSpcReduction="10000"/>
+          </a:bodyPr>
           <a:lstStyle/>
           <a:p>
             <a:pPr>
@@ -15168,12 +17423,28 @@
               <a:buChar char="Ø"/>
             </a:pPr>
             <a:r>
+              <a:rPr kumimoji="1" lang="en-US" altLang="zh-CN" dirty="0" err="1" smtClean="0">
+                <a:latin typeface="Heiti SC Light"/>
+                <a:ea typeface="Heiti SC Light"/>
+                <a:cs typeface="Heiti SC Light"/>
+              </a:rPr>
+              <a:t>Javascript</a:t>
+            </a:r>
+            <a:r>
+              <a:rPr kumimoji="1" lang="zh-CN" altLang="en-US" dirty="0" smtClean="0">
+                <a:latin typeface="Heiti SC Light"/>
+                <a:ea typeface="Heiti SC Light"/>
+                <a:cs typeface="Heiti SC Light"/>
+              </a:rPr>
+              <a:t>的</a:t>
+            </a:r>
+            <a:r>
               <a:rPr kumimoji="1" lang="en-US" altLang="zh-CN" dirty="0" smtClean="0">
                 <a:latin typeface="Heiti SC Light"/>
                 <a:ea typeface="Heiti SC Light"/>
                 <a:cs typeface="Heiti SC Light"/>
               </a:rPr>
-              <a:t>Function</a:t>
+              <a:t>TDD</a:t>
             </a:r>
             <a:r>
               <a:rPr kumimoji="1" lang="zh-CN" altLang="en-US" dirty="0" smtClean="0">
@@ -15181,7 +17452,31 @@
                 <a:ea typeface="Heiti SC Light"/>
                 <a:cs typeface="Heiti SC Light"/>
               </a:rPr>
-              <a:t>对象的特性</a:t>
+              <a:t>框架（</a:t>
+            </a:r>
+            <a:r>
+              <a:rPr kumimoji="1" lang="zh-CN" altLang="en-US" dirty="0">
+                <a:latin typeface="Heiti SC Light"/>
+                <a:ea typeface="Heiti SC Light"/>
+                <a:cs typeface="Heiti SC Light"/>
+              </a:rPr>
+              <a:t>类似</a:t>
+            </a:r>
+            <a:r>
+              <a:rPr kumimoji="1" lang="en-US" altLang="zh-CN" dirty="0" err="1">
+                <a:latin typeface="Heiti SC Light"/>
+                <a:ea typeface="Heiti SC Light"/>
+                <a:cs typeface="Heiti SC Light"/>
+              </a:rPr>
+              <a:t>Junit</a:t>
+            </a:r>
+            <a:r>
+              <a:rPr kumimoji="1" lang="zh-CN" altLang="en-US" dirty="0" smtClean="0">
+                <a:latin typeface="Heiti SC Light"/>
+                <a:ea typeface="Heiti SC Light"/>
+                <a:cs typeface="Heiti SC Light"/>
+              </a:rPr>
+              <a:t>）</a:t>
             </a:r>
             <a:endParaRPr kumimoji="1" lang="en-US" altLang="zh-CN" dirty="0" smtClean="0">
               <a:latin typeface="Heiti SC Light"/>
@@ -15195,12 +17490,20 @@
               <a:buChar char="Ø"/>
             </a:pPr>
             <a:r>
+              <a:rPr kumimoji="1" lang="zh-CN" altLang="en-US" dirty="0" smtClean="0">
+                <a:latin typeface="Heiti SC Light"/>
+                <a:ea typeface="Heiti SC Light"/>
+                <a:cs typeface="Heiti SC Light"/>
+              </a:rPr>
+              <a:t>特性</a:t>
+            </a:r>
+            <a:r>
               <a:rPr kumimoji="1" lang="en-US" altLang="zh-CN" dirty="0" smtClean="0">
                 <a:latin typeface="Heiti SC Light"/>
                 <a:ea typeface="Heiti SC Light"/>
                 <a:cs typeface="Heiti SC Light"/>
               </a:rPr>
-              <a:t>Function</a:t>
+              <a:t> </a:t>
             </a:r>
             <a:r>
               <a:rPr kumimoji="1" lang="zh-CN" altLang="en-US" dirty="0" smtClean="0">
@@ -15208,15 +17511,7 @@
                 <a:ea typeface="Heiti SC Light"/>
                 <a:cs typeface="Heiti SC Light"/>
               </a:rPr>
-              <a:t>对象的</a:t>
-            </a:r>
-            <a:r>
-              <a:rPr kumimoji="1" lang="zh-CN" altLang="en-US" dirty="0" smtClean="0">
-                <a:latin typeface="Heiti SC Light"/>
-                <a:ea typeface="Heiti SC Light"/>
-                <a:cs typeface="Heiti SC Light"/>
-              </a:rPr>
-              <a:t>用法</a:t>
+              <a:t>：</a:t>
             </a:r>
             <a:endParaRPr kumimoji="1" lang="en-US" altLang="zh-CN" dirty="0" smtClean="0">
               <a:latin typeface="Heiti SC Light"/>
@@ -15225,9 +17520,9 @@
             </a:endParaRPr>
           </a:p>
           <a:p>
-            <a:pPr>
+            <a:pPr lvl="1">
               <a:buFont typeface="Wingdings" charset="2"/>
-              <a:buChar char="Ø"/>
+              <a:buChar char="²"/>
             </a:pPr>
             <a:r>
               <a:rPr kumimoji="1" lang="zh-CN" altLang="en-US" dirty="0" smtClean="0">
@@ -15235,7 +17530,177 @@
                 <a:ea typeface="Heiti SC Light"/>
                 <a:cs typeface="Heiti SC Light"/>
               </a:rPr>
-              <a:t>闭包</a:t>
+              <a:t>支持</a:t>
+            </a:r>
+            <a:r>
+              <a:rPr kumimoji="1" lang="en-US" altLang="zh-CN" dirty="0" smtClean="0">
+                <a:latin typeface="Heiti SC Light"/>
+                <a:ea typeface="Heiti SC Light"/>
+                <a:cs typeface="Heiti SC Light"/>
+              </a:rPr>
+              <a:t>TDD</a:t>
+            </a:r>
+            <a:r>
+              <a:rPr kumimoji="1" lang="zh-CN" altLang="en-US" dirty="0" smtClean="0">
+                <a:latin typeface="Heiti SC Light"/>
+                <a:ea typeface="Heiti SC Light"/>
+                <a:cs typeface="Heiti SC Light"/>
+              </a:rPr>
+              <a:t>开发模型</a:t>
+            </a:r>
+            <a:endParaRPr kumimoji="1" lang="en-US" altLang="zh-CN" dirty="0">
+              <a:latin typeface="Heiti SC Light"/>
+              <a:ea typeface="Heiti SC Light"/>
+              <a:cs typeface="Heiti SC Light"/>
+            </a:endParaRPr>
+          </a:p>
+          <a:p>
+            <a:pPr lvl="1">
+              <a:buFont typeface="Wingdings" charset="2"/>
+              <a:buChar char="²"/>
+            </a:pPr>
+            <a:r>
+              <a:rPr kumimoji="1" lang="zh-CN" altLang="en-US" dirty="0">
+                <a:latin typeface="Heiti SC Light"/>
+                <a:ea typeface="Heiti SC Light"/>
+                <a:cs typeface="Heiti SC Light"/>
+              </a:rPr>
+              <a:t>测试</a:t>
+            </a:r>
+            <a:r>
+              <a:rPr kumimoji="1" lang="zh-CN" altLang="en-US" dirty="0" smtClean="0">
+                <a:latin typeface="Heiti SC Light"/>
+                <a:ea typeface="Heiti SC Light"/>
+                <a:cs typeface="Heiti SC Light"/>
+              </a:rPr>
+              <a:t>执行</a:t>
+            </a:r>
+            <a:r>
+              <a:rPr kumimoji="1" lang="zh-CN" altLang="en-US" dirty="0" smtClean="0">
+                <a:latin typeface="Heiti SC Light"/>
+                <a:ea typeface="Heiti SC Light"/>
+                <a:cs typeface="Heiti SC Light"/>
+              </a:rPr>
+              <a:t>超快速</a:t>
+            </a:r>
+            <a:endParaRPr kumimoji="1" lang="en-US" altLang="zh-CN" dirty="0">
+              <a:latin typeface="Heiti SC Light"/>
+              <a:ea typeface="Heiti SC Light"/>
+              <a:cs typeface="Heiti SC Light"/>
+            </a:endParaRPr>
+          </a:p>
+          <a:p>
+            <a:pPr lvl="1">
+              <a:buFont typeface="Wingdings" charset="2"/>
+              <a:buChar char="²"/>
+            </a:pPr>
+            <a:r>
+              <a:rPr kumimoji="1" lang="zh-CN" altLang="en-US" dirty="0" smtClean="0">
+                <a:latin typeface="Heiti SC Light"/>
+                <a:ea typeface="Heiti SC Light"/>
+                <a:cs typeface="Heiti SC Light"/>
+              </a:rPr>
+              <a:t>设定超简单</a:t>
+            </a:r>
+            <a:endParaRPr kumimoji="1" lang="en-US" altLang="zh-CN" dirty="0">
+              <a:latin typeface="Heiti SC Light"/>
+              <a:ea typeface="Heiti SC Light"/>
+              <a:cs typeface="Heiti SC Light"/>
+            </a:endParaRPr>
+          </a:p>
+          <a:p>
+            <a:pPr lvl="1">
+              <a:buFont typeface="Wingdings" charset="2"/>
+              <a:buChar char="²"/>
+            </a:pPr>
+            <a:r>
+              <a:rPr kumimoji="1" lang="zh-CN" altLang="en-US" dirty="0" smtClean="0">
+                <a:latin typeface="Heiti SC Light"/>
+                <a:ea typeface="Heiti SC Light"/>
+                <a:cs typeface="Heiti SC Light"/>
+              </a:rPr>
+              <a:t>和</a:t>
+            </a:r>
+            <a:r>
+              <a:rPr kumimoji="1" lang="en-US" altLang="zh-CN" dirty="0" smtClean="0">
+                <a:latin typeface="Heiti SC Light"/>
+                <a:ea typeface="Heiti SC Light"/>
+                <a:cs typeface="Heiti SC Light"/>
+              </a:rPr>
+              <a:t>IDE</a:t>
+            </a:r>
+            <a:r>
+              <a:rPr kumimoji="1" lang="zh-CN" altLang="en-US" dirty="0" smtClean="0">
+                <a:latin typeface="Heiti SC Light"/>
+                <a:ea typeface="Heiti SC Light"/>
+                <a:cs typeface="Heiti SC Light"/>
+              </a:rPr>
+              <a:t>整合</a:t>
+            </a:r>
+            <a:endParaRPr kumimoji="1" lang="en-US" altLang="zh-CN" dirty="0">
+              <a:latin typeface="Heiti SC Light"/>
+              <a:ea typeface="Heiti SC Light"/>
+              <a:cs typeface="Heiti SC Light"/>
+            </a:endParaRPr>
+          </a:p>
+          <a:p>
+            <a:pPr lvl="1">
+              <a:buFont typeface="Wingdings" charset="2"/>
+              <a:buChar char="²"/>
+            </a:pPr>
+            <a:r>
+              <a:rPr kumimoji="1" lang="zh-CN" altLang="en-US" dirty="0" smtClean="0">
+                <a:latin typeface="Heiti SC Light"/>
+                <a:ea typeface="Heiti SC Light"/>
+                <a:cs typeface="Heiti SC Light"/>
+              </a:rPr>
+              <a:t>支持</a:t>
+            </a:r>
+            <a:r>
+              <a:rPr kumimoji="1" lang="en-US" altLang="zh-CN" dirty="0" smtClean="0">
+                <a:latin typeface="Heiti SC Light"/>
+                <a:ea typeface="Heiti SC Light"/>
+                <a:cs typeface="Heiti SC Light"/>
+              </a:rPr>
+              <a:t>Debugger</a:t>
+            </a:r>
+            <a:endParaRPr kumimoji="1" lang="en-US" altLang="zh-CN" dirty="0">
+              <a:latin typeface="Heiti SC Light"/>
+              <a:ea typeface="Heiti SC Light"/>
+              <a:cs typeface="Heiti SC Light"/>
+            </a:endParaRPr>
+          </a:p>
+          <a:p>
+            <a:pPr lvl="1">
+              <a:buFont typeface="Wingdings" charset="2"/>
+              <a:buChar char="²"/>
+            </a:pPr>
+            <a:r>
+              <a:rPr kumimoji="1" lang="zh-CN" altLang="en-US" dirty="0" smtClean="0">
+                <a:latin typeface="Heiti SC Light"/>
+                <a:ea typeface="Heiti SC Light"/>
+                <a:cs typeface="Heiti SC Light"/>
+              </a:rPr>
+              <a:t>跨平台，跨浏览器</a:t>
+            </a:r>
+            <a:endParaRPr kumimoji="1" lang="en-US" altLang="zh-CN" dirty="0">
+              <a:latin typeface="Heiti SC Light"/>
+              <a:ea typeface="Heiti SC Light"/>
+              <a:cs typeface="Heiti SC Light"/>
+            </a:endParaRPr>
+          </a:p>
+          <a:p>
+            <a:pPr lvl="1">
+              <a:buFont typeface="Wingdings" charset="2"/>
+              <a:buChar char="²"/>
+            </a:pPr>
+            <a:r>
+              <a:rPr kumimoji="1" lang="zh-CN" altLang="en-US" dirty="0" smtClean="0">
+                <a:latin typeface="Heiti SC Light"/>
+                <a:ea typeface="Heiti SC Light"/>
+                <a:cs typeface="Heiti SC Light"/>
+              </a:rPr>
+              <a:t>支持命令行操作和持续构建</a:t>
             </a:r>
             <a:endParaRPr kumimoji="1" lang="en-US" altLang="zh-CN" dirty="0" smtClean="0">
               <a:latin typeface="Heiti SC Light"/>
@@ -15244,33 +17709,39 @@
             </a:endParaRPr>
           </a:p>
           <a:p>
-            <a:pPr>
+            <a:pPr lvl="1">
               <a:buFont typeface="Wingdings" charset="2"/>
-              <a:buChar char="Ø"/>
+              <a:buChar char="²"/>
             </a:pPr>
+            <a:r>
+              <a:rPr kumimoji="1" lang="zh-CN" altLang="en-US" dirty="0" smtClean="0">
+                <a:latin typeface="Heiti SC Light"/>
+                <a:ea typeface="Heiti SC Light"/>
+                <a:cs typeface="Heiti SC Light"/>
+              </a:rPr>
+              <a:t>支持加载</a:t>
+            </a:r>
             <a:r>
               <a:rPr kumimoji="1" lang="en-US" altLang="zh-CN" dirty="0" smtClean="0">
                 <a:latin typeface="Heiti SC Light"/>
                 <a:ea typeface="Heiti SC Light"/>
                 <a:cs typeface="Heiti SC Light"/>
               </a:rPr>
-              <a:t>Underscore</a:t>
-            </a:r>
+              <a:t>HTML</a:t>
+            </a:r>
+          </a:p>
+          <a:p>
+            <a:pPr lvl="1">
+              <a:buFont typeface="Wingdings" charset="2"/>
+              <a:buChar char="²"/>
+            </a:pPr>
             <a:r>
               <a:rPr kumimoji="1" lang="zh-CN" altLang="en-US" dirty="0" smtClean="0">
                 <a:latin typeface="Heiti SC Light"/>
                 <a:ea typeface="Heiti SC Light"/>
                 <a:cs typeface="Heiti SC Light"/>
               </a:rPr>
-              <a:t>.</a:t>
-            </a:r>
-            <a:r>
-              <a:rPr kumimoji="1" lang="en-US" altLang="zh-CN" dirty="0" err="1" smtClean="0">
-                <a:latin typeface="Heiti SC Light"/>
-                <a:ea typeface="Heiti SC Light"/>
-                <a:cs typeface="Heiti SC Light"/>
-              </a:rPr>
-              <a:t>js</a:t>
+              <a:t>支持异步处理</a:t>
             </a:r>
             <a:endParaRPr kumimoji="1" lang="en-US" altLang="en-US" dirty="0" smtClean="0">
               <a:latin typeface="Heiti SC Light"/>
@@ -15542,6 +18013,3636 @@
         <p:cTn xmlns:p14="http://schemas.microsoft.com/office/powerpoint/2010/main" id="1" dur="indefinite" restart="never" nodeType="tmRoot"/>
       </p:par>
     </p:tnLst>
+  </p:timing>
+</p:sld>
+</file>
+
+<file path=ppt/slides/slide4.xml><?xml version="1.0" encoding="utf-8"?>
+<p:sld xmlns:a="http://schemas.openxmlformats.org/drawingml/2006/main" xmlns:r="http://schemas.openxmlformats.org/officeDocument/2006/relationships" xmlns:p="http://schemas.openxmlformats.org/presentationml/2006/main">
+  <p:cSld>
+    <p:spTree>
+      <p:nvGrpSpPr>
+        <p:cNvPr id="1" name=""/>
+        <p:cNvGrpSpPr/>
+        <p:nvPr/>
+      </p:nvGrpSpPr>
+      <p:grpSpPr>
+        <a:xfrm>
+          <a:off x="0" y="0"/>
+          <a:ext cx="0" cy="0"/>
+          <a:chOff x="0" y="0"/>
+          <a:chExt cx="0" cy="0"/>
+        </a:xfrm>
+      </p:grpSpPr>
+      <p:sp>
+        <p:nvSpPr>
+          <p:cNvPr id="2" name="标题 1"/>
+          <p:cNvSpPr>
+            <a:spLocks noGrp="1"/>
+          </p:cNvSpPr>
+          <p:nvPr>
+            <p:ph type="title"/>
+          </p:nvPr>
+        </p:nvSpPr>
+        <p:spPr/>
+        <p:txBody>
+          <a:bodyPr>
+            <a:normAutofit fontScale="90000"/>
+          </a:bodyPr>
+          <a:lstStyle/>
+          <a:p>
+            <a:r>
+              <a:rPr kumimoji="1" lang="en-US" altLang="zh-CN" dirty="0">
+                <a:latin typeface="Heiti SC Light"/>
+                <a:ea typeface="Heiti SC Light"/>
+                <a:cs typeface="Heiti SC Light"/>
+              </a:rPr>
+              <a:t>Secrets of the JavaScript Ninja</a:t>
+            </a:r>
+          </a:p>
+        </p:txBody>
+      </p:sp>
+      <p:pic>
+        <p:nvPicPr>
+          <p:cNvPr id="3" name="图片 2"/>
+          <p:cNvPicPr>
+            <a:picLocks noChangeAspect="1"/>
+          </p:cNvPicPr>
+          <p:nvPr/>
+        </p:nvPicPr>
+        <p:blipFill>
+          <a:blip r:embed="rId3"/>
+          <a:stretch>
+            <a:fillRect/>
+          </a:stretch>
+        </p:blipFill>
+        <p:spPr>
+          <a:xfrm>
+            <a:off x="935292" y="2267644"/>
+            <a:ext cx="3240274" cy="4042883"/>
+          </a:xfrm>
+          <a:prstGeom prst="rect">
+            <a:avLst/>
+          </a:prstGeom>
+        </p:spPr>
+      </p:pic>
+      <p:sp>
+        <p:nvSpPr>
+          <p:cNvPr id="7" name="文本框 6"/>
+          <p:cNvSpPr txBox="1"/>
+          <p:nvPr/>
+        </p:nvSpPr>
+        <p:spPr>
+          <a:xfrm>
+            <a:off x="4729933" y="2694472"/>
+            <a:ext cx="3732499" cy="2031325"/>
+          </a:xfrm>
+          <a:prstGeom prst="rect">
+            <a:avLst/>
+          </a:prstGeom>
+          <a:noFill/>
+        </p:spPr>
+        <p:txBody>
+          <a:bodyPr wrap="square" rtlCol="0">
+            <a:spAutoFit/>
+          </a:bodyPr>
+          <a:lstStyle/>
+          <a:p>
+            <a:r>
+              <a:rPr kumimoji="1" lang="en-US" altLang="zh-CN" dirty="0" smtClean="0">
+                <a:latin typeface="+mj-lt"/>
+                <a:ea typeface="+mj-ea"/>
+              </a:rPr>
+              <a:t>John</a:t>
+            </a:r>
+            <a:r>
+              <a:rPr kumimoji="1" lang="zh-CN" altLang="en-US" dirty="0" smtClean="0">
+                <a:latin typeface="+mj-lt"/>
+                <a:ea typeface="+mj-ea"/>
+              </a:rPr>
+              <a:t> </a:t>
+            </a:r>
+            <a:r>
+              <a:rPr kumimoji="1" lang="en-US" altLang="zh-CN" dirty="0" err="1" smtClean="0">
+                <a:latin typeface="+mj-lt"/>
+                <a:ea typeface="+mj-ea"/>
+              </a:rPr>
+              <a:t>Resig</a:t>
+            </a:r>
+            <a:r>
+              <a:rPr kumimoji="1" lang="zh-CN" altLang="en-US" dirty="0">
+                <a:latin typeface="+mj-lt"/>
+                <a:ea typeface="+mj-ea"/>
+              </a:rPr>
+              <a:t>(</a:t>
+            </a:r>
+            <a:r>
+              <a:rPr kumimoji="1" lang="en-US" altLang="zh-CN" dirty="0" smtClean="0">
+                <a:latin typeface="+mj-lt"/>
+                <a:ea typeface="+mj-ea"/>
+              </a:rPr>
+              <a:t>1984</a:t>
+            </a:r>
+            <a:r>
+              <a:rPr kumimoji="1" lang="zh-CN" altLang="en-US" dirty="0">
+                <a:latin typeface="+mj-lt"/>
+                <a:ea typeface="+mj-ea"/>
+              </a:rPr>
+              <a:t>)</a:t>
+            </a:r>
+            <a:r>
+              <a:rPr kumimoji="1" lang="en-US" altLang="zh-CN" dirty="0" smtClean="0">
+                <a:latin typeface="+mj-lt"/>
+                <a:ea typeface="+mj-ea"/>
+              </a:rPr>
+              <a:t>:</a:t>
+            </a:r>
+          </a:p>
+          <a:p>
+            <a:pPr marL="285750" indent="-285750">
+              <a:buFont typeface="Arial"/>
+              <a:buChar char="•"/>
+            </a:pPr>
+            <a:r>
+              <a:rPr kumimoji="1" lang="en-US" altLang="zh-CN" dirty="0" err="1" smtClean="0">
+                <a:latin typeface="+mj-lt"/>
+                <a:ea typeface="+mj-ea"/>
+              </a:rPr>
+              <a:t>jQuery</a:t>
+            </a:r>
+            <a:r>
+              <a:rPr kumimoji="1" lang="zh-CN" altLang="en-US" dirty="0" smtClean="0">
+                <a:latin typeface="+mj-lt"/>
+                <a:ea typeface="+mj-ea"/>
+              </a:rPr>
+              <a:t>作者</a:t>
+            </a:r>
+            <a:endParaRPr kumimoji="1" lang="en-US" altLang="zh-CN" dirty="0" smtClean="0">
+              <a:latin typeface="+mj-lt"/>
+              <a:ea typeface="+mj-ea"/>
+            </a:endParaRPr>
+          </a:p>
+          <a:p>
+            <a:pPr marL="285750" indent="-285750">
+              <a:buFont typeface="Arial"/>
+              <a:buChar char="•"/>
+            </a:pPr>
+            <a:r>
+              <a:rPr kumimoji="1" lang="zh-CN" altLang="zh-CN" dirty="0" smtClean="0">
+                <a:latin typeface="+mj-lt"/>
+                <a:ea typeface="+mj-ea"/>
+              </a:rPr>
+              <a:t>Q</a:t>
+            </a:r>
+            <a:r>
+              <a:rPr kumimoji="1" lang="en-US" altLang="zh-CN" dirty="0" smtClean="0">
+                <a:latin typeface="+mj-lt"/>
+                <a:ea typeface="+mj-ea"/>
+              </a:rPr>
+              <a:t>unit</a:t>
+            </a:r>
+          </a:p>
+          <a:p>
+            <a:pPr marL="285750" indent="-285750">
+              <a:buFont typeface="Arial"/>
+              <a:buChar char="•"/>
+            </a:pPr>
+            <a:r>
+              <a:rPr kumimoji="1" lang="en-US" altLang="zh-CN" dirty="0">
+                <a:latin typeface="+mj-lt"/>
+                <a:ea typeface="+mj-ea"/>
+              </a:rPr>
+              <a:t>Simple Inheritance</a:t>
+            </a:r>
+          </a:p>
+          <a:p>
+            <a:pPr marL="285750" indent="-285750">
+              <a:buFont typeface="Arial"/>
+              <a:buChar char="•"/>
+            </a:pPr>
+            <a:r>
+              <a:rPr kumimoji="1" lang="zh-CN" altLang="zh-CN" dirty="0" smtClean="0">
+                <a:latin typeface="+mj-lt"/>
+                <a:ea typeface="+mj-ea"/>
+              </a:rPr>
+              <a:t>P</a:t>
+            </a:r>
+            <a:r>
+              <a:rPr kumimoji="1" lang="en-US" altLang="zh-CN" dirty="0" err="1" smtClean="0">
+                <a:latin typeface="+mj-lt"/>
+                <a:ea typeface="+mj-ea"/>
+              </a:rPr>
+              <a:t>rocess.js</a:t>
+            </a:r>
+            <a:endParaRPr kumimoji="1" lang="en-US" altLang="zh-CN" dirty="0" smtClean="0">
+              <a:latin typeface="+mj-lt"/>
+              <a:ea typeface="+mj-ea"/>
+            </a:endParaRPr>
+          </a:p>
+          <a:p>
+            <a:pPr marL="285750" indent="-285750">
+              <a:buFont typeface="Arial"/>
+              <a:buChar char="•"/>
+            </a:pPr>
+            <a:r>
+              <a:rPr kumimoji="1" lang="zh-CN" altLang="zh-CN" dirty="0" smtClean="0">
+                <a:latin typeface="+mj-lt"/>
+                <a:ea typeface="+mj-ea"/>
+              </a:rPr>
+              <a:t>S</a:t>
+            </a:r>
+            <a:r>
+              <a:rPr kumimoji="1" lang="en-US" altLang="zh-CN" dirty="0" err="1" smtClean="0">
+                <a:latin typeface="+mj-lt"/>
+                <a:ea typeface="+mj-ea"/>
+              </a:rPr>
+              <a:t>izzle.js</a:t>
+            </a:r>
+            <a:endParaRPr kumimoji="1" lang="en-US" altLang="zh-CN" dirty="0" smtClean="0">
+              <a:latin typeface="+mj-lt"/>
+              <a:ea typeface="+mj-ea"/>
+            </a:endParaRPr>
+          </a:p>
+          <a:p>
+            <a:pPr marL="285750" indent="-285750">
+              <a:buFont typeface="Arial"/>
+              <a:buChar char="•"/>
+            </a:pPr>
+            <a:r>
+              <a:rPr kumimoji="1" lang="zh-CN" altLang="zh-CN" dirty="0" smtClean="0">
+                <a:latin typeface="+mj-lt"/>
+                <a:ea typeface="+mj-ea"/>
+              </a:rPr>
+              <a:t>[</a:t>
+            </a:r>
+            <a:r>
+              <a:rPr kumimoji="1" lang="en-US" altLang="zh-CN" dirty="0" smtClean="0">
+                <a:latin typeface="+mj-lt"/>
+                <a:ea typeface="+mj-ea"/>
+              </a:rPr>
+              <a:t>Pro </a:t>
+            </a:r>
+            <a:r>
+              <a:rPr kumimoji="1" lang="en-US" altLang="zh-CN" dirty="0" err="1" smtClean="0">
+                <a:latin typeface="+mj-lt"/>
+                <a:ea typeface="+mj-ea"/>
+              </a:rPr>
+              <a:t>Javascript</a:t>
+            </a:r>
+            <a:r>
+              <a:rPr kumimoji="1" lang="en-US" altLang="zh-CN" dirty="0" smtClean="0">
+                <a:latin typeface="+mj-lt"/>
+                <a:ea typeface="+mj-ea"/>
+              </a:rPr>
+              <a:t> Techniques</a:t>
+            </a:r>
+            <a:r>
+              <a:rPr kumimoji="1" lang="zh-CN" altLang="zh-CN" dirty="0">
+                <a:latin typeface="+mj-lt"/>
+                <a:ea typeface="+mj-ea"/>
+              </a:rPr>
+              <a:t>]</a:t>
+            </a:r>
+            <a:endParaRPr kumimoji="1" lang="zh-CN" altLang="en-US" dirty="0">
+              <a:latin typeface="+mj-lt"/>
+              <a:ea typeface="+mj-ea"/>
+            </a:endParaRPr>
+          </a:p>
+        </p:txBody>
+      </p:sp>
+    </p:spTree>
+    <p:extLst>
+      <p:ext uri="{BB962C8B-B14F-4D97-AF65-F5344CB8AC3E}">
+        <p14:creationId xmlns:p14="http://schemas.microsoft.com/office/powerpoint/2010/main" val="2941049441"/>
+      </p:ext>
+    </p:extLst>
+  </p:cSld>
+  <p:clrMapOvr>
+    <a:masterClrMapping/>
+  </p:clrMapOvr>
+  <p:timing>
+    <p:tnLst>
+      <p:par>
+        <p:cTn xmlns:p14="http://schemas.microsoft.com/office/powerpoint/2010/main" id="1" dur="indefinite" restart="never" nodeType="tmRoot"/>
+      </p:par>
+    </p:tnLst>
+  </p:timing>
+</p:sld>
+</file>
+
+<file path=ppt/slides/slide5.xml><?xml version="1.0" encoding="utf-8"?>
+<p:sld xmlns:a="http://schemas.openxmlformats.org/drawingml/2006/main" xmlns:r="http://schemas.openxmlformats.org/officeDocument/2006/relationships" xmlns:p="http://schemas.openxmlformats.org/presentationml/2006/main">
+  <p:cSld>
+    <p:spTree>
+      <p:nvGrpSpPr>
+        <p:cNvPr id="1" name=""/>
+        <p:cNvGrpSpPr/>
+        <p:nvPr/>
+      </p:nvGrpSpPr>
+      <p:grpSpPr>
+        <a:xfrm>
+          <a:off x="0" y="0"/>
+          <a:ext cx="0" cy="0"/>
+          <a:chOff x="0" y="0"/>
+          <a:chExt cx="0" cy="0"/>
+        </a:xfrm>
+      </p:grpSpPr>
+      <p:sp>
+        <p:nvSpPr>
+          <p:cNvPr id="2" name="标题 1"/>
+          <p:cNvSpPr>
+            <a:spLocks noGrp="1"/>
+          </p:cNvSpPr>
+          <p:nvPr>
+            <p:ph type="ctrTitle"/>
+          </p:nvPr>
+        </p:nvSpPr>
+        <p:spPr/>
+        <p:txBody>
+          <a:bodyPr/>
+          <a:lstStyle/>
+          <a:p>
+            <a:r>
+              <a:rPr kumimoji="1" lang="zh-CN" altLang="en-US" dirty="0" smtClean="0">
+                <a:latin typeface="Heiti SC Light"/>
+                <a:ea typeface="Heiti SC Light"/>
+                <a:cs typeface="Heiti SC Light"/>
+              </a:rPr>
+              <a:t>为什么在</a:t>
+            </a:r>
+            <a:r>
+              <a:rPr kumimoji="1" lang="en-US" altLang="zh-CN" dirty="0" smtClean="0">
+                <a:latin typeface="Heiti SC Light"/>
+                <a:ea typeface="Heiti SC Light"/>
+                <a:cs typeface="Heiti SC Light"/>
+              </a:rPr>
+              <a:t>JavaScript</a:t>
+            </a:r>
+            <a:r>
+              <a:rPr kumimoji="1" lang="zh-CN" altLang="en-US" dirty="0" smtClean="0">
+                <a:latin typeface="Heiti SC Light"/>
+                <a:ea typeface="Heiti SC Light"/>
+                <a:cs typeface="Heiti SC Light"/>
+              </a:rPr>
+              <a:t>中</a:t>
+            </a:r>
+            <a:r>
+              <a:rPr kumimoji="1" lang="en-US" altLang="zh-CN" dirty="0" smtClean="0">
+                <a:latin typeface="Heiti SC Light"/>
+                <a:ea typeface="Heiti SC Light"/>
+                <a:cs typeface="Heiti SC Light"/>
+              </a:rPr>
+              <a:t/>
+            </a:r>
+            <a:br>
+              <a:rPr kumimoji="1" lang="en-US" altLang="zh-CN" dirty="0" smtClean="0">
+                <a:latin typeface="Heiti SC Light"/>
+                <a:ea typeface="Heiti SC Light"/>
+                <a:cs typeface="Heiti SC Light"/>
+              </a:rPr>
+            </a:br>
+            <a:r>
+              <a:rPr kumimoji="1" lang="en-US" altLang="zh-CN" dirty="0" smtClean="0">
+                <a:latin typeface="Heiti SC Light"/>
+                <a:ea typeface="Heiti SC Light"/>
+                <a:cs typeface="Heiti SC Light"/>
+              </a:rPr>
+              <a:t>Function</a:t>
+            </a:r>
+            <a:r>
+              <a:rPr kumimoji="1" lang="zh-CN" altLang="en-US" dirty="0" smtClean="0">
+                <a:latin typeface="Heiti SC Light"/>
+                <a:ea typeface="Heiti SC Light"/>
+                <a:cs typeface="Heiti SC Light"/>
+              </a:rPr>
+              <a:t>很重要</a:t>
+            </a:r>
+            <a:endParaRPr kumimoji="1" lang="zh-CN" altLang="en-US" dirty="0">
+              <a:latin typeface="Heiti SC Light"/>
+              <a:ea typeface="Heiti SC Light"/>
+              <a:cs typeface="Heiti SC Light"/>
+            </a:endParaRPr>
+          </a:p>
+        </p:txBody>
+      </p:sp>
+      <p:sp>
+        <p:nvSpPr>
+          <p:cNvPr id="4" name="副标题 2"/>
+          <p:cNvSpPr txBox="1">
+            <a:spLocks/>
+          </p:cNvSpPr>
+          <p:nvPr/>
+        </p:nvSpPr>
+        <p:spPr>
+          <a:xfrm>
+            <a:off x="690032" y="1651180"/>
+            <a:ext cx="7772400" cy="4153985"/>
+          </a:xfrm>
+          <a:prstGeom prst="rect">
+            <a:avLst/>
+          </a:prstGeom>
+        </p:spPr>
+        <p:txBody>
+          <a:bodyPr vert="horz" lIns="91440" tIns="45720" rIns="91440" bIns="45720" rtlCol="0" anchor="b">
+            <a:normAutofit/>
+          </a:bodyPr>
+          <a:lstStyle>
+            <a:lvl1pPr marL="0" indent="0" algn="ctr" defTabSz="914400" rtl="0" eaLnBrk="1" latinLnBrk="0" hangingPunct="1">
+              <a:spcBef>
+                <a:spcPct val="20000"/>
+              </a:spcBef>
+              <a:buClr>
+                <a:schemeClr val="accent1"/>
+              </a:buClr>
+              <a:buSzPct val="100000"/>
+              <a:buFont typeface="Symbol" pitchFamily="18" charset="2"/>
+              <a:buNone/>
+              <a:defRPr sz="2000" kern="1200">
+                <a:solidFill>
+                  <a:srgbClr val="FFFFFF"/>
+                </a:solidFill>
+                <a:latin typeface="+mn-lt"/>
+                <a:ea typeface="+mn-ea"/>
+                <a:cs typeface="+mn-cs"/>
+              </a:defRPr>
+            </a:lvl1pPr>
+            <a:lvl2pPr marL="457200" indent="0" algn="l" defTabSz="914400" rtl="0" eaLnBrk="1" latinLnBrk="0" hangingPunct="1">
+              <a:spcBef>
+                <a:spcPct val="20000"/>
+              </a:spcBef>
+              <a:buClr>
+                <a:schemeClr val="accent1"/>
+              </a:buClr>
+              <a:buSzPct val="100000"/>
+              <a:buFont typeface="Symbol" pitchFamily="18" charset="2"/>
+              <a:buNone/>
+              <a:defRPr sz="1800" kern="1200">
+                <a:solidFill>
+                  <a:schemeClr val="tx1">
+                    <a:tint val="75000"/>
+                  </a:schemeClr>
+                </a:solidFill>
+                <a:latin typeface="+mn-lt"/>
+                <a:ea typeface="+mn-ea"/>
+                <a:cs typeface="+mn-cs"/>
+              </a:defRPr>
+            </a:lvl2pPr>
+            <a:lvl3pPr marL="914400" indent="0" algn="l" defTabSz="914400" rtl="0" eaLnBrk="1" latinLnBrk="0" hangingPunct="1">
+              <a:spcBef>
+                <a:spcPct val="20000"/>
+              </a:spcBef>
+              <a:buClr>
+                <a:schemeClr val="accent1"/>
+              </a:buClr>
+              <a:buSzPct val="100000"/>
+              <a:buFont typeface="Symbol" pitchFamily="18" charset="2"/>
+              <a:buNone/>
+              <a:defRPr sz="1600" kern="1200">
+                <a:solidFill>
+                  <a:schemeClr val="tx1">
+                    <a:tint val="75000"/>
+                  </a:schemeClr>
+                </a:solidFill>
+                <a:latin typeface="+mn-lt"/>
+                <a:ea typeface="+mn-ea"/>
+                <a:cs typeface="+mn-cs"/>
+              </a:defRPr>
+            </a:lvl3pPr>
+            <a:lvl4pPr marL="1371600" indent="0" algn="l" defTabSz="914400" rtl="0" eaLnBrk="1" latinLnBrk="0" hangingPunct="1">
+              <a:spcBef>
+                <a:spcPct val="20000"/>
+              </a:spcBef>
+              <a:buClr>
+                <a:schemeClr val="accent1"/>
+              </a:buClr>
+              <a:buSzPct val="100000"/>
+              <a:buFont typeface="Symbol" pitchFamily="18" charset="2"/>
+              <a:buNone/>
+              <a:defRPr sz="1400" kern="1200">
+                <a:solidFill>
+                  <a:schemeClr val="tx1">
+                    <a:tint val="75000"/>
+                  </a:schemeClr>
+                </a:solidFill>
+                <a:latin typeface="+mn-lt"/>
+                <a:ea typeface="+mn-ea"/>
+                <a:cs typeface="+mn-cs"/>
+              </a:defRPr>
+            </a:lvl4pPr>
+            <a:lvl5pPr marL="1828800" indent="0" algn="l" defTabSz="914400" rtl="0" eaLnBrk="1" latinLnBrk="0" hangingPunct="1">
+              <a:spcBef>
+                <a:spcPct val="20000"/>
+              </a:spcBef>
+              <a:buClr>
+                <a:schemeClr val="accent1"/>
+              </a:buClr>
+              <a:buSzPct val="100000"/>
+              <a:buFont typeface="Symbol" pitchFamily="18" charset="2"/>
+              <a:buNone/>
+              <a:defRPr sz="1400" kern="1200">
+                <a:solidFill>
+                  <a:schemeClr val="tx1">
+                    <a:tint val="75000"/>
+                  </a:schemeClr>
+                </a:solidFill>
+                <a:latin typeface="+mn-lt"/>
+                <a:ea typeface="+mn-ea"/>
+                <a:cs typeface="+mn-cs"/>
+              </a:defRPr>
+            </a:lvl5pPr>
+            <a:lvl6pPr marL="2286000" indent="0" algn="l" defTabSz="914400" rtl="0" eaLnBrk="1" latinLnBrk="0" hangingPunct="1">
+              <a:spcBef>
+                <a:spcPts val="384"/>
+              </a:spcBef>
+              <a:buClr>
+                <a:schemeClr val="accent1"/>
+              </a:buClr>
+              <a:buFont typeface="Symbol" pitchFamily="18" charset="2"/>
+              <a:buNone/>
+              <a:defRPr sz="1400" kern="1200">
+                <a:solidFill>
+                  <a:schemeClr val="tx1">
+                    <a:tint val="75000"/>
+                  </a:schemeClr>
+                </a:solidFill>
+                <a:latin typeface="+mn-lt"/>
+                <a:ea typeface="+mn-ea"/>
+                <a:cs typeface="+mn-cs"/>
+              </a:defRPr>
+            </a:lvl6pPr>
+            <a:lvl7pPr marL="2743200" indent="0" algn="l" defTabSz="914400" rtl="0" eaLnBrk="1" latinLnBrk="0" hangingPunct="1">
+              <a:spcBef>
+                <a:spcPts val="384"/>
+              </a:spcBef>
+              <a:buClr>
+                <a:schemeClr val="accent1"/>
+              </a:buClr>
+              <a:buFont typeface="Symbol" pitchFamily="18" charset="2"/>
+              <a:buNone/>
+              <a:defRPr sz="1400" kern="1200">
+                <a:solidFill>
+                  <a:schemeClr val="tx1">
+                    <a:tint val="75000"/>
+                  </a:schemeClr>
+                </a:solidFill>
+                <a:latin typeface="+mn-lt"/>
+                <a:ea typeface="+mn-ea"/>
+                <a:cs typeface="+mn-cs"/>
+              </a:defRPr>
+            </a:lvl7pPr>
+            <a:lvl8pPr marL="3200400" indent="0" algn="l" defTabSz="914400" rtl="0" eaLnBrk="1" latinLnBrk="0" hangingPunct="1">
+              <a:spcBef>
+                <a:spcPts val="384"/>
+              </a:spcBef>
+              <a:buClr>
+                <a:schemeClr val="accent1"/>
+              </a:buClr>
+              <a:buFont typeface="Symbol" pitchFamily="18" charset="2"/>
+              <a:buNone/>
+              <a:defRPr sz="1400" kern="1200">
+                <a:solidFill>
+                  <a:schemeClr val="tx1">
+                    <a:tint val="75000"/>
+                  </a:schemeClr>
+                </a:solidFill>
+                <a:latin typeface="+mn-lt"/>
+                <a:ea typeface="+mn-ea"/>
+                <a:cs typeface="+mn-cs"/>
+              </a:defRPr>
+            </a:lvl8pPr>
+            <a:lvl9pPr marL="3657600" indent="0" algn="l" defTabSz="914400" rtl="0" eaLnBrk="1" latinLnBrk="0" hangingPunct="1">
+              <a:spcBef>
+                <a:spcPts val="384"/>
+              </a:spcBef>
+              <a:buClr>
+                <a:schemeClr val="accent1"/>
+              </a:buClr>
+              <a:buFont typeface="Symbol" pitchFamily="18" charset="2"/>
+              <a:buNone/>
+              <a:defRPr sz="1400" kern="1200">
+                <a:solidFill>
+                  <a:schemeClr val="tx1">
+                    <a:tint val="75000"/>
+                  </a:schemeClr>
+                </a:solidFill>
+                <a:latin typeface="+mn-lt"/>
+                <a:ea typeface="+mn-ea"/>
+                <a:cs typeface="+mn-cs"/>
+              </a:defRPr>
+            </a:lvl9pPr>
+          </a:lstStyle>
+          <a:p>
+            <a:endParaRPr kumimoji="1" lang="zh-CN" altLang="en-US" dirty="0">
+              <a:solidFill>
+                <a:schemeClr val="tx1"/>
+              </a:solidFill>
+            </a:endParaRPr>
+          </a:p>
+        </p:txBody>
+      </p:sp>
+      <p:sp>
+        <p:nvSpPr>
+          <p:cNvPr id="3" name="副标题 2"/>
+          <p:cNvSpPr>
+            <a:spLocks noGrp="1"/>
+          </p:cNvSpPr>
+          <p:nvPr>
+            <p:ph type="subTitle" idx="1"/>
+          </p:nvPr>
+        </p:nvSpPr>
+        <p:spPr/>
+        <p:txBody>
+          <a:bodyPr/>
+          <a:lstStyle/>
+          <a:p>
+            <a:endParaRPr kumimoji="1" lang="zh-CN" altLang="en-US"/>
+          </a:p>
+        </p:txBody>
+      </p:sp>
+    </p:spTree>
+    <p:extLst>
+      <p:ext uri="{BB962C8B-B14F-4D97-AF65-F5344CB8AC3E}">
+        <p14:creationId xmlns:p14="http://schemas.microsoft.com/office/powerpoint/2010/main" val="688945222"/>
+      </p:ext>
+    </p:extLst>
+  </p:cSld>
+  <p:clrMapOvr>
+    <a:masterClrMapping/>
+  </p:clrMapOvr>
+  <p:timing>
+    <p:tnLst>
+      <p:par>
+        <p:cTn xmlns:p14="http://schemas.microsoft.com/office/powerpoint/2010/main" id="1" dur="indefinite" restart="never" nodeType="tmRoot"/>
+      </p:par>
+    </p:tnLst>
+  </p:timing>
+</p:sld>
+</file>
+
+<file path=ppt/slides/slide6.xml><?xml version="1.0" encoding="utf-8"?>
+<p:sld xmlns:a="http://schemas.openxmlformats.org/drawingml/2006/main" xmlns:r="http://schemas.openxmlformats.org/officeDocument/2006/relationships" xmlns:p="http://schemas.openxmlformats.org/presentationml/2006/main">
+  <p:cSld>
+    <p:spTree>
+      <p:nvGrpSpPr>
+        <p:cNvPr id="1" name=""/>
+        <p:cNvGrpSpPr/>
+        <p:nvPr/>
+      </p:nvGrpSpPr>
+      <p:grpSpPr>
+        <a:xfrm>
+          <a:off x="0" y="0"/>
+          <a:ext cx="0" cy="0"/>
+          <a:chOff x="0" y="0"/>
+          <a:chExt cx="0" cy="0"/>
+        </a:xfrm>
+      </p:grpSpPr>
+      <p:sp>
+        <p:nvSpPr>
+          <p:cNvPr id="5" name="内容占位符 4"/>
+          <p:cNvSpPr>
+            <a:spLocks noGrp="1"/>
+          </p:cNvSpPr>
+          <p:nvPr>
+            <p:ph idx="1"/>
+          </p:nvPr>
+        </p:nvSpPr>
+        <p:spPr>
+          <a:xfrm>
+            <a:off x="872067" y="1651180"/>
+            <a:ext cx="7408333" cy="4474983"/>
+          </a:xfrm>
+        </p:spPr>
+        <p:txBody>
+          <a:bodyPr>
+            <a:normAutofit/>
+          </a:bodyPr>
+          <a:lstStyle/>
+          <a:p>
+            <a:pPr>
+              <a:buFont typeface="Wingdings" charset="2"/>
+              <a:buChar char="Ø"/>
+            </a:pPr>
+            <a:r>
+              <a:rPr kumimoji="1" lang="en-US" altLang="zh-CN" dirty="0" smtClean="0">
+                <a:latin typeface="Heiti SC Light"/>
+                <a:ea typeface="Heiti SC Light"/>
+                <a:cs typeface="Heiti SC Light"/>
+              </a:rPr>
+              <a:t>Not</a:t>
+            </a:r>
+            <a:r>
+              <a:rPr kumimoji="1" lang="zh-CN" altLang="en-US" dirty="0" smtClean="0">
+                <a:latin typeface="Heiti SC Light"/>
+                <a:ea typeface="Heiti SC Light"/>
+                <a:cs typeface="Heiti SC Light"/>
+              </a:rPr>
+              <a:t> </a:t>
+            </a:r>
+            <a:r>
+              <a:rPr kumimoji="1" lang="en-US" altLang="zh-CN" dirty="0" smtClean="0">
+                <a:latin typeface="Heiti SC Light"/>
+                <a:ea typeface="Heiti SC Light"/>
+                <a:cs typeface="Heiti SC Light"/>
+              </a:rPr>
+              <a:t>Object</a:t>
+            </a:r>
+            <a:r>
+              <a:rPr kumimoji="1" lang="zh-CN" altLang="en-US" dirty="0">
+                <a:latin typeface="Heiti SC Light"/>
+                <a:ea typeface="Heiti SC Light"/>
+                <a:cs typeface="Heiti SC Light"/>
+              </a:rPr>
+              <a:t> </a:t>
+            </a:r>
+            <a:r>
+              <a:rPr kumimoji="1" lang="en-US" altLang="zh-CN" dirty="0" smtClean="0">
+                <a:latin typeface="Heiti SC Light"/>
+                <a:ea typeface="Heiti SC Light"/>
+                <a:cs typeface="Heiti SC Light"/>
+              </a:rPr>
+              <a:t>Oriented</a:t>
+            </a:r>
+            <a:endParaRPr kumimoji="1" lang="en-US" altLang="zh-CN" dirty="0" smtClean="0">
+              <a:latin typeface="Heiti SC Light"/>
+              <a:ea typeface="Heiti SC Light"/>
+              <a:cs typeface="Heiti SC Light"/>
+            </a:endParaRPr>
+          </a:p>
+          <a:p>
+            <a:pPr lvl="1">
+              <a:buFont typeface="Wingdings" charset="2"/>
+              <a:buChar char="Ø"/>
+            </a:pPr>
+            <a:r>
+              <a:rPr kumimoji="1" lang="en-US" altLang="zh-CN" dirty="0" smtClean="0">
+                <a:latin typeface="Heiti SC Light"/>
+                <a:ea typeface="Heiti SC Light"/>
+                <a:cs typeface="Heiti SC Light"/>
+              </a:rPr>
+              <a:t>But</a:t>
+            </a:r>
+            <a:r>
+              <a:rPr kumimoji="1" lang="zh-CN" altLang="en-US" dirty="0" smtClean="0">
+                <a:latin typeface="Heiti SC Light"/>
+                <a:ea typeface="Heiti SC Light"/>
+                <a:cs typeface="Heiti SC Light"/>
+              </a:rPr>
+              <a:t> </a:t>
+            </a:r>
+            <a:r>
+              <a:rPr kumimoji="1" lang="en-US" altLang="zh-CN" dirty="0" smtClean="0">
+                <a:latin typeface="Heiti SC Light"/>
+                <a:ea typeface="Heiti SC Light"/>
+                <a:cs typeface="Heiti SC Light"/>
+              </a:rPr>
+              <a:t>Object</a:t>
+            </a:r>
+            <a:r>
+              <a:rPr kumimoji="1" lang="zh-CN" altLang="en-US" dirty="0" smtClean="0">
+                <a:latin typeface="Heiti SC Light"/>
+                <a:ea typeface="Heiti SC Light"/>
+                <a:cs typeface="Heiti SC Light"/>
+              </a:rPr>
+              <a:t> </a:t>
+            </a:r>
+            <a:r>
+              <a:rPr kumimoji="1" lang="en-US" altLang="zh-CN" dirty="0" smtClean="0">
+                <a:latin typeface="Heiti SC Light"/>
+                <a:ea typeface="Heiti SC Light"/>
+                <a:cs typeface="Heiti SC Light"/>
+              </a:rPr>
+              <a:t>Based</a:t>
+            </a:r>
+          </a:p>
+          <a:p>
+            <a:pPr>
+              <a:buFont typeface="Wingdings" charset="2"/>
+              <a:buChar char="Ø"/>
+            </a:pPr>
+            <a:r>
+              <a:rPr kumimoji="1" lang="zh-CN" altLang="zh-CN" dirty="0" smtClean="0">
+                <a:latin typeface="Heiti SC Light"/>
+                <a:ea typeface="Heiti SC Light"/>
+                <a:cs typeface="Heiti SC Light"/>
+              </a:rPr>
+              <a:t>N</a:t>
+            </a:r>
+            <a:r>
+              <a:rPr kumimoji="1" lang="en-US" altLang="zh-CN" dirty="0" err="1" smtClean="0">
+                <a:latin typeface="Heiti SC Light"/>
+                <a:ea typeface="Heiti SC Light"/>
+                <a:cs typeface="Heiti SC Light"/>
+              </a:rPr>
+              <a:t>ot</a:t>
+            </a:r>
+            <a:r>
+              <a:rPr kumimoji="1" lang="zh-CN" altLang="en-US" dirty="0" smtClean="0">
+                <a:latin typeface="Heiti SC Light"/>
+                <a:ea typeface="Heiti SC Light"/>
+                <a:cs typeface="Heiti SC Light"/>
+              </a:rPr>
+              <a:t> </a:t>
+            </a:r>
+            <a:r>
+              <a:rPr kumimoji="1" lang="en-US" altLang="zh-CN" dirty="0" smtClean="0">
+                <a:latin typeface="Heiti SC Light"/>
+                <a:ea typeface="Heiti SC Light"/>
+                <a:cs typeface="Heiti SC Light"/>
+              </a:rPr>
+              <a:t>Pure</a:t>
+            </a:r>
+            <a:r>
+              <a:rPr kumimoji="1" lang="zh-CN" altLang="en-US" dirty="0" smtClean="0">
+                <a:latin typeface="Heiti SC Light"/>
+                <a:ea typeface="Heiti SC Light"/>
+                <a:cs typeface="Heiti SC Light"/>
+              </a:rPr>
+              <a:t> </a:t>
+            </a:r>
+            <a:r>
+              <a:rPr kumimoji="1" lang="zh-CN" altLang="zh-CN" dirty="0" smtClean="0">
+                <a:latin typeface="Heiti SC Light"/>
+                <a:ea typeface="Heiti SC Light"/>
+                <a:cs typeface="Heiti SC Light"/>
+              </a:rPr>
+              <a:t>F</a:t>
+            </a:r>
+            <a:r>
+              <a:rPr kumimoji="1" lang="en-US" altLang="zh-CN" dirty="0" smtClean="0">
+                <a:latin typeface="Heiti SC Light"/>
+                <a:ea typeface="Heiti SC Light"/>
+                <a:cs typeface="Heiti SC Light"/>
+              </a:rPr>
+              <a:t>P(</a:t>
+            </a:r>
+            <a:r>
+              <a:rPr kumimoji="1" lang="zh-CN" altLang="en-US" dirty="0" smtClean="0">
+                <a:latin typeface="Heiti SC Light"/>
+                <a:ea typeface="Heiti SC Light"/>
+                <a:cs typeface="Heiti SC Light"/>
+              </a:rPr>
+              <a:t> </a:t>
+            </a:r>
+            <a:r>
+              <a:rPr kumimoji="1" lang="en-US" altLang="zh-CN" dirty="0" smtClean="0">
+                <a:latin typeface="Heiti SC Light"/>
+                <a:ea typeface="Heiti SC Light"/>
+                <a:cs typeface="Heiti SC Light"/>
+              </a:rPr>
+              <a:t>Functional</a:t>
+            </a:r>
+            <a:r>
+              <a:rPr kumimoji="1" lang="zh-CN" altLang="en-US" dirty="0" smtClean="0">
+                <a:latin typeface="Heiti SC Light"/>
+                <a:ea typeface="Heiti SC Light"/>
+                <a:cs typeface="Heiti SC Light"/>
+              </a:rPr>
+              <a:t> </a:t>
+            </a:r>
+            <a:r>
+              <a:rPr kumimoji="1" lang="en-US" altLang="zh-CN" dirty="0" smtClean="0">
+                <a:latin typeface="Heiti SC Light"/>
+                <a:ea typeface="Heiti SC Light"/>
+                <a:cs typeface="Heiti SC Light"/>
+              </a:rPr>
+              <a:t>Programming)</a:t>
+            </a:r>
+          </a:p>
+          <a:p>
+            <a:pPr lvl="1">
+              <a:buFont typeface="Wingdings" charset="2"/>
+              <a:buChar char="Ø"/>
+            </a:pPr>
+            <a:r>
+              <a:rPr kumimoji="1" lang="zh-CN" altLang="zh-CN" dirty="0" smtClean="0">
+                <a:latin typeface="Heiti SC Light"/>
+                <a:ea typeface="Heiti SC Light"/>
+                <a:cs typeface="Heiti SC Light"/>
+              </a:rPr>
+              <a:t>B</a:t>
+            </a:r>
+            <a:r>
+              <a:rPr kumimoji="1" lang="en-US" altLang="zh-CN" dirty="0" err="1" smtClean="0">
+                <a:latin typeface="Heiti SC Light"/>
+                <a:ea typeface="Heiti SC Light"/>
+                <a:cs typeface="Heiti SC Light"/>
+              </a:rPr>
+              <a:t>ut</a:t>
+            </a:r>
+            <a:r>
+              <a:rPr kumimoji="1" lang="zh-CN" altLang="en-US" dirty="0" smtClean="0">
+                <a:latin typeface="Heiti SC Light"/>
+                <a:ea typeface="Heiti SC Light"/>
+                <a:cs typeface="Heiti SC Light"/>
+              </a:rPr>
+              <a:t> </a:t>
+            </a:r>
+            <a:r>
+              <a:rPr kumimoji="1" lang="en-US" altLang="zh-CN" dirty="0" smtClean="0">
+                <a:latin typeface="Heiti SC Light"/>
+                <a:ea typeface="Heiti SC Light"/>
+                <a:cs typeface="Heiti SC Light"/>
+              </a:rPr>
+              <a:t>Has</a:t>
+            </a:r>
+            <a:r>
+              <a:rPr kumimoji="1" lang="zh-CN" altLang="en-US" dirty="0" smtClean="0">
+                <a:latin typeface="Heiti SC Light"/>
+                <a:ea typeface="Heiti SC Light"/>
+                <a:cs typeface="Heiti SC Light"/>
+              </a:rPr>
+              <a:t> </a:t>
+            </a:r>
+            <a:r>
+              <a:rPr kumimoji="1" lang="en-US" altLang="zh-CN" dirty="0" smtClean="0">
+                <a:latin typeface="Heiti SC Light"/>
+                <a:ea typeface="Heiti SC Light"/>
+                <a:cs typeface="Heiti SC Light"/>
+              </a:rPr>
+              <a:t>FP</a:t>
+            </a:r>
+            <a:r>
+              <a:rPr kumimoji="1" lang="zh-CN" altLang="en-US" dirty="0" smtClean="0">
+                <a:latin typeface="Heiti SC Light"/>
+                <a:ea typeface="Heiti SC Light"/>
+                <a:cs typeface="Heiti SC Light"/>
+              </a:rPr>
+              <a:t> </a:t>
+            </a:r>
+            <a:r>
+              <a:rPr kumimoji="1" lang="en-US" altLang="zh-CN" dirty="0" smtClean="0">
+                <a:latin typeface="Heiti SC Light"/>
+                <a:ea typeface="Heiti SC Light"/>
+                <a:cs typeface="Heiti SC Light"/>
+              </a:rPr>
+              <a:t>Features</a:t>
+            </a:r>
+          </a:p>
+          <a:p>
+            <a:pPr>
+              <a:buFont typeface="Wingdings" charset="2"/>
+              <a:buChar char="Ø"/>
+            </a:pPr>
+            <a:r>
+              <a:rPr kumimoji="1" lang="zh-CN" altLang="en-US" dirty="0" smtClean="0">
+                <a:latin typeface="Heiti SC Light"/>
+                <a:ea typeface="Heiti SC Light"/>
+                <a:cs typeface="Heiti SC Light"/>
+              </a:rPr>
+              <a:t>其实属于那种类型并不重要，关键是掌握</a:t>
+            </a:r>
+            <a:r>
+              <a:rPr kumimoji="1" lang="zh-CN" altLang="en-US" dirty="0" smtClean="0">
+                <a:latin typeface="Heiti SC Light"/>
+                <a:ea typeface="Heiti SC Light"/>
+                <a:cs typeface="Heiti SC Light"/>
+              </a:rPr>
+              <a:t>特性</a:t>
+            </a:r>
+            <a:endParaRPr kumimoji="1" lang="en-US" altLang="zh-CN" dirty="0" smtClean="0">
+              <a:latin typeface="Heiti SC Light"/>
+              <a:ea typeface="Heiti SC Light"/>
+              <a:cs typeface="Heiti SC Light"/>
+            </a:endParaRPr>
+          </a:p>
+          <a:p>
+            <a:pPr>
+              <a:buFont typeface="Wingdings" charset="2"/>
+              <a:buChar char="Ø"/>
+            </a:pPr>
+            <a:r>
+              <a:rPr kumimoji="1" lang="zh-CN" altLang="en-US" dirty="0" smtClean="0">
+                <a:latin typeface="Heiti SC Light"/>
+                <a:ea typeface="Heiti SC Light"/>
+                <a:cs typeface="Heiti SC Light"/>
+              </a:rPr>
+              <a:t>函数式编程方式是常常被忽略的</a:t>
+            </a:r>
+            <a:r>
+              <a:rPr kumimoji="1" lang="en-US" altLang="zh-CN" dirty="0" smtClean="0">
+                <a:latin typeface="Heiti SC Light"/>
+                <a:ea typeface="Heiti SC Light"/>
+                <a:cs typeface="Heiti SC Light"/>
+              </a:rPr>
+              <a:t>JavaScript</a:t>
+            </a:r>
+            <a:r>
+              <a:rPr kumimoji="1" lang="zh-CN" altLang="en-US" dirty="0" smtClean="0">
+                <a:latin typeface="Heiti SC Light"/>
+                <a:ea typeface="Heiti SC Light"/>
+                <a:cs typeface="Heiti SC Light"/>
+              </a:rPr>
+              <a:t>的重要特性。</a:t>
+            </a:r>
+            <a:endParaRPr kumimoji="1" lang="en-US" altLang="zh-CN" dirty="0" smtClean="0">
+              <a:latin typeface="Heiti SC Light"/>
+              <a:ea typeface="Heiti SC Light"/>
+              <a:cs typeface="Heiti SC Light"/>
+            </a:endParaRPr>
+          </a:p>
+        </p:txBody>
+      </p:sp>
+      <p:sp>
+        <p:nvSpPr>
+          <p:cNvPr id="2" name="标题 1"/>
+          <p:cNvSpPr>
+            <a:spLocks noGrp="1"/>
+          </p:cNvSpPr>
+          <p:nvPr>
+            <p:ph type="title"/>
+          </p:nvPr>
+        </p:nvSpPr>
+        <p:spPr/>
+        <p:txBody>
+          <a:bodyPr/>
+          <a:lstStyle/>
+          <a:p>
+            <a:r>
+              <a:rPr kumimoji="1" lang="en-US" altLang="zh-CN" dirty="0" smtClean="0">
+                <a:latin typeface="Heiti SC Light"/>
+                <a:ea typeface="Heiti SC Light"/>
+                <a:cs typeface="Heiti SC Light"/>
+              </a:rPr>
+              <a:t>JavaScript</a:t>
+            </a:r>
+            <a:r>
+              <a:rPr kumimoji="1" lang="zh-CN" altLang="en-US" dirty="0" smtClean="0">
+                <a:latin typeface="Heiti SC Light"/>
+                <a:ea typeface="Heiti SC Light"/>
+                <a:cs typeface="Heiti SC Light"/>
+              </a:rPr>
+              <a:t>是什么类型的语言？</a:t>
+            </a:r>
+            <a:endParaRPr kumimoji="1" lang="zh-CN" altLang="en-US" dirty="0">
+              <a:latin typeface="Heiti SC Light"/>
+              <a:ea typeface="Heiti SC Light"/>
+              <a:cs typeface="Heiti SC Light"/>
+            </a:endParaRPr>
+          </a:p>
+        </p:txBody>
+      </p:sp>
+      <p:sp>
+        <p:nvSpPr>
+          <p:cNvPr id="4" name="副标题 2"/>
+          <p:cNvSpPr txBox="1">
+            <a:spLocks/>
+          </p:cNvSpPr>
+          <p:nvPr/>
+        </p:nvSpPr>
+        <p:spPr>
+          <a:xfrm>
+            <a:off x="690032" y="1651180"/>
+            <a:ext cx="7772400" cy="4153985"/>
+          </a:xfrm>
+          <a:prstGeom prst="rect">
+            <a:avLst/>
+          </a:prstGeom>
+        </p:spPr>
+        <p:txBody>
+          <a:bodyPr vert="horz" lIns="91440" tIns="45720" rIns="91440" bIns="45720" rtlCol="0" anchor="b">
+            <a:normAutofit/>
+          </a:bodyPr>
+          <a:lstStyle>
+            <a:lvl1pPr marL="0" indent="0" algn="ctr" defTabSz="914400" rtl="0" eaLnBrk="1" latinLnBrk="0" hangingPunct="1">
+              <a:spcBef>
+                <a:spcPct val="20000"/>
+              </a:spcBef>
+              <a:buClr>
+                <a:schemeClr val="accent1"/>
+              </a:buClr>
+              <a:buSzPct val="100000"/>
+              <a:buFont typeface="Symbol" pitchFamily="18" charset="2"/>
+              <a:buNone/>
+              <a:defRPr sz="2000" kern="1200">
+                <a:solidFill>
+                  <a:srgbClr val="FFFFFF"/>
+                </a:solidFill>
+                <a:latin typeface="+mn-lt"/>
+                <a:ea typeface="+mn-ea"/>
+                <a:cs typeface="+mn-cs"/>
+              </a:defRPr>
+            </a:lvl1pPr>
+            <a:lvl2pPr marL="457200" indent="0" algn="l" defTabSz="914400" rtl="0" eaLnBrk="1" latinLnBrk="0" hangingPunct="1">
+              <a:spcBef>
+                <a:spcPct val="20000"/>
+              </a:spcBef>
+              <a:buClr>
+                <a:schemeClr val="accent1"/>
+              </a:buClr>
+              <a:buSzPct val="100000"/>
+              <a:buFont typeface="Symbol" pitchFamily="18" charset="2"/>
+              <a:buNone/>
+              <a:defRPr sz="1800" kern="1200">
+                <a:solidFill>
+                  <a:schemeClr val="tx1">
+                    <a:tint val="75000"/>
+                  </a:schemeClr>
+                </a:solidFill>
+                <a:latin typeface="+mn-lt"/>
+                <a:ea typeface="+mn-ea"/>
+                <a:cs typeface="+mn-cs"/>
+              </a:defRPr>
+            </a:lvl2pPr>
+            <a:lvl3pPr marL="914400" indent="0" algn="l" defTabSz="914400" rtl="0" eaLnBrk="1" latinLnBrk="0" hangingPunct="1">
+              <a:spcBef>
+                <a:spcPct val="20000"/>
+              </a:spcBef>
+              <a:buClr>
+                <a:schemeClr val="accent1"/>
+              </a:buClr>
+              <a:buSzPct val="100000"/>
+              <a:buFont typeface="Symbol" pitchFamily="18" charset="2"/>
+              <a:buNone/>
+              <a:defRPr sz="1600" kern="1200">
+                <a:solidFill>
+                  <a:schemeClr val="tx1">
+                    <a:tint val="75000"/>
+                  </a:schemeClr>
+                </a:solidFill>
+                <a:latin typeface="+mn-lt"/>
+                <a:ea typeface="+mn-ea"/>
+                <a:cs typeface="+mn-cs"/>
+              </a:defRPr>
+            </a:lvl3pPr>
+            <a:lvl4pPr marL="1371600" indent="0" algn="l" defTabSz="914400" rtl="0" eaLnBrk="1" latinLnBrk="0" hangingPunct="1">
+              <a:spcBef>
+                <a:spcPct val="20000"/>
+              </a:spcBef>
+              <a:buClr>
+                <a:schemeClr val="accent1"/>
+              </a:buClr>
+              <a:buSzPct val="100000"/>
+              <a:buFont typeface="Symbol" pitchFamily="18" charset="2"/>
+              <a:buNone/>
+              <a:defRPr sz="1400" kern="1200">
+                <a:solidFill>
+                  <a:schemeClr val="tx1">
+                    <a:tint val="75000"/>
+                  </a:schemeClr>
+                </a:solidFill>
+                <a:latin typeface="+mn-lt"/>
+                <a:ea typeface="+mn-ea"/>
+                <a:cs typeface="+mn-cs"/>
+              </a:defRPr>
+            </a:lvl4pPr>
+            <a:lvl5pPr marL="1828800" indent="0" algn="l" defTabSz="914400" rtl="0" eaLnBrk="1" latinLnBrk="0" hangingPunct="1">
+              <a:spcBef>
+                <a:spcPct val="20000"/>
+              </a:spcBef>
+              <a:buClr>
+                <a:schemeClr val="accent1"/>
+              </a:buClr>
+              <a:buSzPct val="100000"/>
+              <a:buFont typeface="Symbol" pitchFamily="18" charset="2"/>
+              <a:buNone/>
+              <a:defRPr sz="1400" kern="1200">
+                <a:solidFill>
+                  <a:schemeClr val="tx1">
+                    <a:tint val="75000"/>
+                  </a:schemeClr>
+                </a:solidFill>
+                <a:latin typeface="+mn-lt"/>
+                <a:ea typeface="+mn-ea"/>
+                <a:cs typeface="+mn-cs"/>
+              </a:defRPr>
+            </a:lvl5pPr>
+            <a:lvl6pPr marL="2286000" indent="0" algn="l" defTabSz="914400" rtl="0" eaLnBrk="1" latinLnBrk="0" hangingPunct="1">
+              <a:spcBef>
+                <a:spcPts val="384"/>
+              </a:spcBef>
+              <a:buClr>
+                <a:schemeClr val="accent1"/>
+              </a:buClr>
+              <a:buFont typeface="Symbol" pitchFamily="18" charset="2"/>
+              <a:buNone/>
+              <a:defRPr sz="1400" kern="1200">
+                <a:solidFill>
+                  <a:schemeClr val="tx1">
+                    <a:tint val="75000"/>
+                  </a:schemeClr>
+                </a:solidFill>
+                <a:latin typeface="+mn-lt"/>
+                <a:ea typeface="+mn-ea"/>
+                <a:cs typeface="+mn-cs"/>
+              </a:defRPr>
+            </a:lvl6pPr>
+            <a:lvl7pPr marL="2743200" indent="0" algn="l" defTabSz="914400" rtl="0" eaLnBrk="1" latinLnBrk="0" hangingPunct="1">
+              <a:spcBef>
+                <a:spcPts val="384"/>
+              </a:spcBef>
+              <a:buClr>
+                <a:schemeClr val="accent1"/>
+              </a:buClr>
+              <a:buFont typeface="Symbol" pitchFamily="18" charset="2"/>
+              <a:buNone/>
+              <a:defRPr sz="1400" kern="1200">
+                <a:solidFill>
+                  <a:schemeClr val="tx1">
+                    <a:tint val="75000"/>
+                  </a:schemeClr>
+                </a:solidFill>
+                <a:latin typeface="+mn-lt"/>
+                <a:ea typeface="+mn-ea"/>
+                <a:cs typeface="+mn-cs"/>
+              </a:defRPr>
+            </a:lvl7pPr>
+            <a:lvl8pPr marL="3200400" indent="0" algn="l" defTabSz="914400" rtl="0" eaLnBrk="1" latinLnBrk="0" hangingPunct="1">
+              <a:spcBef>
+                <a:spcPts val="384"/>
+              </a:spcBef>
+              <a:buClr>
+                <a:schemeClr val="accent1"/>
+              </a:buClr>
+              <a:buFont typeface="Symbol" pitchFamily="18" charset="2"/>
+              <a:buNone/>
+              <a:defRPr sz="1400" kern="1200">
+                <a:solidFill>
+                  <a:schemeClr val="tx1">
+                    <a:tint val="75000"/>
+                  </a:schemeClr>
+                </a:solidFill>
+                <a:latin typeface="+mn-lt"/>
+                <a:ea typeface="+mn-ea"/>
+                <a:cs typeface="+mn-cs"/>
+              </a:defRPr>
+            </a:lvl8pPr>
+            <a:lvl9pPr marL="3657600" indent="0" algn="l" defTabSz="914400" rtl="0" eaLnBrk="1" latinLnBrk="0" hangingPunct="1">
+              <a:spcBef>
+                <a:spcPts val="384"/>
+              </a:spcBef>
+              <a:buClr>
+                <a:schemeClr val="accent1"/>
+              </a:buClr>
+              <a:buFont typeface="Symbol" pitchFamily="18" charset="2"/>
+              <a:buNone/>
+              <a:defRPr sz="1400" kern="1200">
+                <a:solidFill>
+                  <a:schemeClr val="tx1">
+                    <a:tint val="75000"/>
+                  </a:schemeClr>
+                </a:solidFill>
+                <a:latin typeface="+mn-lt"/>
+                <a:ea typeface="+mn-ea"/>
+                <a:cs typeface="+mn-cs"/>
+              </a:defRPr>
+            </a:lvl9pPr>
+          </a:lstStyle>
+          <a:p>
+            <a:endParaRPr kumimoji="1" lang="zh-CN" altLang="en-US" dirty="0">
+              <a:solidFill>
+                <a:schemeClr val="tx1"/>
+              </a:solidFill>
+            </a:endParaRPr>
+          </a:p>
+        </p:txBody>
+      </p:sp>
+    </p:spTree>
+    <p:extLst>
+      <p:ext uri="{BB962C8B-B14F-4D97-AF65-F5344CB8AC3E}">
+        <p14:creationId xmlns:p14="http://schemas.microsoft.com/office/powerpoint/2010/main" val="298258765"/>
+      </p:ext>
+    </p:extLst>
+  </p:cSld>
+  <p:clrMapOvr>
+    <a:masterClrMapping/>
+  </p:clrMapOvr>
+  <p:timing>
+    <p:tnLst>
+      <p:par>
+        <p:cTn xmlns:p14="http://schemas.microsoft.com/office/powerpoint/2010/main" id="1" dur="indefinite" restart="never" nodeType="tmRoot">
+          <p:childTnLst>
+            <p:seq concurrent="1" nextAc="seek">
+              <p:cTn id="2" dur="indefinite" nodeType="mainSeq">
+                <p:childTnLst>
+                  <p:par>
+                    <p:cTn id="3" fill="hold">
+                      <p:stCondLst>
+                        <p:cond delay="indefinite"/>
+                      </p:stCondLst>
+                      <p:childTnLst>
+                        <p:par>
+                          <p:cTn id="4" fill="hold">
+                            <p:stCondLst>
+                              <p:cond delay="0"/>
+                            </p:stCondLst>
+                            <p:childTnLst>
+                              <p:par>
+                                <p:cTn id="5" presetID="2" presetClass="entr" presetSubtype="4" fill="hold" nodeType="clickEffect">
+                                  <p:stCondLst>
+                                    <p:cond delay="0"/>
+                                  </p:stCondLst>
+                                  <p:childTnLst>
+                                    <p:set>
+                                      <p:cBhvr>
+                                        <p:cTn id="6" dur="1" fill="hold">
+                                          <p:stCondLst>
+                                            <p:cond delay="0"/>
+                                          </p:stCondLst>
+                                        </p:cTn>
+                                        <p:tgtEl>
+                                          <p:spTgt spid="5">
+                                            <p:txEl>
+                                              <p:pRg st="4" end="4"/>
+                                            </p:txEl>
+                                          </p:spTgt>
+                                        </p:tgtEl>
+                                        <p:attrNameLst>
+                                          <p:attrName>style.visibility</p:attrName>
+                                        </p:attrNameLst>
+                                      </p:cBhvr>
+                                      <p:to>
+                                        <p:strVal val="visible"/>
+                                      </p:to>
+                                    </p:set>
+                                    <p:anim calcmode="lin" valueType="num">
+                                      <p:cBhvr additive="base">
+                                        <p:cTn id="7" dur="500" fill="hold"/>
+                                        <p:tgtEl>
+                                          <p:spTgt spid="5">
+                                            <p:txEl>
+                                              <p:pRg st="4" end="4"/>
+                                            </p:txEl>
+                                          </p:spTgt>
+                                        </p:tgtEl>
+                                        <p:attrNameLst>
+                                          <p:attrName>ppt_x</p:attrName>
+                                        </p:attrNameLst>
+                                      </p:cBhvr>
+                                      <p:tavLst>
+                                        <p:tav tm="0">
+                                          <p:val>
+                                            <p:strVal val="#ppt_x"/>
+                                          </p:val>
+                                        </p:tav>
+                                        <p:tav tm="100000">
+                                          <p:val>
+                                            <p:strVal val="#ppt_x"/>
+                                          </p:val>
+                                        </p:tav>
+                                      </p:tavLst>
+                                    </p:anim>
+                                    <p:anim calcmode="lin" valueType="num">
+                                      <p:cBhvr additive="base">
+                                        <p:cTn id="8" dur="500" fill="hold"/>
+                                        <p:tgtEl>
+                                          <p:spTgt spid="5">
+                                            <p:txEl>
+                                              <p:pRg st="4" end="4"/>
+                                            </p:txEl>
+                                          </p:spTgt>
+                                        </p:tgtEl>
+                                        <p:attrNameLst>
+                                          <p:attrName>ppt_y</p:attrName>
+                                        </p:attrNameLst>
+                                      </p:cBhvr>
+                                      <p:tavLst>
+                                        <p:tav tm="0">
+                                          <p:val>
+                                            <p:strVal val="1+#ppt_h/2"/>
+                                          </p:val>
+                                        </p:tav>
+                                        <p:tav tm="100000">
+                                          <p:val>
+                                            <p:strVal val="#ppt_y"/>
+                                          </p:val>
+                                        </p:tav>
+                                      </p:tavLst>
+                                    </p:anim>
+                                  </p:childTnLst>
+                                </p:cTn>
+                              </p:par>
+                            </p:childTnLst>
+                          </p:cTn>
+                        </p:par>
+                      </p:childTnLst>
+                    </p:cTn>
+                  </p:par>
+                  <p:par>
+                    <p:cTn id="9" fill="hold">
+                      <p:stCondLst>
+                        <p:cond delay="indefinite"/>
+                      </p:stCondLst>
+                      <p:childTnLst>
+                        <p:par>
+                          <p:cTn id="10" fill="hold">
+                            <p:stCondLst>
+                              <p:cond delay="0"/>
+                            </p:stCondLst>
+                            <p:childTnLst>
+                              <p:par>
+                                <p:cTn id="11" presetID="2" presetClass="entr" presetSubtype="4" fill="hold" nodeType="clickEffect">
+                                  <p:stCondLst>
+                                    <p:cond delay="0"/>
+                                  </p:stCondLst>
+                                  <p:childTnLst>
+                                    <p:set>
+                                      <p:cBhvr>
+                                        <p:cTn id="12" dur="1" fill="hold">
+                                          <p:stCondLst>
+                                            <p:cond delay="0"/>
+                                          </p:stCondLst>
+                                        </p:cTn>
+                                        <p:tgtEl>
+                                          <p:spTgt spid="5">
+                                            <p:txEl>
+                                              <p:pRg st="5" end="5"/>
+                                            </p:txEl>
+                                          </p:spTgt>
+                                        </p:tgtEl>
+                                        <p:attrNameLst>
+                                          <p:attrName>style.visibility</p:attrName>
+                                        </p:attrNameLst>
+                                      </p:cBhvr>
+                                      <p:to>
+                                        <p:strVal val="visible"/>
+                                      </p:to>
+                                    </p:set>
+                                    <p:anim calcmode="lin" valueType="num">
+                                      <p:cBhvr additive="base">
+                                        <p:cTn id="13" dur="500" fill="hold"/>
+                                        <p:tgtEl>
+                                          <p:spTgt spid="5">
+                                            <p:txEl>
+                                              <p:pRg st="5" end="5"/>
+                                            </p:txEl>
+                                          </p:spTgt>
+                                        </p:tgtEl>
+                                        <p:attrNameLst>
+                                          <p:attrName>ppt_x</p:attrName>
+                                        </p:attrNameLst>
+                                      </p:cBhvr>
+                                      <p:tavLst>
+                                        <p:tav tm="0">
+                                          <p:val>
+                                            <p:strVal val="#ppt_x"/>
+                                          </p:val>
+                                        </p:tav>
+                                        <p:tav tm="100000">
+                                          <p:val>
+                                            <p:strVal val="#ppt_x"/>
+                                          </p:val>
+                                        </p:tav>
+                                      </p:tavLst>
+                                    </p:anim>
+                                    <p:anim calcmode="lin" valueType="num">
+                                      <p:cBhvr additive="base">
+                                        <p:cTn id="14" dur="500" fill="hold"/>
+                                        <p:tgtEl>
+                                          <p:spTgt spid="5">
+                                            <p:txEl>
+                                              <p:pRg st="5" end="5"/>
+                                            </p:txEl>
+                                          </p:spTgt>
+                                        </p:tgtEl>
+                                        <p:attrNameLst>
+                                          <p:attrName>ppt_y</p:attrName>
+                                        </p:attrNameLst>
+                                      </p:cBhvr>
+                                      <p:tavLst>
+                                        <p:tav tm="0">
+                                          <p:val>
+                                            <p:strVal val="1+#ppt_h/2"/>
+                                          </p:val>
+                                        </p:tav>
+                                        <p:tav tm="100000">
+                                          <p:val>
+                                            <p:strVal val="#ppt_y"/>
+                                          </p:val>
+                                        </p:tav>
+                                      </p:tavLst>
+                                    </p:anim>
+                                  </p:childTnLst>
+                                </p:cTn>
+                              </p:par>
+                            </p:childTnLst>
+                          </p:cTn>
+                        </p:par>
+                      </p:childTnLst>
+                    </p:cTn>
+                  </p:par>
+                </p:childTnLst>
+              </p:cTn>
+              <p:prevCondLst>
+                <p:cond evt="onPrev" delay="0">
+                  <p:tgtEl>
+                    <p:sldTgt/>
+                  </p:tgtEl>
+                </p:cond>
+              </p:prevCondLst>
+              <p:nextCondLst>
+                <p:cond evt="onNext" delay="0">
+                  <p:tgtEl>
+                    <p:sldTgt/>
+                  </p:tgtEl>
+                </p:cond>
+              </p:nextCondLst>
+            </p:seq>
+          </p:childTnLst>
+        </p:cTn>
+      </p:par>
+    </p:tnLst>
+  </p:timing>
+</p:sld>
+</file>
+
+<file path=ppt/slides/slide7.xml><?xml version="1.0" encoding="utf-8"?>
+<p:sld xmlns:a="http://schemas.openxmlformats.org/drawingml/2006/main" xmlns:r="http://schemas.openxmlformats.org/officeDocument/2006/relationships" xmlns:p="http://schemas.openxmlformats.org/presentationml/2006/main">
+  <p:cSld>
+    <p:spTree>
+      <p:nvGrpSpPr>
+        <p:cNvPr id="1" name=""/>
+        <p:cNvGrpSpPr/>
+        <p:nvPr/>
+      </p:nvGrpSpPr>
+      <p:grpSpPr>
+        <a:xfrm>
+          <a:off x="0" y="0"/>
+          <a:ext cx="0" cy="0"/>
+          <a:chOff x="0" y="0"/>
+          <a:chExt cx="0" cy="0"/>
+        </a:xfrm>
+      </p:grpSpPr>
+      <p:sp>
+        <p:nvSpPr>
+          <p:cNvPr id="5" name="内容占位符 4"/>
+          <p:cNvSpPr>
+            <a:spLocks noGrp="1"/>
+          </p:cNvSpPr>
+          <p:nvPr>
+            <p:ph idx="1"/>
+          </p:nvPr>
+        </p:nvSpPr>
+        <p:spPr>
+          <a:xfrm>
+            <a:off x="872067" y="1651180"/>
+            <a:ext cx="7408333" cy="4474983"/>
+          </a:xfrm>
+        </p:spPr>
+        <p:txBody>
+          <a:bodyPr>
+            <a:normAutofit/>
+          </a:bodyPr>
+          <a:lstStyle/>
+          <a:p>
+            <a:pPr marL="0" indent="0">
+              <a:buNone/>
+            </a:pPr>
+            <a:r>
+              <a:rPr kumimoji="1" lang="en-US" altLang="zh-CN" dirty="0" smtClean="0">
+                <a:latin typeface="Heiti SC Light"/>
+                <a:ea typeface="Heiti SC Light"/>
+                <a:cs typeface="Heiti SC Light"/>
+              </a:rPr>
+              <a:t>Java</a:t>
+            </a:r>
+            <a:r>
+              <a:rPr kumimoji="1" lang="zh-CN" altLang="en-US" dirty="0" smtClean="0">
+                <a:latin typeface="Heiti SC Light"/>
+                <a:ea typeface="Heiti SC Light"/>
+                <a:cs typeface="Heiti SC Light"/>
+              </a:rPr>
+              <a:t>：</a:t>
+            </a:r>
+            <a:endParaRPr kumimoji="1" lang="en-US" altLang="zh-CN" dirty="0" smtClean="0">
+              <a:latin typeface="Heiti SC Light"/>
+              <a:ea typeface="Heiti SC Light"/>
+              <a:cs typeface="Heiti SC Light"/>
+            </a:endParaRPr>
+          </a:p>
+          <a:p>
+            <a:pPr marL="0" indent="0">
+              <a:buNone/>
+            </a:pPr>
+            <a:r>
+              <a:rPr kumimoji="1" lang="en-US" altLang="zh-CN" sz="2000" dirty="0" err="1">
+                <a:latin typeface="Heiti SC Light"/>
+                <a:ea typeface="Heiti SC Light"/>
+                <a:cs typeface="Heiti SC Light"/>
+              </a:rPr>
+              <a:t>Arrays.sort</a:t>
+            </a:r>
+            <a:r>
+              <a:rPr kumimoji="1" lang="en-US" altLang="zh-CN" sz="2000" dirty="0">
+                <a:latin typeface="Heiti SC Light"/>
+                <a:ea typeface="Heiti SC Light"/>
+                <a:cs typeface="Heiti SC Light"/>
+              </a:rPr>
+              <a:t>(</a:t>
+            </a:r>
+            <a:r>
+              <a:rPr kumimoji="1" lang="en-US" altLang="zh-CN" sz="2000" dirty="0" err="1">
+                <a:latin typeface="Heiti SC Light"/>
+                <a:ea typeface="Heiti SC Light"/>
+                <a:cs typeface="Heiti SC Light"/>
+              </a:rPr>
+              <a:t>values,new</a:t>
+            </a:r>
+            <a:r>
+              <a:rPr kumimoji="1" lang="en-US" altLang="zh-CN" sz="2000" dirty="0">
+                <a:latin typeface="Heiti SC Light"/>
+                <a:ea typeface="Heiti SC Light"/>
+                <a:cs typeface="Heiti SC Light"/>
+              </a:rPr>
+              <a:t> Comparator&lt;Integer&gt;(){</a:t>
+            </a:r>
+          </a:p>
+          <a:p>
+            <a:pPr marL="0" indent="0">
+              <a:buNone/>
+            </a:pPr>
+            <a:r>
+              <a:rPr kumimoji="1" lang="en-US" altLang="zh-CN" sz="2000" dirty="0">
+                <a:latin typeface="Heiti SC Light"/>
+                <a:ea typeface="Heiti SC Light"/>
+                <a:cs typeface="Heiti SC Light"/>
+              </a:rPr>
+              <a:t>    public </a:t>
+            </a:r>
+            <a:r>
+              <a:rPr kumimoji="1" lang="en-US" altLang="zh-CN" sz="2000" dirty="0" err="1">
+                <a:latin typeface="Heiti SC Light"/>
+                <a:ea typeface="Heiti SC Light"/>
+                <a:cs typeface="Heiti SC Light"/>
+              </a:rPr>
+              <a:t>int</a:t>
+            </a:r>
+            <a:r>
+              <a:rPr kumimoji="1" lang="en-US" altLang="zh-CN" sz="2000" dirty="0">
+                <a:latin typeface="Heiti SC Light"/>
+                <a:ea typeface="Heiti SC Light"/>
+                <a:cs typeface="Heiti SC Light"/>
+              </a:rPr>
+              <a:t> compare(Integer value1, Integer value2) {</a:t>
+            </a:r>
+          </a:p>
+          <a:p>
+            <a:pPr marL="0" indent="0">
+              <a:buNone/>
+            </a:pPr>
+            <a:r>
+              <a:rPr kumimoji="1" lang="en-US" altLang="zh-CN" sz="2000" dirty="0">
+                <a:latin typeface="Heiti SC Light"/>
+                <a:ea typeface="Heiti SC Light"/>
+                <a:cs typeface="Heiti SC Light"/>
+              </a:rPr>
+              <a:t>        return value2 - value1;</a:t>
+            </a:r>
+          </a:p>
+          <a:p>
+            <a:pPr marL="0" indent="0">
+              <a:buNone/>
+            </a:pPr>
+            <a:r>
+              <a:rPr kumimoji="1" lang="en-US" altLang="zh-CN" sz="2000" dirty="0">
+                <a:latin typeface="Heiti SC Light"/>
+                <a:ea typeface="Heiti SC Light"/>
+                <a:cs typeface="Heiti SC Light"/>
+              </a:rPr>
+              <a:t>    }</a:t>
+            </a:r>
+          </a:p>
+          <a:p>
+            <a:pPr marL="0" indent="0">
+              <a:buNone/>
+            </a:pPr>
+            <a:r>
+              <a:rPr kumimoji="1" lang="en-US" altLang="zh-CN" sz="2000" dirty="0">
+                <a:latin typeface="Heiti SC Light"/>
+                <a:ea typeface="Heiti SC Light"/>
+                <a:cs typeface="Heiti SC Light"/>
+              </a:rPr>
+              <a:t>})</a:t>
+            </a:r>
+            <a:r>
+              <a:rPr kumimoji="1" lang="en-US" altLang="zh-CN" sz="2000" dirty="0" smtClean="0">
+                <a:latin typeface="Heiti SC Light"/>
+                <a:ea typeface="Heiti SC Light"/>
+                <a:cs typeface="Heiti SC Light"/>
+              </a:rPr>
+              <a:t>;</a:t>
+            </a:r>
+          </a:p>
+          <a:p>
+            <a:pPr marL="0" indent="0">
+              <a:buNone/>
+            </a:pPr>
+            <a:endParaRPr kumimoji="1" lang="en-US" altLang="zh-CN" sz="2000" dirty="0">
+              <a:latin typeface="Heiti SC Light"/>
+              <a:ea typeface="Heiti SC Light"/>
+              <a:cs typeface="Heiti SC Light"/>
+            </a:endParaRPr>
+          </a:p>
+          <a:p>
+            <a:pPr marL="0" indent="0">
+              <a:buNone/>
+            </a:pPr>
+            <a:r>
+              <a:rPr kumimoji="1" lang="zh-CN" altLang="zh-CN" dirty="0">
+                <a:latin typeface="Heiti SC Light"/>
+                <a:ea typeface="Heiti SC Light"/>
+                <a:cs typeface="Heiti SC Light"/>
+              </a:rPr>
+              <a:t>J</a:t>
+            </a:r>
+            <a:r>
+              <a:rPr kumimoji="1" lang="en-US" altLang="zh-CN" dirty="0" err="1">
+                <a:latin typeface="Heiti SC Light"/>
+                <a:ea typeface="Heiti SC Light"/>
+                <a:cs typeface="Heiti SC Light"/>
+              </a:rPr>
+              <a:t>avaScript</a:t>
+            </a:r>
+            <a:r>
+              <a:rPr kumimoji="1" lang="en-US" altLang="zh-CN" dirty="0">
+                <a:latin typeface="Heiti SC Light"/>
+                <a:ea typeface="Heiti SC Light"/>
+                <a:cs typeface="Heiti SC Light"/>
+              </a:rPr>
+              <a:t>:</a:t>
+            </a:r>
+          </a:p>
+          <a:p>
+            <a:pPr marL="0" indent="0">
+              <a:buNone/>
+            </a:pPr>
+            <a:r>
+              <a:rPr kumimoji="1" lang="en-US" altLang="zh-CN" sz="2000" dirty="0" err="1">
+                <a:latin typeface="Heiti SC Light"/>
+                <a:ea typeface="Heiti SC Light"/>
+                <a:cs typeface="Heiti SC Light"/>
+              </a:rPr>
+              <a:t>values.sort</a:t>
+            </a:r>
+            <a:r>
+              <a:rPr kumimoji="1" lang="en-US" altLang="zh-CN" sz="2000" dirty="0">
+                <a:latin typeface="Heiti SC Light"/>
+                <a:ea typeface="Heiti SC Light"/>
+                <a:cs typeface="Heiti SC Light"/>
+              </a:rPr>
+              <a:t>(function(value1,value2){ </a:t>
+            </a:r>
+            <a:endParaRPr kumimoji="1" lang="en-US" altLang="zh-CN" sz="2000" dirty="0" smtClean="0">
+              <a:latin typeface="Heiti SC Light"/>
+              <a:ea typeface="Heiti SC Light"/>
+              <a:cs typeface="Heiti SC Light"/>
+            </a:endParaRPr>
+          </a:p>
+          <a:p>
+            <a:pPr marL="0" indent="0">
+              <a:buNone/>
+            </a:pPr>
+            <a:r>
+              <a:rPr kumimoji="1" lang="zh-CN" altLang="zh-CN" sz="2000" dirty="0">
+                <a:latin typeface="Heiti SC Light"/>
+                <a:ea typeface="Heiti SC Light"/>
+                <a:cs typeface="Heiti SC Light"/>
+              </a:rPr>
+              <a:t> </a:t>
+            </a:r>
+            <a:r>
+              <a:rPr kumimoji="1" lang="zh-CN" altLang="en-US" sz="2000" dirty="0" smtClean="0">
+                <a:latin typeface="Heiti SC Light"/>
+                <a:ea typeface="Heiti SC Light"/>
+                <a:cs typeface="Heiti SC Light"/>
+              </a:rPr>
+              <a:t>   </a:t>
+            </a:r>
+            <a:r>
+              <a:rPr kumimoji="1" lang="en-US" altLang="zh-CN" sz="2000" dirty="0" smtClean="0">
+                <a:latin typeface="Heiti SC Light"/>
+                <a:ea typeface="Heiti SC Light"/>
+                <a:cs typeface="Heiti SC Light"/>
+              </a:rPr>
+              <a:t>return </a:t>
+            </a:r>
+            <a:r>
+              <a:rPr kumimoji="1" lang="en-US" altLang="zh-CN" sz="2000" dirty="0">
+                <a:latin typeface="Heiti SC Light"/>
+                <a:ea typeface="Heiti SC Light"/>
+                <a:cs typeface="Heiti SC Light"/>
+              </a:rPr>
+              <a:t>value2 - value1; </a:t>
+            </a:r>
+            <a:endParaRPr kumimoji="1" lang="en-US" altLang="zh-CN" sz="2000" dirty="0" smtClean="0">
+              <a:latin typeface="Heiti SC Light"/>
+              <a:ea typeface="Heiti SC Light"/>
+              <a:cs typeface="Heiti SC Light"/>
+            </a:endParaRPr>
+          </a:p>
+          <a:p>
+            <a:pPr marL="0" indent="0">
+              <a:buNone/>
+            </a:pPr>
+            <a:r>
+              <a:rPr kumimoji="1" lang="en-US" altLang="zh-CN" sz="2000" dirty="0" smtClean="0">
+                <a:latin typeface="Heiti SC Light"/>
+                <a:ea typeface="Heiti SC Light"/>
+                <a:cs typeface="Heiti SC Light"/>
+              </a:rPr>
+              <a:t>}</a:t>
+            </a:r>
+            <a:r>
+              <a:rPr kumimoji="1" lang="en-US" altLang="zh-CN" sz="2000" dirty="0">
+                <a:latin typeface="Heiti SC Light"/>
+                <a:ea typeface="Heiti SC Light"/>
+                <a:cs typeface="Heiti SC Light"/>
+              </a:rPr>
+              <a:t>);</a:t>
+            </a:r>
+            <a:endParaRPr kumimoji="1" lang="en-US" altLang="zh-CN" sz="2000" dirty="0">
+              <a:latin typeface="Heiti SC Light"/>
+              <a:ea typeface="Heiti SC Light"/>
+              <a:cs typeface="Heiti SC Light"/>
+            </a:endParaRPr>
+          </a:p>
+        </p:txBody>
+      </p:sp>
+      <p:sp>
+        <p:nvSpPr>
+          <p:cNvPr id="2" name="标题 1"/>
+          <p:cNvSpPr>
+            <a:spLocks noGrp="1"/>
+          </p:cNvSpPr>
+          <p:nvPr>
+            <p:ph type="title"/>
+          </p:nvPr>
+        </p:nvSpPr>
+        <p:spPr/>
+        <p:txBody>
+          <a:bodyPr/>
+          <a:lstStyle/>
+          <a:p>
+            <a:r>
+              <a:rPr kumimoji="1" lang="zh-CN" altLang="en-US" dirty="0" smtClean="0">
+                <a:latin typeface="Heiti SC Light"/>
+                <a:ea typeface="Heiti SC Light"/>
+                <a:cs typeface="Heiti SC Light"/>
+              </a:rPr>
+              <a:t>什么是</a:t>
+            </a:r>
+            <a:r>
+              <a:rPr kumimoji="1" lang="en-US" altLang="zh-CN" dirty="0" smtClean="0">
+                <a:latin typeface="Heiti SC Light"/>
+                <a:ea typeface="Heiti SC Light"/>
+                <a:cs typeface="Heiti SC Light"/>
+              </a:rPr>
+              <a:t>FP</a:t>
+            </a:r>
+            <a:endParaRPr kumimoji="1" lang="zh-CN" altLang="en-US" dirty="0">
+              <a:latin typeface="Heiti SC Light"/>
+              <a:ea typeface="Heiti SC Light"/>
+              <a:cs typeface="Heiti SC Light"/>
+            </a:endParaRPr>
+          </a:p>
+        </p:txBody>
+      </p:sp>
+      <p:sp>
+        <p:nvSpPr>
+          <p:cNvPr id="4" name="副标题 2"/>
+          <p:cNvSpPr txBox="1">
+            <a:spLocks/>
+          </p:cNvSpPr>
+          <p:nvPr/>
+        </p:nvSpPr>
+        <p:spPr>
+          <a:xfrm>
+            <a:off x="690032" y="1651180"/>
+            <a:ext cx="7772400" cy="4153985"/>
+          </a:xfrm>
+          <a:prstGeom prst="rect">
+            <a:avLst/>
+          </a:prstGeom>
+        </p:spPr>
+        <p:txBody>
+          <a:bodyPr vert="horz" lIns="91440" tIns="45720" rIns="91440" bIns="45720" rtlCol="0" anchor="b">
+            <a:normAutofit/>
+          </a:bodyPr>
+          <a:lstStyle>
+            <a:lvl1pPr marL="0" indent="0" algn="ctr" defTabSz="914400" rtl="0" eaLnBrk="1" latinLnBrk="0" hangingPunct="1">
+              <a:spcBef>
+                <a:spcPct val="20000"/>
+              </a:spcBef>
+              <a:buClr>
+                <a:schemeClr val="accent1"/>
+              </a:buClr>
+              <a:buSzPct val="100000"/>
+              <a:buFont typeface="Symbol" pitchFamily="18" charset="2"/>
+              <a:buNone/>
+              <a:defRPr sz="2000" kern="1200">
+                <a:solidFill>
+                  <a:srgbClr val="FFFFFF"/>
+                </a:solidFill>
+                <a:latin typeface="+mn-lt"/>
+                <a:ea typeface="+mn-ea"/>
+                <a:cs typeface="+mn-cs"/>
+              </a:defRPr>
+            </a:lvl1pPr>
+            <a:lvl2pPr marL="457200" indent="0" algn="l" defTabSz="914400" rtl="0" eaLnBrk="1" latinLnBrk="0" hangingPunct="1">
+              <a:spcBef>
+                <a:spcPct val="20000"/>
+              </a:spcBef>
+              <a:buClr>
+                <a:schemeClr val="accent1"/>
+              </a:buClr>
+              <a:buSzPct val="100000"/>
+              <a:buFont typeface="Symbol" pitchFamily="18" charset="2"/>
+              <a:buNone/>
+              <a:defRPr sz="1800" kern="1200">
+                <a:solidFill>
+                  <a:schemeClr val="tx1">
+                    <a:tint val="75000"/>
+                  </a:schemeClr>
+                </a:solidFill>
+                <a:latin typeface="+mn-lt"/>
+                <a:ea typeface="+mn-ea"/>
+                <a:cs typeface="+mn-cs"/>
+              </a:defRPr>
+            </a:lvl2pPr>
+            <a:lvl3pPr marL="914400" indent="0" algn="l" defTabSz="914400" rtl="0" eaLnBrk="1" latinLnBrk="0" hangingPunct="1">
+              <a:spcBef>
+                <a:spcPct val="20000"/>
+              </a:spcBef>
+              <a:buClr>
+                <a:schemeClr val="accent1"/>
+              </a:buClr>
+              <a:buSzPct val="100000"/>
+              <a:buFont typeface="Symbol" pitchFamily="18" charset="2"/>
+              <a:buNone/>
+              <a:defRPr sz="1600" kern="1200">
+                <a:solidFill>
+                  <a:schemeClr val="tx1">
+                    <a:tint val="75000"/>
+                  </a:schemeClr>
+                </a:solidFill>
+                <a:latin typeface="+mn-lt"/>
+                <a:ea typeface="+mn-ea"/>
+                <a:cs typeface="+mn-cs"/>
+              </a:defRPr>
+            </a:lvl3pPr>
+            <a:lvl4pPr marL="1371600" indent="0" algn="l" defTabSz="914400" rtl="0" eaLnBrk="1" latinLnBrk="0" hangingPunct="1">
+              <a:spcBef>
+                <a:spcPct val="20000"/>
+              </a:spcBef>
+              <a:buClr>
+                <a:schemeClr val="accent1"/>
+              </a:buClr>
+              <a:buSzPct val="100000"/>
+              <a:buFont typeface="Symbol" pitchFamily="18" charset="2"/>
+              <a:buNone/>
+              <a:defRPr sz="1400" kern="1200">
+                <a:solidFill>
+                  <a:schemeClr val="tx1">
+                    <a:tint val="75000"/>
+                  </a:schemeClr>
+                </a:solidFill>
+                <a:latin typeface="+mn-lt"/>
+                <a:ea typeface="+mn-ea"/>
+                <a:cs typeface="+mn-cs"/>
+              </a:defRPr>
+            </a:lvl4pPr>
+            <a:lvl5pPr marL="1828800" indent="0" algn="l" defTabSz="914400" rtl="0" eaLnBrk="1" latinLnBrk="0" hangingPunct="1">
+              <a:spcBef>
+                <a:spcPct val="20000"/>
+              </a:spcBef>
+              <a:buClr>
+                <a:schemeClr val="accent1"/>
+              </a:buClr>
+              <a:buSzPct val="100000"/>
+              <a:buFont typeface="Symbol" pitchFamily="18" charset="2"/>
+              <a:buNone/>
+              <a:defRPr sz="1400" kern="1200">
+                <a:solidFill>
+                  <a:schemeClr val="tx1">
+                    <a:tint val="75000"/>
+                  </a:schemeClr>
+                </a:solidFill>
+                <a:latin typeface="+mn-lt"/>
+                <a:ea typeface="+mn-ea"/>
+                <a:cs typeface="+mn-cs"/>
+              </a:defRPr>
+            </a:lvl5pPr>
+            <a:lvl6pPr marL="2286000" indent="0" algn="l" defTabSz="914400" rtl="0" eaLnBrk="1" latinLnBrk="0" hangingPunct="1">
+              <a:spcBef>
+                <a:spcPts val="384"/>
+              </a:spcBef>
+              <a:buClr>
+                <a:schemeClr val="accent1"/>
+              </a:buClr>
+              <a:buFont typeface="Symbol" pitchFamily="18" charset="2"/>
+              <a:buNone/>
+              <a:defRPr sz="1400" kern="1200">
+                <a:solidFill>
+                  <a:schemeClr val="tx1">
+                    <a:tint val="75000"/>
+                  </a:schemeClr>
+                </a:solidFill>
+                <a:latin typeface="+mn-lt"/>
+                <a:ea typeface="+mn-ea"/>
+                <a:cs typeface="+mn-cs"/>
+              </a:defRPr>
+            </a:lvl6pPr>
+            <a:lvl7pPr marL="2743200" indent="0" algn="l" defTabSz="914400" rtl="0" eaLnBrk="1" latinLnBrk="0" hangingPunct="1">
+              <a:spcBef>
+                <a:spcPts val="384"/>
+              </a:spcBef>
+              <a:buClr>
+                <a:schemeClr val="accent1"/>
+              </a:buClr>
+              <a:buFont typeface="Symbol" pitchFamily="18" charset="2"/>
+              <a:buNone/>
+              <a:defRPr sz="1400" kern="1200">
+                <a:solidFill>
+                  <a:schemeClr val="tx1">
+                    <a:tint val="75000"/>
+                  </a:schemeClr>
+                </a:solidFill>
+                <a:latin typeface="+mn-lt"/>
+                <a:ea typeface="+mn-ea"/>
+                <a:cs typeface="+mn-cs"/>
+              </a:defRPr>
+            </a:lvl7pPr>
+            <a:lvl8pPr marL="3200400" indent="0" algn="l" defTabSz="914400" rtl="0" eaLnBrk="1" latinLnBrk="0" hangingPunct="1">
+              <a:spcBef>
+                <a:spcPts val="384"/>
+              </a:spcBef>
+              <a:buClr>
+                <a:schemeClr val="accent1"/>
+              </a:buClr>
+              <a:buFont typeface="Symbol" pitchFamily="18" charset="2"/>
+              <a:buNone/>
+              <a:defRPr sz="1400" kern="1200">
+                <a:solidFill>
+                  <a:schemeClr val="tx1">
+                    <a:tint val="75000"/>
+                  </a:schemeClr>
+                </a:solidFill>
+                <a:latin typeface="+mn-lt"/>
+                <a:ea typeface="+mn-ea"/>
+                <a:cs typeface="+mn-cs"/>
+              </a:defRPr>
+            </a:lvl8pPr>
+            <a:lvl9pPr marL="3657600" indent="0" algn="l" defTabSz="914400" rtl="0" eaLnBrk="1" latinLnBrk="0" hangingPunct="1">
+              <a:spcBef>
+                <a:spcPts val="384"/>
+              </a:spcBef>
+              <a:buClr>
+                <a:schemeClr val="accent1"/>
+              </a:buClr>
+              <a:buFont typeface="Symbol" pitchFamily="18" charset="2"/>
+              <a:buNone/>
+              <a:defRPr sz="1400" kern="1200">
+                <a:solidFill>
+                  <a:schemeClr val="tx1">
+                    <a:tint val="75000"/>
+                  </a:schemeClr>
+                </a:solidFill>
+                <a:latin typeface="+mn-lt"/>
+                <a:ea typeface="+mn-ea"/>
+                <a:cs typeface="+mn-cs"/>
+              </a:defRPr>
+            </a:lvl9pPr>
+          </a:lstStyle>
+          <a:p>
+            <a:endParaRPr kumimoji="1" lang="zh-CN" altLang="en-US" dirty="0">
+              <a:solidFill>
+                <a:schemeClr val="tx1"/>
+              </a:solidFill>
+            </a:endParaRPr>
+          </a:p>
+        </p:txBody>
+      </p:sp>
+    </p:spTree>
+    <p:extLst>
+      <p:ext uri="{BB962C8B-B14F-4D97-AF65-F5344CB8AC3E}">
+        <p14:creationId xmlns:p14="http://schemas.microsoft.com/office/powerpoint/2010/main" val="4277989609"/>
+      </p:ext>
+    </p:extLst>
+  </p:cSld>
+  <p:clrMapOvr>
+    <a:masterClrMapping/>
+  </p:clrMapOvr>
+  <p:timing>
+    <p:tnLst>
+      <p:par>
+        <p:cTn xmlns:p14="http://schemas.microsoft.com/office/powerpoint/2010/main" id="1" dur="indefinite" restart="never" nodeType="tmRoot"/>
+      </p:par>
+    </p:tnLst>
+  </p:timing>
+</p:sld>
+</file>
+
+<file path=ppt/slides/slide8.xml><?xml version="1.0" encoding="utf-8"?>
+<p:sld xmlns:a="http://schemas.openxmlformats.org/drawingml/2006/main" xmlns:r="http://schemas.openxmlformats.org/officeDocument/2006/relationships" xmlns:p="http://schemas.openxmlformats.org/presentationml/2006/main">
+  <p:cSld>
+    <p:spTree>
+      <p:nvGrpSpPr>
+        <p:cNvPr id="1" name=""/>
+        <p:cNvGrpSpPr/>
+        <p:nvPr/>
+      </p:nvGrpSpPr>
+      <p:grpSpPr>
+        <a:xfrm>
+          <a:off x="0" y="0"/>
+          <a:ext cx="0" cy="0"/>
+          <a:chOff x="0" y="0"/>
+          <a:chExt cx="0" cy="0"/>
+        </a:xfrm>
+      </p:grpSpPr>
+      <p:sp>
+        <p:nvSpPr>
+          <p:cNvPr id="5" name="内容占位符 4"/>
+          <p:cNvSpPr>
+            <a:spLocks noGrp="1"/>
+          </p:cNvSpPr>
+          <p:nvPr>
+            <p:ph idx="1"/>
+          </p:nvPr>
+        </p:nvSpPr>
+        <p:spPr>
+          <a:xfrm>
+            <a:off x="872067" y="1651180"/>
+            <a:ext cx="7408333" cy="4474983"/>
+          </a:xfrm>
+        </p:spPr>
+        <p:txBody>
+          <a:bodyPr>
+            <a:normAutofit lnSpcReduction="10000"/>
+          </a:bodyPr>
+          <a:lstStyle/>
+          <a:p>
+            <a:pPr>
+              <a:buFont typeface="Wingdings" charset="2"/>
+              <a:buChar char="u"/>
+            </a:pPr>
+            <a:r>
+              <a:rPr kumimoji="1" lang="zh-CN" altLang="en-US" sz="2800" dirty="0" smtClean="0">
+                <a:latin typeface="Heiti SC Light"/>
+                <a:ea typeface="Heiti SC Light"/>
+                <a:cs typeface="Heiti SC Light"/>
+              </a:rPr>
+              <a:t>定义是语法的一部分。</a:t>
+            </a:r>
+            <a:endParaRPr kumimoji="1" lang="en-US" altLang="zh-CN" sz="2800" dirty="0" smtClean="0">
+              <a:latin typeface="Heiti SC Light"/>
+              <a:ea typeface="Heiti SC Light"/>
+              <a:cs typeface="Heiti SC Light"/>
+            </a:endParaRPr>
+          </a:p>
+          <a:p>
+            <a:pPr>
+              <a:buFont typeface="Wingdings" charset="2"/>
+              <a:buChar char="u"/>
+            </a:pPr>
+            <a:r>
+              <a:rPr kumimoji="1" lang="zh-CN" altLang="en-US" sz="2800" dirty="0" smtClean="0">
+                <a:latin typeface="Heiti SC Light"/>
+                <a:ea typeface="Heiti SC Light"/>
+                <a:cs typeface="Heiti SC Light"/>
+              </a:rPr>
+              <a:t>可以赋值给变量、数组、对象属性。</a:t>
+            </a:r>
+            <a:endParaRPr kumimoji="1" lang="en-US" altLang="zh-CN" sz="2800" dirty="0" smtClean="0">
+              <a:latin typeface="Heiti SC Light"/>
+              <a:ea typeface="Heiti SC Light"/>
+              <a:cs typeface="Heiti SC Light"/>
+            </a:endParaRPr>
+          </a:p>
+          <a:p>
+            <a:pPr>
+              <a:buFont typeface="Wingdings" charset="2"/>
+              <a:buChar char="u"/>
+            </a:pPr>
+            <a:r>
+              <a:rPr kumimoji="1" lang="zh-CN" altLang="en-US" sz="2800" dirty="0" smtClean="0">
+                <a:latin typeface="Heiti SC Light"/>
+                <a:ea typeface="Heiti SC Light"/>
+                <a:cs typeface="Heiti SC Light"/>
+              </a:rPr>
+              <a:t>可以作为函数的参数。</a:t>
+            </a:r>
+            <a:endParaRPr kumimoji="1" lang="en-US" altLang="zh-CN" sz="2800" dirty="0" smtClean="0">
+              <a:latin typeface="Heiti SC Light"/>
+              <a:ea typeface="Heiti SC Light"/>
+              <a:cs typeface="Heiti SC Light"/>
+            </a:endParaRPr>
+          </a:p>
+          <a:p>
+            <a:pPr>
+              <a:buFont typeface="Wingdings" charset="2"/>
+              <a:buChar char="u"/>
+            </a:pPr>
+            <a:r>
+              <a:rPr kumimoji="1" lang="zh-CN" altLang="en-US" sz="2800" dirty="0" smtClean="0">
+                <a:latin typeface="Heiti SC Light"/>
+                <a:ea typeface="Heiti SC Light"/>
+                <a:cs typeface="Heiti SC Light"/>
+              </a:rPr>
+              <a:t>可以作为函数的返回值。</a:t>
+            </a:r>
+            <a:endParaRPr kumimoji="1" lang="en-US" altLang="zh-CN" sz="2800" dirty="0" smtClean="0">
+              <a:latin typeface="Heiti SC Light"/>
+              <a:ea typeface="Heiti SC Light"/>
+              <a:cs typeface="Heiti SC Light"/>
+            </a:endParaRPr>
+          </a:p>
+          <a:p>
+            <a:pPr>
+              <a:buFont typeface="Wingdings" charset="2"/>
+              <a:buChar char="u"/>
+            </a:pPr>
+            <a:r>
+              <a:rPr kumimoji="1" lang="zh-CN" altLang="en-US" sz="2800" dirty="0" smtClean="0">
+                <a:latin typeface="Heiti SC Light"/>
+                <a:ea typeface="Heiti SC Light"/>
+                <a:cs typeface="Heiti SC Light"/>
+              </a:rPr>
+              <a:t>函数本身是一个对象。可以有属性和方法，并且可以动态的创建和添加属性和方法。</a:t>
+            </a:r>
+            <a:endParaRPr kumimoji="1" lang="en-US" altLang="zh-CN" sz="2800" dirty="0" smtClean="0">
+              <a:latin typeface="Heiti SC Light"/>
+              <a:ea typeface="Heiti SC Light"/>
+              <a:cs typeface="Heiti SC Light"/>
+            </a:endParaRPr>
+          </a:p>
+          <a:p>
+            <a:pPr>
+              <a:buFont typeface="Wingdings" charset="2"/>
+              <a:buChar char="u"/>
+            </a:pPr>
+            <a:endParaRPr kumimoji="1" lang="en-US" altLang="zh-CN" sz="2800" dirty="0">
+              <a:latin typeface="Heiti SC Light"/>
+              <a:ea typeface="Heiti SC Light"/>
+              <a:cs typeface="Heiti SC Light"/>
+            </a:endParaRPr>
+          </a:p>
+          <a:p>
+            <a:pPr>
+              <a:buFont typeface="Wingdings" charset="2"/>
+              <a:buChar char="u"/>
+            </a:pPr>
+            <a:r>
+              <a:rPr kumimoji="1" lang="zh-CN" altLang="en-US" sz="2800" dirty="0" smtClean="0">
+                <a:latin typeface="Heiti SC Light"/>
+                <a:ea typeface="Heiti SC Light"/>
+                <a:cs typeface="Heiti SC Light"/>
+              </a:rPr>
+              <a:t>开发过程中我们绝大多数时间在写函数</a:t>
+            </a:r>
+            <a:endParaRPr kumimoji="1" lang="en-US" altLang="zh-CN" sz="2800" dirty="0" smtClean="0">
+              <a:latin typeface="Heiti SC Light"/>
+              <a:ea typeface="Heiti SC Light"/>
+              <a:cs typeface="Heiti SC Light"/>
+            </a:endParaRPr>
+          </a:p>
+          <a:p>
+            <a:pPr>
+              <a:buFont typeface="Wingdings" charset="2"/>
+              <a:buChar char="u"/>
+            </a:pPr>
+            <a:r>
+              <a:rPr kumimoji="1" lang="zh-CN" altLang="en-US" sz="2800" dirty="0" smtClean="0">
+                <a:latin typeface="Heiti SC Light"/>
+                <a:ea typeface="Heiti SC Light"/>
+                <a:cs typeface="Heiti SC Light"/>
+              </a:rPr>
+              <a:t>函数是表现业务逻辑的单元</a:t>
+            </a:r>
+            <a:endParaRPr kumimoji="1" lang="en-US" altLang="zh-CN" sz="2800" dirty="0" smtClean="0">
+              <a:latin typeface="Heiti SC Light"/>
+              <a:ea typeface="Heiti SC Light"/>
+              <a:cs typeface="Heiti SC Light"/>
+            </a:endParaRPr>
+          </a:p>
+        </p:txBody>
+      </p:sp>
+      <p:sp>
+        <p:nvSpPr>
+          <p:cNvPr id="2" name="标题 1"/>
+          <p:cNvSpPr>
+            <a:spLocks noGrp="1"/>
+          </p:cNvSpPr>
+          <p:nvPr>
+            <p:ph type="title"/>
+          </p:nvPr>
+        </p:nvSpPr>
+        <p:spPr/>
+        <p:txBody>
+          <a:bodyPr>
+            <a:normAutofit fontScale="90000"/>
+          </a:bodyPr>
+          <a:lstStyle/>
+          <a:p>
+            <a:r>
+              <a:rPr kumimoji="1" lang="zh-CN" altLang="en-US" dirty="0" smtClean="0">
+                <a:latin typeface="Heiti SC Light"/>
+                <a:ea typeface="Heiti SC Light"/>
+                <a:cs typeface="Heiti SC Light"/>
+              </a:rPr>
+              <a:t>在</a:t>
+            </a:r>
+            <a:r>
+              <a:rPr kumimoji="1" lang="en-US" altLang="zh-CN" dirty="0" smtClean="0">
+                <a:latin typeface="Heiti SC Light"/>
+                <a:ea typeface="Heiti SC Light"/>
+                <a:cs typeface="Heiti SC Light"/>
+              </a:rPr>
+              <a:t>JavaScript</a:t>
+            </a:r>
+            <a:r>
+              <a:rPr kumimoji="1" lang="zh-CN" altLang="en-US" dirty="0" smtClean="0">
+                <a:latin typeface="Heiti SC Light"/>
+                <a:ea typeface="Heiti SC Light"/>
+                <a:cs typeface="Heiti SC Light"/>
+              </a:rPr>
+              <a:t>中函数是</a:t>
+            </a:r>
+            <a:r>
+              <a:rPr kumimoji="1" lang="en-US" altLang="zh-CN" dirty="0" smtClean="0">
+                <a:latin typeface="Heiti SC Light"/>
+                <a:ea typeface="Heiti SC Light"/>
+                <a:cs typeface="Heiti SC Light"/>
+              </a:rPr>
+              <a:t/>
+            </a:r>
+            <a:br>
+              <a:rPr kumimoji="1" lang="en-US" altLang="zh-CN" dirty="0" smtClean="0">
+                <a:latin typeface="Heiti SC Light"/>
+                <a:ea typeface="Heiti SC Light"/>
+                <a:cs typeface="Heiti SC Light"/>
+              </a:rPr>
+            </a:br>
+            <a:r>
+              <a:rPr kumimoji="1" lang="en-US" altLang="zh-CN" dirty="0" smtClean="0">
+                <a:latin typeface="Heiti SC Light"/>
+                <a:ea typeface="Heiti SC Light"/>
+                <a:cs typeface="Heiti SC Light"/>
+              </a:rPr>
+              <a:t>FIRST</a:t>
+            </a:r>
+            <a:r>
+              <a:rPr kumimoji="1" lang="en-US" altLang="zh-CN" dirty="0">
+                <a:latin typeface="Heiti SC Light"/>
+                <a:ea typeface="Heiti SC Light"/>
+                <a:cs typeface="Heiti SC Light"/>
+              </a:rPr>
+              <a:t>-CLASS OBJECTS</a:t>
+            </a:r>
+            <a:endParaRPr kumimoji="1" lang="zh-CN" altLang="en-US" dirty="0">
+              <a:latin typeface="Heiti SC Light"/>
+              <a:ea typeface="Heiti SC Light"/>
+              <a:cs typeface="Heiti SC Light"/>
+            </a:endParaRPr>
+          </a:p>
+        </p:txBody>
+      </p:sp>
+      <p:sp>
+        <p:nvSpPr>
+          <p:cNvPr id="4" name="副标题 2"/>
+          <p:cNvSpPr txBox="1">
+            <a:spLocks/>
+          </p:cNvSpPr>
+          <p:nvPr/>
+        </p:nvSpPr>
+        <p:spPr>
+          <a:xfrm>
+            <a:off x="690032" y="1651180"/>
+            <a:ext cx="7772400" cy="4153985"/>
+          </a:xfrm>
+          <a:prstGeom prst="rect">
+            <a:avLst/>
+          </a:prstGeom>
+        </p:spPr>
+        <p:txBody>
+          <a:bodyPr vert="horz" lIns="91440" tIns="45720" rIns="91440" bIns="45720" rtlCol="0" anchor="b">
+            <a:normAutofit/>
+          </a:bodyPr>
+          <a:lstStyle>
+            <a:lvl1pPr marL="0" indent="0" algn="ctr" defTabSz="914400" rtl="0" eaLnBrk="1" latinLnBrk="0" hangingPunct="1">
+              <a:spcBef>
+                <a:spcPct val="20000"/>
+              </a:spcBef>
+              <a:buClr>
+                <a:schemeClr val="accent1"/>
+              </a:buClr>
+              <a:buSzPct val="100000"/>
+              <a:buFont typeface="Symbol" pitchFamily="18" charset="2"/>
+              <a:buNone/>
+              <a:defRPr sz="2000" kern="1200">
+                <a:solidFill>
+                  <a:srgbClr val="FFFFFF"/>
+                </a:solidFill>
+                <a:latin typeface="+mn-lt"/>
+                <a:ea typeface="+mn-ea"/>
+                <a:cs typeface="+mn-cs"/>
+              </a:defRPr>
+            </a:lvl1pPr>
+            <a:lvl2pPr marL="457200" indent="0" algn="l" defTabSz="914400" rtl="0" eaLnBrk="1" latinLnBrk="0" hangingPunct="1">
+              <a:spcBef>
+                <a:spcPct val="20000"/>
+              </a:spcBef>
+              <a:buClr>
+                <a:schemeClr val="accent1"/>
+              </a:buClr>
+              <a:buSzPct val="100000"/>
+              <a:buFont typeface="Symbol" pitchFamily="18" charset="2"/>
+              <a:buNone/>
+              <a:defRPr sz="1800" kern="1200">
+                <a:solidFill>
+                  <a:schemeClr val="tx1">
+                    <a:tint val="75000"/>
+                  </a:schemeClr>
+                </a:solidFill>
+                <a:latin typeface="+mn-lt"/>
+                <a:ea typeface="+mn-ea"/>
+                <a:cs typeface="+mn-cs"/>
+              </a:defRPr>
+            </a:lvl2pPr>
+            <a:lvl3pPr marL="914400" indent="0" algn="l" defTabSz="914400" rtl="0" eaLnBrk="1" latinLnBrk="0" hangingPunct="1">
+              <a:spcBef>
+                <a:spcPct val="20000"/>
+              </a:spcBef>
+              <a:buClr>
+                <a:schemeClr val="accent1"/>
+              </a:buClr>
+              <a:buSzPct val="100000"/>
+              <a:buFont typeface="Symbol" pitchFamily="18" charset="2"/>
+              <a:buNone/>
+              <a:defRPr sz="1600" kern="1200">
+                <a:solidFill>
+                  <a:schemeClr val="tx1">
+                    <a:tint val="75000"/>
+                  </a:schemeClr>
+                </a:solidFill>
+                <a:latin typeface="+mn-lt"/>
+                <a:ea typeface="+mn-ea"/>
+                <a:cs typeface="+mn-cs"/>
+              </a:defRPr>
+            </a:lvl3pPr>
+            <a:lvl4pPr marL="1371600" indent="0" algn="l" defTabSz="914400" rtl="0" eaLnBrk="1" latinLnBrk="0" hangingPunct="1">
+              <a:spcBef>
+                <a:spcPct val="20000"/>
+              </a:spcBef>
+              <a:buClr>
+                <a:schemeClr val="accent1"/>
+              </a:buClr>
+              <a:buSzPct val="100000"/>
+              <a:buFont typeface="Symbol" pitchFamily="18" charset="2"/>
+              <a:buNone/>
+              <a:defRPr sz="1400" kern="1200">
+                <a:solidFill>
+                  <a:schemeClr val="tx1">
+                    <a:tint val="75000"/>
+                  </a:schemeClr>
+                </a:solidFill>
+                <a:latin typeface="+mn-lt"/>
+                <a:ea typeface="+mn-ea"/>
+                <a:cs typeface="+mn-cs"/>
+              </a:defRPr>
+            </a:lvl4pPr>
+            <a:lvl5pPr marL="1828800" indent="0" algn="l" defTabSz="914400" rtl="0" eaLnBrk="1" latinLnBrk="0" hangingPunct="1">
+              <a:spcBef>
+                <a:spcPct val="20000"/>
+              </a:spcBef>
+              <a:buClr>
+                <a:schemeClr val="accent1"/>
+              </a:buClr>
+              <a:buSzPct val="100000"/>
+              <a:buFont typeface="Symbol" pitchFamily="18" charset="2"/>
+              <a:buNone/>
+              <a:defRPr sz="1400" kern="1200">
+                <a:solidFill>
+                  <a:schemeClr val="tx1">
+                    <a:tint val="75000"/>
+                  </a:schemeClr>
+                </a:solidFill>
+                <a:latin typeface="+mn-lt"/>
+                <a:ea typeface="+mn-ea"/>
+                <a:cs typeface="+mn-cs"/>
+              </a:defRPr>
+            </a:lvl5pPr>
+            <a:lvl6pPr marL="2286000" indent="0" algn="l" defTabSz="914400" rtl="0" eaLnBrk="1" latinLnBrk="0" hangingPunct="1">
+              <a:spcBef>
+                <a:spcPts val="384"/>
+              </a:spcBef>
+              <a:buClr>
+                <a:schemeClr val="accent1"/>
+              </a:buClr>
+              <a:buFont typeface="Symbol" pitchFamily="18" charset="2"/>
+              <a:buNone/>
+              <a:defRPr sz="1400" kern="1200">
+                <a:solidFill>
+                  <a:schemeClr val="tx1">
+                    <a:tint val="75000"/>
+                  </a:schemeClr>
+                </a:solidFill>
+                <a:latin typeface="+mn-lt"/>
+                <a:ea typeface="+mn-ea"/>
+                <a:cs typeface="+mn-cs"/>
+              </a:defRPr>
+            </a:lvl6pPr>
+            <a:lvl7pPr marL="2743200" indent="0" algn="l" defTabSz="914400" rtl="0" eaLnBrk="1" latinLnBrk="0" hangingPunct="1">
+              <a:spcBef>
+                <a:spcPts val="384"/>
+              </a:spcBef>
+              <a:buClr>
+                <a:schemeClr val="accent1"/>
+              </a:buClr>
+              <a:buFont typeface="Symbol" pitchFamily="18" charset="2"/>
+              <a:buNone/>
+              <a:defRPr sz="1400" kern="1200">
+                <a:solidFill>
+                  <a:schemeClr val="tx1">
+                    <a:tint val="75000"/>
+                  </a:schemeClr>
+                </a:solidFill>
+                <a:latin typeface="+mn-lt"/>
+                <a:ea typeface="+mn-ea"/>
+                <a:cs typeface="+mn-cs"/>
+              </a:defRPr>
+            </a:lvl7pPr>
+            <a:lvl8pPr marL="3200400" indent="0" algn="l" defTabSz="914400" rtl="0" eaLnBrk="1" latinLnBrk="0" hangingPunct="1">
+              <a:spcBef>
+                <a:spcPts val="384"/>
+              </a:spcBef>
+              <a:buClr>
+                <a:schemeClr val="accent1"/>
+              </a:buClr>
+              <a:buFont typeface="Symbol" pitchFamily="18" charset="2"/>
+              <a:buNone/>
+              <a:defRPr sz="1400" kern="1200">
+                <a:solidFill>
+                  <a:schemeClr val="tx1">
+                    <a:tint val="75000"/>
+                  </a:schemeClr>
+                </a:solidFill>
+                <a:latin typeface="+mn-lt"/>
+                <a:ea typeface="+mn-ea"/>
+                <a:cs typeface="+mn-cs"/>
+              </a:defRPr>
+            </a:lvl8pPr>
+            <a:lvl9pPr marL="3657600" indent="0" algn="l" defTabSz="914400" rtl="0" eaLnBrk="1" latinLnBrk="0" hangingPunct="1">
+              <a:spcBef>
+                <a:spcPts val="384"/>
+              </a:spcBef>
+              <a:buClr>
+                <a:schemeClr val="accent1"/>
+              </a:buClr>
+              <a:buFont typeface="Symbol" pitchFamily="18" charset="2"/>
+              <a:buNone/>
+              <a:defRPr sz="1400" kern="1200">
+                <a:solidFill>
+                  <a:schemeClr val="tx1">
+                    <a:tint val="75000"/>
+                  </a:schemeClr>
+                </a:solidFill>
+                <a:latin typeface="+mn-lt"/>
+                <a:ea typeface="+mn-ea"/>
+                <a:cs typeface="+mn-cs"/>
+              </a:defRPr>
+            </a:lvl9pPr>
+          </a:lstStyle>
+          <a:p>
+            <a:endParaRPr kumimoji="1" lang="zh-CN" altLang="en-US" dirty="0">
+              <a:solidFill>
+                <a:schemeClr val="tx1"/>
+              </a:solidFill>
+            </a:endParaRPr>
+          </a:p>
+        </p:txBody>
+      </p:sp>
+    </p:spTree>
+    <p:extLst>
+      <p:ext uri="{BB962C8B-B14F-4D97-AF65-F5344CB8AC3E}">
+        <p14:creationId xmlns:p14="http://schemas.microsoft.com/office/powerpoint/2010/main" val="3589305547"/>
+      </p:ext>
+    </p:extLst>
+  </p:cSld>
+  <p:clrMapOvr>
+    <a:masterClrMapping/>
+  </p:clrMapOvr>
+  <p:timing>
+    <p:tnLst>
+      <p:par>
+        <p:cTn xmlns:p14="http://schemas.microsoft.com/office/powerpoint/2010/main" id="1" dur="indefinite" restart="never" nodeType="tmRoot"/>
+      </p:par>
+    </p:tnLst>
+  </p:timing>
+</p:sld>
+</file>
+
+<file path=ppt/slides/slide9.xml><?xml version="1.0" encoding="utf-8"?>
+<p:sld xmlns:a="http://schemas.openxmlformats.org/drawingml/2006/main" xmlns:r="http://schemas.openxmlformats.org/officeDocument/2006/relationships" xmlns:p="http://schemas.openxmlformats.org/presentationml/2006/main">
+  <p:cSld>
+    <p:spTree>
+      <p:nvGrpSpPr>
+        <p:cNvPr id="1" name=""/>
+        <p:cNvGrpSpPr/>
+        <p:nvPr/>
+      </p:nvGrpSpPr>
+      <p:grpSpPr>
+        <a:xfrm>
+          <a:off x="0" y="0"/>
+          <a:ext cx="0" cy="0"/>
+          <a:chOff x="0" y="0"/>
+          <a:chExt cx="0" cy="0"/>
+        </a:xfrm>
+      </p:grpSpPr>
+      <p:grpSp>
+        <p:nvGrpSpPr>
+          <p:cNvPr id="10" name="组 9"/>
+          <p:cNvGrpSpPr/>
+          <p:nvPr/>
+        </p:nvGrpSpPr>
+        <p:grpSpPr>
+          <a:xfrm>
+            <a:off x="457200" y="2506418"/>
+            <a:ext cx="6686702" cy="4054342"/>
+            <a:chOff x="457200" y="2506418"/>
+            <a:chExt cx="6686702" cy="4054342"/>
+          </a:xfrm>
+        </p:grpSpPr>
+        <p:pic>
+          <p:nvPicPr>
+            <p:cNvPr id="3" name="图片 2"/>
+            <p:cNvPicPr>
+              <a:picLocks noChangeAspect="1"/>
+            </p:cNvPicPr>
+            <p:nvPr/>
+          </p:nvPicPr>
+          <p:blipFill>
+            <a:blip r:embed="rId2"/>
+            <a:stretch>
+              <a:fillRect/>
+            </a:stretch>
+          </p:blipFill>
+          <p:spPr>
+            <a:xfrm>
+              <a:off x="457200" y="2506418"/>
+              <a:ext cx="6686702" cy="4054342"/>
+            </a:xfrm>
+            <a:prstGeom prst="rect">
+              <a:avLst/>
+            </a:prstGeom>
+          </p:spPr>
+        </p:pic>
+        <p:cxnSp>
+          <p:nvCxnSpPr>
+            <p:cNvPr id="9" name="直线连接符 8"/>
+            <p:cNvCxnSpPr/>
+            <p:nvPr/>
+          </p:nvCxnSpPr>
+          <p:spPr>
+            <a:xfrm>
+              <a:off x="5857344" y="6427148"/>
+              <a:ext cx="984863" cy="0"/>
+            </a:xfrm>
+            <a:prstGeom prst="line">
+              <a:avLst/>
+            </a:prstGeom>
+            <a:ln>
+              <a:solidFill>
+                <a:srgbClr val="FF0000"/>
+              </a:solidFill>
+            </a:ln>
+          </p:spPr>
+          <p:style>
+            <a:lnRef idx="2">
+              <a:schemeClr val="accent1"/>
+            </a:lnRef>
+            <a:fillRef idx="0">
+              <a:schemeClr val="accent1"/>
+            </a:fillRef>
+            <a:effectRef idx="1">
+              <a:schemeClr val="accent1"/>
+            </a:effectRef>
+            <a:fontRef idx="minor">
+              <a:schemeClr val="tx1"/>
+            </a:fontRef>
+          </p:style>
+        </p:cxnSp>
+      </p:grpSp>
+      <p:sp>
+        <p:nvSpPr>
+          <p:cNvPr id="5" name="内容占位符 4"/>
+          <p:cNvSpPr>
+            <a:spLocks noGrp="1"/>
+          </p:cNvSpPr>
+          <p:nvPr>
+            <p:ph idx="1"/>
+          </p:nvPr>
+        </p:nvSpPr>
+        <p:spPr>
+          <a:xfrm>
+            <a:off x="872067" y="1651181"/>
+            <a:ext cx="7408333" cy="720126"/>
+          </a:xfrm>
+        </p:spPr>
+        <p:txBody>
+          <a:bodyPr>
+            <a:normAutofit/>
+          </a:bodyPr>
+          <a:lstStyle/>
+          <a:p>
+            <a:pPr>
+              <a:buFont typeface="Wingdings" charset="2"/>
+              <a:buChar char="Ø"/>
+            </a:pPr>
+            <a:r>
+              <a:rPr kumimoji="1" lang="zh-CN" altLang="en-US" sz="2800" dirty="0" smtClean="0">
+                <a:latin typeface="Heiti SC Light"/>
+                <a:ea typeface="Heiti SC Light"/>
+                <a:cs typeface="Heiti SC Light"/>
+              </a:rPr>
+              <a:t>浏览器都做什么？</a:t>
+            </a:r>
+            <a:endParaRPr kumimoji="1" lang="en-US" altLang="zh-CN" sz="2800" dirty="0" smtClean="0">
+              <a:latin typeface="Heiti SC Light"/>
+              <a:ea typeface="Heiti SC Light"/>
+              <a:cs typeface="Heiti SC Light"/>
+            </a:endParaRPr>
+          </a:p>
+        </p:txBody>
+      </p:sp>
+      <p:sp>
+        <p:nvSpPr>
+          <p:cNvPr id="2" name="标题 1"/>
+          <p:cNvSpPr>
+            <a:spLocks noGrp="1"/>
+          </p:cNvSpPr>
+          <p:nvPr>
+            <p:ph type="title"/>
+          </p:nvPr>
+        </p:nvSpPr>
+        <p:spPr/>
+        <p:txBody>
+          <a:bodyPr>
+            <a:normAutofit/>
+          </a:bodyPr>
+          <a:lstStyle/>
+          <a:p>
+            <a:r>
+              <a:rPr kumimoji="1" lang="zh-CN" altLang="en-US" dirty="0" smtClean="0">
+                <a:latin typeface="Heiti SC Light"/>
+                <a:ea typeface="Heiti SC Light"/>
+                <a:cs typeface="Heiti SC Light"/>
+              </a:rPr>
+              <a:t>浏览器的事件循环</a:t>
+            </a:r>
+            <a:endParaRPr kumimoji="1" lang="zh-CN" altLang="en-US" dirty="0">
+              <a:latin typeface="Heiti SC Light"/>
+              <a:ea typeface="Heiti SC Light"/>
+              <a:cs typeface="Heiti SC Light"/>
+            </a:endParaRPr>
+          </a:p>
+        </p:txBody>
+      </p:sp>
+      <p:sp>
+        <p:nvSpPr>
+          <p:cNvPr id="4" name="副标题 2"/>
+          <p:cNvSpPr txBox="1">
+            <a:spLocks/>
+          </p:cNvSpPr>
+          <p:nvPr/>
+        </p:nvSpPr>
+        <p:spPr>
+          <a:xfrm>
+            <a:off x="690032" y="1651180"/>
+            <a:ext cx="7772400" cy="720127"/>
+          </a:xfrm>
+          <a:prstGeom prst="rect">
+            <a:avLst/>
+          </a:prstGeom>
+        </p:spPr>
+        <p:txBody>
+          <a:bodyPr vert="horz" lIns="91440" tIns="45720" rIns="91440" bIns="45720" rtlCol="0" anchor="b">
+            <a:normAutofit/>
+          </a:bodyPr>
+          <a:lstStyle>
+            <a:lvl1pPr marL="0" indent="0" algn="ctr" defTabSz="914400" rtl="0" eaLnBrk="1" latinLnBrk="0" hangingPunct="1">
+              <a:spcBef>
+                <a:spcPct val="20000"/>
+              </a:spcBef>
+              <a:buClr>
+                <a:schemeClr val="accent1"/>
+              </a:buClr>
+              <a:buSzPct val="100000"/>
+              <a:buFont typeface="Symbol" pitchFamily="18" charset="2"/>
+              <a:buNone/>
+              <a:defRPr sz="2000" kern="1200">
+                <a:solidFill>
+                  <a:srgbClr val="FFFFFF"/>
+                </a:solidFill>
+                <a:latin typeface="+mn-lt"/>
+                <a:ea typeface="+mn-ea"/>
+                <a:cs typeface="+mn-cs"/>
+              </a:defRPr>
+            </a:lvl1pPr>
+            <a:lvl2pPr marL="457200" indent="0" algn="l" defTabSz="914400" rtl="0" eaLnBrk="1" latinLnBrk="0" hangingPunct="1">
+              <a:spcBef>
+                <a:spcPct val="20000"/>
+              </a:spcBef>
+              <a:buClr>
+                <a:schemeClr val="accent1"/>
+              </a:buClr>
+              <a:buSzPct val="100000"/>
+              <a:buFont typeface="Symbol" pitchFamily="18" charset="2"/>
+              <a:buNone/>
+              <a:defRPr sz="1800" kern="1200">
+                <a:solidFill>
+                  <a:schemeClr val="tx1">
+                    <a:tint val="75000"/>
+                  </a:schemeClr>
+                </a:solidFill>
+                <a:latin typeface="+mn-lt"/>
+                <a:ea typeface="+mn-ea"/>
+                <a:cs typeface="+mn-cs"/>
+              </a:defRPr>
+            </a:lvl2pPr>
+            <a:lvl3pPr marL="914400" indent="0" algn="l" defTabSz="914400" rtl="0" eaLnBrk="1" latinLnBrk="0" hangingPunct="1">
+              <a:spcBef>
+                <a:spcPct val="20000"/>
+              </a:spcBef>
+              <a:buClr>
+                <a:schemeClr val="accent1"/>
+              </a:buClr>
+              <a:buSzPct val="100000"/>
+              <a:buFont typeface="Symbol" pitchFamily="18" charset="2"/>
+              <a:buNone/>
+              <a:defRPr sz="1600" kern="1200">
+                <a:solidFill>
+                  <a:schemeClr val="tx1">
+                    <a:tint val="75000"/>
+                  </a:schemeClr>
+                </a:solidFill>
+                <a:latin typeface="+mn-lt"/>
+                <a:ea typeface="+mn-ea"/>
+                <a:cs typeface="+mn-cs"/>
+              </a:defRPr>
+            </a:lvl3pPr>
+            <a:lvl4pPr marL="1371600" indent="0" algn="l" defTabSz="914400" rtl="0" eaLnBrk="1" latinLnBrk="0" hangingPunct="1">
+              <a:spcBef>
+                <a:spcPct val="20000"/>
+              </a:spcBef>
+              <a:buClr>
+                <a:schemeClr val="accent1"/>
+              </a:buClr>
+              <a:buSzPct val="100000"/>
+              <a:buFont typeface="Symbol" pitchFamily="18" charset="2"/>
+              <a:buNone/>
+              <a:defRPr sz="1400" kern="1200">
+                <a:solidFill>
+                  <a:schemeClr val="tx1">
+                    <a:tint val="75000"/>
+                  </a:schemeClr>
+                </a:solidFill>
+                <a:latin typeface="+mn-lt"/>
+                <a:ea typeface="+mn-ea"/>
+                <a:cs typeface="+mn-cs"/>
+              </a:defRPr>
+            </a:lvl4pPr>
+            <a:lvl5pPr marL="1828800" indent="0" algn="l" defTabSz="914400" rtl="0" eaLnBrk="1" latinLnBrk="0" hangingPunct="1">
+              <a:spcBef>
+                <a:spcPct val="20000"/>
+              </a:spcBef>
+              <a:buClr>
+                <a:schemeClr val="accent1"/>
+              </a:buClr>
+              <a:buSzPct val="100000"/>
+              <a:buFont typeface="Symbol" pitchFamily="18" charset="2"/>
+              <a:buNone/>
+              <a:defRPr sz="1400" kern="1200">
+                <a:solidFill>
+                  <a:schemeClr val="tx1">
+                    <a:tint val="75000"/>
+                  </a:schemeClr>
+                </a:solidFill>
+                <a:latin typeface="+mn-lt"/>
+                <a:ea typeface="+mn-ea"/>
+                <a:cs typeface="+mn-cs"/>
+              </a:defRPr>
+            </a:lvl5pPr>
+            <a:lvl6pPr marL="2286000" indent="0" algn="l" defTabSz="914400" rtl="0" eaLnBrk="1" latinLnBrk="0" hangingPunct="1">
+              <a:spcBef>
+                <a:spcPts val="384"/>
+              </a:spcBef>
+              <a:buClr>
+                <a:schemeClr val="accent1"/>
+              </a:buClr>
+              <a:buFont typeface="Symbol" pitchFamily="18" charset="2"/>
+              <a:buNone/>
+              <a:defRPr sz="1400" kern="1200">
+                <a:solidFill>
+                  <a:schemeClr val="tx1">
+                    <a:tint val="75000"/>
+                  </a:schemeClr>
+                </a:solidFill>
+                <a:latin typeface="+mn-lt"/>
+                <a:ea typeface="+mn-ea"/>
+                <a:cs typeface="+mn-cs"/>
+              </a:defRPr>
+            </a:lvl6pPr>
+            <a:lvl7pPr marL="2743200" indent="0" algn="l" defTabSz="914400" rtl="0" eaLnBrk="1" latinLnBrk="0" hangingPunct="1">
+              <a:spcBef>
+                <a:spcPts val="384"/>
+              </a:spcBef>
+              <a:buClr>
+                <a:schemeClr val="accent1"/>
+              </a:buClr>
+              <a:buFont typeface="Symbol" pitchFamily="18" charset="2"/>
+              <a:buNone/>
+              <a:defRPr sz="1400" kern="1200">
+                <a:solidFill>
+                  <a:schemeClr val="tx1">
+                    <a:tint val="75000"/>
+                  </a:schemeClr>
+                </a:solidFill>
+                <a:latin typeface="+mn-lt"/>
+                <a:ea typeface="+mn-ea"/>
+                <a:cs typeface="+mn-cs"/>
+              </a:defRPr>
+            </a:lvl7pPr>
+            <a:lvl8pPr marL="3200400" indent="0" algn="l" defTabSz="914400" rtl="0" eaLnBrk="1" latinLnBrk="0" hangingPunct="1">
+              <a:spcBef>
+                <a:spcPts val="384"/>
+              </a:spcBef>
+              <a:buClr>
+                <a:schemeClr val="accent1"/>
+              </a:buClr>
+              <a:buFont typeface="Symbol" pitchFamily="18" charset="2"/>
+              <a:buNone/>
+              <a:defRPr sz="1400" kern="1200">
+                <a:solidFill>
+                  <a:schemeClr val="tx1">
+                    <a:tint val="75000"/>
+                  </a:schemeClr>
+                </a:solidFill>
+                <a:latin typeface="+mn-lt"/>
+                <a:ea typeface="+mn-ea"/>
+                <a:cs typeface="+mn-cs"/>
+              </a:defRPr>
+            </a:lvl8pPr>
+            <a:lvl9pPr marL="3657600" indent="0" algn="l" defTabSz="914400" rtl="0" eaLnBrk="1" latinLnBrk="0" hangingPunct="1">
+              <a:spcBef>
+                <a:spcPts val="384"/>
+              </a:spcBef>
+              <a:buClr>
+                <a:schemeClr val="accent1"/>
+              </a:buClr>
+              <a:buFont typeface="Symbol" pitchFamily="18" charset="2"/>
+              <a:buNone/>
+              <a:defRPr sz="1400" kern="1200">
+                <a:solidFill>
+                  <a:schemeClr val="tx1">
+                    <a:tint val="75000"/>
+                  </a:schemeClr>
+                </a:solidFill>
+                <a:latin typeface="+mn-lt"/>
+                <a:ea typeface="+mn-ea"/>
+                <a:cs typeface="+mn-cs"/>
+              </a:defRPr>
+            </a:lvl9pPr>
+          </a:lstStyle>
+          <a:p>
+            <a:endParaRPr kumimoji="1" lang="zh-CN" altLang="en-US" dirty="0">
+              <a:solidFill>
+                <a:schemeClr val="tx1"/>
+              </a:solidFill>
+            </a:endParaRPr>
+          </a:p>
+        </p:txBody>
+      </p:sp>
+      <p:sp>
+        <p:nvSpPr>
+          <p:cNvPr id="6" name="文本框 5"/>
+          <p:cNvSpPr txBox="1"/>
+          <p:nvPr/>
+        </p:nvSpPr>
+        <p:spPr>
+          <a:xfrm>
+            <a:off x="5622633" y="3725383"/>
+            <a:ext cx="3521367" cy="1200329"/>
+          </a:xfrm>
+          <a:prstGeom prst="rect">
+            <a:avLst/>
+          </a:prstGeom>
+          <a:noFill/>
+        </p:spPr>
+        <p:txBody>
+          <a:bodyPr wrap="none" rtlCol="0">
+            <a:spAutoFit/>
+          </a:bodyPr>
+          <a:lstStyle/>
+          <a:p>
+            <a:r>
+              <a:rPr kumimoji="1" lang="zh-CN" altLang="en-US" dirty="0" smtClean="0"/>
+              <a:t>浏览器事件：</a:t>
+            </a:r>
+            <a:r>
+              <a:rPr kumimoji="1" lang="en-US" altLang="zh-CN" dirty="0" smtClean="0"/>
+              <a:t>Page</a:t>
+            </a:r>
+            <a:r>
+              <a:rPr kumimoji="1" lang="zh-CN" altLang="en-US" dirty="0" smtClean="0"/>
+              <a:t> </a:t>
+            </a:r>
+            <a:r>
+              <a:rPr kumimoji="1" lang="en-US" altLang="zh-CN" dirty="0" smtClean="0"/>
+              <a:t>Load</a:t>
+            </a:r>
+            <a:r>
+              <a:rPr kumimoji="1" lang="zh-CN" altLang="en-US" dirty="0"/>
+              <a:t>、</a:t>
+            </a:r>
+            <a:r>
+              <a:rPr kumimoji="1" lang="en-US" altLang="zh-CN" dirty="0" smtClean="0"/>
+              <a:t>Unload</a:t>
+            </a:r>
+          </a:p>
+          <a:p>
+            <a:r>
+              <a:rPr kumimoji="1" lang="zh-CN" altLang="en-US" dirty="0" smtClean="0"/>
+              <a:t>网络事件： </a:t>
+            </a:r>
+            <a:r>
+              <a:rPr kumimoji="1" lang="en-US" altLang="zh-CN" dirty="0" smtClean="0"/>
+              <a:t>Ajax</a:t>
+            </a:r>
+            <a:r>
+              <a:rPr kumimoji="1" lang="zh-CN" altLang="en-US" dirty="0" smtClean="0"/>
+              <a:t>请求成功、失败</a:t>
+            </a:r>
+            <a:endParaRPr kumimoji="1" lang="en-US" altLang="zh-CN" dirty="0" smtClean="0"/>
+          </a:p>
+          <a:p>
+            <a:r>
+              <a:rPr kumimoji="1" lang="zh-CN" altLang="en-US" dirty="0" smtClean="0"/>
+              <a:t>用户点击</a:t>
+            </a:r>
+            <a:r>
+              <a:rPr kumimoji="1" lang="zh-CN" altLang="en-US" dirty="0"/>
+              <a:t>、</a:t>
+            </a:r>
+            <a:r>
+              <a:rPr kumimoji="1" lang="zh-CN" altLang="en-US" dirty="0" smtClean="0"/>
+              <a:t>拖放、移动</a:t>
+            </a:r>
+            <a:r>
+              <a:rPr kumimoji="1" lang="zh-CN" altLang="en-US" dirty="0"/>
+              <a:t>、</a:t>
+            </a:r>
+            <a:r>
+              <a:rPr kumimoji="1" lang="zh-CN" altLang="en-US" dirty="0" smtClean="0"/>
+              <a:t>输入</a:t>
+            </a:r>
+            <a:endParaRPr kumimoji="1" lang="en-US" altLang="zh-CN" dirty="0" smtClean="0"/>
+          </a:p>
+          <a:p>
+            <a:r>
+              <a:rPr kumimoji="1" lang="zh-CN" altLang="en-US" dirty="0" smtClean="0"/>
+              <a:t>定时器：</a:t>
+            </a:r>
+            <a:r>
+              <a:rPr kumimoji="1" lang="en-US" altLang="zh-CN" dirty="0" smtClean="0"/>
+              <a:t>Timeout</a:t>
+            </a:r>
+            <a:r>
+              <a:rPr kumimoji="1" lang="zh-CN" altLang="en-US" dirty="0" smtClean="0"/>
+              <a:t>、</a:t>
+            </a:r>
+            <a:r>
+              <a:rPr kumimoji="1" lang="en-US" altLang="zh-CN" dirty="0" smtClean="0"/>
+              <a:t>Interval</a:t>
+            </a:r>
+            <a:endParaRPr kumimoji="1" lang="zh-CN" altLang="en-US" dirty="0"/>
+          </a:p>
+        </p:txBody>
+      </p:sp>
+      <p:sp>
+        <p:nvSpPr>
+          <p:cNvPr id="7" name="内容占位符 4"/>
+          <p:cNvSpPr txBox="1">
+            <a:spLocks/>
+          </p:cNvSpPr>
+          <p:nvPr/>
+        </p:nvSpPr>
+        <p:spPr>
+          <a:xfrm>
+            <a:off x="2872391" y="5356487"/>
+            <a:ext cx="3827270" cy="720126"/>
+          </a:xfrm>
+          <a:prstGeom prst="rect">
+            <a:avLst/>
+          </a:prstGeom>
+        </p:spPr>
+        <p:txBody>
+          <a:bodyPr vert="horz" lIns="91440" tIns="45720" rIns="91440" bIns="45720" rtlCol="0">
+            <a:normAutofit/>
+          </a:bodyPr>
+          <a:lstStyle>
+            <a:lvl1pPr marL="274320" indent="-274320" algn="l" defTabSz="914400" rtl="0" eaLnBrk="1" latinLnBrk="0" hangingPunct="1">
+              <a:spcBef>
+                <a:spcPct val="20000"/>
+              </a:spcBef>
+              <a:buClr>
+                <a:schemeClr val="accent1"/>
+              </a:buClr>
+              <a:buSzPct val="100000"/>
+              <a:buFont typeface="Symbol" pitchFamily="18" charset="2"/>
+              <a:buChar char=""/>
+              <a:defRPr sz="2400" kern="1200">
+                <a:solidFill>
+                  <a:schemeClr val="tx2"/>
+                </a:solidFill>
+                <a:latin typeface="+mn-lt"/>
+                <a:ea typeface="+mn-ea"/>
+                <a:cs typeface="+mn-cs"/>
+              </a:defRPr>
+            </a:lvl1pPr>
+            <a:lvl2pPr marL="576263" indent="-274320" algn="l" defTabSz="914400" rtl="0" eaLnBrk="1" latinLnBrk="0" hangingPunct="1">
+              <a:spcBef>
+                <a:spcPct val="20000"/>
+              </a:spcBef>
+              <a:buClr>
+                <a:schemeClr val="accent1"/>
+              </a:buClr>
+              <a:buSzPct val="100000"/>
+              <a:buFont typeface="Symbol" pitchFamily="18" charset="2"/>
+              <a:buChar char=""/>
+              <a:defRPr sz="2200" kern="1200">
+                <a:solidFill>
+                  <a:schemeClr val="tx2"/>
+                </a:solidFill>
+                <a:latin typeface="+mn-lt"/>
+                <a:ea typeface="+mn-ea"/>
+                <a:cs typeface="+mn-cs"/>
+              </a:defRPr>
+            </a:lvl2pPr>
+            <a:lvl3pPr marL="855663" indent="-228600" algn="l" defTabSz="914400" rtl="0" eaLnBrk="1" latinLnBrk="0" hangingPunct="1">
+              <a:spcBef>
+                <a:spcPct val="20000"/>
+              </a:spcBef>
+              <a:buClr>
+                <a:schemeClr val="accent1"/>
+              </a:buClr>
+              <a:buSzPct val="100000"/>
+              <a:buFont typeface="Symbol" pitchFamily="18" charset="2"/>
+              <a:buChar char=""/>
+              <a:defRPr sz="2000" kern="1200">
+                <a:solidFill>
+                  <a:schemeClr val="tx2"/>
+                </a:solidFill>
+                <a:latin typeface="+mn-lt"/>
+                <a:ea typeface="+mn-ea"/>
+                <a:cs typeface="+mn-cs"/>
+              </a:defRPr>
+            </a:lvl3pPr>
+            <a:lvl4pPr marL="1143000" indent="-228600" algn="l" defTabSz="914400" rtl="0" eaLnBrk="1" latinLnBrk="0" hangingPunct="1">
+              <a:spcBef>
+                <a:spcPct val="20000"/>
+              </a:spcBef>
+              <a:buClr>
+                <a:schemeClr val="accent1"/>
+              </a:buClr>
+              <a:buSzPct val="100000"/>
+              <a:buFont typeface="Symbol" pitchFamily="18" charset="2"/>
+              <a:buChar char=""/>
+              <a:defRPr sz="1800" kern="1200">
+                <a:solidFill>
+                  <a:schemeClr val="tx2"/>
+                </a:solidFill>
+                <a:latin typeface="+mn-lt"/>
+                <a:ea typeface="+mn-ea"/>
+                <a:cs typeface="+mn-cs"/>
+              </a:defRPr>
+            </a:lvl4pPr>
+            <a:lvl5pPr marL="1463040" indent="-228600" algn="l" defTabSz="914400" rtl="0" eaLnBrk="1" latinLnBrk="0" hangingPunct="1">
+              <a:spcBef>
+                <a:spcPct val="20000"/>
+              </a:spcBef>
+              <a:buClr>
+                <a:schemeClr val="accent1"/>
+              </a:buClr>
+              <a:buSzPct val="100000"/>
+              <a:buFont typeface="Symbol" pitchFamily="18" charset="2"/>
+              <a:buChar char=""/>
+              <a:defRPr sz="1600" kern="1200">
+                <a:solidFill>
+                  <a:schemeClr val="tx2"/>
+                </a:solidFill>
+                <a:latin typeface="+mn-lt"/>
+                <a:ea typeface="+mn-ea"/>
+                <a:cs typeface="+mn-cs"/>
+              </a:defRPr>
+            </a:lvl5pPr>
+            <a:lvl6pPr marL="1783080" indent="-228600" algn="l" defTabSz="914400" rtl="0" eaLnBrk="1" latinLnBrk="0" hangingPunct="1">
+              <a:spcBef>
+                <a:spcPts val="384"/>
+              </a:spcBef>
+              <a:buClr>
+                <a:schemeClr val="accent1"/>
+              </a:buClr>
+              <a:buFont typeface="Symbol" pitchFamily="18" charset="2"/>
+              <a:buChar char="*"/>
+              <a:defRPr sz="1400" kern="1200">
+                <a:solidFill>
+                  <a:schemeClr val="tx2"/>
+                </a:solidFill>
+                <a:latin typeface="+mn-lt"/>
+                <a:ea typeface="+mn-ea"/>
+                <a:cs typeface="+mn-cs"/>
+              </a:defRPr>
+            </a:lvl6pPr>
+            <a:lvl7pPr marL="2103120" indent="-228600" algn="l" defTabSz="914400" rtl="0" eaLnBrk="1" latinLnBrk="0" hangingPunct="1">
+              <a:spcBef>
+                <a:spcPts val="384"/>
+              </a:spcBef>
+              <a:buClr>
+                <a:schemeClr val="accent1"/>
+              </a:buClr>
+              <a:buFont typeface="Symbol" pitchFamily="18" charset="2"/>
+              <a:buChar char="*"/>
+              <a:defRPr sz="1400" kern="1200">
+                <a:solidFill>
+                  <a:schemeClr val="tx2"/>
+                </a:solidFill>
+                <a:latin typeface="+mn-lt"/>
+                <a:ea typeface="+mn-ea"/>
+                <a:cs typeface="+mn-cs"/>
+              </a:defRPr>
+            </a:lvl7pPr>
+            <a:lvl8pPr marL="2423160" indent="-228600" algn="l" defTabSz="914400" rtl="0" eaLnBrk="1" latinLnBrk="0" hangingPunct="1">
+              <a:spcBef>
+                <a:spcPts val="384"/>
+              </a:spcBef>
+              <a:buClr>
+                <a:schemeClr val="accent1"/>
+              </a:buClr>
+              <a:buFont typeface="Symbol" pitchFamily="18" charset="2"/>
+              <a:buChar char="*"/>
+              <a:defRPr sz="1400" kern="1200">
+                <a:solidFill>
+                  <a:schemeClr val="tx2"/>
+                </a:solidFill>
+                <a:latin typeface="+mn-lt"/>
+                <a:ea typeface="+mn-ea"/>
+                <a:cs typeface="+mn-cs"/>
+              </a:defRPr>
+            </a:lvl8pPr>
+            <a:lvl9pPr marL="2743200" indent="-228600" algn="l" defTabSz="914400" rtl="0" eaLnBrk="1" latinLnBrk="0" hangingPunct="1">
+              <a:spcBef>
+                <a:spcPts val="384"/>
+              </a:spcBef>
+              <a:buClr>
+                <a:schemeClr val="accent1"/>
+              </a:buClr>
+              <a:buFont typeface="Symbol" pitchFamily="18" charset="2"/>
+              <a:buChar char="*"/>
+              <a:defRPr sz="1400" kern="1200">
+                <a:solidFill>
+                  <a:schemeClr val="tx2"/>
+                </a:solidFill>
+                <a:latin typeface="+mn-lt"/>
+                <a:ea typeface="+mn-ea"/>
+                <a:cs typeface="+mn-cs"/>
+              </a:defRPr>
+            </a:lvl9pPr>
+          </a:lstStyle>
+          <a:p>
+            <a:pPr marL="0" indent="0">
+              <a:buNone/>
+            </a:pPr>
+            <a:r>
+              <a:rPr kumimoji="1" lang="zh-CN" altLang="en-US" sz="2800" dirty="0" smtClean="0">
+                <a:latin typeface="Heiti SC Light"/>
+                <a:ea typeface="Heiti SC Light"/>
+                <a:cs typeface="Heiti SC Light"/>
+              </a:rPr>
+              <a:t>事件处理的单元：函数</a:t>
+            </a:r>
+            <a:endParaRPr kumimoji="1" lang="en-US" altLang="zh-CN" sz="2800" dirty="0" smtClean="0">
+              <a:latin typeface="Heiti SC Light"/>
+              <a:ea typeface="Heiti SC Light"/>
+              <a:cs typeface="Heiti SC Light"/>
+            </a:endParaRPr>
+          </a:p>
+        </p:txBody>
+      </p:sp>
+    </p:spTree>
+    <p:extLst>
+      <p:ext uri="{BB962C8B-B14F-4D97-AF65-F5344CB8AC3E}">
+        <p14:creationId xmlns:p14="http://schemas.microsoft.com/office/powerpoint/2010/main" val="1688279758"/>
+      </p:ext>
+    </p:extLst>
+  </p:cSld>
+  <p:clrMapOvr>
+    <a:masterClrMapping/>
+  </p:clrMapOvr>
+  <p:timing>
+    <p:tnLst>
+      <p:par>
+        <p:cTn xmlns:p14="http://schemas.microsoft.com/office/powerpoint/2010/main" id="1" dur="indefinite" restart="never" nodeType="tmRoot">
+          <p:childTnLst>
+            <p:seq concurrent="1" nextAc="seek">
+              <p:cTn id="2" dur="indefinite" nodeType="mainSeq">
+                <p:childTnLst>
+                  <p:par>
+                    <p:cTn id="3" fill="hold">
+                      <p:stCondLst>
+                        <p:cond delay="indefinite"/>
+                      </p:stCondLst>
+                      <p:childTnLst>
+                        <p:par>
+                          <p:cTn id="4" fill="hold">
+                            <p:stCondLst>
+                              <p:cond delay="0"/>
+                            </p:stCondLst>
+                            <p:childTnLst>
+                              <p:par>
+                                <p:cTn id="5" presetID="2" presetClass="entr" presetSubtype="4" fill="hold" nodeType="clickEffect">
+                                  <p:stCondLst>
+                                    <p:cond delay="0"/>
+                                  </p:stCondLst>
+                                  <p:childTnLst>
+                                    <p:set>
+                                      <p:cBhvr>
+                                        <p:cTn id="6" dur="1" fill="hold">
+                                          <p:stCondLst>
+                                            <p:cond delay="0"/>
+                                          </p:stCondLst>
+                                        </p:cTn>
+                                        <p:tgtEl>
+                                          <p:spTgt spid="10"/>
+                                        </p:tgtEl>
+                                        <p:attrNameLst>
+                                          <p:attrName>style.visibility</p:attrName>
+                                        </p:attrNameLst>
+                                      </p:cBhvr>
+                                      <p:to>
+                                        <p:strVal val="visible"/>
+                                      </p:to>
+                                    </p:set>
+                                    <p:anim calcmode="lin" valueType="num">
+                                      <p:cBhvr additive="base">
+                                        <p:cTn id="7" dur="500" fill="hold"/>
+                                        <p:tgtEl>
+                                          <p:spTgt spid="10"/>
+                                        </p:tgtEl>
+                                        <p:attrNameLst>
+                                          <p:attrName>ppt_x</p:attrName>
+                                        </p:attrNameLst>
+                                      </p:cBhvr>
+                                      <p:tavLst>
+                                        <p:tav tm="0">
+                                          <p:val>
+                                            <p:strVal val="#ppt_x"/>
+                                          </p:val>
+                                        </p:tav>
+                                        <p:tav tm="100000">
+                                          <p:val>
+                                            <p:strVal val="#ppt_x"/>
+                                          </p:val>
+                                        </p:tav>
+                                      </p:tavLst>
+                                    </p:anim>
+                                    <p:anim calcmode="lin" valueType="num">
+                                      <p:cBhvr additive="base">
+                                        <p:cTn id="8" dur="500" fill="hold"/>
+                                        <p:tgtEl>
+                                          <p:spTgt spid="10"/>
+                                        </p:tgtEl>
+                                        <p:attrNameLst>
+                                          <p:attrName>ppt_y</p:attrName>
+                                        </p:attrNameLst>
+                                      </p:cBhvr>
+                                      <p:tavLst>
+                                        <p:tav tm="0">
+                                          <p:val>
+                                            <p:strVal val="1+#ppt_h/2"/>
+                                          </p:val>
+                                        </p:tav>
+                                        <p:tav tm="100000">
+                                          <p:val>
+                                            <p:strVal val="#ppt_y"/>
+                                          </p:val>
+                                        </p:tav>
+                                      </p:tavLst>
+                                    </p:anim>
+                                  </p:childTnLst>
+                                </p:cTn>
+                              </p:par>
+                            </p:childTnLst>
+                          </p:cTn>
+                        </p:par>
+                      </p:childTnLst>
+                    </p:cTn>
+                  </p:par>
+                  <p:par>
+                    <p:cTn id="9" fill="hold">
+                      <p:stCondLst>
+                        <p:cond delay="indefinite"/>
+                      </p:stCondLst>
+                      <p:childTnLst>
+                        <p:par>
+                          <p:cTn id="10" fill="hold">
+                            <p:stCondLst>
+                              <p:cond delay="0"/>
+                            </p:stCondLst>
+                            <p:childTnLst>
+                              <p:par>
+                                <p:cTn id="11" presetID="2" presetClass="entr" presetSubtype="4" fill="hold" grpId="0" nodeType="clickEffect">
+                                  <p:stCondLst>
+                                    <p:cond delay="0"/>
+                                  </p:stCondLst>
+                                  <p:childTnLst>
+                                    <p:set>
+                                      <p:cBhvr>
+                                        <p:cTn id="12" dur="1" fill="hold">
+                                          <p:stCondLst>
+                                            <p:cond delay="0"/>
+                                          </p:stCondLst>
+                                        </p:cTn>
+                                        <p:tgtEl>
+                                          <p:spTgt spid="6"/>
+                                        </p:tgtEl>
+                                        <p:attrNameLst>
+                                          <p:attrName>style.visibility</p:attrName>
+                                        </p:attrNameLst>
+                                      </p:cBhvr>
+                                      <p:to>
+                                        <p:strVal val="visible"/>
+                                      </p:to>
+                                    </p:set>
+                                    <p:anim calcmode="lin" valueType="num">
+                                      <p:cBhvr additive="base">
+                                        <p:cTn id="13" dur="500" fill="hold"/>
+                                        <p:tgtEl>
+                                          <p:spTgt spid="6"/>
+                                        </p:tgtEl>
+                                        <p:attrNameLst>
+                                          <p:attrName>ppt_x</p:attrName>
+                                        </p:attrNameLst>
+                                      </p:cBhvr>
+                                      <p:tavLst>
+                                        <p:tav tm="0">
+                                          <p:val>
+                                            <p:strVal val="#ppt_x"/>
+                                          </p:val>
+                                        </p:tav>
+                                        <p:tav tm="100000">
+                                          <p:val>
+                                            <p:strVal val="#ppt_x"/>
+                                          </p:val>
+                                        </p:tav>
+                                      </p:tavLst>
+                                    </p:anim>
+                                    <p:anim calcmode="lin" valueType="num">
+                                      <p:cBhvr additive="base">
+                                        <p:cTn id="14" dur="500" fill="hold"/>
+                                        <p:tgtEl>
+                                          <p:spTgt spid="6"/>
+                                        </p:tgtEl>
+                                        <p:attrNameLst>
+                                          <p:attrName>ppt_y</p:attrName>
+                                        </p:attrNameLst>
+                                      </p:cBhvr>
+                                      <p:tavLst>
+                                        <p:tav tm="0">
+                                          <p:val>
+                                            <p:strVal val="1+#ppt_h/2"/>
+                                          </p:val>
+                                        </p:tav>
+                                        <p:tav tm="100000">
+                                          <p:val>
+                                            <p:strVal val="#ppt_y"/>
+                                          </p:val>
+                                        </p:tav>
+                                      </p:tavLst>
+                                    </p:anim>
+                                  </p:childTnLst>
+                                </p:cTn>
+                              </p:par>
+                            </p:childTnLst>
+                          </p:cTn>
+                        </p:par>
+                      </p:childTnLst>
+                    </p:cTn>
+                  </p:par>
+                  <p:par>
+                    <p:cTn id="15" fill="hold">
+                      <p:stCondLst>
+                        <p:cond delay="indefinite"/>
+                      </p:stCondLst>
+                      <p:childTnLst>
+                        <p:par>
+                          <p:cTn id="16" fill="hold">
+                            <p:stCondLst>
+                              <p:cond delay="0"/>
+                            </p:stCondLst>
+                            <p:childTnLst>
+                              <p:par>
+                                <p:cTn id="17" presetID="2" presetClass="entr" presetSubtype="4" fill="hold" grpId="0" nodeType="clickEffect">
+                                  <p:stCondLst>
+                                    <p:cond delay="0"/>
+                                  </p:stCondLst>
+                                  <p:childTnLst>
+                                    <p:set>
+                                      <p:cBhvr>
+                                        <p:cTn id="18" dur="1" fill="hold">
+                                          <p:stCondLst>
+                                            <p:cond delay="0"/>
+                                          </p:stCondLst>
+                                        </p:cTn>
+                                        <p:tgtEl>
+                                          <p:spTgt spid="7"/>
+                                        </p:tgtEl>
+                                        <p:attrNameLst>
+                                          <p:attrName>style.visibility</p:attrName>
+                                        </p:attrNameLst>
+                                      </p:cBhvr>
+                                      <p:to>
+                                        <p:strVal val="visible"/>
+                                      </p:to>
+                                    </p:set>
+                                    <p:anim calcmode="lin" valueType="num">
+                                      <p:cBhvr additive="base">
+                                        <p:cTn id="19" dur="500" fill="hold"/>
+                                        <p:tgtEl>
+                                          <p:spTgt spid="7"/>
+                                        </p:tgtEl>
+                                        <p:attrNameLst>
+                                          <p:attrName>ppt_x</p:attrName>
+                                        </p:attrNameLst>
+                                      </p:cBhvr>
+                                      <p:tavLst>
+                                        <p:tav tm="0">
+                                          <p:val>
+                                            <p:strVal val="#ppt_x"/>
+                                          </p:val>
+                                        </p:tav>
+                                        <p:tav tm="100000">
+                                          <p:val>
+                                            <p:strVal val="#ppt_x"/>
+                                          </p:val>
+                                        </p:tav>
+                                      </p:tavLst>
+                                    </p:anim>
+                                    <p:anim calcmode="lin" valueType="num">
+                                      <p:cBhvr additive="base">
+                                        <p:cTn id="20" dur="500" fill="hold"/>
+                                        <p:tgtEl>
+                                          <p:spTgt spid="7"/>
+                                        </p:tgtEl>
+                                        <p:attrNameLst>
+                                          <p:attrName>ppt_y</p:attrName>
+                                        </p:attrNameLst>
+                                      </p:cBhvr>
+                                      <p:tavLst>
+                                        <p:tav tm="0">
+                                          <p:val>
+                                            <p:strVal val="1+#ppt_h/2"/>
+                                          </p:val>
+                                        </p:tav>
+                                        <p:tav tm="100000">
+                                          <p:val>
+                                            <p:strVal val="#ppt_y"/>
+                                          </p:val>
+                                        </p:tav>
+                                      </p:tavLst>
+                                    </p:anim>
+                                  </p:childTnLst>
+                                </p:cTn>
+                              </p:par>
+                            </p:childTnLst>
+                          </p:cTn>
+                        </p:par>
+                      </p:childTnLst>
+                    </p:cTn>
+                  </p:par>
+                </p:childTnLst>
+              </p:cTn>
+              <p:prevCondLst>
+                <p:cond evt="onPrev" delay="0">
+                  <p:tgtEl>
+                    <p:sldTgt/>
+                  </p:tgtEl>
+                </p:cond>
+              </p:prevCondLst>
+              <p:nextCondLst>
+                <p:cond evt="onNext" delay="0">
+                  <p:tgtEl>
+                    <p:sldTgt/>
+                  </p:tgtEl>
+                </p:cond>
+              </p:nextCondLst>
+            </p:seq>
+          </p:childTnLst>
+        </p:cTn>
+      </p:par>
+    </p:tnLst>
+    <p:bldLst>
+      <p:bldP spid="6" grpId="0"/>
+      <p:bldP spid="7" grpId="0"/>
+    </p:bldLst>
   </p:timing>
 </p:sld>
 </file>
@@ -15840,4 +21941,324 @@
   <a:objectDefaults/>
   <a:extraClrSchemeLst/>
 </a:theme>
+</file>
+
+<file path=ppt/theme/theme2.xml><?xml version="1.0" encoding="utf-8"?>
+<a:theme xmlns:a="http://schemas.openxmlformats.org/drawingml/2006/main" name="Office 主题">
+  <a:themeElements>
+    <a:clrScheme name="办公室">
+      <a:dk1>
+        <a:sysClr val="windowText" lastClr="000000"/>
+      </a:dk1>
+      <a:lt1>
+        <a:sysClr val="window" lastClr="FFFFFF"/>
+      </a:lt1>
+      <a:dk2>
+        <a:srgbClr val="1F497D"/>
+      </a:dk2>
+      <a:lt2>
+        <a:srgbClr val="EEECE1"/>
+      </a:lt2>
+      <a:accent1>
+        <a:srgbClr val="4F81BD"/>
+      </a:accent1>
+      <a:accent2>
+        <a:srgbClr val="C0504D"/>
+      </a:accent2>
+      <a:accent3>
+        <a:srgbClr val="9BBB59"/>
+      </a:accent3>
+      <a:accent4>
+        <a:srgbClr val="8064A2"/>
+      </a:accent4>
+      <a:accent5>
+        <a:srgbClr val="4BACC6"/>
+      </a:accent5>
+      <a:accent6>
+        <a:srgbClr val="F79646"/>
+      </a:accent6>
+      <a:hlink>
+        <a:srgbClr val="0000FF"/>
+      </a:hlink>
+      <a:folHlink>
+        <a:srgbClr val="800080"/>
+      </a:folHlink>
+    </a:clrScheme>
+    <a:fontScheme name="办公室">
+      <a:majorFont>
+        <a:latin typeface="Calibri"/>
+        <a:ea typeface=""/>
+        <a:cs typeface=""/>
+        <a:font script="Jpan" typeface="ＭＳ Ｐゴシック"/>
+        <a:font script="Hang" typeface="맑은 고딕"/>
+        <a:font script="Hans" typeface="宋体"/>
+        <a:font script="Hant" typeface="新細明體"/>
+        <a:font script="Arab" typeface="Times New Roman"/>
+        <a:font script="Hebr" typeface="Times New Roman"/>
+        <a:font script="Thai" typeface="Angsana New"/>
+        <a:font script="Ethi" typeface="Nyala"/>
+        <a:font script="Beng" typeface="Vrinda"/>
+        <a:font script="Gujr" typeface="Shruti"/>
+        <a:font script="Khmr" typeface="MoolBoran"/>
+        <a:font script="Knda" typeface="Tunga"/>
+        <a:font script="Guru" typeface="Raavi"/>
+        <a:font script="Cans" typeface="Euphemia"/>
+        <a:font script="Cher" typeface="Plantagenet Cherokee"/>
+        <a:font script="Yiii" typeface="Microsoft Yi Baiti"/>
+        <a:font script="Tibt" typeface="Microsoft Himalaya"/>
+        <a:font script="Thaa" typeface="MV Boli"/>
+        <a:font script="Deva" typeface="Mangal"/>
+        <a:font script="Telu" typeface="Gautami"/>
+        <a:font script="Taml" typeface="Latha"/>
+        <a:font script="Syrc" typeface="Estrangelo Edessa"/>
+        <a:font script="Orya" typeface="Kalinga"/>
+        <a:font script="Mlym" typeface="Kartika"/>
+        <a:font script="Laoo" typeface="DokChampa"/>
+        <a:font script="Sinh" typeface="Iskoola Pota"/>
+        <a:font script="Mong" typeface="Mongolian Baiti"/>
+        <a:font script="Viet" typeface="Times New Roman"/>
+        <a:font script="Uigh" typeface="Microsoft Uighur"/>
+        <a:font script="Geor" typeface="Sylfaen"/>
+      </a:majorFont>
+      <a:minorFont>
+        <a:latin typeface="Calibri"/>
+        <a:ea typeface=""/>
+        <a:cs typeface=""/>
+        <a:font script="Jpan" typeface="ＭＳ Ｐゴシック"/>
+        <a:font script="Hang" typeface="맑은 고딕"/>
+        <a:font script="Hans" typeface="宋体"/>
+        <a:font script="Hant" typeface="新細明體"/>
+        <a:font script="Arab" typeface="Arial"/>
+        <a:font script="Hebr" typeface="Arial"/>
+        <a:font script="Thai" typeface="Cordia New"/>
+        <a:font script="Ethi" typeface="Nyala"/>
+        <a:font script="Beng" typeface="Vrinda"/>
+        <a:font script="Gujr" typeface="Shruti"/>
+        <a:font script="Khmr" typeface="DaunPenh"/>
+        <a:font script="Knda" typeface="Tunga"/>
+        <a:font script="Guru" typeface="Raavi"/>
+        <a:font script="Cans" typeface="Euphemia"/>
+        <a:font script="Cher" typeface="Plantagenet Cherokee"/>
+        <a:font script="Yiii" typeface="Microsoft Yi Baiti"/>
+        <a:font script="Tibt" typeface="Microsoft Himalaya"/>
+        <a:font script="Thaa" typeface="MV Boli"/>
+        <a:font script="Deva" typeface="Mangal"/>
+        <a:font script="Telu" typeface="Gautami"/>
+        <a:font script="Taml" typeface="Latha"/>
+        <a:font script="Syrc" typeface="Estrangelo Edessa"/>
+        <a:font script="Orya" typeface="Kalinga"/>
+        <a:font script="Mlym" typeface="Kartika"/>
+        <a:font script="Laoo" typeface="DokChampa"/>
+        <a:font script="Sinh" typeface="Iskoola Pota"/>
+        <a:font script="Mong" typeface="Mongolian Baiti"/>
+        <a:font script="Viet" typeface="Arial"/>
+        <a:font script="Uigh" typeface="Microsoft Uighur"/>
+        <a:font script="Geor" typeface="Sylfaen"/>
+      </a:minorFont>
+    </a:fontScheme>
+    <a:fmtScheme name="办公室">
+      <a:fillStyleLst>
+        <a:solidFill>
+          <a:schemeClr val="phClr"/>
+        </a:solidFill>
+        <a:gradFill rotWithShape="1">
+          <a:gsLst>
+            <a:gs pos="0">
+              <a:schemeClr val="phClr">
+                <a:tint val="50000"/>
+                <a:satMod val="300000"/>
+              </a:schemeClr>
+            </a:gs>
+            <a:gs pos="35000">
+              <a:schemeClr val="phClr">
+                <a:tint val="37000"/>
+                <a:satMod val="300000"/>
+              </a:schemeClr>
+            </a:gs>
+            <a:gs pos="100000">
+              <a:schemeClr val="phClr">
+                <a:tint val="15000"/>
+                <a:satMod val="350000"/>
+              </a:schemeClr>
+            </a:gs>
+          </a:gsLst>
+          <a:lin ang="16200000" scaled="1"/>
+        </a:gradFill>
+        <a:gradFill rotWithShape="1">
+          <a:gsLst>
+            <a:gs pos="0">
+              <a:schemeClr val="phClr">
+                <a:tint val="100000"/>
+                <a:shade val="100000"/>
+                <a:satMod val="130000"/>
+              </a:schemeClr>
+            </a:gs>
+            <a:gs pos="100000">
+              <a:schemeClr val="phClr">
+                <a:tint val="50000"/>
+                <a:shade val="100000"/>
+                <a:satMod val="350000"/>
+              </a:schemeClr>
+            </a:gs>
+          </a:gsLst>
+          <a:lin ang="16200000" scaled="0"/>
+        </a:gradFill>
+      </a:fillStyleLst>
+      <a:lnStyleLst>
+        <a:ln w="9525" cap="flat" cmpd="sng" algn="ctr">
+          <a:solidFill>
+            <a:schemeClr val="phClr">
+              <a:shade val="95000"/>
+              <a:satMod val="105000"/>
+            </a:schemeClr>
+          </a:solidFill>
+          <a:prstDash val="solid"/>
+        </a:ln>
+        <a:ln w="25400" cap="flat" cmpd="sng" algn="ctr">
+          <a:solidFill>
+            <a:schemeClr val="phClr"/>
+          </a:solidFill>
+          <a:prstDash val="solid"/>
+        </a:ln>
+        <a:ln w="38100" cap="flat" cmpd="sng" algn="ctr">
+          <a:solidFill>
+            <a:schemeClr val="phClr"/>
+          </a:solidFill>
+          <a:prstDash val="solid"/>
+        </a:ln>
+      </a:lnStyleLst>
+      <a:effectStyleLst>
+        <a:effectStyle>
+          <a:effectLst>
+            <a:outerShdw blurRad="40000" dist="20000" dir="5400000" rotWithShape="0">
+              <a:srgbClr val="000000">
+                <a:alpha val="38000"/>
+              </a:srgbClr>
+            </a:outerShdw>
+          </a:effectLst>
+        </a:effectStyle>
+        <a:effectStyle>
+          <a:effectLst>
+            <a:outerShdw blurRad="40000" dist="23000" dir="5400000" rotWithShape="0">
+              <a:srgbClr val="000000">
+                <a:alpha val="35000"/>
+              </a:srgbClr>
+            </a:outerShdw>
+          </a:effectLst>
+        </a:effectStyle>
+        <a:effectStyle>
+          <a:effectLst>
+            <a:outerShdw blurRad="40000" dist="23000" dir="5400000" rotWithShape="0">
+              <a:srgbClr val="000000">
+                <a:alpha val="35000"/>
+              </a:srgbClr>
+            </a:outerShdw>
+          </a:effectLst>
+          <a:scene3d>
+            <a:camera prst="orthographicFront">
+              <a:rot lat="0" lon="0" rev="0"/>
+            </a:camera>
+            <a:lightRig rig="threePt" dir="t">
+              <a:rot lat="0" lon="0" rev="1200000"/>
+            </a:lightRig>
+          </a:scene3d>
+          <a:sp3d>
+            <a:bevelT w="63500" h="25400"/>
+          </a:sp3d>
+        </a:effectStyle>
+      </a:effectStyleLst>
+      <a:bgFillStyleLst>
+        <a:solidFill>
+          <a:schemeClr val="phClr"/>
+        </a:solidFill>
+        <a:gradFill rotWithShape="1">
+          <a:gsLst>
+            <a:gs pos="0">
+              <a:schemeClr val="phClr">
+                <a:tint val="40000"/>
+                <a:satMod val="350000"/>
+              </a:schemeClr>
+            </a:gs>
+            <a:gs pos="40000">
+              <a:schemeClr val="phClr">
+                <a:tint val="45000"/>
+                <a:shade val="99000"/>
+                <a:satMod val="350000"/>
+              </a:schemeClr>
+            </a:gs>
+            <a:gs pos="100000">
+              <a:schemeClr val="phClr">
+                <a:shade val="20000"/>
+                <a:satMod val="255000"/>
+              </a:schemeClr>
+            </a:gs>
+          </a:gsLst>
+          <a:path path="circle">
+            <a:fillToRect l="50000" t="-80000" r="50000" b="180000"/>
+          </a:path>
+        </a:gradFill>
+        <a:gradFill rotWithShape="1">
+          <a:gsLst>
+            <a:gs pos="0">
+              <a:schemeClr val="phClr">
+                <a:tint val="80000"/>
+                <a:satMod val="300000"/>
+              </a:schemeClr>
+            </a:gs>
+            <a:gs pos="100000">
+              <a:schemeClr val="phClr">
+                <a:shade val="30000"/>
+                <a:satMod val="200000"/>
+              </a:schemeClr>
+            </a:gs>
+          </a:gsLst>
+          <a:path path="circle">
+            <a:fillToRect l="50000" t="50000" r="50000" b="50000"/>
+          </a:path>
+        </a:gradFill>
+      </a:bgFillStyleLst>
+    </a:fmtScheme>
+  </a:themeElements>
+  <a:objectDefaults>
+    <a:spDef>
+      <a:spPr/>
+      <a:bodyPr/>
+      <a:lstStyle/>
+      <a:style>
+        <a:lnRef idx="1">
+          <a:schemeClr val="accent1"/>
+        </a:lnRef>
+        <a:fillRef idx="3">
+          <a:schemeClr val="accent1"/>
+        </a:fillRef>
+        <a:effectRef idx="2">
+          <a:schemeClr val="accent1"/>
+        </a:effectRef>
+        <a:fontRef idx="minor">
+          <a:schemeClr val="lt1"/>
+        </a:fontRef>
+      </a:style>
+    </a:spDef>
+    <a:lnDef>
+      <a:spPr/>
+      <a:bodyPr/>
+      <a:lstStyle/>
+      <a:style>
+        <a:lnRef idx="2">
+          <a:schemeClr val="accent1"/>
+        </a:lnRef>
+        <a:fillRef idx="0">
+          <a:schemeClr val="accent1"/>
+        </a:fillRef>
+        <a:effectRef idx="1">
+          <a:schemeClr val="accent1"/>
+        </a:effectRef>
+        <a:fontRef idx="minor">
+          <a:schemeClr val="tx1"/>
+        </a:fontRef>
+      </a:style>
+    </a:lnDef>
+  </a:objectDefaults>
+  <a:extraClrSchemeLst/>
+</a:theme>
 </file>
--- a/JavaScriptFunctionObject.pptx
+++ b/JavaScriptFunctionObject.pptx
@@ -5,7 +5,7 @@
     <p:sldMasterId id="2147483744" r:id="rId1"/>
   </p:sldMasterIdLst>
   <p:notesMasterIdLst>
-    <p:notesMasterId r:id="rId13"/>
+    <p:notesMasterId r:id="rId15"/>
   </p:notesMasterIdLst>
   <p:sldIdLst>
     <p:sldId id="256" r:id="rId2"/>
@@ -19,6 +19,8 @@
     <p:sldId id="263" r:id="rId10"/>
     <p:sldId id="265" r:id="rId11"/>
     <p:sldId id="266" r:id="rId12"/>
+    <p:sldId id="267" r:id="rId13"/>
+    <p:sldId id="268" r:id="rId14"/>
   </p:sldIdLst>
   <p:sldSz cx="9144000" cy="6858000" type="screen4x3"/>
   <p:notesSz cx="6858000" cy="9144000"/>
@@ -817,6 +819,286 @@
     <p:extLst>
       <p:ext uri="{BB962C8B-B14F-4D97-AF65-F5344CB8AC3E}">
         <p14:creationId xmlns:p14="http://schemas.microsoft.com/office/powerpoint/2010/main" val="2261169387"/>
+      </p:ext>
+    </p:extLst>
+  </p:cSld>
+  <p:clrMapOvr>
+    <a:masterClrMapping/>
+  </p:clrMapOvr>
+</p:notes>
+</file>
+
+<file path=ppt/notesSlides/notesSlide5.xml><?xml version="1.0" encoding="utf-8"?>
+<p:notes xmlns:a="http://schemas.openxmlformats.org/drawingml/2006/main" xmlns:r="http://schemas.openxmlformats.org/officeDocument/2006/relationships" xmlns:p="http://schemas.openxmlformats.org/presentationml/2006/main">
+  <p:cSld>
+    <p:spTree>
+      <p:nvGrpSpPr>
+        <p:cNvPr id="1" name=""/>
+        <p:cNvGrpSpPr/>
+        <p:nvPr/>
+      </p:nvGrpSpPr>
+      <p:grpSpPr>
+        <a:xfrm>
+          <a:off x="0" y="0"/>
+          <a:ext cx="0" cy="0"/>
+          <a:chOff x="0" y="0"/>
+          <a:chExt cx="0" cy="0"/>
+        </a:xfrm>
+      </p:grpSpPr>
+      <p:sp>
+        <p:nvSpPr>
+          <p:cNvPr id="2" name="幻灯片图像占位符 1"/>
+          <p:cNvSpPr>
+            <a:spLocks noGrp="1" noRot="1" noChangeAspect="1"/>
+          </p:cNvSpPr>
+          <p:nvPr>
+            <p:ph type="sldImg"/>
+          </p:nvPr>
+        </p:nvSpPr>
+        <p:spPr/>
+      </p:sp>
+      <p:sp>
+        <p:nvSpPr>
+          <p:cNvPr id="3" name="备注占位符 2"/>
+          <p:cNvSpPr>
+            <a:spLocks noGrp="1"/>
+          </p:cNvSpPr>
+          <p:nvPr>
+            <p:ph type="body" idx="1"/>
+          </p:nvPr>
+        </p:nvSpPr>
+        <p:spPr/>
+        <p:txBody>
+          <a:bodyPr/>
+          <a:lstStyle/>
+          <a:p>
+            <a:r>
+              <a:rPr kumimoji="1" lang="en-US" altLang="zh-CN" dirty="0" smtClean="0"/>
+              <a:t>JavaScript</a:t>
+            </a:r>
+            <a:r>
+              <a:rPr kumimoji="1" lang="zh-CN" altLang="en-US" dirty="0" smtClean="0"/>
+              <a:t>的范围定义和其他语言不一样， 其他语言如</a:t>
+            </a:r>
+            <a:r>
+              <a:rPr kumimoji="1" lang="en-US" altLang="zh-CN" dirty="0" smtClean="0"/>
+              <a:t>Java</a:t>
+            </a:r>
+            <a:r>
+              <a:rPr kumimoji="1" lang="zh-CN" altLang="en-US" dirty="0" smtClean="0"/>
+              <a:t>，</a:t>
+            </a:r>
+            <a:r>
+              <a:rPr kumimoji="1" lang="en-US" altLang="zh-CN" dirty="0" smtClean="0"/>
+              <a:t>C</a:t>
+            </a:r>
+            <a:r>
+              <a:rPr kumimoji="1" lang="zh-CN" altLang="en-US" dirty="0" smtClean="0"/>
+              <a:t>是通过</a:t>
+            </a:r>
+            <a:r>
+              <a:rPr kumimoji="1" lang="en-US" altLang="zh-CN" dirty="0" smtClean="0"/>
+              <a:t>{}</a:t>
+            </a:r>
+            <a:r>
+              <a:rPr kumimoji="1" lang="zh-CN" altLang="en-US" dirty="0" smtClean="0"/>
+              <a:t>等</a:t>
+            </a:r>
+            <a:r>
+              <a:rPr kumimoji="1" lang="en-US" altLang="zh-CN" dirty="0" smtClean="0"/>
+              <a:t>block</a:t>
+            </a:r>
+            <a:r>
+              <a:rPr kumimoji="1" lang="zh-CN" altLang="en-US" dirty="0" smtClean="0"/>
+              <a:t>来定义范围， </a:t>
+            </a:r>
+            <a:r>
+              <a:rPr kumimoji="1" lang="en-US" altLang="zh-CN" dirty="0" smtClean="0"/>
+              <a:t>JavaScript</a:t>
+            </a:r>
+            <a:r>
+              <a:rPr kumimoji="1" lang="zh-CN" altLang="en-US" dirty="0" smtClean="0"/>
+              <a:t>是通过</a:t>
+            </a:r>
+            <a:r>
+              <a:rPr kumimoji="1" lang="en-US" altLang="zh-CN" dirty="0" smtClean="0"/>
+              <a:t>Function</a:t>
+            </a:r>
+            <a:r>
+              <a:rPr kumimoji="1" lang="zh-CN" altLang="en-US" dirty="0" smtClean="0"/>
+              <a:t>定义范围。</a:t>
+            </a:r>
+            <a:endParaRPr kumimoji="1" lang="zh-CN" altLang="en-US" dirty="0"/>
+          </a:p>
+        </p:txBody>
+      </p:sp>
+      <p:sp>
+        <p:nvSpPr>
+          <p:cNvPr id="4" name="幻灯片编号占位符 3"/>
+          <p:cNvSpPr>
+            <a:spLocks noGrp="1"/>
+          </p:cNvSpPr>
+          <p:nvPr>
+            <p:ph type="sldNum" sz="quarter" idx="10"/>
+          </p:nvPr>
+        </p:nvSpPr>
+        <p:spPr/>
+        <p:txBody>
+          <a:bodyPr/>
+          <a:lstStyle/>
+          <a:p>
+            <a:fld id="{6E617A2A-56D0-C847-AD3B-89221304CA23}" type="slidenum">
+              <a:rPr kumimoji="1" lang="zh-CN" altLang="en-US" smtClean="0"/>
+              <a:t>12</a:t>
+            </a:fld>
+            <a:endParaRPr kumimoji="1" lang="zh-CN" altLang="en-US"/>
+          </a:p>
+        </p:txBody>
+      </p:sp>
+    </p:spTree>
+    <p:extLst>
+      <p:ext uri="{BB962C8B-B14F-4D97-AF65-F5344CB8AC3E}">
+        <p14:creationId xmlns:p14="http://schemas.microsoft.com/office/powerpoint/2010/main" val="3424638384"/>
+      </p:ext>
+    </p:extLst>
+  </p:cSld>
+  <p:clrMapOvr>
+    <a:masterClrMapping/>
+  </p:clrMapOvr>
+</p:notes>
+</file>
+
+<file path=ppt/notesSlides/notesSlide6.xml><?xml version="1.0" encoding="utf-8"?>
+<p:notes xmlns:a="http://schemas.openxmlformats.org/drawingml/2006/main" xmlns:r="http://schemas.openxmlformats.org/officeDocument/2006/relationships" xmlns:p="http://schemas.openxmlformats.org/presentationml/2006/main">
+  <p:cSld>
+    <p:spTree>
+      <p:nvGrpSpPr>
+        <p:cNvPr id="1" name=""/>
+        <p:cNvGrpSpPr/>
+        <p:nvPr/>
+      </p:nvGrpSpPr>
+      <p:grpSpPr>
+        <a:xfrm>
+          <a:off x="0" y="0"/>
+          <a:ext cx="0" cy="0"/>
+          <a:chOff x="0" y="0"/>
+          <a:chExt cx="0" cy="0"/>
+        </a:xfrm>
+      </p:grpSpPr>
+      <p:sp>
+        <p:nvSpPr>
+          <p:cNvPr id="2" name="幻灯片图像占位符 1"/>
+          <p:cNvSpPr>
+            <a:spLocks noGrp="1" noRot="1" noChangeAspect="1"/>
+          </p:cNvSpPr>
+          <p:nvPr>
+            <p:ph type="sldImg"/>
+          </p:nvPr>
+        </p:nvSpPr>
+        <p:spPr/>
+      </p:sp>
+      <p:sp>
+        <p:nvSpPr>
+          <p:cNvPr id="3" name="备注占位符 2"/>
+          <p:cNvSpPr>
+            <a:spLocks noGrp="1"/>
+          </p:cNvSpPr>
+          <p:nvPr>
+            <p:ph type="body" idx="1"/>
+          </p:nvPr>
+        </p:nvSpPr>
+        <p:spPr/>
+        <p:txBody>
+          <a:bodyPr/>
+          <a:lstStyle/>
+          <a:p>
+            <a:r>
+              <a:rPr kumimoji="1" lang="en-US" altLang="zh-CN" dirty="0" smtClean="0"/>
+              <a:t>JavaScript</a:t>
+            </a:r>
+            <a:r>
+              <a:rPr kumimoji="1" lang="zh-CN" altLang="en-US" dirty="0" smtClean="0"/>
+              <a:t>的范围定义和其他语言不一样， 其他语言如</a:t>
+            </a:r>
+            <a:r>
+              <a:rPr kumimoji="1" lang="en-US" altLang="zh-CN" dirty="0" smtClean="0"/>
+              <a:t>Java</a:t>
+            </a:r>
+            <a:r>
+              <a:rPr kumimoji="1" lang="zh-CN" altLang="en-US" dirty="0" smtClean="0"/>
+              <a:t>，</a:t>
+            </a:r>
+            <a:r>
+              <a:rPr kumimoji="1" lang="en-US" altLang="zh-CN" dirty="0" smtClean="0"/>
+              <a:t>C</a:t>
+            </a:r>
+            <a:r>
+              <a:rPr kumimoji="1" lang="zh-CN" altLang="en-US" dirty="0" smtClean="0"/>
+              <a:t>是通过</a:t>
+            </a:r>
+            <a:r>
+              <a:rPr kumimoji="1" lang="en-US" altLang="zh-CN" dirty="0" smtClean="0"/>
+              <a:t>{}</a:t>
+            </a:r>
+            <a:r>
+              <a:rPr kumimoji="1" lang="zh-CN" altLang="en-US" dirty="0" smtClean="0"/>
+              <a:t>等</a:t>
+            </a:r>
+            <a:r>
+              <a:rPr kumimoji="1" lang="en-US" altLang="zh-CN" dirty="0" smtClean="0"/>
+              <a:t>block</a:t>
+            </a:r>
+            <a:r>
+              <a:rPr kumimoji="1" lang="zh-CN" altLang="en-US" dirty="0" smtClean="0"/>
+              <a:t>来定义范围， </a:t>
+            </a:r>
+            <a:r>
+              <a:rPr kumimoji="1" lang="en-US" altLang="zh-CN" dirty="0" smtClean="0"/>
+              <a:t>JavaScript</a:t>
+            </a:r>
+            <a:r>
+              <a:rPr kumimoji="1" lang="zh-CN" altLang="en-US" dirty="0" smtClean="0"/>
+              <a:t>是通过</a:t>
+            </a:r>
+            <a:r>
+              <a:rPr kumimoji="1" lang="en-US" altLang="zh-CN" dirty="0" smtClean="0"/>
+              <a:t>Function</a:t>
+            </a:r>
+            <a:r>
+              <a:rPr kumimoji="1" lang="zh-CN" altLang="en-US" smtClean="0"/>
+              <a:t>定义范围。</a:t>
+            </a:r>
+            <a:endParaRPr kumimoji="1" lang="zh-CN" altLang="en-US" dirty="0"/>
+          </a:p>
+        </p:txBody>
+      </p:sp>
+      <p:sp>
+        <p:nvSpPr>
+          <p:cNvPr id="4" name="幻灯片编号占位符 3"/>
+          <p:cNvSpPr>
+            <a:spLocks noGrp="1"/>
+          </p:cNvSpPr>
+          <p:nvPr>
+            <p:ph type="sldNum" sz="quarter" idx="10"/>
+          </p:nvPr>
+        </p:nvSpPr>
+        <p:spPr/>
+        <p:txBody>
+          <a:bodyPr/>
+          <a:lstStyle/>
+          <a:p>
+            <a:fld id="{6E617A2A-56D0-C847-AD3B-89221304CA23}" type="slidenum">
+              <a:rPr kumimoji="1" lang="zh-CN" altLang="en-US" smtClean="0"/>
+              <a:t>13</a:t>
+            </a:fld>
+            <a:endParaRPr kumimoji="1" lang="zh-CN" altLang="en-US"/>
+          </a:p>
+        </p:txBody>
+      </p:sp>
+    </p:spTree>
+    <p:extLst>
+      <p:ext uri="{BB962C8B-B14F-4D97-AF65-F5344CB8AC3E}">
+        <p14:creationId xmlns:p14="http://schemas.microsoft.com/office/powerpoint/2010/main" val="3424638384"/>
       </p:ext>
     </p:extLst>
   </p:cSld>
@@ -16922,6 +17204,1096 @@
       <p:bldP spid="7" grpId="0" animBg="1"/>
       <p:bldP spid="8" grpId="0" animBg="1"/>
     </p:bldLst>
+  </p:timing>
+</p:sld>
+</file>
+
+<file path=ppt/slides/slide12.xml><?xml version="1.0" encoding="utf-8"?>
+<p:sld xmlns:a="http://schemas.openxmlformats.org/drawingml/2006/main" xmlns:r="http://schemas.openxmlformats.org/officeDocument/2006/relationships" xmlns:p="http://schemas.openxmlformats.org/presentationml/2006/main">
+  <p:cSld>
+    <p:spTree>
+      <p:nvGrpSpPr>
+        <p:cNvPr id="1" name=""/>
+        <p:cNvGrpSpPr/>
+        <p:nvPr/>
+      </p:nvGrpSpPr>
+      <p:grpSpPr>
+        <a:xfrm>
+          <a:off x="0" y="0"/>
+          <a:ext cx="0" cy="0"/>
+          <a:chOff x="0" y="0"/>
+          <a:chExt cx="0" cy="0"/>
+        </a:xfrm>
+      </p:grpSpPr>
+      <p:sp>
+        <p:nvSpPr>
+          <p:cNvPr id="12" name="内容占位符 11"/>
+          <p:cNvSpPr>
+            <a:spLocks noGrp="1"/>
+          </p:cNvSpPr>
+          <p:nvPr>
+            <p:ph idx="1"/>
+          </p:nvPr>
+        </p:nvSpPr>
+        <p:spPr>
+          <a:xfrm>
+            <a:off x="872067" y="1591056"/>
+            <a:ext cx="7408333" cy="4535107"/>
+          </a:xfrm>
+        </p:spPr>
+        <p:txBody>
+          <a:bodyPr/>
+          <a:lstStyle/>
+          <a:p>
+            <a:pPr>
+              <a:buFont typeface="Wingdings" charset="2"/>
+              <a:buChar char="Ø"/>
+            </a:pPr>
+            <a:r>
+              <a:rPr kumimoji="1" lang="en-US" altLang="zh-CN" dirty="0" smtClean="0"/>
+              <a:t>JavaScript</a:t>
+            </a:r>
+            <a:r>
+              <a:rPr kumimoji="1" lang="zh-CN" altLang="en-US" dirty="0" smtClean="0"/>
+              <a:t>的</a:t>
+            </a:r>
+            <a:r>
+              <a:rPr kumimoji="1" lang="en-US" altLang="zh-CN" dirty="0" smtClean="0"/>
+              <a:t>Scope</a:t>
+            </a:r>
+            <a:r>
+              <a:rPr kumimoji="1" lang="zh-CN" altLang="en-US" dirty="0" smtClean="0"/>
+              <a:t>通过</a:t>
+            </a:r>
+            <a:r>
+              <a:rPr kumimoji="1" lang="en-US" altLang="zh-CN" dirty="0" smtClean="0"/>
+              <a:t>Function</a:t>
+            </a:r>
+            <a:r>
+              <a:rPr kumimoji="1" lang="zh-CN" altLang="en-US" dirty="0" smtClean="0"/>
+              <a:t>定义</a:t>
+            </a:r>
+            <a:endParaRPr kumimoji="1" lang="en-US" altLang="zh-CN" dirty="0" smtClean="0"/>
+          </a:p>
+          <a:p>
+            <a:pPr>
+              <a:buFont typeface="Wingdings" charset="2"/>
+              <a:buChar char="Ø"/>
+            </a:pPr>
+            <a:endParaRPr kumimoji="1" lang="en-US" altLang="zh-CN" dirty="0" smtClean="0"/>
+          </a:p>
+          <a:p>
+            <a:pPr marL="0" indent="0">
+              <a:buNone/>
+            </a:pPr>
+            <a:r>
+              <a:rPr kumimoji="1" lang="da-DK" altLang="zh-CN" sz="2000" dirty="0" err="1"/>
+              <a:t>if</a:t>
+            </a:r>
+            <a:r>
+              <a:rPr kumimoji="1" lang="da-DK" altLang="zh-CN" sz="2000" dirty="0"/>
+              <a:t> (</a:t>
+            </a:r>
+            <a:r>
+              <a:rPr kumimoji="1" lang="da-DK" altLang="zh-CN" sz="2000" dirty="0" err="1"/>
+              <a:t>window</a:t>
+            </a:r>
+            <a:r>
+              <a:rPr kumimoji="1" lang="da-DK" altLang="zh-CN" sz="2000" dirty="0"/>
+              <a:t>) {</a:t>
+            </a:r>
+          </a:p>
+          <a:p>
+            <a:pPr marL="0" indent="0">
+              <a:buNone/>
+            </a:pPr>
+            <a:r>
+              <a:rPr kumimoji="1" lang="da-DK" altLang="zh-CN" sz="2000" dirty="0"/>
+              <a:t>    var x = 213;</a:t>
+            </a:r>
+          </a:p>
+          <a:p>
+            <a:pPr marL="0" indent="0">
+              <a:buNone/>
+            </a:pPr>
+            <a:r>
+              <a:rPr kumimoji="1" lang="da-DK" altLang="zh-CN" sz="2000" dirty="0"/>
+              <a:t>}</a:t>
+            </a:r>
+          </a:p>
+          <a:p>
+            <a:pPr marL="0" indent="0">
+              <a:buNone/>
+            </a:pPr>
+            <a:r>
+              <a:rPr kumimoji="1" lang="da-DK" altLang="zh-CN" sz="2000" dirty="0"/>
+              <a:t>alert(x)</a:t>
+            </a:r>
+            <a:r>
+              <a:rPr kumimoji="1" lang="da-DK" altLang="zh-CN" sz="2000" dirty="0" smtClean="0"/>
+              <a:t>;</a:t>
+            </a:r>
+          </a:p>
+          <a:p>
+            <a:pPr marL="0" indent="0">
+              <a:buNone/>
+            </a:pPr>
+            <a:endParaRPr kumimoji="1" lang="en-US" altLang="zh-CN" sz="2000" dirty="0" smtClean="0"/>
+          </a:p>
+        </p:txBody>
+      </p:sp>
+      <p:sp>
+        <p:nvSpPr>
+          <p:cNvPr id="2" name="标题 1"/>
+          <p:cNvSpPr>
+            <a:spLocks noGrp="1"/>
+          </p:cNvSpPr>
+          <p:nvPr>
+            <p:ph type="title"/>
+          </p:nvPr>
+        </p:nvSpPr>
+        <p:spPr/>
+        <p:txBody>
+          <a:bodyPr>
+            <a:normAutofit/>
+          </a:bodyPr>
+          <a:lstStyle/>
+          <a:p>
+            <a:r>
+              <a:rPr kumimoji="1" lang="en-US" altLang="en-US" dirty="0" err="1" smtClean="0">
+                <a:latin typeface="Heiti SC Light"/>
+                <a:ea typeface="Heiti SC Light"/>
+                <a:cs typeface="Heiti SC Light"/>
+              </a:rPr>
+              <a:t>Function和</a:t>
+            </a:r>
+            <a:r>
+              <a:rPr kumimoji="1" lang="en-US" altLang="zh-CN" dirty="0" err="1" smtClean="0">
+                <a:latin typeface="Heiti SC Light"/>
+                <a:ea typeface="Heiti SC Light"/>
+                <a:cs typeface="Heiti SC Light"/>
+              </a:rPr>
+              <a:t>S</a:t>
+            </a:r>
+            <a:r>
+              <a:rPr kumimoji="1" lang="en-US" altLang="en-US" dirty="0" err="1" smtClean="0">
+                <a:latin typeface="Heiti SC Light"/>
+                <a:ea typeface="Heiti SC Light"/>
+                <a:cs typeface="Heiti SC Light"/>
+              </a:rPr>
+              <a:t>cope</a:t>
+            </a:r>
+            <a:endParaRPr kumimoji="1" lang="zh-CN" altLang="en-US" dirty="0">
+              <a:latin typeface="Heiti SC Light"/>
+              <a:ea typeface="Heiti SC Light"/>
+              <a:cs typeface="Heiti SC Light"/>
+            </a:endParaRPr>
+          </a:p>
+        </p:txBody>
+      </p:sp>
+      <p:sp>
+        <p:nvSpPr>
+          <p:cNvPr id="4" name="副标题 2"/>
+          <p:cNvSpPr txBox="1">
+            <a:spLocks/>
+          </p:cNvSpPr>
+          <p:nvPr/>
+        </p:nvSpPr>
+        <p:spPr>
+          <a:xfrm>
+            <a:off x="690032" y="1651180"/>
+            <a:ext cx="7772400" cy="4153985"/>
+          </a:xfrm>
+          <a:prstGeom prst="rect">
+            <a:avLst/>
+          </a:prstGeom>
+        </p:spPr>
+        <p:txBody>
+          <a:bodyPr vert="horz" lIns="91440" tIns="45720" rIns="91440" bIns="45720" rtlCol="0" anchor="b">
+            <a:normAutofit/>
+          </a:bodyPr>
+          <a:lstStyle>
+            <a:lvl1pPr marL="0" indent="0" algn="ctr" defTabSz="914400" rtl="0" eaLnBrk="1" latinLnBrk="0" hangingPunct="1">
+              <a:spcBef>
+                <a:spcPct val="20000"/>
+              </a:spcBef>
+              <a:buClr>
+                <a:schemeClr val="accent1"/>
+              </a:buClr>
+              <a:buSzPct val="100000"/>
+              <a:buFont typeface="Symbol" pitchFamily="18" charset="2"/>
+              <a:buNone/>
+              <a:defRPr sz="2000" kern="1200">
+                <a:solidFill>
+                  <a:srgbClr val="FFFFFF"/>
+                </a:solidFill>
+                <a:latin typeface="+mn-lt"/>
+                <a:ea typeface="+mn-ea"/>
+                <a:cs typeface="+mn-cs"/>
+              </a:defRPr>
+            </a:lvl1pPr>
+            <a:lvl2pPr marL="457200" indent="0" algn="l" defTabSz="914400" rtl="0" eaLnBrk="1" latinLnBrk="0" hangingPunct="1">
+              <a:spcBef>
+                <a:spcPct val="20000"/>
+              </a:spcBef>
+              <a:buClr>
+                <a:schemeClr val="accent1"/>
+              </a:buClr>
+              <a:buSzPct val="100000"/>
+              <a:buFont typeface="Symbol" pitchFamily="18" charset="2"/>
+              <a:buNone/>
+              <a:defRPr sz="1800" kern="1200">
+                <a:solidFill>
+                  <a:schemeClr val="tx1">
+                    <a:tint val="75000"/>
+                  </a:schemeClr>
+                </a:solidFill>
+                <a:latin typeface="+mn-lt"/>
+                <a:ea typeface="+mn-ea"/>
+                <a:cs typeface="+mn-cs"/>
+              </a:defRPr>
+            </a:lvl2pPr>
+            <a:lvl3pPr marL="914400" indent="0" algn="l" defTabSz="914400" rtl="0" eaLnBrk="1" latinLnBrk="0" hangingPunct="1">
+              <a:spcBef>
+                <a:spcPct val="20000"/>
+              </a:spcBef>
+              <a:buClr>
+                <a:schemeClr val="accent1"/>
+              </a:buClr>
+              <a:buSzPct val="100000"/>
+              <a:buFont typeface="Symbol" pitchFamily="18" charset="2"/>
+              <a:buNone/>
+              <a:defRPr sz="1600" kern="1200">
+                <a:solidFill>
+                  <a:schemeClr val="tx1">
+                    <a:tint val="75000"/>
+                  </a:schemeClr>
+                </a:solidFill>
+                <a:latin typeface="+mn-lt"/>
+                <a:ea typeface="+mn-ea"/>
+                <a:cs typeface="+mn-cs"/>
+              </a:defRPr>
+            </a:lvl3pPr>
+            <a:lvl4pPr marL="1371600" indent="0" algn="l" defTabSz="914400" rtl="0" eaLnBrk="1" latinLnBrk="0" hangingPunct="1">
+              <a:spcBef>
+                <a:spcPct val="20000"/>
+              </a:spcBef>
+              <a:buClr>
+                <a:schemeClr val="accent1"/>
+              </a:buClr>
+              <a:buSzPct val="100000"/>
+              <a:buFont typeface="Symbol" pitchFamily="18" charset="2"/>
+              <a:buNone/>
+              <a:defRPr sz="1400" kern="1200">
+                <a:solidFill>
+                  <a:schemeClr val="tx1">
+                    <a:tint val="75000"/>
+                  </a:schemeClr>
+                </a:solidFill>
+                <a:latin typeface="+mn-lt"/>
+                <a:ea typeface="+mn-ea"/>
+                <a:cs typeface="+mn-cs"/>
+              </a:defRPr>
+            </a:lvl4pPr>
+            <a:lvl5pPr marL="1828800" indent="0" algn="l" defTabSz="914400" rtl="0" eaLnBrk="1" latinLnBrk="0" hangingPunct="1">
+              <a:spcBef>
+                <a:spcPct val="20000"/>
+              </a:spcBef>
+              <a:buClr>
+                <a:schemeClr val="accent1"/>
+              </a:buClr>
+              <a:buSzPct val="100000"/>
+              <a:buFont typeface="Symbol" pitchFamily="18" charset="2"/>
+              <a:buNone/>
+              <a:defRPr sz="1400" kern="1200">
+                <a:solidFill>
+                  <a:schemeClr val="tx1">
+                    <a:tint val="75000"/>
+                  </a:schemeClr>
+                </a:solidFill>
+                <a:latin typeface="+mn-lt"/>
+                <a:ea typeface="+mn-ea"/>
+                <a:cs typeface="+mn-cs"/>
+              </a:defRPr>
+            </a:lvl5pPr>
+            <a:lvl6pPr marL="2286000" indent="0" algn="l" defTabSz="914400" rtl="0" eaLnBrk="1" latinLnBrk="0" hangingPunct="1">
+              <a:spcBef>
+                <a:spcPts val="384"/>
+              </a:spcBef>
+              <a:buClr>
+                <a:schemeClr val="accent1"/>
+              </a:buClr>
+              <a:buFont typeface="Symbol" pitchFamily="18" charset="2"/>
+              <a:buNone/>
+              <a:defRPr sz="1400" kern="1200">
+                <a:solidFill>
+                  <a:schemeClr val="tx1">
+                    <a:tint val="75000"/>
+                  </a:schemeClr>
+                </a:solidFill>
+                <a:latin typeface="+mn-lt"/>
+                <a:ea typeface="+mn-ea"/>
+                <a:cs typeface="+mn-cs"/>
+              </a:defRPr>
+            </a:lvl6pPr>
+            <a:lvl7pPr marL="2743200" indent="0" algn="l" defTabSz="914400" rtl="0" eaLnBrk="1" latinLnBrk="0" hangingPunct="1">
+              <a:spcBef>
+                <a:spcPts val="384"/>
+              </a:spcBef>
+              <a:buClr>
+                <a:schemeClr val="accent1"/>
+              </a:buClr>
+              <a:buFont typeface="Symbol" pitchFamily="18" charset="2"/>
+              <a:buNone/>
+              <a:defRPr sz="1400" kern="1200">
+                <a:solidFill>
+                  <a:schemeClr val="tx1">
+                    <a:tint val="75000"/>
+                  </a:schemeClr>
+                </a:solidFill>
+                <a:latin typeface="+mn-lt"/>
+                <a:ea typeface="+mn-ea"/>
+                <a:cs typeface="+mn-cs"/>
+              </a:defRPr>
+            </a:lvl7pPr>
+            <a:lvl8pPr marL="3200400" indent="0" algn="l" defTabSz="914400" rtl="0" eaLnBrk="1" latinLnBrk="0" hangingPunct="1">
+              <a:spcBef>
+                <a:spcPts val="384"/>
+              </a:spcBef>
+              <a:buClr>
+                <a:schemeClr val="accent1"/>
+              </a:buClr>
+              <a:buFont typeface="Symbol" pitchFamily="18" charset="2"/>
+              <a:buNone/>
+              <a:defRPr sz="1400" kern="1200">
+                <a:solidFill>
+                  <a:schemeClr val="tx1">
+                    <a:tint val="75000"/>
+                  </a:schemeClr>
+                </a:solidFill>
+                <a:latin typeface="+mn-lt"/>
+                <a:ea typeface="+mn-ea"/>
+                <a:cs typeface="+mn-cs"/>
+              </a:defRPr>
+            </a:lvl8pPr>
+            <a:lvl9pPr marL="3657600" indent="0" algn="l" defTabSz="914400" rtl="0" eaLnBrk="1" latinLnBrk="0" hangingPunct="1">
+              <a:spcBef>
+                <a:spcPts val="384"/>
+              </a:spcBef>
+              <a:buClr>
+                <a:schemeClr val="accent1"/>
+              </a:buClr>
+              <a:buFont typeface="Symbol" pitchFamily="18" charset="2"/>
+              <a:buNone/>
+              <a:defRPr sz="1400" kern="1200">
+                <a:solidFill>
+                  <a:schemeClr val="tx1">
+                    <a:tint val="75000"/>
+                  </a:schemeClr>
+                </a:solidFill>
+                <a:latin typeface="+mn-lt"/>
+                <a:ea typeface="+mn-ea"/>
+                <a:cs typeface="+mn-cs"/>
+              </a:defRPr>
+            </a:lvl9pPr>
+          </a:lstStyle>
+          <a:p>
+            <a:endParaRPr kumimoji="1" lang="zh-CN" altLang="en-US" dirty="0">
+              <a:solidFill>
+                <a:schemeClr val="tx1"/>
+              </a:solidFill>
+            </a:endParaRPr>
+          </a:p>
+        </p:txBody>
+      </p:sp>
+      <p:sp>
+        <p:nvSpPr>
+          <p:cNvPr id="13" name="内容占位符 11"/>
+          <p:cNvSpPr txBox="1">
+            <a:spLocks/>
+          </p:cNvSpPr>
+          <p:nvPr/>
+        </p:nvSpPr>
+        <p:spPr>
+          <a:xfrm>
+            <a:off x="3641402" y="3135826"/>
+            <a:ext cx="5219036" cy="3123911"/>
+          </a:xfrm>
+          <a:prstGeom prst="rect">
+            <a:avLst/>
+          </a:prstGeom>
+        </p:spPr>
+        <p:txBody>
+          <a:bodyPr vert="horz" lIns="91440" tIns="45720" rIns="91440" bIns="45720" rtlCol="0">
+            <a:normAutofit/>
+          </a:bodyPr>
+          <a:lstStyle>
+            <a:lvl1pPr marL="274320" indent="-274320" algn="l" defTabSz="914400" rtl="0" eaLnBrk="1" latinLnBrk="0" hangingPunct="1">
+              <a:spcBef>
+                <a:spcPct val="20000"/>
+              </a:spcBef>
+              <a:buClr>
+                <a:schemeClr val="accent1"/>
+              </a:buClr>
+              <a:buSzPct val="100000"/>
+              <a:buFont typeface="Symbol" pitchFamily="18" charset="2"/>
+              <a:buChar char=""/>
+              <a:defRPr sz="2400" kern="1200">
+                <a:solidFill>
+                  <a:schemeClr val="tx2"/>
+                </a:solidFill>
+                <a:latin typeface="+mn-lt"/>
+                <a:ea typeface="+mn-ea"/>
+                <a:cs typeface="+mn-cs"/>
+              </a:defRPr>
+            </a:lvl1pPr>
+            <a:lvl2pPr marL="576263" indent="-274320" algn="l" defTabSz="914400" rtl="0" eaLnBrk="1" latinLnBrk="0" hangingPunct="1">
+              <a:spcBef>
+                <a:spcPct val="20000"/>
+              </a:spcBef>
+              <a:buClr>
+                <a:schemeClr val="accent1"/>
+              </a:buClr>
+              <a:buSzPct val="100000"/>
+              <a:buFont typeface="Symbol" pitchFamily="18" charset="2"/>
+              <a:buChar char=""/>
+              <a:defRPr sz="2200" kern="1200">
+                <a:solidFill>
+                  <a:schemeClr val="tx2"/>
+                </a:solidFill>
+                <a:latin typeface="+mn-lt"/>
+                <a:ea typeface="+mn-ea"/>
+                <a:cs typeface="+mn-cs"/>
+              </a:defRPr>
+            </a:lvl2pPr>
+            <a:lvl3pPr marL="855663" indent="-228600" algn="l" defTabSz="914400" rtl="0" eaLnBrk="1" latinLnBrk="0" hangingPunct="1">
+              <a:spcBef>
+                <a:spcPct val="20000"/>
+              </a:spcBef>
+              <a:buClr>
+                <a:schemeClr val="accent1"/>
+              </a:buClr>
+              <a:buSzPct val="100000"/>
+              <a:buFont typeface="Symbol" pitchFamily="18" charset="2"/>
+              <a:buChar char=""/>
+              <a:defRPr sz="2000" kern="1200">
+                <a:solidFill>
+                  <a:schemeClr val="tx2"/>
+                </a:solidFill>
+                <a:latin typeface="+mn-lt"/>
+                <a:ea typeface="+mn-ea"/>
+                <a:cs typeface="+mn-cs"/>
+              </a:defRPr>
+            </a:lvl3pPr>
+            <a:lvl4pPr marL="1143000" indent="-228600" algn="l" defTabSz="914400" rtl="0" eaLnBrk="1" latinLnBrk="0" hangingPunct="1">
+              <a:spcBef>
+                <a:spcPct val="20000"/>
+              </a:spcBef>
+              <a:buClr>
+                <a:schemeClr val="accent1"/>
+              </a:buClr>
+              <a:buSzPct val="100000"/>
+              <a:buFont typeface="Symbol" pitchFamily="18" charset="2"/>
+              <a:buChar char=""/>
+              <a:defRPr sz="1800" kern="1200">
+                <a:solidFill>
+                  <a:schemeClr val="tx2"/>
+                </a:solidFill>
+                <a:latin typeface="+mn-lt"/>
+                <a:ea typeface="+mn-ea"/>
+                <a:cs typeface="+mn-cs"/>
+              </a:defRPr>
+            </a:lvl4pPr>
+            <a:lvl5pPr marL="1463040" indent="-228600" algn="l" defTabSz="914400" rtl="0" eaLnBrk="1" latinLnBrk="0" hangingPunct="1">
+              <a:spcBef>
+                <a:spcPct val="20000"/>
+              </a:spcBef>
+              <a:buClr>
+                <a:schemeClr val="accent1"/>
+              </a:buClr>
+              <a:buSzPct val="100000"/>
+              <a:buFont typeface="Symbol" pitchFamily="18" charset="2"/>
+              <a:buChar char=""/>
+              <a:defRPr sz="1600" kern="1200">
+                <a:solidFill>
+                  <a:schemeClr val="tx2"/>
+                </a:solidFill>
+                <a:latin typeface="+mn-lt"/>
+                <a:ea typeface="+mn-ea"/>
+                <a:cs typeface="+mn-cs"/>
+              </a:defRPr>
+            </a:lvl5pPr>
+            <a:lvl6pPr marL="1783080" indent="-228600" algn="l" defTabSz="914400" rtl="0" eaLnBrk="1" latinLnBrk="0" hangingPunct="1">
+              <a:spcBef>
+                <a:spcPts val="384"/>
+              </a:spcBef>
+              <a:buClr>
+                <a:schemeClr val="accent1"/>
+              </a:buClr>
+              <a:buFont typeface="Symbol" pitchFamily="18" charset="2"/>
+              <a:buChar char="*"/>
+              <a:defRPr sz="1400" kern="1200">
+                <a:solidFill>
+                  <a:schemeClr val="tx2"/>
+                </a:solidFill>
+                <a:latin typeface="+mn-lt"/>
+                <a:ea typeface="+mn-ea"/>
+                <a:cs typeface="+mn-cs"/>
+              </a:defRPr>
+            </a:lvl6pPr>
+            <a:lvl7pPr marL="2103120" indent="-228600" algn="l" defTabSz="914400" rtl="0" eaLnBrk="1" latinLnBrk="0" hangingPunct="1">
+              <a:spcBef>
+                <a:spcPts val="384"/>
+              </a:spcBef>
+              <a:buClr>
+                <a:schemeClr val="accent1"/>
+              </a:buClr>
+              <a:buFont typeface="Symbol" pitchFamily="18" charset="2"/>
+              <a:buChar char="*"/>
+              <a:defRPr sz="1400" kern="1200">
+                <a:solidFill>
+                  <a:schemeClr val="tx2"/>
+                </a:solidFill>
+                <a:latin typeface="+mn-lt"/>
+                <a:ea typeface="+mn-ea"/>
+                <a:cs typeface="+mn-cs"/>
+              </a:defRPr>
+            </a:lvl7pPr>
+            <a:lvl8pPr marL="2423160" indent="-228600" algn="l" defTabSz="914400" rtl="0" eaLnBrk="1" latinLnBrk="0" hangingPunct="1">
+              <a:spcBef>
+                <a:spcPts val="384"/>
+              </a:spcBef>
+              <a:buClr>
+                <a:schemeClr val="accent1"/>
+              </a:buClr>
+              <a:buFont typeface="Symbol" pitchFamily="18" charset="2"/>
+              <a:buChar char="*"/>
+              <a:defRPr sz="1400" kern="1200">
+                <a:solidFill>
+                  <a:schemeClr val="tx2"/>
+                </a:solidFill>
+                <a:latin typeface="+mn-lt"/>
+                <a:ea typeface="+mn-ea"/>
+                <a:cs typeface="+mn-cs"/>
+              </a:defRPr>
+            </a:lvl8pPr>
+            <a:lvl9pPr marL="2743200" indent="-228600" algn="l" defTabSz="914400" rtl="0" eaLnBrk="1" latinLnBrk="0" hangingPunct="1">
+              <a:spcBef>
+                <a:spcPts val="384"/>
+              </a:spcBef>
+              <a:buClr>
+                <a:schemeClr val="accent1"/>
+              </a:buClr>
+              <a:buFont typeface="Symbol" pitchFamily="18" charset="2"/>
+              <a:buChar char="*"/>
+              <a:defRPr sz="1400" kern="1200">
+                <a:solidFill>
+                  <a:schemeClr val="tx2"/>
+                </a:solidFill>
+                <a:latin typeface="+mn-lt"/>
+                <a:ea typeface="+mn-ea"/>
+                <a:cs typeface="+mn-cs"/>
+              </a:defRPr>
+            </a:lvl9pPr>
+          </a:lstStyle>
+          <a:p>
+            <a:pPr>
+              <a:buFont typeface="Wingdings" charset="2"/>
+              <a:buChar char="l"/>
+            </a:pPr>
+            <a:r>
+              <a:rPr kumimoji="1" lang="zh-CN" altLang="en-US" dirty="0" smtClean="0"/>
+              <a:t>变量的范围从定义到所在函数结束</a:t>
+            </a:r>
+            <a:endParaRPr kumimoji="1" lang="en-US" altLang="zh-CN" dirty="0" smtClean="0"/>
+          </a:p>
+          <a:p>
+            <a:pPr>
+              <a:buFont typeface="Wingdings" charset="2"/>
+              <a:buChar char="l"/>
+            </a:pPr>
+            <a:r>
+              <a:rPr kumimoji="1" lang="zh-CN" altLang="en-US" dirty="0" smtClean="0"/>
+              <a:t>有名字的函数的范围从所在函数开始至结束</a:t>
+            </a:r>
+            <a:endParaRPr kumimoji="1" lang="en-US" altLang="zh-CN" dirty="0" smtClean="0"/>
+          </a:p>
+        </p:txBody>
+      </p:sp>
+    </p:spTree>
+    <p:extLst>
+      <p:ext uri="{BB962C8B-B14F-4D97-AF65-F5344CB8AC3E}">
+        <p14:creationId xmlns:p14="http://schemas.microsoft.com/office/powerpoint/2010/main" val="1216121024"/>
+      </p:ext>
+    </p:extLst>
+  </p:cSld>
+  <p:clrMapOvr>
+    <a:masterClrMapping/>
+  </p:clrMapOvr>
+  <p:timing>
+    <p:tnLst>
+      <p:par>
+        <p:cTn xmlns:p14="http://schemas.microsoft.com/office/powerpoint/2010/main" id="1" dur="indefinite" restart="never" nodeType="tmRoot"/>
+      </p:par>
+    </p:tnLst>
+  </p:timing>
+</p:sld>
+</file>
+
+<file path=ppt/slides/slide13.xml><?xml version="1.0" encoding="utf-8"?>
+<p:sld xmlns:a="http://schemas.openxmlformats.org/drawingml/2006/main" xmlns:r="http://schemas.openxmlformats.org/officeDocument/2006/relationships" xmlns:p="http://schemas.openxmlformats.org/presentationml/2006/main">
+  <p:cSld>
+    <p:spTree>
+      <p:nvGrpSpPr>
+        <p:cNvPr id="1" name=""/>
+        <p:cNvGrpSpPr/>
+        <p:nvPr/>
+      </p:nvGrpSpPr>
+      <p:grpSpPr>
+        <a:xfrm>
+          <a:off x="0" y="0"/>
+          <a:ext cx="0" cy="0"/>
+          <a:chOff x="0" y="0"/>
+          <a:chExt cx="0" cy="0"/>
+        </a:xfrm>
+      </p:grpSpPr>
+      <p:sp>
+        <p:nvSpPr>
+          <p:cNvPr id="12" name="内容占位符 11"/>
+          <p:cNvSpPr>
+            <a:spLocks noGrp="1"/>
+          </p:cNvSpPr>
+          <p:nvPr>
+            <p:ph idx="1"/>
+          </p:nvPr>
+        </p:nvSpPr>
+        <p:spPr>
+          <a:xfrm>
+            <a:off x="872067" y="1591056"/>
+            <a:ext cx="7408333" cy="4535107"/>
+          </a:xfrm>
+        </p:spPr>
+        <p:txBody>
+          <a:bodyPr/>
+          <a:lstStyle/>
+          <a:p>
+            <a:pPr marL="0" indent="0">
+              <a:buNone/>
+            </a:pPr>
+            <a:r>
+              <a:rPr kumimoji="1" lang="en-US" altLang="zh-CN" sz="2000" dirty="0" err="1"/>
+              <a:t>var</a:t>
+            </a:r>
+            <a:r>
+              <a:rPr kumimoji="1" lang="en-US" altLang="zh-CN" sz="2000" dirty="0"/>
+              <a:t> y = 10;</a:t>
+            </a:r>
+          </a:p>
+          <a:p>
+            <a:pPr marL="0" indent="0">
+              <a:buNone/>
+            </a:pPr>
+            <a:endParaRPr kumimoji="1" lang="en-US" altLang="zh-CN" sz="2000" dirty="0"/>
+          </a:p>
+          <a:p>
+            <a:pPr marL="0" indent="0">
+              <a:buNone/>
+            </a:pPr>
+            <a:r>
+              <a:rPr kumimoji="1" lang="en-US" altLang="zh-CN" sz="2000" dirty="0"/>
+              <a:t>if (!(x in window)) {</a:t>
+            </a:r>
+          </a:p>
+          <a:p>
+            <a:pPr marL="0" indent="0">
+              <a:buNone/>
+            </a:pPr>
+            <a:r>
+              <a:rPr kumimoji="1" lang="en-US" altLang="zh-CN" sz="2000" dirty="0"/>
+              <a:t>    </a:t>
+            </a:r>
+            <a:r>
+              <a:rPr kumimoji="1" lang="en-US" altLang="zh-CN" sz="2000" dirty="0" err="1"/>
+              <a:t>var</a:t>
+            </a:r>
+            <a:r>
+              <a:rPr kumimoji="1" lang="en-US" altLang="zh-CN" sz="2000" dirty="0"/>
+              <a:t> x = 10;</a:t>
+            </a:r>
+          </a:p>
+          <a:p>
+            <a:pPr marL="0" indent="0">
+              <a:buNone/>
+            </a:pPr>
+            <a:r>
+              <a:rPr kumimoji="1" lang="en-US" altLang="zh-CN" sz="2000" dirty="0"/>
+              <a:t>} else {</a:t>
+            </a:r>
+          </a:p>
+          <a:p>
+            <a:pPr marL="0" indent="0">
+              <a:buNone/>
+            </a:pPr>
+            <a:r>
+              <a:rPr kumimoji="1" lang="en-US" altLang="zh-CN" sz="2000" dirty="0"/>
+              <a:t>    ++y;</a:t>
+            </a:r>
+          </a:p>
+          <a:p>
+            <a:pPr marL="0" indent="0">
+              <a:buNone/>
+            </a:pPr>
+            <a:r>
+              <a:rPr kumimoji="1" lang="en-US" altLang="zh-CN" sz="2000" dirty="0"/>
+              <a:t>}</a:t>
+            </a:r>
+          </a:p>
+          <a:p>
+            <a:pPr marL="0" indent="0">
+              <a:buNone/>
+            </a:pPr>
+            <a:endParaRPr kumimoji="1" lang="en-US" altLang="zh-CN" sz="2000" dirty="0"/>
+          </a:p>
+          <a:p>
+            <a:pPr marL="0" indent="0">
+              <a:buNone/>
+            </a:pPr>
+            <a:r>
+              <a:rPr kumimoji="1" lang="en-US" altLang="zh-CN" sz="2000" dirty="0"/>
+              <a:t>alert(x);</a:t>
+            </a:r>
+          </a:p>
+          <a:p>
+            <a:pPr marL="0" indent="0">
+              <a:buNone/>
+            </a:pPr>
+            <a:r>
+              <a:rPr kumimoji="1" lang="en-US" altLang="zh-CN" sz="2000" dirty="0"/>
+              <a:t>alert(y)</a:t>
+            </a:r>
+            <a:r>
+              <a:rPr kumimoji="1" lang="en-US" altLang="zh-CN" sz="2000" dirty="0" smtClean="0"/>
+              <a:t>;</a:t>
+            </a:r>
+          </a:p>
+          <a:p>
+            <a:pPr marL="0" indent="0">
+              <a:buNone/>
+            </a:pPr>
+            <a:endParaRPr kumimoji="1" lang="en-US" altLang="zh-CN" sz="2000" dirty="0"/>
+          </a:p>
+          <a:p>
+            <a:pPr marL="0" indent="0">
+              <a:buNone/>
+            </a:pPr>
+            <a:r>
+              <a:rPr kumimoji="1" lang="en-US" altLang="zh-CN" sz="2000" dirty="0">
+                <a:hlinkClick r:id="rId3"/>
+              </a:rPr>
+              <a:t>http://jsbin.com/ANuhiJU/3/</a:t>
+            </a:r>
+            <a:r>
+              <a:rPr kumimoji="1" lang="en-US" altLang="zh-CN" sz="2000" dirty="0" smtClean="0">
+                <a:hlinkClick r:id="rId3"/>
+              </a:rPr>
+              <a:t>edit</a:t>
+            </a:r>
+            <a:endParaRPr kumimoji="1" lang="en-US" altLang="zh-CN" sz="2000" dirty="0" smtClean="0"/>
+          </a:p>
+          <a:p>
+            <a:pPr marL="0" indent="0">
+              <a:buNone/>
+            </a:pPr>
+            <a:endParaRPr kumimoji="1" lang="en-US" altLang="zh-CN" sz="2000" dirty="0" smtClean="0"/>
+          </a:p>
+          <a:p>
+            <a:pPr marL="0" indent="0">
+              <a:buNone/>
+            </a:pPr>
+            <a:endParaRPr kumimoji="1" lang="en-US" altLang="zh-CN" sz="2000" dirty="0" smtClean="0"/>
+          </a:p>
+        </p:txBody>
+      </p:sp>
+      <p:sp>
+        <p:nvSpPr>
+          <p:cNvPr id="2" name="标题 1"/>
+          <p:cNvSpPr>
+            <a:spLocks noGrp="1"/>
+          </p:cNvSpPr>
+          <p:nvPr>
+            <p:ph type="title"/>
+          </p:nvPr>
+        </p:nvSpPr>
+        <p:spPr/>
+        <p:txBody>
+          <a:bodyPr>
+            <a:normAutofit/>
+          </a:bodyPr>
+          <a:lstStyle/>
+          <a:p>
+            <a:r>
+              <a:rPr kumimoji="1" lang="zh-CN" altLang="zh-CN" dirty="0" smtClean="0">
+                <a:latin typeface="Heiti SC Light"/>
+                <a:ea typeface="Heiti SC Light"/>
+                <a:cs typeface="Heiti SC Light"/>
+              </a:rPr>
+              <a:t>x</a:t>
+            </a:r>
+            <a:r>
+              <a:rPr kumimoji="1" lang="en-US" altLang="zh-CN" dirty="0" smtClean="0">
+                <a:latin typeface="Heiti SC Light"/>
+                <a:ea typeface="Heiti SC Light"/>
+                <a:cs typeface="Heiti SC Light"/>
+              </a:rPr>
+              <a:t>,y</a:t>
+            </a:r>
+            <a:r>
+              <a:rPr kumimoji="1" lang="zh-CN" altLang="en-US" dirty="0" smtClean="0">
+                <a:latin typeface="Heiti SC Light"/>
+                <a:ea typeface="Heiti SC Light"/>
+                <a:cs typeface="Heiti SC Light"/>
+              </a:rPr>
+              <a:t> 是多少？</a:t>
+            </a:r>
+            <a:endParaRPr kumimoji="1" lang="zh-CN" altLang="en-US" dirty="0">
+              <a:latin typeface="Heiti SC Light"/>
+              <a:ea typeface="Heiti SC Light"/>
+              <a:cs typeface="Heiti SC Light"/>
+            </a:endParaRPr>
+          </a:p>
+        </p:txBody>
+      </p:sp>
+      <p:sp>
+        <p:nvSpPr>
+          <p:cNvPr id="4" name="副标题 2"/>
+          <p:cNvSpPr txBox="1">
+            <a:spLocks/>
+          </p:cNvSpPr>
+          <p:nvPr/>
+        </p:nvSpPr>
+        <p:spPr>
+          <a:xfrm>
+            <a:off x="690032" y="1651180"/>
+            <a:ext cx="7772400" cy="4153985"/>
+          </a:xfrm>
+          <a:prstGeom prst="rect">
+            <a:avLst/>
+          </a:prstGeom>
+        </p:spPr>
+        <p:txBody>
+          <a:bodyPr vert="horz" lIns="91440" tIns="45720" rIns="91440" bIns="45720" rtlCol="0" anchor="b">
+            <a:normAutofit/>
+          </a:bodyPr>
+          <a:lstStyle>
+            <a:lvl1pPr marL="0" indent="0" algn="ctr" defTabSz="914400" rtl="0" eaLnBrk="1" latinLnBrk="0" hangingPunct="1">
+              <a:spcBef>
+                <a:spcPct val="20000"/>
+              </a:spcBef>
+              <a:buClr>
+                <a:schemeClr val="accent1"/>
+              </a:buClr>
+              <a:buSzPct val="100000"/>
+              <a:buFont typeface="Symbol" pitchFamily="18" charset="2"/>
+              <a:buNone/>
+              <a:defRPr sz="2000" kern="1200">
+                <a:solidFill>
+                  <a:srgbClr val="FFFFFF"/>
+                </a:solidFill>
+                <a:latin typeface="+mn-lt"/>
+                <a:ea typeface="+mn-ea"/>
+                <a:cs typeface="+mn-cs"/>
+              </a:defRPr>
+            </a:lvl1pPr>
+            <a:lvl2pPr marL="457200" indent="0" algn="l" defTabSz="914400" rtl="0" eaLnBrk="1" latinLnBrk="0" hangingPunct="1">
+              <a:spcBef>
+                <a:spcPct val="20000"/>
+              </a:spcBef>
+              <a:buClr>
+                <a:schemeClr val="accent1"/>
+              </a:buClr>
+              <a:buSzPct val="100000"/>
+              <a:buFont typeface="Symbol" pitchFamily="18" charset="2"/>
+              <a:buNone/>
+              <a:defRPr sz="1800" kern="1200">
+                <a:solidFill>
+                  <a:schemeClr val="tx1">
+                    <a:tint val="75000"/>
+                  </a:schemeClr>
+                </a:solidFill>
+                <a:latin typeface="+mn-lt"/>
+                <a:ea typeface="+mn-ea"/>
+                <a:cs typeface="+mn-cs"/>
+              </a:defRPr>
+            </a:lvl2pPr>
+            <a:lvl3pPr marL="914400" indent="0" algn="l" defTabSz="914400" rtl="0" eaLnBrk="1" latinLnBrk="0" hangingPunct="1">
+              <a:spcBef>
+                <a:spcPct val="20000"/>
+              </a:spcBef>
+              <a:buClr>
+                <a:schemeClr val="accent1"/>
+              </a:buClr>
+              <a:buSzPct val="100000"/>
+              <a:buFont typeface="Symbol" pitchFamily="18" charset="2"/>
+              <a:buNone/>
+              <a:defRPr sz="1600" kern="1200">
+                <a:solidFill>
+                  <a:schemeClr val="tx1">
+                    <a:tint val="75000"/>
+                  </a:schemeClr>
+                </a:solidFill>
+                <a:latin typeface="+mn-lt"/>
+                <a:ea typeface="+mn-ea"/>
+                <a:cs typeface="+mn-cs"/>
+              </a:defRPr>
+            </a:lvl3pPr>
+            <a:lvl4pPr marL="1371600" indent="0" algn="l" defTabSz="914400" rtl="0" eaLnBrk="1" latinLnBrk="0" hangingPunct="1">
+              <a:spcBef>
+                <a:spcPct val="20000"/>
+              </a:spcBef>
+              <a:buClr>
+                <a:schemeClr val="accent1"/>
+              </a:buClr>
+              <a:buSzPct val="100000"/>
+              <a:buFont typeface="Symbol" pitchFamily="18" charset="2"/>
+              <a:buNone/>
+              <a:defRPr sz="1400" kern="1200">
+                <a:solidFill>
+                  <a:schemeClr val="tx1">
+                    <a:tint val="75000"/>
+                  </a:schemeClr>
+                </a:solidFill>
+                <a:latin typeface="+mn-lt"/>
+                <a:ea typeface="+mn-ea"/>
+                <a:cs typeface="+mn-cs"/>
+              </a:defRPr>
+            </a:lvl4pPr>
+            <a:lvl5pPr marL="1828800" indent="0" algn="l" defTabSz="914400" rtl="0" eaLnBrk="1" latinLnBrk="0" hangingPunct="1">
+              <a:spcBef>
+                <a:spcPct val="20000"/>
+              </a:spcBef>
+              <a:buClr>
+                <a:schemeClr val="accent1"/>
+              </a:buClr>
+              <a:buSzPct val="100000"/>
+              <a:buFont typeface="Symbol" pitchFamily="18" charset="2"/>
+              <a:buNone/>
+              <a:defRPr sz="1400" kern="1200">
+                <a:solidFill>
+                  <a:schemeClr val="tx1">
+                    <a:tint val="75000"/>
+                  </a:schemeClr>
+                </a:solidFill>
+                <a:latin typeface="+mn-lt"/>
+                <a:ea typeface="+mn-ea"/>
+                <a:cs typeface="+mn-cs"/>
+              </a:defRPr>
+            </a:lvl5pPr>
+            <a:lvl6pPr marL="2286000" indent="0" algn="l" defTabSz="914400" rtl="0" eaLnBrk="1" latinLnBrk="0" hangingPunct="1">
+              <a:spcBef>
+                <a:spcPts val="384"/>
+              </a:spcBef>
+              <a:buClr>
+                <a:schemeClr val="accent1"/>
+              </a:buClr>
+              <a:buFont typeface="Symbol" pitchFamily="18" charset="2"/>
+              <a:buNone/>
+              <a:defRPr sz="1400" kern="1200">
+                <a:solidFill>
+                  <a:schemeClr val="tx1">
+                    <a:tint val="75000"/>
+                  </a:schemeClr>
+                </a:solidFill>
+                <a:latin typeface="+mn-lt"/>
+                <a:ea typeface="+mn-ea"/>
+                <a:cs typeface="+mn-cs"/>
+              </a:defRPr>
+            </a:lvl6pPr>
+            <a:lvl7pPr marL="2743200" indent="0" algn="l" defTabSz="914400" rtl="0" eaLnBrk="1" latinLnBrk="0" hangingPunct="1">
+              <a:spcBef>
+                <a:spcPts val="384"/>
+              </a:spcBef>
+              <a:buClr>
+                <a:schemeClr val="accent1"/>
+              </a:buClr>
+              <a:buFont typeface="Symbol" pitchFamily="18" charset="2"/>
+              <a:buNone/>
+              <a:defRPr sz="1400" kern="1200">
+                <a:solidFill>
+                  <a:schemeClr val="tx1">
+                    <a:tint val="75000"/>
+                  </a:schemeClr>
+                </a:solidFill>
+                <a:latin typeface="+mn-lt"/>
+                <a:ea typeface="+mn-ea"/>
+                <a:cs typeface="+mn-cs"/>
+              </a:defRPr>
+            </a:lvl7pPr>
+            <a:lvl8pPr marL="3200400" indent="0" algn="l" defTabSz="914400" rtl="0" eaLnBrk="1" latinLnBrk="0" hangingPunct="1">
+              <a:spcBef>
+                <a:spcPts val="384"/>
+              </a:spcBef>
+              <a:buClr>
+                <a:schemeClr val="accent1"/>
+              </a:buClr>
+              <a:buFont typeface="Symbol" pitchFamily="18" charset="2"/>
+              <a:buNone/>
+              <a:defRPr sz="1400" kern="1200">
+                <a:solidFill>
+                  <a:schemeClr val="tx1">
+                    <a:tint val="75000"/>
+                  </a:schemeClr>
+                </a:solidFill>
+                <a:latin typeface="+mn-lt"/>
+                <a:ea typeface="+mn-ea"/>
+                <a:cs typeface="+mn-cs"/>
+              </a:defRPr>
+            </a:lvl8pPr>
+            <a:lvl9pPr marL="3657600" indent="0" algn="l" defTabSz="914400" rtl="0" eaLnBrk="1" latinLnBrk="0" hangingPunct="1">
+              <a:spcBef>
+                <a:spcPts val="384"/>
+              </a:spcBef>
+              <a:buClr>
+                <a:schemeClr val="accent1"/>
+              </a:buClr>
+              <a:buFont typeface="Symbol" pitchFamily="18" charset="2"/>
+              <a:buNone/>
+              <a:defRPr sz="1400" kern="1200">
+                <a:solidFill>
+                  <a:schemeClr val="tx1">
+                    <a:tint val="75000"/>
+                  </a:schemeClr>
+                </a:solidFill>
+                <a:latin typeface="+mn-lt"/>
+                <a:ea typeface="+mn-ea"/>
+                <a:cs typeface="+mn-cs"/>
+              </a:defRPr>
+            </a:lvl9pPr>
+          </a:lstStyle>
+          <a:p>
+            <a:endParaRPr kumimoji="1" lang="zh-CN" altLang="en-US" dirty="0">
+              <a:solidFill>
+                <a:schemeClr val="tx1"/>
+              </a:solidFill>
+            </a:endParaRPr>
+          </a:p>
+        </p:txBody>
+      </p:sp>
+    </p:spTree>
+    <p:extLst>
+      <p:ext uri="{BB962C8B-B14F-4D97-AF65-F5344CB8AC3E}">
+        <p14:creationId xmlns:p14="http://schemas.microsoft.com/office/powerpoint/2010/main" val="2664366347"/>
+      </p:ext>
+    </p:extLst>
+  </p:cSld>
+  <p:clrMapOvr>
+    <a:masterClrMapping/>
+  </p:clrMapOvr>
+  <p:timing>
+    <p:tnLst>
+      <p:par>
+        <p:cTn xmlns:p14="http://schemas.microsoft.com/office/powerpoint/2010/main" id="1" dur="indefinite" restart="never" nodeType="tmRoot"/>
+      </p:par>
+    </p:tnLst>
   </p:timing>
 </p:sld>
 </file>

--- a/JavaScriptFunctionObject.pptx
+++ b/JavaScriptFunctionObject.pptx
@@ -5,7 +5,7 @@
     <p:sldMasterId id="2147483744" r:id="rId1"/>
   </p:sldMasterIdLst>
   <p:notesMasterIdLst>
-    <p:notesMasterId r:id="rId15"/>
+    <p:notesMasterId r:id="rId23"/>
   </p:notesMasterIdLst>
   <p:sldIdLst>
     <p:sldId id="256" r:id="rId2"/>
@@ -20,7 +20,15 @@
     <p:sldId id="265" r:id="rId11"/>
     <p:sldId id="266" r:id="rId12"/>
     <p:sldId id="267" r:id="rId13"/>
-    <p:sldId id="268" r:id="rId14"/>
+    <p:sldId id="269" r:id="rId14"/>
+    <p:sldId id="268" r:id="rId15"/>
+    <p:sldId id="270" r:id="rId16"/>
+    <p:sldId id="271" r:id="rId17"/>
+    <p:sldId id="272" r:id="rId18"/>
+    <p:sldId id="273" r:id="rId19"/>
+    <p:sldId id="274" r:id="rId20"/>
+    <p:sldId id="275" r:id="rId21"/>
+    <p:sldId id="276" r:id="rId22"/>
   </p:sldIdLst>
   <p:sldSz cx="9144000" cy="6858000" type="screen4x3"/>
   <p:notesSz cx="6858000" cy="9144000"/>
@@ -576,6 +584,426 @@
 </p:notes>
 </file>
 
+<file path=ppt/notesSlides/notesSlide10.xml><?xml version="1.0" encoding="utf-8"?>
+<p:notes xmlns:a="http://schemas.openxmlformats.org/drawingml/2006/main" xmlns:r="http://schemas.openxmlformats.org/officeDocument/2006/relationships" xmlns:p="http://schemas.openxmlformats.org/presentationml/2006/main">
+  <p:cSld>
+    <p:spTree>
+      <p:nvGrpSpPr>
+        <p:cNvPr id="1" name=""/>
+        <p:cNvGrpSpPr/>
+        <p:nvPr/>
+      </p:nvGrpSpPr>
+      <p:grpSpPr>
+        <a:xfrm>
+          <a:off x="0" y="0"/>
+          <a:ext cx="0" cy="0"/>
+          <a:chOff x="0" y="0"/>
+          <a:chExt cx="0" cy="0"/>
+        </a:xfrm>
+      </p:grpSpPr>
+      <p:sp>
+        <p:nvSpPr>
+          <p:cNvPr id="2" name="幻灯片图像占位符 1"/>
+          <p:cNvSpPr>
+            <a:spLocks noGrp="1" noRot="1" noChangeAspect="1"/>
+          </p:cNvSpPr>
+          <p:nvPr>
+            <p:ph type="sldImg"/>
+          </p:nvPr>
+        </p:nvSpPr>
+        <p:spPr/>
+      </p:sp>
+      <p:sp>
+        <p:nvSpPr>
+          <p:cNvPr id="3" name="备注占位符 2"/>
+          <p:cNvSpPr>
+            <a:spLocks noGrp="1"/>
+          </p:cNvSpPr>
+          <p:nvPr>
+            <p:ph type="body" idx="1"/>
+          </p:nvPr>
+        </p:nvSpPr>
+        <p:spPr/>
+        <p:txBody>
+          <a:bodyPr/>
+          <a:lstStyle/>
+          <a:p>
+            <a:endParaRPr kumimoji="1" lang="zh-CN" altLang="en-US" dirty="0"/>
+          </a:p>
+        </p:txBody>
+      </p:sp>
+      <p:sp>
+        <p:nvSpPr>
+          <p:cNvPr id="4" name="幻灯片编号占位符 3"/>
+          <p:cNvSpPr>
+            <a:spLocks noGrp="1"/>
+          </p:cNvSpPr>
+          <p:nvPr>
+            <p:ph type="sldNum" sz="quarter" idx="10"/>
+          </p:nvPr>
+        </p:nvSpPr>
+        <p:spPr/>
+        <p:txBody>
+          <a:bodyPr/>
+          <a:lstStyle/>
+          <a:p>
+            <a:fld id="{6E617A2A-56D0-C847-AD3B-89221304CA23}" type="slidenum">
+              <a:rPr kumimoji="1" lang="zh-CN" altLang="en-US" smtClean="0"/>
+              <a:t>17</a:t>
+            </a:fld>
+            <a:endParaRPr kumimoji="1" lang="zh-CN" altLang="en-US"/>
+          </a:p>
+        </p:txBody>
+      </p:sp>
+    </p:spTree>
+    <p:extLst>
+      <p:ext uri="{BB962C8B-B14F-4D97-AF65-F5344CB8AC3E}">
+        <p14:creationId xmlns:p14="http://schemas.microsoft.com/office/powerpoint/2010/main" val="3424638384"/>
+      </p:ext>
+    </p:extLst>
+  </p:cSld>
+  <p:clrMapOvr>
+    <a:masterClrMapping/>
+  </p:clrMapOvr>
+</p:notes>
+</file>
+
+<file path=ppt/notesSlides/notesSlide11.xml><?xml version="1.0" encoding="utf-8"?>
+<p:notes xmlns:a="http://schemas.openxmlformats.org/drawingml/2006/main" xmlns:r="http://schemas.openxmlformats.org/officeDocument/2006/relationships" xmlns:p="http://schemas.openxmlformats.org/presentationml/2006/main">
+  <p:cSld>
+    <p:spTree>
+      <p:nvGrpSpPr>
+        <p:cNvPr id="1" name=""/>
+        <p:cNvGrpSpPr/>
+        <p:nvPr/>
+      </p:nvGrpSpPr>
+      <p:grpSpPr>
+        <a:xfrm>
+          <a:off x="0" y="0"/>
+          <a:ext cx="0" cy="0"/>
+          <a:chOff x="0" y="0"/>
+          <a:chExt cx="0" cy="0"/>
+        </a:xfrm>
+      </p:grpSpPr>
+      <p:sp>
+        <p:nvSpPr>
+          <p:cNvPr id="2" name="幻灯片图像占位符 1"/>
+          <p:cNvSpPr>
+            <a:spLocks noGrp="1" noRot="1" noChangeAspect="1"/>
+          </p:cNvSpPr>
+          <p:nvPr>
+            <p:ph type="sldImg"/>
+          </p:nvPr>
+        </p:nvSpPr>
+        <p:spPr/>
+      </p:sp>
+      <p:sp>
+        <p:nvSpPr>
+          <p:cNvPr id="3" name="备注占位符 2"/>
+          <p:cNvSpPr>
+            <a:spLocks noGrp="1"/>
+          </p:cNvSpPr>
+          <p:nvPr>
+            <p:ph type="body" idx="1"/>
+          </p:nvPr>
+        </p:nvSpPr>
+        <p:spPr/>
+        <p:txBody>
+          <a:bodyPr/>
+          <a:lstStyle/>
+          <a:p>
+            <a:endParaRPr kumimoji="1" lang="zh-CN" altLang="en-US" dirty="0"/>
+          </a:p>
+        </p:txBody>
+      </p:sp>
+      <p:sp>
+        <p:nvSpPr>
+          <p:cNvPr id="4" name="幻灯片编号占位符 3"/>
+          <p:cNvSpPr>
+            <a:spLocks noGrp="1"/>
+          </p:cNvSpPr>
+          <p:nvPr>
+            <p:ph type="sldNum" sz="quarter" idx="10"/>
+          </p:nvPr>
+        </p:nvSpPr>
+        <p:spPr/>
+        <p:txBody>
+          <a:bodyPr/>
+          <a:lstStyle/>
+          <a:p>
+            <a:fld id="{6E617A2A-56D0-C847-AD3B-89221304CA23}" type="slidenum">
+              <a:rPr kumimoji="1" lang="zh-CN" altLang="en-US" smtClean="0"/>
+              <a:t>18</a:t>
+            </a:fld>
+            <a:endParaRPr kumimoji="1" lang="zh-CN" altLang="en-US"/>
+          </a:p>
+        </p:txBody>
+      </p:sp>
+    </p:spTree>
+    <p:extLst>
+      <p:ext uri="{BB962C8B-B14F-4D97-AF65-F5344CB8AC3E}">
+        <p14:creationId xmlns:p14="http://schemas.microsoft.com/office/powerpoint/2010/main" val="3424638384"/>
+      </p:ext>
+    </p:extLst>
+  </p:cSld>
+  <p:clrMapOvr>
+    <a:masterClrMapping/>
+  </p:clrMapOvr>
+</p:notes>
+</file>
+
+<file path=ppt/notesSlides/notesSlide12.xml><?xml version="1.0" encoding="utf-8"?>
+<p:notes xmlns:a="http://schemas.openxmlformats.org/drawingml/2006/main" xmlns:r="http://schemas.openxmlformats.org/officeDocument/2006/relationships" xmlns:p="http://schemas.openxmlformats.org/presentationml/2006/main">
+  <p:cSld>
+    <p:spTree>
+      <p:nvGrpSpPr>
+        <p:cNvPr id="1" name=""/>
+        <p:cNvGrpSpPr/>
+        <p:nvPr/>
+      </p:nvGrpSpPr>
+      <p:grpSpPr>
+        <a:xfrm>
+          <a:off x="0" y="0"/>
+          <a:ext cx="0" cy="0"/>
+          <a:chOff x="0" y="0"/>
+          <a:chExt cx="0" cy="0"/>
+        </a:xfrm>
+      </p:grpSpPr>
+      <p:sp>
+        <p:nvSpPr>
+          <p:cNvPr id="2" name="幻灯片图像占位符 1"/>
+          <p:cNvSpPr>
+            <a:spLocks noGrp="1" noRot="1" noChangeAspect="1"/>
+          </p:cNvSpPr>
+          <p:nvPr>
+            <p:ph type="sldImg"/>
+          </p:nvPr>
+        </p:nvSpPr>
+        <p:spPr/>
+      </p:sp>
+      <p:sp>
+        <p:nvSpPr>
+          <p:cNvPr id="3" name="备注占位符 2"/>
+          <p:cNvSpPr>
+            <a:spLocks noGrp="1"/>
+          </p:cNvSpPr>
+          <p:nvPr>
+            <p:ph type="body" idx="1"/>
+          </p:nvPr>
+        </p:nvSpPr>
+        <p:spPr/>
+        <p:txBody>
+          <a:bodyPr/>
+          <a:lstStyle/>
+          <a:p>
+            <a:endParaRPr kumimoji="1" lang="zh-CN" altLang="en-US" dirty="0"/>
+          </a:p>
+        </p:txBody>
+      </p:sp>
+      <p:sp>
+        <p:nvSpPr>
+          <p:cNvPr id="4" name="幻灯片编号占位符 3"/>
+          <p:cNvSpPr>
+            <a:spLocks noGrp="1"/>
+          </p:cNvSpPr>
+          <p:nvPr>
+            <p:ph type="sldNum" sz="quarter" idx="10"/>
+          </p:nvPr>
+        </p:nvSpPr>
+        <p:spPr/>
+        <p:txBody>
+          <a:bodyPr/>
+          <a:lstStyle/>
+          <a:p>
+            <a:fld id="{6E617A2A-56D0-C847-AD3B-89221304CA23}" type="slidenum">
+              <a:rPr kumimoji="1" lang="zh-CN" altLang="en-US" smtClean="0"/>
+              <a:t>19</a:t>
+            </a:fld>
+            <a:endParaRPr kumimoji="1" lang="zh-CN" altLang="en-US"/>
+          </a:p>
+        </p:txBody>
+      </p:sp>
+    </p:spTree>
+    <p:extLst>
+      <p:ext uri="{BB962C8B-B14F-4D97-AF65-F5344CB8AC3E}">
+        <p14:creationId xmlns:p14="http://schemas.microsoft.com/office/powerpoint/2010/main" val="3424638384"/>
+      </p:ext>
+    </p:extLst>
+  </p:cSld>
+  <p:clrMapOvr>
+    <a:masterClrMapping/>
+  </p:clrMapOvr>
+</p:notes>
+</file>
+
+<file path=ppt/notesSlides/notesSlide13.xml><?xml version="1.0" encoding="utf-8"?>
+<p:notes xmlns:a="http://schemas.openxmlformats.org/drawingml/2006/main" xmlns:r="http://schemas.openxmlformats.org/officeDocument/2006/relationships" xmlns:p="http://schemas.openxmlformats.org/presentationml/2006/main">
+  <p:cSld>
+    <p:spTree>
+      <p:nvGrpSpPr>
+        <p:cNvPr id="1" name=""/>
+        <p:cNvGrpSpPr/>
+        <p:nvPr/>
+      </p:nvGrpSpPr>
+      <p:grpSpPr>
+        <a:xfrm>
+          <a:off x="0" y="0"/>
+          <a:ext cx="0" cy="0"/>
+          <a:chOff x="0" y="0"/>
+          <a:chExt cx="0" cy="0"/>
+        </a:xfrm>
+      </p:grpSpPr>
+      <p:sp>
+        <p:nvSpPr>
+          <p:cNvPr id="2" name="幻灯片图像占位符 1"/>
+          <p:cNvSpPr>
+            <a:spLocks noGrp="1" noRot="1" noChangeAspect="1"/>
+          </p:cNvSpPr>
+          <p:nvPr>
+            <p:ph type="sldImg"/>
+          </p:nvPr>
+        </p:nvSpPr>
+        <p:spPr/>
+      </p:sp>
+      <p:sp>
+        <p:nvSpPr>
+          <p:cNvPr id="3" name="备注占位符 2"/>
+          <p:cNvSpPr>
+            <a:spLocks noGrp="1"/>
+          </p:cNvSpPr>
+          <p:nvPr>
+            <p:ph type="body" idx="1"/>
+          </p:nvPr>
+        </p:nvSpPr>
+        <p:spPr/>
+        <p:txBody>
+          <a:bodyPr/>
+          <a:lstStyle/>
+          <a:p>
+            <a:endParaRPr kumimoji="1" lang="zh-CN" altLang="en-US" dirty="0"/>
+          </a:p>
+        </p:txBody>
+      </p:sp>
+      <p:sp>
+        <p:nvSpPr>
+          <p:cNvPr id="4" name="幻灯片编号占位符 3"/>
+          <p:cNvSpPr>
+            <a:spLocks noGrp="1"/>
+          </p:cNvSpPr>
+          <p:nvPr>
+            <p:ph type="sldNum" sz="quarter" idx="10"/>
+          </p:nvPr>
+        </p:nvSpPr>
+        <p:spPr/>
+        <p:txBody>
+          <a:bodyPr/>
+          <a:lstStyle/>
+          <a:p>
+            <a:fld id="{6E617A2A-56D0-C847-AD3B-89221304CA23}" type="slidenum">
+              <a:rPr kumimoji="1" lang="zh-CN" altLang="en-US" smtClean="0"/>
+              <a:t>20</a:t>
+            </a:fld>
+            <a:endParaRPr kumimoji="1" lang="zh-CN" altLang="en-US"/>
+          </a:p>
+        </p:txBody>
+      </p:sp>
+    </p:spTree>
+    <p:extLst>
+      <p:ext uri="{BB962C8B-B14F-4D97-AF65-F5344CB8AC3E}">
+        <p14:creationId xmlns:p14="http://schemas.microsoft.com/office/powerpoint/2010/main" val="3424638384"/>
+      </p:ext>
+    </p:extLst>
+  </p:cSld>
+  <p:clrMapOvr>
+    <a:masterClrMapping/>
+  </p:clrMapOvr>
+</p:notes>
+</file>
+
+<file path=ppt/notesSlides/notesSlide14.xml><?xml version="1.0" encoding="utf-8"?>
+<p:notes xmlns:a="http://schemas.openxmlformats.org/drawingml/2006/main" xmlns:r="http://schemas.openxmlformats.org/officeDocument/2006/relationships" xmlns:p="http://schemas.openxmlformats.org/presentationml/2006/main">
+  <p:cSld>
+    <p:spTree>
+      <p:nvGrpSpPr>
+        <p:cNvPr id="1" name=""/>
+        <p:cNvGrpSpPr/>
+        <p:nvPr/>
+      </p:nvGrpSpPr>
+      <p:grpSpPr>
+        <a:xfrm>
+          <a:off x="0" y="0"/>
+          <a:ext cx="0" cy="0"/>
+          <a:chOff x="0" y="0"/>
+          <a:chExt cx="0" cy="0"/>
+        </a:xfrm>
+      </p:grpSpPr>
+      <p:sp>
+        <p:nvSpPr>
+          <p:cNvPr id="2" name="幻灯片图像占位符 1"/>
+          <p:cNvSpPr>
+            <a:spLocks noGrp="1" noRot="1" noChangeAspect="1"/>
+          </p:cNvSpPr>
+          <p:nvPr>
+            <p:ph type="sldImg"/>
+          </p:nvPr>
+        </p:nvSpPr>
+        <p:spPr/>
+      </p:sp>
+      <p:sp>
+        <p:nvSpPr>
+          <p:cNvPr id="3" name="备注占位符 2"/>
+          <p:cNvSpPr>
+            <a:spLocks noGrp="1"/>
+          </p:cNvSpPr>
+          <p:nvPr>
+            <p:ph type="body" idx="1"/>
+          </p:nvPr>
+        </p:nvSpPr>
+        <p:spPr/>
+        <p:txBody>
+          <a:bodyPr/>
+          <a:lstStyle/>
+          <a:p>
+            <a:endParaRPr kumimoji="1" lang="zh-CN" altLang="en-US" dirty="0"/>
+          </a:p>
+        </p:txBody>
+      </p:sp>
+      <p:sp>
+        <p:nvSpPr>
+          <p:cNvPr id="4" name="幻灯片编号占位符 3"/>
+          <p:cNvSpPr>
+            <a:spLocks noGrp="1"/>
+          </p:cNvSpPr>
+          <p:nvPr>
+            <p:ph type="sldNum" sz="quarter" idx="10"/>
+          </p:nvPr>
+        </p:nvSpPr>
+        <p:spPr/>
+        <p:txBody>
+          <a:bodyPr/>
+          <a:lstStyle/>
+          <a:p>
+            <a:fld id="{6E617A2A-56D0-C847-AD3B-89221304CA23}" type="slidenum">
+              <a:rPr kumimoji="1" lang="zh-CN" altLang="en-US" smtClean="0"/>
+              <a:t>21</a:t>
+            </a:fld>
+            <a:endParaRPr kumimoji="1" lang="zh-CN" altLang="en-US"/>
+          </a:p>
+        </p:txBody>
+      </p:sp>
+    </p:spTree>
+    <p:extLst>
+      <p:ext uri="{BB962C8B-B14F-4D97-AF65-F5344CB8AC3E}">
+        <p14:creationId xmlns:p14="http://schemas.microsoft.com/office/powerpoint/2010/main" val="3424638384"/>
+      </p:ext>
+    </p:extLst>
+  </p:cSld>
+  <p:clrMapOvr>
+    <a:masterClrMapping/>
+  </p:clrMapOvr>
+</p:notes>
+</file>
+
 <file path=ppt/notesSlides/notesSlide2.xml><?xml version="1.0" encoding="utf-8"?>
 <p:notes xmlns:a="http://schemas.openxmlformats.org/drawingml/2006/main" xmlns:r="http://schemas.openxmlformats.org/officeDocument/2006/relationships" xmlns:p="http://schemas.openxmlformats.org/presentationml/2006/main">
   <p:cSld>
@@ -1012,62 +1440,6 @@
           <a:bodyPr/>
           <a:lstStyle/>
           <a:p>
-            <a:r>
-              <a:rPr kumimoji="1" lang="en-US" altLang="zh-CN" dirty="0" smtClean="0"/>
-              <a:t>JavaScript</a:t>
-            </a:r>
-            <a:r>
-              <a:rPr kumimoji="1" lang="zh-CN" altLang="en-US" dirty="0" smtClean="0"/>
-              <a:t>的范围定义和其他语言不一样， 其他语言如</a:t>
-            </a:r>
-            <a:r>
-              <a:rPr kumimoji="1" lang="en-US" altLang="zh-CN" dirty="0" smtClean="0"/>
-              <a:t>Java</a:t>
-            </a:r>
-            <a:r>
-              <a:rPr kumimoji="1" lang="zh-CN" altLang="en-US" dirty="0" smtClean="0"/>
-              <a:t>，</a:t>
-            </a:r>
-            <a:r>
-              <a:rPr kumimoji="1" lang="en-US" altLang="zh-CN" dirty="0" smtClean="0"/>
-              <a:t>C</a:t>
-            </a:r>
-            <a:r>
-              <a:rPr kumimoji="1" lang="zh-CN" altLang="en-US" dirty="0" smtClean="0"/>
-              <a:t>是通过</a:t>
-            </a:r>
-            <a:r>
-              <a:rPr kumimoji="1" lang="en-US" altLang="zh-CN" dirty="0" smtClean="0"/>
-              <a:t>{}</a:t>
-            </a:r>
-            <a:r>
-              <a:rPr kumimoji="1" lang="zh-CN" altLang="en-US" dirty="0" smtClean="0"/>
-              <a:t>等</a:t>
-            </a:r>
-            <a:r>
-              <a:rPr kumimoji="1" lang="en-US" altLang="zh-CN" dirty="0" smtClean="0"/>
-              <a:t>block</a:t>
-            </a:r>
-            <a:r>
-              <a:rPr kumimoji="1" lang="zh-CN" altLang="en-US" dirty="0" smtClean="0"/>
-              <a:t>来定义范围， </a:t>
-            </a:r>
-            <a:r>
-              <a:rPr kumimoji="1" lang="en-US" altLang="zh-CN" dirty="0" smtClean="0"/>
-              <a:t>JavaScript</a:t>
-            </a:r>
-            <a:r>
-              <a:rPr kumimoji="1" lang="zh-CN" altLang="en-US" dirty="0" smtClean="0"/>
-              <a:t>是通过</a:t>
-            </a:r>
-            <a:r>
-              <a:rPr kumimoji="1" lang="en-US" altLang="zh-CN" dirty="0" smtClean="0"/>
-              <a:t>Function</a:t>
-            </a:r>
-            <a:r>
-              <a:rPr kumimoji="1" lang="zh-CN" altLang="en-US" smtClean="0"/>
-              <a:t>定义范围。</a:t>
-            </a:r>
             <a:endParaRPr kumimoji="1" lang="zh-CN" altLang="en-US" dirty="0"/>
           </a:p>
         </p:txBody>
@@ -1090,6 +1462,258 @@
             <a:fld id="{6E617A2A-56D0-C847-AD3B-89221304CA23}" type="slidenum">
               <a:rPr kumimoji="1" lang="zh-CN" altLang="en-US" smtClean="0"/>
               <a:t>13</a:t>
+            </a:fld>
+            <a:endParaRPr kumimoji="1" lang="zh-CN" altLang="en-US"/>
+          </a:p>
+        </p:txBody>
+      </p:sp>
+    </p:spTree>
+    <p:extLst>
+      <p:ext uri="{BB962C8B-B14F-4D97-AF65-F5344CB8AC3E}">
+        <p14:creationId xmlns:p14="http://schemas.microsoft.com/office/powerpoint/2010/main" val="3424638384"/>
+      </p:ext>
+    </p:extLst>
+  </p:cSld>
+  <p:clrMapOvr>
+    <a:masterClrMapping/>
+  </p:clrMapOvr>
+</p:notes>
+</file>
+
+<file path=ppt/notesSlides/notesSlide7.xml><?xml version="1.0" encoding="utf-8"?>
+<p:notes xmlns:a="http://schemas.openxmlformats.org/drawingml/2006/main" xmlns:r="http://schemas.openxmlformats.org/officeDocument/2006/relationships" xmlns:p="http://schemas.openxmlformats.org/presentationml/2006/main">
+  <p:cSld>
+    <p:spTree>
+      <p:nvGrpSpPr>
+        <p:cNvPr id="1" name=""/>
+        <p:cNvGrpSpPr/>
+        <p:nvPr/>
+      </p:nvGrpSpPr>
+      <p:grpSpPr>
+        <a:xfrm>
+          <a:off x="0" y="0"/>
+          <a:ext cx="0" cy="0"/>
+          <a:chOff x="0" y="0"/>
+          <a:chExt cx="0" cy="0"/>
+        </a:xfrm>
+      </p:grpSpPr>
+      <p:sp>
+        <p:nvSpPr>
+          <p:cNvPr id="2" name="幻灯片图像占位符 1"/>
+          <p:cNvSpPr>
+            <a:spLocks noGrp="1" noRot="1" noChangeAspect="1"/>
+          </p:cNvSpPr>
+          <p:nvPr>
+            <p:ph type="sldImg"/>
+          </p:nvPr>
+        </p:nvSpPr>
+        <p:spPr/>
+      </p:sp>
+      <p:sp>
+        <p:nvSpPr>
+          <p:cNvPr id="3" name="备注占位符 2"/>
+          <p:cNvSpPr>
+            <a:spLocks noGrp="1"/>
+          </p:cNvSpPr>
+          <p:nvPr>
+            <p:ph type="body" idx="1"/>
+          </p:nvPr>
+        </p:nvSpPr>
+        <p:spPr/>
+        <p:txBody>
+          <a:bodyPr/>
+          <a:lstStyle/>
+          <a:p>
+            <a:endParaRPr kumimoji="1" lang="zh-CN" altLang="en-US" dirty="0"/>
+          </a:p>
+        </p:txBody>
+      </p:sp>
+      <p:sp>
+        <p:nvSpPr>
+          <p:cNvPr id="4" name="幻灯片编号占位符 3"/>
+          <p:cNvSpPr>
+            <a:spLocks noGrp="1"/>
+          </p:cNvSpPr>
+          <p:nvPr>
+            <p:ph type="sldNum" sz="quarter" idx="10"/>
+          </p:nvPr>
+        </p:nvSpPr>
+        <p:spPr/>
+        <p:txBody>
+          <a:bodyPr/>
+          <a:lstStyle/>
+          <a:p>
+            <a:fld id="{6E617A2A-56D0-C847-AD3B-89221304CA23}" type="slidenum">
+              <a:rPr kumimoji="1" lang="zh-CN" altLang="en-US" smtClean="0"/>
+              <a:t>14</a:t>
+            </a:fld>
+            <a:endParaRPr kumimoji="1" lang="zh-CN" altLang="en-US"/>
+          </a:p>
+        </p:txBody>
+      </p:sp>
+    </p:spTree>
+    <p:extLst>
+      <p:ext uri="{BB962C8B-B14F-4D97-AF65-F5344CB8AC3E}">
+        <p14:creationId xmlns:p14="http://schemas.microsoft.com/office/powerpoint/2010/main" val="3424638384"/>
+      </p:ext>
+    </p:extLst>
+  </p:cSld>
+  <p:clrMapOvr>
+    <a:masterClrMapping/>
+  </p:clrMapOvr>
+</p:notes>
+</file>
+
+<file path=ppt/notesSlides/notesSlide8.xml><?xml version="1.0" encoding="utf-8"?>
+<p:notes xmlns:a="http://schemas.openxmlformats.org/drawingml/2006/main" xmlns:r="http://schemas.openxmlformats.org/officeDocument/2006/relationships" xmlns:p="http://schemas.openxmlformats.org/presentationml/2006/main">
+  <p:cSld>
+    <p:spTree>
+      <p:nvGrpSpPr>
+        <p:cNvPr id="1" name=""/>
+        <p:cNvGrpSpPr/>
+        <p:nvPr/>
+      </p:nvGrpSpPr>
+      <p:grpSpPr>
+        <a:xfrm>
+          <a:off x="0" y="0"/>
+          <a:ext cx="0" cy="0"/>
+          <a:chOff x="0" y="0"/>
+          <a:chExt cx="0" cy="0"/>
+        </a:xfrm>
+      </p:grpSpPr>
+      <p:sp>
+        <p:nvSpPr>
+          <p:cNvPr id="2" name="幻灯片图像占位符 1"/>
+          <p:cNvSpPr>
+            <a:spLocks noGrp="1" noRot="1" noChangeAspect="1"/>
+          </p:cNvSpPr>
+          <p:nvPr>
+            <p:ph type="sldImg"/>
+          </p:nvPr>
+        </p:nvSpPr>
+        <p:spPr/>
+      </p:sp>
+      <p:sp>
+        <p:nvSpPr>
+          <p:cNvPr id="3" name="备注占位符 2"/>
+          <p:cNvSpPr>
+            <a:spLocks noGrp="1"/>
+          </p:cNvSpPr>
+          <p:nvPr>
+            <p:ph type="body" idx="1"/>
+          </p:nvPr>
+        </p:nvSpPr>
+        <p:spPr/>
+        <p:txBody>
+          <a:bodyPr/>
+          <a:lstStyle/>
+          <a:p>
+            <a:endParaRPr kumimoji="1" lang="zh-CN" altLang="en-US" dirty="0"/>
+          </a:p>
+        </p:txBody>
+      </p:sp>
+      <p:sp>
+        <p:nvSpPr>
+          <p:cNvPr id="4" name="幻灯片编号占位符 3"/>
+          <p:cNvSpPr>
+            <a:spLocks noGrp="1"/>
+          </p:cNvSpPr>
+          <p:nvPr>
+            <p:ph type="sldNum" sz="quarter" idx="10"/>
+          </p:nvPr>
+        </p:nvSpPr>
+        <p:spPr/>
+        <p:txBody>
+          <a:bodyPr/>
+          <a:lstStyle/>
+          <a:p>
+            <a:fld id="{6E617A2A-56D0-C847-AD3B-89221304CA23}" type="slidenum">
+              <a:rPr kumimoji="1" lang="zh-CN" altLang="en-US" smtClean="0"/>
+              <a:t>15</a:t>
+            </a:fld>
+            <a:endParaRPr kumimoji="1" lang="zh-CN" altLang="en-US"/>
+          </a:p>
+        </p:txBody>
+      </p:sp>
+    </p:spTree>
+    <p:extLst>
+      <p:ext uri="{BB962C8B-B14F-4D97-AF65-F5344CB8AC3E}">
+        <p14:creationId xmlns:p14="http://schemas.microsoft.com/office/powerpoint/2010/main" val="3424638384"/>
+      </p:ext>
+    </p:extLst>
+  </p:cSld>
+  <p:clrMapOvr>
+    <a:masterClrMapping/>
+  </p:clrMapOvr>
+</p:notes>
+</file>
+
+<file path=ppt/notesSlides/notesSlide9.xml><?xml version="1.0" encoding="utf-8"?>
+<p:notes xmlns:a="http://schemas.openxmlformats.org/drawingml/2006/main" xmlns:r="http://schemas.openxmlformats.org/officeDocument/2006/relationships" xmlns:p="http://schemas.openxmlformats.org/presentationml/2006/main">
+  <p:cSld>
+    <p:spTree>
+      <p:nvGrpSpPr>
+        <p:cNvPr id="1" name=""/>
+        <p:cNvGrpSpPr/>
+        <p:nvPr/>
+      </p:nvGrpSpPr>
+      <p:grpSpPr>
+        <a:xfrm>
+          <a:off x="0" y="0"/>
+          <a:ext cx="0" cy="0"/>
+          <a:chOff x="0" y="0"/>
+          <a:chExt cx="0" cy="0"/>
+        </a:xfrm>
+      </p:grpSpPr>
+      <p:sp>
+        <p:nvSpPr>
+          <p:cNvPr id="2" name="幻灯片图像占位符 1"/>
+          <p:cNvSpPr>
+            <a:spLocks noGrp="1" noRot="1" noChangeAspect="1"/>
+          </p:cNvSpPr>
+          <p:nvPr>
+            <p:ph type="sldImg"/>
+          </p:nvPr>
+        </p:nvSpPr>
+        <p:spPr/>
+      </p:sp>
+      <p:sp>
+        <p:nvSpPr>
+          <p:cNvPr id="3" name="备注占位符 2"/>
+          <p:cNvSpPr>
+            <a:spLocks noGrp="1"/>
+          </p:cNvSpPr>
+          <p:nvPr>
+            <p:ph type="body" idx="1"/>
+          </p:nvPr>
+        </p:nvSpPr>
+        <p:spPr/>
+        <p:txBody>
+          <a:bodyPr/>
+          <a:lstStyle/>
+          <a:p>
+            <a:endParaRPr kumimoji="1" lang="zh-CN" altLang="en-US" dirty="0"/>
+          </a:p>
+        </p:txBody>
+      </p:sp>
+      <p:sp>
+        <p:nvSpPr>
+          <p:cNvPr id="4" name="幻灯片编号占位符 3"/>
+          <p:cNvSpPr>
+            <a:spLocks noGrp="1"/>
+          </p:cNvSpPr>
+          <p:nvPr>
+            <p:ph type="sldNum" sz="quarter" idx="10"/>
+          </p:nvPr>
+        </p:nvSpPr>
+        <p:spPr/>
+        <p:txBody>
+          <a:bodyPr/>
+          <a:lstStyle/>
+          <a:p>
+            <a:fld id="{6E617A2A-56D0-C847-AD3B-89221304CA23}" type="slidenum">
+              <a:rPr kumimoji="1" lang="zh-CN" altLang="en-US" smtClean="0"/>
+              <a:t>16</a:t>
             </a:fld>
             <a:endParaRPr kumimoji="1" lang="zh-CN" altLang="en-US"/>
           </a:p>
@@ -17859,163 +18483,6 @@
       </p:grpSpPr>
       <p:sp>
         <p:nvSpPr>
-          <p:cNvPr id="12" name="内容占位符 11"/>
-          <p:cNvSpPr>
-            <a:spLocks noGrp="1"/>
-          </p:cNvSpPr>
-          <p:nvPr>
-            <p:ph idx="1"/>
-          </p:nvPr>
-        </p:nvSpPr>
-        <p:spPr>
-          <a:xfrm>
-            <a:off x="872067" y="1591056"/>
-            <a:ext cx="7408333" cy="4535107"/>
-          </a:xfrm>
-        </p:spPr>
-        <p:txBody>
-          <a:bodyPr/>
-          <a:lstStyle/>
-          <a:p>
-            <a:pPr marL="0" indent="0">
-              <a:buNone/>
-            </a:pPr>
-            <a:r>
-              <a:rPr kumimoji="1" lang="en-US" altLang="zh-CN" sz="2000" dirty="0" err="1"/>
-              <a:t>var</a:t>
-            </a:r>
-            <a:r>
-              <a:rPr kumimoji="1" lang="en-US" altLang="zh-CN" sz="2000" dirty="0"/>
-              <a:t> y = 10;</a:t>
-            </a:r>
-          </a:p>
-          <a:p>
-            <a:pPr marL="0" indent="0">
-              <a:buNone/>
-            </a:pPr>
-            <a:endParaRPr kumimoji="1" lang="en-US" altLang="zh-CN" sz="2000" dirty="0"/>
-          </a:p>
-          <a:p>
-            <a:pPr marL="0" indent="0">
-              <a:buNone/>
-            </a:pPr>
-            <a:r>
-              <a:rPr kumimoji="1" lang="en-US" altLang="zh-CN" sz="2000" dirty="0"/>
-              <a:t>if (!(x in window)) {</a:t>
-            </a:r>
-          </a:p>
-          <a:p>
-            <a:pPr marL="0" indent="0">
-              <a:buNone/>
-            </a:pPr>
-            <a:r>
-              <a:rPr kumimoji="1" lang="en-US" altLang="zh-CN" sz="2000" dirty="0"/>
-              <a:t>    </a:t>
-            </a:r>
-            <a:r>
-              <a:rPr kumimoji="1" lang="en-US" altLang="zh-CN" sz="2000" dirty="0" err="1"/>
-              <a:t>var</a:t>
-            </a:r>
-            <a:r>
-              <a:rPr kumimoji="1" lang="en-US" altLang="zh-CN" sz="2000" dirty="0"/>
-              <a:t> x = 10;</a:t>
-            </a:r>
-          </a:p>
-          <a:p>
-            <a:pPr marL="0" indent="0">
-              <a:buNone/>
-            </a:pPr>
-            <a:r>
-              <a:rPr kumimoji="1" lang="en-US" altLang="zh-CN" sz="2000" dirty="0"/>
-              <a:t>} else {</a:t>
-            </a:r>
-          </a:p>
-          <a:p>
-            <a:pPr marL="0" indent="0">
-              <a:buNone/>
-            </a:pPr>
-            <a:r>
-              <a:rPr kumimoji="1" lang="en-US" altLang="zh-CN" sz="2000" dirty="0"/>
-              <a:t>    ++y;</a:t>
-            </a:r>
-          </a:p>
-          <a:p>
-            <a:pPr marL="0" indent="0">
-              <a:buNone/>
-            </a:pPr>
-            <a:r>
-              <a:rPr kumimoji="1" lang="en-US" altLang="zh-CN" sz="2000" dirty="0"/>
-              <a:t>}</a:t>
-            </a:r>
-          </a:p>
-          <a:p>
-            <a:pPr marL="0" indent="0">
-              <a:buNone/>
-            </a:pPr>
-            <a:endParaRPr kumimoji="1" lang="en-US" altLang="zh-CN" sz="2000" dirty="0"/>
-          </a:p>
-          <a:p>
-            <a:pPr marL="0" indent="0">
-              <a:buNone/>
-            </a:pPr>
-            <a:r>
-              <a:rPr kumimoji="1" lang="en-US" altLang="zh-CN" sz="2000" dirty="0"/>
-              <a:t>alert(x);</a:t>
-            </a:r>
-          </a:p>
-          <a:p>
-            <a:pPr marL="0" indent="0">
-              <a:buNone/>
-            </a:pPr>
-            <a:r>
-              <a:rPr kumimoji="1" lang="en-US" altLang="zh-CN" sz="2000" dirty="0"/>
-              <a:t>alert(y)</a:t>
-            </a:r>
-            <a:r>
-              <a:rPr kumimoji="1" lang="en-US" altLang="zh-CN" sz="2000" dirty="0" smtClean="0"/>
-              <a:t>;</a:t>
-            </a:r>
-          </a:p>
-          <a:p>
-            <a:pPr marL="0" indent="0">
-              <a:buNone/>
-            </a:pPr>
-            <a:endParaRPr kumimoji="1" lang="en-US" altLang="zh-CN" sz="2000" dirty="0"/>
-          </a:p>
-          <a:p>
-            <a:pPr marL="0" indent="0">
-              <a:buNone/>
-            </a:pPr>
-            <a:r>
-              <a:rPr kumimoji="1" lang="en-US" altLang="zh-CN" sz="2000" dirty="0">
-                <a:hlinkClick r:id="rId3"/>
-              </a:rPr>
-              <a:t>http://jsbin.com/ANuhiJU/3/</a:t>
-            </a:r>
-            <a:r>
-              <a:rPr kumimoji="1" lang="en-US" altLang="zh-CN" sz="2000" dirty="0" smtClean="0">
-                <a:hlinkClick r:id="rId3"/>
-              </a:rPr>
-              <a:t>edit</a:t>
-            </a:r>
-            <a:endParaRPr kumimoji="1" lang="en-US" altLang="zh-CN" sz="2000" dirty="0" smtClean="0"/>
-          </a:p>
-          <a:p>
-            <a:pPr marL="0" indent="0">
-              <a:buNone/>
-            </a:pPr>
-            <a:endParaRPr kumimoji="1" lang="en-US" altLang="zh-CN" sz="2000" dirty="0" smtClean="0"/>
-          </a:p>
-          <a:p>
-            <a:pPr marL="0" indent="0">
-              <a:buNone/>
-            </a:pPr>
-            <a:endParaRPr kumimoji="1" lang="en-US" altLang="zh-CN" sz="2000" dirty="0" smtClean="0"/>
-          </a:p>
-        </p:txBody>
-      </p:sp>
-      <p:sp>
-        <p:nvSpPr>
           <p:cNvPr id="2" name="标题 1"/>
           <p:cNvSpPr>
             <a:spLocks noGrp="1"/>
@@ -18032,28 +18499,28 @@
           <a:lstStyle/>
           <a:p>
             <a:r>
-              <a:rPr kumimoji="1" lang="zh-CN" altLang="zh-CN" dirty="0" smtClean="0">
+              <a:rPr kumimoji="1" lang="en-US" altLang="en-US" dirty="0" err="1" smtClean="0">
                 <a:latin typeface="Heiti SC Light"/>
                 <a:ea typeface="Heiti SC Light"/>
                 <a:cs typeface="Heiti SC Light"/>
               </a:rPr>
-              <a:t>x</a:t>
-            </a:r>
-            <a:r>
-              <a:rPr kumimoji="1" lang="en-US" altLang="zh-CN" dirty="0" smtClean="0">
+              <a:t>Function和</a:t>
+            </a:r>
+            <a:r>
+              <a:rPr kumimoji="1" lang="en-US" altLang="zh-CN" dirty="0" err="1" smtClean="0">
                 <a:latin typeface="Heiti SC Light"/>
                 <a:ea typeface="Heiti SC Light"/>
                 <a:cs typeface="Heiti SC Light"/>
               </a:rPr>
-              <a:t>,y</a:t>
-            </a:r>
-            <a:r>
-              <a:rPr kumimoji="1" lang="zh-CN" altLang="en-US" dirty="0" smtClean="0">
+              <a:t>S</a:t>
+            </a:r>
+            <a:r>
+              <a:rPr kumimoji="1" lang="en-US" altLang="en-US" dirty="0" err="1" smtClean="0">
                 <a:latin typeface="Heiti SC Light"/>
                 <a:ea typeface="Heiti SC Light"/>
                 <a:cs typeface="Heiti SC Light"/>
               </a:rPr>
-              <a:t> 是多少？</a:t>
+              <a:t>cope</a:t>
             </a:r>
             <a:endParaRPr kumimoji="1" lang="zh-CN" altLang="en-US" dirty="0">
               <a:latin typeface="Heiti SC Light"/>
@@ -18278,10 +18745,34 @@
           </a:p>
         </p:txBody>
       </p:sp>
+      <p:pic>
+        <p:nvPicPr>
+          <p:cNvPr id="5" name="图片 4"/>
+          <p:cNvPicPr>
+            <a:picLocks noChangeAspect="1"/>
+          </p:cNvPicPr>
+          <p:nvPr/>
+        </p:nvPicPr>
+        <p:blipFill>
+          <a:blip r:embed="rId3"/>
+          <a:stretch>
+            <a:fillRect/>
+          </a:stretch>
+        </p:blipFill>
+        <p:spPr>
+          <a:xfrm>
+            <a:off x="1065836" y="2057543"/>
+            <a:ext cx="7149996" cy="4596426"/>
+          </a:xfrm>
+          <a:prstGeom prst="rect">
+            <a:avLst/>
+          </a:prstGeom>
+        </p:spPr>
+      </p:pic>
     </p:spTree>
     <p:extLst>
       <p:ext uri="{BB962C8B-B14F-4D97-AF65-F5344CB8AC3E}">
-        <p14:creationId xmlns:p14="http://schemas.microsoft.com/office/powerpoint/2010/main" val="2664366347"/>
+        <p14:creationId xmlns:p14="http://schemas.microsoft.com/office/powerpoint/2010/main" val="2392935554"/>
       </p:ext>
     </p:extLst>
   </p:cSld>
@@ -18298,7 +18789,7 @@
 </p:sld>
 </file>
 
-<file path=ppt/slides/slide2.xml><?xml version="1.0" encoding="utf-8"?>
+<file path=ppt/slides/slide14.xml><?xml version="1.0" encoding="utf-8"?>
 <p:sld xmlns:a="http://schemas.openxmlformats.org/drawingml/2006/main" xmlns:r="http://schemas.openxmlformats.org/officeDocument/2006/relationships" xmlns:p="http://schemas.openxmlformats.org/presentationml/2006/main">
   <p:cSld>
     <p:spTree>
@@ -18317,7 +18808,7 @@
       </p:grpSpPr>
       <p:sp>
         <p:nvSpPr>
-          <p:cNvPr id="5" name="内容占位符 4"/>
+          <p:cNvPr id="12" name="内容占位符 11"/>
           <p:cNvSpPr>
             <a:spLocks noGrp="1"/>
           </p:cNvSpPr>
@@ -18325,144 +18816,150 @@
             <p:ph idx="1"/>
           </p:nvPr>
         </p:nvSpPr>
-        <p:spPr/>
+        <p:spPr>
+          <a:xfrm>
+            <a:off x="872067" y="1591056"/>
+            <a:ext cx="7408333" cy="4535107"/>
+          </a:xfrm>
+        </p:spPr>
         <p:txBody>
           <a:bodyPr/>
           <a:lstStyle/>
           <a:p>
-            <a:pPr>
-              <a:buFont typeface="Wingdings" charset="2"/>
-              <a:buChar char="Ø"/>
+            <a:pPr marL="0" indent="0">
+              <a:buNone/>
             </a:pPr>
             <a:r>
-              <a:rPr kumimoji="1" lang="en-US" altLang="zh-CN" dirty="0" err="1" smtClean="0">
-                <a:latin typeface="Heiti SC Light"/>
-                <a:ea typeface="Heiti SC Light"/>
-                <a:cs typeface="Heiti SC Light"/>
-              </a:rPr>
-              <a:t>JsTestDriver</a:t>
-            </a:r>
-            <a:endParaRPr kumimoji="1" lang="en-US" altLang="en-US" dirty="0" smtClean="0">
-              <a:latin typeface="Heiti SC Light"/>
-              <a:ea typeface="Heiti SC Light"/>
-              <a:cs typeface="Heiti SC Light"/>
-            </a:endParaRPr>
-          </a:p>
-          <a:p>
-            <a:pPr>
-              <a:buFont typeface="Wingdings" charset="2"/>
-              <a:buChar char="Ø"/>
+              <a:rPr kumimoji="1" lang="en-US" altLang="zh-CN" sz="2000" dirty="0" err="1"/>
+              <a:t>var</a:t>
+            </a:r>
+            <a:r>
+              <a:rPr kumimoji="1" lang="en-US" altLang="zh-CN" sz="2000" dirty="0"/>
+              <a:t> y = 10;</a:t>
+            </a:r>
+          </a:p>
+          <a:p>
+            <a:pPr marL="0" indent="0">
+              <a:buNone/>
             </a:pPr>
-            <a:r>
-              <a:rPr kumimoji="1" lang="en-US" altLang="zh-CN" dirty="0" smtClean="0">
-                <a:latin typeface="Heiti SC Light"/>
-                <a:ea typeface="Heiti SC Light"/>
-                <a:cs typeface="Heiti SC Light"/>
-              </a:rPr>
-              <a:t>Function</a:t>
-            </a:r>
-            <a:r>
-              <a:rPr kumimoji="1" lang="zh-CN" altLang="en-US" dirty="0" smtClean="0">
-                <a:latin typeface="Heiti SC Light"/>
-                <a:ea typeface="Heiti SC Light"/>
-                <a:cs typeface="Heiti SC Light"/>
-              </a:rPr>
-              <a:t>对象的特性</a:t>
-            </a:r>
-            <a:endParaRPr kumimoji="1" lang="en-US" altLang="zh-CN" dirty="0" smtClean="0">
-              <a:latin typeface="Heiti SC Light"/>
-              <a:ea typeface="Heiti SC Light"/>
-              <a:cs typeface="Heiti SC Light"/>
-            </a:endParaRPr>
-          </a:p>
-          <a:p>
-            <a:pPr>
-              <a:buFont typeface="Wingdings" charset="2"/>
-              <a:buChar char="Ø"/>
+            <a:endParaRPr kumimoji="1" lang="en-US" altLang="zh-CN" sz="2000" dirty="0"/>
+          </a:p>
+          <a:p>
+            <a:pPr marL="0" indent="0">
+              <a:buNone/>
             </a:pPr>
             <a:r>
-              <a:rPr kumimoji="1" lang="en-US" altLang="zh-CN" dirty="0" smtClean="0">
-                <a:latin typeface="Heiti SC Light"/>
-                <a:ea typeface="Heiti SC Light"/>
-                <a:cs typeface="Heiti SC Light"/>
-              </a:rPr>
-              <a:t>Function</a:t>
-            </a:r>
-            <a:r>
-              <a:rPr kumimoji="1" lang="zh-CN" altLang="en-US" dirty="0" smtClean="0">
-                <a:latin typeface="Heiti SC Light"/>
-                <a:ea typeface="Heiti SC Light"/>
-                <a:cs typeface="Heiti SC Light"/>
-              </a:rPr>
-              <a:t>对象的</a:t>
-            </a:r>
-            <a:r>
-              <a:rPr kumimoji="1" lang="zh-CN" altLang="en-US" dirty="0" smtClean="0">
-                <a:latin typeface="Heiti SC Light"/>
-                <a:ea typeface="Heiti SC Light"/>
-                <a:cs typeface="Heiti SC Light"/>
-              </a:rPr>
-              <a:t>用法</a:t>
-            </a:r>
-            <a:endParaRPr kumimoji="1" lang="en-US" altLang="zh-CN" dirty="0" smtClean="0">
-              <a:latin typeface="Heiti SC Light"/>
-              <a:ea typeface="Heiti SC Light"/>
-              <a:cs typeface="Heiti SC Light"/>
-            </a:endParaRPr>
-          </a:p>
-          <a:p>
-            <a:pPr>
-              <a:buFont typeface="Wingdings" charset="2"/>
-              <a:buChar char="Ø"/>
+              <a:rPr kumimoji="1" lang="en-US" altLang="zh-CN" sz="2000" dirty="0"/>
+              <a:t>if (!(x in window)) {</a:t>
+            </a:r>
+          </a:p>
+          <a:p>
+            <a:pPr marL="0" indent="0">
+              <a:buNone/>
             </a:pPr>
             <a:r>
-              <a:rPr kumimoji="1" lang="zh-CN" altLang="en-US" dirty="0" smtClean="0">
-                <a:latin typeface="Heiti SC Light"/>
-                <a:ea typeface="Heiti SC Light"/>
-                <a:cs typeface="Heiti SC Light"/>
-              </a:rPr>
-              <a:t>闭包</a:t>
-            </a:r>
-            <a:endParaRPr kumimoji="1" lang="en-US" altLang="zh-CN" dirty="0" smtClean="0">
-              <a:latin typeface="Heiti SC Light"/>
-              <a:ea typeface="Heiti SC Light"/>
-              <a:cs typeface="Heiti SC Light"/>
-            </a:endParaRPr>
-          </a:p>
-          <a:p>
-            <a:pPr>
-              <a:buFont typeface="Wingdings" charset="2"/>
-              <a:buChar char="Ø"/>
+              <a:rPr kumimoji="1" lang="en-US" altLang="zh-CN" sz="2000" dirty="0"/>
+              <a:t>    </a:t>
+            </a:r>
+            <a:r>
+              <a:rPr kumimoji="1" lang="en-US" altLang="zh-CN" sz="2000" dirty="0" err="1"/>
+              <a:t>var</a:t>
+            </a:r>
+            <a:r>
+              <a:rPr kumimoji="1" lang="en-US" altLang="zh-CN" sz="2000" dirty="0"/>
+              <a:t> x = 10;</a:t>
+            </a:r>
+          </a:p>
+          <a:p>
+            <a:pPr marL="0" indent="0">
+              <a:buNone/>
             </a:pPr>
             <a:r>
-              <a:rPr kumimoji="1" lang="en-US" altLang="zh-CN" dirty="0" smtClean="0">
-                <a:latin typeface="Heiti SC Light"/>
-                <a:ea typeface="Heiti SC Light"/>
-                <a:cs typeface="Heiti SC Light"/>
-              </a:rPr>
-              <a:t>Underscore</a:t>
-            </a:r>
-            <a:r>
-              <a:rPr kumimoji="1" lang="zh-CN" altLang="en-US" dirty="0" smtClean="0">
-                <a:latin typeface="Heiti SC Light"/>
-                <a:ea typeface="Heiti SC Light"/>
-                <a:cs typeface="Heiti SC Light"/>
-              </a:rPr>
-              <a:t>.</a:t>
-            </a:r>
-            <a:r>
-              <a:rPr kumimoji="1" lang="en-US" altLang="zh-CN" dirty="0" err="1" smtClean="0">
-                <a:latin typeface="Heiti SC Light"/>
-                <a:ea typeface="Heiti SC Light"/>
-                <a:cs typeface="Heiti SC Light"/>
-              </a:rPr>
-              <a:t>js</a:t>
-            </a:r>
-            <a:endParaRPr kumimoji="1" lang="en-US" altLang="en-US" dirty="0" smtClean="0">
-              <a:latin typeface="Heiti SC Light"/>
-              <a:ea typeface="Heiti SC Light"/>
-              <a:cs typeface="Heiti SC Light"/>
-            </a:endParaRPr>
+              <a:rPr kumimoji="1" lang="en-US" altLang="zh-CN" sz="2000" dirty="0"/>
+              <a:t>} else {</a:t>
+            </a:r>
+          </a:p>
+          <a:p>
+            <a:pPr marL="0" indent="0">
+              <a:buNone/>
+            </a:pPr>
+            <a:r>
+              <a:rPr kumimoji="1" lang="en-US" altLang="zh-CN" sz="2000" dirty="0"/>
+              <a:t>    ++y;</a:t>
+            </a:r>
+          </a:p>
+          <a:p>
+            <a:pPr marL="0" indent="0">
+              <a:buNone/>
+            </a:pPr>
+            <a:r>
+              <a:rPr kumimoji="1" lang="en-US" altLang="zh-CN" sz="2000" dirty="0"/>
+              <a:t>}</a:t>
+            </a:r>
+          </a:p>
+          <a:p>
+            <a:pPr marL="0" indent="0">
+              <a:buNone/>
+            </a:pPr>
+            <a:endParaRPr kumimoji="1" lang="en-US" altLang="zh-CN" sz="2000" dirty="0"/>
+          </a:p>
+          <a:p>
+            <a:pPr marL="0" indent="0">
+              <a:buNone/>
+            </a:pPr>
+            <a:r>
+              <a:rPr kumimoji="1" lang="en-US" altLang="zh-CN" sz="2000" dirty="0"/>
+              <a:t>alert(x);</a:t>
+            </a:r>
+          </a:p>
+          <a:p>
+            <a:pPr marL="0" indent="0">
+              <a:buNone/>
+            </a:pPr>
+            <a:r>
+              <a:rPr kumimoji="1" lang="en-US" altLang="zh-CN" sz="2000" dirty="0"/>
+              <a:t>alert(y)</a:t>
+            </a:r>
+            <a:r>
+              <a:rPr kumimoji="1" lang="en-US" altLang="zh-CN" sz="2000" dirty="0" smtClean="0"/>
+              <a:t>;</a:t>
+            </a:r>
+          </a:p>
+          <a:p>
+            <a:pPr marL="0" indent="0">
+              <a:buNone/>
+            </a:pPr>
+            <a:endParaRPr kumimoji="1" lang="en-US" altLang="zh-CN" sz="2000" dirty="0"/>
+          </a:p>
+          <a:p>
+            <a:pPr marL="0" indent="0">
+              <a:buNone/>
+            </a:pPr>
+            <a:r>
+              <a:rPr kumimoji="1" lang="en-US" altLang="zh-CN" sz="2000" dirty="0">
+                <a:hlinkClick r:id="rId3"/>
+              </a:rPr>
+              <a:t>http://jsbin.com/ANuhiJU/3/</a:t>
+            </a:r>
+            <a:r>
+              <a:rPr kumimoji="1" lang="en-US" altLang="zh-CN" sz="2000" dirty="0" smtClean="0">
+                <a:hlinkClick r:id="rId3"/>
+              </a:rPr>
+              <a:t>edit</a:t>
+            </a:r>
+            <a:endParaRPr kumimoji="1" lang="en-US" altLang="zh-CN" sz="2000" dirty="0" smtClean="0"/>
+          </a:p>
+          <a:p>
+            <a:pPr marL="0" indent="0">
+              <a:buNone/>
+            </a:pPr>
+            <a:endParaRPr kumimoji="1" lang="en-US" altLang="zh-CN" sz="2000" dirty="0" smtClean="0"/>
+          </a:p>
+          <a:p>
+            <a:pPr marL="0" indent="0">
+              <a:buNone/>
+            </a:pPr>
+            <a:endParaRPr kumimoji="1" lang="en-US" altLang="zh-CN" sz="2000" dirty="0" smtClean="0"/>
           </a:p>
         </p:txBody>
       </p:sp>
@@ -18478,16 +18975,34 @@
         </p:nvSpPr>
         <p:spPr/>
         <p:txBody>
-          <a:bodyPr/>
+          <a:bodyPr>
+            <a:normAutofit/>
+          </a:bodyPr>
           <a:lstStyle/>
           <a:p>
+            <a:r>
+              <a:rPr kumimoji="1" lang="zh-CN" altLang="zh-CN" dirty="0" smtClean="0">
+                <a:latin typeface="Heiti SC Light"/>
+                <a:ea typeface="Heiti SC Light"/>
+                <a:cs typeface="Heiti SC Light"/>
+              </a:rPr>
+              <a:t>x</a:t>
+            </a:r>
             <a:r>
               <a:rPr kumimoji="1" lang="en-US" altLang="zh-CN" dirty="0" smtClean="0">
                 <a:latin typeface="Heiti SC Light"/>
                 <a:ea typeface="Heiti SC Light"/>
                 <a:cs typeface="Heiti SC Light"/>
               </a:rPr>
-              <a:t>agenda</a:t>
+              <a:t>,y</a:t>
+            </a:r>
+            <a:r>
+              <a:rPr kumimoji="1" lang="zh-CN" altLang="en-US" dirty="0" smtClean="0">
+                <a:latin typeface="Heiti SC Light"/>
+                <a:ea typeface="Heiti SC Light"/>
+                <a:cs typeface="Heiti SC Light"/>
+              </a:rPr>
+              <a:t> 是多少？</a:t>
             </a:r>
             <a:endParaRPr kumimoji="1" lang="zh-CN" altLang="en-US" dirty="0">
               <a:latin typeface="Heiti SC Light"/>
@@ -18715,7 +19230,4479 @@
     </p:spTree>
     <p:extLst>
       <p:ext uri="{BB962C8B-B14F-4D97-AF65-F5344CB8AC3E}">
+        <p14:creationId xmlns:p14="http://schemas.microsoft.com/office/powerpoint/2010/main" val="2664366347"/>
+      </p:ext>
+    </p:extLst>
+  </p:cSld>
+  <p:clrMapOvr>
+    <a:masterClrMapping/>
+  </p:clrMapOvr>
+  <p:timing>
+    <p:tnLst>
+      <p:par>
+        <p:cTn xmlns:p14="http://schemas.microsoft.com/office/powerpoint/2010/main" id="1" dur="indefinite" restart="never" nodeType="tmRoot"/>
+      </p:par>
+    </p:tnLst>
+  </p:timing>
+</p:sld>
+</file>
+
+<file path=ppt/slides/slide15.xml><?xml version="1.0" encoding="utf-8"?>
+<p:sld xmlns:a="http://schemas.openxmlformats.org/drawingml/2006/main" xmlns:r="http://schemas.openxmlformats.org/officeDocument/2006/relationships" xmlns:p="http://schemas.openxmlformats.org/presentationml/2006/main">
+  <p:cSld>
+    <p:spTree>
+      <p:nvGrpSpPr>
+        <p:cNvPr id="1" name=""/>
+        <p:cNvGrpSpPr/>
+        <p:nvPr/>
+      </p:nvGrpSpPr>
+      <p:grpSpPr>
+        <a:xfrm>
+          <a:off x="0" y="0"/>
+          <a:ext cx="0" cy="0"/>
+          <a:chOff x="0" y="0"/>
+          <a:chExt cx="0" cy="0"/>
+        </a:xfrm>
+      </p:grpSpPr>
+      <p:sp>
+        <p:nvSpPr>
+          <p:cNvPr id="3" name="内容占位符 2"/>
+          <p:cNvSpPr>
+            <a:spLocks noGrp="1"/>
+          </p:cNvSpPr>
+          <p:nvPr>
+            <p:ph idx="1"/>
+          </p:nvPr>
+        </p:nvSpPr>
+        <p:spPr>
+          <a:xfrm>
+            <a:off x="872067" y="2449054"/>
+            <a:ext cx="7408333" cy="3677109"/>
+          </a:xfrm>
+        </p:spPr>
+        <p:txBody>
+          <a:bodyPr>
+            <a:normAutofit/>
+          </a:bodyPr>
+          <a:lstStyle/>
+          <a:p>
+            <a:pPr>
+              <a:buFont typeface="Wingdings" charset="2"/>
+              <a:buChar char="Ø"/>
+            </a:pPr>
+            <a:r>
+              <a:rPr kumimoji="1" lang="en-US" altLang="zh-CN" sz="3200" dirty="0" smtClean="0">
+                <a:latin typeface="+mj-ea"/>
+                <a:ea typeface="+mj-ea"/>
+              </a:rPr>
+              <a:t>Invoke as a</a:t>
+            </a:r>
+            <a:r>
+              <a:rPr kumimoji="1" lang="zh-CN" altLang="en-US" sz="3200" dirty="0" smtClean="0">
+                <a:latin typeface="+mj-ea"/>
+                <a:ea typeface="+mj-ea"/>
+              </a:rPr>
+              <a:t> </a:t>
+            </a:r>
+            <a:r>
+              <a:rPr kumimoji="1" lang="en-US" altLang="zh-CN" sz="3200" dirty="0" smtClean="0">
+                <a:latin typeface="+mj-ea"/>
+                <a:ea typeface="+mj-ea"/>
+              </a:rPr>
+              <a:t>function</a:t>
+            </a:r>
+          </a:p>
+          <a:p>
+            <a:pPr>
+              <a:buFont typeface="Wingdings" charset="2"/>
+              <a:buChar char="Ø"/>
+            </a:pPr>
+            <a:r>
+              <a:rPr kumimoji="1" lang="en-US" altLang="zh-CN" sz="3200" dirty="0" smtClean="0">
+                <a:latin typeface="+mj-ea"/>
+                <a:ea typeface="+mj-ea"/>
+              </a:rPr>
+              <a:t>Invoke</a:t>
+            </a:r>
+            <a:r>
+              <a:rPr kumimoji="1" lang="zh-CN" altLang="en-US" sz="3200" dirty="0" smtClean="0">
+                <a:latin typeface="+mj-ea"/>
+                <a:ea typeface="+mj-ea"/>
+              </a:rPr>
+              <a:t> </a:t>
+            </a:r>
+            <a:r>
+              <a:rPr kumimoji="1" lang="en-US" altLang="zh-CN" sz="3200" dirty="0" smtClean="0">
+                <a:latin typeface="+mj-ea"/>
+                <a:ea typeface="+mj-ea"/>
+              </a:rPr>
+              <a:t>as</a:t>
+            </a:r>
+            <a:r>
+              <a:rPr kumimoji="1" lang="zh-CN" altLang="en-US" sz="3200" dirty="0" smtClean="0">
+                <a:latin typeface="+mj-ea"/>
+                <a:ea typeface="+mj-ea"/>
+              </a:rPr>
+              <a:t> </a:t>
+            </a:r>
+            <a:r>
+              <a:rPr kumimoji="1" lang="en-US" altLang="zh-CN" sz="3200" dirty="0" smtClean="0">
+                <a:latin typeface="+mj-ea"/>
+                <a:ea typeface="+mj-ea"/>
+              </a:rPr>
+              <a:t>a</a:t>
+            </a:r>
+            <a:r>
+              <a:rPr kumimoji="1" lang="zh-CN" altLang="en-US" sz="3200" dirty="0" smtClean="0">
+                <a:latin typeface="+mj-ea"/>
+                <a:ea typeface="+mj-ea"/>
+              </a:rPr>
+              <a:t> </a:t>
+            </a:r>
+            <a:r>
+              <a:rPr kumimoji="1" lang="en-US" altLang="zh-CN" sz="3200" dirty="0" smtClean="0">
+                <a:latin typeface="+mj-ea"/>
+                <a:ea typeface="+mj-ea"/>
+              </a:rPr>
+              <a:t>method</a:t>
+            </a:r>
+          </a:p>
+          <a:p>
+            <a:pPr>
+              <a:buFont typeface="Wingdings" charset="2"/>
+              <a:buChar char="Ø"/>
+            </a:pPr>
+            <a:r>
+              <a:rPr kumimoji="1" lang="zh-CN" altLang="zh-CN" sz="3200" dirty="0" smtClean="0">
+                <a:latin typeface="+mj-ea"/>
+                <a:ea typeface="+mj-ea"/>
+              </a:rPr>
+              <a:t>I</a:t>
+            </a:r>
+            <a:r>
+              <a:rPr kumimoji="1" lang="en-US" altLang="zh-CN" sz="3200" dirty="0" err="1" smtClean="0">
+                <a:latin typeface="+mj-ea"/>
+                <a:ea typeface="+mj-ea"/>
+              </a:rPr>
+              <a:t>nvokde</a:t>
+            </a:r>
+            <a:r>
+              <a:rPr kumimoji="1" lang="zh-CN" altLang="en-US" sz="3200" dirty="0" smtClean="0">
+                <a:latin typeface="+mj-ea"/>
+                <a:ea typeface="+mj-ea"/>
+              </a:rPr>
+              <a:t> </a:t>
+            </a:r>
+            <a:r>
+              <a:rPr kumimoji="1" lang="en-US" altLang="zh-CN" sz="3200" dirty="0" smtClean="0">
+                <a:latin typeface="+mj-ea"/>
+                <a:ea typeface="+mj-ea"/>
+              </a:rPr>
+              <a:t>as</a:t>
+            </a:r>
+            <a:r>
+              <a:rPr kumimoji="1" lang="zh-CN" altLang="en-US" sz="3200" dirty="0" smtClean="0">
+                <a:latin typeface="+mj-ea"/>
+                <a:ea typeface="+mj-ea"/>
+              </a:rPr>
+              <a:t> </a:t>
+            </a:r>
+            <a:r>
+              <a:rPr kumimoji="1" lang="en-US" altLang="zh-CN" sz="3200" dirty="0" smtClean="0">
+                <a:latin typeface="+mj-ea"/>
+                <a:ea typeface="+mj-ea"/>
+              </a:rPr>
+              <a:t>a</a:t>
+            </a:r>
+            <a:r>
+              <a:rPr kumimoji="1" lang="zh-CN" altLang="en-US" sz="3200" dirty="0" smtClean="0">
+                <a:latin typeface="+mj-ea"/>
+                <a:ea typeface="+mj-ea"/>
+              </a:rPr>
+              <a:t> </a:t>
+            </a:r>
+            <a:r>
+              <a:rPr kumimoji="1" lang="en-US" altLang="zh-CN" sz="3200" dirty="0" smtClean="0">
+                <a:latin typeface="+mj-ea"/>
+                <a:ea typeface="+mj-ea"/>
+              </a:rPr>
+              <a:t>constructor</a:t>
+            </a:r>
+          </a:p>
+          <a:p>
+            <a:pPr>
+              <a:buFont typeface="Wingdings" charset="2"/>
+              <a:buChar char="Ø"/>
+            </a:pPr>
+            <a:r>
+              <a:rPr kumimoji="1" lang="en-US" altLang="zh-CN" sz="3200" dirty="0" smtClean="0">
+                <a:latin typeface="+mj-ea"/>
+                <a:ea typeface="+mj-ea"/>
+              </a:rPr>
+              <a:t>Via</a:t>
+            </a:r>
+            <a:r>
+              <a:rPr kumimoji="1" lang="zh-CN" altLang="en-US" sz="3200" dirty="0" smtClean="0">
+                <a:latin typeface="+mj-ea"/>
+                <a:ea typeface="+mj-ea"/>
+              </a:rPr>
+              <a:t> </a:t>
+            </a:r>
+            <a:r>
+              <a:rPr kumimoji="1" lang="en-US" altLang="zh-CN" sz="3200" dirty="0" smtClean="0">
+                <a:latin typeface="+mj-ea"/>
+                <a:ea typeface="+mj-ea"/>
+              </a:rPr>
+              <a:t>apply()</a:t>
+            </a:r>
+            <a:r>
+              <a:rPr kumimoji="1" lang="zh-CN" altLang="en-US" sz="3200" dirty="0" smtClean="0">
+                <a:latin typeface="+mj-ea"/>
+                <a:ea typeface="+mj-ea"/>
+              </a:rPr>
+              <a:t> </a:t>
+            </a:r>
+            <a:r>
+              <a:rPr kumimoji="1" lang="en-US" altLang="zh-CN" sz="3200" dirty="0" smtClean="0">
+                <a:latin typeface="+mj-ea"/>
+                <a:ea typeface="+mj-ea"/>
+              </a:rPr>
+              <a:t>and</a:t>
+            </a:r>
+            <a:r>
+              <a:rPr kumimoji="1" lang="zh-CN" altLang="en-US" sz="3200" dirty="0" smtClean="0">
+                <a:latin typeface="+mj-ea"/>
+                <a:ea typeface="+mj-ea"/>
+              </a:rPr>
+              <a:t> </a:t>
+            </a:r>
+            <a:r>
+              <a:rPr kumimoji="1" lang="en-US" altLang="zh-CN" sz="3200" dirty="0" smtClean="0">
+                <a:latin typeface="+mj-ea"/>
+                <a:ea typeface="+mj-ea"/>
+              </a:rPr>
+              <a:t>call()</a:t>
+            </a:r>
+            <a:r>
+              <a:rPr kumimoji="1" lang="zh-CN" altLang="en-US" sz="3200" dirty="0" smtClean="0">
+                <a:latin typeface="+mj-ea"/>
+                <a:ea typeface="+mj-ea"/>
+              </a:rPr>
+              <a:t> </a:t>
+            </a:r>
+            <a:r>
+              <a:rPr kumimoji="1" lang="en-US" altLang="zh-CN" sz="3200" dirty="0" smtClean="0">
+                <a:latin typeface="+mj-ea"/>
+                <a:ea typeface="+mj-ea"/>
+              </a:rPr>
+              <a:t>methods</a:t>
+            </a:r>
+            <a:endParaRPr kumimoji="1" lang="zh-CN" altLang="en-US" sz="3200" dirty="0">
+              <a:latin typeface="+mj-ea"/>
+              <a:ea typeface="+mj-ea"/>
+            </a:endParaRPr>
+          </a:p>
+        </p:txBody>
+      </p:sp>
+      <p:sp>
+        <p:nvSpPr>
+          <p:cNvPr id="2" name="标题 1"/>
+          <p:cNvSpPr>
+            <a:spLocks noGrp="1"/>
+          </p:cNvSpPr>
+          <p:nvPr>
+            <p:ph type="title"/>
+          </p:nvPr>
+        </p:nvSpPr>
+        <p:spPr/>
+        <p:txBody>
+          <a:bodyPr>
+            <a:normAutofit/>
+          </a:bodyPr>
+          <a:lstStyle/>
+          <a:p>
+            <a:r>
+              <a:rPr kumimoji="1" lang="zh-CN" altLang="en-US" dirty="0" smtClean="0">
+                <a:latin typeface="Heiti SC Light"/>
+                <a:ea typeface="Heiti SC Light"/>
+                <a:cs typeface="Heiti SC Light"/>
+              </a:rPr>
+              <a:t>如何调用函数？</a:t>
+            </a:r>
+            <a:endParaRPr kumimoji="1" lang="zh-CN" altLang="en-US" dirty="0">
+              <a:latin typeface="Heiti SC Light"/>
+              <a:ea typeface="Heiti SC Light"/>
+              <a:cs typeface="Heiti SC Light"/>
+            </a:endParaRPr>
+          </a:p>
+        </p:txBody>
+      </p:sp>
+      <p:sp>
+        <p:nvSpPr>
+          <p:cNvPr id="4" name="副标题 2"/>
+          <p:cNvSpPr txBox="1">
+            <a:spLocks/>
+          </p:cNvSpPr>
+          <p:nvPr/>
+        </p:nvSpPr>
+        <p:spPr>
+          <a:xfrm>
+            <a:off x="690032" y="1651180"/>
+            <a:ext cx="7772400" cy="4153985"/>
+          </a:xfrm>
+          <a:prstGeom prst="rect">
+            <a:avLst/>
+          </a:prstGeom>
+        </p:spPr>
+        <p:txBody>
+          <a:bodyPr vert="horz" lIns="91440" tIns="45720" rIns="91440" bIns="45720" rtlCol="0" anchor="b">
+            <a:normAutofit/>
+          </a:bodyPr>
+          <a:lstStyle>
+            <a:lvl1pPr marL="0" indent="0" algn="ctr" defTabSz="914400" rtl="0" eaLnBrk="1" latinLnBrk="0" hangingPunct="1">
+              <a:spcBef>
+                <a:spcPct val="20000"/>
+              </a:spcBef>
+              <a:buClr>
+                <a:schemeClr val="accent1"/>
+              </a:buClr>
+              <a:buSzPct val="100000"/>
+              <a:buFont typeface="Symbol" pitchFamily="18" charset="2"/>
+              <a:buNone/>
+              <a:defRPr sz="2000" kern="1200">
+                <a:solidFill>
+                  <a:srgbClr val="FFFFFF"/>
+                </a:solidFill>
+                <a:latin typeface="+mn-lt"/>
+                <a:ea typeface="+mn-ea"/>
+                <a:cs typeface="+mn-cs"/>
+              </a:defRPr>
+            </a:lvl1pPr>
+            <a:lvl2pPr marL="457200" indent="0" algn="l" defTabSz="914400" rtl="0" eaLnBrk="1" latinLnBrk="0" hangingPunct="1">
+              <a:spcBef>
+                <a:spcPct val="20000"/>
+              </a:spcBef>
+              <a:buClr>
+                <a:schemeClr val="accent1"/>
+              </a:buClr>
+              <a:buSzPct val="100000"/>
+              <a:buFont typeface="Symbol" pitchFamily="18" charset="2"/>
+              <a:buNone/>
+              <a:defRPr sz="1800" kern="1200">
+                <a:solidFill>
+                  <a:schemeClr val="tx1">
+                    <a:tint val="75000"/>
+                  </a:schemeClr>
+                </a:solidFill>
+                <a:latin typeface="+mn-lt"/>
+                <a:ea typeface="+mn-ea"/>
+                <a:cs typeface="+mn-cs"/>
+              </a:defRPr>
+            </a:lvl2pPr>
+            <a:lvl3pPr marL="914400" indent="0" algn="l" defTabSz="914400" rtl="0" eaLnBrk="1" latinLnBrk="0" hangingPunct="1">
+              <a:spcBef>
+                <a:spcPct val="20000"/>
+              </a:spcBef>
+              <a:buClr>
+                <a:schemeClr val="accent1"/>
+              </a:buClr>
+              <a:buSzPct val="100000"/>
+              <a:buFont typeface="Symbol" pitchFamily="18" charset="2"/>
+              <a:buNone/>
+              <a:defRPr sz="1600" kern="1200">
+                <a:solidFill>
+                  <a:schemeClr val="tx1">
+                    <a:tint val="75000"/>
+                  </a:schemeClr>
+                </a:solidFill>
+                <a:latin typeface="+mn-lt"/>
+                <a:ea typeface="+mn-ea"/>
+                <a:cs typeface="+mn-cs"/>
+              </a:defRPr>
+            </a:lvl3pPr>
+            <a:lvl4pPr marL="1371600" indent="0" algn="l" defTabSz="914400" rtl="0" eaLnBrk="1" latinLnBrk="0" hangingPunct="1">
+              <a:spcBef>
+                <a:spcPct val="20000"/>
+              </a:spcBef>
+              <a:buClr>
+                <a:schemeClr val="accent1"/>
+              </a:buClr>
+              <a:buSzPct val="100000"/>
+              <a:buFont typeface="Symbol" pitchFamily="18" charset="2"/>
+              <a:buNone/>
+              <a:defRPr sz="1400" kern="1200">
+                <a:solidFill>
+                  <a:schemeClr val="tx1">
+                    <a:tint val="75000"/>
+                  </a:schemeClr>
+                </a:solidFill>
+                <a:latin typeface="+mn-lt"/>
+                <a:ea typeface="+mn-ea"/>
+                <a:cs typeface="+mn-cs"/>
+              </a:defRPr>
+            </a:lvl4pPr>
+            <a:lvl5pPr marL="1828800" indent="0" algn="l" defTabSz="914400" rtl="0" eaLnBrk="1" latinLnBrk="0" hangingPunct="1">
+              <a:spcBef>
+                <a:spcPct val="20000"/>
+              </a:spcBef>
+              <a:buClr>
+                <a:schemeClr val="accent1"/>
+              </a:buClr>
+              <a:buSzPct val="100000"/>
+              <a:buFont typeface="Symbol" pitchFamily="18" charset="2"/>
+              <a:buNone/>
+              <a:defRPr sz="1400" kern="1200">
+                <a:solidFill>
+                  <a:schemeClr val="tx1">
+                    <a:tint val="75000"/>
+                  </a:schemeClr>
+                </a:solidFill>
+                <a:latin typeface="+mn-lt"/>
+                <a:ea typeface="+mn-ea"/>
+                <a:cs typeface="+mn-cs"/>
+              </a:defRPr>
+            </a:lvl5pPr>
+            <a:lvl6pPr marL="2286000" indent="0" algn="l" defTabSz="914400" rtl="0" eaLnBrk="1" latinLnBrk="0" hangingPunct="1">
+              <a:spcBef>
+                <a:spcPts val="384"/>
+              </a:spcBef>
+              <a:buClr>
+                <a:schemeClr val="accent1"/>
+              </a:buClr>
+              <a:buFont typeface="Symbol" pitchFamily="18" charset="2"/>
+              <a:buNone/>
+              <a:defRPr sz="1400" kern="1200">
+                <a:solidFill>
+                  <a:schemeClr val="tx1">
+                    <a:tint val="75000"/>
+                  </a:schemeClr>
+                </a:solidFill>
+                <a:latin typeface="+mn-lt"/>
+                <a:ea typeface="+mn-ea"/>
+                <a:cs typeface="+mn-cs"/>
+              </a:defRPr>
+            </a:lvl6pPr>
+            <a:lvl7pPr marL="2743200" indent="0" algn="l" defTabSz="914400" rtl="0" eaLnBrk="1" latinLnBrk="0" hangingPunct="1">
+              <a:spcBef>
+                <a:spcPts val="384"/>
+              </a:spcBef>
+              <a:buClr>
+                <a:schemeClr val="accent1"/>
+              </a:buClr>
+              <a:buFont typeface="Symbol" pitchFamily="18" charset="2"/>
+              <a:buNone/>
+              <a:defRPr sz="1400" kern="1200">
+                <a:solidFill>
+                  <a:schemeClr val="tx1">
+                    <a:tint val="75000"/>
+                  </a:schemeClr>
+                </a:solidFill>
+                <a:latin typeface="+mn-lt"/>
+                <a:ea typeface="+mn-ea"/>
+                <a:cs typeface="+mn-cs"/>
+              </a:defRPr>
+            </a:lvl7pPr>
+            <a:lvl8pPr marL="3200400" indent="0" algn="l" defTabSz="914400" rtl="0" eaLnBrk="1" latinLnBrk="0" hangingPunct="1">
+              <a:spcBef>
+                <a:spcPts val="384"/>
+              </a:spcBef>
+              <a:buClr>
+                <a:schemeClr val="accent1"/>
+              </a:buClr>
+              <a:buFont typeface="Symbol" pitchFamily="18" charset="2"/>
+              <a:buNone/>
+              <a:defRPr sz="1400" kern="1200">
+                <a:solidFill>
+                  <a:schemeClr val="tx1">
+                    <a:tint val="75000"/>
+                  </a:schemeClr>
+                </a:solidFill>
+                <a:latin typeface="+mn-lt"/>
+                <a:ea typeface="+mn-ea"/>
+                <a:cs typeface="+mn-cs"/>
+              </a:defRPr>
+            </a:lvl8pPr>
+            <a:lvl9pPr marL="3657600" indent="0" algn="l" defTabSz="914400" rtl="0" eaLnBrk="1" latinLnBrk="0" hangingPunct="1">
+              <a:spcBef>
+                <a:spcPts val="384"/>
+              </a:spcBef>
+              <a:buClr>
+                <a:schemeClr val="accent1"/>
+              </a:buClr>
+              <a:buFont typeface="Symbol" pitchFamily="18" charset="2"/>
+              <a:buNone/>
+              <a:defRPr sz="1400" kern="1200">
+                <a:solidFill>
+                  <a:schemeClr val="tx1">
+                    <a:tint val="75000"/>
+                  </a:schemeClr>
+                </a:solidFill>
+                <a:latin typeface="+mn-lt"/>
+                <a:ea typeface="+mn-ea"/>
+                <a:cs typeface="+mn-cs"/>
+              </a:defRPr>
+            </a:lvl9pPr>
+          </a:lstStyle>
+          <a:p>
+            <a:endParaRPr kumimoji="1" lang="zh-CN" altLang="en-US" dirty="0">
+              <a:solidFill>
+                <a:schemeClr val="tx1"/>
+              </a:solidFill>
+            </a:endParaRPr>
+          </a:p>
+        </p:txBody>
+      </p:sp>
+    </p:spTree>
+    <p:extLst>
+      <p:ext uri="{BB962C8B-B14F-4D97-AF65-F5344CB8AC3E}">
+        <p14:creationId xmlns:p14="http://schemas.microsoft.com/office/powerpoint/2010/main" val="696209314"/>
+      </p:ext>
+    </p:extLst>
+  </p:cSld>
+  <p:clrMapOvr>
+    <a:masterClrMapping/>
+  </p:clrMapOvr>
+  <p:timing>
+    <p:tnLst>
+      <p:par>
+        <p:cTn xmlns:p14="http://schemas.microsoft.com/office/powerpoint/2010/main" id="1" dur="indefinite" restart="never" nodeType="tmRoot"/>
+      </p:par>
+    </p:tnLst>
+  </p:timing>
+</p:sld>
+</file>
+
+<file path=ppt/slides/slide16.xml><?xml version="1.0" encoding="utf-8"?>
+<p:sld xmlns:a="http://schemas.openxmlformats.org/drawingml/2006/main" xmlns:r="http://schemas.openxmlformats.org/officeDocument/2006/relationships" xmlns:p="http://schemas.openxmlformats.org/presentationml/2006/main">
+  <p:cSld>
+    <p:spTree>
+      <p:nvGrpSpPr>
+        <p:cNvPr id="1" name=""/>
+        <p:cNvGrpSpPr/>
+        <p:nvPr/>
+      </p:nvGrpSpPr>
+      <p:grpSpPr>
+        <a:xfrm>
+          <a:off x="0" y="0"/>
+          <a:ext cx="0" cy="0"/>
+          <a:chOff x="0" y="0"/>
+          <a:chExt cx="0" cy="0"/>
+        </a:xfrm>
+      </p:grpSpPr>
+      <p:sp>
+        <p:nvSpPr>
+          <p:cNvPr id="3" name="内容占位符 2"/>
+          <p:cNvSpPr>
+            <a:spLocks noGrp="1"/>
+          </p:cNvSpPr>
+          <p:nvPr>
+            <p:ph idx="1"/>
+          </p:nvPr>
+        </p:nvSpPr>
+        <p:spPr>
+          <a:xfrm>
+            <a:off x="872067" y="2449054"/>
+            <a:ext cx="7408333" cy="3677109"/>
+          </a:xfrm>
+        </p:spPr>
+        <p:txBody>
+          <a:bodyPr>
+            <a:normAutofit fontScale="77500" lnSpcReduction="20000"/>
+          </a:bodyPr>
+          <a:lstStyle/>
+          <a:p>
+            <a:pPr>
+              <a:buFont typeface="Wingdings" charset="2"/>
+              <a:buChar char="Ø"/>
+            </a:pPr>
+            <a:r>
+              <a:rPr kumimoji="1" lang="zh-CN" altLang="zh-CN" sz="3200" dirty="0" smtClean="0">
+                <a:latin typeface="+mj-ea"/>
+                <a:ea typeface="+mj-ea"/>
+              </a:rPr>
+              <a:t>a</a:t>
+            </a:r>
+            <a:r>
+              <a:rPr kumimoji="1" lang="en-US" altLang="zh-CN" sz="3200" dirty="0" err="1" smtClean="0">
+                <a:latin typeface="+mj-ea"/>
+                <a:ea typeface="+mj-ea"/>
+              </a:rPr>
+              <a:t>rgument</a:t>
+            </a:r>
+            <a:r>
+              <a:rPr kumimoji="1" lang="zh-CN" altLang="en-US" sz="3200" dirty="0" smtClean="0">
+                <a:latin typeface="+mj-ea"/>
+                <a:ea typeface="+mj-ea"/>
+              </a:rPr>
+              <a:t>s和</a:t>
+            </a:r>
+            <a:r>
+              <a:rPr kumimoji="1" lang="en-US" altLang="zh-CN" sz="3200" dirty="0" smtClean="0">
+                <a:latin typeface="+mj-ea"/>
+                <a:ea typeface="+mj-ea"/>
+              </a:rPr>
+              <a:t>parameters</a:t>
+            </a:r>
+            <a:r>
+              <a:rPr kumimoji="1" lang="zh-CN" altLang="en-US" sz="3200" dirty="0" smtClean="0">
+                <a:latin typeface="+mj-ea"/>
+                <a:ea typeface="+mj-ea"/>
+              </a:rPr>
+              <a:t>的区别</a:t>
+            </a:r>
+            <a:endParaRPr kumimoji="1" lang="en-US" altLang="zh-CN" sz="3200" dirty="0" smtClean="0">
+              <a:latin typeface="+mj-ea"/>
+              <a:ea typeface="+mj-ea"/>
+            </a:endParaRPr>
+          </a:p>
+          <a:p>
+            <a:pPr lvl="1">
+              <a:buFont typeface="Wingdings" charset="2"/>
+              <a:buChar char="Ø"/>
+            </a:pPr>
+            <a:r>
+              <a:rPr kumimoji="1" lang="zh-CN" altLang="zh-CN" sz="3000" dirty="0" smtClean="0">
+                <a:latin typeface="+mj-ea"/>
+                <a:ea typeface="+mj-ea"/>
+              </a:rPr>
+              <a:t>f</a:t>
+            </a:r>
+            <a:r>
+              <a:rPr kumimoji="1" lang="en-US" altLang="zh-CN" sz="3000" dirty="0" smtClean="0">
+                <a:latin typeface="+mj-ea"/>
+                <a:ea typeface="+mj-ea"/>
+              </a:rPr>
+              <a:t>unction</a:t>
+            </a:r>
+            <a:r>
+              <a:rPr kumimoji="1" lang="zh-CN" altLang="en-US" sz="3000" dirty="0" smtClean="0">
+                <a:latin typeface="+mj-ea"/>
+                <a:ea typeface="+mj-ea"/>
+              </a:rPr>
+              <a:t> </a:t>
+            </a:r>
+            <a:r>
+              <a:rPr kumimoji="1" lang="en-US" altLang="zh-CN" sz="3000" dirty="0" smtClean="0">
+                <a:latin typeface="+mj-ea"/>
+                <a:ea typeface="+mj-ea"/>
+              </a:rPr>
+              <a:t>whatever(a,</a:t>
+            </a:r>
+            <a:r>
+              <a:rPr kumimoji="1" lang="zh-CN" altLang="en-US" sz="3000" dirty="0" smtClean="0">
+                <a:latin typeface="+mj-ea"/>
+                <a:ea typeface="+mj-ea"/>
+              </a:rPr>
+              <a:t> </a:t>
+            </a:r>
+            <a:r>
+              <a:rPr kumimoji="1" lang="en-US" altLang="zh-CN" sz="3000" dirty="0" smtClean="0">
+                <a:latin typeface="+mj-ea"/>
+                <a:ea typeface="+mj-ea"/>
+              </a:rPr>
+              <a:t>b){}</a:t>
+            </a:r>
+          </a:p>
+          <a:p>
+            <a:pPr lvl="1">
+              <a:buFont typeface="Wingdings" charset="2"/>
+              <a:buChar char="Ø"/>
+            </a:pPr>
+            <a:r>
+              <a:rPr kumimoji="1" lang="zh-CN" altLang="zh-CN" sz="3000" dirty="0">
+                <a:latin typeface="+mj-ea"/>
+                <a:ea typeface="+mj-ea"/>
+              </a:rPr>
+              <a:t>w</a:t>
+            </a:r>
+            <a:r>
+              <a:rPr kumimoji="1" lang="zh-CN" altLang="zh-CN" sz="3000" dirty="0" smtClean="0">
+                <a:latin typeface="+mj-ea"/>
+                <a:ea typeface="+mj-ea"/>
+              </a:rPr>
+              <a:t>h</a:t>
+            </a:r>
+            <a:r>
+              <a:rPr kumimoji="1" lang="en-US" altLang="zh-CN" sz="3000" dirty="0" err="1" smtClean="0">
+                <a:latin typeface="+mj-ea"/>
+                <a:ea typeface="+mj-ea"/>
+              </a:rPr>
+              <a:t>atever</a:t>
+            </a:r>
+            <a:r>
+              <a:rPr kumimoji="1" lang="en-US" altLang="zh-CN" sz="3000" dirty="0" smtClean="0">
+                <a:latin typeface="+mj-ea"/>
+                <a:ea typeface="+mj-ea"/>
+              </a:rPr>
+              <a:t>(1,</a:t>
+            </a:r>
+            <a:r>
+              <a:rPr kumimoji="1" lang="zh-CN" altLang="en-US" sz="3000" dirty="0" smtClean="0">
+                <a:latin typeface="+mj-ea"/>
+                <a:ea typeface="+mj-ea"/>
+              </a:rPr>
+              <a:t> </a:t>
+            </a:r>
+            <a:r>
+              <a:rPr kumimoji="1" lang="en-US" altLang="zh-CN" sz="3000" dirty="0" smtClean="0">
+                <a:latin typeface="+mj-ea"/>
+                <a:ea typeface="+mj-ea"/>
+              </a:rPr>
+              <a:t>2,</a:t>
+            </a:r>
+            <a:r>
+              <a:rPr kumimoji="1" lang="zh-CN" altLang="en-US" sz="3000" dirty="0" smtClean="0">
+                <a:latin typeface="+mj-ea"/>
+                <a:ea typeface="+mj-ea"/>
+              </a:rPr>
+              <a:t> </a:t>
+            </a:r>
+            <a:r>
+              <a:rPr kumimoji="1" lang="en-US" altLang="zh-CN" sz="3000" dirty="0" smtClean="0">
+                <a:latin typeface="+mj-ea"/>
+                <a:ea typeface="+mj-ea"/>
+              </a:rPr>
+              <a:t>3,</a:t>
+            </a:r>
+            <a:r>
+              <a:rPr kumimoji="1" lang="zh-CN" altLang="en-US" sz="3000" dirty="0" smtClean="0">
+                <a:latin typeface="+mj-ea"/>
+                <a:ea typeface="+mj-ea"/>
+              </a:rPr>
+              <a:t> </a:t>
+            </a:r>
+            <a:r>
+              <a:rPr kumimoji="1" lang="en-US" altLang="zh-CN" sz="3000" dirty="0" smtClean="0">
+                <a:latin typeface="+mj-ea"/>
+                <a:ea typeface="+mj-ea"/>
+              </a:rPr>
+              <a:t>4); </a:t>
+            </a:r>
+          </a:p>
+          <a:p>
+            <a:pPr lvl="2">
+              <a:buFont typeface="Wingdings" charset="2"/>
+              <a:buChar char="Ø"/>
+            </a:pPr>
+            <a:r>
+              <a:rPr kumimoji="1" lang="en-US" altLang="zh-CN" sz="2800" dirty="0" smtClean="0">
+                <a:latin typeface="+mj-ea"/>
+                <a:ea typeface="+mj-ea"/>
+              </a:rPr>
+              <a:t>1</a:t>
+            </a:r>
+            <a:r>
+              <a:rPr kumimoji="1" lang="zh-CN" altLang="en-US" sz="2800" dirty="0" smtClean="0">
+                <a:latin typeface="+mj-ea"/>
+                <a:ea typeface="+mj-ea"/>
+              </a:rPr>
+              <a:t>赋给</a:t>
+            </a:r>
+            <a:r>
+              <a:rPr kumimoji="1" lang="en-US" altLang="zh-CN" sz="2800" dirty="0" smtClean="0">
+                <a:latin typeface="+mj-ea"/>
+                <a:ea typeface="+mj-ea"/>
+              </a:rPr>
+              <a:t>a,</a:t>
+            </a:r>
+            <a:r>
+              <a:rPr kumimoji="1" lang="zh-CN" altLang="en-US" sz="2800" dirty="0" smtClean="0">
+                <a:latin typeface="+mj-ea"/>
+                <a:ea typeface="+mj-ea"/>
+              </a:rPr>
+              <a:t> </a:t>
+            </a:r>
+            <a:r>
+              <a:rPr kumimoji="1" lang="zh-CN" altLang="zh-CN" sz="2800" dirty="0" smtClean="0">
+                <a:latin typeface="+mj-ea"/>
+                <a:ea typeface="+mj-ea"/>
+              </a:rPr>
+              <a:t>2</a:t>
+            </a:r>
+            <a:r>
+              <a:rPr kumimoji="1" lang="zh-CN" altLang="en-US" sz="2800" dirty="0" smtClean="0">
+                <a:latin typeface="+mj-ea"/>
+                <a:ea typeface="+mj-ea"/>
+              </a:rPr>
+              <a:t>赋给</a:t>
+            </a:r>
+            <a:r>
+              <a:rPr kumimoji="1" lang="en-US" altLang="zh-CN" sz="2800" dirty="0" smtClean="0">
+                <a:latin typeface="+mj-ea"/>
+                <a:ea typeface="+mj-ea"/>
+              </a:rPr>
+              <a:t>b,</a:t>
+            </a:r>
+            <a:r>
+              <a:rPr kumimoji="1" lang="zh-CN" altLang="en-US" sz="2800" dirty="0" smtClean="0">
+                <a:latin typeface="+mj-ea"/>
+                <a:ea typeface="+mj-ea"/>
+              </a:rPr>
+              <a:t> </a:t>
+            </a:r>
+            <a:r>
+              <a:rPr kumimoji="1" lang="en-US" altLang="zh-CN" sz="2800" dirty="0" smtClean="0">
+                <a:latin typeface="+mj-ea"/>
+                <a:ea typeface="+mj-ea"/>
+              </a:rPr>
+              <a:t>3,4</a:t>
+            </a:r>
+            <a:r>
+              <a:rPr kumimoji="1" lang="zh-CN" altLang="en-US" sz="2800" dirty="0" smtClean="0">
+                <a:latin typeface="+mj-ea"/>
+                <a:ea typeface="+mj-ea"/>
+              </a:rPr>
+              <a:t>未赋给任何参数，但不是说</a:t>
+            </a:r>
+            <a:r>
+              <a:rPr kumimoji="1" lang="en-US" altLang="zh-CN" sz="2800" dirty="0" smtClean="0">
+                <a:latin typeface="+mj-ea"/>
+                <a:ea typeface="+mj-ea"/>
+              </a:rPr>
+              <a:t>3</a:t>
+            </a:r>
+            <a:r>
+              <a:rPr kumimoji="1" lang="zh-CN" altLang="en-US" sz="2800" dirty="0" smtClean="0">
+                <a:latin typeface="+mj-ea"/>
+                <a:ea typeface="+mj-ea"/>
+              </a:rPr>
+              <a:t>，</a:t>
+            </a:r>
+            <a:r>
+              <a:rPr kumimoji="1" lang="en-US" altLang="zh-CN" sz="2800" dirty="0" smtClean="0">
+                <a:latin typeface="+mj-ea"/>
+                <a:ea typeface="+mj-ea"/>
+              </a:rPr>
+              <a:t>4</a:t>
+            </a:r>
+            <a:r>
+              <a:rPr kumimoji="1" lang="zh-CN" altLang="en-US" sz="2800" dirty="0" smtClean="0">
+                <a:latin typeface="+mj-ea"/>
+                <a:ea typeface="+mj-ea"/>
+              </a:rPr>
+              <a:t>没有传递给</a:t>
+            </a:r>
+            <a:r>
+              <a:rPr kumimoji="1" lang="en-US" altLang="zh-CN" sz="2800" dirty="0" smtClean="0">
+                <a:latin typeface="+mj-ea"/>
+                <a:ea typeface="+mj-ea"/>
+              </a:rPr>
+              <a:t>whatever</a:t>
+            </a:r>
+            <a:r>
+              <a:rPr kumimoji="1" lang="zh-CN" altLang="en-US" sz="2800" dirty="0" smtClean="0">
+                <a:latin typeface="+mj-ea"/>
+                <a:ea typeface="+mj-ea"/>
+              </a:rPr>
+              <a:t>函数</a:t>
+            </a:r>
+            <a:endParaRPr kumimoji="1" lang="en-US" altLang="zh-CN" sz="2800" dirty="0" smtClean="0">
+              <a:latin typeface="+mj-ea"/>
+              <a:ea typeface="+mj-ea"/>
+            </a:endParaRPr>
+          </a:p>
+          <a:p>
+            <a:pPr lvl="1">
+              <a:buFont typeface="Wingdings" charset="2"/>
+              <a:buChar char="Ø"/>
+            </a:pPr>
+            <a:r>
+              <a:rPr kumimoji="1" lang="zh-CN" altLang="zh-CN" sz="3000" dirty="0">
+                <a:latin typeface="+mj-ea"/>
+                <a:ea typeface="+mj-ea"/>
+              </a:rPr>
+              <a:t>w</a:t>
+            </a:r>
+            <a:r>
+              <a:rPr kumimoji="1" lang="en-US" altLang="zh-CN" sz="3000" dirty="0" err="1" smtClean="0">
+                <a:latin typeface="+mj-ea"/>
+                <a:ea typeface="+mj-ea"/>
+              </a:rPr>
+              <a:t>hatever</a:t>
+            </a:r>
+            <a:r>
+              <a:rPr kumimoji="1" lang="en-US" altLang="zh-CN" sz="3000" dirty="0" smtClean="0">
+                <a:latin typeface="+mj-ea"/>
+                <a:ea typeface="+mj-ea"/>
+              </a:rPr>
+              <a:t>(1);</a:t>
+            </a:r>
+          </a:p>
+          <a:p>
+            <a:pPr lvl="2">
+              <a:buFont typeface="Wingdings" charset="2"/>
+              <a:buChar char="Ø"/>
+            </a:pPr>
+            <a:r>
+              <a:rPr kumimoji="1" lang="en-US" altLang="zh-CN" sz="2800" dirty="0" smtClean="0">
+                <a:latin typeface="+mj-ea"/>
+                <a:ea typeface="+mj-ea"/>
+              </a:rPr>
+              <a:t>a=1,</a:t>
+            </a:r>
+            <a:r>
+              <a:rPr kumimoji="1" lang="zh-CN" altLang="en-US" sz="2800" dirty="0" smtClean="0">
+                <a:latin typeface="+mj-ea"/>
+                <a:ea typeface="+mj-ea"/>
+              </a:rPr>
+              <a:t> </a:t>
+            </a:r>
+            <a:r>
+              <a:rPr kumimoji="1" lang="en-US" altLang="zh-CN" sz="2800" dirty="0" smtClean="0">
+                <a:latin typeface="+mj-ea"/>
+                <a:ea typeface="+mj-ea"/>
+              </a:rPr>
+              <a:t>b=</a:t>
+            </a:r>
+            <a:r>
+              <a:rPr kumimoji="1" lang="zh-CN" altLang="en-US" sz="2800" dirty="0" smtClean="0">
+                <a:latin typeface="+mj-ea"/>
+                <a:ea typeface="+mj-ea"/>
+              </a:rPr>
+              <a:t>u</a:t>
+            </a:r>
+            <a:r>
+              <a:rPr kumimoji="1" lang="en-US" altLang="zh-CN" sz="2800" dirty="0" err="1" smtClean="0">
+                <a:latin typeface="+mj-ea"/>
+                <a:ea typeface="+mj-ea"/>
+              </a:rPr>
+              <a:t>ndefined</a:t>
+            </a:r>
+            <a:endParaRPr kumimoji="1" lang="en-US" altLang="zh-CN" sz="2800" dirty="0" smtClean="0">
+              <a:latin typeface="+mj-ea"/>
+              <a:ea typeface="+mj-ea"/>
+            </a:endParaRPr>
+          </a:p>
+          <a:p>
+            <a:pPr>
+              <a:buFont typeface="Wingdings" charset="2"/>
+              <a:buChar char="Ø"/>
+            </a:pPr>
+            <a:r>
+              <a:rPr kumimoji="1" lang="zh-CN" altLang="en-US" sz="3200" dirty="0" smtClean="0">
+                <a:latin typeface="+mj-ea"/>
+                <a:ea typeface="+mj-ea"/>
+              </a:rPr>
+              <a:t>所有的函数调用都有隐式的两个参数：</a:t>
+            </a:r>
+            <a:endParaRPr kumimoji="1" lang="en-US" altLang="zh-CN" sz="3200" dirty="0" smtClean="0">
+              <a:latin typeface="+mj-ea"/>
+              <a:ea typeface="+mj-ea"/>
+            </a:endParaRPr>
+          </a:p>
+          <a:p>
+            <a:pPr lvl="1">
+              <a:buFont typeface="Wingdings" charset="2"/>
+              <a:buChar char="Ø"/>
+            </a:pPr>
+            <a:r>
+              <a:rPr kumimoji="1" lang="zh-CN" altLang="zh-CN" sz="3000" dirty="0" smtClean="0">
+                <a:latin typeface="+mj-ea"/>
+                <a:ea typeface="+mj-ea"/>
+              </a:rPr>
+              <a:t>a</a:t>
+            </a:r>
+            <a:r>
+              <a:rPr kumimoji="1" lang="en-US" altLang="zh-CN" sz="3000" dirty="0" err="1" smtClean="0">
+                <a:latin typeface="+mj-ea"/>
+                <a:ea typeface="+mj-ea"/>
+              </a:rPr>
+              <a:t>rguments</a:t>
+            </a:r>
+            <a:endParaRPr kumimoji="1" lang="en-US" altLang="zh-CN" sz="3000" dirty="0">
+              <a:latin typeface="+mj-ea"/>
+              <a:ea typeface="+mj-ea"/>
+            </a:endParaRPr>
+          </a:p>
+          <a:p>
+            <a:pPr lvl="1">
+              <a:buFont typeface="Wingdings" charset="2"/>
+              <a:buChar char="Ø"/>
+            </a:pPr>
+            <a:r>
+              <a:rPr kumimoji="1" lang="en-US" altLang="zh-CN" sz="3000" dirty="0" smtClean="0">
+                <a:latin typeface="+mj-ea"/>
+                <a:ea typeface="+mj-ea"/>
+              </a:rPr>
+              <a:t>this</a:t>
+            </a:r>
+          </a:p>
+          <a:p>
+            <a:pPr>
+              <a:buFont typeface="Wingdings" charset="2"/>
+              <a:buChar char="Ø"/>
+            </a:pPr>
+            <a:endParaRPr kumimoji="1" lang="zh-CN" altLang="en-US" sz="3200" dirty="0">
+              <a:latin typeface="+mj-ea"/>
+              <a:ea typeface="+mj-ea"/>
+            </a:endParaRPr>
+          </a:p>
+        </p:txBody>
+      </p:sp>
+      <p:sp>
+        <p:nvSpPr>
+          <p:cNvPr id="2" name="标题 1"/>
+          <p:cNvSpPr>
+            <a:spLocks noGrp="1"/>
+          </p:cNvSpPr>
+          <p:nvPr>
+            <p:ph type="title"/>
+          </p:nvPr>
+        </p:nvSpPr>
+        <p:spPr/>
+        <p:txBody>
+          <a:bodyPr>
+            <a:normAutofit/>
+          </a:bodyPr>
+          <a:lstStyle/>
+          <a:p>
+            <a:r>
+              <a:rPr kumimoji="1" lang="en-US" altLang="zh-CN" dirty="0" smtClean="0">
+                <a:latin typeface="Heiti SC Light"/>
+                <a:ea typeface="Heiti SC Light"/>
+                <a:cs typeface="Heiti SC Light"/>
+              </a:rPr>
+              <a:t>arguments</a:t>
+            </a:r>
+            <a:endParaRPr kumimoji="1" lang="zh-CN" altLang="en-US" dirty="0">
+              <a:latin typeface="Heiti SC Light"/>
+              <a:ea typeface="Heiti SC Light"/>
+              <a:cs typeface="Heiti SC Light"/>
+            </a:endParaRPr>
+          </a:p>
+        </p:txBody>
+      </p:sp>
+      <p:sp>
+        <p:nvSpPr>
+          <p:cNvPr id="4" name="副标题 2"/>
+          <p:cNvSpPr txBox="1">
+            <a:spLocks/>
+          </p:cNvSpPr>
+          <p:nvPr/>
+        </p:nvSpPr>
+        <p:spPr>
+          <a:xfrm>
+            <a:off x="690032" y="1651180"/>
+            <a:ext cx="7772400" cy="4153985"/>
+          </a:xfrm>
+          <a:prstGeom prst="rect">
+            <a:avLst/>
+          </a:prstGeom>
+        </p:spPr>
+        <p:txBody>
+          <a:bodyPr vert="horz" lIns="91440" tIns="45720" rIns="91440" bIns="45720" rtlCol="0" anchor="b">
+            <a:normAutofit/>
+          </a:bodyPr>
+          <a:lstStyle>
+            <a:lvl1pPr marL="0" indent="0" algn="ctr" defTabSz="914400" rtl="0" eaLnBrk="1" latinLnBrk="0" hangingPunct="1">
+              <a:spcBef>
+                <a:spcPct val="20000"/>
+              </a:spcBef>
+              <a:buClr>
+                <a:schemeClr val="accent1"/>
+              </a:buClr>
+              <a:buSzPct val="100000"/>
+              <a:buFont typeface="Symbol" pitchFamily="18" charset="2"/>
+              <a:buNone/>
+              <a:defRPr sz="2000" kern="1200">
+                <a:solidFill>
+                  <a:srgbClr val="FFFFFF"/>
+                </a:solidFill>
+                <a:latin typeface="+mn-lt"/>
+                <a:ea typeface="+mn-ea"/>
+                <a:cs typeface="+mn-cs"/>
+              </a:defRPr>
+            </a:lvl1pPr>
+            <a:lvl2pPr marL="457200" indent="0" algn="l" defTabSz="914400" rtl="0" eaLnBrk="1" latinLnBrk="0" hangingPunct="1">
+              <a:spcBef>
+                <a:spcPct val="20000"/>
+              </a:spcBef>
+              <a:buClr>
+                <a:schemeClr val="accent1"/>
+              </a:buClr>
+              <a:buSzPct val="100000"/>
+              <a:buFont typeface="Symbol" pitchFamily="18" charset="2"/>
+              <a:buNone/>
+              <a:defRPr sz="1800" kern="1200">
+                <a:solidFill>
+                  <a:schemeClr val="tx1">
+                    <a:tint val="75000"/>
+                  </a:schemeClr>
+                </a:solidFill>
+                <a:latin typeface="+mn-lt"/>
+                <a:ea typeface="+mn-ea"/>
+                <a:cs typeface="+mn-cs"/>
+              </a:defRPr>
+            </a:lvl2pPr>
+            <a:lvl3pPr marL="914400" indent="0" algn="l" defTabSz="914400" rtl="0" eaLnBrk="1" latinLnBrk="0" hangingPunct="1">
+              <a:spcBef>
+                <a:spcPct val="20000"/>
+              </a:spcBef>
+              <a:buClr>
+                <a:schemeClr val="accent1"/>
+              </a:buClr>
+              <a:buSzPct val="100000"/>
+              <a:buFont typeface="Symbol" pitchFamily="18" charset="2"/>
+              <a:buNone/>
+              <a:defRPr sz="1600" kern="1200">
+                <a:solidFill>
+                  <a:schemeClr val="tx1">
+                    <a:tint val="75000"/>
+                  </a:schemeClr>
+                </a:solidFill>
+                <a:latin typeface="+mn-lt"/>
+                <a:ea typeface="+mn-ea"/>
+                <a:cs typeface="+mn-cs"/>
+              </a:defRPr>
+            </a:lvl3pPr>
+            <a:lvl4pPr marL="1371600" indent="0" algn="l" defTabSz="914400" rtl="0" eaLnBrk="1" latinLnBrk="0" hangingPunct="1">
+              <a:spcBef>
+                <a:spcPct val="20000"/>
+              </a:spcBef>
+              <a:buClr>
+                <a:schemeClr val="accent1"/>
+              </a:buClr>
+              <a:buSzPct val="100000"/>
+              <a:buFont typeface="Symbol" pitchFamily="18" charset="2"/>
+              <a:buNone/>
+              <a:defRPr sz="1400" kern="1200">
+                <a:solidFill>
+                  <a:schemeClr val="tx1">
+                    <a:tint val="75000"/>
+                  </a:schemeClr>
+                </a:solidFill>
+                <a:latin typeface="+mn-lt"/>
+                <a:ea typeface="+mn-ea"/>
+                <a:cs typeface="+mn-cs"/>
+              </a:defRPr>
+            </a:lvl4pPr>
+            <a:lvl5pPr marL="1828800" indent="0" algn="l" defTabSz="914400" rtl="0" eaLnBrk="1" latinLnBrk="0" hangingPunct="1">
+              <a:spcBef>
+                <a:spcPct val="20000"/>
+              </a:spcBef>
+              <a:buClr>
+                <a:schemeClr val="accent1"/>
+              </a:buClr>
+              <a:buSzPct val="100000"/>
+              <a:buFont typeface="Symbol" pitchFamily="18" charset="2"/>
+              <a:buNone/>
+              <a:defRPr sz="1400" kern="1200">
+                <a:solidFill>
+                  <a:schemeClr val="tx1">
+                    <a:tint val="75000"/>
+                  </a:schemeClr>
+                </a:solidFill>
+                <a:latin typeface="+mn-lt"/>
+                <a:ea typeface="+mn-ea"/>
+                <a:cs typeface="+mn-cs"/>
+              </a:defRPr>
+            </a:lvl5pPr>
+            <a:lvl6pPr marL="2286000" indent="0" algn="l" defTabSz="914400" rtl="0" eaLnBrk="1" latinLnBrk="0" hangingPunct="1">
+              <a:spcBef>
+                <a:spcPts val="384"/>
+              </a:spcBef>
+              <a:buClr>
+                <a:schemeClr val="accent1"/>
+              </a:buClr>
+              <a:buFont typeface="Symbol" pitchFamily="18" charset="2"/>
+              <a:buNone/>
+              <a:defRPr sz="1400" kern="1200">
+                <a:solidFill>
+                  <a:schemeClr val="tx1">
+                    <a:tint val="75000"/>
+                  </a:schemeClr>
+                </a:solidFill>
+                <a:latin typeface="+mn-lt"/>
+                <a:ea typeface="+mn-ea"/>
+                <a:cs typeface="+mn-cs"/>
+              </a:defRPr>
+            </a:lvl6pPr>
+            <a:lvl7pPr marL="2743200" indent="0" algn="l" defTabSz="914400" rtl="0" eaLnBrk="1" latinLnBrk="0" hangingPunct="1">
+              <a:spcBef>
+                <a:spcPts val="384"/>
+              </a:spcBef>
+              <a:buClr>
+                <a:schemeClr val="accent1"/>
+              </a:buClr>
+              <a:buFont typeface="Symbol" pitchFamily="18" charset="2"/>
+              <a:buNone/>
+              <a:defRPr sz="1400" kern="1200">
+                <a:solidFill>
+                  <a:schemeClr val="tx1">
+                    <a:tint val="75000"/>
+                  </a:schemeClr>
+                </a:solidFill>
+                <a:latin typeface="+mn-lt"/>
+                <a:ea typeface="+mn-ea"/>
+                <a:cs typeface="+mn-cs"/>
+              </a:defRPr>
+            </a:lvl7pPr>
+            <a:lvl8pPr marL="3200400" indent="0" algn="l" defTabSz="914400" rtl="0" eaLnBrk="1" latinLnBrk="0" hangingPunct="1">
+              <a:spcBef>
+                <a:spcPts val="384"/>
+              </a:spcBef>
+              <a:buClr>
+                <a:schemeClr val="accent1"/>
+              </a:buClr>
+              <a:buFont typeface="Symbol" pitchFamily="18" charset="2"/>
+              <a:buNone/>
+              <a:defRPr sz="1400" kern="1200">
+                <a:solidFill>
+                  <a:schemeClr val="tx1">
+                    <a:tint val="75000"/>
+                  </a:schemeClr>
+                </a:solidFill>
+                <a:latin typeface="+mn-lt"/>
+                <a:ea typeface="+mn-ea"/>
+                <a:cs typeface="+mn-cs"/>
+              </a:defRPr>
+            </a:lvl8pPr>
+            <a:lvl9pPr marL="3657600" indent="0" algn="l" defTabSz="914400" rtl="0" eaLnBrk="1" latinLnBrk="0" hangingPunct="1">
+              <a:spcBef>
+                <a:spcPts val="384"/>
+              </a:spcBef>
+              <a:buClr>
+                <a:schemeClr val="accent1"/>
+              </a:buClr>
+              <a:buFont typeface="Symbol" pitchFamily="18" charset="2"/>
+              <a:buNone/>
+              <a:defRPr sz="1400" kern="1200">
+                <a:solidFill>
+                  <a:schemeClr val="tx1">
+                    <a:tint val="75000"/>
+                  </a:schemeClr>
+                </a:solidFill>
+                <a:latin typeface="+mn-lt"/>
+                <a:ea typeface="+mn-ea"/>
+                <a:cs typeface="+mn-cs"/>
+              </a:defRPr>
+            </a:lvl9pPr>
+          </a:lstStyle>
+          <a:p>
+            <a:endParaRPr kumimoji="1" lang="zh-CN" altLang="en-US" dirty="0">
+              <a:solidFill>
+                <a:schemeClr val="tx1"/>
+              </a:solidFill>
+            </a:endParaRPr>
+          </a:p>
+        </p:txBody>
+      </p:sp>
+      <p:sp>
+        <p:nvSpPr>
+          <p:cNvPr id="6" name="线形标注 1 5"/>
+          <p:cNvSpPr/>
+          <p:nvPr/>
+        </p:nvSpPr>
+        <p:spPr>
+          <a:xfrm>
+            <a:off x="4333412" y="1890895"/>
+            <a:ext cx="2218506" cy="405321"/>
+          </a:xfrm>
+          <a:prstGeom prst="borderCallout1">
+            <a:avLst>
+              <a:gd name="adj1" fmla="val 138374"/>
+              <a:gd name="adj2" fmla="val 46104"/>
+              <a:gd name="adj3" fmla="val 234773"/>
+              <a:gd name="adj4" fmla="val -1504"/>
+            </a:avLst>
+          </a:prstGeom>
+        </p:spPr>
+        <p:style>
+          <a:lnRef idx="1">
+            <a:schemeClr val="accent3"/>
+          </a:lnRef>
+          <a:fillRef idx="3">
+            <a:schemeClr val="accent3"/>
+          </a:fillRef>
+          <a:effectRef idx="2">
+            <a:schemeClr val="accent3"/>
+          </a:effectRef>
+          <a:fontRef idx="minor">
+            <a:schemeClr val="lt1"/>
+          </a:fontRef>
+        </p:style>
+        <p:txBody>
+          <a:bodyPr rtlCol="0" anchor="ctr"/>
+          <a:lstStyle/>
+          <a:p>
+            <a:pPr algn="ctr"/>
+            <a:r>
+              <a:rPr kumimoji="1" lang="zh-CN" altLang="en-US" dirty="0" smtClean="0">
+                <a:latin typeface="+mj-ea"/>
+                <a:ea typeface="+mj-ea"/>
+              </a:rPr>
+              <a:t>p</a:t>
+            </a:r>
+            <a:r>
+              <a:rPr kumimoji="1" lang="en-US" altLang="zh-CN" dirty="0" err="1" smtClean="0">
+                <a:latin typeface="+mj-ea"/>
+                <a:ea typeface="+mj-ea"/>
+              </a:rPr>
+              <a:t>arameters</a:t>
+            </a:r>
+            <a:endParaRPr kumimoji="1" lang="zh-CN" altLang="en-US" dirty="0">
+              <a:latin typeface="+mj-ea"/>
+              <a:ea typeface="+mj-ea"/>
+            </a:endParaRPr>
+          </a:p>
+        </p:txBody>
+      </p:sp>
+      <p:sp>
+        <p:nvSpPr>
+          <p:cNvPr id="8" name="线形标注 1 7"/>
+          <p:cNvSpPr/>
+          <p:nvPr/>
+        </p:nvSpPr>
+        <p:spPr>
+          <a:xfrm>
+            <a:off x="5833519" y="3062304"/>
+            <a:ext cx="2218506" cy="405321"/>
+          </a:xfrm>
+          <a:prstGeom prst="borderCallout1">
+            <a:avLst>
+              <a:gd name="adj1" fmla="val 26480"/>
+              <a:gd name="adj2" fmla="val -5883"/>
+              <a:gd name="adj3" fmla="val 74925"/>
+              <a:gd name="adj4" fmla="val -75688"/>
+            </a:avLst>
+          </a:prstGeom>
+        </p:spPr>
+        <p:style>
+          <a:lnRef idx="1">
+            <a:schemeClr val="accent3"/>
+          </a:lnRef>
+          <a:fillRef idx="3">
+            <a:schemeClr val="accent3"/>
+          </a:fillRef>
+          <a:effectRef idx="2">
+            <a:schemeClr val="accent3"/>
+          </a:effectRef>
+          <a:fontRef idx="minor">
+            <a:schemeClr val="lt1"/>
+          </a:fontRef>
+        </p:style>
+        <p:txBody>
+          <a:bodyPr rtlCol="0" anchor="ctr"/>
+          <a:lstStyle/>
+          <a:p>
+            <a:pPr algn="ctr"/>
+            <a:r>
+              <a:rPr kumimoji="1" lang="zh-CN" altLang="zh-CN" dirty="0" smtClean="0">
+                <a:latin typeface="+mj-ea"/>
+                <a:ea typeface="+mj-ea"/>
+              </a:rPr>
+              <a:t>a</a:t>
+            </a:r>
+            <a:r>
+              <a:rPr kumimoji="1" lang="en-US" altLang="zh-CN" dirty="0" err="1" smtClean="0">
+                <a:latin typeface="+mj-ea"/>
+                <a:ea typeface="+mj-ea"/>
+              </a:rPr>
+              <a:t>rguments</a:t>
+            </a:r>
+            <a:endParaRPr kumimoji="1" lang="zh-CN" altLang="en-US" dirty="0">
+              <a:latin typeface="+mj-ea"/>
+              <a:ea typeface="+mj-ea"/>
+            </a:endParaRPr>
+          </a:p>
+        </p:txBody>
+      </p:sp>
+    </p:spTree>
+    <p:extLst>
+      <p:ext uri="{BB962C8B-B14F-4D97-AF65-F5344CB8AC3E}">
+        <p14:creationId xmlns:p14="http://schemas.microsoft.com/office/powerpoint/2010/main" val="1291919853"/>
+      </p:ext>
+    </p:extLst>
+  </p:cSld>
+  <p:clrMapOvr>
+    <a:masterClrMapping/>
+  </p:clrMapOvr>
+  <p:timing>
+    <p:tnLst>
+      <p:par>
+        <p:cTn xmlns:p14="http://schemas.microsoft.com/office/powerpoint/2010/main" id="1" dur="indefinite" restart="never" nodeType="tmRoot">
+          <p:childTnLst>
+            <p:seq concurrent="1" nextAc="seek">
+              <p:cTn id="2" dur="indefinite" nodeType="mainSeq">
+                <p:childTnLst>
+                  <p:par>
+                    <p:cTn id="3" fill="hold">
+                      <p:stCondLst>
+                        <p:cond delay="indefinite"/>
+                      </p:stCondLst>
+                      <p:childTnLst>
+                        <p:par>
+                          <p:cTn id="4" fill="hold">
+                            <p:stCondLst>
+                              <p:cond delay="0"/>
+                            </p:stCondLst>
+                            <p:childTnLst>
+                              <p:par>
+                                <p:cTn id="5" presetID="2" presetClass="entr" presetSubtype="2" fill="hold" grpId="1" nodeType="clickEffect">
+                                  <p:stCondLst>
+                                    <p:cond delay="0"/>
+                                  </p:stCondLst>
+                                  <p:childTnLst>
+                                    <p:set>
+                                      <p:cBhvr>
+                                        <p:cTn id="6" dur="1" fill="hold">
+                                          <p:stCondLst>
+                                            <p:cond delay="0"/>
+                                          </p:stCondLst>
+                                        </p:cTn>
+                                        <p:tgtEl>
+                                          <p:spTgt spid="6"/>
+                                        </p:tgtEl>
+                                        <p:attrNameLst>
+                                          <p:attrName>style.visibility</p:attrName>
+                                        </p:attrNameLst>
+                                      </p:cBhvr>
+                                      <p:to>
+                                        <p:strVal val="visible"/>
+                                      </p:to>
+                                    </p:set>
+                                    <p:anim calcmode="lin" valueType="num">
+                                      <p:cBhvr additive="base">
+                                        <p:cTn id="7" dur="500" fill="hold"/>
+                                        <p:tgtEl>
+                                          <p:spTgt spid="6"/>
+                                        </p:tgtEl>
+                                        <p:attrNameLst>
+                                          <p:attrName>ppt_x</p:attrName>
+                                        </p:attrNameLst>
+                                      </p:cBhvr>
+                                      <p:tavLst>
+                                        <p:tav tm="0">
+                                          <p:val>
+                                            <p:strVal val="1+#ppt_w/2"/>
+                                          </p:val>
+                                        </p:tav>
+                                        <p:tav tm="100000">
+                                          <p:val>
+                                            <p:strVal val="#ppt_x"/>
+                                          </p:val>
+                                        </p:tav>
+                                      </p:tavLst>
+                                    </p:anim>
+                                    <p:anim calcmode="lin" valueType="num">
+                                      <p:cBhvr additive="base">
+                                        <p:cTn id="8" dur="500" fill="hold"/>
+                                        <p:tgtEl>
+                                          <p:spTgt spid="6"/>
+                                        </p:tgtEl>
+                                        <p:attrNameLst>
+                                          <p:attrName>ppt_y</p:attrName>
+                                        </p:attrNameLst>
+                                      </p:cBhvr>
+                                      <p:tavLst>
+                                        <p:tav tm="0">
+                                          <p:val>
+                                            <p:strVal val="#ppt_y"/>
+                                          </p:val>
+                                        </p:tav>
+                                        <p:tav tm="100000">
+                                          <p:val>
+                                            <p:strVal val="#ppt_y"/>
+                                          </p:val>
+                                        </p:tav>
+                                      </p:tavLst>
+                                    </p:anim>
+                                  </p:childTnLst>
+                                </p:cTn>
+                              </p:par>
+                              <p:par>
+                                <p:cTn id="9" presetID="2" presetClass="entr" presetSubtype="2" fill="hold" grpId="1" nodeType="withEffect">
+                                  <p:stCondLst>
+                                    <p:cond delay="0"/>
+                                  </p:stCondLst>
+                                  <p:childTnLst>
+                                    <p:set>
+                                      <p:cBhvr>
+                                        <p:cTn id="10" dur="1" fill="hold">
+                                          <p:stCondLst>
+                                            <p:cond delay="0"/>
+                                          </p:stCondLst>
+                                        </p:cTn>
+                                        <p:tgtEl>
+                                          <p:spTgt spid="8"/>
+                                        </p:tgtEl>
+                                        <p:attrNameLst>
+                                          <p:attrName>style.visibility</p:attrName>
+                                        </p:attrNameLst>
+                                      </p:cBhvr>
+                                      <p:to>
+                                        <p:strVal val="visible"/>
+                                      </p:to>
+                                    </p:set>
+                                    <p:anim calcmode="lin" valueType="num">
+                                      <p:cBhvr additive="base">
+                                        <p:cTn id="11" dur="500" fill="hold"/>
+                                        <p:tgtEl>
+                                          <p:spTgt spid="8"/>
+                                        </p:tgtEl>
+                                        <p:attrNameLst>
+                                          <p:attrName>ppt_x</p:attrName>
+                                        </p:attrNameLst>
+                                      </p:cBhvr>
+                                      <p:tavLst>
+                                        <p:tav tm="0">
+                                          <p:val>
+                                            <p:strVal val="1+#ppt_w/2"/>
+                                          </p:val>
+                                        </p:tav>
+                                        <p:tav tm="100000">
+                                          <p:val>
+                                            <p:strVal val="#ppt_x"/>
+                                          </p:val>
+                                        </p:tav>
+                                      </p:tavLst>
+                                    </p:anim>
+                                    <p:anim calcmode="lin" valueType="num">
+                                      <p:cBhvr additive="base">
+                                        <p:cTn id="12" dur="500" fill="hold"/>
+                                        <p:tgtEl>
+                                          <p:spTgt spid="8"/>
+                                        </p:tgtEl>
+                                        <p:attrNameLst>
+                                          <p:attrName>ppt_y</p:attrName>
+                                        </p:attrNameLst>
+                                      </p:cBhvr>
+                                      <p:tavLst>
+                                        <p:tav tm="0">
+                                          <p:val>
+                                            <p:strVal val="#ppt_y"/>
+                                          </p:val>
+                                        </p:tav>
+                                        <p:tav tm="100000">
+                                          <p:val>
+                                            <p:strVal val="#ppt_y"/>
+                                          </p:val>
+                                        </p:tav>
+                                      </p:tavLst>
+                                    </p:anim>
+                                  </p:childTnLst>
+                                </p:cTn>
+                              </p:par>
+                            </p:childTnLst>
+                          </p:cTn>
+                        </p:par>
+                      </p:childTnLst>
+                    </p:cTn>
+                  </p:par>
+                </p:childTnLst>
+              </p:cTn>
+              <p:prevCondLst>
+                <p:cond evt="onPrev" delay="0">
+                  <p:tgtEl>
+                    <p:sldTgt/>
+                  </p:tgtEl>
+                </p:cond>
+              </p:prevCondLst>
+              <p:nextCondLst>
+                <p:cond evt="onNext" delay="0">
+                  <p:tgtEl>
+                    <p:sldTgt/>
+                  </p:tgtEl>
+                </p:cond>
+              </p:nextCondLst>
+            </p:seq>
+          </p:childTnLst>
+        </p:cTn>
+      </p:par>
+    </p:tnLst>
+    <p:bldLst>
+      <p:bldP spid="6" grpId="1" animBg="1"/>
+      <p:bldP spid="8" grpId="1" animBg="1"/>
+    </p:bldLst>
+  </p:timing>
+</p:sld>
+</file>
+
+<file path=ppt/slides/slide17.xml><?xml version="1.0" encoding="utf-8"?>
+<p:sld xmlns:a="http://schemas.openxmlformats.org/drawingml/2006/main" xmlns:r="http://schemas.openxmlformats.org/officeDocument/2006/relationships" xmlns:p="http://schemas.openxmlformats.org/presentationml/2006/main">
+  <p:cSld>
+    <p:spTree>
+      <p:nvGrpSpPr>
+        <p:cNvPr id="1" name=""/>
+        <p:cNvGrpSpPr/>
+        <p:nvPr/>
+      </p:nvGrpSpPr>
+      <p:grpSpPr>
+        <a:xfrm>
+          <a:off x="0" y="0"/>
+          <a:ext cx="0" cy="0"/>
+          <a:chOff x="0" y="0"/>
+          <a:chExt cx="0" cy="0"/>
+        </a:xfrm>
+      </p:grpSpPr>
+      <p:sp>
+        <p:nvSpPr>
+          <p:cNvPr id="3" name="内容占位符 2"/>
+          <p:cNvSpPr>
+            <a:spLocks noGrp="1"/>
+          </p:cNvSpPr>
+          <p:nvPr>
+            <p:ph idx="1"/>
+          </p:nvPr>
+        </p:nvSpPr>
+        <p:spPr>
+          <a:xfrm>
+            <a:off x="872067" y="2449054"/>
+            <a:ext cx="7408333" cy="3677109"/>
+          </a:xfrm>
+        </p:spPr>
+        <p:txBody>
+          <a:bodyPr>
+            <a:normAutofit/>
+          </a:bodyPr>
+          <a:lstStyle/>
+          <a:p>
+            <a:pPr>
+              <a:buFont typeface="Wingdings" charset="2"/>
+              <a:buChar char="Ø"/>
+            </a:pPr>
+            <a:r>
+              <a:rPr kumimoji="1" lang="zh-CN" altLang="en-US" sz="3200" dirty="0" smtClean="0">
+                <a:latin typeface="+mj-ea"/>
+                <a:ea typeface="+mj-ea"/>
+              </a:rPr>
+              <a:t>和</a:t>
+            </a:r>
+            <a:r>
+              <a:rPr kumimoji="1" lang="en-US" altLang="zh-CN" sz="3200" dirty="0" smtClean="0">
+                <a:latin typeface="+mj-ea"/>
+                <a:ea typeface="+mj-ea"/>
+              </a:rPr>
+              <a:t>Java</a:t>
+            </a:r>
+            <a:r>
+              <a:rPr kumimoji="1" lang="zh-CN" altLang="en-US" sz="3200" dirty="0" smtClean="0">
+                <a:latin typeface="+mj-ea"/>
+                <a:ea typeface="+mj-ea"/>
+              </a:rPr>
+              <a:t>中的</a:t>
+            </a:r>
+            <a:r>
+              <a:rPr kumimoji="1" lang="en-US" altLang="zh-CN" sz="3200" dirty="0" smtClean="0">
+                <a:latin typeface="+mj-ea"/>
+                <a:ea typeface="+mj-ea"/>
+              </a:rPr>
+              <a:t>this</a:t>
+            </a:r>
+            <a:r>
+              <a:rPr kumimoji="1" lang="zh-CN" altLang="en-US" sz="3200" dirty="0" smtClean="0">
+                <a:latin typeface="+mj-ea"/>
+                <a:ea typeface="+mj-ea"/>
+              </a:rPr>
+              <a:t>不是同一个概念</a:t>
+            </a:r>
+            <a:endParaRPr kumimoji="1" lang="en-US" altLang="zh-CN" sz="3200" dirty="0" smtClean="0">
+              <a:latin typeface="+mj-ea"/>
+              <a:ea typeface="+mj-ea"/>
+            </a:endParaRPr>
+          </a:p>
+          <a:p>
+            <a:pPr>
+              <a:buFont typeface="Wingdings" charset="2"/>
+              <a:buChar char="Ø"/>
+            </a:pPr>
+            <a:r>
+              <a:rPr kumimoji="1" lang="en-US" altLang="zh-CN" sz="3200" dirty="0" smtClean="0">
+                <a:latin typeface="+mj-ea"/>
+                <a:ea typeface="+mj-ea"/>
+              </a:rPr>
+              <a:t>JavaScript</a:t>
+            </a:r>
+            <a:r>
+              <a:rPr kumimoji="1" lang="zh-CN" altLang="en-US" sz="3200" dirty="0" smtClean="0">
+                <a:latin typeface="+mj-ea"/>
+                <a:ea typeface="+mj-ea"/>
+              </a:rPr>
+              <a:t>的</a:t>
+            </a:r>
+            <a:r>
+              <a:rPr kumimoji="1" lang="en-US" altLang="zh-CN" sz="3200" dirty="0" smtClean="0">
+                <a:latin typeface="+mj-ea"/>
+                <a:ea typeface="+mj-ea"/>
+              </a:rPr>
+              <a:t>this</a:t>
+            </a:r>
+            <a:r>
+              <a:rPr kumimoji="1" lang="zh-CN" altLang="en-US" sz="3200" dirty="0" smtClean="0">
+                <a:latin typeface="+mj-ea"/>
+                <a:ea typeface="+mj-ea"/>
+              </a:rPr>
+              <a:t>是</a:t>
+            </a:r>
+            <a:r>
+              <a:rPr kumimoji="1" lang="en-US" altLang="zh-CN" sz="3200" dirty="0" smtClean="0">
+                <a:latin typeface="+mj-ea"/>
+                <a:ea typeface="+mj-ea"/>
+              </a:rPr>
+              <a:t>function</a:t>
+            </a:r>
+            <a:r>
+              <a:rPr kumimoji="1" lang="zh-CN" altLang="en-US" sz="3200" dirty="0" smtClean="0">
+                <a:latin typeface="+mj-ea"/>
+                <a:ea typeface="+mj-ea"/>
+              </a:rPr>
+              <a:t> </a:t>
+            </a:r>
+            <a:r>
+              <a:rPr kumimoji="1" lang="en-US" altLang="zh-CN" sz="3200" dirty="0" smtClean="0">
+                <a:latin typeface="+mj-ea"/>
+                <a:ea typeface="+mj-ea"/>
+              </a:rPr>
+              <a:t>context</a:t>
+            </a:r>
+          </a:p>
+          <a:p>
+            <a:pPr>
+              <a:buFont typeface="Wingdings" charset="2"/>
+              <a:buChar char="Ø"/>
+            </a:pPr>
+            <a:r>
+              <a:rPr kumimoji="1" lang="zh-CN" altLang="en-US" sz="3200" dirty="0" smtClean="0">
+                <a:latin typeface="+mj-ea"/>
+                <a:ea typeface="+mj-ea"/>
+              </a:rPr>
+              <a:t>具体是什么值要看函数是怎么调用的</a:t>
+            </a:r>
+            <a:endParaRPr kumimoji="1" lang="zh-CN" altLang="en-US" sz="3200" dirty="0">
+              <a:latin typeface="+mj-ea"/>
+              <a:ea typeface="+mj-ea"/>
+            </a:endParaRPr>
+          </a:p>
+        </p:txBody>
+      </p:sp>
+      <p:sp>
+        <p:nvSpPr>
+          <p:cNvPr id="2" name="标题 1"/>
+          <p:cNvSpPr>
+            <a:spLocks noGrp="1"/>
+          </p:cNvSpPr>
+          <p:nvPr>
+            <p:ph type="title"/>
+          </p:nvPr>
+        </p:nvSpPr>
+        <p:spPr/>
+        <p:txBody>
+          <a:bodyPr>
+            <a:normAutofit/>
+          </a:bodyPr>
+          <a:lstStyle/>
+          <a:p>
+            <a:r>
+              <a:rPr kumimoji="1" lang="en-US" altLang="zh-CN" dirty="0" smtClean="0">
+                <a:latin typeface="Heiti SC Light"/>
+                <a:ea typeface="Heiti SC Light"/>
+                <a:cs typeface="Heiti SC Light"/>
+              </a:rPr>
+              <a:t>this</a:t>
+            </a:r>
+            <a:endParaRPr kumimoji="1" lang="zh-CN" altLang="en-US" dirty="0">
+              <a:latin typeface="Heiti SC Light"/>
+              <a:ea typeface="Heiti SC Light"/>
+              <a:cs typeface="Heiti SC Light"/>
+            </a:endParaRPr>
+          </a:p>
+        </p:txBody>
+      </p:sp>
+      <p:sp>
+        <p:nvSpPr>
+          <p:cNvPr id="4" name="副标题 2"/>
+          <p:cNvSpPr txBox="1">
+            <a:spLocks/>
+          </p:cNvSpPr>
+          <p:nvPr/>
+        </p:nvSpPr>
+        <p:spPr>
+          <a:xfrm>
+            <a:off x="690032" y="1651180"/>
+            <a:ext cx="7772400" cy="4153985"/>
+          </a:xfrm>
+          <a:prstGeom prst="rect">
+            <a:avLst/>
+          </a:prstGeom>
+        </p:spPr>
+        <p:txBody>
+          <a:bodyPr vert="horz" lIns="91440" tIns="45720" rIns="91440" bIns="45720" rtlCol="0" anchor="b">
+            <a:normAutofit/>
+          </a:bodyPr>
+          <a:lstStyle>
+            <a:lvl1pPr marL="0" indent="0" algn="ctr" defTabSz="914400" rtl="0" eaLnBrk="1" latinLnBrk="0" hangingPunct="1">
+              <a:spcBef>
+                <a:spcPct val="20000"/>
+              </a:spcBef>
+              <a:buClr>
+                <a:schemeClr val="accent1"/>
+              </a:buClr>
+              <a:buSzPct val="100000"/>
+              <a:buFont typeface="Symbol" pitchFamily="18" charset="2"/>
+              <a:buNone/>
+              <a:defRPr sz="2000" kern="1200">
+                <a:solidFill>
+                  <a:srgbClr val="FFFFFF"/>
+                </a:solidFill>
+                <a:latin typeface="+mn-lt"/>
+                <a:ea typeface="+mn-ea"/>
+                <a:cs typeface="+mn-cs"/>
+              </a:defRPr>
+            </a:lvl1pPr>
+            <a:lvl2pPr marL="457200" indent="0" algn="l" defTabSz="914400" rtl="0" eaLnBrk="1" latinLnBrk="0" hangingPunct="1">
+              <a:spcBef>
+                <a:spcPct val="20000"/>
+              </a:spcBef>
+              <a:buClr>
+                <a:schemeClr val="accent1"/>
+              </a:buClr>
+              <a:buSzPct val="100000"/>
+              <a:buFont typeface="Symbol" pitchFamily="18" charset="2"/>
+              <a:buNone/>
+              <a:defRPr sz="1800" kern="1200">
+                <a:solidFill>
+                  <a:schemeClr val="tx1">
+                    <a:tint val="75000"/>
+                  </a:schemeClr>
+                </a:solidFill>
+                <a:latin typeface="+mn-lt"/>
+                <a:ea typeface="+mn-ea"/>
+                <a:cs typeface="+mn-cs"/>
+              </a:defRPr>
+            </a:lvl2pPr>
+            <a:lvl3pPr marL="914400" indent="0" algn="l" defTabSz="914400" rtl="0" eaLnBrk="1" latinLnBrk="0" hangingPunct="1">
+              <a:spcBef>
+                <a:spcPct val="20000"/>
+              </a:spcBef>
+              <a:buClr>
+                <a:schemeClr val="accent1"/>
+              </a:buClr>
+              <a:buSzPct val="100000"/>
+              <a:buFont typeface="Symbol" pitchFamily="18" charset="2"/>
+              <a:buNone/>
+              <a:defRPr sz="1600" kern="1200">
+                <a:solidFill>
+                  <a:schemeClr val="tx1">
+                    <a:tint val="75000"/>
+                  </a:schemeClr>
+                </a:solidFill>
+                <a:latin typeface="+mn-lt"/>
+                <a:ea typeface="+mn-ea"/>
+                <a:cs typeface="+mn-cs"/>
+              </a:defRPr>
+            </a:lvl3pPr>
+            <a:lvl4pPr marL="1371600" indent="0" algn="l" defTabSz="914400" rtl="0" eaLnBrk="1" latinLnBrk="0" hangingPunct="1">
+              <a:spcBef>
+                <a:spcPct val="20000"/>
+              </a:spcBef>
+              <a:buClr>
+                <a:schemeClr val="accent1"/>
+              </a:buClr>
+              <a:buSzPct val="100000"/>
+              <a:buFont typeface="Symbol" pitchFamily="18" charset="2"/>
+              <a:buNone/>
+              <a:defRPr sz="1400" kern="1200">
+                <a:solidFill>
+                  <a:schemeClr val="tx1">
+                    <a:tint val="75000"/>
+                  </a:schemeClr>
+                </a:solidFill>
+                <a:latin typeface="+mn-lt"/>
+                <a:ea typeface="+mn-ea"/>
+                <a:cs typeface="+mn-cs"/>
+              </a:defRPr>
+            </a:lvl4pPr>
+            <a:lvl5pPr marL="1828800" indent="0" algn="l" defTabSz="914400" rtl="0" eaLnBrk="1" latinLnBrk="0" hangingPunct="1">
+              <a:spcBef>
+                <a:spcPct val="20000"/>
+              </a:spcBef>
+              <a:buClr>
+                <a:schemeClr val="accent1"/>
+              </a:buClr>
+              <a:buSzPct val="100000"/>
+              <a:buFont typeface="Symbol" pitchFamily="18" charset="2"/>
+              <a:buNone/>
+              <a:defRPr sz="1400" kern="1200">
+                <a:solidFill>
+                  <a:schemeClr val="tx1">
+                    <a:tint val="75000"/>
+                  </a:schemeClr>
+                </a:solidFill>
+                <a:latin typeface="+mn-lt"/>
+                <a:ea typeface="+mn-ea"/>
+                <a:cs typeface="+mn-cs"/>
+              </a:defRPr>
+            </a:lvl5pPr>
+            <a:lvl6pPr marL="2286000" indent="0" algn="l" defTabSz="914400" rtl="0" eaLnBrk="1" latinLnBrk="0" hangingPunct="1">
+              <a:spcBef>
+                <a:spcPts val="384"/>
+              </a:spcBef>
+              <a:buClr>
+                <a:schemeClr val="accent1"/>
+              </a:buClr>
+              <a:buFont typeface="Symbol" pitchFamily="18" charset="2"/>
+              <a:buNone/>
+              <a:defRPr sz="1400" kern="1200">
+                <a:solidFill>
+                  <a:schemeClr val="tx1">
+                    <a:tint val="75000"/>
+                  </a:schemeClr>
+                </a:solidFill>
+                <a:latin typeface="+mn-lt"/>
+                <a:ea typeface="+mn-ea"/>
+                <a:cs typeface="+mn-cs"/>
+              </a:defRPr>
+            </a:lvl6pPr>
+            <a:lvl7pPr marL="2743200" indent="0" algn="l" defTabSz="914400" rtl="0" eaLnBrk="1" latinLnBrk="0" hangingPunct="1">
+              <a:spcBef>
+                <a:spcPts val="384"/>
+              </a:spcBef>
+              <a:buClr>
+                <a:schemeClr val="accent1"/>
+              </a:buClr>
+              <a:buFont typeface="Symbol" pitchFamily="18" charset="2"/>
+              <a:buNone/>
+              <a:defRPr sz="1400" kern="1200">
+                <a:solidFill>
+                  <a:schemeClr val="tx1">
+                    <a:tint val="75000"/>
+                  </a:schemeClr>
+                </a:solidFill>
+                <a:latin typeface="+mn-lt"/>
+                <a:ea typeface="+mn-ea"/>
+                <a:cs typeface="+mn-cs"/>
+              </a:defRPr>
+            </a:lvl7pPr>
+            <a:lvl8pPr marL="3200400" indent="0" algn="l" defTabSz="914400" rtl="0" eaLnBrk="1" latinLnBrk="0" hangingPunct="1">
+              <a:spcBef>
+                <a:spcPts val="384"/>
+              </a:spcBef>
+              <a:buClr>
+                <a:schemeClr val="accent1"/>
+              </a:buClr>
+              <a:buFont typeface="Symbol" pitchFamily="18" charset="2"/>
+              <a:buNone/>
+              <a:defRPr sz="1400" kern="1200">
+                <a:solidFill>
+                  <a:schemeClr val="tx1">
+                    <a:tint val="75000"/>
+                  </a:schemeClr>
+                </a:solidFill>
+                <a:latin typeface="+mn-lt"/>
+                <a:ea typeface="+mn-ea"/>
+                <a:cs typeface="+mn-cs"/>
+              </a:defRPr>
+            </a:lvl8pPr>
+            <a:lvl9pPr marL="3657600" indent="0" algn="l" defTabSz="914400" rtl="0" eaLnBrk="1" latinLnBrk="0" hangingPunct="1">
+              <a:spcBef>
+                <a:spcPts val="384"/>
+              </a:spcBef>
+              <a:buClr>
+                <a:schemeClr val="accent1"/>
+              </a:buClr>
+              <a:buFont typeface="Symbol" pitchFamily="18" charset="2"/>
+              <a:buNone/>
+              <a:defRPr sz="1400" kern="1200">
+                <a:solidFill>
+                  <a:schemeClr val="tx1">
+                    <a:tint val="75000"/>
+                  </a:schemeClr>
+                </a:solidFill>
+                <a:latin typeface="+mn-lt"/>
+                <a:ea typeface="+mn-ea"/>
+                <a:cs typeface="+mn-cs"/>
+              </a:defRPr>
+            </a:lvl9pPr>
+          </a:lstStyle>
+          <a:p>
+            <a:endParaRPr kumimoji="1" lang="zh-CN" altLang="en-US" dirty="0">
+              <a:solidFill>
+                <a:schemeClr val="tx1"/>
+              </a:solidFill>
+            </a:endParaRPr>
+          </a:p>
+        </p:txBody>
+      </p:sp>
+    </p:spTree>
+    <p:extLst>
+      <p:ext uri="{BB962C8B-B14F-4D97-AF65-F5344CB8AC3E}">
+        <p14:creationId xmlns:p14="http://schemas.microsoft.com/office/powerpoint/2010/main" val="4088067774"/>
+      </p:ext>
+    </p:extLst>
+  </p:cSld>
+  <p:clrMapOvr>
+    <a:masterClrMapping/>
+  </p:clrMapOvr>
+  <p:timing>
+    <p:tnLst>
+      <p:par>
+        <p:cTn xmlns:p14="http://schemas.microsoft.com/office/powerpoint/2010/main" id="1" dur="indefinite" restart="never" nodeType="tmRoot"/>
+      </p:par>
+    </p:tnLst>
+  </p:timing>
+</p:sld>
+</file>
+
+<file path=ppt/slides/slide18.xml><?xml version="1.0" encoding="utf-8"?>
+<p:sld xmlns:a="http://schemas.openxmlformats.org/drawingml/2006/main" xmlns:r="http://schemas.openxmlformats.org/officeDocument/2006/relationships" xmlns:p="http://schemas.openxmlformats.org/presentationml/2006/main">
+  <p:cSld>
+    <p:spTree>
+      <p:nvGrpSpPr>
+        <p:cNvPr id="1" name=""/>
+        <p:cNvGrpSpPr/>
+        <p:nvPr/>
+      </p:nvGrpSpPr>
+      <p:grpSpPr>
+        <a:xfrm>
+          <a:off x="0" y="0"/>
+          <a:ext cx="0" cy="0"/>
+          <a:chOff x="0" y="0"/>
+          <a:chExt cx="0" cy="0"/>
+        </a:xfrm>
+      </p:grpSpPr>
+      <p:sp>
+        <p:nvSpPr>
+          <p:cNvPr id="3" name="内容占位符 2"/>
+          <p:cNvSpPr>
+            <a:spLocks noGrp="1"/>
+          </p:cNvSpPr>
+          <p:nvPr>
+            <p:ph idx="1"/>
+          </p:nvPr>
+        </p:nvSpPr>
+        <p:spPr>
+          <a:xfrm>
+            <a:off x="872067" y="2449054"/>
+            <a:ext cx="7408333" cy="3677109"/>
+          </a:xfrm>
+        </p:spPr>
+        <p:txBody>
+          <a:bodyPr>
+            <a:normAutofit/>
+          </a:bodyPr>
+          <a:lstStyle/>
+          <a:p>
+            <a:pPr>
+              <a:buFont typeface="Wingdings" charset="2"/>
+              <a:buChar char="Ø"/>
+            </a:pPr>
+            <a:r>
+              <a:rPr kumimoji="1" lang="zh-CN" altLang="en-US" sz="3200" dirty="0" smtClean="0">
+                <a:latin typeface="+mj-ea"/>
+                <a:ea typeface="+mj-ea"/>
+              </a:rPr>
+              <a:t>理所当然！</a:t>
+            </a:r>
+            <a:endParaRPr kumimoji="1" lang="en-US" altLang="zh-CN" sz="3200" dirty="0" smtClean="0">
+              <a:latin typeface="+mj-ea"/>
+              <a:ea typeface="+mj-ea"/>
+            </a:endParaRPr>
+          </a:p>
+          <a:p>
+            <a:pPr>
+              <a:buFont typeface="Wingdings" charset="2"/>
+              <a:buChar char="Ø"/>
+            </a:pPr>
+            <a:r>
+              <a:rPr kumimoji="1" lang="zh-CN" altLang="en-US" sz="3200" dirty="0" smtClean="0">
+                <a:latin typeface="+mj-ea"/>
+                <a:ea typeface="+mj-ea"/>
+              </a:rPr>
+              <a:t>通过</a:t>
+            </a:r>
+            <a:r>
+              <a:rPr kumimoji="1" lang="en-US" altLang="zh-CN" sz="3200" dirty="0" smtClean="0">
+                <a:latin typeface="+mj-ea"/>
+                <a:ea typeface="+mj-ea"/>
+              </a:rPr>
+              <a:t>()</a:t>
+            </a:r>
+            <a:r>
+              <a:rPr kumimoji="1" lang="zh-CN" altLang="en-US" sz="3200" dirty="0" smtClean="0">
+                <a:latin typeface="+mj-ea"/>
+                <a:ea typeface="+mj-ea"/>
+              </a:rPr>
+              <a:t>操作符调用</a:t>
+            </a:r>
+            <a:endParaRPr kumimoji="1" lang="en-US" altLang="zh-CN" sz="3200" dirty="0" smtClean="0">
+              <a:latin typeface="+mj-ea"/>
+              <a:ea typeface="+mj-ea"/>
+            </a:endParaRPr>
+          </a:p>
+          <a:p>
+            <a:pPr>
+              <a:buFont typeface="Wingdings" charset="2"/>
+              <a:buChar char="Ø"/>
+            </a:pPr>
+            <a:r>
+              <a:rPr kumimoji="1" lang="zh-CN" altLang="zh-CN" sz="3200" dirty="0">
+                <a:latin typeface="+mj-ea"/>
+                <a:ea typeface="+mj-ea"/>
+              </a:rPr>
+              <a:t>f</a:t>
+            </a:r>
+            <a:r>
+              <a:rPr kumimoji="1" lang="en-US" altLang="zh-CN" sz="3200" dirty="0" smtClean="0">
+                <a:latin typeface="+mj-ea"/>
+                <a:ea typeface="+mj-ea"/>
+              </a:rPr>
+              <a:t>unction</a:t>
+            </a:r>
+            <a:r>
+              <a:rPr kumimoji="1" lang="zh-CN" altLang="en-US" sz="3200" dirty="0" smtClean="0">
+                <a:latin typeface="+mj-ea"/>
+                <a:ea typeface="+mj-ea"/>
+              </a:rPr>
+              <a:t> </a:t>
+            </a:r>
+            <a:r>
+              <a:rPr kumimoji="1" lang="en-US" altLang="zh-CN" sz="3200" dirty="0" smtClean="0">
+                <a:latin typeface="+mj-ea"/>
+                <a:ea typeface="+mj-ea"/>
+              </a:rPr>
+              <a:t>context</a:t>
+            </a:r>
+            <a:r>
+              <a:rPr kumimoji="1" lang="zh-CN" altLang="en-US" sz="3200" dirty="0" smtClean="0">
+                <a:latin typeface="+mj-ea"/>
+                <a:ea typeface="+mj-ea"/>
+              </a:rPr>
+              <a:t> 是 </a:t>
+            </a:r>
+            <a:r>
+              <a:rPr kumimoji="1" lang="en-US" altLang="zh-CN" sz="3200" dirty="0" smtClean="0">
+                <a:latin typeface="+mj-ea"/>
+                <a:ea typeface="+mj-ea"/>
+              </a:rPr>
+              <a:t>window</a:t>
+            </a:r>
+            <a:r>
+              <a:rPr kumimoji="1" lang="zh-CN" altLang="en-US" sz="3200" dirty="0" smtClean="0">
+                <a:latin typeface="+mj-ea"/>
+                <a:ea typeface="+mj-ea"/>
+              </a:rPr>
+              <a:t> </a:t>
+            </a:r>
+            <a:endParaRPr kumimoji="1" lang="zh-CN" altLang="en-US" sz="3200" dirty="0">
+              <a:latin typeface="+mj-ea"/>
+              <a:ea typeface="+mj-ea"/>
+            </a:endParaRPr>
+          </a:p>
+        </p:txBody>
+      </p:sp>
+      <p:sp>
+        <p:nvSpPr>
+          <p:cNvPr id="2" name="标题 1"/>
+          <p:cNvSpPr>
+            <a:spLocks noGrp="1"/>
+          </p:cNvSpPr>
+          <p:nvPr>
+            <p:ph type="title"/>
+          </p:nvPr>
+        </p:nvSpPr>
+        <p:spPr/>
+        <p:txBody>
+          <a:bodyPr>
+            <a:normAutofit/>
+          </a:bodyPr>
+          <a:lstStyle/>
+          <a:p>
+            <a:r>
+              <a:rPr kumimoji="1" lang="en-US" altLang="zh-CN" dirty="0" smtClean="0">
+                <a:latin typeface="Heiti SC Light"/>
+                <a:ea typeface="Heiti SC Light"/>
+                <a:cs typeface="Heiti SC Light"/>
+              </a:rPr>
+              <a:t>Invoke</a:t>
+            </a:r>
+            <a:r>
+              <a:rPr kumimoji="1" lang="zh-CN" altLang="en-US" dirty="0" smtClean="0">
+                <a:latin typeface="Heiti SC Light"/>
+                <a:ea typeface="Heiti SC Light"/>
+                <a:cs typeface="Heiti SC Light"/>
+              </a:rPr>
+              <a:t> </a:t>
+            </a:r>
+            <a:r>
+              <a:rPr kumimoji="1" lang="en-US" altLang="zh-CN" dirty="0" smtClean="0">
+                <a:latin typeface="Heiti SC Light"/>
+                <a:ea typeface="Heiti SC Light"/>
+                <a:cs typeface="Heiti SC Light"/>
+              </a:rPr>
+              <a:t>as</a:t>
+            </a:r>
+            <a:r>
+              <a:rPr kumimoji="1" lang="zh-CN" altLang="en-US" dirty="0" smtClean="0">
+                <a:latin typeface="Heiti SC Light"/>
+                <a:ea typeface="Heiti SC Light"/>
+                <a:cs typeface="Heiti SC Light"/>
+              </a:rPr>
+              <a:t> </a:t>
+            </a:r>
+            <a:r>
+              <a:rPr kumimoji="1" lang="en-US" altLang="zh-CN" dirty="0" smtClean="0">
+                <a:latin typeface="Heiti SC Light"/>
+                <a:ea typeface="Heiti SC Light"/>
+                <a:cs typeface="Heiti SC Light"/>
+              </a:rPr>
+              <a:t>a</a:t>
+            </a:r>
+            <a:r>
+              <a:rPr kumimoji="1" lang="zh-CN" altLang="en-US" dirty="0" smtClean="0">
+                <a:latin typeface="Heiti SC Light"/>
+                <a:ea typeface="Heiti SC Light"/>
+                <a:cs typeface="Heiti SC Light"/>
+              </a:rPr>
+              <a:t> </a:t>
+            </a:r>
+            <a:r>
+              <a:rPr kumimoji="1" lang="en-US" altLang="zh-CN" dirty="0" smtClean="0">
+                <a:latin typeface="Heiti SC Light"/>
+                <a:ea typeface="Heiti SC Light"/>
+                <a:cs typeface="Heiti SC Light"/>
+              </a:rPr>
+              <a:t>function</a:t>
+            </a:r>
+            <a:endParaRPr kumimoji="1" lang="zh-CN" altLang="en-US" dirty="0">
+              <a:latin typeface="Heiti SC Light"/>
+              <a:ea typeface="Heiti SC Light"/>
+              <a:cs typeface="Heiti SC Light"/>
+            </a:endParaRPr>
+          </a:p>
+        </p:txBody>
+      </p:sp>
+      <p:sp>
+        <p:nvSpPr>
+          <p:cNvPr id="4" name="副标题 2"/>
+          <p:cNvSpPr txBox="1">
+            <a:spLocks/>
+          </p:cNvSpPr>
+          <p:nvPr/>
+        </p:nvSpPr>
+        <p:spPr>
+          <a:xfrm>
+            <a:off x="690032" y="1651180"/>
+            <a:ext cx="7772400" cy="4153985"/>
+          </a:xfrm>
+          <a:prstGeom prst="rect">
+            <a:avLst/>
+          </a:prstGeom>
+        </p:spPr>
+        <p:txBody>
+          <a:bodyPr vert="horz" lIns="91440" tIns="45720" rIns="91440" bIns="45720" rtlCol="0" anchor="b">
+            <a:normAutofit/>
+          </a:bodyPr>
+          <a:lstStyle>
+            <a:lvl1pPr marL="0" indent="0" algn="ctr" defTabSz="914400" rtl="0" eaLnBrk="1" latinLnBrk="0" hangingPunct="1">
+              <a:spcBef>
+                <a:spcPct val="20000"/>
+              </a:spcBef>
+              <a:buClr>
+                <a:schemeClr val="accent1"/>
+              </a:buClr>
+              <a:buSzPct val="100000"/>
+              <a:buFont typeface="Symbol" pitchFamily="18" charset="2"/>
+              <a:buNone/>
+              <a:defRPr sz="2000" kern="1200">
+                <a:solidFill>
+                  <a:srgbClr val="FFFFFF"/>
+                </a:solidFill>
+                <a:latin typeface="+mn-lt"/>
+                <a:ea typeface="+mn-ea"/>
+                <a:cs typeface="+mn-cs"/>
+              </a:defRPr>
+            </a:lvl1pPr>
+            <a:lvl2pPr marL="457200" indent="0" algn="l" defTabSz="914400" rtl="0" eaLnBrk="1" latinLnBrk="0" hangingPunct="1">
+              <a:spcBef>
+                <a:spcPct val="20000"/>
+              </a:spcBef>
+              <a:buClr>
+                <a:schemeClr val="accent1"/>
+              </a:buClr>
+              <a:buSzPct val="100000"/>
+              <a:buFont typeface="Symbol" pitchFamily="18" charset="2"/>
+              <a:buNone/>
+              <a:defRPr sz="1800" kern="1200">
+                <a:solidFill>
+                  <a:schemeClr val="tx1">
+                    <a:tint val="75000"/>
+                  </a:schemeClr>
+                </a:solidFill>
+                <a:latin typeface="+mn-lt"/>
+                <a:ea typeface="+mn-ea"/>
+                <a:cs typeface="+mn-cs"/>
+              </a:defRPr>
+            </a:lvl2pPr>
+            <a:lvl3pPr marL="914400" indent="0" algn="l" defTabSz="914400" rtl="0" eaLnBrk="1" latinLnBrk="0" hangingPunct="1">
+              <a:spcBef>
+                <a:spcPct val="20000"/>
+              </a:spcBef>
+              <a:buClr>
+                <a:schemeClr val="accent1"/>
+              </a:buClr>
+              <a:buSzPct val="100000"/>
+              <a:buFont typeface="Symbol" pitchFamily="18" charset="2"/>
+              <a:buNone/>
+              <a:defRPr sz="1600" kern="1200">
+                <a:solidFill>
+                  <a:schemeClr val="tx1">
+                    <a:tint val="75000"/>
+                  </a:schemeClr>
+                </a:solidFill>
+                <a:latin typeface="+mn-lt"/>
+                <a:ea typeface="+mn-ea"/>
+                <a:cs typeface="+mn-cs"/>
+              </a:defRPr>
+            </a:lvl3pPr>
+            <a:lvl4pPr marL="1371600" indent="0" algn="l" defTabSz="914400" rtl="0" eaLnBrk="1" latinLnBrk="0" hangingPunct="1">
+              <a:spcBef>
+                <a:spcPct val="20000"/>
+              </a:spcBef>
+              <a:buClr>
+                <a:schemeClr val="accent1"/>
+              </a:buClr>
+              <a:buSzPct val="100000"/>
+              <a:buFont typeface="Symbol" pitchFamily="18" charset="2"/>
+              <a:buNone/>
+              <a:defRPr sz="1400" kern="1200">
+                <a:solidFill>
+                  <a:schemeClr val="tx1">
+                    <a:tint val="75000"/>
+                  </a:schemeClr>
+                </a:solidFill>
+                <a:latin typeface="+mn-lt"/>
+                <a:ea typeface="+mn-ea"/>
+                <a:cs typeface="+mn-cs"/>
+              </a:defRPr>
+            </a:lvl4pPr>
+            <a:lvl5pPr marL="1828800" indent="0" algn="l" defTabSz="914400" rtl="0" eaLnBrk="1" latinLnBrk="0" hangingPunct="1">
+              <a:spcBef>
+                <a:spcPct val="20000"/>
+              </a:spcBef>
+              <a:buClr>
+                <a:schemeClr val="accent1"/>
+              </a:buClr>
+              <a:buSzPct val="100000"/>
+              <a:buFont typeface="Symbol" pitchFamily="18" charset="2"/>
+              <a:buNone/>
+              <a:defRPr sz="1400" kern="1200">
+                <a:solidFill>
+                  <a:schemeClr val="tx1">
+                    <a:tint val="75000"/>
+                  </a:schemeClr>
+                </a:solidFill>
+                <a:latin typeface="+mn-lt"/>
+                <a:ea typeface="+mn-ea"/>
+                <a:cs typeface="+mn-cs"/>
+              </a:defRPr>
+            </a:lvl5pPr>
+            <a:lvl6pPr marL="2286000" indent="0" algn="l" defTabSz="914400" rtl="0" eaLnBrk="1" latinLnBrk="0" hangingPunct="1">
+              <a:spcBef>
+                <a:spcPts val="384"/>
+              </a:spcBef>
+              <a:buClr>
+                <a:schemeClr val="accent1"/>
+              </a:buClr>
+              <a:buFont typeface="Symbol" pitchFamily="18" charset="2"/>
+              <a:buNone/>
+              <a:defRPr sz="1400" kern="1200">
+                <a:solidFill>
+                  <a:schemeClr val="tx1">
+                    <a:tint val="75000"/>
+                  </a:schemeClr>
+                </a:solidFill>
+                <a:latin typeface="+mn-lt"/>
+                <a:ea typeface="+mn-ea"/>
+                <a:cs typeface="+mn-cs"/>
+              </a:defRPr>
+            </a:lvl6pPr>
+            <a:lvl7pPr marL="2743200" indent="0" algn="l" defTabSz="914400" rtl="0" eaLnBrk="1" latinLnBrk="0" hangingPunct="1">
+              <a:spcBef>
+                <a:spcPts val="384"/>
+              </a:spcBef>
+              <a:buClr>
+                <a:schemeClr val="accent1"/>
+              </a:buClr>
+              <a:buFont typeface="Symbol" pitchFamily="18" charset="2"/>
+              <a:buNone/>
+              <a:defRPr sz="1400" kern="1200">
+                <a:solidFill>
+                  <a:schemeClr val="tx1">
+                    <a:tint val="75000"/>
+                  </a:schemeClr>
+                </a:solidFill>
+                <a:latin typeface="+mn-lt"/>
+                <a:ea typeface="+mn-ea"/>
+                <a:cs typeface="+mn-cs"/>
+              </a:defRPr>
+            </a:lvl7pPr>
+            <a:lvl8pPr marL="3200400" indent="0" algn="l" defTabSz="914400" rtl="0" eaLnBrk="1" latinLnBrk="0" hangingPunct="1">
+              <a:spcBef>
+                <a:spcPts val="384"/>
+              </a:spcBef>
+              <a:buClr>
+                <a:schemeClr val="accent1"/>
+              </a:buClr>
+              <a:buFont typeface="Symbol" pitchFamily="18" charset="2"/>
+              <a:buNone/>
+              <a:defRPr sz="1400" kern="1200">
+                <a:solidFill>
+                  <a:schemeClr val="tx1">
+                    <a:tint val="75000"/>
+                  </a:schemeClr>
+                </a:solidFill>
+                <a:latin typeface="+mn-lt"/>
+                <a:ea typeface="+mn-ea"/>
+                <a:cs typeface="+mn-cs"/>
+              </a:defRPr>
+            </a:lvl8pPr>
+            <a:lvl9pPr marL="3657600" indent="0" algn="l" defTabSz="914400" rtl="0" eaLnBrk="1" latinLnBrk="0" hangingPunct="1">
+              <a:spcBef>
+                <a:spcPts val="384"/>
+              </a:spcBef>
+              <a:buClr>
+                <a:schemeClr val="accent1"/>
+              </a:buClr>
+              <a:buFont typeface="Symbol" pitchFamily="18" charset="2"/>
+              <a:buNone/>
+              <a:defRPr sz="1400" kern="1200">
+                <a:solidFill>
+                  <a:schemeClr val="tx1">
+                    <a:tint val="75000"/>
+                  </a:schemeClr>
+                </a:solidFill>
+                <a:latin typeface="+mn-lt"/>
+                <a:ea typeface="+mn-ea"/>
+                <a:cs typeface="+mn-cs"/>
+              </a:defRPr>
+            </a:lvl9pPr>
+          </a:lstStyle>
+          <a:p>
+            <a:endParaRPr kumimoji="1" lang="zh-CN" altLang="en-US" dirty="0">
+              <a:solidFill>
+                <a:schemeClr val="tx1"/>
+              </a:solidFill>
+            </a:endParaRPr>
+          </a:p>
+        </p:txBody>
+      </p:sp>
+    </p:spTree>
+    <p:extLst>
+      <p:ext uri="{BB962C8B-B14F-4D97-AF65-F5344CB8AC3E}">
+        <p14:creationId xmlns:p14="http://schemas.microsoft.com/office/powerpoint/2010/main" val="2309967263"/>
+      </p:ext>
+    </p:extLst>
+  </p:cSld>
+  <p:clrMapOvr>
+    <a:masterClrMapping/>
+  </p:clrMapOvr>
+  <p:timing>
+    <p:tnLst>
+      <p:par>
+        <p:cTn xmlns:p14="http://schemas.microsoft.com/office/powerpoint/2010/main" id="1" dur="indefinite" restart="never" nodeType="tmRoot"/>
+      </p:par>
+    </p:tnLst>
+  </p:timing>
+</p:sld>
+</file>
+
+<file path=ppt/slides/slide19.xml><?xml version="1.0" encoding="utf-8"?>
+<p:sld xmlns:a="http://schemas.openxmlformats.org/drawingml/2006/main" xmlns:r="http://schemas.openxmlformats.org/officeDocument/2006/relationships" xmlns:p="http://schemas.openxmlformats.org/presentationml/2006/main">
+  <p:cSld>
+    <p:spTree>
+      <p:nvGrpSpPr>
+        <p:cNvPr id="1" name=""/>
+        <p:cNvGrpSpPr/>
+        <p:nvPr/>
+      </p:nvGrpSpPr>
+      <p:grpSpPr>
+        <a:xfrm>
+          <a:off x="0" y="0"/>
+          <a:ext cx="0" cy="0"/>
+          <a:chOff x="0" y="0"/>
+          <a:chExt cx="0" cy="0"/>
+        </a:xfrm>
+      </p:grpSpPr>
+      <p:sp>
+        <p:nvSpPr>
+          <p:cNvPr id="3" name="内容占位符 2"/>
+          <p:cNvSpPr>
+            <a:spLocks noGrp="1"/>
+          </p:cNvSpPr>
+          <p:nvPr>
+            <p:ph idx="1"/>
+          </p:nvPr>
+        </p:nvSpPr>
+        <p:spPr>
+          <a:xfrm>
+            <a:off x="872067" y="2449054"/>
+            <a:ext cx="7408333" cy="3677109"/>
+          </a:xfrm>
+        </p:spPr>
+        <p:txBody>
+          <a:bodyPr>
+            <a:normAutofit lnSpcReduction="10000"/>
+          </a:bodyPr>
+          <a:lstStyle/>
+          <a:p>
+            <a:pPr>
+              <a:buFont typeface="Wingdings" charset="2"/>
+              <a:buChar char="Ø"/>
+            </a:pPr>
+            <a:r>
+              <a:rPr kumimoji="1" lang="zh-CN" altLang="en-US" sz="3200" dirty="0" smtClean="0">
+                <a:latin typeface="+mj-ea"/>
+                <a:ea typeface="+mj-ea"/>
+              </a:rPr>
+              <a:t>可以理解为</a:t>
+            </a:r>
+            <a:r>
+              <a:rPr kumimoji="1" lang="en-US" altLang="zh-CN" sz="3200" dirty="0" smtClean="0">
+                <a:latin typeface="+mj-ea"/>
+                <a:ea typeface="+mj-ea"/>
+              </a:rPr>
+              <a:t>Invoke</a:t>
+            </a:r>
+            <a:r>
+              <a:rPr kumimoji="1" lang="zh-CN" altLang="en-US" sz="3200" dirty="0" smtClean="0">
+                <a:latin typeface="+mj-ea"/>
+                <a:ea typeface="+mj-ea"/>
+              </a:rPr>
+              <a:t> </a:t>
+            </a:r>
+            <a:r>
+              <a:rPr kumimoji="1" lang="en-US" altLang="zh-CN" sz="3200" dirty="0" smtClean="0">
+                <a:latin typeface="+mj-ea"/>
+                <a:ea typeface="+mj-ea"/>
+              </a:rPr>
+              <a:t>as</a:t>
+            </a:r>
+            <a:r>
+              <a:rPr kumimoji="1" lang="zh-CN" altLang="en-US" sz="3200" dirty="0" smtClean="0">
+                <a:latin typeface="+mj-ea"/>
+                <a:ea typeface="+mj-ea"/>
+              </a:rPr>
+              <a:t> </a:t>
+            </a:r>
+            <a:r>
+              <a:rPr kumimoji="1" lang="en-US" altLang="zh-CN" sz="3200" dirty="0" smtClean="0">
+                <a:latin typeface="+mj-ea"/>
+                <a:ea typeface="+mj-ea"/>
+              </a:rPr>
+              <a:t>function</a:t>
+            </a:r>
+            <a:r>
+              <a:rPr kumimoji="1" lang="zh-CN" altLang="en-US" sz="3200" dirty="0" smtClean="0">
+                <a:latin typeface="+mj-ea"/>
+                <a:ea typeface="+mj-ea"/>
+              </a:rPr>
+              <a:t>的特殊形式</a:t>
+            </a:r>
+            <a:endParaRPr kumimoji="1" lang="en-US" altLang="zh-CN" sz="3200" dirty="0" smtClean="0">
+              <a:latin typeface="+mj-ea"/>
+              <a:ea typeface="+mj-ea"/>
+            </a:endParaRPr>
+          </a:p>
+          <a:p>
+            <a:pPr>
+              <a:buFont typeface="Wingdings" charset="2"/>
+              <a:buChar char="Ø"/>
+            </a:pPr>
+            <a:r>
+              <a:rPr kumimoji="1" lang="zh-CN" altLang="en-US" sz="3200" dirty="0" smtClean="0">
+                <a:latin typeface="+mj-ea"/>
+                <a:ea typeface="+mj-ea"/>
+              </a:rPr>
+              <a:t>同样是通过</a:t>
+            </a:r>
+            <a:r>
+              <a:rPr kumimoji="1" lang="en-US" altLang="zh-CN" sz="3200" dirty="0" smtClean="0">
+                <a:latin typeface="+mj-ea"/>
+                <a:ea typeface="+mj-ea"/>
+              </a:rPr>
+              <a:t>()</a:t>
+            </a:r>
+            <a:r>
+              <a:rPr kumimoji="1" lang="zh-CN" altLang="en-US" sz="3200" dirty="0" smtClean="0">
+                <a:latin typeface="+mj-ea"/>
+                <a:ea typeface="+mj-ea"/>
+              </a:rPr>
+              <a:t>操作符调用</a:t>
+            </a:r>
+            <a:endParaRPr kumimoji="1" lang="en-US" altLang="zh-CN" sz="3200" dirty="0" smtClean="0">
+              <a:latin typeface="+mj-ea"/>
+              <a:ea typeface="+mj-ea"/>
+            </a:endParaRPr>
+          </a:p>
+          <a:p>
+            <a:pPr>
+              <a:buFont typeface="Wingdings" charset="2"/>
+              <a:buChar char="Ø"/>
+            </a:pPr>
+            <a:r>
+              <a:rPr kumimoji="1" lang="zh-CN" altLang="en-US" sz="3200" dirty="0" smtClean="0">
+                <a:latin typeface="+mj-ea"/>
+                <a:ea typeface="+mj-ea"/>
+              </a:rPr>
+              <a:t>当</a:t>
+            </a:r>
+            <a:r>
+              <a:rPr kumimoji="1" lang="en-US" altLang="zh-CN" sz="3200" dirty="0" smtClean="0">
+                <a:latin typeface="+mj-ea"/>
+                <a:ea typeface="+mj-ea"/>
+              </a:rPr>
+              <a:t>function</a:t>
+            </a:r>
+            <a:r>
+              <a:rPr kumimoji="1" lang="zh-CN" altLang="en-US" sz="3200" dirty="0" smtClean="0">
+                <a:latin typeface="+mj-ea"/>
+                <a:ea typeface="+mj-ea"/>
+              </a:rPr>
+              <a:t>作为对象的属性时</a:t>
+            </a:r>
+            <a:endParaRPr kumimoji="1" lang="en-US" altLang="zh-CN" sz="3200" dirty="0" smtClean="0">
+              <a:latin typeface="+mj-ea"/>
+              <a:ea typeface="+mj-ea"/>
+            </a:endParaRPr>
+          </a:p>
+          <a:p>
+            <a:pPr>
+              <a:buFont typeface="Wingdings" charset="2"/>
+              <a:buChar char="Ø"/>
+            </a:pPr>
+            <a:r>
+              <a:rPr kumimoji="1" lang="zh-CN" altLang="en-US" sz="3200" dirty="0" smtClean="0">
+                <a:latin typeface="+mj-ea"/>
+                <a:ea typeface="+mj-ea"/>
+              </a:rPr>
+              <a:t>这是我们把这个</a:t>
+            </a:r>
+            <a:r>
+              <a:rPr kumimoji="1" lang="en-US" altLang="zh-CN" sz="3200" dirty="0" smtClean="0">
+                <a:latin typeface="+mj-ea"/>
+                <a:ea typeface="+mj-ea"/>
+              </a:rPr>
+              <a:t>function</a:t>
+            </a:r>
+            <a:r>
+              <a:rPr kumimoji="1" lang="zh-CN" altLang="en-US" sz="3200" dirty="0" smtClean="0">
+                <a:latin typeface="+mj-ea"/>
+                <a:ea typeface="+mj-ea"/>
+              </a:rPr>
+              <a:t>叫做</a:t>
+            </a:r>
+            <a:r>
+              <a:rPr kumimoji="1" lang="en-US" altLang="zh-CN" sz="3200" dirty="0" smtClean="0">
+                <a:latin typeface="+mj-ea"/>
+                <a:ea typeface="+mj-ea"/>
+              </a:rPr>
+              <a:t>method</a:t>
+            </a:r>
+          </a:p>
+          <a:p>
+            <a:pPr>
+              <a:buFont typeface="Wingdings" charset="2"/>
+              <a:buChar char="Ø"/>
+            </a:pPr>
+            <a:r>
+              <a:rPr kumimoji="1" lang="zh-CN" altLang="zh-CN" sz="3200" dirty="0">
+                <a:latin typeface="+mj-ea"/>
+                <a:ea typeface="+mj-ea"/>
+              </a:rPr>
+              <a:t>f</a:t>
+            </a:r>
+            <a:r>
+              <a:rPr kumimoji="1" lang="en-US" altLang="zh-CN" sz="3200" dirty="0" smtClean="0">
+                <a:latin typeface="+mj-ea"/>
+                <a:ea typeface="+mj-ea"/>
+              </a:rPr>
+              <a:t>unction</a:t>
+            </a:r>
+            <a:r>
+              <a:rPr kumimoji="1" lang="zh-CN" altLang="en-US" sz="3200" dirty="0" smtClean="0">
+                <a:latin typeface="+mj-ea"/>
+                <a:ea typeface="+mj-ea"/>
+              </a:rPr>
+              <a:t> </a:t>
+            </a:r>
+            <a:r>
+              <a:rPr kumimoji="1" lang="en-US" altLang="zh-CN" sz="3200" dirty="0" smtClean="0">
+                <a:latin typeface="+mj-ea"/>
+                <a:ea typeface="+mj-ea"/>
+              </a:rPr>
+              <a:t>context</a:t>
+            </a:r>
+            <a:r>
+              <a:rPr kumimoji="1" lang="zh-CN" altLang="en-US" sz="3200" dirty="0" smtClean="0">
+                <a:latin typeface="+mj-ea"/>
+                <a:ea typeface="+mj-ea"/>
+              </a:rPr>
+              <a:t> 是 所属对象</a:t>
+            </a:r>
+            <a:endParaRPr kumimoji="1" lang="en-US" altLang="zh-CN" sz="3200" dirty="0" smtClean="0">
+              <a:latin typeface="+mj-ea"/>
+              <a:ea typeface="+mj-ea"/>
+            </a:endParaRPr>
+          </a:p>
+          <a:p>
+            <a:pPr>
+              <a:buFont typeface="Wingdings" charset="2"/>
+              <a:buChar char="Ø"/>
+            </a:pPr>
+            <a:r>
+              <a:rPr kumimoji="1" lang="en-US" altLang="zh-CN" sz="3200" dirty="0" err="1" smtClean="0">
+                <a:latin typeface="+mj-ea"/>
+                <a:ea typeface="+mj-ea"/>
+              </a:rPr>
+              <a:t>Javascript</a:t>
+            </a:r>
+            <a:r>
+              <a:rPr kumimoji="1" lang="zh-CN" altLang="en-US" sz="3200" dirty="0" smtClean="0">
+                <a:latin typeface="+mj-ea"/>
+                <a:ea typeface="+mj-ea"/>
+              </a:rPr>
+              <a:t>中实现面向对象编程的关键</a:t>
+            </a:r>
+            <a:endParaRPr kumimoji="1" lang="zh-CN" altLang="en-US" sz="3200" dirty="0">
+              <a:latin typeface="+mj-ea"/>
+              <a:ea typeface="+mj-ea"/>
+            </a:endParaRPr>
+          </a:p>
+        </p:txBody>
+      </p:sp>
+      <p:sp>
+        <p:nvSpPr>
+          <p:cNvPr id="2" name="标题 1"/>
+          <p:cNvSpPr>
+            <a:spLocks noGrp="1"/>
+          </p:cNvSpPr>
+          <p:nvPr>
+            <p:ph type="title"/>
+          </p:nvPr>
+        </p:nvSpPr>
+        <p:spPr/>
+        <p:txBody>
+          <a:bodyPr>
+            <a:normAutofit/>
+          </a:bodyPr>
+          <a:lstStyle/>
+          <a:p>
+            <a:r>
+              <a:rPr kumimoji="1" lang="en-US" altLang="zh-CN" dirty="0" smtClean="0">
+                <a:latin typeface="Heiti SC Light"/>
+                <a:ea typeface="Heiti SC Light"/>
+                <a:cs typeface="Heiti SC Light"/>
+              </a:rPr>
+              <a:t>Invoke</a:t>
+            </a:r>
+            <a:r>
+              <a:rPr kumimoji="1" lang="zh-CN" altLang="en-US" dirty="0" smtClean="0">
+                <a:latin typeface="Heiti SC Light"/>
+                <a:ea typeface="Heiti SC Light"/>
+                <a:cs typeface="Heiti SC Light"/>
+              </a:rPr>
+              <a:t> </a:t>
+            </a:r>
+            <a:r>
+              <a:rPr kumimoji="1" lang="en-US" altLang="zh-CN" dirty="0" smtClean="0">
+                <a:latin typeface="Heiti SC Light"/>
+                <a:ea typeface="Heiti SC Light"/>
+                <a:cs typeface="Heiti SC Light"/>
+              </a:rPr>
+              <a:t>as</a:t>
+            </a:r>
+            <a:r>
+              <a:rPr kumimoji="1" lang="zh-CN" altLang="en-US" dirty="0" smtClean="0">
+                <a:latin typeface="Heiti SC Light"/>
+                <a:ea typeface="Heiti SC Light"/>
+                <a:cs typeface="Heiti SC Light"/>
+              </a:rPr>
+              <a:t> </a:t>
+            </a:r>
+            <a:r>
+              <a:rPr kumimoji="1" lang="en-US" altLang="zh-CN" dirty="0" smtClean="0">
+                <a:latin typeface="Heiti SC Light"/>
+                <a:ea typeface="Heiti SC Light"/>
+                <a:cs typeface="Heiti SC Light"/>
+              </a:rPr>
+              <a:t>a</a:t>
+            </a:r>
+            <a:r>
+              <a:rPr kumimoji="1" lang="zh-CN" altLang="en-US" dirty="0" smtClean="0">
+                <a:latin typeface="Heiti SC Light"/>
+                <a:ea typeface="Heiti SC Light"/>
+                <a:cs typeface="Heiti SC Light"/>
+              </a:rPr>
+              <a:t> </a:t>
+            </a:r>
+            <a:r>
+              <a:rPr kumimoji="1" lang="en-US" altLang="zh-CN" dirty="0" smtClean="0">
+                <a:latin typeface="Heiti SC Light"/>
+                <a:ea typeface="Heiti SC Light"/>
+                <a:cs typeface="Heiti SC Light"/>
+              </a:rPr>
+              <a:t>method</a:t>
+            </a:r>
+            <a:endParaRPr kumimoji="1" lang="zh-CN" altLang="en-US" dirty="0">
+              <a:latin typeface="Heiti SC Light"/>
+              <a:ea typeface="Heiti SC Light"/>
+              <a:cs typeface="Heiti SC Light"/>
+            </a:endParaRPr>
+          </a:p>
+        </p:txBody>
+      </p:sp>
+      <p:sp>
+        <p:nvSpPr>
+          <p:cNvPr id="4" name="副标题 2"/>
+          <p:cNvSpPr txBox="1">
+            <a:spLocks/>
+          </p:cNvSpPr>
+          <p:nvPr/>
+        </p:nvSpPr>
+        <p:spPr>
+          <a:xfrm>
+            <a:off x="690032" y="1651180"/>
+            <a:ext cx="7772400" cy="4153985"/>
+          </a:xfrm>
+          <a:prstGeom prst="rect">
+            <a:avLst/>
+          </a:prstGeom>
+        </p:spPr>
+        <p:txBody>
+          <a:bodyPr vert="horz" lIns="91440" tIns="45720" rIns="91440" bIns="45720" rtlCol="0" anchor="b">
+            <a:normAutofit/>
+          </a:bodyPr>
+          <a:lstStyle>
+            <a:lvl1pPr marL="0" indent="0" algn="ctr" defTabSz="914400" rtl="0" eaLnBrk="1" latinLnBrk="0" hangingPunct="1">
+              <a:spcBef>
+                <a:spcPct val="20000"/>
+              </a:spcBef>
+              <a:buClr>
+                <a:schemeClr val="accent1"/>
+              </a:buClr>
+              <a:buSzPct val="100000"/>
+              <a:buFont typeface="Symbol" pitchFamily="18" charset="2"/>
+              <a:buNone/>
+              <a:defRPr sz="2000" kern="1200">
+                <a:solidFill>
+                  <a:srgbClr val="FFFFFF"/>
+                </a:solidFill>
+                <a:latin typeface="+mn-lt"/>
+                <a:ea typeface="+mn-ea"/>
+                <a:cs typeface="+mn-cs"/>
+              </a:defRPr>
+            </a:lvl1pPr>
+            <a:lvl2pPr marL="457200" indent="0" algn="l" defTabSz="914400" rtl="0" eaLnBrk="1" latinLnBrk="0" hangingPunct="1">
+              <a:spcBef>
+                <a:spcPct val="20000"/>
+              </a:spcBef>
+              <a:buClr>
+                <a:schemeClr val="accent1"/>
+              </a:buClr>
+              <a:buSzPct val="100000"/>
+              <a:buFont typeface="Symbol" pitchFamily="18" charset="2"/>
+              <a:buNone/>
+              <a:defRPr sz="1800" kern="1200">
+                <a:solidFill>
+                  <a:schemeClr val="tx1">
+                    <a:tint val="75000"/>
+                  </a:schemeClr>
+                </a:solidFill>
+                <a:latin typeface="+mn-lt"/>
+                <a:ea typeface="+mn-ea"/>
+                <a:cs typeface="+mn-cs"/>
+              </a:defRPr>
+            </a:lvl2pPr>
+            <a:lvl3pPr marL="914400" indent="0" algn="l" defTabSz="914400" rtl="0" eaLnBrk="1" latinLnBrk="0" hangingPunct="1">
+              <a:spcBef>
+                <a:spcPct val="20000"/>
+              </a:spcBef>
+              <a:buClr>
+                <a:schemeClr val="accent1"/>
+              </a:buClr>
+              <a:buSzPct val="100000"/>
+              <a:buFont typeface="Symbol" pitchFamily="18" charset="2"/>
+              <a:buNone/>
+              <a:defRPr sz="1600" kern="1200">
+                <a:solidFill>
+                  <a:schemeClr val="tx1">
+                    <a:tint val="75000"/>
+                  </a:schemeClr>
+                </a:solidFill>
+                <a:latin typeface="+mn-lt"/>
+                <a:ea typeface="+mn-ea"/>
+                <a:cs typeface="+mn-cs"/>
+              </a:defRPr>
+            </a:lvl3pPr>
+            <a:lvl4pPr marL="1371600" indent="0" algn="l" defTabSz="914400" rtl="0" eaLnBrk="1" latinLnBrk="0" hangingPunct="1">
+              <a:spcBef>
+                <a:spcPct val="20000"/>
+              </a:spcBef>
+              <a:buClr>
+                <a:schemeClr val="accent1"/>
+              </a:buClr>
+              <a:buSzPct val="100000"/>
+              <a:buFont typeface="Symbol" pitchFamily="18" charset="2"/>
+              <a:buNone/>
+              <a:defRPr sz="1400" kern="1200">
+                <a:solidFill>
+                  <a:schemeClr val="tx1">
+                    <a:tint val="75000"/>
+                  </a:schemeClr>
+                </a:solidFill>
+                <a:latin typeface="+mn-lt"/>
+                <a:ea typeface="+mn-ea"/>
+                <a:cs typeface="+mn-cs"/>
+              </a:defRPr>
+            </a:lvl4pPr>
+            <a:lvl5pPr marL="1828800" indent="0" algn="l" defTabSz="914400" rtl="0" eaLnBrk="1" latinLnBrk="0" hangingPunct="1">
+              <a:spcBef>
+                <a:spcPct val="20000"/>
+              </a:spcBef>
+              <a:buClr>
+                <a:schemeClr val="accent1"/>
+              </a:buClr>
+              <a:buSzPct val="100000"/>
+              <a:buFont typeface="Symbol" pitchFamily="18" charset="2"/>
+              <a:buNone/>
+              <a:defRPr sz="1400" kern="1200">
+                <a:solidFill>
+                  <a:schemeClr val="tx1">
+                    <a:tint val="75000"/>
+                  </a:schemeClr>
+                </a:solidFill>
+                <a:latin typeface="+mn-lt"/>
+                <a:ea typeface="+mn-ea"/>
+                <a:cs typeface="+mn-cs"/>
+              </a:defRPr>
+            </a:lvl5pPr>
+            <a:lvl6pPr marL="2286000" indent="0" algn="l" defTabSz="914400" rtl="0" eaLnBrk="1" latinLnBrk="0" hangingPunct="1">
+              <a:spcBef>
+                <a:spcPts val="384"/>
+              </a:spcBef>
+              <a:buClr>
+                <a:schemeClr val="accent1"/>
+              </a:buClr>
+              <a:buFont typeface="Symbol" pitchFamily="18" charset="2"/>
+              <a:buNone/>
+              <a:defRPr sz="1400" kern="1200">
+                <a:solidFill>
+                  <a:schemeClr val="tx1">
+                    <a:tint val="75000"/>
+                  </a:schemeClr>
+                </a:solidFill>
+                <a:latin typeface="+mn-lt"/>
+                <a:ea typeface="+mn-ea"/>
+                <a:cs typeface="+mn-cs"/>
+              </a:defRPr>
+            </a:lvl6pPr>
+            <a:lvl7pPr marL="2743200" indent="0" algn="l" defTabSz="914400" rtl="0" eaLnBrk="1" latinLnBrk="0" hangingPunct="1">
+              <a:spcBef>
+                <a:spcPts val="384"/>
+              </a:spcBef>
+              <a:buClr>
+                <a:schemeClr val="accent1"/>
+              </a:buClr>
+              <a:buFont typeface="Symbol" pitchFamily="18" charset="2"/>
+              <a:buNone/>
+              <a:defRPr sz="1400" kern="1200">
+                <a:solidFill>
+                  <a:schemeClr val="tx1">
+                    <a:tint val="75000"/>
+                  </a:schemeClr>
+                </a:solidFill>
+                <a:latin typeface="+mn-lt"/>
+                <a:ea typeface="+mn-ea"/>
+                <a:cs typeface="+mn-cs"/>
+              </a:defRPr>
+            </a:lvl7pPr>
+            <a:lvl8pPr marL="3200400" indent="0" algn="l" defTabSz="914400" rtl="0" eaLnBrk="1" latinLnBrk="0" hangingPunct="1">
+              <a:spcBef>
+                <a:spcPts val="384"/>
+              </a:spcBef>
+              <a:buClr>
+                <a:schemeClr val="accent1"/>
+              </a:buClr>
+              <a:buFont typeface="Symbol" pitchFamily="18" charset="2"/>
+              <a:buNone/>
+              <a:defRPr sz="1400" kern="1200">
+                <a:solidFill>
+                  <a:schemeClr val="tx1">
+                    <a:tint val="75000"/>
+                  </a:schemeClr>
+                </a:solidFill>
+                <a:latin typeface="+mn-lt"/>
+                <a:ea typeface="+mn-ea"/>
+                <a:cs typeface="+mn-cs"/>
+              </a:defRPr>
+            </a:lvl8pPr>
+            <a:lvl9pPr marL="3657600" indent="0" algn="l" defTabSz="914400" rtl="0" eaLnBrk="1" latinLnBrk="0" hangingPunct="1">
+              <a:spcBef>
+                <a:spcPts val="384"/>
+              </a:spcBef>
+              <a:buClr>
+                <a:schemeClr val="accent1"/>
+              </a:buClr>
+              <a:buFont typeface="Symbol" pitchFamily="18" charset="2"/>
+              <a:buNone/>
+              <a:defRPr sz="1400" kern="1200">
+                <a:solidFill>
+                  <a:schemeClr val="tx1">
+                    <a:tint val="75000"/>
+                  </a:schemeClr>
+                </a:solidFill>
+                <a:latin typeface="+mn-lt"/>
+                <a:ea typeface="+mn-ea"/>
+                <a:cs typeface="+mn-cs"/>
+              </a:defRPr>
+            </a:lvl9pPr>
+          </a:lstStyle>
+          <a:p>
+            <a:endParaRPr kumimoji="1" lang="zh-CN" altLang="en-US" dirty="0">
+              <a:solidFill>
+                <a:schemeClr val="tx1"/>
+              </a:solidFill>
+            </a:endParaRPr>
+          </a:p>
+        </p:txBody>
+      </p:sp>
+    </p:spTree>
+    <p:extLst>
+      <p:ext uri="{BB962C8B-B14F-4D97-AF65-F5344CB8AC3E}">
+        <p14:creationId xmlns:p14="http://schemas.microsoft.com/office/powerpoint/2010/main" val="1262061812"/>
+      </p:ext>
+    </p:extLst>
+  </p:cSld>
+  <p:clrMapOvr>
+    <a:masterClrMapping/>
+  </p:clrMapOvr>
+  <p:timing>
+    <p:tnLst>
+      <p:par>
+        <p:cTn xmlns:p14="http://schemas.microsoft.com/office/powerpoint/2010/main" id="1" dur="indefinite" restart="never" nodeType="tmRoot"/>
+      </p:par>
+    </p:tnLst>
+  </p:timing>
+</p:sld>
+</file>
+
+<file path=ppt/slides/slide2.xml><?xml version="1.0" encoding="utf-8"?>
+<p:sld xmlns:a="http://schemas.openxmlformats.org/drawingml/2006/main" xmlns:r="http://schemas.openxmlformats.org/officeDocument/2006/relationships" xmlns:p="http://schemas.openxmlformats.org/presentationml/2006/main">
+  <p:cSld>
+    <p:spTree>
+      <p:nvGrpSpPr>
+        <p:cNvPr id="1" name=""/>
+        <p:cNvGrpSpPr/>
+        <p:nvPr/>
+      </p:nvGrpSpPr>
+      <p:grpSpPr>
+        <a:xfrm>
+          <a:off x="0" y="0"/>
+          <a:ext cx="0" cy="0"/>
+          <a:chOff x="0" y="0"/>
+          <a:chExt cx="0" cy="0"/>
+        </a:xfrm>
+      </p:grpSpPr>
+      <p:sp>
+        <p:nvSpPr>
+          <p:cNvPr id="5" name="内容占位符 4"/>
+          <p:cNvSpPr>
+            <a:spLocks noGrp="1"/>
+          </p:cNvSpPr>
+          <p:nvPr>
+            <p:ph idx="1"/>
+          </p:nvPr>
+        </p:nvSpPr>
+        <p:spPr/>
+        <p:txBody>
+          <a:bodyPr/>
+          <a:lstStyle/>
+          <a:p>
+            <a:pPr>
+              <a:buFont typeface="Wingdings" charset="2"/>
+              <a:buChar char="Ø"/>
+            </a:pPr>
+            <a:r>
+              <a:rPr kumimoji="1" lang="en-US" altLang="zh-CN" dirty="0" err="1" smtClean="0">
+                <a:latin typeface="Heiti SC Light"/>
+                <a:ea typeface="Heiti SC Light"/>
+                <a:cs typeface="Heiti SC Light"/>
+              </a:rPr>
+              <a:t>JsTestDriver</a:t>
+            </a:r>
+            <a:endParaRPr kumimoji="1" lang="en-US" altLang="en-US" dirty="0" smtClean="0">
+              <a:latin typeface="Heiti SC Light"/>
+              <a:ea typeface="Heiti SC Light"/>
+              <a:cs typeface="Heiti SC Light"/>
+            </a:endParaRPr>
+          </a:p>
+          <a:p>
+            <a:pPr>
+              <a:buFont typeface="Wingdings" charset="2"/>
+              <a:buChar char="Ø"/>
+            </a:pPr>
+            <a:r>
+              <a:rPr kumimoji="1" lang="en-US" altLang="zh-CN" dirty="0" smtClean="0">
+                <a:latin typeface="Heiti SC Light"/>
+                <a:ea typeface="Heiti SC Light"/>
+                <a:cs typeface="Heiti SC Light"/>
+              </a:rPr>
+              <a:t>Function</a:t>
+            </a:r>
+            <a:r>
+              <a:rPr kumimoji="1" lang="zh-CN" altLang="en-US" dirty="0" smtClean="0">
+                <a:latin typeface="Heiti SC Light"/>
+                <a:ea typeface="Heiti SC Light"/>
+                <a:cs typeface="Heiti SC Light"/>
+              </a:rPr>
+              <a:t>对象的特性</a:t>
+            </a:r>
+            <a:endParaRPr kumimoji="1" lang="en-US" altLang="zh-CN" dirty="0" smtClean="0">
+              <a:latin typeface="Heiti SC Light"/>
+              <a:ea typeface="Heiti SC Light"/>
+              <a:cs typeface="Heiti SC Light"/>
+            </a:endParaRPr>
+          </a:p>
+          <a:p>
+            <a:pPr>
+              <a:buFont typeface="Wingdings" charset="2"/>
+              <a:buChar char="Ø"/>
+            </a:pPr>
+            <a:r>
+              <a:rPr kumimoji="1" lang="en-US" altLang="zh-CN" dirty="0" smtClean="0">
+                <a:latin typeface="Heiti SC Light"/>
+                <a:ea typeface="Heiti SC Light"/>
+                <a:cs typeface="Heiti SC Light"/>
+              </a:rPr>
+              <a:t>Function</a:t>
+            </a:r>
+            <a:r>
+              <a:rPr kumimoji="1" lang="zh-CN" altLang="en-US" dirty="0" smtClean="0">
+                <a:latin typeface="Heiti SC Light"/>
+                <a:ea typeface="Heiti SC Light"/>
+                <a:cs typeface="Heiti SC Light"/>
+              </a:rPr>
+              <a:t>对象的</a:t>
+            </a:r>
+            <a:r>
+              <a:rPr kumimoji="1" lang="zh-CN" altLang="en-US" dirty="0" smtClean="0">
+                <a:latin typeface="Heiti SC Light"/>
+                <a:ea typeface="Heiti SC Light"/>
+                <a:cs typeface="Heiti SC Light"/>
+              </a:rPr>
+              <a:t>用法</a:t>
+            </a:r>
+            <a:endParaRPr kumimoji="1" lang="en-US" altLang="zh-CN" dirty="0" smtClean="0">
+              <a:latin typeface="Heiti SC Light"/>
+              <a:ea typeface="Heiti SC Light"/>
+              <a:cs typeface="Heiti SC Light"/>
+            </a:endParaRPr>
+          </a:p>
+          <a:p>
+            <a:pPr>
+              <a:buFont typeface="Wingdings" charset="2"/>
+              <a:buChar char="Ø"/>
+            </a:pPr>
+            <a:r>
+              <a:rPr kumimoji="1" lang="zh-CN" altLang="en-US" dirty="0" smtClean="0">
+                <a:latin typeface="Heiti SC Light"/>
+                <a:ea typeface="Heiti SC Light"/>
+                <a:cs typeface="Heiti SC Light"/>
+              </a:rPr>
+              <a:t>闭包</a:t>
+            </a:r>
+            <a:endParaRPr kumimoji="1" lang="en-US" altLang="zh-CN" dirty="0" smtClean="0">
+              <a:latin typeface="Heiti SC Light"/>
+              <a:ea typeface="Heiti SC Light"/>
+              <a:cs typeface="Heiti SC Light"/>
+            </a:endParaRPr>
+          </a:p>
+          <a:p>
+            <a:pPr>
+              <a:buFont typeface="Wingdings" charset="2"/>
+              <a:buChar char="Ø"/>
+            </a:pPr>
+            <a:r>
+              <a:rPr kumimoji="1" lang="en-US" altLang="zh-CN" dirty="0" smtClean="0">
+                <a:latin typeface="Heiti SC Light"/>
+                <a:ea typeface="Heiti SC Light"/>
+                <a:cs typeface="Heiti SC Light"/>
+              </a:rPr>
+              <a:t>Underscore</a:t>
+            </a:r>
+            <a:r>
+              <a:rPr kumimoji="1" lang="zh-CN" altLang="en-US" dirty="0" smtClean="0">
+                <a:latin typeface="Heiti SC Light"/>
+                <a:ea typeface="Heiti SC Light"/>
+                <a:cs typeface="Heiti SC Light"/>
+              </a:rPr>
+              <a:t>.</a:t>
+            </a:r>
+            <a:r>
+              <a:rPr kumimoji="1" lang="en-US" altLang="zh-CN" dirty="0" err="1" smtClean="0">
+                <a:latin typeface="Heiti SC Light"/>
+                <a:ea typeface="Heiti SC Light"/>
+                <a:cs typeface="Heiti SC Light"/>
+              </a:rPr>
+              <a:t>js</a:t>
+            </a:r>
+            <a:endParaRPr kumimoji="1" lang="en-US" altLang="en-US" dirty="0" smtClean="0">
+              <a:latin typeface="Heiti SC Light"/>
+              <a:ea typeface="Heiti SC Light"/>
+              <a:cs typeface="Heiti SC Light"/>
+            </a:endParaRPr>
+          </a:p>
+        </p:txBody>
+      </p:sp>
+      <p:sp>
+        <p:nvSpPr>
+          <p:cNvPr id="2" name="标题 1"/>
+          <p:cNvSpPr>
+            <a:spLocks noGrp="1"/>
+          </p:cNvSpPr>
+          <p:nvPr>
+            <p:ph type="title"/>
+          </p:nvPr>
+        </p:nvSpPr>
+        <p:spPr/>
+        <p:txBody>
+          <a:bodyPr/>
+          <a:lstStyle/>
+          <a:p>
+            <a:r>
+              <a:rPr kumimoji="1" lang="en-US" altLang="zh-CN" dirty="0" smtClean="0">
+                <a:latin typeface="Heiti SC Light"/>
+                <a:ea typeface="Heiti SC Light"/>
+                <a:cs typeface="Heiti SC Light"/>
+              </a:rPr>
+              <a:t>agenda</a:t>
+            </a:r>
+            <a:endParaRPr kumimoji="1" lang="zh-CN" altLang="en-US" dirty="0">
+              <a:latin typeface="Heiti SC Light"/>
+              <a:ea typeface="Heiti SC Light"/>
+              <a:cs typeface="Heiti SC Light"/>
+            </a:endParaRPr>
+          </a:p>
+        </p:txBody>
+      </p:sp>
+      <p:sp>
+        <p:nvSpPr>
+          <p:cNvPr id="4" name="副标题 2"/>
+          <p:cNvSpPr txBox="1">
+            <a:spLocks/>
+          </p:cNvSpPr>
+          <p:nvPr/>
+        </p:nvSpPr>
+        <p:spPr>
+          <a:xfrm>
+            <a:off x="690032" y="1651180"/>
+            <a:ext cx="7772400" cy="4153985"/>
+          </a:xfrm>
+          <a:prstGeom prst="rect">
+            <a:avLst/>
+          </a:prstGeom>
+        </p:spPr>
+        <p:txBody>
+          <a:bodyPr vert="horz" lIns="91440" tIns="45720" rIns="91440" bIns="45720" rtlCol="0" anchor="b">
+            <a:normAutofit/>
+          </a:bodyPr>
+          <a:lstStyle>
+            <a:lvl1pPr marL="0" indent="0" algn="ctr" defTabSz="914400" rtl="0" eaLnBrk="1" latinLnBrk="0" hangingPunct="1">
+              <a:spcBef>
+                <a:spcPct val="20000"/>
+              </a:spcBef>
+              <a:buClr>
+                <a:schemeClr val="accent1"/>
+              </a:buClr>
+              <a:buSzPct val="100000"/>
+              <a:buFont typeface="Symbol" pitchFamily="18" charset="2"/>
+              <a:buNone/>
+              <a:defRPr sz="2000" kern="1200">
+                <a:solidFill>
+                  <a:srgbClr val="FFFFFF"/>
+                </a:solidFill>
+                <a:latin typeface="+mn-lt"/>
+                <a:ea typeface="+mn-ea"/>
+                <a:cs typeface="+mn-cs"/>
+              </a:defRPr>
+            </a:lvl1pPr>
+            <a:lvl2pPr marL="457200" indent="0" algn="l" defTabSz="914400" rtl="0" eaLnBrk="1" latinLnBrk="0" hangingPunct="1">
+              <a:spcBef>
+                <a:spcPct val="20000"/>
+              </a:spcBef>
+              <a:buClr>
+                <a:schemeClr val="accent1"/>
+              </a:buClr>
+              <a:buSzPct val="100000"/>
+              <a:buFont typeface="Symbol" pitchFamily="18" charset="2"/>
+              <a:buNone/>
+              <a:defRPr sz="1800" kern="1200">
+                <a:solidFill>
+                  <a:schemeClr val="tx1">
+                    <a:tint val="75000"/>
+                  </a:schemeClr>
+                </a:solidFill>
+                <a:latin typeface="+mn-lt"/>
+                <a:ea typeface="+mn-ea"/>
+                <a:cs typeface="+mn-cs"/>
+              </a:defRPr>
+            </a:lvl2pPr>
+            <a:lvl3pPr marL="914400" indent="0" algn="l" defTabSz="914400" rtl="0" eaLnBrk="1" latinLnBrk="0" hangingPunct="1">
+              <a:spcBef>
+                <a:spcPct val="20000"/>
+              </a:spcBef>
+              <a:buClr>
+                <a:schemeClr val="accent1"/>
+              </a:buClr>
+              <a:buSzPct val="100000"/>
+              <a:buFont typeface="Symbol" pitchFamily="18" charset="2"/>
+              <a:buNone/>
+              <a:defRPr sz="1600" kern="1200">
+                <a:solidFill>
+                  <a:schemeClr val="tx1">
+                    <a:tint val="75000"/>
+                  </a:schemeClr>
+                </a:solidFill>
+                <a:latin typeface="+mn-lt"/>
+                <a:ea typeface="+mn-ea"/>
+                <a:cs typeface="+mn-cs"/>
+              </a:defRPr>
+            </a:lvl3pPr>
+            <a:lvl4pPr marL="1371600" indent="0" algn="l" defTabSz="914400" rtl="0" eaLnBrk="1" latinLnBrk="0" hangingPunct="1">
+              <a:spcBef>
+                <a:spcPct val="20000"/>
+              </a:spcBef>
+              <a:buClr>
+                <a:schemeClr val="accent1"/>
+              </a:buClr>
+              <a:buSzPct val="100000"/>
+              <a:buFont typeface="Symbol" pitchFamily="18" charset="2"/>
+              <a:buNone/>
+              <a:defRPr sz="1400" kern="1200">
+                <a:solidFill>
+                  <a:schemeClr val="tx1">
+                    <a:tint val="75000"/>
+                  </a:schemeClr>
+                </a:solidFill>
+                <a:latin typeface="+mn-lt"/>
+                <a:ea typeface="+mn-ea"/>
+                <a:cs typeface="+mn-cs"/>
+              </a:defRPr>
+            </a:lvl4pPr>
+            <a:lvl5pPr marL="1828800" indent="0" algn="l" defTabSz="914400" rtl="0" eaLnBrk="1" latinLnBrk="0" hangingPunct="1">
+              <a:spcBef>
+                <a:spcPct val="20000"/>
+              </a:spcBef>
+              <a:buClr>
+                <a:schemeClr val="accent1"/>
+              </a:buClr>
+              <a:buSzPct val="100000"/>
+              <a:buFont typeface="Symbol" pitchFamily="18" charset="2"/>
+              <a:buNone/>
+              <a:defRPr sz="1400" kern="1200">
+                <a:solidFill>
+                  <a:schemeClr val="tx1">
+                    <a:tint val="75000"/>
+                  </a:schemeClr>
+                </a:solidFill>
+                <a:latin typeface="+mn-lt"/>
+                <a:ea typeface="+mn-ea"/>
+                <a:cs typeface="+mn-cs"/>
+              </a:defRPr>
+            </a:lvl5pPr>
+            <a:lvl6pPr marL="2286000" indent="0" algn="l" defTabSz="914400" rtl="0" eaLnBrk="1" latinLnBrk="0" hangingPunct="1">
+              <a:spcBef>
+                <a:spcPts val="384"/>
+              </a:spcBef>
+              <a:buClr>
+                <a:schemeClr val="accent1"/>
+              </a:buClr>
+              <a:buFont typeface="Symbol" pitchFamily="18" charset="2"/>
+              <a:buNone/>
+              <a:defRPr sz="1400" kern="1200">
+                <a:solidFill>
+                  <a:schemeClr val="tx1">
+                    <a:tint val="75000"/>
+                  </a:schemeClr>
+                </a:solidFill>
+                <a:latin typeface="+mn-lt"/>
+                <a:ea typeface="+mn-ea"/>
+                <a:cs typeface="+mn-cs"/>
+              </a:defRPr>
+            </a:lvl6pPr>
+            <a:lvl7pPr marL="2743200" indent="0" algn="l" defTabSz="914400" rtl="0" eaLnBrk="1" latinLnBrk="0" hangingPunct="1">
+              <a:spcBef>
+                <a:spcPts val="384"/>
+              </a:spcBef>
+              <a:buClr>
+                <a:schemeClr val="accent1"/>
+              </a:buClr>
+              <a:buFont typeface="Symbol" pitchFamily="18" charset="2"/>
+              <a:buNone/>
+              <a:defRPr sz="1400" kern="1200">
+                <a:solidFill>
+                  <a:schemeClr val="tx1">
+                    <a:tint val="75000"/>
+                  </a:schemeClr>
+                </a:solidFill>
+                <a:latin typeface="+mn-lt"/>
+                <a:ea typeface="+mn-ea"/>
+                <a:cs typeface="+mn-cs"/>
+              </a:defRPr>
+            </a:lvl7pPr>
+            <a:lvl8pPr marL="3200400" indent="0" algn="l" defTabSz="914400" rtl="0" eaLnBrk="1" latinLnBrk="0" hangingPunct="1">
+              <a:spcBef>
+                <a:spcPts val="384"/>
+              </a:spcBef>
+              <a:buClr>
+                <a:schemeClr val="accent1"/>
+              </a:buClr>
+              <a:buFont typeface="Symbol" pitchFamily="18" charset="2"/>
+              <a:buNone/>
+              <a:defRPr sz="1400" kern="1200">
+                <a:solidFill>
+                  <a:schemeClr val="tx1">
+                    <a:tint val="75000"/>
+                  </a:schemeClr>
+                </a:solidFill>
+                <a:latin typeface="+mn-lt"/>
+                <a:ea typeface="+mn-ea"/>
+                <a:cs typeface="+mn-cs"/>
+              </a:defRPr>
+            </a:lvl8pPr>
+            <a:lvl9pPr marL="3657600" indent="0" algn="l" defTabSz="914400" rtl="0" eaLnBrk="1" latinLnBrk="0" hangingPunct="1">
+              <a:spcBef>
+                <a:spcPts val="384"/>
+              </a:spcBef>
+              <a:buClr>
+                <a:schemeClr val="accent1"/>
+              </a:buClr>
+              <a:buFont typeface="Symbol" pitchFamily="18" charset="2"/>
+              <a:buNone/>
+              <a:defRPr sz="1400" kern="1200">
+                <a:solidFill>
+                  <a:schemeClr val="tx1">
+                    <a:tint val="75000"/>
+                  </a:schemeClr>
+                </a:solidFill>
+                <a:latin typeface="+mn-lt"/>
+                <a:ea typeface="+mn-ea"/>
+                <a:cs typeface="+mn-cs"/>
+              </a:defRPr>
+            </a:lvl9pPr>
+          </a:lstStyle>
+          <a:p>
+            <a:endParaRPr kumimoji="1" lang="zh-CN" altLang="en-US" dirty="0">
+              <a:solidFill>
+                <a:schemeClr val="tx1"/>
+              </a:solidFill>
+            </a:endParaRPr>
+          </a:p>
+        </p:txBody>
+      </p:sp>
+    </p:spTree>
+    <p:extLst>
+      <p:ext uri="{BB962C8B-B14F-4D97-AF65-F5344CB8AC3E}">
         <p14:creationId xmlns:p14="http://schemas.microsoft.com/office/powerpoint/2010/main" val="2102558356"/>
+      </p:ext>
+    </p:extLst>
+  </p:cSld>
+  <p:clrMapOvr>
+    <a:masterClrMapping/>
+  </p:clrMapOvr>
+  <p:timing>
+    <p:tnLst>
+      <p:par>
+        <p:cTn xmlns:p14="http://schemas.microsoft.com/office/powerpoint/2010/main" id="1" dur="indefinite" restart="never" nodeType="tmRoot"/>
+      </p:par>
+    </p:tnLst>
+  </p:timing>
+</p:sld>
+</file>
+
+<file path=ppt/slides/slide20.xml><?xml version="1.0" encoding="utf-8"?>
+<p:sld xmlns:a="http://schemas.openxmlformats.org/drawingml/2006/main" xmlns:r="http://schemas.openxmlformats.org/officeDocument/2006/relationships" xmlns:p="http://schemas.openxmlformats.org/presentationml/2006/main">
+  <p:cSld>
+    <p:spTree>
+      <p:nvGrpSpPr>
+        <p:cNvPr id="1" name=""/>
+        <p:cNvGrpSpPr/>
+        <p:nvPr/>
+      </p:nvGrpSpPr>
+      <p:grpSpPr>
+        <a:xfrm>
+          <a:off x="0" y="0"/>
+          <a:ext cx="0" cy="0"/>
+          <a:chOff x="0" y="0"/>
+          <a:chExt cx="0" cy="0"/>
+        </a:xfrm>
+      </p:grpSpPr>
+      <p:sp>
+        <p:nvSpPr>
+          <p:cNvPr id="3" name="内容占位符 2"/>
+          <p:cNvSpPr>
+            <a:spLocks noGrp="1"/>
+          </p:cNvSpPr>
+          <p:nvPr>
+            <p:ph idx="1"/>
+          </p:nvPr>
+        </p:nvSpPr>
+        <p:spPr>
+          <a:xfrm>
+            <a:off x="872067" y="2449054"/>
+            <a:ext cx="7408333" cy="3677109"/>
+          </a:xfrm>
+        </p:spPr>
+        <p:txBody>
+          <a:bodyPr>
+            <a:normAutofit/>
+          </a:bodyPr>
+          <a:lstStyle/>
+          <a:p>
+            <a:pPr>
+              <a:buFont typeface="Wingdings" charset="2"/>
+              <a:buChar char="Ø"/>
+            </a:pPr>
+            <a:r>
+              <a:rPr kumimoji="1" lang="zh-CN" altLang="en-US" sz="3200" dirty="0" smtClean="0">
+                <a:latin typeface="+mj-ea"/>
+                <a:ea typeface="+mj-ea"/>
+              </a:rPr>
+              <a:t>通过</a:t>
+            </a:r>
+            <a:r>
+              <a:rPr kumimoji="1" lang="en-US" altLang="zh-CN" sz="3200" dirty="0" smtClean="0">
+                <a:latin typeface="+mj-ea"/>
+                <a:ea typeface="+mj-ea"/>
+              </a:rPr>
+              <a:t>new</a:t>
+            </a:r>
+            <a:r>
+              <a:rPr kumimoji="1" lang="zh-CN" altLang="en-US" sz="3200" dirty="0" smtClean="0">
+                <a:latin typeface="+mj-ea"/>
+                <a:ea typeface="+mj-ea"/>
+              </a:rPr>
+              <a:t>操作符调用</a:t>
+            </a:r>
+            <a:endParaRPr kumimoji="1" lang="en-US" altLang="zh-CN" sz="3200" dirty="0" smtClean="0">
+              <a:latin typeface="+mj-ea"/>
+              <a:ea typeface="+mj-ea"/>
+            </a:endParaRPr>
+          </a:p>
+          <a:p>
+            <a:pPr>
+              <a:buFont typeface="Wingdings" charset="2"/>
+              <a:buChar char="Ø"/>
+            </a:pPr>
+            <a:r>
+              <a:rPr kumimoji="1" lang="en-US" altLang="zh-CN" sz="3200" dirty="0" smtClean="0">
+                <a:latin typeface="+mj-ea"/>
+                <a:ea typeface="+mj-ea"/>
+              </a:rPr>
+              <a:t>JavaScript</a:t>
+            </a:r>
+            <a:r>
+              <a:rPr kumimoji="1" lang="zh-CN" altLang="en-US" sz="3200" dirty="0" smtClean="0">
+                <a:latin typeface="+mj-ea"/>
+                <a:ea typeface="+mj-ea"/>
+              </a:rPr>
+              <a:t>在做什么</a:t>
+            </a:r>
+            <a:r>
+              <a:rPr kumimoji="1" lang="zh-CN" altLang="zh-CN" sz="3200" dirty="0" smtClean="0">
+                <a:latin typeface="+mj-ea"/>
+                <a:ea typeface="+mj-ea"/>
+              </a:rPr>
+              <a:t>?</a:t>
+            </a:r>
+            <a:endParaRPr kumimoji="1" lang="en-US" altLang="zh-CN" sz="3200" dirty="0" smtClean="0">
+              <a:latin typeface="+mj-ea"/>
+              <a:ea typeface="+mj-ea"/>
+            </a:endParaRPr>
+          </a:p>
+          <a:p>
+            <a:pPr lvl="1">
+              <a:buFont typeface="Wingdings" charset="2"/>
+              <a:buChar char="Ø"/>
+            </a:pPr>
+            <a:r>
+              <a:rPr kumimoji="1" lang="zh-CN" altLang="en-US" sz="3000" dirty="0" smtClean="0">
+                <a:latin typeface="+mj-ea"/>
+                <a:ea typeface="+mj-ea"/>
+              </a:rPr>
+              <a:t>创建一个对象</a:t>
+            </a:r>
+            <a:endParaRPr kumimoji="1" lang="en-US" altLang="zh-CN" sz="3000" dirty="0" smtClean="0">
+              <a:latin typeface="+mj-ea"/>
+              <a:ea typeface="+mj-ea"/>
+            </a:endParaRPr>
+          </a:p>
+          <a:p>
+            <a:pPr lvl="1">
+              <a:buFont typeface="Wingdings" charset="2"/>
+              <a:buChar char="Ø"/>
+            </a:pPr>
+            <a:r>
+              <a:rPr kumimoji="1" lang="zh-CN" altLang="en-US" sz="3000" dirty="0" smtClean="0">
+                <a:latin typeface="+mj-ea"/>
+                <a:ea typeface="+mj-ea"/>
+              </a:rPr>
+              <a:t>把这个对象作为</a:t>
+            </a:r>
+            <a:r>
+              <a:rPr kumimoji="1" lang="en-US" altLang="zh-CN" sz="3000" dirty="0" smtClean="0">
+                <a:latin typeface="+mj-ea"/>
+                <a:ea typeface="+mj-ea"/>
+              </a:rPr>
+              <a:t>this</a:t>
+            </a:r>
+            <a:r>
+              <a:rPr kumimoji="1" lang="zh-CN" altLang="en-US" sz="3000" dirty="0" smtClean="0">
+                <a:latin typeface="+mj-ea"/>
+                <a:ea typeface="+mj-ea"/>
+              </a:rPr>
+              <a:t>调用函数</a:t>
+            </a:r>
+            <a:endParaRPr kumimoji="1" lang="en-US" altLang="zh-CN" sz="3000" dirty="0" smtClean="0">
+              <a:latin typeface="+mj-ea"/>
+              <a:ea typeface="+mj-ea"/>
+            </a:endParaRPr>
+          </a:p>
+          <a:p>
+            <a:pPr lvl="1">
+              <a:buFont typeface="Wingdings" charset="2"/>
+              <a:buChar char="Ø"/>
+            </a:pPr>
+            <a:r>
+              <a:rPr kumimoji="1" lang="zh-CN" altLang="en-US" sz="3000" dirty="0" smtClean="0">
+                <a:latin typeface="+mj-ea"/>
+                <a:ea typeface="+mj-ea"/>
+              </a:rPr>
+              <a:t>不管函数返回什么都把这个对象返回给调用者。</a:t>
+            </a:r>
+            <a:endParaRPr kumimoji="1" lang="en-US" altLang="zh-CN" sz="3000" dirty="0" smtClean="0">
+              <a:latin typeface="+mj-ea"/>
+              <a:ea typeface="+mj-ea"/>
+            </a:endParaRPr>
+          </a:p>
+          <a:p>
+            <a:pPr>
+              <a:buFont typeface="Wingdings" charset="2"/>
+              <a:buChar char="Ø"/>
+            </a:pPr>
+            <a:endParaRPr kumimoji="1" lang="zh-CN" altLang="en-US" sz="3400" dirty="0">
+              <a:latin typeface="+mj-ea"/>
+              <a:ea typeface="+mj-ea"/>
+            </a:endParaRPr>
+          </a:p>
+        </p:txBody>
+      </p:sp>
+      <p:sp>
+        <p:nvSpPr>
+          <p:cNvPr id="2" name="标题 1"/>
+          <p:cNvSpPr>
+            <a:spLocks noGrp="1"/>
+          </p:cNvSpPr>
+          <p:nvPr>
+            <p:ph type="title"/>
+          </p:nvPr>
+        </p:nvSpPr>
+        <p:spPr/>
+        <p:txBody>
+          <a:bodyPr>
+            <a:normAutofit/>
+          </a:bodyPr>
+          <a:lstStyle/>
+          <a:p>
+            <a:r>
+              <a:rPr kumimoji="1" lang="en-US" altLang="zh-CN" dirty="0" smtClean="0">
+                <a:latin typeface="Heiti SC Light"/>
+                <a:ea typeface="Heiti SC Light"/>
+                <a:cs typeface="Heiti SC Light"/>
+              </a:rPr>
+              <a:t>Invoke</a:t>
+            </a:r>
+            <a:r>
+              <a:rPr kumimoji="1" lang="zh-CN" altLang="en-US" dirty="0" smtClean="0">
+                <a:latin typeface="Heiti SC Light"/>
+                <a:ea typeface="Heiti SC Light"/>
+                <a:cs typeface="Heiti SC Light"/>
+              </a:rPr>
+              <a:t> </a:t>
+            </a:r>
+            <a:r>
+              <a:rPr kumimoji="1" lang="en-US" altLang="zh-CN" dirty="0" smtClean="0">
+                <a:latin typeface="Heiti SC Light"/>
+                <a:ea typeface="Heiti SC Light"/>
+                <a:cs typeface="Heiti SC Light"/>
+              </a:rPr>
+              <a:t>as</a:t>
+            </a:r>
+            <a:r>
+              <a:rPr kumimoji="1" lang="zh-CN" altLang="en-US" dirty="0" smtClean="0">
+                <a:latin typeface="Heiti SC Light"/>
+                <a:ea typeface="Heiti SC Light"/>
+                <a:cs typeface="Heiti SC Light"/>
+              </a:rPr>
+              <a:t> </a:t>
+            </a:r>
+            <a:r>
+              <a:rPr kumimoji="1" lang="en-US" altLang="zh-CN" dirty="0" smtClean="0">
+                <a:latin typeface="Heiti SC Light"/>
+                <a:ea typeface="Heiti SC Light"/>
+                <a:cs typeface="Heiti SC Light"/>
+              </a:rPr>
+              <a:t>a</a:t>
+            </a:r>
+            <a:r>
+              <a:rPr kumimoji="1" lang="zh-CN" altLang="en-US" dirty="0" smtClean="0">
+                <a:latin typeface="Heiti SC Light"/>
+                <a:ea typeface="Heiti SC Light"/>
+                <a:cs typeface="Heiti SC Light"/>
+              </a:rPr>
+              <a:t> </a:t>
+            </a:r>
+            <a:r>
+              <a:rPr kumimoji="1" lang="en-US" altLang="zh-CN" dirty="0" smtClean="0">
+                <a:latin typeface="Heiti SC Light"/>
+                <a:ea typeface="Heiti SC Light"/>
+                <a:cs typeface="Heiti SC Light"/>
+              </a:rPr>
+              <a:t>constructor</a:t>
+            </a:r>
+            <a:endParaRPr kumimoji="1" lang="zh-CN" altLang="en-US" dirty="0">
+              <a:latin typeface="Heiti SC Light"/>
+              <a:ea typeface="Heiti SC Light"/>
+              <a:cs typeface="Heiti SC Light"/>
+            </a:endParaRPr>
+          </a:p>
+        </p:txBody>
+      </p:sp>
+      <p:sp>
+        <p:nvSpPr>
+          <p:cNvPr id="4" name="副标题 2"/>
+          <p:cNvSpPr txBox="1">
+            <a:spLocks/>
+          </p:cNvSpPr>
+          <p:nvPr/>
+        </p:nvSpPr>
+        <p:spPr>
+          <a:xfrm>
+            <a:off x="690032" y="1651180"/>
+            <a:ext cx="7772400" cy="4153985"/>
+          </a:xfrm>
+          <a:prstGeom prst="rect">
+            <a:avLst/>
+          </a:prstGeom>
+        </p:spPr>
+        <p:txBody>
+          <a:bodyPr vert="horz" lIns="91440" tIns="45720" rIns="91440" bIns="45720" rtlCol="0" anchor="b">
+            <a:normAutofit/>
+          </a:bodyPr>
+          <a:lstStyle>
+            <a:lvl1pPr marL="0" indent="0" algn="ctr" defTabSz="914400" rtl="0" eaLnBrk="1" latinLnBrk="0" hangingPunct="1">
+              <a:spcBef>
+                <a:spcPct val="20000"/>
+              </a:spcBef>
+              <a:buClr>
+                <a:schemeClr val="accent1"/>
+              </a:buClr>
+              <a:buSzPct val="100000"/>
+              <a:buFont typeface="Symbol" pitchFamily="18" charset="2"/>
+              <a:buNone/>
+              <a:defRPr sz="2000" kern="1200">
+                <a:solidFill>
+                  <a:srgbClr val="FFFFFF"/>
+                </a:solidFill>
+                <a:latin typeface="+mn-lt"/>
+                <a:ea typeface="+mn-ea"/>
+                <a:cs typeface="+mn-cs"/>
+              </a:defRPr>
+            </a:lvl1pPr>
+            <a:lvl2pPr marL="457200" indent="0" algn="l" defTabSz="914400" rtl="0" eaLnBrk="1" latinLnBrk="0" hangingPunct="1">
+              <a:spcBef>
+                <a:spcPct val="20000"/>
+              </a:spcBef>
+              <a:buClr>
+                <a:schemeClr val="accent1"/>
+              </a:buClr>
+              <a:buSzPct val="100000"/>
+              <a:buFont typeface="Symbol" pitchFamily="18" charset="2"/>
+              <a:buNone/>
+              <a:defRPr sz="1800" kern="1200">
+                <a:solidFill>
+                  <a:schemeClr val="tx1">
+                    <a:tint val="75000"/>
+                  </a:schemeClr>
+                </a:solidFill>
+                <a:latin typeface="+mn-lt"/>
+                <a:ea typeface="+mn-ea"/>
+                <a:cs typeface="+mn-cs"/>
+              </a:defRPr>
+            </a:lvl2pPr>
+            <a:lvl3pPr marL="914400" indent="0" algn="l" defTabSz="914400" rtl="0" eaLnBrk="1" latinLnBrk="0" hangingPunct="1">
+              <a:spcBef>
+                <a:spcPct val="20000"/>
+              </a:spcBef>
+              <a:buClr>
+                <a:schemeClr val="accent1"/>
+              </a:buClr>
+              <a:buSzPct val="100000"/>
+              <a:buFont typeface="Symbol" pitchFamily="18" charset="2"/>
+              <a:buNone/>
+              <a:defRPr sz="1600" kern="1200">
+                <a:solidFill>
+                  <a:schemeClr val="tx1">
+                    <a:tint val="75000"/>
+                  </a:schemeClr>
+                </a:solidFill>
+                <a:latin typeface="+mn-lt"/>
+                <a:ea typeface="+mn-ea"/>
+                <a:cs typeface="+mn-cs"/>
+              </a:defRPr>
+            </a:lvl3pPr>
+            <a:lvl4pPr marL="1371600" indent="0" algn="l" defTabSz="914400" rtl="0" eaLnBrk="1" latinLnBrk="0" hangingPunct="1">
+              <a:spcBef>
+                <a:spcPct val="20000"/>
+              </a:spcBef>
+              <a:buClr>
+                <a:schemeClr val="accent1"/>
+              </a:buClr>
+              <a:buSzPct val="100000"/>
+              <a:buFont typeface="Symbol" pitchFamily="18" charset="2"/>
+              <a:buNone/>
+              <a:defRPr sz="1400" kern="1200">
+                <a:solidFill>
+                  <a:schemeClr val="tx1">
+                    <a:tint val="75000"/>
+                  </a:schemeClr>
+                </a:solidFill>
+                <a:latin typeface="+mn-lt"/>
+                <a:ea typeface="+mn-ea"/>
+                <a:cs typeface="+mn-cs"/>
+              </a:defRPr>
+            </a:lvl4pPr>
+            <a:lvl5pPr marL="1828800" indent="0" algn="l" defTabSz="914400" rtl="0" eaLnBrk="1" latinLnBrk="0" hangingPunct="1">
+              <a:spcBef>
+                <a:spcPct val="20000"/>
+              </a:spcBef>
+              <a:buClr>
+                <a:schemeClr val="accent1"/>
+              </a:buClr>
+              <a:buSzPct val="100000"/>
+              <a:buFont typeface="Symbol" pitchFamily="18" charset="2"/>
+              <a:buNone/>
+              <a:defRPr sz="1400" kern="1200">
+                <a:solidFill>
+                  <a:schemeClr val="tx1">
+                    <a:tint val="75000"/>
+                  </a:schemeClr>
+                </a:solidFill>
+                <a:latin typeface="+mn-lt"/>
+                <a:ea typeface="+mn-ea"/>
+                <a:cs typeface="+mn-cs"/>
+              </a:defRPr>
+            </a:lvl5pPr>
+            <a:lvl6pPr marL="2286000" indent="0" algn="l" defTabSz="914400" rtl="0" eaLnBrk="1" latinLnBrk="0" hangingPunct="1">
+              <a:spcBef>
+                <a:spcPts val="384"/>
+              </a:spcBef>
+              <a:buClr>
+                <a:schemeClr val="accent1"/>
+              </a:buClr>
+              <a:buFont typeface="Symbol" pitchFamily="18" charset="2"/>
+              <a:buNone/>
+              <a:defRPr sz="1400" kern="1200">
+                <a:solidFill>
+                  <a:schemeClr val="tx1">
+                    <a:tint val="75000"/>
+                  </a:schemeClr>
+                </a:solidFill>
+                <a:latin typeface="+mn-lt"/>
+                <a:ea typeface="+mn-ea"/>
+                <a:cs typeface="+mn-cs"/>
+              </a:defRPr>
+            </a:lvl6pPr>
+            <a:lvl7pPr marL="2743200" indent="0" algn="l" defTabSz="914400" rtl="0" eaLnBrk="1" latinLnBrk="0" hangingPunct="1">
+              <a:spcBef>
+                <a:spcPts val="384"/>
+              </a:spcBef>
+              <a:buClr>
+                <a:schemeClr val="accent1"/>
+              </a:buClr>
+              <a:buFont typeface="Symbol" pitchFamily="18" charset="2"/>
+              <a:buNone/>
+              <a:defRPr sz="1400" kern="1200">
+                <a:solidFill>
+                  <a:schemeClr val="tx1">
+                    <a:tint val="75000"/>
+                  </a:schemeClr>
+                </a:solidFill>
+                <a:latin typeface="+mn-lt"/>
+                <a:ea typeface="+mn-ea"/>
+                <a:cs typeface="+mn-cs"/>
+              </a:defRPr>
+            </a:lvl7pPr>
+            <a:lvl8pPr marL="3200400" indent="0" algn="l" defTabSz="914400" rtl="0" eaLnBrk="1" latinLnBrk="0" hangingPunct="1">
+              <a:spcBef>
+                <a:spcPts val="384"/>
+              </a:spcBef>
+              <a:buClr>
+                <a:schemeClr val="accent1"/>
+              </a:buClr>
+              <a:buFont typeface="Symbol" pitchFamily="18" charset="2"/>
+              <a:buNone/>
+              <a:defRPr sz="1400" kern="1200">
+                <a:solidFill>
+                  <a:schemeClr val="tx1">
+                    <a:tint val="75000"/>
+                  </a:schemeClr>
+                </a:solidFill>
+                <a:latin typeface="+mn-lt"/>
+                <a:ea typeface="+mn-ea"/>
+                <a:cs typeface="+mn-cs"/>
+              </a:defRPr>
+            </a:lvl8pPr>
+            <a:lvl9pPr marL="3657600" indent="0" algn="l" defTabSz="914400" rtl="0" eaLnBrk="1" latinLnBrk="0" hangingPunct="1">
+              <a:spcBef>
+                <a:spcPts val="384"/>
+              </a:spcBef>
+              <a:buClr>
+                <a:schemeClr val="accent1"/>
+              </a:buClr>
+              <a:buFont typeface="Symbol" pitchFamily="18" charset="2"/>
+              <a:buNone/>
+              <a:defRPr sz="1400" kern="1200">
+                <a:solidFill>
+                  <a:schemeClr val="tx1">
+                    <a:tint val="75000"/>
+                  </a:schemeClr>
+                </a:solidFill>
+                <a:latin typeface="+mn-lt"/>
+                <a:ea typeface="+mn-ea"/>
+                <a:cs typeface="+mn-cs"/>
+              </a:defRPr>
+            </a:lvl9pPr>
+          </a:lstStyle>
+          <a:p>
+            <a:endParaRPr kumimoji="1" lang="zh-CN" altLang="en-US" dirty="0">
+              <a:solidFill>
+                <a:schemeClr val="tx1"/>
+              </a:solidFill>
+            </a:endParaRPr>
+          </a:p>
+        </p:txBody>
+      </p:sp>
+    </p:spTree>
+    <p:extLst>
+      <p:ext uri="{BB962C8B-B14F-4D97-AF65-F5344CB8AC3E}">
+        <p14:creationId xmlns:p14="http://schemas.microsoft.com/office/powerpoint/2010/main" val="2870857796"/>
+      </p:ext>
+    </p:extLst>
+  </p:cSld>
+  <p:clrMapOvr>
+    <a:masterClrMapping/>
+  </p:clrMapOvr>
+  <p:timing>
+    <p:tnLst>
+      <p:par>
+        <p:cTn xmlns:p14="http://schemas.microsoft.com/office/powerpoint/2010/main" id="1" dur="indefinite" restart="never" nodeType="tmRoot"/>
+      </p:par>
+    </p:tnLst>
+  </p:timing>
+</p:sld>
+</file>
+
+<file path=ppt/slides/slide21.xml><?xml version="1.0" encoding="utf-8"?>
+<p:sld xmlns:a="http://schemas.openxmlformats.org/drawingml/2006/main" xmlns:r="http://schemas.openxmlformats.org/officeDocument/2006/relationships" xmlns:p="http://schemas.openxmlformats.org/presentationml/2006/main">
+  <p:cSld>
+    <p:spTree>
+      <p:nvGrpSpPr>
+        <p:cNvPr id="1" name=""/>
+        <p:cNvGrpSpPr/>
+        <p:nvPr/>
+      </p:nvGrpSpPr>
+      <p:grpSpPr>
+        <a:xfrm>
+          <a:off x="0" y="0"/>
+          <a:ext cx="0" cy="0"/>
+          <a:chOff x="0" y="0"/>
+          <a:chExt cx="0" cy="0"/>
+        </a:xfrm>
+      </p:grpSpPr>
+      <p:sp>
+        <p:nvSpPr>
+          <p:cNvPr id="3" name="内容占位符 2"/>
+          <p:cNvSpPr>
+            <a:spLocks noGrp="1"/>
+          </p:cNvSpPr>
+          <p:nvPr>
+            <p:ph idx="1"/>
+          </p:nvPr>
+        </p:nvSpPr>
+        <p:spPr>
+          <a:xfrm>
+            <a:off x="872067" y="2449054"/>
+            <a:ext cx="7408333" cy="3677109"/>
+          </a:xfrm>
+        </p:spPr>
+        <p:txBody>
+          <a:bodyPr>
+            <a:normAutofit fontScale="92500"/>
+          </a:bodyPr>
+          <a:lstStyle/>
+          <a:p>
+            <a:pPr>
+              <a:buFont typeface="Wingdings" charset="2"/>
+              <a:buChar char="Ø"/>
+            </a:pPr>
+            <a:r>
+              <a:rPr kumimoji="1" lang="zh-CN" altLang="zh-CN" sz="3400" dirty="0" smtClean="0">
+                <a:latin typeface="+mj-ea"/>
+                <a:ea typeface="+mj-ea"/>
+              </a:rPr>
+              <a:t>a</a:t>
+            </a:r>
+            <a:r>
+              <a:rPr kumimoji="1" lang="en-US" altLang="zh-CN" sz="3400" dirty="0" err="1" smtClean="0">
+                <a:latin typeface="+mj-ea"/>
+                <a:ea typeface="+mj-ea"/>
+              </a:rPr>
+              <a:t>pply</a:t>
+            </a:r>
+            <a:r>
+              <a:rPr kumimoji="1" lang="zh-CN" altLang="en-US" sz="3400" dirty="0" smtClean="0">
+                <a:latin typeface="+mj-ea"/>
+                <a:ea typeface="+mj-ea"/>
+              </a:rPr>
+              <a:t>和</a:t>
+            </a:r>
+            <a:r>
+              <a:rPr kumimoji="1" lang="en-US" altLang="zh-CN" sz="3400" dirty="0" smtClean="0">
+                <a:latin typeface="+mj-ea"/>
+                <a:ea typeface="+mj-ea"/>
+              </a:rPr>
+              <a:t>call</a:t>
+            </a:r>
+            <a:r>
+              <a:rPr kumimoji="1" lang="zh-CN" altLang="en-US" sz="3400" dirty="0" smtClean="0">
+                <a:latin typeface="+mj-ea"/>
+                <a:ea typeface="+mj-ea"/>
+              </a:rPr>
+              <a:t>是</a:t>
+            </a:r>
+            <a:r>
+              <a:rPr kumimoji="1" lang="en-US" altLang="zh-CN" sz="3400" dirty="0" smtClean="0">
+                <a:latin typeface="+mj-ea"/>
+                <a:ea typeface="+mj-ea"/>
+              </a:rPr>
+              <a:t>Function</a:t>
+            </a:r>
+            <a:r>
+              <a:rPr kumimoji="1" lang="zh-CN" altLang="en-US" sz="3400" dirty="0" smtClean="0">
+                <a:latin typeface="+mj-ea"/>
+                <a:ea typeface="+mj-ea"/>
+              </a:rPr>
+              <a:t>对象的两个方法</a:t>
+            </a:r>
+            <a:endParaRPr kumimoji="1" lang="en-US" altLang="zh-CN" sz="3400" dirty="0" smtClean="0">
+              <a:latin typeface="+mj-ea"/>
+              <a:ea typeface="+mj-ea"/>
+            </a:endParaRPr>
+          </a:p>
+          <a:p>
+            <a:pPr>
+              <a:buFont typeface="Wingdings" charset="2"/>
+              <a:buChar char="Ø"/>
+            </a:pPr>
+            <a:r>
+              <a:rPr kumimoji="1" lang="zh-CN" altLang="en-US" sz="3400" dirty="0" smtClean="0">
+                <a:latin typeface="+mj-ea"/>
+                <a:ea typeface="+mj-ea"/>
+              </a:rPr>
+              <a:t>这两个方法作用一样，参数形式不一样，仅此而已。</a:t>
+            </a:r>
+            <a:endParaRPr kumimoji="1" lang="en-US" altLang="zh-CN" sz="3400" dirty="0" smtClean="0">
+              <a:latin typeface="+mj-ea"/>
+              <a:ea typeface="+mj-ea"/>
+            </a:endParaRPr>
+          </a:p>
+          <a:p>
+            <a:pPr>
+              <a:buFont typeface="Wingdings" charset="2"/>
+              <a:buChar char="Ø"/>
+            </a:pPr>
+            <a:r>
+              <a:rPr kumimoji="1" lang="zh-CN" altLang="en-US" sz="3400" dirty="0" smtClean="0">
+                <a:latin typeface="+mj-ea"/>
+                <a:ea typeface="+mj-ea"/>
+              </a:rPr>
+              <a:t>应该用哪个？</a:t>
+            </a:r>
+            <a:endParaRPr kumimoji="1" lang="en-US" altLang="zh-CN" sz="3400" dirty="0" smtClean="0">
+              <a:latin typeface="+mj-ea"/>
+              <a:ea typeface="+mj-ea"/>
+            </a:endParaRPr>
+          </a:p>
+          <a:p>
+            <a:pPr lvl="1">
+              <a:buFont typeface="Wingdings" charset="2"/>
+              <a:buChar char="Ø"/>
+            </a:pPr>
+            <a:r>
+              <a:rPr kumimoji="1" lang="zh-CN" altLang="en-US" sz="3200" dirty="0" smtClean="0">
+                <a:latin typeface="+mj-ea"/>
+                <a:ea typeface="+mj-ea"/>
+              </a:rPr>
+              <a:t>根据情况选择调用方便的</a:t>
+            </a:r>
+            <a:endParaRPr kumimoji="1" lang="en-US" altLang="zh-CN" sz="3200" dirty="0" smtClean="0">
+              <a:latin typeface="+mj-ea"/>
+              <a:ea typeface="+mj-ea"/>
+            </a:endParaRPr>
+          </a:p>
+          <a:p>
+            <a:pPr>
+              <a:buFont typeface="Wingdings" charset="2"/>
+              <a:buChar char="Ø"/>
+            </a:pPr>
+            <a:r>
+              <a:rPr kumimoji="1" lang="zh-CN" altLang="en-US" sz="3400" dirty="0" smtClean="0">
+                <a:latin typeface="+mj-ea"/>
+                <a:ea typeface="+mj-ea"/>
+              </a:rPr>
+              <a:t>可以自由指定</a:t>
+            </a:r>
+            <a:r>
+              <a:rPr kumimoji="1" lang="en-US" altLang="zh-CN" sz="3400" dirty="0" smtClean="0">
+                <a:latin typeface="+mj-ea"/>
+                <a:ea typeface="+mj-ea"/>
+              </a:rPr>
+              <a:t>this</a:t>
+            </a:r>
+            <a:endParaRPr kumimoji="1" lang="zh-CN" altLang="en-US" sz="3400" dirty="0">
+              <a:latin typeface="+mj-ea"/>
+              <a:ea typeface="+mj-ea"/>
+            </a:endParaRPr>
+          </a:p>
+        </p:txBody>
+      </p:sp>
+      <p:sp>
+        <p:nvSpPr>
+          <p:cNvPr id="2" name="标题 1"/>
+          <p:cNvSpPr>
+            <a:spLocks noGrp="1"/>
+          </p:cNvSpPr>
+          <p:nvPr>
+            <p:ph type="title"/>
+          </p:nvPr>
+        </p:nvSpPr>
+        <p:spPr/>
+        <p:txBody>
+          <a:bodyPr>
+            <a:normAutofit/>
+          </a:bodyPr>
+          <a:lstStyle/>
+          <a:p>
+            <a:r>
+              <a:rPr kumimoji="1" lang="en-US" altLang="zh-CN" dirty="0" smtClean="0">
+                <a:latin typeface="Heiti SC Light"/>
+                <a:ea typeface="Heiti SC Light"/>
+                <a:cs typeface="Heiti SC Light"/>
+              </a:rPr>
+              <a:t>Invoke</a:t>
+            </a:r>
+            <a:r>
+              <a:rPr kumimoji="1" lang="zh-CN" altLang="en-US" dirty="0" smtClean="0">
+                <a:latin typeface="Heiti SC Light"/>
+                <a:ea typeface="Heiti SC Light"/>
+                <a:cs typeface="Heiti SC Light"/>
+              </a:rPr>
+              <a:t> </a:t>
+            </a:r>
+            <a:r>
+              <a:rPr kumimoji="1" lang="en-US" altLang="zh-CN" dirty="0" smtClean="0">
+                <a:latin typeface="Heiti SC Light"/>
+                <a:ea typeface="Heiti SC Light"/>
+                <a:cs typeface="Heiti SC Light"/>
+              </a:rPr>
+              <a:t>via</a:t>
+            </a:r>
+            <a:r>
+              <a:rPr kumimoji="1" lang="zh-CN" altLang="en-US" dirty="0" smtClean="0">
+                <a:latin typeface="Heiti SC Light"/>
+                <a:ea typeface="Heiti SC Light"/>
+                <a:cs typeface="Heiti SC Light"/>
+              </a:rPr>
+              <a:t>  </a:t>
+            </a:r>
+            <a:r>
+              <a:rPr kumimoji="1" lang="zh-CN" altLang="zh-CN" dirty="0" smtClean="0">
+                <a:latin typeface="Heiti SC Light"/>
+                <a:ea typeface="Heiti SC Light"/>
+                <a:cs typeface="Heiti SC Light"/>
+              </a:rPr>
+              <a:t>a</a:t>
+            </a:r>
+            <a:r>
+              <a:rPr kumimoji="1" lang="en-US" altLang="zh-CN" dirty="0" err="1" smtClean="0">
+                <a:latin typeface="Heiti SC Light"/>
+                <a:ea typeface="Heiti SC Light"/>
+                <a:cs typeface="Heiti SC Light"/>
+              </a:rPr>
+              <a:t>pply</a:t>
+            </a:r>
+            <a:r>
+              <a:rPr kumimoji="1" lang="en-US" altLang="zh-CN" dirty="0" smtClean="0">
+                <a:latin typeface="Heiti SC Light"/>
+                <a:ea typeface="Heiti SC Light"/>
+                <a:cs typeface="Heiti SC Light"/>
+              </a:rPr>
+              <a:t>()</a:t>
+            </a:r>
+            <a:r>
+              <a:rPr kumimoji="1" lang="zh-CN" altLang="en-US" dirty="0">
+                <a:latin typeface="Heiti SC Light"/>
+                <a:ea typeface="Heiti SC Light"/>
+                <a:cs typeface="Heiti SC Light"/>
+              </a:rPr>
+              <a:t>/</a:t>
+            </a:r>
+            <a:r>
+              <a:rPr kumimoji="1" lang="en-US" altLang="zh-CN" dirty="0" smtClean="0">
+                <a:latin typeface="Heiti SC Light"/>
+                <a:ea typeface="Heiti SC Light"/>
+                <a:cs typeface="Heiti SC Light"/>
+              </a:rPr>
+              <a:t>call()</a:t>
+            </a:r>
+            <a:endParaRPr kumimoji="1" lang="zh-CN" altLang="en-US" dirty="0">
+              <a:latin typeface="Heiti SC Light"/>
+              <a:ea typeface="Heiti SC Light"/>
+              <a:cs typeface="Heiti SC Light"/>
+            </a:endParaRPr>
+          </a:p>
+        </p:txBody>
+      </p:sp>
+      <p:sp>
+        <p:nvSpPr>
+          <p:cNvPr id="4" name="副标题 2"/>
+          <p:cNvSpPr txBox="1">
+            <a:spLocks/>
+          </p:cNvSpPr>
+          <p:nvPr/>
+        </p:nvSpPr>
+        <p:spPr>
+          <a:xfrm>
+            <a:off x="690032" y="1651180"/>
+            <a:ext cx="7772400" cy="4153985"/>
+          </a:xfrm>
+          <a:prstGeom prst="rect">
+            <a:avLst/>
+          </a:prstGeom>
+        </p:spPr>
+        <p:txBody>
+          <a:bodyPr vert="horz" lIns="91440" tIns="45720" rIns="91440" bIns="45720" rtlCol="0" anchor="b">
+            <a:normAutofit/>
+          </a:bodyPr>
+          <a:lstStyle>
+            <a:lvl1pPr marL="0" indent="0" algn="ctr" defTabSz="914400" rtl="0" eaLnBrk="1" latinLnBrk="0" hangingPunct="1">
+              <a:spcBef>
+                <a:spcPct val="20000"/>
+              </a:spcBef>
+              <a:buClr>
+                <a:schemeClr val="accent1"/>
+              </a:buClr>
+              <a:buSzPct val="100000"/>
+              <a:buFont typeface="Symbol" pitchFamily="18" charset="2"/>
+              <a:buNone/>
+              <a:defRPr sz="2000" kern="1200">
+                <a:solidFill>
+                  <a:srgbClr val="FFFFFF"/>
+                </a:solidFill>
+                <a:latin typeface="+mn-lt"/>
+                <a:ea typeface="+mn-ea"/>
+                <a:cs typeface="+mn-cs"/>
+              </a:defRPr>
+            </a:lvl1pPr>
+            <a:lvl2pPr marL="457200" indent="0" algn="l" defTabSz="914400" rtl="0" eaLnBrk="1" latinLnBrk="0" hangingPunct="1">
+              <a:spcBef>
+                <a:spcPct val="20000"/>
+              </a:spcBef>
+              <a:buClr>
+                <a:schemeClr val="accent1"/>
+              </a:buClr>
+              <a:buSzPct val="100000"/>
+              <a:buFont typeface="Symbol" pitchFamily="18" charset="2"/>
+              <a:buNone/>
+              <a:defRPr sz="1800" kern="1200">
+                <a:solidFill>
+                  <a:schemeClr val="tx1">
+                    <a:tint val="75000"/>
+                  </a:schemeClr>
+                </a:solidFill>
+                <a:latin typeface="+mn-lt"/>
+                <a:ea typeface="+mn-ea"/>
+                <a:cs typeface="+mn-cs"/>
+              </a:defRPr>
+            </a:lvl2pPr>
+            <a:lvl3pPr marL="914400" indent="0" algn="l" defTabSz="914400" rtl="0" eaLnBrk="1" latinLnBrk="0" hangingPunct="1">
+              <a:spcBef>
+                <a:spcPct val="20000"/>
+              </a:spcBef>
+              <a:buClr>
+                <a:schemeClr val="accent1"/>
+              </a:buClr>
+              <a:buSzPct val="100000"/>
+              <a:buFont typeface="Symbol" pitchFamily="18" charset="2"/>
+              <a:buNone/>
+              <a:defRPr sz="1600" kern="1200">
+                <a:solidFill>
+                  <a:schemeClr val="tx1">
+                    <a:tint val="75000"/>
+                  </a:schemeClr>
+                </a:solidFill>
+                <a:latin typeface="+mn-lt"/>
+                <a:ea typeface="+mn-ea"/>
+                <a:cs typeface="+mn-cs"/>
+              </a:defRPr>
+            </a:lvl3pPr>
+            <a:lvl4pPr marL="1371600" indent="0" algn="l" defTabSz="914400" rtl="0" eaLnBrk="1" latinLnBrk="0" hangingPunct="1">
+              <a:spcBef>
+                <a:spcPct val="20000"/>
+              </a:spcBef>
+              <a:buClr>
+                <a:schemeClr val="accent1"/>
+              </a:buClr>
+              <a:buSzPct val="100000"/>
+              <a:buFont typeface="Symbol" pitchFamily="18" charset="2"/>
+              <a:buNone/>
+              <a:defRPr sz="1400" kern="1200">
+                <a:solidFill>
+                  <a:schemeClr val="tx1">
+                    <a:tint val="75000"/>
+                  </a:schemeClr>
+                </a:solidFill>
+                <a:latin typeface="+mn-lt"/>
+                <a:ea typeface="+mn-ea"/>
+                <a:cs typeface="+mn-cs"/>
+              </a:defRPr>
+            </a:lvl4pPr>
+            <a:lvl5pPr marL="1828800" indent="0" algn="l" defTabSz="914400" rtl="0" eaLnBrk="1" latinLnBrk="0" hangingPunct="1">
+              <a:spcBef>
+                <a:spcPct val="20000"/>
+              </a:spcBef>
+              <a:buClr>
+                <a:schemeClr val="accent1"/>
+              </a:buClr>
+              <a:buSzPct val="100000"/>
+              <a:buFont typeface="Symbol" pitchFamily="18" charset="2"/>
+              <a:buNone/>
+              <a:defRPr sz="1400" kern="1200">
+                <a:solidFill>
+                  <a:schemeClr val="tx1">
+                    <a:tint val="75000"/>
+                  </a:schemeClr>
+                </a:solidFill>
+                <a:latin typeface="+mn-lt"/>
+                <a:ea typeface="+mn-ea"/>
+                <a:cs typeface="+mn-cs"/>
+              </a:defRPr>
+            </a:lvl5pPr>
+            <a:lvl6pPr marL="2286000" indent="0" algn="l" defTabSz="914400" rtl="0" eaLnBrk="1" latinLnBrk="0" hangingPunct="1">
+              <a:spcBef>
+                <a:spcPts val="384"/>
+              </a:spcBef>
+              <a:buClr>
+                <a:schemeClr val="accent1"/>
+              </a:buClr>
+              <a:buFont typeface="Symbol" pitchFamily="18" charset="2"/>
+              <a:buNone/>
+              <a:defRPr sz="1400" kern="1200">
+                <a:solidFill>
+                  <a:schemeClr val="tx1">
+                    <a:tint val="75000"/>
+                  </a:schemeClr>
+                </a:solidFill>
+                <a:latin typeface="+mn-lt"/>
+                <a:ea typeface="+mn-ea"/>
+                <a:cs typeface="+mn-cs"/>
+              </a:defRPr>
+            </a:lvl6pPr>
+            <a:lvl7pPr marL="2743200" indent="0" algn="l" defTabSz="914400" rtl="0" eaLnBrk="1" latinLnBrk="0" hangingPunct="1">
+              <a:spcBef>
+                <a:spcPts val="384"/>
+              </a:spcBef>
+              <a:buClr>
+                <a:schemeClr val="accent1"/>
+              </a:buClr>
+              <a:buFont typeface="Symbol" pitchFamily="18" charset="2"/>
+              <a:buNone/>
+              <a:defRPr sz="1400" kern="1200">
+                <a:solidFill>
+                  <a:schemeClr val="tx1">
+                    <a:tint val="75000"/>
+                  </a:schemeClr>
+                </a:solidFill>
+                <a:latin typeface="+mn-lt"/>
+                <a:ea typeface="+mn-ea"/>
+                <a:cs typeface="+mn-cs"/>
+              </a:defRPr>
+            </a:lvl7pPr>
+            <a:lvl8pPr marL="3200400" indent="0" algn="l" defTabSz="914400" rtl="0" eaLnBrk="1" latinLnBrk="0" hangingPunct="1">
+              <a:spcBef>
+                <a:spcPts val="384"/>
+              </a:spcBef>
+              <a:buClr>
+                <a:schemeClr val="accent1"/>
+              </a:buClr>
+              <a:buFont typeface="Symbol" pitchFamily="18" charset="2"/>
+              <a:buNone/>
+              <a:defRPr sz="1400" kern="1200">
+                <a:solidFill>
+                  <a:schemeClr val="tx1">
+                    <a:tint val="75000"/>
+                  </a:schemeClr>
+                </a:solidFill>
+                <a:latin typeface="+mn-lt"/>
+                <a:ea typeface="+mn-ea"/>
+                <a:cs typeface="+mn-cs"/>
+              </a:defRPr>
+            </a:lvl8pPr>
+            <a:lvl9pPr marL="3657600" indent="0" algn="l" defTabSz="914400" rtl="0" eaLnBrk="1" latinLnBrk="0" hangingPunct="1">
+              <a:spcBef>
+                <a:spcPts val="384"/>
+              </a:spcBef>
+              <a:buClr>
+                <a:schemeClr val="accent1"/>
+              </a:buClr>
+              <a:buFont typeface="Symbol" pitchFamily="18" charset="2"/>
+              <a:buNone/>
+              <a:defRPr sz="1400" kern="1200">
+                <a:solidFill>
+                  <a:schemeClr val="tx1">
+                    <a:tint val="75000"/>
+                  </a:schemeClr>
+                </a:solidFill>
+                <a:latin typeface="+mn-lt"/>
+                <a:ea typeface="+mn-ea"/>
+                <a:cs typeface="+mn-cs"/>
+              </a:defRPr>
+            </a:lvl9pPr>
+          </a:lstStyle>
+          <a:p>
+            <a:endParaRPr kumimoji="1" lang="zh-CN" altLang="en-US" dirty="0">
+              <a:solidFill>
+                <a:schemeClr val="tx1"/>
+              </a:solidFill>
+            </a:endParaRPr>
+          </a:p>
+        </p:txBody>
+      </p:sp>
+    </p:spTree>
+    <p:extLst>
+      <p:ext uri="{BB962C8B-B14F-4D97-AF65-F5344CB8AC3E}">
+        <p14:creationId xmlns:p14="http://schemas.microsoft.com/office/powerpoint/2010/main" val="3618426091"/>
       </p:ext>
     </p:extLst>
   </p:cSld>

--- a/JavaScriptFunctionObject.pptx
+++ b/JavaScriptFunctionObject.pptx
@@ -5,7 +5,7 @@
     <p:sldMasterId id="2147483744" r:id="rId1"/>
   </p:sldMasterIdLst>
   <p:notesMasterIdLst>
-    <p:notesMasterId r:id="rId23"/>
+    <p:notesMasterId r:id="rId28"/>
   </p:notesMasterIdLst>
   <p:sldIdLst>
     <p:sldId id="256" r:id="rId2"/>
@@ -29,6 +29,11 @@
     <p:sldId id="274" r:id="rId20"/>
     <p:sldId id="275" r:id="rId21"/>
     <p:sldId id="276" r:id="rId22"/>
+    <p:sldId id="278" r:id="rId23"/>
+    <p:sldId id="277" r:id="rId24"/>
+    <p:sldId id="279" r:id="rId25"/>
+    <p:sldId id="280" r:id="rId26"/>
+    <p:sldId id="281" r:id="rId27"/>
   </p:sldIdLst>
   <p:sldSz cx="9144000" cy="6858000" type="screen4x3"/>
   <p:notesSz cx="6858000" cy="9144000"/>
@@ -986,6 +991,450 @@
             <a:fld id="{6E617A2A-56D0-C847-AD3B-89221304CA23}" type="slidenum">
               <a:rPr kumimoji="1" lang="zh-CN" altLang="en-US" smtClean="0"/>
               <a:t>21</a:t>
+            </a:fld>
+            <a:endParaRPr kumimoji="1" lang="zh-CN" altLang="en-US"/>
+          </a:p>
+        </p:txBody>
+      </p:sp>
+    </p:spTree>
+    <p:extLst>
+      <p:ext uri="{BB962C8B-B14F-4D97-AF65-F5344CB8AC3E}">
+        <p14:creationId xmlns:p14="http://schemas.microsoft.com/office/powerpoint/2010/main" val="3424638384"/>
+      </p:ext>
+    </p:extLst>
+  </p:cSld>
+  <p:clrMapOvr>
+    <a:masterClrMapping/>
+  </p:clrMapOvr>
+</p:notes>
+</file>
+
+<file path=ppt/notesSlides/notesSlide15.xml><?xml version="1.0" encoding="utf-8"?>
+<p:notes xmlns:a="http://schemas.openxmlformats.org/drawingml/2006/main" xmlns:r="http://schemas.openxmlformats.org/officeDocument/2006/relationships" xmlns:p="http://schemas.openxmlformats.org/presentationml/2006/main">
+  <p:cSld>
+    <p:spTree>
+      <p:nvGrpSpPr>
+        <p:cNvPr id="1" name=""/>
+        <p:cNvGrpSpPr/>
+        <p:nvPr/>
+      </p:nvGrpSpPr>
+      <p:grpSpPr>
+        <a:xfrm>
+          <a:off x="0" y="0"/>
+          <a:ext cx="0" cy="0"/>
+          <a:chOff x="0" y="0"/>
+          <a:chExt cx="0" cy="0"/>
+        </a:xfrm>
+      </p:grpSpPr>
+      <p:sp>
+        <p:nvSpPr>
+          <p:cNvPr id="2" name="幻灯片图像占位符 1"/>
+          <p:cNvSpPr>
+            <a:spLocks noGrp="1" noRot="1" noChangeAspect="1"/>
+          </p:cNvSpPr>
+          <p:nvPr>
+            <p:ph type="sldImg"/>
+          </p:nvPr>
+        </p:nvSpPr>
+        <p:spPr/>
+      </p:sp>
+      <p:sp>
+        <p:nvSpPr>
+          <p:cNvPr id="3" name="备注占位符 2"/>
+          <p:cNvSpPr>
+            <a:spLocks noGrp="1"/>
+          </p:cNvSpPr>
+          <p:nvPr>
+            <p:ph type="body" idx="1"/>
+          </p:nvPr>
+        </p:nvSpPr>
+        <p:spPr/>
+        <p:txBody>
+          <a:bodyPr/>
+          <a:lstStyle/>
+          <a:p>
+            <a:endParaRPr kumimoji="1" lang="zh-CN" altLang="en-US" dirty="0"/>
+          </a:p>
+        </p:txBody>
+      </p:sp>
+      <p:sp>
+        <p:nvSpPr>
+          <p:cNvPr id="4" name="幻灯片编号占位符 3"/>
+          <p:cNvSpPr>
+            <a:spLocks noGrp="1"/>
+          </p:cNvSpPr>
+          <p:nvPr>
+            <p:ph type="sldNum" sz="quarter" idx="10"/>
+          </p:nvPr>
+        </p:nvSpPr>
+        <p:spPr/>
+        <p:txBody>
+          <a:bodyPr/>
+          <a:lstStyle/>
+          <a:p>
+            <a:fld id="{6E617A2A-56D0-C847-AD3B-89221304CA23}" type="slidenum">
+              <a:rPr kumimoji="1" lang="zh-CN" altLang="en-US" smtClean="0"/>
+              <a:t>22</a:t>
+            </a:fld>
+            <a:endParaRPr kumimoji="1" lang="zh-CN" altLang="en-US"/>
+          </a:p>
+        </p:txBody>
+      </p:sp>
+    </p:spTree>
+    <p:extLst>
+      <p:ext uri="{BB962C8B-B14F-4D97-AF65-F5344CB8AC3E}">
+        <p14:creationId xmlns:p14="http://schemas.microsoft.com/office/powerpoint/2010/main" val="3424638384"/>
+      </p:ext>
+    </p:extLst>
+  </p:cSld>
+  <p:clrMapOvr>
+    <a:masterClrMapping/>
+  </p:clrMapOvr>
+</p:notes>
+</file>
+
+<file path=ppt/notesSlides/notesSlide16.xml><?xml version="1.0" encoding="utf-8"?>
+<p:notes xmlns:a="http://schemas.openxmlformats.org/drawingml/2006/main" xmlns:r="http://schemas.openxmlformats.org/officeDocument/2006/relationships" xmlns:p="http://schemas.openxmlformats.org/presentationml/2006/main">
+  <p:cSld>
+    <p:spTree>
+      <p:nvGrpSpPr>
+        <p:cNvPr id="1" name=""/>
+        <p:cNvGrpSpPr/>
+        <p:nvPr/>
+      </p:nvGrpSpPr>
+      <p:grpSpPr>
+        <a:xfrm>
+          <a:off x="0" y="0"/>
+          <a:ext cx="0" cy="0"/>
+          <a:chOff x="0" y="0"/>
+          <a:chExt cx="0" cy="0"/>
+        </a:xfrm>
+      </p:grpSpPr>
+      <p:sp>
+        <p:nvSpPr>
+          <p:cNvPr id="2" name="幻灯片图像占位符 1"/>
+          <p:cNvSpPr>
+            <a:spLocks noGrp="1" noRot="1" noChangeAspect="1"/>
+          </p:cNvSpPr>
+          <p:nvPr>
+            <p:ph type="sldImg"/>
+          </p:nvPr>
+        </p:nvSpPr>
+        <p:spPr/>
+      </p:sp>
+      <p:sp>
+        <p:nvSpPr>
+          <p:cNvPr id="3" name="备注占位符 2"/>
+          <p:cNvSpPr>
+            <a:spLocks noGrp="1"/>
+          </p:cNvSpPr>
+          <p:nvPr>
+            <p:ph type="body" idx="1"/>
+          </p:nvPr>
+        </p:nvSpPr>
+        <p:spPr/>
+        <p:txBody>
+          <a:bodyPr/>
+          <a:lstStyle/>
+          <a:p>
+            <a:endParaRPr kumimoji="1" lang="zh-CN" altLang="en-US" dirty="0"/>
+          </a:p>
+        </p:txBody>
+      </p:sp>
+      <p:sp>
+        <p:nvSpPr>
+          <p:cNvPr id="4" name="幻灯片编号占位符 3"/>
+          <p:cNvSpPr>
+            <a:spLocks noGrp="1"/>
+          </p:cNvSpPr>
+          <p:nvPr>
+            <p:ph type="sldNum" sz="quarter" idx="10"/>
+          </p:nvPr>
+        </p:nvSpPr>
+        <p:spPr/>
+        <p:txBody>
+          <a:bodyPr/>
+          <a:lstStyle/>
+          <a:p>
+            <a:fld id="{6E617A2A-56D0-C847-AD3B-89221304CA23}" type="slidenum">
+              <a:rPr kumimoji="1" lang="zh-CN" altLang="en-US" smtClean="0"/>
+              <a:t>23</a:t>
+            </a:fld>
+            <a:endParaRPr kumimoji="1" lang="zh-CN" altLang="en-US"/>
+          </a:p>
+        </p:txBody>
+      </p:sp>
+    </p:spTree>
+    <p:extLst>
+      <p:ext uri="{BB962C8B-B14F-4D97-AF65-F5344CB8AC3E}">
+        <p14:creationId xmlns:p14="http://schemas.microsoft.com/office/powerpoint/2010/main" val="2261169387"/>
+      </p:ext>
+    </p:extLst>
+  </p:cSld>
+  <p:clrMapOvr>
+    <a:masterClrMapping/>
+  </p:clrMapOvr>
+</p:notes>
+</file>
+
+<file path=ppt/notesSlides/notesSlide17.xml><?xml version="1.0" encoding="utf-8"?>
+<p:notes xmlns:a="http://schemas.openxmlformats.org/drawingml/2006/main" xmlns:r="http://schemas.openxmlformats.org/officeDocument/2006/relationships" xmlns:p="http://schemas.openxmlformats.org/presentationml/2006/main">
+  <p:cSld>
+    <p:spTree>
+      <p:nvGrpSpPr>
+        <p:cNvPr id="1" name=""/>
+        <p:cNvGrpSpPr/>
+        <p:nvPr/>
+      </p:nvGrpSpPr>
+      <p:grpSpPr>
+        <a:xfrm>
+          <a:off x="0" y="0"/>
+          <a:ext cx="0" cy="0"/>
+          <a:chOff x="0" y="0"/>
+          <a:chExt cx="0" cy="0"/>
+        </a:xfrm>
+      </p:grpSpPr>
+      <p:sp>
+        <p:nvSpPr>
+          <p:cNvPr id="2" name="幻灯片图像占位符 1"/>
+          <p:cNvSpPr>
+            <a:spLocks noGrp="1" noRot="1" noChangeAspect="1"/>
+          </p:cNvSpPr>
+          <p:nvPr>
+            <p:ph type="sldImg"/>
+          </p:nvPr>
+        </p:nvSpPr>
+        <p:spPr/>
+      </p:sp>
+      <p:sp>
+        <p:nvSpPr>
+          <p:cNvPr id="3" name="备注占位符 2"/>
+          <p:cNvSpPr>
+            <a:spLocks noGrp="1"/>
+          </p:cNvSpPr>
+          <p:nvPr>
+            <p:ph type="body" idx="1"/>
+          </p:nvPr>
+        </p:nvSpPr>
+        <p:spPr/>
+        <p:txBody>
+          <a:bodyPr/>
+          <a:lstStyle/>
+          <a:p>
+            <a:r>
+              <a:rPr kumimoji="1" lang="en-US" altLang="zh-CN" dirty="0" err="1" smtClean="0"/>
+              <a:t>Callee</a:t>
+            </a:r>
+            <a:r>
+              <a:rPr kumimoji="1" lang="zh-CN" altLang="en-US" dirty="0" smtClean="0"/>
+              <a:t>属性在今后的浏览器中可能再支持。</a:t>
+            </a:r>
+            <a:endParaRPr kumimoji="1" lang="zh-CN" altLang="en-US" dirty="0"/>
+          </a:p>
+        </p:txBody>
+      </p:sp>
+      <p:sp>
+        <p:nvSpPr>
+          <p:cNvPr id="4" name="幻灯片编号占位符 3"/>
+          <p:cNvSpPr>
+            <a:spLocks noGrp="1"/>
+          </p:cNvSpPr>
+          <p:nvPr>
+            <p:ph type="sldNum" sz="quarter" idx="10"/>
+          </p:nvPr>
+        </p:nvSpPr>
+        <p:spPr/>
+        <p:txBody>
+          <a:bodyPr/>
+          <a:lstStyle/>
+          <a:p>
+            <a:fld id="{6E617A2A-56D0-C847-AD3B-89221304CA23}" type="slidenum">
+              <a:rPr kumimoji="1" lang="zh-CN" altLang="en-US" smtClean="0"/>
+              <a:t>24</a:t>
+            </a:fld>
+            <a:endParaRPr kumimoji="1" lang="zh-CN" altLang="en-US"/>
+          </a:p>
+        </p:txBody>
+      </p:sp>
+    </p:spTree>
+    <p:extLst>
+      <p:ext uri="{BB962C8B-B14F-4D97-AF65-F5344CB8AC3E}">
+        <p14:creationId xmlns:p14="http://schemas.microsoft.com/office/powerpoint/2010/main" val="3424638384"/>
+      </p:ext>
+    </p:extLst>
+  </p:cSld>
+  <p:clrMapOvr>
+    <a:masterClrMapping/>
+  </p:clrMapOvr>
+</p:notes>
+</file>
+
+<file path=ppt/notesSlides/notesSlide18.xml><?xml version="1.0" encoding="utf-8"?>
+<p:notes xmlns:a="http://schemas.openxmlformats.org/drawingml/2006/main" xmlns:r="http://schemas.openxmlformats.org/officeDocument/2006/relationships" xmlns:p="http://schemas.openxmlformats.org/presentationml/2006/main">
+  <p:cSld>
+    <p:spTree>
+      <p:nvGrpSpPr>
+        <p:cNvPr id="1" name=""/>
+        <p:cNvGrpSpPr/>
+        <p:nvPr/>
+      </p:nvGrpSpPr>
+      <p:grpSpPr>
+        <a:xfrm>
+          <a:off x="0" y="0"/>
+          <a:ext cx="0" cy="0"/>
+          <a:chOff x="0" y="0"/>
+          <a:chExt cx="0" cy="0"/>
+        </a:xfrm>
+      </p:grpSpPr>
+      <p:sp>
+        <p:nvSpPr>
+          <p:cNvPr id="2" name="幻灯片图像占位符 1"/>
+          <p:cNvSpPr>
+            <a:spLocks noGrp="1" noRot="1" noChangeAspect="1"/>
+          </p:cNvSpPr>
+          <p:nvPr>
+            <p:ph type="sldImg"/>
+          </p:nvPr>
+        </p:nvSpPr>
+        <p:spPr/>
+      </p:sp>
+      <p:sp>
+        <p:nvSpPr>
+          <p:cNvPr id="3" name="备注占位符 2"/>
+          <p:cNvSpPr>
+            <a:spLocks noGrp="1"/>
+          </p:cNvSpPr>
+          <p:nvPr>
+            <p:ph type="body" idx="1"/>
+          </p:nvPr>
+        </p:nvSpPr>
+        <p:spPr/>
+        <p:txBody>
+          <a:bodyPr/>
+          <a:lstStyle/>
+          <a:p>
+            <a:r>
+              <a:rPr kumimoji="1" lang="en-US" altLang="zh-CN" dirty="0" err="1" smtClean="0"/>
+              <a:t>Callee</a:t>
+            </a:r>
+            <a:r>
+              <a:rPr kumimoji="1" lang="zh-CN" altLang="en-US" dirty="0" smtClean="0"/>
+              <a:t>属性在今后的浏览器中可能再支持。</a:t>
+            </a:r>
+            <a:endParaRPr kumimoji="1" lang="zh-CN" altLang="en-US" dirty="0"/>
+          </a:p>
+        </p:txBody>
+      </p:sp>
+      <p:sp>
+        <p:nvSpPr>
+          <p:cNvPr id="4" name="幻灯片编号占位符 3"/>
+          <p:cNvSpPr>
+            <a:spLocks noGrp="1"/>
+          </p:cNvSpPr>
+          <p:nvPr>
+            <p:ph type="sldNum" sz="quarter" idx="10"/>
+          </p:nvPr>
+        </p:nvSpPr>
+        <p:spPr/>
+        <p:txBody>
+          <a:bodyPr/>
+          <a:lstStyle/>
+          <a:p>
+            <a:fld id="{6E617A2A-56D0-C847-AD3B-89221304CA23}" type="slidenum">
+              <a:rPr kumimoji="1" lang="zh-CN" altLang="en-US" smtClean="0"/>
+              <a:t>25</a:t>
+            </a:fld>
+            <a:endParaRPr kumimoji="1" lang="zh-CN" altLang="en-US"/>
+          </a:p>
+        </p:txBody>
+      </p:sp>
+    </p:spTree>
+    <p:extLst>
+      <p:ext uri="{BB962C8B-B14F-4D97-AF65-F5344CB8AC3E}">
+        <p14:creationId xmlns:p14="http://schemas.microsoft.com/office/powerpoint/2010/main" val="3424638384"/>
+      </p:ext>
+    </p:extLst>
+  </p:cSld>
+  <p:clrMapOvr>
+    <a:masterClrMapping/>
+  </p:clrMapOvr>
+</p:notes>
+</file>
+
+<file path=ppt/notesSlides/notesSlide19.xml><?xml version="1.0" encoding="utf-8"?>
+<p:notes xmlns:a="http://schemas.openxmlformats.org/drawingml/2006/main" xmlns:r="http://schemas.openxmlformats.org/officeDocument/2006/relationships" xmlns:p="http://schemas.openxmlformats.org/presentationml/2006/main">
+  <p:cSld>
+    <p:spTree>
+      <p:nvGrpSpPr>
+        <p:cNvPr id="1" name=""/>
+        <p:cNvGrpSpPr/>
+        <p:nvPr/>
+      </p:nvGrpSpPr>
+      <p:grpSpPr>
+        <a:xfrm>
+          <a:off x="0" y="0"/>
+          <a:ext cx="0" cy="0"/>
+          <a:chOff x="0" y="0"/>
+          <a:chExt cx="0" cy="0"/>
+        </a:xfrm>
+      </p:grpSpPr>
+      <p:sp>
+        <p:nvSpPr>
+          <p:cNvPr id="2" name="幻灯片图像占位符 1"/>
+          <p:cNvSpPr>
+            <a:spLocks noGrp="1" noRot="1" noChangeAspect="1"/>
+          </p:cNvSpPr>
+          <p:nvPr>
+            <p:ph type="sldImg"/>
+          </p:nvPr>
+        </p:nvSpPr>
+        <p:spPr/>
+      </p:sp>
+      <p:sp>
+        <p:nvSpPr>
+          <p:cNvPr id="3" name="备注占位符 2"/>
+          <p:cNvSpPr>
+            <a:spLocks noGrp="1"/>
+          </p:cNvSpPr>
+          <p:nvPr>
+            <p:ph type="body" idx="1"/>
+          </p:nvPr>
+        </p:nvSpPr>
+        <p:spPr/>
+        <p:txBody>
+          <a:bodyPr/>
+          <a:lstStyle/>
+          <a:p>
+            <a:r>
+              <a:rPr kumimoji="1" lang="en-US" altLang="zh-CN" dirty="0" err="1" smtClean="0"/>
+              <a:t>Callee</a:t>
+            </a:r>
+            <a:r>
+              <a:rPr kumimoji="1" lang="zh-CN" altLang="en-US" dirty="0" smtClean="0"/>
+              <a:t>属性在今后的浏览器中可能再支持。</a:t>
+            </a:r>
+            <a:endParaRPr kumimoji="1" lang="zh-CN" altLang="en-US" dirty="0"/>
+          </a:p>
+        </p:txBody>
+      </p:sp>
+      <p:sp>
+        <p:nvSpPr>
+          <p:cNvPr id="4" name="幻灯片编号占位符 3"/>
+          <p:cNvSpPr>
+            <a:spLocks noGrp="1"/>
+          </p:cNvSpPr>
+          <p:nvPr>
+            <p:ph type="sldNum" sz="quarter" idx="10"/>
+          </p:nvPr>
+        </p:nvSpPr>
+        <p:spPr/>
+        <p:txBody>
+          <a:bodyPr/>
+          <a:lstStyle/>
+          <a:p>
+            <a:fld id="{6E617A2A-56D0-C847-AD3B-89221304CA23}" type="slidenum">
+              <a:rPr kumimoji="1" lang="zh-CN" altLang="en-US" smtClean="0"/>
+              <a:t>26</a:t>
             </a:fld>
             <a:endParaRPr kumimoji="1" lang="zh-CN" altLang="en-US"/>
           </a:p>
@@ -23703,6 +24152,1954 @@
     <p:extLst>
       <p:ext uri="{BB962C8B-B14F-4D97-AF65-F5344CB8AC3E}">
         <p14:creationId xmlns:p14="http://schemas.microsoft.com/office/powerpoint/2010/main" val="3618426091"/>
+      </p:ext>
+    </p:extLst>
+  </p:cSld>
+  <p:clrMapOvr>
+    <a:masterClrMapping/>
+  </p:clrMapOvr>
+  <p:timing>
+    <p:tnLst>
+      <p:par>
+        <p:cTn xmlns:p14="http://schemas.microsoft.com/office/powerpoint/2010/main" id="1" dur="indefinite" restart="never" nodeType="tmRoot"/>
+      </p:par>
+    </p:tnLst>
+  </p:timing>
+</p:sld>
+</file>
+
+<file path=ppt/slides/slide22.xml><?xml version="1.0" encoding="utf-8"?>
+<p:sld xmlns:a="http://schemas.openxmlformats.org/drawingml/2006/main" xmlns:r="http://schemas.openxmlformats.org/officeDocument/2006/relationships" xmlns:p="http://schemas.openxmlformats.org/presentationml/2006/main">
+  <p:cSld>
+    <p:spTree>
+      <p:nvGrpSpPr>
+        <p:cNvPr id="1" name=""/>
+        <p:cNvGrpSpPr/>
+        <p:nvPr/>
+      </p:nvGrpSpPr>
+      <p:grpSpPr>
+        <a:xfrm>
+          <a:off x="0" y="0"/>
+          <a:ext cx="0" cy="0"/>
+          <a:chOff x="0" y="0"/>
+          <a:chExt cx="0" cy="0"/>
+        </a:xfrm>
+      </p:grpSpPr>
+      <p:sp>
+        <p:nvSpPr>
+          <p:cNvPr id="3" name="内容占位符 2"/>
+          <p:cNvSpPr>
+            <a:spLocks noGrp="1"/>
+          </p:cNvSpPr>
+          <p:nvPr>
+            <p:ph idx="1"/>
+          </p:nvPr>
+        </p:nvSpPr>
+        <p:spPr>
+          <a:xfrm>
+            <a:off x="872067" y="2449054"/>
+            <a:ext cx="7408333" cy="3677109"/>
+          </a:xfrm>
+        </p:spPr>
+        <p:txBody>
+          <a:bodyPr>
+            <a:normAutofit/>
+          </a:bodyPr>
+          <a:lstStyle/>
+          <a:p>
+            <a:pPr>
+              <a:buFont typeface="Wingdings" charset="2"/>
+              <a:buChar char="Ø"/>
+            </a:pPr>
+            <a:r>
+              <a:rPr kumimoji="1" lang="zh-CN" altLang="en-US" sz="3400" dirty="0" smtClean="0">
+                <a:latin typeface="+mj-ea"/>
+                <a:ea typeface="+mj-ea"/>
+              </a:rPr>
+              <a:t>如果你想把函数传给别人但又不想让他改变你的</a:t>
+            </a:r>
+            <a:r>
+              <a:rPr kumimoji="1" lang="en-US" altLang="zh-CN" sz="3400" dirty="0" smtClean="0">
+                <a:latin typeface="+mj-ea"/>
+                <a:ea typeface="+mj-ea"/>
+              </a:rPr>
+              <a:t>function</a:t>
+            </a:r>
+            <a:r>
+              <a:rPr kumimoji="1" lang="zh-CN" altLang="en-US" sz="3400" dirty="0" smtClean="0">
+                <a:latin typeface="+mj-ea"/>
+                <a:ea typeface="+mj-ea"/>
+              </a:rPr>
+              <a:t> </a:t>
+            </a:r>
+            <a:r>
+              <a:rPr kumimoji="1" lang="en-US" altLang="zh-CN" sz="3400" dirty="0" smtClean="0">
+                <a:latin typeface="+mj-ea"/>
+                <a:ea typeface="+mj-ea"/>
+              </a:rPr>
+              <a:t>context</a:t>
+            </a:r>
+            <a:r>
+              <a:rPr kumimoji="1" lang="zh-CN" altLang="en-US" sz="3400" dirty="0" smtClean="0">
+                <a:latin typeface="+mj-ea"/>
+                <a:ea typeface="+mj-ea"/>
+              </a:rPr>
+              <a:t>？</a:t>
+            </a:r>
+            <a:endParaRPr kumimoji="1" lang="en-US" altLang="zh-CN" sz="3400" dirty="0" smtClean="0">
+              <a:latin typeface="+mj-ea"/>
+              <a:ea typeface="+mj-ea"/>
+            </a:endParaRPr>
+          </a:p>
+          <a:p>
+            <a:pPr>
+              <a:buFont typeface="Wingdings" charset="2"/>
+              <a:buChar char="Ø"/>
+            </a:pPr>
+            <a:r>
+              <a:rPr kumimoji="1" lang="en-US" altLang="zh-CN" sz="3400" dirty="0">
+                <a:latin typeface="+mj-ea"/>
+              </a:rPr>
+              <a:t>Partial Function</a:t>
+            </a:r>
+            <a:endParaRPr kumimoji="1" lang="en-US" altLang="zh-CN" sz="3400" dirty="0" smtClean="0">
+              <a:latin typeface="+mj-ea"/>
+              <a:ea typeface="+mj-ea"/>
+            </a:endParaRPr>
+          </a:p>
+          <a:p>
+            <a:pPr>
+              <a:buFont typeface="Wingdings" charset="2"/>
+              <a:buChar char="Ø"/>
+            </a:pPr>
+            <a:r>
+              <a:rPr kumimoji="1" lang="en-US" altLang="zh-CN" sz="3400" dirty="0" smtClean="0">
+                <a:latin typeface="+mj-ea"/>
+                <a:ea typeface="+mj-ea"/>
+              </a:rPr>
+              <a:t>IE9+</a:t>
+            </a:r>
+            <a:r>
+              <a:rPr kumimoji="1" lang="zh-CN" altLang="en-US" sz="3400" dirty="0" smtClean="0">
+                <a:latin typeface="+mj-ea"/>
+                <a:ea typeface="+mj-ea"/>
+              </a:rPr>
+              <a:t>，</a:t>
+            </a:r>
+            <a:r>
+              <a:rPr kumimoji="1" lang="en-US" altLang="zh-CN" sz="3400" dirty="0" smtClean="0">
+                <a:latin typeface="+mj-ea"/>
+                <a:ea typeface="+mj-ea"/>
+              </a:rPr>
+              <a:t>FF4+,</a:t>
+            </a:r>
+            <a:r>
+              <a:rPr kumimoji="1" lang="zh-CN" altLang="en-US" sz="3400" dirty="0" smtClean="0">
+                <a:latin typeface="+mj-ea"/>
+                <a:ea typeface="+mj-ea"/>
+              </a:rPr>
+              <a:t> </a:t>
+            </a:r>
+            <a:r>
+              <a:rPr kumimoji="1" lang="en-US" altLang="zh-CN" sz="3400" dirty="0" smtClean="0">
+                <a:latin typeface="+mj-ea"/>
+                <a:ea typeface="+mj-ea"/>
+              </a:rPr>
+              <a:t>Chrome7+</a:t>
+            </a:r>
+          </a:p>
+          <a:p>
+            <a:pPr>
+              <a:buFont typeface="Wingdings" charset="2"/>
+              <a:buChar char="Ø"/>
+            </a:pPr>
+            <a:endParaRPr kumimoji="1" lang="en-US" altLang="zh-CN" sz="3400" dirty="0">
+              <a:latin typeface="+mj-ea"/>
+              <a:ea typeface="+mj-ea"/>
+            </a:endParaRPr>
+          </a:p>
+          <a:p>
+            <a:pPr>
+              <a:buFont typeface="Wingdings" charset="2"/>
+              <a:buChar char="Ø"/>
+            </a:pPr>
+            <a:endParaRPr kumimoji="1" lang="zh-CN" altLang="en-US" sz="3400" dirty="0">
+              <a:latin typeface="+mj-ea"/>
+              <a:ea typeface="+mj-ea"/>
+            </a:endParaRPr>
+          </a:p>
+        </p:txBody>
+      </p:sp>
+      <p:sp>
+        <p:nvSpPr>
+          <p:cNvPr id="2" name="标题 1"/>
+          <p:cNvSpPr>
+            <a:spLocks noGrp="1"/>
+          </p:cNvSpPr>
+          <p:nvPr>
+            <p:ph type="title"/>
+          </p:nvPr>
+        </p:nvSpPr>
+        <p:spPr/>
+        <p:txBody>
+          <a:bodyPr>
+            <a:normAutofit/>
+          </a:bodyPr>
+          <a:lstStyle/>
+          <a:p>
+            <a:r>
+              <a:rPr kumimoji="1" lang="zh-CN" altLang="en-US" dirty="0" smtClean="0">
+                <a:latin typeface="Heiti SC Light"/>
+                <a:ea typeface="Heiti SC Light"/>
+                <a:cs typeface="Heiti SC Light"/>
+              </a:rPr>
+              <a:t>函数对象的</a:t>
+            </a:r>
+            <a:r>
+              <a:rPr kumimoji="1" lang="en-US" altLang="zh-CN" dirty="0" smtClean="0">
+                <a:latin typeface="Heiti SC Light"/>
+                <a:ea typeface="Heiti SC Light"/>
+                <a:cs typeface="Heiti SC Light"/>
+              </a:rPr>
+              <a:t>b</a:t>
+            </a:r>
+            <a:r>
+              <a:rPr kumimoji="1" lang="en-US" altLang="zh-CN" dirty="0" smtClean="0">
+                <a:latin typeface="Heiti SC Light"/>
+                <a:ea typeface="Heiti SC Light"/>
+                <a:cs typeface="Heiti SC Light"/>
+              </a:rPr>
+              <a:t>ind()</a:t>
+            </a:r>
+            <a:r>
+              <a:rPr kumimoji="1" lang="zh-CN" altLang="en-US" dirty="0" smtClean="0">
+                <a:latin typeface="Heiti SC Light"/>
+                <a:ea typeface="Heiti SC Light"/>
+                <a:cs typeface="Heiti SC Light"/>
+              </a:rPr>
+              <a:t>方法</a:t>
+            </a:r>
+            <a:endParaRPr kumimoji="1" lang="zh-CN" altLang="en-US" dirty="0">
+              <a:latin typeface="Heiti SC Light"/>
+              <a:ea typeface="Heiti SC Light"/>
+              <a:cs typeface="Heiti SC Light"/>
+            </a:endParaRPr>
+          </a:p>
+        </p:txBody>
+      </p:sp>
+      <p:sp>
+        <p:nvSpPr>
+          <p:cNvPr id="4" name="副标题 2"/>
+          <p:cNvSpPr txBox="1">
+            <a:spLocks/>
+          </p:cNvSpPr>
+          <p:nvPr/>
+        </p:nvSpPr>
+        <p:spPr>
+          <a:xfrm>
+            <a:off x="690032" y="1651180"/>
+            <a:ext cx="7772400" cy="4153985"/>
+          </a:xfrm>
+          <a:prstGeom prst="rect">
+            <a:avLst/>
+          </a:prstGeom>
+        </p:spPr>
+        <p:txBody>
+          <a:bodyPr vert="horz" lIns="91440" tIns="45720" rIns="91440" bIns="45720" rtlCol="0" anchor="b">
+            <a:normAutofit/>
+          </a:bodyPr>
+          <a:lstStyle>
+            <a:lvl1pPr marL="0" indent="0" algn="ctr" defTabSz="914400" rtl="0" eaLnBrk="1" latinLnBrk="0" hangingPunct="1">
+              <a:spcBef>
+                <a:spcPct val="20000"/>
+              </a:spcBef>
+              <a:buClr>
+                <a:schemeClr val="accent1"/>
+              </a:buClr>
+              <a:buSzPct val="100000"/>
+              <a:buFont typeface="Symbol" pitchFamily="18" charset="2"/>
+              <a:buNone/>
+              <a:defRPr sz="2000" kern="1200">
+                <a:solidFill>
+                  <a:srgbClr val="FFFFFF"/>
+                </a:solidFill>
+                <a:latin typeface="+mn-lt"/>
+                <a:ea typeface="+mn-ea"/>
+                <a:cs typeface="+mn-cs"/>
+              </a:defRPr>
+            </a:lvl1pPr>
+            <a:lvl2pPr marL="457200" indent="0" algn="l" defTabSz="914400" rtl="0" eaLnBrk="1" latinLnBrk="0" hangingPunct="1">
+              <a:spcBef>
+                <a:spcPct val="20000"/>
+              </a:spcBef>
+              <a:buClr>
+                <a:schemeClr val="accent1"/>
+              </a:buClr>
+              <a:buSzPct val="100000"/>
+              <a:buFont typeface="Symbol" pitchFamily="18" charset="2"/>
+              <a:buNone/>
+              <a:defRPr sz="1800" kern="1200">
+                <a:solidFill>
+                  <a:schemeClr val="tx1">
+                    <a:tint val="75000"/>
+                  </a:schemeClr>
+                </a:solidFill>
+                <a:latin typeface="+mn-lt"/>
+                <a:ea typeface="+mn-ea"/>
+                <a:cs typeface="+mn-cs"/>
+              </a:defRPr>
+            </a:lvl2pPr>
+            <a:lvl3pPr marL="914400" indent="0" algn="l" defTabSz="914400" rtl="0" eaLnBrk="1" latinLnBrk="0" hangingPunct="1">
+              <a:spcBef>
+                <a:spcPct val="20000"/>
+              </a:spcBef>
+              <a:buClr>
+                <a:schemeClr val="accent1"/>
+              </a:buClr>
+              <a:buSzPct val="100000"/>
+              <a:buFont typeface="Symbol" pitchFamily="18" charset="2"/>
+              <a:buNone/>
+              <a:defRPr sz="1600" kern="1200">
+                <a:solidFill>
+                  <a:schemeClr val="tx1">
+                    <a:tint val="75000"/>
+                  </a:schemeClr>
+                </a:solidFill>
+                <a:latin typeface="+mn-lt"/>
+                <a:ea typeface="+mn-ea"/>
+                <a:cs typeface="+mn-cs"/>
+              </a:defRPr>
+            </a:lvl3pPr>
+            <a:lvl4pPr marL="1371600" indent="0" algn="l" defTabSz="914400" rtl="0" eaLnBrk="1" latinLnBrk="0" hangingPunct="1">
+              <a:spcBef>
+                <a:spcPct val="20000"/>
+              </a:spcBef>
+              <a:buClr>
+                <a:schemeClr val="accent1"/>
+              </a:buClr>
+              <a:buSzPct val="100000"/>
+              <a:buFont typeface="Symbol" pitchFamily="18" charset="2"/>
+              <a:buNone/>
+              <a:defRPr sz="1400" kern="1200">
+                <a:solidFill>
+                  <a:schemeClr val="tx1">
+                    <a:tint val="75000"/>
+                  </a:schemeClr>
+                </a:solidFill>
+                <a:latin typeface="+mn-lt"/>
+                <a:ea typeface="+mn-ea"/>
+                <a:cs typeface="+mn-cs"/>
+              </a:defRPr>
+            </a:lvl4pPr>
+            <a:lvl5pPr marL="1828800" indent="0" algn="l" defTabSz="914400" rtl="0" eaLnBrk="1" latinLnBrk="0" hangingPunct="1">
+              <a:spcBef>
+                <a:spcPct val="20000"/>
+              </a:spcBef>
+              <a:buClr>
+                <a:schemeClr val="accent1"/>
+              </a:buClr>
+              <a:buSzPct val="100000"/>
+              <a:buFont typeface="Symbol" pitchFamily="18" charset="2"/>
+              <a:buNone/>
+              <a:defRPr sz="1400" kern="1200">
+                <a:solidFill>
+                  <a:schemeClr val="tx1">
+                    <a:tint val="75000"/>
+                  </a:schemeClr>
+                </a:solidFill>
+                <a:latin typeface="+mn-lt"/>
+                <a:ea typeface="+mn-ea"/>
+                <a:cs typeface="+mn-cs"/>
+              </a:defRPr>
+            </a:lvl5pPr>
+            <a:lvl6pPr marL="2286000" indent="0" algn="l" defTabSz="914400" rtl="0" eaLnBrk="1" latinLnBrk="0" hangingPunct="1">
+              <a:spcBef>
+                <a:spcPts val="384"/>
+              </a:spcBef>
+              <a:buClr>
+                <a:schemeClr val="accent1"/>
+              </a:buClr>
+              <a:buFont typeface="Symbol" pitchFamily="18" charset="2"/>
+              <a:buNone/>
+              <a:defRPr sz="1400" kern="1200">
+                <a:solidFill>
+                  <a:schemeClr val="tx1">
+                    <a:tint val="75000"/>
+                  </a:schemeClr>
+                </a:solidFill>
+                <a:latin typeface="+mn-lt"/>
+                <a:ea typeface="+mn-ea"/>
+                <a:cs typeface="+mn-cs"/>
+              </a:defRPr>
+            </a:lvl6pPr>
+            <a:lvl7pPr marL="2743200" indent="0" algn="l" defTabSz="914400" rtl="0" eaLnBrk="1" latinLnBrk="0" hangingPunct="1">
+              <a:spcBef>
+                <a:spcPts val="384"/>
+              </a:spcBef>
+              <a:buClr>
+                <a:schemeClr val="accent1"/>
+              </a:buClr>
+              <a:buFont typeface="Symbol" pitchFamily="18" charset="2"/>
+              <a:buNone/>
+              <a:defRPr sz="1400" kern="1200">
+                <a:solidFill>
+                  <a:schemeClr val="tx1">
+                    <a:tint val="75000"/>
+                  </a:schemeClr>
+                </a:solidFill>
+                <a:latin typeface="+mn-lt"/>
+                <a:ea typeface="+mn-ea"/>
+                <a:cs typeface="+mn-cs"/>
+              </a:defRPr>
+            </a:lvl7pPr>
+            <a:lvl8pPr marL="3200400" indent="0" algn="l" defTabSz="914400" rtl="0" eaLnBrk="1" latinLnBrk="0" hangingPunct="1">
+              <a:spcBef>
+                <a:spcPts val="384"/>
+              </a:spcBef>
+              <a:buClr>
+                <a:schemeClr val="accent1"/>
+              </a:buClr>
+              <a:buFont typeface="Symbol" pitchFamily="18" charset="2"/>
+              <a:buNone/>
+              <a:defRPr sz="1400" kern="1200">
+                <a:solidFill>
+                  <a:schemeClr val="tx1">
+                    <a:tint val="75000"/>
+                  </a:schemeClr>
+                </a:solidFill>
+                <a:latin typeface="+mn-lt"/>
+                <a:ea typeface="+mn-ea"/>
+                <a:cs typeface="+mn-cs"/>
+              </a:defRPr>
+            </a:lvl8pPr>
+            <a:lvl9pPr marL="3657600" indent="0" algn="l" defTabSz="914400" rtl="0" eaLnBrk="1" latinLnBrk="0" hangingPunct="1">
+              <a:spcBef>
+                <a:spcPts val="384"/>
+              </a:spcBef>
+              <a:buClr>
+                <a:schemeClr val="accent1"/>
+              </a:buClr>
+              <a:buFont typeface="Symbol" pitchFamily="18" charset="2"/>
+              <a:buNone/>
+              <a:defRPr sz="1400" kern="1200">
+                <a:solidFill>
+                  <a:schemeClr val="tx1">
+                    <a:tint val="75000"/>
+                  </a:schemeClr>
+                </a:solidFill>
+                <a:latin typeface="+mn-lt"/>
+                <a:ea typeface="+mn-ea"/>
+                <a:cs typeface="+mn-cs"/>
+              </a:defRPr>
+            </a:lvl9pPr>
+          </a:lstStyle>
+          <a:p>
+            <a:endParaRPr kumimoji="1" lang="zh-CN" altLang="en-US" dirty="0">
+              <a:solidFill>
+                <a:schemeClr val="tx1"/>
+              </a:solidFill>
+            </a:endParaRPr>
+          </a:p>
+        </p:txBody>
+      </p:sp>
+    </p:spTree>
+    <p:extLst>
+      <p:ext uri="{BB962C8B-B14F-4D97-AF65-F5344CB8AC3E}">
+        <p14:creationId xmlns:p14="http://schemas.microsoft.com/office/powerpoint/2010/main" val="1319119140"/>
+      </p:ext>
+    </p:extLst>
+  </p:cSld>
+  <p:clrMapOvr>
+    <a:masterClrMapping/>
+  </p:clrMapOvr>
+  <p:timing>
+    <p:tnLst>
+      <p:par>
+        <p:cTn xmlns:p14="http://schemas.microsoft.com/office/powerpoint/2010/main" id="1" dur="indefinite" restart="never" nodeType="tmRoot"/>
+      </p:par>
+    </p:tnLst>
+  </p:timing>
+</p:sld>
+</file>
+
+<file path=ppt/slides/slide23.xml><?xml version="1.0" encoding="utf-8"?>
+<p:sld xmlns:a="http://schemas.openxmlformats.org/drawingml/2006/main" xmlns:r="http://schemas.openxmlformats.org/officeDocument/2006/relationships" xmlns:p="http://schemas.openxmlformats.org/presentationml/2006/main">
+  <p:cSld>
+    <p:spTree>
+      <p:nvGrpSpPr>
+        <p:cNvPr id="1" name=""/>
+        <p:cNvGrpSpPr/>
+        <p:nvPr/>
+      </p:nvGrpSpPr>
+      <p:grpSpPr>
+        <a:xfrm>
+          <a:off x="0" y="0"/>
+          <a:ext cx="0" cy="0"/>
+          <a:chOff x="0" y="0"/>
+          <a:chExt cx="0" cy="0"/>
+        </a:xfrm>
+      </p:grpSpPr>
+      <p:sp>
+        <p:nvSpPr>
+          <p:cNvPr id="2" name="标题 1"/>
+          <p:cNvSpPr>
+            <a:spLocks noGrp="1"/>
+          </p:cNvSpPr>
+          <p:nvPr>
+            <p:ph type="ctrTitle"/>
+          </p:nvPr>
+        </p:nvSpPr>
+        <p:spPr/>
+        <p:txBody>
+          <a:bodyPr/>
+          <a:lstStyle/>
+          <a:p>
+            <a:r>
+              <a:rPr kumimoji="1" lang="en-US" altLang="zh-TW" dirty="0">
+                <a:latin typeface="Heiti SC Light"/>
+                <a:ea typeface="Heiti SC Light"/>
+                <a:cs typeface="Heiti SC Light"/>
+              </a:rPr>
+              <a:t>Function</a:t>
+            </a:r>
+            <a:r>
+              <a:rPr kumimoji="1" lang="zh-TW" altLang="en-US" dirty="0">
+                <a:latin typeface="Heiti SC Light"/>
+                <a:ea typeface="Heiti SC Light"/>
+                <a:cs typeface="Heiti SC Light"/>
+              </a:rPr>
+              <a:t>对</a:t>
+            </a:r>
+            <a:r>
+              <a:rPr kumimoji="1" lang="zh-TW" altLang="en-US" dirty="0" smtClean="0">
+                <a:latin typeface="Heiti SC Light"/>
+                <a:ea typeface="Heiti SC Light"/>
+                <a:cs typeface="Heiti SC Light"/>
+              </a:rPr>
+              <a:t>象的用法</a:t>
+            </a:r>
+            <a:endParaRPr kumimoji="1" lang="zh-CN" altLang="en-US" dirty="0">
+              <a:latin typeface="Heiti SC Light"/>
+              <a:ea typeface="Heiti SC Light"/>
+              <a:cs typeface="Heiti SC Light"/>
+            </a:endParaRPr>
+          </a:p>
+        </p:txBody>
+      </p:sp>
+      <p:sp>
+        <p:nvSpPr>
+          <p:cNvPr id="4" name="副标题 2"/>
+          <p:cNvSpPr txBox="1">
+            <a:spLocks/>
+          </p:cNvSpPr>
+          <p:nvPr/>
+        </p:nvSpPr>
+        <p:spPr>
+          <a:xfrm>
+            <a:off x="690032" y="1651180"/>
+            <a:ext cx="7772400" cy="4153985"/>
+          </a:xfrm>
+          <a:prstGeom prst="rect">
+            <a:avLst/>
+          </a:prstGeom>
+        </p:spPr>
+        <p:txBody>
+          <a:bodyPr vert="horz" lIns="91440" tIns="45720" rIns="91440" bIns="45720" rtlCol="0" anchor="b">
+            <a:normAutofit/>
+          </a:bodyPr>
+          <a:lstStyle>
+            <a:lvl1pPr marL="0" indent="0" algn="ctr" defTabSz="914400" rtl="0" eaLnBrk="1" latinLnBrk="0" hangingPunct="1">
+              <a:spcBef>
+                <a:spcPct val="20000"/>
+              </a:spcBef>
+              <a:buClr>
+                <a:schemeClr val="accent1"/>
+              </a:buClr>
+              <a:buSzPct val="100000"/>
+              <a:buFont typeface="Symbol" pitchFamily="18" charset="2"/>
+              <a:buNone/>
+              <a:defRPr sz="2000" kern="1200">
+                <a:solidFill>
+                  <a:srgbClr val="FFFFFF"/>
+                </a:solidFill>
+                <a:latin typeface="+mn-lt"/>
+                <a:ea typeface="+mn-ea"/>
+                <a:cs typeface="+mn-cs"/>
+              </a:defRPr>
+            </a:lvl1pPr>
+            <a:lvl2pPr marL="457200" indent="0" algn="l" defTabSz="914400" rtl="0" eaLnBrk="1" latinLnBrk="0" hangingPunct="1">
+              <a:spcBef>
+                <a:spcPct val="20000"/>
+              </a:spcBef>
+              <a:buClr>
+                <a:schemeClr val="accent1"/>
+              </a:buClr>
+              <a:buSzPct val="100000"/>
+              <a:buFont typeface="Symbol" pitchFamily="18" charset="2"/>
+              <a:buNone/>
+              <a:defRPr sz="1800" kern="1200">
+                <a:solidFill>
+                  <a:schemeClr val="tx1">
+                    <a:tint val="75000"/>
+                  </a:schemeClr>
+                </a:solidFill>
+                <a:latin typeface="+mn-lt"/>
+                <a:ea typeface="+mn-ea"/>
+                <a:cs typeface="+mn-cs"/>
+              </a:defRPr>
+            </a:lvl2pPr>
+            <a:lvl3pPr marL="914400" indent="0" algn="l" defTabSz="914400" rtl="0" eaLnBrk="1" latinLnBrk="0" hangingPunct="1">
+              <a:spcBef>
+                <a:spcPct val="20000"/>
+              </a:spcBef>
+              <a:buClr>
+                <a:schemeClr val="accent1"/>
+              </a:buClr>
+              <a:buSzPct val="100000"/>
+              <a:buFont typeface="Symbol" pitchFamily="18" charset="2"/>
+              <a:buNone/>
+              <a:defRPr sz="1600" kern="1200">
+                <a:solidFill>
+                  <a:schemeClr val="tx1">
+                    <a:tint val="75000"/>
+                  </a:schemeClr>
+                </a:solidFill>
+                <a:latin typeface="+mn-lt"/>
+                <a:ea typeface="+mn-ea"/>
+                <a:cs typeface="+mn-cs"/>
+              </a:defRPr>
+            </a:lvl3pPr>
+            <a:lvl4pPr marL="1371600" indent="0" algn="l" defTabSz="914400" rtl="0" eaLnBrk="1" latinLnBrk="0" hangingPunct="1">
+              <a:spcBef>
+                <a:spcPct val="20000"/>
+              </a:spcBef>
+              <a:buClr>
+                <a:schemeClr val="accent1"/>
+              </a:buClr>
+              <a:buSzPct val="100000"/>
+              <a:buFont typeface="Symbol" pitchFamily="18" charset="2"/>
+              <a:buNone/>
+              <a:defRPr sz="1400" kern="1200">
+                <a:solidFill>
+                  <a:schemeClr val="tx1">
+                    <a:tint val="75000"/>
+                  </a:schemeClr>
+                </a:solidFill>
+                <a:latin typeface="+mn-lt"/>
+                <a:ea typeface="+mn-ea"/>
+                <a:cs typeface="+mn-cs"/>
+              </a:defRPr>
+            </a:lvl4pPr>
+            <a:lvl5pPr marL="1828800" indent="0" algn="l" defTabSz="914400" rtl="0" eaLnBrk="1" latinLnBrk="0" hangingPunct="1">
+              <a:spcBef>
+                <a:spcPct val="20000"/>
+              </a:spcBef>
+              <a:buClr>
+                <a:schemeClr val="accent1"/>
+              </a:buClr>
+              <a:buSzPct val="100000"/>
+              <a:buFont typeface="Symbol" pitchFamily="18" charset="2"/>
+              <a:buNone/>
+              <a:defRPr sz="1400" kern="1200">
+                <a:solidFill>
+                  <a:schemeClr val="tx1">
+                    <a:tint val="75000"/>
+                  </a:schemeClr>
+                </a:solidFill>
+                <a:latin typeface="+mn-lt"/>
+                <a:ea typeface="+mn-ea"/>
+                <a:cs typeface="+mn-cs"/>
+              </a:defRPr>
+            </a:lvl5pPr>
+            <a:lvl6pPr marL="2286000" indent="0" algn="l" defTabSz="914400" rtl="0" eaLnBrk="1" latinLnBrk="0" hangingPunct="1">
+              <a:spcBef>
+                <a:spcPts val="384"/>
+              </a:spcBef>
+              <a:buClr>
+                <a:schemeClr val="accent1"/>
+              </a:buClr>
+              <a:buFont typeface="Symbol" pitchFamily="18" charset="2"/>
+              <a:buNone/>
+              <a:defRPr sz="1400" kern="1200">
+                <a:solidFill>
+                  <a:schemeClr val="tx1">
+                    <a:tint val="75000"/>
+                  </a:schemeClr>
+                </a:solidFill>
+                <a:latin typeface="+mn-lt"/>
+                <a:ea typeface="+mn-ea"/>
+                <a:cs typeface="+mn-cs"/>
+              </a:defRPr>
+            </a:lvl6pPr>
+            <a:lvl7pPr marL="2743200" indent="0" algn="l" defTabSz="914400" rtl="0" eaLnBrk="1" latinLnBrk="0" hangingPunct="1">
+              <a:spcBef>
+                <a:spcPts val="384"/>
+              </a:spcBef>
+              <a:buClr>
+                <a:schemeClr val="accent1"/>
+              </a:buClr>
+              <a:buFont typeface="Symbol" pitchFamily="18" charset="2"/>
+              <a:buNone/>
+              <a:defRPr sz="1400" kern="1200">
+                <a:solidFill>
+                  <a:schemeClr val="tx1">
+                    <a:tint val="75000"/>
+                  </a:schemeClr>
+                </a:solidFill>
+                <a:latin typeface="+mn-lt"/>
+                <a:ea typeface="+mn-ea"/>
+                <a:cs typeface="+mn-cs"/>
+              </a:defRPr>
+            </a:lvl7pPr>
+            <a:lvl8pPr marL="3200400" indent="0" algn="l" defTabSz="914400" rtl="0" eaLnBrk="1" latinLnBrk="0" hangingPunct="1">
+              <a:spcBef>
+                <a:spcPts val="384"/>
+              </a:spcBef>
+              <a:buClr>
+                <a:schemeClr val="accent1"/>
+              </a:buClr>
+              <a:buFont typeface="Symbol" pitchFamily="18" charset="2"/>
+              <a:buNone/>
+              <a:defRPr sz="1400" kern="1200">
+                <a:solidFill>
+                  <a:schemeClr val="tx1">
+                    <a:tint val="75000"/>
+                  </a:schemeClr>
+                </a:solidFill>
+                <a:latin typeface="+mn-lt"/>
+                <a:ea typeface="+mn-ea"/>
+                <a:cs typeface="+mn-cs"/>
+              </a:defRPr>
+            </a:lvl8pPr>
+            <a:lvl9pPr marL="3657600" indent="0" algn="l" defTabSz="914400" rtl="0" eaLnBrk="1" latinLnBrk="0" hangingPunct="1">
+              <a:spcBef>
+                <a:spcPts val="384"/>
+              </a:spcBef>
+              <a:buClr>
+                <a:schemeClr val="accent1"/>
+              </a:buClr>
+              <a:buFont typeface="Symbol" pitchFamily="18" charset="2"/>
+              <a:buNone/>
+              <a:defRPr sz="1400" kern="1200">
+                <a:solidFill>
+                  <a:schemeClr val="tx1">
+                    <a:tint val="75000"/>
+                  </a:schemeClr>
+                </a:solidFill>
+                <a:latin typeface="+mn-lt"/>
+                <a:ea typeface="+mn-ea"/>
+                <a:cs typeface="+mn-cs"/>
+              </a:defRPr>
+            </a:lvl9pPr>
+          </a:lstStyle>
+          <a:p>
+            <a:endParaRPr kumimoji="1" lang="zh-CN" altLang="en-US" dirty="0">
+              <a:solidFill>
+                <a:schemeClr val="tx1"/>
+              </a:solidFill>
+            </a:endParaRPr>
+          </a:p>
+        </p:txBody>
+      </p:sp>
+      <p:sp>
+        <p:nvSpPr>
+          <p:cNvPr id="3" name="副标题 2"/>
+          <p:cNvSpPr>
+            <a:spLocks noGrp="1"/>
+          </p:cNvSpPr>
+          <p:nvPr>
+            <p:ph type="subTitle" idx="1"/>
+          </p:nvPr>
+        </p:nvSpPr>
+        <p:spPr/>
+        <p:txBody>
+          <a:bodyPr/>
+          <a:lstStyle/>
+          <a:p>
+            <a:endParaRPr kumimoji="1" lang="zh-CN" altLang="en-US"/>
+          </a:p>
+        </p:txBody>
+      </p:sp>
+    </p:spTree>
+    <p:extLst>
+      <p:ext uri="{BB962C8B-B14F-4D97-AF65-F5344CB8AC3E}">
+        <p14:creationId xmlns:p14="http://schemas.microsoft.com/office/powerpoint/2010/main" val="129981035"/>
+      </p:ext>
+    </p:extLst>
+  </p:cSld>
+  <p:clrMapOvr>
+    <a:masterClrMapping/>
+  </p:clrMapOvr>
+  <p:timing>
+    <p:tnLst>
+      <p:par>
+        <p:cTn xmlns:p14="http://schemas.microsoft.com/office/powerpoint/2010/main" id="1" dur="indefinite" restart="never" nodeType="tmRoot"/>
+      </p:par>
+    </p:tnLst>
+  </p:timing>
+</p:sld>
+</file>
+
+<file path=ppt/slides/slide24.xml><?xml version="1.0" encoding="utf-8"?>
+<p:sld xmlns:a="http://schemas.openxmlformats.org/drawingml/2006/main" xmlns:r="http://schemas.openxmlformats.org/officeDocument/2006/relationships" xmlns:p="http://schemas.openxmlformats.org/presentationml/2006/main">
+  <p:cSld>
+    <p:spTree>
+      <p:nvGrpSpPr>
+        <p:cNvPr id="1" name=""/>
+        <p:cNvGrpSpPr/>
+        <p:nvPr/>
+      </p:nvGrpSpPr>
+      <p:grpSpPr>
+        <a:xfrm>
+          <a:off x="0" y="0"/>
+          <a:ext cx="0" cy="0"/>
+          <a:chOff x="0" y="0"/>
+          <a:chExt cx="0" cy="0"/>
+        </a:xfrm>
+      </p:grpSpPr>
+      <p:sp>
+        <p:nvSpPr>
+          <p:cNvPr id="3" name="内容占位符 2"/>
+          <p:cNvSpPr>
+            <a:spLocks noGrp="1"/>
+          </p:cNvSpPr>
+          <p:nvPr>
+            <p:ph idx="1"/>
+          </p:nvPr>
+        </p:nvSpPr>
+        <p:spPr>
+          <a:xfrm>
+            <a:off x="872067" y="2449054"/>
+            <a:ext cx="7408333" cy="3677109"/>
+          </a:xfrm>
+        </p:spPr>
+        <p:txBody>
+          <a:bodyPr>
+            <a:normAutofit/>
+          </a:bodyPr>
+          <a:lstStyle/>
+          <a:p>
+            <a:pPr>
+              <a:buFont typeface="Wingdings" charset="2"/>
+              <a:buChar char="Ø"/>
+            </a:pPr>
+            <a:r>
+              <a:rPr kumimoji="1" lang="en-US" altLang="zh-CN" sz="3400" dirty="0" smtClean="0">
+                <a:latin typeface="+mj-ea"/>
+                <a:ea typeface="+mj-ea"/>
+              </a:rPr>
+              <a:t>Pilfered(</a:t>
+            </a:r>
+            <a:r>
+              <a:rPr kumimoji="1" lang="zh-CN" altLang="en-US" sz="3400" dirty="0" smtClean="0">
+                <a:latin typeface="+mj-ea"/>
+                <a:ea typeface="+mj-ea"/>
+              </a:rPr>
+              <a:t>盗窃</a:t>
+            </a:r>
+            <a:r>
+              <a:rPr kumimoji="1" lang="en-US" altLang="zh-CN" sz="3400" dirty="0" smtClean="0">
+                <a:latin typeface="+mj-ea"/>
+                <a:ea typeface="+mj-ea"/>
+              </a:rPr>
+              <a:t>) </a:t>
+            </a:r>
+            <a:r>
+              <a:rPr kumimoji="1" lang="en-US" altLang="zh-CN" sz="3400" dirty="0">
+                <a:latin typeface="+mj-ea"/>
+                <a:ea typeface="+mj-ea"/>
+              </a:rPr>
+              <a:t>reference </a:t>
+            </a:r>
+            <a:r>
+              <a:rPr kumimoji="1" lang="en-US" altLang="zh-CN" sz="3400" dirty="0" smtClean="0">
+                <a:latin typeface="+mj-ea"/>
+                <a:ea typeface="+mj-ea"/>
+              </a:rPr>
+              <a:t>problem</a:t>
+            </a:r>
+          </a:p>
+          <a:p>
+            <a:pPr lvl="1">
+              <a:buFont typeface="Wingdings" charset="2"/>
+              <a:buChar char="Ø"/>
+            </a:pPr>
+            <a:r>
+              <a:rPr kumimoji="1" lang="en-US" altLang="zh-CN" sz="3200" dirty="0">
+                <a:latin typeface="+mj-ea"/>
+                <a:ea typeface="+mj-ea"/>
+              </a:rPr>
+              <a:t>Inline named </a:t>
+            </a:r>
+            <a:r>
+              <a:rPr kumimoji="1" lang="en-US" altLang="zh-CN" sz="3200" dirty="0" smtClean="0">
+                <a:latin typeface="+mj-ea"/>
+                <a:ea typeface="+mj-ea"/>
+              </a:rPr>
+              <a:t>functions</a:t>
+            </a:r>
+          </a:p>
+          <a:p>
+            <a:pPr lvl="1">
+              <a:buFont typeface="Wingdings" charset="2"/>
+              <a:buChar char="Ø"/>
+            </a:pPr>
+            <a:r>
+              <a:rPr kumimoji="1" lang="zh-CN" altLang="zh-CN" sz="3200" dirty="0">
+                <a:latin typeface="+mj-ea"/>
+                <a:ea typeface="+mj-ea"/>
+              </a:rPr>
+              <a:t>a</a:t>
+            </a:r>
+            <a:r>
+              <a:rPr kumimoji="1" lang="en-US" altLang="zh-CN" sz="3200" dirty="0" err="1" smtClean="0">
+                <a:latin typeface="+mj-ea"/>
+                <a:ea typeface="+mj-ea"/>
+              </a:rPr>
+              <a:t>rguments.callee</a:t>
+            </a:r>
+            <a:endParaRPr kumimoji="1" lang="en-US" altLang="zh-CN" sz="3200" dirty="0" smtClean="0">
+              <a:latin typeface="+mj-ea"/>
+              <a:ea typeface="+mj-ea"/>
+            </a:endParaRPr>
+          </a:p>
+          <a:p>
+            <a:pPr>
+              <a:buFont typeface="Wingdings" charset="2"/>
+              <a:buChar char="Ø"/>
+            </a:pPr>
+            <a:endParaRPr kumimoji="1" lang="en-US" altLang="zh-CN" sz="3400" dirty="0">
+              <a:latin typeface="+mj-ea"/>
+              <a:ea typeface="+mj-ea"/>
+            </a:endParaRPr>
+          </a:p>
+          <a:p>
+            <a:pPr>
+              <a:buFont typeface="Wingdings" charset="2"/>
+              <a:buChar char="Ø"/>
+            </a:pPr>
+            <a:endParaRPr kumimoji="1" lang="zh-CN" altLang="en-US" sz="3400" dirty="0">
+              <a:latin typeface="+mj-ea"/>
+              <a:ea typeface="+mj-ea"/>
+            </a:endParaRPr>
+          </a:p>
+        </p:txBody>
+      </p:sp>
+      <p:sp>
+        <p:nvSpPr>
+          <p:cNvPr id="2" name="标题 1"/>
+          <p:cNvSpPr>
+            <a:spLocks noGrp="1"/>
+          </p:cNvSpPr>
+          <p:nvPr>
+            <p:ph type="title"/>
+          </p:nvPr>
+        </p:nvSpPr>
+        <p:spPr/>
+        <p:txBody>
+          <a:bodyPr>
+            <a:normAutofit/>
+          </a:bodyPr>
+          <a:lstStyle/>
+          <a:p>
+            <a:r>
+              <a:rPr kumimoji="1" lang="en-US" altLang="zh-CN" dirty="0" smtClean="0">
+                <a:latin typeface="Heiti SC Light"/>
+                <a:ea typeface="Heiti SC Light"/>
+                <a:cs typeface="Heiti SC Light"/>
+              </a:rPr>
+              <a:t>Recursion</a:t>
+            </a:r>
+            <a:endParaRPr kumimoji="1" lang="zh-CN" altLang="en-US" dirty="0">
+              <a:latin typeface="Heiti SC Light"/>
+              <a:ea typeface="Heiti SC Light"/>
+              <a:cs typeface="Heiti SC Light"/>
+            </a:endParaRPr>
+          </a:p>
+        </p:txBody>
+      </p:sp>
+      <p:sp>
+        <p:nvSpPr>
+          <p:cNvPr id="4" name="副标题 2"/>
+          <p:cNvSpPr txBox="1">
+            <a:spLocks/>
+          </p:cNvSpPr>
+          <p:nvPr/>
+        </p:nvSpPr>
+        <p:spPr>
+          <a:xfrm>
+            <a:off x="690032" y="1651180"/>
+            <a:ext cx="7772400" cy="4153985"/>
+          </a:xfrm>
+          <a:prstGeom prst="rect">
+            <a:avLst/>
+          </a:prstGeom>
+        </p:spPr>
+        <p:txBody>
+          <a:bodyPr vert="horz" lIns="91440" tIns="45720" rIns="91440" bIns="45720" rtlCol="0" anchor="b">
+            <a:normAutofit/>
+          </a:bodyPr>
+          <a:lstStyle>
+            <a:lvl1pPr marL="0" indent="0" algn="ctr" defTabSz="914400" rtl="0" eaLnBrk="1" latinLnBrk="0" hangingPunct="1">
+              <a:spcBef>
+                <a:spcPct val="20000"/>
+              </a:spcBef>
+              <a:buClr>
+                <a:schemeClr val="accent1"/>
+              </a:buClr>
+              <a:buSzPct val="100000"/>
+              <a:buFont typeface="Symbol" pitchFamily="18" charset="2"/>
+              <a:buNone/>
+              <a:defRPr sz="2000" kern="1200">
+                <a:solidFill>
+                  <a:srgbClr val="FFFFFF"/>
+                </a:solidFill>
+                <a:latin typeface="+mn-lt"/>
+                <a:ea typeface="+mn-ea"/>
+                <a:cs typeface="+mn-cs"/>
+              </a:defRPr>
+            </a:lvl1pPr>
+            <a:lvl2pPr marL="457200" indent="0" algn="l" defTabSz="914400" rtl="0" eaLnBrk="1" latinLnBrk="0" hangingPunct="1">
+              <a:spcBef>
+                <a:spcPct val="20000"/>
+              </a:spcBef>
+              <a:buClr>
+                <a:schemeClr val="accent1"/>
+              </a:buClr>
+              <a:buSzPct val="100000"/>
+              <a:buFont typeface="Symbol" pitchFamily="18" charset="2"/>
+              <a:buNone/>
+              <a:defRPr sz="1800" kern="1200">
+                <a:solidFill>
+                  <a:schemeClr val="tx1">
+                    <a:tint val="75000"/>
+                  </a:schemeClr>
+                </a:solidFill>
+                <a:latin typeface="+mn-lt"/>
+                <a:ea typeface="+mn-ea"/>
+                <a:cs typeface="+mn-cs"/>
+              </a:defRPr>
+            </a:lvl2pPr>
+            <a:lvl3pPr marL="914400" indent="0" algn="l" defTabSz="914400" rtl="0" eaLnBrk="1" latinLnBrk="0" hangingPunct="1">
+              <a:spcBef>
+                <a:spcPct val="20000"/>
+              </a:spcBef>
+              <a:buClr>
+                <a:schemeClr val="accent1"/>
+              </a:buClr>
+              <a:buSzPct val="100000"/>
+              <a:buFont typeface="Symbol" pitchFamily="18" charset="2"/>
+              <a:buNone/>
+              <a:defRPr sz="1600" kern="1200">
+                <a:solidFill>
+                  <a:schemeClr val="tx1">
+                    <a:tint val="75000"/>
+                  </a:schemeClr>
+                </a:solidFill>
+                <a:latin typeface="+mn-lt"/>
+                <a:ea typeface="+mn-ea"/>
+                <a:cs typeface="+mn-cs"/>
+              </a:defRPr>
+            </a:lvl3pPr>
+            <a:lvl4pPr marL="1371600" indent="0" algn="l" defTabSz="914400" rtl="0" eaLnBrk="1" latinLnBrk="0" hangingPunct="1">
+              <a:spcBef>
+                <a:spcPct val="20000"/>
+              </a:spcBef>
+              <a:buClr>
+                <a:schemeClr val="accent1"/>
+              </a:buClr>
+              <a:buSzPct val="100000"/>
+              <a:buFont typeface="Symbol" pitchFamily="18" charset="2"/>
+              <a:buNone/>
+              <a:defRPr sz="1400" kern="1200">
+                <a:solidFill>
+                  <a:schemeClr val="tx1">
+                    <a:tint val="75000"/>
+                  </a:schemeClr>
+                </a:solidFill>
+                <a:latin typeface="+mn-lt"/>
+                <a:ea typeface="+mn-ea"/>
+                <a:cs typeface="+mn-cs"/>
+              </a:defRPr>
+            </a:lvl4pPr>
+            <a:lvl5pPr marL="1828800" indent="0" algn="l" defTabSz="914400" rtl="0" eaLnBrk="1" latinLnBrk="0" hangingPunct="1">
+              <a:spcBef>
+                <a:spcPct val="20000"/>
+              </a:spcBef>
+              <a:buClr>
+                <a:schemeClr val="accent1"/>
+              </a:buClr>
+              <a:buSzPct val="100000"/>
+              <a:buFont typeface="Symbol" pitchFamily="18" charset="2"/>
+              <a:buNone/>
+              <a:defRPr sz="1400" kern="1200">
+                <a:solidFill>
+                  <a:schemeClr val="tx1">
+                    <a:tint val="75000"/>
+                  </a:schemeClr>
+                </a:solidFill>
+                <a:latin typeface="+mn-lt"/>
+                <a:ea typeface="+mn-ea"/>
+                <a:cs typeface="+mn-cs"/>
+              </a:defRPr>
+            </a:lvl5pPr>
+            <a:lvl6pPr marL="2286000" indent="0" algn="l" defTabSz="914400" rtl="0" eaLnBrk="1" latinLnBrk="0" hangingPunct="1">
+              <a:spcBef>
+                <a:spcPts val="384"/>
+              </a:spcBef>
+              <a:buClr>
+                <a:schemeClr val="accent1"/>
+              </a:buClr>
+              <a:buFont typeface="Symbol" pitchFamily="18" charset="2"/>
+              <a:buNone/>
+              <a:defRPr sz="1400" kern="1200">
+                <a:solidFill>
+                  <a:schemeClr val="tx1">
+                    <a:tint val="75000"/>
+                  </a:schemeClr>
+                </a:solidFill>
+                <a:latin typeface="+mn-lt"/>
+                <a:ea typeface="+mn-ea"/>
+                <a:cs typeface="+mn-cs"/>
+              </a:defRPr>
+            </a:lvl6pPr>
+            <a:lvl7pPr marL="2743200" indent="0" algn="l" defTabSz="914400" rtl="0" eaLnBrk="1" latinLnBrk="0" hangingPunct="1">
+              <a:spcBef>
+                <a:spcPts val="384"/>
+              </a:spcBef>
+              <a:buClr>
+                <a:schemeClr val="accent1"/>
+              </a:buClr>
+              <a:buFont typeface="Symbol" pitchFamily="18" charset="2"/>
+              <a:buNone/>
+              <a:defRPr sz="1400" kern="1200">
+                <a:solidFill>
+                  <a:schemeClr val="tx1">
+                    <a:tint val="75000"/>
+                  </a:schemeClr>
+                </a:solidFill>
+                <a:latin typeface="+mn-lt"/>
+                <a:ea typeface="+mn-ea"/>
+                <a:cs typeface="+mn-cs"/>
+              </a:defRPr>
+            </a:lvl7pPr>
+            <a:lvl8pPr marL="3200400" indent="0" algn="l" defTabSz="914400" rtl="0" eaLnBrk="1" latinLnBrk="0" hangingPunct="1">
+              <a:spcBef>
+                <a:spcPts val="384"/>
+              </a:spcBef>
+              <a:buClr>
+                <a:schemeClr val="accent1"/>
+              </a:buClr>
+              <a:buFont typeface="Symbol" pitchFamily="18" charset="2"/>
+              <a:buNone/>
+              <a:defRPr sz="1400" kern="1200">
+                <a:solidFill>
+                  <a:schemeClr val="tx1">
+                    <a:tint val="75000"/>
+                  </a:schemeClr>
+                </a:solidFill>
+                <a:latin typeface="+mn-lt"/>
+                <a:ea typeface="+mn-ea"/>
+                <a:cs typeface="+mn-cs"/>
+              </a:defRPr>
+            </a:lvl8pPr>
+            <a:lvl9pPr marL="3657600" indent="0" algn="l" defTabSz="914400" rtl="0" eaLnBrk="1" latinLnBrk="0" hangingPunct="1">
+              <a:spcBef>
+                <a:spcPts val="384"/>
+              </a:spcBef>
+              <a:buClr>
+                <a:schemeClr val="accent1"/>
+              </a:buClr>
+              <a:buFont typeface="Symbol" pitchFamily="18" charset="2"/>
+              <a:buNone/>
+              <a:defRPr sz="1400" kern="1200">
+                <a:solidFill>
+                  <a:schemeClr val="tx1">
+                    <a:tint val="75000"/>
+                  </a:schemeClr>
+                </a:solidFill>
+                <a:latin typeface="+mn-lt"/>
+                <a:ea typeface="+mn-ea"/>
+                <a:cs typeface="+mn-cs"/>
+              </a:defRPr>
+            </a:lvl9pPr>
+          </a:lstStyle>
+          <a:p>
+            <a:endParaRPr kumimoji="1" lang="zh-CN" altLang="en-US" dirty="0">
+              <a:solidFill>
+                <a:schemeClr val="tx1"/>
+              </a:solidFill>
+            </a:endParaRPr>
+          </a:p>
+        </p:txBody>
+      </p:sp>
+    </p:spTree>
+    <p:extLst>
+      <p:ext uri="{BB962C8B-B14F-4D97-AF65-F5344CB8AC3E}">
+        <p14:creationId xmlns:p14="http://schemas.microsoft.com/office/powerpoint/2010/main" val="4072518906"/>
+      </p:ext>
+    </p:extLst>
+  </p:cSld>
+  <p:clrMapOvr>
+    <a:masterClrMapping/>
+  </p:clrMapOvr>
+  <p:timing>
+    <p:tnLst>
+      <p:par>
+        <p:cTn xmlns:p14="http://schemas.microsoft.com/office/powerpoint/2010/main" id="1" dur="indefinite" restart="never" nodeType="tmRoot"/>
+      </p:par>
+    </p:tnLst>
+  </p:timing>
+</p:sld>
+</file>
+
+<file path=ppt/slides/slide25.xml><?xml version="1.0" encoding="utf-8"?>
+<p:sld xmlns:a="http://schemas.openxmlformats.org/drawingml/2006/main" xmlns:r="http://schemas.openxmlformats.org/officeDocument/2006/relationships" xmlns:p="http://schemas.openxmlformats.org/presentationml/2006/main">
+  <p:cSld>
+    <p:spTree>
+      <p:nvGrpSpPr>
+        <p:cNvPr id="1" name=""/>
+        <p:cNvGrpSpPr/>
+        <p:nvPr/>
+      </p:nvGrpSpPr>
+      <p:grpSpPr>
+        <a:xfrm>
+          <a:off x="0" y="0"/>
+          <a:ext cx="0" cy="0"/>
+          <a:chOff x="0" y="0"/>
+          <a:chExt cx="0" cy="0"/>
+        </a:xfrm>
+      </p:grpSpPr>
+      <p:sp>
+        <p:nvSpPr>
+          <p:cNvPr id="3" name="内容占位符 2"/>
+          <p:cNvSpPr>
+            <a:spLocks noGrp="1"/>
+          </p:cNvSpPr>
+          <p:nvPr>
+            <p:ph idx="1"/>
+          </p:nvPr>
+        </p:nvSpPr>
+        <p:spPr>
+          <a:xfrm>
+            <a:off x="872067" y="2449054"/>
+            <a:ext cx="7408333" cy="3677109"/>
+          </a:xfrm>
+        </p:spPr>
+        <p:txBody>
+          <a:bodyPr>
+            <a:normAutofit/>
+          </a:bodyPr>
+          <a:lstStyle/>
+          <a:p>
+            <a:pPr>
+              <a:buFont typeface="Wingdings" charset="2"/>
+              <a:buChar char="Ø"/>
+            </a:pPr>
+            <a:r>
+              <a:rPr kumimoji="1" lang="zh-CN" altLang="en-US" sz="3400" dirty="0" smtClean="0">
+                <a:latin typeface="+mj-ea"/>
+                <a:ea typeface="+mj-ea"/>
+              </a:rPr>
+              <a:t>函数也是对象所以可以动态附加属性和方法：</a:t>
+            </a:r>
+            <a:endParaRPr kumimoji="1" lang="en-US" altLang="zh-CN" sz="3400" dirty="0" smtClean="0">
+              <a:latin typeface="+mj-ea"/>
+              <a:ea typeface="+mj-ea"/>
+            </a:endParaRPr>
+          </a:p>
+          <a:p>
+            <a:pPr lvl="1">
+              <a:buFont typeface="Wingdings" charset="2"/>
+              <a:buChar char="Ø"/>
+            </a:pPr>
+            <a:r>
+              <a:rPr kumimoji="1" lang="en-US" altLang="zh-CN" sz="3200" dirty="0" smtClean="0">
+                <a:latin typeface="+mj-ea"/>
+                <a:ea typeface="+mj-ea"/>
+              </a:rPr>
+              <a:t>self</a:t>
+            </a:r>
+            <a:r>
+              <a:rPr kumimoji="1" lang="en-US" altLang="zh-CN" sz="3200" dirty="0">
+                <a:latin typeface="+mj-ea"/>
+                <a:ea typeface="+mj-ea"/>
+              </a:rPr>
+              <a:t>-</a:t>
+            </a:r>
+            <a:r>
+              <a:rPr kumimoji="1" lang="en-US" altLang="zh-CN" sz="3200" dirty="0" err="1">
+                <a:latin typeface="+mj-ea"/>
+                <a:ea typeface="+mj-ea"/>
+              </a:rPr>
+              <a:t>memoizing</a:t>
+            </a:r>
+            <a:r>
+              <a:rPr kumimoji="1" lang="en-US" altLang="zh-CN" sz="3200" dirty="0">
+                <a:latin typeface="+mj-ea"/>
+                <a:ea typeface="+mj-ea"/>
+              </a:rPr>
+              <a:t> functions</a:t>
+            </a:r>
+          </a:p>
+          <a:p>
+            <a:pPr>
+              <a:buFont typeface="Wingdings" charset="2"/>
+              <a:buChar char="Ø"/>
+            </a:pPr>
+            <a:endParaRPr kumimoji="1" lang="zh-CN" altLang="en-US" sz="3400" dirty="0">
+              <a:latin typeface="+mj-ea"/>
+              <a:ea typeface="+mj-ea"/>
+            </a:endParaRPr>
+          </a:p>
+        </p:txBody>
+      </p:sp>
+      <p:sp>
+        <p:nvSpPr>
+          <p:cNvPr id="2" name="标题 1"/>
+          <p:cNvSpPr>
+            <a:spLocks noGrp="1"/>
+          </p:cNvSpPr>
+          <p:nvPr>
+            <p:ph type="title"/>
+          </p:nvPr>
+        </p:nvSpPr>
+        <p:spPr/>
+        <p:txBody>
+          <a:bodyPr>
+            <a:normAutofit/>
+          </a:bodyPr>
+          <a:lstStyle/>
+          <a:p>
+            <a:r>
+              <a:rPr kumimoji="1" lang="zh-CN" altLang="en-US" dirty="0" smtClean="0">
+                <a:latin typeface="Heiti SC Light"/>
+                <a:ea typeface="Heiti SC Light"/>
+                <a:cs typeface="Heiti SC Light"/>
+              </a:rPr>
+              <a:t>函数也是对象</a:t>
+            </a:r>
+            <a:endParaRPr kumimoji="1" lang="zh-CN" altLang="en-US" dirty="0">
+              <a:latin typeface="Heiti SC Light"/>
+              <a:ea typeface="Heiti SC Light"/>
+              <a:cs typeface="Heiti SC Light"/>
+            </a:endParaRPr>
+          </a:p>
+        </p:txBody>
+      </p:sp>
+      <p:sp>
+        <p:nvSpPr>
+          <p:cNvPr id="4" name="副标题 2"/>
+          <p:cNvSpPr txBox="1">
+            <a:spLocks/>
+          </p:cNvSpPr>
+          <p:nvPr/>
+        </p:nvSpPr>
+        <p:spPr>
+          <a:xfrm>
+            <a:off x="690032" y="1651180"/>
+            <a:ext cx="7772400" cy="4153985"/>
+          </a:xfrm>
+          <a:prstGeom prst="rect">
+            <a:avLst/>
+          </a:prstGeom>
+        </p:spPr>
+        <p:txBody>
+          <a:bodyPr vert="horz" lIns="91440" tIns="45720" rIns="91440" bIns="45720" rtlCol="0" anchor="b">
+            <a:normAutofit/>
+          </a:bodyPr>
+          <a:lstStyle>
+            <a:lvl1pPr marL="0" indent="0" algn="ctr" defTabSz="914400" rtl="0" eaLnBrk="1" latinLnBrk="0" hangingPunct="1">
+              <a:spcBef>
+                <a:spcPct val="20000"/>
+              </a:spcBef>
+              <a:buClr>
+                <a:schemeClr val="accent1"/>
+              </a:buClr>
+              <a:buSzPct val="100000"/>
+              <a:buFont typeface="Symbol" pitchFamily="18" charset="2"/>
+              <a:buNone/>
+              <a:defRPr sz="2000" kern="1200">
+                <a:solidFill>
+                  <a:srgbClr val="FFFFFF"/>
+                </a:solidFill>
+                <a:latin typeface="+mn-lt"/>
+                <a:ea typeface="+mn-ea"/>
+                <a:cs typeface="+mn-cs"/>
+              </a:defRPr>
+            </a:lvl1pPr>
+            <a:lvl2pPr marL="457200" indent="0" algn="l" defTabSz="914400" rtl="0" eaLnBrk="1" latinLnBrk="0" hangingPunct="1">
+              <a:spcBef>
+                <a:spcPct val="20000"/>
+              </a:spcBef>
+              <a:buClr>
+                <a:schemeClr val="accent1"/>
+              </a:buClr>
+              <a:buSzPct val="100000"/>
+              <a:buFont typeface="Symbol" pitchFamily="18" charset="2"/>
+              <a:buNone/>
+              <a:defRPr sz="1800" kern="1200">
+                <a:solidFill>
+                  <a:schemeClr val="tx1">
+                    <a:tint val="75000"/>
+                  </a:schemeClr>
+                </a:solidFill>
+                <a:latin typeface="+mn-lt"/>
+                <a:ea typeface="+mn-ea"/>
+                <a:cs typeface="+mn-cs"/>
+              </a:defRPr>
+            </a:lvl2pPr>
+            <a:lvl3pPr marL="914400" indent="0" algn="l" defTabSz="914400" rtl="0" eaLnBrk="1" latinLnBrk="0" hangingPunct="1">
+              <a:spcBef>
+                <a:spcPct val="20000"/>
+              </a:spcBef>
+              <a:buClr>
+                <a:schemeClr val="accent1"/>
+              </a:buClr>
+              <a:buSzPct val="100000"/>
+              <a:buFont typeface="Symbol" pitchFamily="18" charset="2"/>
+              <a:buNone/>
+              <a:defRPr sz="1600" kern="1200">
+                <a:solidFill>
+                  <a:schemeClr val="tx1">
+                    <a:tint val="75000"/>
+                  </a:schemeClr>
+                </a:solidFill>
+                <a:latin typeface="+mn-lt"/>
+                <a:ea typeface="+mn-ea"/>
+                <a:cs typeface="+mn-cs"/>
+              </a:defRPr>
+            </a:lvl3pPr>
+            <a:lvl4pPr marL="1371600" indent="0" algn="l" defTabSz="914400" rtl="0" eaLnBrk="1" latinLnBrk="0" hangingPunct="1">
+              <a:spcBef>
+                <a:spcPct val="20000"/>
+              </a:spcBef>
+              <a:buClr>
+                <a:schemeClr val="accent1"/>
+              </a:buClr>
+              <a:buSzPct val="100000"/>
+              <a:buFont typeface="Symbol" pitchFamily="18" charset="2"/>
+              <a:buNone/>
+              <a:defRPr sz="1400" kern="1200">
+                <a:solidFill>
+                  <a:schemeClr val="tx1">
+                    <a:tint val="75000"/>
+                  </a:schemeClr>
+                </a:solidFill>
+                <a:latin typeface="+mn-lt"/>
+                <a:ea typeface="+mn-ea"/>
+                <a:cs typeface="+mn-cs"/>
+              </a:defRPr>
+            </a:lvl4pPr>
+            <a:lvl5pPr marL="1828800" indent="0" algn="l" defTabSz="914400" rtl="0" eaLnBrk="1" latinLnBrk="0" hangingPunct="1">
+              <a:spcBef>
+                <a:spcPct val="20000"/>
+              </a:spcBef>
+              <a:buClr>
+                <a:schemeClr val="accent1"/>
+              </a:buClr>
+              <a:buSzPct val="100000"/>
+              <a:buFont typeface="Symbol" pitchFamily="18" charset="2"/>
+              <a:buNone/>
+              <a:defRPr sz="1400" kern="1200">
+                <a:solidFill>
+                  <a:schemeClr val="tx1">
+                    <a:tint val="75000"/>
+                  </a:schemeClr>
+                </a:solidFill>
+                <a:latin typeface="+mn-lt"/>
+                <a:ea typeface="+mn-ea"/>
+                <a:cs typeface="+mn-cs"/>
+              </a:defRPr>
+            </a:lvl5pPr>
+            <a:lvl6pPr marL="2286000" indent="0" algn="l" defTabSz="914400" rtl="0" eaLnBrk="1" latinLnBrk="0" hangingPunct="1">
+              <a:spcBef>
+                <a:spcPts val="384"/>
+              </a:spcBef>
+              <a:buClr>
+                <a:schemeClr val="accent1"/>
+              </a:buClr>
+              <a:buFont typeface="Symbol" pitchFamily="18" charset="2"/>
+              <a:buNone/>
+              <a:defRPr sz="1400" kern="1200">
+                <a:solidFill>
+                  <a:schemeClr val="tx1">
+                    <a:tint val="75000"/>
+                  </a:schemeClr>
+                </a:solidFill>
+                <a:latin typeface="+mn-lt"/>
+                <a:ea typeface="+mn-ea"/>
+                <a:cs typeface="+mn-cs"/>
+              </a:defRPr>
+            </a:lvl6pPr>
+            <a:lvl7pPr marL="2743200" indent="0" algn="l" defTabSz="914400" rtl="0" eaLnBrk="1" latinLnBrk="0" hangingPunct="1">
+              <a:spcBef>
+                <a:spcPts val="384"/>
+              </a:spcBef>
+              <a:buClr>
+                <a:schemeClr val="accent1"/>
+              </a:buClr>
+              <a:buFont typeface="Symbol" pitchFamily="18" charset="2"/>
+              <a:buNone/>
+              <a:defRPr sz="1400" kern="1200">
+                <a:solidFill>
+                  <a:schemeClr val="tx1">
+                    <a:tint val="75000"/>
+                  </a:schemeClr>
+                </a:solidFill>
+                <a:latin typeface="+mn-lt"/>
+                <a:ea typeface="+mn-ea"/>
+                <a:cs typeface="+mn-cs"/>
+              </a:defRPr>
+            </a:lvl7pPr>
+            <a:lvl8pPr marL="3200400" indent="0" algn="l" defTabSz="914400" rtl="0" eaLnBrk="1" latinLnBrk="0" hangingPunct="1">
+              <a:spcBef>
+                <a:spcPts val="384"/>
+              </a:spcBef>
+              <a:buClr>
+                <a:schemeClr val="accent1"/>
+              </a:buClr>
+              <a:buFont typeface="Symbol" pitchFamily="18" charset="2"/>
+              <a:buNone/>
+              <a:defRPr sz="1400" kern="1200">
+                <a:solidFill>
+                  <a:schemeClr val="tx1">
+                    <a:tint val="75000"/>
+                  </a:schemeClr>
+                </a:solidFill>
+                <a:latin typeface="+mn-lt"/>
+                <a:ea typeface="+mn-ea"/>
+                <a:cs typeface="+mn-cs"/>
+              </a:defRPr>
+            </a:lvl8pPr>
+            <a:lvl9pPr marL="3657600" indent="0" algn="l" defTabSz="914400" rtl="0" eaLnBrk="1" latinLnBrk="0" hangingPunct="1">
+              <a:spcBef>
+                <a:spcPts val="384"/>
+              </a:spcBef>
+              <a:buClr>
+                <a:schemeClr val="accent1"/>
+              </a:buClr>
+              <a:buFont typeface="Symbol" pitchFamily="18" charset="2"/>
+              <a:buNone/>
+              <a:defRPr sz="1400" kern="1200">
+                <a:solidFill>
+                  <a:schemeClr val="tx1">
+                    <a:tint val="75000"/>
+                  </a:schemeClr>
+                </a:solidFill>
+                <a:latin typeface="+mn-lt"/>
+                <a:ea typeface="+mn-ea"/>
+                <a:cs typeface="+mn-cs"/>
+              </a:defRPr>
+            </a:lvl9pPr>
+          </a:lstStyle>
+          <a:p>
+            <a:endParaRPr kumimoji="1" lang="zh-CN" altLang="en-US" dirty="0">
+              <a:solidFill>
+                <a:schemeClr val="tx1"/>
+              </a:solidFill>
+            </a:endParaRPr>
+          </a:p>
+        </p:txBody>
+      </p:sp>
+    </p:spTree>
+    <p:extLst>
+      <p:ext uri="{BB962C8B-B14F-4D97-AF65-F5344CB8AC3E}">
+        <p14:creationId xmlns:p14="http://schemas.microsoft.com/office/powerpoint/2010/main" val="110835002"/>
+      </p:ext>
+    </p:extLst>
+  </p:cSld>
+  <p:clrMapOvr>
+    <a:masterClrMapping/>
+  </p:clrMapOvr>
+  <p:timing>
+    <p:tnLst>
+      <p:par>
+        <p:cTn xmlns:p14="http://schemas.microsoft.com/office/powerpoint/2010/main" id="1" dur="indefinite" restart="never" nodeType="tmRoot"/>
+      </p:par>
+    </p:tnLst>
+  </p:timing>
+</p:sld>
+</file>
+
+<file path=ppt/slides/slide26.xml><?xml version="1.0" encoding="utf-8"?>
+<p:sld xmlns:a="http://schemas.openxmlformats.org/drawingml/2006/main" xmlns:r="http://schemas.openxmlformats.org/officeDocument/2006/relationships" xmlns:p="http://schemas.openxmlformats.org/presentationml/2006/main">
+  <p:cSld>
+    <p:spTree>
+      <p:nvGrpSpPr>
+        <p:cNvPr id="1" name=""/>
+        <p:cNvGrpSpPr/>
+        <p:nvPr/>
+      </p:nvGrpSpPr>
+      <p:grpSpPr>
+        <a:xfrm>
+          <a:off x="0" y="0"/>
+          <a:ext cx="0" cy="0"/>
+          <a:chOff x="0" y="0"/>
+          <a:chExt cx="0" cy="0"/>
+        </a:xfrm>
+      </p:grpSpPr>
+      <p:sp>
+        <p:nvSpPr>
+          <p:cNvPr id="3" name="内容占位符 2"/>
+          <p:cNvSpPr>
+            <a:spLocks noGrp="1"/>
+          </p:cNvSpPr>
+          <p:nvPr>
+            <p:ph idx="1"/>
+          </p:nvPr>
+        </p:nvSpPr>
+        <p:spPr>
+          <a:xfrm>
+            <a:off x="872067" y="2449054"/>
+            <a:ext cx="7408333" cy="3677109"/>
+          </a:xfrm>
+        </p:spPr>
+        <p:txBody>
+          <a:bodyPr>
+            <a:normAutofit/>
+          </a:bodyPr>
+          <a:lstStyle/>
+          <a:p>
+            <a:pPr>
+              <a:buFont typeface="Wingdings" charset="2"/>
+              <a:buChar char="Ø"/>
+            </a:pPr>
+            <a:r>
+              <a:rPr kumimoji="1" lang="en-US" altLang="zh-CN" sz="3400" dirty="0" smtClean="0">
+                <a:latin typeface="+mj-ea"/>
+                <a:ea typeface="+mj-ea"/>
+              </a:rPr>
+              <a:t>JavaScript</a:t>
+            </a:r>
+            <a:r>
+              <a:rPr kumimoji="1" lang="zh-CN" altLang="en-US" sz="3400" dirty="0" smtClean="0">
+                <a:latin typeface="+mj-ea"/>
+                <a:ea typeface="+mj-ea"/>
+              </a:rPr>
+              <a:t>不支持函数重载</a:t>
+            </a:r>
+            <a:endParaRPr kumimoji="1" lang="en-US" altLang="zh-CN" sz="3400" dirty="0" smtClean="0">
+              <a:latin typeface="+mj-ea"/>
+              <a:ea typeface="+mj-ea"/>
+            </a:endParaRPr>
+          </a:p>
+          <a:p>
+            <a:pPr>
+              <a:buFont typeface="Wingdings" charset="2"/>
+              <a:buChar char="Ø"/>
+            </a:pPr>
+            <a:r>
+              <a:rPr kumimoji="1" lang="zh-CN" altLang="en-US" sz="3400" dirty="0" smtClean="0">
+                <a:latin typeface="+mj-ea"/>
+                <a:ea typeface="+mj-ea"/>
+              </a:rPr>
+              <a:t>利用函数的</a:t>
+            </a:r>
+            <a:r>
+              <a:rPr kumimoji="1" lang="en-US" altLang="zh-CN" sz="3400" dirty="0" smtClean="0">
+                <a:latin typeface="+mj-ea"/>
+                <a:ea typeface="+mj-ea"/>
+              </a:rPr>
+              <a:t>length</a:t>
+            </a:r>
+            <a:r>
+              <a:rPr kumimoji="1" lang="zh-CN" altLang="en-US" sz="3400" smtClean="0">
+                <a:latin typeface="+mj-ea"/>
+                <a:ea typeface="+mj-ea"/>
+              </a:rPr>
+              <a:t>属性可以模拟</a:t>
+            </a:r>
+            <a:r>
+              <a:rPr kumimoji="1" lang="zh-CN" altLang="en-US" sz="3400" dirty="0" smtClean="0">
+                <a:latin typeface="+mj-ea"/>
+                <a:ea typeface="+mj-ea"/>
+              </a:rPr>
+              <a:t>函数重载</a:t>
+            </a:r>
+            <a:endParaRPr kumimoji="1" lang="zh-CN" altLang="en-US" sz="3400" dirty="0">
+              <a:latin typeface="+mj-ea"/>
+              <a:ea typeface="+mj-ea"/>
+            </a:endParaRPr>
+          </a:p>
+        </p:txBody>
+      </p:sp>
+      <p:sp>
+        <p:nvSpPr>
+          <p:cNvPr id="2" name="标题 1"/>
+          <p:cNvSpPr>
+            <a:spLocks noGrp="1"/>
+          </p:cNvSpPr>
+          <p:nvPr>
+            <p:ph type="title"/>
+          </p:nvPr>
+        </p:nvSpPr>
+        <p:spPr/>
+        <p:txBody>
+          <a:bodyPr>
+            <a:normAutofit/>
+          </a:bodyPr>
+          <a:lstStyle/>
+          <a:p>
+            <a:r>
+              <a:rPr kumimoji="1" lang="en-US" altLang="zh-CN" dirty="0" smtClean="0">
+                <a:latin typeface="Heiti SC Light"/>
+                <a:ea typeface="Heiti SC Light"/>
+                <a:cs typeface="Heiti SC Light"/>
+              </a:rPr>
+              <a:t>Function</a:t>
+            </a:r>
+            <a:r>
+              <a:rPr kumimoji="1" lang="zh-CN" altLang="en-US" dirty="0" smtClean="0">
+                <a:latin typeface="Heiti SC Light"/>
+                <a:ea typeface="Heiti SC Light"/>
+                <a:cs typeface="Heiti SC Light"/>
+              </a:rPr>
+              <a:t> </a:t>
+            </a:r>
+            <a:r>
+              <a:rPr kumimoji="1" lang="zh-CN" altLang="zh-CN" dirty="0">
+                <a:latin typeface="Heiti SC Light"/>
+                <a:ea typeface="Heiti SC Light"/>
+                <a:cs typeface="Heiti SC Light"/>
+              </a:rPr>
+              <a:t>O</a:t>
+            </a:r>
+            <a:r>
+              <a:rPr kumimoji="1" lang="en-US" altLang="zh-CN" dirty="0" err="1" smtClean="0">
+                <a:latin typeface="Heiti SC Light"/>
+                <a:ea typeface="Heiti SC Light"/>
+                <a:cs typeface="Heiti SC Light"/>
+              </a:rPr>
+              <a:t>verloading</a:t>
+            </a:r>
+            <a:endParaRPr kumimoji="1" lang="zh-CN" altLang="en-US" dirty="0">
+              <a:latin typeface="Heiti SC Light"/>
+              <a:ea typeface="Heiti SC Light"/>
+              <a:cs typeface="Heiti SC Light"/>
+            </a:endParaRPr>
+          </a:p>
+        </p:txBody>
+      </p:sp>
+      <p:sp>
+        <p:nvSpPr>
+          <p:cNvPr id="4" name="副标题 2"/>
+          <p:cNvSpPr txBox="1">
+            <a:spLocks/>
+          </p:cNvSpPr>
+          <p:nvPr/>
+        </p:nvSpPr>
+        <p:spPr>
+          <a:xfrm>
+            <a:off x="690032" y="1651180"/>
+            <a:ext cx="7772400" cy="4153985"/>
+          </a:xfrm>
+          <a:prstGeom prst="rect">
+            <a:avLst/>
+          </a:prstGeom>
+        </p:spPr>
+        <p:txBody>
+          <a:bodyPr vert="horz" lIns="91440" tIns="45720" rIns="91440" bIns="45720" rtlCol="0" anchor="b">
+            <a:normAutofit/>
+          </a:bodyPr>
+          <a:lstStyle>
+            <a:lvl1pPr marL="0" indent="0" algn="ctr" defTabSz="914400" rtl="0" eaLnBrk="1" latinLnBrk="0" hangingPunct="1">
+              <a:spcBef>
+                <a:spcPct val="20000"/>
+              </a:spcBef>
+              <a:buClr>
+                <a:schemeClr val="accent1"/>
+              </a:buClr>
+              <a:buSzPct val="100000"/>
+              <a:buFont typeface="Symbol" pitchFamily="18" charset="2"/>
+              <a:buNone/>
+              <a:defRPr sz="2000" kern="1200">
+                <a:solidFill>
+                  <a:srgbClr val="FFFFFF"/>
+                </a:solidFill>
+                <a:latin typeface="+mn-lt"/>
+                <a:ea typeface="+mn-ea"/>
+                <a:cs typeface="+mn-cs"/>
+              </a:defRPr>
+            </a:lvl1pPr>
+            <a:lvl2pPr marL="457200" indent="0" algn="l" defTabSz="914400" rtl="0" eaLnBrk="1" latinLnBrk="0" hangingPunct="1">
+              <a:spcBef>
+                <a:spcPct val="20000"/>
+              </a:spcBef>
+              <a:buClr>
+                <a:schemeClr val="accent1"/>
+              </a:buClr>
+              <a:buSzPct val="100000"/>
+              <a:buFont typeface="Symbol" pitchFamily="18" charset="2"/>
+              <a:buNone/>
+              <a:defRPr sz="1800" kern="1200">
+                <a:solidFill>
+                  <a:schemeClr val="tx1">
+                    <a:tint val="75000"/>
+                  </a:schemeClr>
+                </a:solidFill>
+                <a:latin typeface="+mn-lt"/>
+                <a:ea typeface="+mn-ea"/>
+                <a:cs typeface="+mn-cs"/>
+              </a:defRPr>
+            </a:lvl2pPr>
+            <a:lvl3pPr marL="914400" indent="0" algn="l" defTabSz="914400" rtl="0" eaLnBrk="1" latinLnBrk="0" hangingPunct="1">
+              <a:spcBef>
+                <a:spcPct val="20000"/>
+              </a:spcBef>
+              <a:buClr>
+                <a:schemeClr val="accent1"/>
+              </a:buClr>
+              <a:buSzPct val="100000"/>
+              <a:buFont typeface="Symbol" pitchFamily="18" charset="2"/>
+              <a:buNone/>
+              <a:defRPr sz="1600" kern="1200">
+                <a:solidFill>
+                  <a:schemeClr val="tx1">
+                    <a:tint val="75000"/>
+                  </a:schemeClr>
+                </a:solidFill>
+                <a:latin typeface="+mn-lt"/>
+                <a:ea typeface="+mn-ea"/>
+                <a:cs typeface="+mn-cs"/>
+              </a:defRPr>
+            </a:lvl3pPr>
+            <a:lvl4pPr marL="1371600" indent="0" algn="l" defTabSz="914400" rtl="0" eaLnBrk="1" latinLnBrk="0" hangingPunct="1">
+              <a:spcBef>
+                <a:spcPct val="20000"/>
+              </a:spcBef>
+              <a:buClr>
+                <a:schemeClr val="accent1"/>
+              </a:buClr>
+              <a:buSzPct val="100000"/>
+              <a:buFont typeface="Symbol" pitchFamily="18" charset="2"/>
+              <a:buNone/>
+              <a:defRPr sz="1400" kern="1200">
+                <a:solidFill>
+                  <a:schemeClr val="tx1">
+                    <a:tint val="75000"/>
+                  </a:schemeClr>
+                </a:solidFill>
+                <a:latin typeface="+mn-lt"/>
+                <a:ea typeface="+mn-ea"/>
+                <a:cs typeface="+mn-cs"/>
+              </a:defRPr>
+            </a:lvl4pPr>
+            <a:lvl5pPr marL="1828800" indent="0" algn="l" defTabSz="914400" rtl="0" eaLnBrk="1" latinLnBrk="0" hangingPunct="1">
+              <a:spcBef>
+                <a:spcPct val="20000"/>
+              </a:spcBef>
+              <a:buClr>
+                <a:schemeClr val="accent1"/>
+              </a:buClr>
+              <a:buSzPct val="100000"/>
+              <a:buFont typeface="Symbol" pitchFamily="18" charset="2"/>
+              <a:buNone/>
+              <a:defRPr sz="1400" kern="1200">
+                <a:solidFill>
+                  <a:schemeClr val="tx1">
+                    <a:tint val="75000"/>
+                  </a:schemeClr>
+                </a:solidFill>
+                <a:latin typeface="+mn-lt"/>
+                <a:ea typeface="+mn-ea"/>
+                <a:cs typeface="+mn-cs"/>
+              </a:defRPr>
+            </a:lvl5pPr>
+            <a:lvl6pPr marL="2286000" indent="0" algn="l" defTabSz="914400" rtl="0" eaLnBrk="1" latinLnBrk="0" hangingPunct="1">
+              <a:spcBef>
+                <a:spcPts val="384"/>
+              </a:spcBef>
+              <a:buClr>
+                <a:schemeClr val="accent1"/>
+              </a:buClr>
+              <a:buFont typeface="Symbol" pitchFamily="18" charset="2"/>
+              <a:buNone/>
+              <a:defRPr sz="1400" kern="1200">
+                <a:solidFill>
+                  <a:schemeClr val="tx1">
+                    <a:tint val="75000"/>
+                  </a:schemeClr>
+                </a:solidFill>
+                <a:latin typeface="+mn-lt"/>
+                <a:ea typeface="+mn-ea"/>
+                <a:cs typeface="+mn-cs"/>
+              </a:defRPr>
+            </a:lvl6pPr>
+            <a:lvl7pPr marL="2743200" indent="0" algn="l" defTabSz="914400" rtl="0" eaLnBrk="1" latinLnBrk="0" hangingPunct="1">
+              <a:spcBef>
+                <a:spcPts val="384"/>
+              </a:spcBef>
+              <a:buClr>
+                <a:schemeClr val="accent1"/>
+              </a:buClr>
+              <a:buFont typeface="Symbol" pitchFamily="18" charset="2"/>
+              <a:buNone/>
+              <a:defRPr sz="1400" kern="1200">
+                <a:solidFill>
+                  <a:schemeClr val="tx1">
+                    <a:tint val="75000"/>
+                  </a:schemeClr>
+                </a:solidFill>
+                <a:latin typeface="+mn-lt"/>
+                <a:ea typeface="+mn-ea"/>
+                <a:cs typeface="+mn-cs"/>
+              </a:defRPr>
+            </a:lvl7pPr>
+            <a:lvl8pPr marL="3200400" indent="0" algn="l" defTabSz="914400" rtl="0" eaLnBrk="1" latinLnBrk="0" hangingPunct="1">
+              <a:spcBef>
+                <a:spcPts val="384"/>
+              </a:spcBef>
+              <a:buClr>
+                <a:schemeClr val="accent1"/>
+              </a:buClr>
+              <a:buFont typeface="Symbol" pitchFamily="18" charset="2"/>
+              <a:buNone/>
+              <a:defRPr sz="1400" kern="1200">
+                <a:solidFill>
+                  <a:schemeClr val="tx1">
+                    <a:tint val="75000"/>
+                  </a:schemeClr>
+                </a:solidFill>
+                <a:latin typeface="+mn-lt"/>
+                <a:ea typeface="+mn-ea"/>
+                <a:cs typeface="+mn-cs"/>
+              </a:defRPr>
+            </a:lvl8pPr>
+            <a:lvl9pPr marL="3657600" indent="0" algn="l" defTabSz="914400" rtl="0" eaLnBrk="1" latinLnBrk="0" hangingPunct="1">
+              <a:spcBef>
+                <a:spcPts val="384"/>
+              </a:spcBef>
+              <a:buClr>
+                <a:schemeClr val="accent1"/>
+              </a:buClr>
+              <a:buFont typeface="Symbol" pitchFamily="18" charset="2"/>
+              <a:buNone/>
+              <a:defRPr sz="1400" kern="1200">
+                <a:solidFill>
+                  <a:schemeClr val="tx1">
+                    <a:tint val="75000"/>
+                  </a:schemeClr>
+                </a:solidFill>
+                <a:latin typeface="+mn-lt"/>
+                <a:ea typeface="+mn-ea"/>
+                <a:cs typeface="+mn-cs"/>
+              </a:defRPr>
+            </a:lvl9pPr>
+          </a:lstStyle>
+          <a:p>
+            <a:endParaRPr kumimoji="1" lang="zh-CN" altLang="en-US" dirty="0">
+              <a:solidFill>
+                <a:schemeClr val="tx1"/>
+              </a:solidFill>
+            </a:endParaRPr>
+          </a:p>
+        </p:txBody>
+      </p:sp>
+    </p:spTree>
+    <p:extLst>
+      <p:ext uri="{BB962C8B-B14F-4D97-AF65-F5344CB8AC3E}">
+        <p14:creationId xmlns:p14="http://schemas.microsoft.com/office/powerpoint/2010/main" val="3777833351"/>
       </p:ext>
     </p:extLst>
   </p:cSld>

--- a/JavaScriptFunctionObject.pptx
+++ b/JavaScriptFunctionObject.pptx
@@ -5,7 +5,7 @@
     <p:sldMasterId id="2147483744" r:id="rId1"/>
   </p:sldMasterIdLst>
   <p:notesMasterIdLst>
-    <p:notesMasterId r:id="rId28"/>
+    <p:notesMasterId r:id="rId35"/>
   </p:notesMasterIdLst>
   <p:sldIdLst>
     <p:sldId id="256" r:id="rId2"/>
@@ -34,6 +34,13 @@
     <p:sldId id="279" r:id="rId25"/>
     <p:sldId id="280" r:id="rId26"/>
     <p:sldId id="281" r:id="rId27"/>
+    <p:sldId id="282" r:id="rId28"/>
+    <p:sldId id="283" r:id="rId29"/>
+    <p:sldId id="285" r:id="rId30"/>
+    <p:sldId id="284" r:id="rId31"/>
+    <p:sldId id="286" r:id="rId32"/>
+    <p:sldId id="287" r:id="rId33"/>
+    <p:sldId id="289" r:id="rId34"/>
   </p:sldIdLst>
   <p:sldSz cx="9144000" cy="6858000" type="screen4x3"/>
   <p:notesSz cx="6858000" cy="9144000"/>
@@ -1528,6 +1535,642 @@
     <p:extLst>
       <p:ext uri="{BB962C8B-B14F-4D97-AF65-F5344CB8AC3E}">
         <p14:creationId xmlns:p14="http://schemas.microsoft.com/office/powerpoint/2010/main" val="2261169387"/>
+      </p:ext>
+    </p:extLst>
+  </p:cSld>
+  <p:clrMapOvr>
+    <a:masterClrMapping/>
+  </p:clrMapOvr>
+</p:notes>
+</file>
+
+<file path=ppt/notesSlides/notesSlide20.xml><?xml version="1.0" encoding="utf-8"?>
+<p:notes xmlns:a="http://schemas.openxmlformats.org/drawingml/2006/main" xmlns:r="http://schemas.openxmlformats.org/officeDocument/2006/relationships" xmlns:p="http://schemas.openxmlformats.org/presentationml/2006/main">
+  <p:cSld>
+    <p:spTree>
+      <p:nvGrpSpPr>
+        <p:cNvPr id="1" name=""/>
+        <p:cNvGrpSpPr/>
+        <p:nvPr/>
+      </p:nvGrpSpPr>
+      <p:grpSpPr>
+        <a:xfrm>
+          <a:off x="0" y="0"/>
+          <a:ext cx="0" cy="0"/>
+          <a:chOff x="0" y="0"/>
+          <a:chExt cx="0" cy="0"/>
+        </a:xfrm>
+      </p:grpSpPr>
+      <p:sp>
+        <p:nvSpPr>
+          <p:cNvPr id="2" name="幻灯片图像占位符 1"/>
+          <p:cNvSpPr>
+            <a:spLocks noGrp="1" noRot="1" noChangeAspect="1"/>
+          </p:cNvSpPr>
+          <p:nvPr>
+            <p:ph type="sldImg"/>
+          </p:nvPr>
+        </p:nvSpPr>
+        <p:spPr/>
+      </p:sp>
+      <p:sp>
+        <p:nvSpPr>
+          <p:cNvPr id="3" name="备注占位符 2"/>
+          <p:cNvSpPr>
+            <a:spLocks noGrp="1"/>
+          </p:cNvSpPr>
+          <p:nvPr>
+            <p:ph type="body" idx="1"/>
+          </p:nvPr>
+        </p:nvSpPr>
+        <p:spPr/>
+        <p:txBody>
+          <a:bodyPr/>
+          <a:lstStyle/>
+          <a:p>
+            <a:r>
+              <a:rPr kumimoji="1" lang="en-US" altLang="zh-CN" dirty="0" err="1" smtClean="0"/>
+              <a:t>Callee</a:t>
+            </a:r>
+            <a:r>
+              <a:rPr kumimoji="1" lang="zh-CN" altLang="en-US" dirty="0" smtClean="0"/>
+              <a:t>属性在今后的浏览器中可能再支持。</a:t>
+            </a:r>
+            <a:endParaRPr kumimoji="1" lang="zh-CN" altLang="en-US" dirty="0"/>
+          </a:p>
+        </p:txBody>
+      </p:sp>
+      <p:sp>
+        <p:nvSpPr>
+          <p:cNvPr id="4" name="幻灯片编号占位符 3"/>
+          <p:cNvSpPr>
+            <a:spLocks noGrp="1"/>
+          </p:cNvSpPr>
+          <p:nvPr>
+            <p:ph type="sldNum" sz="quarter" idx="10"/>
+          </p:nvPr>
+        </p:nvSpPr>
+        <p:spPr/>
+        <p:txBody>
+          <a:bodyPr/>
+          <a:lstStyle/>
+          <a:p>
+            <a:fld id="{6E617A2A-56D0-C847-AD3B-89221304CA23}" type="slidenum">
+              <a:rPr kumimoji="1" lang="zh-CN" altLang="en-US" smtClean="0"/>
+              <a:t>27</a:t>
+            </a:fld>
+            <a:endParaRPr kumimoji="1" lang="zh-CN" altLang="en-US"/>
+          </a:p>
+        </p:txBody>
+      </p:sp>
+    </p:spTree>
+    <p:extLst>
+      <p:ext uri="{BB962C8B-B14F-4D97-AF65-F5344CB8AC3E}">
+        <p14:creationId xmlns:p14="http://schemas.microsoft.com/office/powerpoint/2010/main" val="3424638384"/>
+      </p:ext>
+    </p:extLst>
+  </p:cSld>
+  <p:clrMapOvr>
+    <a:masterClrMapping/>
+  </p:clrMapOvr>
+</p:notes>
+</file>
+
+<file path=ppt/notesSlides/notesSlide21.xml><?xml version="1.0" encoding="utf-8"?>
+<p:notes xmlns:a="http://schemas.openxmlformats.org/drawingml/2006/main" xmlns:r="http://schemas.openxmlformats.org/officeDocument/2006/relationships" xmlns:p="http://schemas.openxmlformats.org/presentationml/2006/main">
+  <p:cSld>
+    <p:spTree>
+      <p:nvGrpSpPr>
+        <p:cNvPr id="1" name=""/>
+        <p:cNvGrpSpPr/>
+        <p:nvPr/>
+      </p:nvGrpSpPr>
+      <p:grpSpPr>
+        <a:xfrm>
+          <a:off x="0" y="0"/>
+          <a:ext cx="0" cy="0"/>
+          <a:chOff x="0" y="0"/>
+          <a:chExt cx="0" cy="0"/>
+        </a:xfrm>
+      </p:grpSpPr>
+      <p:sp>
+        <p:nvSpPr>
+          <p:cNvPr id="2" name="幻灯片图像占位符 1"/>
+          <p:cNvSpPr>
+            <a:spLocks noGrp="1" noRot="1" noChangeAspect="1"/>
+          </p:cNvSpPr>
+          <p:nvPr>
+            <p:ph type="sldImg"/>
+          </p:nvPr>
+        </p:nvSpPr>
+        <p:spPr/>
+      </p:sp>
+      <p:sp>
+        <p:nvSpPr>
+          <p:cNvPr id="3" name="备注占位符 2"/>
+          <p:cNvSpPr>
+            <a:spLocks noGrp="1"/>
+          </p:cNvSpPr>
+          <p:nvPr>
+            <p:ph type="body" idx="1"/>
+          </p:nvPr>
+        </p:nvSpPr>
+        <p:spPr/>
+        <p:txBody>
+          <a:bodyPr/>
+          <a:lstStyle/>
+          <a:p>
+            <a:r>
+              <a:rPr kumimoji="1" lang="en-US" altLang="zh-CN" dirty="0" err="1" smtClean="0"/>
+              <a:t>Callee</a:t>
+            </a:r>
+            <a:r>
+              <a:rPr kumimoji="1" lang="zh-CN" altLang="en-US" dirty="0" smtClean="0"/>
+              <a:t>属性在今后的浏览器中可能再支持。</a:t>
+            </a:r>
+            <a:endParaRPr kumimoji="1" lang="zh-CN" altLang="en-US" dirty="0"/>
+          </a:p>
+        </p:txBody>
+      </p:sp>
+      <p:sp>
+        <p:nvSpPr>
+          <p:cNvPr id="4" name="幻灯片编号占位符 3"/>
+          <p:cNvSpPr>
+            <a:spLocks noGrp="1"/>
+          </p:cNvSpPr>
+          <p:nvPr>
+            <p:ph type="sldNum" sz="quarter" idx="10"/>
+          </p:nvPr>
+        </p:nvSpPr>
+        <p:spPr/>
+        <p:txBody>
+          <a:bodyPr/>
+          <a:lstStyle/>
+          <a:p>
+            <a:fld id="{6E617A2A-56D0-C847-AD3B-89221304CA23}" type="slidenum">
+              <a:rPr kumimoji="1" lang="zh-CN" altLang="en-US" smtClean="0"/>
+              <a:t>28</a:t>
+            </a:fld>
+            <a:endParaRPr kumimoji="1" lang="zh-CN" altLang="en-US"/>
+          </a:p>
+        </p:txBody>
+      </p:sp>
+    </p:spTree>
+    <p:extLst>
+      <p:ext uri="{BB962C8B-B14F-4D97-AF65-F5344CB8AC3E}">
+        <p14:creationId xmlns:p14="http://schemas.microsoft.com/office/powerpoint/2010/main" val="3424638384"/>
+      </p:ext>
+    </p:extLst>
+  </p:cSld>
+  <p:clrMapOvr>
+    <a:masterClrMapping/>
+  </p:clrMapOvr>
+</p:notes>
+</file>
+
+<file path=ppt/notesSlides/notesSlide22.xml><?xml version="1.0" encoding="utf-8"?>
+<p:notes xmlns:a="http://schemas.openxmlformats.org/drawingml/2006/main" xmlns:r="http://schemas.openxmlformats.org/officeDocument/2006/relationships" xmlns:p="http://schemas.openxmlformats.org/presentationml/2006/main">
+  <p:cSld>
+    <p:spTree>
+      <p:nvGrpSpPr>
+        <p:cNvPr id="1" name=""/>
+        <p:cNvGrpSpPr/>
+        <p:nvPr/>
+      </p:nvGrpSpPr>
+      <p:grpSpPr>
+        <a:xfrm>
+          <a:off x="0" y="0"/>
+          <a:ext cx="0" cy="0"/>
+          <a:chOff x="0" y="0"/>
+          <a:chExt cx="0" cy="0"/>
+        </a:xfrm>
+      </p:grpSpPr>
+      <p:sp>
+        <p:nvSpPr>
+          <p:cNvPr id="2" name="幻灯片图像占位符 1"/>
+          <p:cNvSpPr>
+            <a:spLocks noGrp="1" noRot="1" noChangeAspect="1"/>
+          </p:cNvSpPr>
+          <p:nvPr>
+            <p:ph type="sldImg"/>
+          </p:nvPr>
+        </p:nvSpPr>
+        <p:spPr/>
+      </p:sp>
+      <p:sp>
+        <p:nvSpPr>
+          <p:cNvPr id="3" name="备注占位符 2"/>
+          <p:cNvSpPr>
+            <a:spLocks noGrp="1"/>
+          </p:cNvSpPr>
+          <p:nvPr>
+            <p:ph type="body" idx="1"/>
+          </p:nvPr>
+        </p:nvSpPr>
+        <p:spPr/>
+        <p:txBody>
+          <a:bodyPr/>
+          <a:lstStyle/>
+          <a:p>
+            <a:r>
+              <a:rPr kumimoji="1" lang="en-US" altLang="zh-CN" dirty="0" err="1" smtClean="0"/>
+              <a:t>Callee</a:t>
+            </a:r>
+            <a:r>
+              <a:rPr kumimoji="1" lang="zh-CN" altLang="en-US" dirty="0" smtClean="0"/>
+              <a:t>属性在今后的浏览器中可能再支持。</a:t>
+            </a:r>
+            <a:endParaRPr kumimoji="1" lang="zh-CN" altLang="en-US" dirty="0"/>
+          </a:p>
+        </p:txBody>
+      </p:sp>
+      <p:sp>
+        <p:nvSpPr>
+          <p:cNvPr id="4" name="幻灯片编号占位符 3"/>
+          <p:cNvSpPr>
+            <a:spLocks noGrp="1"/>
+          </p:cNvSpPr>
+          <p:nvPr>
+            <p:ph type="sldNum" sz="quarter" idx="10"/>
+          </p:nvPr>
+        </p:nvSpPr>
+        <p:spPr/>
+        <p:txBody>
+          <a:bodyPr/>
+          <a:lstStyle/>
+          <a:p>
+            <a:fld id="{6E617A2A-56D0-C847-AD3B-89221304CA23}" type="slidenum">
+              <a:rPr kumimoji="1" lang="zh-CN" altLang="en-US" smtClean="0"/>
+              <a:t>29</a:t>
+            </a:fld>
+            <a:endParaRPr kumimoji="1" lang="zh-CN" altLang="en-US"/>
+          </a:p>
+        </p:txBody>
+      </p:sp>
+    </p:spTree>
+    <p:extLst>
+      <p:ext uri="{BB962C8B-B14F-4D97-AF65-F5344CB8AC3E}">
+        <p14:creationId xmlns:p14="http://schemas.microsoft.com/office/powerpoint/2010/main" val="3424638384"/>
+      </p:ext>
+    </p:extLst>
+  </p:cSld>
+  <p:clrMapOvr>
+    <a:masterClrMapping/>
+  </p:clrMapOvr>
+</p:notes>
+</file>
+
+<file path=ppt/notesSlides/notesSlide23.xml><?xml version="1.0" encoding="utf-8"?>
+<p:notes xmlns:a="http://schemas.openxmlformats.org/drawingml/2006/main" xmlns:r="http://schemas.openxmlformats.org/officeDocument/2006/relationships" xmlns:p="http://schemas.openxmlformats.org/presentationml/2006/main">
+  <p:cSld>
+    <p:spTree>
+      <p:nvGrpSpPr>
+        <p:cNvPr id="1" name=""/>
+        <p:cNvGrpSpPr/>
+        <p:nvPr/>
+      </p:nvGrpSpPr>
+      <p:grpSpPr>
+        <a:xfrm>
+          <a:off x="0" y="0"/>
+          <a:ext cx="0" cy="0"/>
+          <a:chOff x="0" y="0"/>
+          <a:chExt cx="0" cy="0"/>
+        </a:xfrm>
+      </p:grpSpPr>
+      <p:sp>
+        <p:nvSpPr>
+          <p:cNvPr id="2" name="幻灯片图像占位符 1"/>
+          <p:cNvSpPr>
+            <a:spLocks noGrp="1" noRot="1" noChangeAspect="1"/>
+          </p:cNvSpPr>
+          <p:nvPr>
+            <p:ph type="sldImg"/>
+          </p:nvPr>
+        </p:nvSpPr>
+        <p:spPr/>
+      </p:sp>
+      <p:sp>
+        <p:nvSpPr>
+          <p:cNvPr id="3" name="备注占位符 2"/>
+          <p:cNvSpPr>
+            <a:spLocks noGrp="1"/>
+          </p:cNvSpPr>
+          <p:nvPr>
+            <p:ph type="body" idx="1"/>
+          </p:nvPr>
+        </p:nvSpPr>
+        <p:spPr/>
+        <p:txBody>
+          <a:bodyPr/>
+          <a:lstStyle/>
+          <a:p>
+            <a:r>
+              <a:rPr kumimoji="1" lang="en-US" altLang="zh-CN" dirty="0" err="1" smtClean="0"/>
+              <a:t>Callee</a:t>
+            </a:r>
+            <a:r>
+              <a:rPr kumimoji="1" lang="zh-CN" altLang="en-US" dirty="0" smtClean="0"/>
+              <a:t>属性在今后的浏览器中可能再支持。</a:t>
+            </a:r>
+            <a:endParaRPr kumimoji="1" lang="zh-CN" altLang="en-US" dirty="0"/>
+          </a:p>
+        </p:txBody>
+      </p:sp>
+      <p:sp>
+        <p:nvSpPr>
+          <p:cNvPr id="4" name="幻灯片编号占位符 3"/>
+          <p:cNvSpPr>
+            <a:spLocks noGrp="1"/>
+          </p:cNvSpPr>
+          <p:nvPr>
+            <p:ph type="sldNum" sz="quarter" idx="10"/>
+          </p:nvPr>
+        </p:nvSpPr>
+        <p:spPr/>
+        <p:txBody>
+          <a:bodyPr/>
+          <a:lstStyle/>
+          <a:p>
+            <a:fld id="{6E617A2A-56D0-C847-AD3B-89221304CA23}" type="slidenum">
+              <a:rPr kumimoji="1" lang="zh-CN" altLang="en-US" smtClean="0"/>
+              <a:t>30</a:t>
+            </a:fld>
+            <a:endParaRPr kumimoji="1" lang="zh-CN" altLang="en-US"/>
+          </a:p>
+        </p:txBody>
+      </p:sp>
+    </p:spTree>
+    <p:extLst>
+      <p:ext uri="{BB962C8B-B14F-4D97-AF65-F5344CB8AC3E}">
+        <p14:creationId xmlns:p14="http://schemas.microsoft.com/office/powerpoint/2010/main" val="3424638384"/>
+      </p:ext>
+    </p:extLst>
+  </p:cSld>
+  <p:clrMapOvr>
+    <a:masterClrMapping/>
+  </p:clrMapOvr>
+</p:notes>
+</file>
+
+<file path=ppt/notesSlides/notesSlide24.xml><?xml version="1.0" encoding="utf-8"?>
+<p:notes xmlns:a="http://schemas.openxmlformats.org/drawingml/2006/main" xmlns:r="http://schemas.openxmlformats.org/officeDocument/2006/relationships" xmlns:p="http://schemas.openxmlformats.org/presentationml/2006/main">
+  <p:cSld>
+    <p:spTree>
+      <p:nvGrpSpPr>
+        <p:cNvPr id="1" name=""/>
+        <p:cNvGrpSpPr/>
+        <p:nvPr/>
+      </p:nvGrpSpPr>
+      <p:grpSpPr>
+        <a:xfrm>
+          <a:off x="0" y="0"/>
+          <a:ext cx="0" cy="0"/>
+          <a:chOff x="0" y="0"/>
+          <a:chExt cx="0" cy="0"/>
+        </a:xfrm>
+      </p:grpSpPr>
+      <p:sp>
+        <p:nvSpPr>
+          <p:cNvPr id="2" name="幻灯片图像占位符 1"/>
+          <p:cNvSpPr>
+            <a:spLocks noGrp="1" noRot="1" noChangeAspect="1"/>
+          </p:cNvSpPr>
+          <p:nvPr>
+            <p:ph type="sldImg"/>
+          </p:nvPr>
+        </p:nvSpPr>
+        <p:spPr/>
+      </p:sp>
+      <p:sp>
+        <p:nvSpPr>
+          <p:cNvPr id="3" name="备注占位符 2"/>
+          <p:cNvSpPr>
+            <a:spLocks noGrp="1"/>
+          </p:cNvSpPr>
+          <p:nvPr>
+            <p:ph type="body" idx="1"/>
+          </p:nvPr>
+        </p:nvSpPr>
+        <p:spPr/>
+        <p:txBody>
+          <a:bodyPr/>
+          <a:lstStyle/>
+          <a:p>
+            <a:r>
+              <a:rPr kumimoji="1" lang="en-US" altLang="zh-CN" dirty="0" err="1" smtClean="0"/>
+              <a:t>Callee</a:t>
+            </a:r>
+            <a:r>
+              <a:rPr kumimoji="1" lang="zh-CN" altLang="en-US" dirty="0" smtClean="0"/>
+              <a:t>属性在今后的浏览器中可能再支持。</a:t>
+            </a:r>
+            <a:endParaRPr kumimoji="1" lang="zh-CN" altLang="en-US" dirty="0"/>
+          </a:p>
+        </p:txBody>
+      </p:sp>
+      <p:sp>
+        <p:nvSpPr>
+          <p:cNvPr id="4" name="幻灯片编号占位符 3"/>
+          <p:cNvSpPr>
+            <a:spLocks noGrp="1"/>
+          </p:cNvSpPr>
+          <p:nvPr>
+            <p:ph type="sldNum" sz="quarter" idx="10"/>
+          </p:nvPr>
+        </p:nvSpPr>
+        <p:spPr/>
+        <p:txBody>
+          <a:bodyPr/>
+          <a:lstStyle/>
+          <a:p>
+            <a:fld id="{6E617A2A-56D0-C847-AD3B-89221304CA23}" type="slidenum">
+              <a:rPr kumimoji="1" lang="zh-CN" altLang="en-US" smtClean="0"/>
+              <a:t>31</a:t>
+            </a:fld>
+            <a:endParaRPr kumimoji="1" lang="zh-CN" altLang="en-US"/>
+          </a:p>
+        </p:txBody>
+      </p:sp>
+    </p:spTree>
+    <p:extLst>
+      <p:ext uri="{BB962C8B-B14F-4D97-AF65-F5344CB8AC3E}">
+        <p14:creationId xmlns:p14="http://schemas.microsoft.com/office/powerpoint/2010/main" val="3424638384"/>
+      </p:ext>
+    </p:extLst>
+  </p:cSld>
+  <p:clrMapOvr>
+    <a:masterClrMapping/>
+  </p:clrMapOvr>
+</p:notes>
+</file>
+
+<file path=ppt/notesSlides/notesSlide25.xml><?xml version="1.0" encoding="utf-8"?>
+<p:notes xmlns:a="http://schemas.openxmlformats.org/drawingml/2006/main" xmlns:r="http://schemas.openxmlformats.org/officeDocument/2006/relationships" xmlns:p="http://schemas.openxmlformats.org/presentationml/2006/main">
+  <p:cSld>
+    <p:spTree>
+      <p:nvGrpSpPr>
+        <p:cNvPr id="1" name=""/>
+        <p:cNvGrpSpPr/>
+        <p:nvPr/>
+      </p:nvGrpSpPr>
+      <p:grpSpPr>
+        <a:xfrm>
+          <a:off x="0" y="0"/>
+          <a:ext cx="0" cy="0"/>
+          <a:chOff x="0" y="0"/>
+          <a:chExt cx="0" cy="0"/>
+        </a:xfrm>
+      </p:grpSpPr>
+      <p:sp>
+        <p:nvSpPr>
+          <p:cNvPr id="2" name="幻灯片图像占位符 1"/>
+          <p:cNvSpPr>
+            <a:spLocks noGrp="1" noRot="1" noChangeAspect="1"/>
+          </p:cNvSpPr>
+          <p:nvPr>
+            <p:ph type="sldImg"/>
+          </p:nvPr>
+        </p:nvSpPr>
+        <p:spPr/>
+      </p:sp>
+      <p:sp>
+        <p:nvSpPr>
+          <p:cNvPr id="3" name="备注占位符 2"/>
+          <p:cNvSpPr>
+            <a:spLocks noGrp="1"/>
+          </p:cNvSpPr>
+          <p:nvPr>
+            <p:ph type="body" idx="1"/>
+          </p:nvPr>
+        </p:nvSpPr>
+        <p:spPr/>
+        <p:txBody>
+          <a:bodyPr/>
+          <a:lstStyle/>
+          <a:p>
+            <a:endParaRPr kumimoji="1" lang="zh-CN" altLang="en-US" dirty="0"/>
+          </a:p>
+        </p:txBody>
+      </p:sp>
+      <p:sp>
+        <p:nvSpPr>
+          <p:cNvPr id="4" name="幻灯片编号占位符 3"/>
+          <p:cNvSpPr>
+            <a:spLocks noGrp="1"/>
+          </p:cNvSpPr>
+          <p:nvPr>
+            <p:ph type="sldNum" sz="quarter" idx="10"/>
+          </p:nvPr>
+        </p:nvSpPr>
+        <p:spPr/>
+        <p:txBody>
+          <a:bodyPr/>
+          <a:lstStyle/>
+          <a:p>
+            <a:fld id="{6E617A2A-56D0-C847-AD3B-89221304CA23}" type="slidenum">
+              <a:rPr kumimoji="1" lang="zh-CN" altLang="en-US" smtClean="0"/>
+              <a:t>32</a:t>
+            </a:fld>
+            <a:endParaRPr kumimoji="1" lang="zh-CN" altLang="en-US"/>
+          </a:p>
+        </p:txBody>
+      </p:sp>
+    </p:spTree>
+    <p:extLst>
+      <p:ext uri="{BB962C8B-B14F-4D97-AF65-F5344CB8AC3E}">
+        <p14:creationId xmlns:p14="http://schemas.microsoft.com/office/powerpoint/2010/main" val="2261169387"/>
+      </p:ext>
+    </p:extLst>
+  </p:cSld>
+  <p:clrMapOvr>
+    <a:masterClrMapping/>
+  </p:clrMapOvr>
+</p:notes>
+</file>
+
+<file path=ppt/notesSlides/notesSlide26.xml><?xml version="1.0" encoding="utf-8"?>
+<p:notes xmlns:a="http://schemas.openxmlformats.org/drawingml/2006/main" xmlns:r="http://schemas.openxmlformats.org/officeDocument/2006/relationships" xmlns:p="http://schemas.openxmlformats.org/presentationml/2006/main">
+  <p:cSld>
+    <p:spTree>
+      <p:nvGrpSpPr>
+        <p:cNvPr id="1" name=""/>
+        <p:cNvGrpSpPr/>
+        <p:nvPr/>
+      </p:nvGrpSpPr>
+      <p:grpSpPr>
+        <a:xfrm>
+          <a:off x="0" y="0"/>
+          <a:ext cx="0" cy="0"/>
+          <a:chOff x="0" y="0"/>
+          <a:chExt cx="0" cy="0"/>
+        </a:xfrm>
+      </p:grpSpPr>
+      <p:sp>
+        <p:nvSpPr>
+          <p:cNvPr id="2" name="幻灯片图像占位符 1"/>
+          <p:cNvSpPr>
+            <a:spLocks noGrp="1" noRot="1" noChangeAspect="1"/>
+          </p:cNvSpPr>
+          <p:nvPr>
+            <p:ph type="sldImg"/>
+          </p:nvPr>
+        </p:nvSpPr>
+        <p:spPr/>
+      </p:sp>
+      <p:sp>
+        <p:nvSpPr>
+          <p:cNvPr id="3" name="备注占位符 2"/>
+          <p:cNvSpPr>
+            <a:spLocks noGrp="1"/>
+          </p:cNvSpPr>
+          <p:nvPr>
+            <p:ph type="body" idx="1"/>
+          </p:nvPr>
+        </p:nvSpPr>
+        <p:spPr/>
+        <p:txBody>
+          <a:bodyPr/>
+          <a:lstStyle/>
+          <a:p>
+            <a:r>
+              <a:rPr kumimoji="1" lang="en-US" altLang="zh-CN" dirty="0" err="1" smtClean="0"/>
+              <a:t>Callee</a:t>
+            </a:r>
+            <a:r>
+              <a:rPr kumimoji="1" lang="zh-CN" altLang="en-US" dirty="0" smtClean="0"/>
+              <a:t>属性在今后的浏览器中可能再支持。</a:t>
+            </a:r>
+            <a:endParaRPr kumimoji="1" lang="zh-CN" altLang="en-US" dirty="0"/>
+          </a:p>
+        </p:txBody>
+      </p:sp>
+      <p:sp>
+        <p:nvSpPr>
+          <p:cNvPr id="4" name="幻灯片编号占位符 3"/>
+          <p:cNvSpPr>
+            <a:spLocks noGrp="1"/>
+          </p:cNvSpPr>
+          <p:nvPr>
+            <p:ph type="sldNum" sz="quarter" idx="10"/>
+          </p:nvPr>
+        </p:nvSpPr>
+        <p:spPr/>
+        <p:txBody>
+          <a:bodyPr/>
+          <a:lstStyle/>
+          <a:p>
+            <a:fld id="{6E617A2A-56D0-C847-AD3B-89221304CA23}" type="slidenum">
+              <a:rPr kumimoji="1" lang="zh-CN" altLang="en-US" smtClean="0"/>
+              <a:t>33</a:t>
+            </a:fld>
+            <a:endParaRPr kumimoji="1" lang="zh-CN" altLang="en-US"/>
+          </a:p>
+        </p:txBody>
+      </p:sp>
+    </p:spTree>
+    <p:extLst>
+      <p:ext uri="{BB962C8B-B14F-4D97-AF65-F5344CB8AC3E}">
+        <p14:creationId xmlns:p14="http://schemas.microsoft.com/office/powerpoint/2010/main" val="3424638384"/>
       </p:ext>
     </p:extLst>
   </p:cSld>
@@ -25766,18 +26409,39 @@
               <a:buChar char="Ø"/>
             </a:pPr>
             <a:r>
+              <a:rPr kumimoji="1" lang="zh-CN" altLang="en-US" sz="3400" dirty="0" smtClean="0">
+                <a:latin typeface="+mj-ea"/>
+                <a:ea typeface="+mj-ea"/>
+              </a:rPr>
+              <a:t>闭包是</a:t>
+            </a:r>
+            <a:r>
               <a:rPr kumimoji="1" lang="en-US" altLang="zh-CN" sz="3400" dirty="0" smtClean="0">
                 <a:latin typeface="+mj-ea"/>
                 <a:ea typeface="+mj-ea"/>
               </a:rPr>
-              <a:t>JavaScript</a:t>
+              <a:t>FP</a:t>
             </a:r>
             <a:r>
               <a:rPr kumimoji="1" lang="zh-CN" altLang="en-US" sz="3400" dirty="0" smtClean="0">
                 <a:latin typeface="+mj-ea"/>
                 <a:ea typeface="+mj-ea"/>
               </a:rPr>
-              <a:t>不支持函数重载</a:t>
+              <a:t>中的概念，现在很多语言都开始支持，</a:t>
+            </a:r>
+            <a:r>
+              <a:rPr kumimoji="1" lang="en-US" altLang="zh-CN" sz="3400" dirty="0" smtClean="0">
+                <a:latin typeface="+mj-ea"/>
+                <a:ea typeface="+mj-ea"/>
+              </a:rPr>
+              <a:t>Java8</a:t>
+            </a:r>
+            <a:r>
+              <a:rPr kumimoji="1" lang="zh-CN" altLang="en-US" sz="3400" dirty="0" smtClean="0">
+                <a:latin typeface="+mj-ea"/>
+                <a:ea typeface="+mj-ea"/>
+              </a:rPr>
+              <a:t>开始也支持。</a:t>
             </a:r>
             <a:endParaRPr kumimoji="1" lang="en-US" altLang="zh-CN" sz="3400" dirty="0" smtClean="0">
               <a:latin typeface="+mj-ea"/>
@@ -25790,32 +26454,35 @@
               <a:buChar char="Ø"/>
             </a:pPr>
             <a:r>
+              <a:rPr kumimoji="1" lang="zh-CN" altLang="en-US" sz="3400" dirty="0">
+                <a:latin typeface="+mj-ea"/>
+                <a:ea typeface="+mj-ea"/>
+              </a:rPr>
+              <a:t>当前作用域总是能够访问外部作用域</a:t>
+            </a:r>
+            <a:r>
               <a:rPr kumimoji="1" lang="zh-CN" altLang="en-US" sz="3400" dirty="0" smtClean="0">
                 <a:latin typeface="+mj-ea"/>
                 <a:ea typeface="+mj-ea"/>
               </a:rPr>
-              <a:t>利用函数的</a:t>
-            </a:r>
-            <a:r>
-              <a:rPr kumimoji="1" lang="en-US" altLang="zh-CN" sz="3400" dirty="0" smtClean="0">
-                <a:latin typeface="+mj-ea"/>
-                <a:ea typeface="+mj-ea"/>
-              </a:rPr>
-              <a:t>length</a:t>
-            </a:r>
-            <a:r>
-              <a:rPr kumimoji="1" lang="zh-CN" altLang="en-US" sz="3400" smtClean="0">
-                <a:latin typeface="+mj-ea"/>
-                <a:ea typeface="+mj-ea"/>
-              </a:rPr>
-              <a:t>属性可以模拟</a:t>
-            </a:r>
+              <a:t>中的变量</a:t>
+            </a:r>
+            <a:endParaRPr kumimoji="1" lang="en-US" altLang="zh-CN" sz="3400" dirty="0" smtClean="0">
+              <a:latin typeface="+mj-ea"/>
+              <a:ea typeface="+mj-ea"/>
+            </a:endParaRPr>
+          </a:p>
+          <a:p>
+            <a:pPr>
+              <a:buFont typeface="Wingdings" charset="2"/>
+              <a:buChar char="Ø"/>
+            </a:pPr>
             <a:r>
               <a:rPr kumimoji="1" lang="zh-CN" altLang="en-US" sz="3400" dirty="0" smtClean="0">
                 <a:latin typeface="+mj-ea"/>
                 <a:ea typeface="+mj-ea"/>
               </a:rPr>
-              <a:t>函数重载</a:t>
+              <a:t>闭包是都是跟函数关联的，生命周期跟函数一致。</a:t>
             </a:r>
             <a:endParaRPr kumimoji="1" lang="zh-CN" altLang="en-US" sz="3400" dirty="0">
               <a:latin typeface="+mj-ea"/>
@@ -25847,31 +26514,7 @@
                 <a:ea typeface="Heiti SC Light"/>
                 <a:cs typeface="Heiti SC Light"/>
               </a:rPr>
-              <a:t>Function</a:t>
-            </a:r>
-            <a:r>
-              <a:rPr kumimoji="1" lang="zh-CN" altLang="en-US" dirty="0" smtClean="0">
-                <a:latin typeface="Heiti SC Light"/>
-                <a:ea typeface="Heiti SC Light"/>
-                <a:cs typeface="Heiti SC Light"/>
-              </a:rPr>
-              <a:t> </a:t>
-            </a:r>
-            <a:r>
-              <a:rPr kumimoji="1" lang="zh-CN" altLang="zh-CN" dirty="0">
-                <a:latin typeface="Heiti SC Light"/>
-                <a:ea typeface="Heiti SC Light"/>
-                <a:cs typeface="Heiti SC Light"/>
-              </a:rPr>
-              <a:t>O</a:t>
-            </a:r>
-            <a:r>
-              <a:rPr kumimoji="1" lang="en-US" altLang="zh-CN" dirty="0" err="1" smtClean="0">
-                <a:latin typeface="Heiti SC Light"/>
-                <a:ea typeface="Heiti SC Light"/>
-                <a:cs typeface="Heiti SC Light"/>
-              </a:rPr>
-              <a:t>verloading</a:t>
+              <a:t>Closure</a:t>
             </a:r>
             <a:endParaRPr kumimoji="1" lang="zh-CN" altLang="en-US" dirty="0">
               <a:latin typeface="Heiti SC Light"/>
@@ -26116,6 +26759,751 @@
 </p:sld>
 </file>
 
+<file path=ppt/slides/slide27.xml><?xml version="1.0" encoding="utf-8"?>
+<p:sld xmlns:a="http://schemas.openxmlformats.org/drawingml/2006/main" xmlns:r="http://schemas.openxmlformats.org/officeDocument/2006/relationships" xmlns:p="http://schemas.openxmlformats.org/presentationml/2006/main">
+  <p:cSld>
+    <p:spTree>
+      <p:nvGrpSpPr>
+        <p:cNvPr id="1" name=""/>
+        <p:cNvGrpSpPr/>
+        <p:nvPr/>
+      </p:nvGrpSpPr>
+      <p:grpSpPr>
+        <a:xfrm>
+          <a:off x="0" y="0"/>
+          <a:ext cx="0" cy="0"/>
+          <a:chOff x="0" y="0"/>
+          <a:chExt cx="0" cy="0"/>
+        </a:xfrm>
+      </p:grpSpPr>
+      <p:sp>
+        <p:nvSpPr>
+          <p:cNvPr id="2" name="标题 1"/>
+          <p:cNvSpPr>
+            <a:spLocks noGrp="1"/>
+          </p:cNvSpPr>
+          <p:nvPr>
+            <p:ph type="title"/>
+          </p:nvPr>
+        </p:nvSpPr>
+        <p:spPr/>
+        <p:txBody>
+          <a:bodyPr>
+            <a:normAutofit/>
+          </a:bodyPr>
+          <a:lstStyle/>
+          <a:p>
+            <a:r>
+              <a:rPr kumimoji="1" lang="en-US" altLang="zh-CN" dirty="0" smtClean="0">
+                <a:latin typeface="Heiti SC Light"/>
+                <a:ea typeface="Heiti SC Light"/>
+                <a:cs typeface="Heiti SC Light"/>
+              </a:rPr>
+              <a:t>Closure</a:t>
+            </a:r>
+            <a:endParaRPr kumimoji="1" lang="zh-CN" altLang="en-US" dirty="0">
+              <a:latin typeface="Heiti SC Light"/>
+              <a:ea typeface="Heiti SC Light"/>
+              <a:cs typeface="Heiti SC Light"/>
+            </a:endParaRPr>
+          </a:p>
+        </p:txBody>
+      </p:sp>
+      <p:sp>
+        <p:nvSpPr>
+          <p:cNvPr id="6" name="矩形 5"/>
+          <p:cNvSpPr/>
+          <p:nvPr/>
+        </p:nvSpPr>
+        <p:spPr>
+          <a:xfrm>
+            <a:off x="256545" y="2046166"/>
+            <a:ext cx="5111688" cy="3416320"/>
+          </a:xfrm>
+          <a:prstGeom prst="rect">
+            <a:avLst/>
+          </a:prstGeom>
+        </p:spPr>
+        <p:txBody>
+          <a:bodyPr wrap="square">
+            <a:spAutoFit/>
+          </a:bodyPr>
+          <a:lstStyle/>
+          <a:p>
+            <a:r>
+              <a:rPr lang="en-US" altLang="zh-CN" dirty="0" err="1"/>
+              <a:t>var</a:t>
+            </a:r>
+            <a:r>
+              <a:rPr lang="en-US" altLang="zh-CN" dirty="0"/>
+              <a:t> </a:t>
+            </a:r>
+            <a:r>
+              <a:rPr lang="en-US" altLang="zh-CN" dirty="0" err="1"/>
+              <a:t>outerValue</a:t>
+            </a:r>
+            <a:r>
+              <a:rPr lang="en-US" altLang="zh-CN" dirty="0"/>
+              <a:t> = 'ninja';</a:t>
+            </a:r>
+          </a:p>
+          <a:p>
+            <a:r>
+              <a:rPr lang="en-US" altLang="zh-CN" dirty="0" err="1"/>
+              <a:t>var</a:t>
+            </a:r>
+            <a:r>
+              <a:rPr lang="en-US" altLang="zh-CN" dirty="0"/>
+              <a:t> later;</a:t>
+            </a:r>
+          </a:p>
+          <a:p>
+            <a:r>
+              <a:rPr lang="en-US" altLang="zh-CN" dirty="0"/>
+              <a:t>function </a:t>
+            </a:r>
+            <a:r>
+              <a:rPr lang="en-US" altLang="zh-CN" dirty="0" err="1"/>
+              <a:t>outerFunction</a:t>
+            </a:r>
+            <a:r>
+              <a:rPr lang="en-US" altLang="zh-CN" dirty="0"/>
+              <a:t>() {</a:t>
+            </a:r>
+          </a:p>
+          <a:p>
+            <a:r>
+              <a:rPr lang="en-US" altLang="zh-CN" dirty="0"/>
+              <a:t>    </a:t>
+            </a:r>
+            <a:r>
+              <a:rPr lang="en-US" altLang="zh-CN" dirty="0" err="1"/>
+              <a:t>var</a:t>
+            </a:r>
+            <a:r>
+              <a:rPr lang="en-US" altLang="zh-CN" dirty="0"/>
+              <a:t> </a:t>
+            </a:r>
+            <a:r>
+              <a:rPr lang="en-US" altLang="zh-CN" dirty="0" err="1"/>
+              <a:t>innerValue</a:t>
+            </a:r>
+            <a:r>
+              <a:rPr lang="en-US" altLang="zh-CN" dirty="0"/>
+              <a:t> = 'samurai';</a:t>
+            </a:r>
+          </a:p>
+          <a:p>
+            <a:r>
+              <a:rPr lang="en-US" altLang="zh-CN" dirty="0"/>
+              <a:t>    function </a:t>
+            </a:r>
+            <a:r>
+              <a:rPr lang="en-US" altLang="zh-CN" dirty="0" err="1"/>
+              <a:t>innerFunction</a:t>
+            </a:r>
+            <a:r>
+              <a:rPr lang="en-US" altLang="zh-CN" dirty="0"/>
+              <a:t>() {</a:t>
+            </a:r>
+          </a:p>
+          <a:p>
+            <a:r>
+              <a:rPr lang="en-US" altLang="zh-CN" dirty="0"/>
+              <a:t>        assert(</a:t>
+            </a:r>
+            <a:r>
+              <a:rPr lang="en-US" altLang="zh-CN" dirty="0" err="1"/>
+              <a:t>outerValue</a:t>
+            </a:r>
+            <a:r>
+              <a:rPr lang="en-US" altLang="zh-CN" dirty="0"/>
+              <a:t>,"I can see the ninja.");</a:t>
+            </a:r>
+          </a:p>
+          <a:p>
+            <a:r>
+              <a:rPr lang="en-US" altLang="zh-CN" dirty="0"/>
+              <a:t>        assert(</a:t>
+            </a:r>
+            <a:r>
+              <a:rPr lang="en-US" altLang="zh-CN" dirty="0" err="1"/>
+              <a:t>innerValue</a:t>
+            </a:r>
+            <a:r>
+              <a:rPr lang="en-US" altLang="zh-CN" dirty="0"/>
+              <a:t>,"I can see the samurai.");</a:t>
+            </a:r>
+          </a:p>
+          <a:p>
+            <a:r>
+              <a:rPr lang="en-US" altLang="zh-CN" dirty="0"/>
+              <a:t>    }</a:t>
+            </a:r>
+          </a:p>
+          <a:p>
+            <a:r>
+              <a:rPr lang="en-US" altLang="zh-CN" dirty="0"/>
+              <a:t>    later = </a:t>
+            </a:r>
+            <a:r>
+              <a:rPr lang="en-US" altLang="zh-CN" dirty="0" err="1"/>
+              <a:t>innerFunction</a:t>
+            </a:r>
+            <a:r>
+              <a:rPr lang="en-US" altLang="zh-CN" dirty="0"/>
+              <a:t>;</a:t>
+            </a:r>
+          </a:p>
+          <a:p>
+            <a:r>
+              <a:rPr lang="en-US" altLang="zh-CN" dirty="0"/>
+              <a:t>}</a:t>
+            </a:r>
+          </a:p>
+          <a:p>
+            <a:r>
+              <a:rPr lang="en-US" altLang="zh-CN" dirty="0" err="1"/>
+              <a:t>outerFunction</a:t>
+            </a:r>
+            <a:r>
+              <a:rPr lang="en-US" altLang="zh-CN" dirty="0"/>
+              <a:t>();</a:t>
+            </a:r>
+          </a:p>
+          <a:p>
+            <a:r>
+              <a:rPr lang="en-US" altLang="zh-CN" dirty="0"/>
+              <a:t>later();</a:t>
+            </a:r>
+            <a:endParaRPr lang="zh-CN" altLang="en-US" dirty="0"/>
+          </a:p>
+        </p:txBody>
+      </p:sp>
+      <p:pic>
+        <p:nvPicPr>
+          <p:cNvPr id="7" name="图片 6"/>
+          <p:cNvPicPr>
+            <a:picLocks noChangeAspect="1"/>
+          </p:cNvPicPr>
+          <p:nvPr/>
+        </p:nvPicPr>
+        <p:blipFill>
+          <a:blip r:embed="rId3"/>
+          <a:stretch>
+            <a:fillRect/>
+          </a:stretch>
+        </p:blipFill>
+        <p:spPr>
+          <a:xfrm>
+            <a:off x="4825535" y="2658846"/>
+            <a:ext cx="4096943" cy="4199154"/>
+          </a:xfrm>
+          <a:prstGeom prst="rect">
+            <a:avLst/>
+          </a:prstGeom>
+        </p:spPr>
+      </p:pic>
+    </p:spTree>
+    <p:extLst>
+      <p:ext uri="{BB962C8B-B14F-4D97-AF65-F5344CB8AC3E}">
+        <p14:creationId xmlns:p14="http://schemas.microsoft.com/office/powerpoint/2010/main" val="1690095603"/>
+      </p:ext>
+    </p:extLst>
+  </p:cSld>
+  <p:clrMapOvr>
+    <a:masterClrMapping/>
+  </p:clrMapOvr>
+  <p:timing>
+    <p:tnLst>
+      <p:par>
+        <p:cTn xmlns:p14="http://schemas.microsoft.com/office/powerpoint/2010/main" id="1" dur="indefinite" restart="never" nodeType="tmRoot">
+          <p:childTnLst>
+            <p:seq concurrent="1" nextAc="seek">
+              <p:cTn id="2" dur="indefinite" nodeType="mainSeq">
+                <p:childTnLst>
+                  <p:par>
+                    <p:cTn id="3" fill="hold">
+                      <p:stCondLst>
+                        <p:cond delay="indefinite"/>
+                      </p:stCondLst>
+                      <p:childTnLst>
+                        <p:par>
+                          <p:cTn id="4" fill="hold">
+                            <p:stCondLst>
+                              <p:cond delay="0"/>
+                            </p:stCondLst>
+                            <p:childTnLst>
+                              <p:par>
+                                <p:cTn id="5" presetID="2" presetClass="entr" presetSubtype="2" fill="hold" nodeType="clickEffect">
+                                  <p:stCondLst>
+                                    <p:cond delay="0"/>
+                                  </p:stCondLst>
+                                  <p:childTnLst>
+                                    <p:set>
+                                      <p:cBhvr>
+                                        <p:cTn id="6" dur="1" fill="hold">
+                                          <p:stCondLst>
+                                            <p:cond delay="0"/>
+                                          </p:stCondLst>
+                                        </p:cTn>
+                                        <p:tgtEl>
+                                          <p:spTgt spid="7"/>
+                                        </p:tgtEl>
+                                        <p:attrNameLst>
+                                          <p:attrName>style.visibility</p:attrName>
+                                        </p:attrNameLst>
+                                      </p:cBhvr>
+                                      <p:to>
+                                        <p:strVal val="visible"/>
+                                      </p:to>
+                                    </p:set>
+                                    <p:anim calcmode="lin" valueType="num">
+                                      <p:cBhvr additive="base">
+                                        <p:cTn id="7" dur="500" fill="hold"/>
+                                        <p:tgtEl>
+                                          <p:spTgt spid="7"/>
+                                        </p:tgtEl>
+                                        <p:attrNameLst>
+                                          <p:attrName>ppt_x</p:attrName>
+                                        </p:attrNameLst>
+                                      </p:cBhvr>
+                                      <p:tavLst>
+                                        <p:tav tm="0">
+                                          <p:val>
+                                            <p:strVal val="1+#ppt_w/2"/>
+                                          </p:val>
+                                        </p:tav>
+                                        <p:tav tm="100000">
+                                          <p:val>
+                                            <p:strVal val="#ppt_x"/>
+                                          </p:val>
+                                        </p:tav>
+                                      </p:tavLst>
+                                    </p:anim>
+                                    <p:anim calcmode="lin" valueType="num">
+                                      <p:cBhvr additive="base">
+                                        <p:cTn id="8" dur="500" fill="hold"/>
+                                        <p:tgtEl>
+                                          <p:spTgt spid="7"/>
+                                        </p:tgtEl>
+                                        <p:attrNameLst>
+                                          <p:attrName>ppt_y</p:attrName>
+                                        </p:attrNameLst>
+                                      </p:cBhvr>
+                                      <p:tavLst>
+                                        <p:tav tm="0">
+                                          <p:val>
+                                            <p:strVal val="#ppt_y"/>
+                                          </p:val>
+                                        </p:tav>
+                                        <p:tav tm="100000">
+                                          <p:val>
+                                            <p:strVal val="#ppt_y"/>
+                                          </p:val>
+                                        </p:tav>
+                                      </p:tavLst>
+                                    </p:anim>
+                                  </p:childTnLst>
+                                </p:cTn>
+                              </p:par>
+                            </p:childTnLst>
+                          </p:cTn>
+                        </p:par>
+                      </p:childTnLst>
+                    </p:cTn>
+                  </p:par>
+                </p:childTnLst>
+              </p:cTn>
+              <p:prevCondLst>
+                <p:cond evt="onPrev" delay="0">
+                  <p:tgtEl>
+                    <p:sldTgt/>
+                  </p:tgtEl>
+                </p:cond>
+              </p:prevCondLst>
+              <p:nextCondLst>
+                <p:cond evt="onNext" delay="0">
+                  <p:tgtEl>
+                    <p:sldTgt/>
+                  </p:tgtEl>
+                </p:cond>
+              </p:nextCondLst>
+            </p:seq>
+          </p:childTnLst>
+        </p:cTn>
+      </p:par>
+    </p:tnLst>
+  </p:timing>
+</p:sld>
+</file>
+
+<file path=ppt/slides/slide28.xml><?xml version="1.0" encoding="utf-8"?>
+<p:sld xmlns:a="http://schemas.openxmlformats.org/drawingml/2006/main" xmlns:r="http://schemas.openxmlformats.org/officeDocument/2006/relationships" xmlns:p="http://schemas.openxmlformats.org/presentationml/2006/main">
+  <p:cSld>
+    <p:spTree>
+      <p:nvGrpSpPr>
+        <p:cNvPr id="1" name=""/>
+        <p:cNvGrpSpPr/>
+        <p:nvPr/>
+      </p:nvGrpSpPr>
+      <p:grpSpPr>
+        <a:xfrm>
+          <a:off x="0" y="0"/>
+          <a:ext cx="0" cy="0"/>
+          <a:chOff x="0" y="0"/>
+          <a:chExt cx="0" cy="0"/>
+        </a:xfrm>
+      </p:grpSpPr>
+      <p:sp>
+        <p:nvSpPr>
+          <p:cNvPr id="2" name="标题 1"/>
+          <p:cNvSpPr>
+            <a:spLocks noGrp="1"/>
+          </p:cNvSpPr>
+          <p:nvPr>
+            <p:ph type="title"/>
+          </p:nvPr>
+        </p:nvSpPr>
+        <p:spPr/>
+        <p:txBody>
+          <a:bodyPr>
+            <a:normAutofit/>
+          </a:bodyPr>
+          <a:lstStyle/>
+          <a:p>
+            <a:r>
+              <a:rPr kumimoji="1" lang="en-US" altLang="zh-CN" dirty="0" smtClean="0">
+                <a:latin typeface="Heiti SC Light"/>
+                <a:ea typeface="Heiti SC Light"/>
+                <a:cs typeface="Heiti SC Light"/>
+              </a:rPr>
+              <a:t>Closure</a:t>
+            </a:r>
+            <a:endParaRPr kumimoji="1" lang="zh-CN" altLang="en-US" dirty="0">
+              <a:latin typeface="Heiti SC Light"/>
+              <a:ea typeface="Heiti SC Light"/>
+              <a:cs typeface="Heiti SC Light"/>
+            </a:endParaRPr>
+          </a:p>
+        </p:txBody>
+      </p:sp>
+      <p:sp>
+        <p:nvSpPr>
+          <p:cNvPr id="8" name="内容占位符 2"/>
+          <p:cNvSpPr>
+            <a:spLocks noGrp="1"/>
+          </p:cNvSpPr>
+          <p:nvPr>
+            <p:ph idx="1"/>
+          </p:nvPr>
+        </p:nvSpPr>
+        <p:spPr>
+          <a:xfrm>
+            <a:off x="872067" y="2449054"/>
+            <a:ext cx="7408333" cy="3677109"/>
+          </a:xfrm>
+        </p:spPr>
+        <p:txBody>
+          <a:bodyPr>
+            <a:normAutofit/>
+          </a:bodyPr>
+          <a:lstStyle/>
+          <a:p>
+            <a:pPr>
+              <a:buFont typeface="Wingdings" charset="2"/>
+              <a:buChar char="Ø"/>
+            </a:pPr>
+            <a:r>
+              <a:rPr kumimoji="1" lang="zh-CN" altLang="en-US" sz="3400" dirty="0" smtClean="0">
+                <a:latin typeface="+mj-ea"/>
+                <a:ea typeface="+mj-ea"/>
+              </a:rPr>
+              <a:t>一种保护机制！</a:t>
+            </a:r>
+            <a:endParaRPr kumimoji="1" lang="en-US" altLang="zh-CN" sz="3400" dirty="0" smtClean="0">
+              <a:latin typeface="+mj-ea"/>
+              <a:ea typeface="+mj-ea"/>
+            </a:endParaRPr>
+          </a:p>
+          <a:p>
+            <a:pPr>
+              <a:buFont typeface="Wingdings" charset="2"/>
+              <a:buChar char="Ø"/>
+            </a:pPr>
+            <a:r>
+              <a:rPr kumimoji="1" lang="zh-CN" altLang="en-US" sz="3400" dirty="0" smtClean="0">
+                <a:latin typeface="+mj-ea"/>
+                <a:ea typeface="+mj-ea"/>
+              </a:rPr>
+              <a:t>闭包可以保证在一个函数的生命结束之前，它需要访问的变量不会被垃圾回收器回收掉。</a:t>
+            </a:r>
+            <a:endParaRPr kumimoji="1" lang="zh-CN" altLang="en-US" sz="3400" dirty="0">
+              <a:latin typeface="+mj-ea"/>
+              <a:ea typeface="+mj-ea"/>
+            </a:endParaRPr>
+          </a:p>
+        </p:txBody>
+      </p:sp>
+    </p:spTree>
+    <p:extLst>
+      <p:ext uri="{BB962C8B-B14F-4D97-AF65-F5344CB8AC3E}">
+        <p14:creationId xmlns:p14="http://schemas.microsoft.com/office/powerpoint/2010/main" val="426068961"/>
+      </p:ext>
+    </p:extLst>
+  </p:cSld>
+  <p:clrMapOvr>
+    <a:masterClrMapping/>
+  </p:clrMapOvr>
+  <p:timing>
+    <p:tnLst>
+      <p:par>
+        <p:cTn xmlns:p14="http://schemas.microsoft.com/office/powerpoint/2010/main" id="1" dur="indefinite" restart="never" nodeType="tmRoot"/>
+      </p:par>
+    </p:tnLst>
+  </p:timing>
+</p:sld>
+</file>
+
+<file path=ppt/slides/slide29.xml><?xml version="1.0" encoding="utf-8"?>
+<p:sld xmlns:a="http://schemas.openxmlformats.org/drawingml/2006/main" xmlns:r="http://schemas.openxmlformats.org/officeDocument/2006/relationships" xmlns:p="http://schemas.openxmlformats.org/presentationml/2006/main">
+  <p:cSld>
+    <p:spTree>
+      <p:nvGrpSpPr>
+        <p:cNvPr id="1" name=""/>
+        <p:cNvGrpSpPr/>
+        <p:nvPr/>
+      </p:nvGrpSpPr>
+      <p:grpSpPr>
+        <a:xfrm>
+          <a:off x="0" y="0"/>
+          <a:ext cx="0" cy="0"/>
+          <a:chOff x="0" y="0"/>
+          <a:chExt cx="0" cy="0"/>
+        </a:xfrm>
+      </p:grpSpPr>
+      <p:sp>
+        <p:nvSpPr>
+          <p:cNvPr id="2" name="标题 1"/>
+          <p:cNvSpPr>
+            <a:spLocks noGrp="1"/>
+          </p:cNvSpPr>
+          <p:nvPr>
+            <p:ph type="title"/>
+          </p:nvPr>
+        </p:nvSpPr>
+        <p:spPr/>
+        <p:txBody>
+          <a:bodyPr>
+            <a:normAutofit/>
+          </a:bodyPr>
+          <a:lstStyle/>
+          <a:p>
+            <a:r>
+              <a:rPr kumimoji="1" lang="en-US" altLang="zh-CN" dirty="0" smtClean="0">
+                <a:latin typeface="Heiti SC Light"/>
+                <a:ea typeface="Heiti SC Light"/>
+                <a:cs typeface="Heiti SC Light"/>
+              </a:rPr>
+              <a:t>Closure</a:t>
+            </a:r>
+            <a:r>
+              <a:rPr kumimoji="1" lang="zh-CN" altLang="en-US" dirty="0" smtClean="0">
+                <a:latin typeface="Heiti SC Light"/>
+                <a:ea typeface="Heiti SC Light"/>
+                <a:cs typeface="Heiti SC Light"/>
+              </a:rPr>
+              <a:t>的应用</a:t>
+            </a:r>
+            <a:endParaRPr kumimoji="1" lang="zh-CN" altLang="en-US" dirty="0">
+              <a:latin typeface="Heiti SC Light"/>
+              <a:ea typeface="Heiti SC Light"/>
+              <a:cs typeface="Heiti SC Light"/>
+            </a:endParaRPr>
+          </a:p>
+        </p:txBody>
+      </p:sp>
+      <p:sp>
+        <p:nvSpPr>
+          <p:cNvPr id="8" name="内容占位符 2"/>
+          <p:cNvSpPr>
+            <a:spLocks noGrp="1"/>
+          </p:cNvSpPr>
+          <p:nvPr>
+            <p:ph idx="1"/>
+          </p:nvPr>
+        </p:nvSpPr>
+        <p:spPr>
+          <a:xfrm>
+            <a:off x="872067" y="2449054"/>
+            <a:ext cx="7408333" cy="3677109"/>
+          </a:xfrm>
+        </p:spPr>
+        <p:txBody>
+          <a:bodyPr>
+            <a:normAutofit fontScale="92500" lnSpcReduction="10000"/>
+          </a:bodyPr>
+          <a:lstStyle/>
+          <a:p>
+            <a:pPr>
+              <a:buFont typeface="Wingdings" charset="2"/>
+              <a:buChar char="Ø"/>
+            </a:pPr>
+            <a:r>
+              <a:rPr kumimoji="1" lang="zh-CN" altLang="en-US" sz="3400" dirty="0" smtClean="0">
+                <a:latin typeface="+mj-ea"/>
+                <a:ea typeface="+mj-ea"/>
+              </a:rPr>
+              <a:t>私有变量</a:t>
+            </a:r>
+            <a:endParaRPr kumimoji="1" lang="en-US" altLang="zh-CN" sz="3400" dirty="0" smtClean="0">
+              <a:latin typeface="+mj-ea"/>
+              <a:ea typeface="+mj-ea"/>
+            </a:endParaRPr>
+          </a:p>
+          <a:p>
+            <a:pPr>
+              <a:buFont typeface="Wingdings" charset="2"/>
+              <a:buChar char="Ø"/>
+            </a:pPr>
+            <a:r>
+              <a:rPr kumimoji="1" lang="en-US" altLang="zh-CN" sz="3400" dirty="0" smtClean="0">
+                <a:latin typeface="+mj-ea"/>
+                <a:ea typeface="+mj-ea"/>
+              </a:rPr>
+              <a:t>Callback</a:t>
+            </a:r>
+          </a:p>
+          <a:p>
+            <a:pPr>
+              <a:buFont typeface="Wingdings" charset="2"/>
+              <a:buChar char="Ø"/>
+            </a:pPr>
+            <a:r>
+              <a:rPr kumimoji="1" lang="en-US" altLang="zh-CN" sz="3400" dirty="0">
+                <a:latin typeface="+mj-ea"/>
+                <a:ea typeface="+mj-ea"/>
+              </a:rPr>
+              <a:t>Immediate </a:t>
+            </a:r>
+            <a:r>
+              <a:rPr kumimoji="1" lang="en-US" altLang="zh-CN" sz="3400" dirty="0" smtClean="0">
+                <a:latin typeface="+mj-ea"/>
+                <a:ea typeface="+mj-ea"/>
+              </a:rPr>
+              <a:t>functions</a:t>
+            </a:r>
+          </a:p>
+          <a:p>
+            <a:pPr lvl="1">
+              <a:buFont typeface="Wingdings" charset="2"/>
+              <a:buChar char="Ø"/>
+            </a:pPr>
+            <a:r>
+              <a:rPr kumimoji="1" lang="en-US" altLang="zh-CN" sz="3200" dirty="0">
+                <a:latin typeface="+mj-ea"/>
+              </a:rPr>
+              <a:t>(function(){…})()</a:t>
+            </a:r>
+            <a:endParaRPr kumimoji="1" lang="en-US" altLang="zh-CN" sz="3200" dirty="0" smtClean="0">
+              <a:latin typeface="+mj-ea"/>
+              <a:ea typeface="+mj-ea"/>
+            </a:endParaRPr>
+          </a:p>
+          <a:p>
+            <a:pPr lvl="2">
+              <a:buFont typeface="Wingdings" charset="2"/>
+              <a:buChar char="Ø"/>
+            </a:pPr>
+            <a:r>
+              <a:rPr kumimoji="1" lang="en-US" altLang="zh-CN" sz="3000" dirty="0">
+                <a:latin typeface="+mj-ea"/>
+                <a:ea typeface="+mj-ea"/>
+              </a:rPr>
+              <a:t> </a:t>
+            </a:r>
+            <a:r>
+              <a:rPr kumimoji="1" lang="zh-CN" altLang="en-US" sz="3000" dirty="0" smtClean="0">
+                <a:latin typeface="+mj-ea"/>
+                <a:ea typeface="+mj-ea"/>
+              </a:rPr>
+              <a:t>创建临时的</a:t>
+            </a:r>
+            <a:r>
+              <a:rPr kumimoji="1" lang="en-US" altLang="zh-CN" sz="3000" dirty="0" smtClean="0">
+                <a:latin typeface="+mj-ea"/>
+                <a:ea typeface="+mj-ea"/>
+              </a:rPr>
+              <a:t>scope</a:t>
+            </a:r>
+            <a:r>
+              <a:rPr kumimoji="1" lang="zh-CN" altLang="en-US" sz="3000" dirty="0" smtClean="0">
+                <a:latin typeface="+mj-ea"/>
+                <a:ea typeface="+mj-ea"/>
+              </a:rPr>
+              <a:t>和变量</a:t>
+            </a:r>
+            <a:endParaRPr kumimoji="1" lang="en-US" altLang="zh-CN" sz="3000" dirty="0" smtClean="0">
+              <a:latin typeface="+mj-ea"/>
+              <a:ea typeface="+mj-ea"/>
+            </a:endParaRPr>
+          </a:p>
+          <a:p>
+            <a:pPr lvl="2">
+              <a:buFont typeface="Wingdings" charset="2"/>
+              <a:buChar char="Ø"/>
+            </a:pPr>
+            <a:r>
+              <a:rPr kumimoji="1" lang="zh-CN" altLang="en-US" sz="3000" dirty="0" smtClean="0">
+                <a:latin typeface="+mj-ea"/>
+                <a:ea typeface="+mj-ea"/>
+              </a:rPr>
+              <a:t>在作用域内限制全局变量的名字</a:t>
+            </a:r>
+            <a:endParaRPr kumimoji="1" lang="en-US" altLang="zh-CN" sz="3000" dirty="0" smtClean="0">
+              <a:latin typeface="+mj-ea"/>
+              <a:ea typeface="+mj-ea"/>
+            </a:endParaRPr>
+          </a:p>
+          <a:p>
+            <a:pPr lvl="2">
+              <a:buFont typeface="Wingdings" charset="2"/>
+              <a:buChar char="Ø"/>
+            </a:pPr>
+            <a:r>
+              <a:rPr kumimoji="1" lang="zh-CN" altLang="en-US" sz="3000" dirty="0" smtClean="0">
+                <a:latin typeface="+mj-ea"/>
+                <a:ea typeface="+mj-ea"/>
+              </a:rPr>
+              <a:t>循环变量</a:t>
+            </a:r>
+            <a:endParaRPr kumimoji="1" lang="zh-CN" altLang="en-US" sz="3000" dirty="0">
+              <a:latin typeface="+mj-ea"/>
+              <a:ea typeface="+mj-ea"/>
+            </a:endParaRPr>
+          </a:p>
+        </p:txBody>
+      </p:sp>
+    </p:spTree>
+    <p:extLst>
+      <p:ext uri="{BB962C8B-B14F-4D97-AF65-F5344CB8AC3E}">
+        <p14:creationId xmlns:p14="http://schemas.microsoft.com/office/powerpoint/2010/main" val="2213747712"/>
+      </p:ext>
+    </p:extLst>
+  </p:cSld>
+  <p:clrMapOvr>
+    <a:masterClrMapping/>
+  </p:clrMapOvr>
+  <p:timing>
+    <p:tnLst>
+      <p:par>
+        <p:cTn xmlns:p14="http://schemas.microsoft.com/office/powerpoint/2010/main" id="1" dur="indefinite" restart="never" nodeType="tmRoot"/>
+      </p:par>
+    </p:tnLst>
+  </p:timing>
+</p:sld>
+</file>
+
 <file path=ppt/slides/slide3.xml><?xml version="1.0" encoding="utf-8"?>
 <p:sld xmlns:a="http://schemas.openxmlformats.org/drawingml/2006/main" xmlns:r="http://schemas.openxmlformats.org/officeDocument/2006/relationships" xmlns:p="http://schemas.openxmlformats.org/presentationml/2006/main">
   <p:cSld>
@@ -26757,6 +28145,1190 @@
     <p:extLst>
       <p:ext uri="{BB962C8B-B14F-4D97-AF65-F5344CB8AC3E}">
         <p14:creationId xmlns:p14="http://schemas.microsoft.com/office/powerpoint/2010/main" val="3585343170"/>
+      </p:ext>
+    </p:extLst>
+  </p:cSld>
+  <p:clrMapOvr>
+    <a:masterClrMapping/>
+  </p:clrMapOvr>
+  <p:timing>
+    <p:tnLst>
+      <p:par>
+        <p:cTn xmlns:p14="http://schemas.microsoft.com/office/powerpoint/2010/main" id="1" dur="indefinite" restart="never" nodeType="tmRoot"/>
+      </p:par>
+    </p:tnLst>
+  </p:timing>
+</p:sld>
+</file>
+
+<file path=ppt/slides/slide30.xml><?xml version="1.0" encoding="utf-8"?>
+<p:sld xmlns:a="http://schemas.openxmlformats.org/drawingml/2006/main" xmlns:r="http://schemas.openxmlformats.org/officeDocument/2006/relationships" xmlns:p="http://schemas.openxmlformats.org/presentationml/2006/main">
+  <p:cSld>
+    <p:spTree>
+      <p:nvGrpSpPr>
+        <p:cNvPr id="1" name=""/>
+        <p:cNvGrpSpPr/>
+        <p:nvPr/>
+      </p:nvGrpSpPr>
+      <p:grpSpPr>
+        <a:xfrm>
+          <a:off x="0" y="0"/>
+          <a:ext cx="0" cy="0"/>
+          <a:chOff x="0" y="0"/>
+          <a:chExt cx="0" cy="0"/>
+        </a:xfrm>
+      </p:grpSpPr>
+      <p:sp>
+        <p:nvSpPr>
+          <p:cNvPr id="2" name="标题 1"/>
+          <p:cNvSpPr>
+            <a:spLocks noGrp="1"/>
+          </p:cNvSpPr>
+          <p:nvPr>
+            <p:ph type="title"/>
+          </p:nvPr>
+        </p:nvSpPr>
+        <p:spPr/>
+        <p:txBody>
+          <a:bodyPr>
+            <a:normAutofit/>
+          </a:bodyPr>
+          <a:lstStyle/>
+          <a:p>
+            <a:r>
+              <a:rPr kumimoji="1" lang="en-US" altLang="zh-CN" dirty="0" err="1" smtClean="0">
+                <a:latin typeface="Heiti SC Light"/>
+                <a:ea typeface="Heiti SC Light"/>
+                <a:cs typeface="Heiti SC Light"/>
+              </a:rPr>
+              <a:t>set</a:t>
+            </a:r>
+            <a:r>
+              <a:rPr kumimoji="1" lang="en-US" altLang="zh-CN" dirty="0" err="1" smtClean="0">
+                <a:latin typeface="Heiti SC Light"/>
+                <a:ea typeface="Heiti SC Light"/>
+                <a:cs typeface="Heiti SC Light"/>
+              </a:rPr>
+              <a:t>Timeout</a:t>
+            </a:r>
+            <a:r>
+              <a:rPr kumimoji="1" lang="en-US" altLang="zh-CN" dirty="0" smtClean="0">
+                <a:latin typeface="Heiti SC Light"/>
+                <a:ea typeface="Heiti SC Light"/>
+                <a:cs typeface="Heiti SC Light"/>
+              </a:rPr>
+              <a:t>/</a:t>
+            </a:r>
+            <a:r>
+              <a:rPr kumimoji="1" lang="en-US" altLang="zh-CN" dirty="0" err="1" smtClean="0">
+                <a:latin typeface="Heiti SC Light"/>
+                <a:ea typeface="Heiti SC Light"/>
+                <a:cs typeface="Heiti SC Light"/>
+              </a:rPr>
+              <a:t>setInterval</a:t>
+            </a:r>
+            <a:endParaRPr kumimoji="1" lang="zh-CN" altLang="en-US" dirty="0">
+              <a:latin typeface="Heiti SC Light"/>
+              <a:ea typeface="Heiti SC Light"/>
+              <a:cs typeface="Heiti SC Light"/>
+            </a:endParaRPr>
+          </a:p>
+        </p:txBody>
+      </p:sp>
+      <p:sp>
+        <p:nvSpPr>
+          <p:cNvPr id="8" name="内容占位符 2"/>
+          <p:cNvSpPr>
+            <a:spLocks noGrp="1"/>
+          </p:cNvSpPr>
+          <p:nvPr>
+            <p:ph idx="1"/>
+          </p:nvPr>
+        </p:nvSpPr>
+        <p:spPr>
+          <a:xfrm>
+            <a:off x="872067" y="2449054"/>
+            <a:ext cx="7408333" cy="3677109"/>
+          </a:xfrm>
+        </p:spPr>
+        <p:txBody>
+          <a:bodyPr>
+            <a:normAutofit fontScale="85000" lnSpcReduction="20000"/>
+          </a:bodyPr>
+          <a:lstStyle/>
+          <a:p>
+            <a:pPr>
+              <a:buFont typeface="Wingdings" charset="2"/>
+              <a:buChar char="Ø"/>
+            </a:pPr>
+            <a:r>
+              <a:rPr kumimoji="1" lang="zh-CN" altLang="en-US" sz="3400" dirty="0" smtClean="0">
+                <a:latin typeface="+mj-ea"/>
+                <a:ea typeface="+mj-ea"/>
+              </a:rPr>
+              <a:t>不是</a:t>
+            </a:r>
+            <a:r>
+              <a:rPr kumimoji="1" lang="en-US" altLang="zh-CN" sz="3400" dirty="0" smtClean="0">
+                <a:latin typeface="+mj-ea"/>
+                <a:ea typeface="+mj-ea"/>
+              </a:rPr>
+              <a:t>JavaScript</a:t>
+            </a:r>
+            <a:r>
+              <a:rPr kumimoji="1" lang="zh-CN" altLang="en-US" sz="3400" dirty="0" smtClean="0">
+                <a:latin typeface="+mj-ea"/>
+                <a:ea typeface="+mj-ea"/>
+              </a:rPr>
+              <a:t>的特性，是浏览器的功能。</a:t>
+            </a:r>
+            <a:endParaRPr kumimoji="1" lang="en-US" altLang="zh-CN" sz="3400" dirty="0" smtClean="0">
+              <a:latin typeface="+mj-ea"/>
+              <a:ea typeface="+mj-ea"/>
+            </a:endParaRPr>
+          </a:p>
+          <a:p>
+            <a:pPr>
+              <a:buFont typeface="Wingdings" charset="2"/>
+              <a:buChar char="Ø"/>
+            </a:pPr>
+            <a:r>
+              <a:rPr kumimoji="1" lang="en-US" altLang="zh-CN" sz="3400" dirty="0" smtClean="0">
+                <a:latin typeface="+mj-ea"/>
+                <a:ea typeface="+mj-ea"/>
+              </a:rPr>
+              <a:t>JavaScript</a:t>
+            </a:r>
+            <a:r>
+              <a:rPr kumimoji="1" lang="zh-CN" altLang="en-US" sz="3400" dirty="0" smtClean="0">
+                <a:latin typeface="+mj-ea"/>
+                <a:ea typeface="+mj-ea"/>
+              </a:rPr>
+              <a:t>是单线程执行的，</a:t>
+            </a:r>
+            <a:r>
+              <a:rPr kumimoji="1" lang="en-US" altLang="zh-CN" sz="3400" dirty="0" smtClean="0">
+                <a:latin typeface="+mj-ea"/>
+                <a:ea typeface="+mj-ea"/>
+              </a:rPr>
+              <a:t>Timer</a:t>
+            </a:r>
+            <a:r>
+              <a:rPr kumimoji="1" lang="zh-CN" altLang="en-US" sz="3400" dirty="0" smtClean="0">
+                <a:latin typeface="+mj-ea"/>
+                <a:ea typeface="+mj-ea"/>
+              </a:rPr>
+              <a:t>事件也是在主线程中完成的。</a:t>
+            </a:r>
+            <a:endParaRPr kumimoji="1" lang="en-US" altLang="zh-CN" sz="3400" dirty="0" smtClean="0">
+              <a:latin typeface="+mj-ea"/>
+              <a:ea typeface="+mj-ea"/>
+            </a:endParaRPr>
+          </a:p>
+          <a:p>
+            <a:pPr>
+              <a:buFont typeface="Wingdings" charset="2"/>
+              <a:buChar char="Ø"/>
+            </a:pPr>
+            <a:r>
+              <a:rPr kumimoji="1" lang="zh-CN" altLang="zh-CN" sz="3400" dirty="0" smtClean="0">
+                <a:latin typeface="+mj-ea"/>
+                <a:ea typeface="+mj-ea"/>
+              </a:rPr>
+              <a:t>s</a:t>
+            </a:r>
+            <a:r>
+              <a:rPr kumimoji="1" lang="en-US" altLang="zh-CN" sz="3400" dirty="0" err="1" smtClean="0">
+                <a:latin typeface="+mj-ea"/>
+                <a:ea typeface="+mj-ea"/>
+              </a:rPr>
+              <a:t>etTimeout</a:t>
+            </a:r>
+            <a:r>
+              <a:rPr kumimoji="1" lang="en-US" altLang="zh-CN" sz="3400" dirty="0" smtClean="0">
+                <a:latin typeface="+mj-ea"/>
+                <a:ea typeface="+mj-ea"/>
+              </a:rPr>
+              <a:t>(function{},</a:t>
+            </a:r>
+            <a:r>
+              <a:rPr kumimoji="1" lang="zh-CN" altLang="en-US" sz="3400" dirty="0" smtClean="0">
+                <a:latin typeface="+mj-ea"/>
+                <a:ea typeface="+mj-ea"/>
+              </a:rPr>
+              <a:t> </a:t>
+            </a:r>
+            <a:r>
+              <a:rPr kumimoji="1" lang="en-US" altLang="zh-CN" sz="3400" dirty="0" smtClean="0">
+                <a:latin typeface="+mj-ea"/>
+                <a:ea typeface="+mj-ea"/>
+              </a:rPr>
+              <a:t>0)</a:t>
+            </a:r>
+            <a:r>
+              <a:rPr kumimoji="1" lang="zh-CN" altLang="en-US" sz="3400" dirty="0" smtClean="0">
+                <a:latin typeface="+mj-ea"/>
+                <a:ea typeface="+mj-ea"/>
+              </a:rPr>
+              <a:t> 不是立即执行，而是把回调函数追加到事件队列的最后。</a:t>
+            </a:r>
+            <a:endParaRPr kumimoji="1" lang="en-US" altLang="zh-CN" sz="3400" dirty="0" smtClean="0">
+              <a:latin typeface="+mj-ea"/>
+              <a:ea typeface="+mj-ea"/>
+            </a:endParaRPr>
+          </a:p>
+          <a:p>
+            <a:pPr>
+              <a:buFont typeface="Wingdings" charset="2"/>
+              <a:buChar char="Ø"/>
+            </a:pPr>
+            <a:r>
+              <a:rPr kumimoji="1" lang="zh-CN" altLang="zh-CN" sz="3400" dirty="0" smtClean="0">
+                <a:latin typeface="+mj-ea"/>
+                <a:ea typeface="+mj-ea"/>
+              </a:rPr>
+              <a:t>s</a:t>
+            </a:r>
+            <a:r>
+              <a:rPr kumimoji="1" lang="en-US" altLang="zh-CN" sz="3400" dirty="0" err="1" smtClean="0">
+                <a:latin typeface="+mj-ea"/>
+                <a:ea typeface="+mj-ea"/>
+              </a:rPr>
+              <a:t>etInterval</a:t>
+            </a:r>
+            <a:r>
+              <a:rPr kumimoji="1" lang="en-US" altLang="zh-CN" sz="3400" dirty="0" smtClean="0">
+                <a:latin typeface="+mj-ea"/>
+                <a:ea typeface="+mj-ea"/>
+              </a:rPr>
+              <a:t>()</a:t>
+            </a:r>
+            <a:r>
+              <a:rPr kumimoji="1" lang="zh-CN" altLang="en-US" sz="3400" dirty="0" smtClean="0">
+                <a:latin typeface="+mj-ea"/>
+                <a:ea typeface="+mj-ea"/>
+              </a:rPr>
+              <a:t>不一定会每隔固定时间添加一个事件到队列里，如果在添加时发现下一个时间点上已经有回调需要执行则不在追加。</a:t>
+            </a:r>
+            <a:endParaRPr kumimoji="1" lang="zh-CN" altLang="en-US" sz="3400" dirty="0">
+              <a:latin typeface="+mj-ea"/>
+              <a:ea typeface="+mj-ea"/>
+            </a:endParaRPr>
+          </a:p>
+        </p:txBody>
+      </p:sp>
+    </p:spTree>
+    <p:extLst>
+      <p:ext uri="{BB962C8B-B14F-4D97-AF65-F5344CB8AC3E}">
+        <p14:creationId xmlns:p14="http://schemas.microsoft.com/office/powerpoint/2010/main" val="2219831050"/>
+      </p:ext>
+    </p:extLst>
+  </p:cSld>
+  <p:clrMapOvr>
+    <a:masterClrMapping/>
+  </p:clrMapOvr>
+  <p:timing>
+    <p:tnLst>
+      <p:par>
+        <p:cTn xmlns:p14="http://schemas.microsoft.com/office/powerpoint/2010/main" id="1" dur="indefinite" restart="never" nodeType="tmRoot"/>
+      </p:par>
+    </p:tnLst>
+  </p:timing>
+</p:sld>
+</file>
+
+<file path=ppt/slides/slide31.xml><?xml version="1.0" encoding="utf-8"?>
+<p:sld xmlns:a="http://schemas.openxmlformats.org/drawingml/2006/main" xmlns:r="http://schemas.openxmlformats.org/officeDocument/2006/relationships" xmlns:p="http://schemas.openxmlformats.org/presentationml/2006/main">
+  <p:cSld>
+    <p:spTree>
+      <p:nvGrpSpPr>
+        <p:cNvPr id="1" name=""/>
+        <p:cNvGrpSpPr/>
+        <p:nvPr/>
+      </p:nvGrpSpPr>
+      <p:grpSpPr>
+        <a:xfrm>
+          <a:off x="0" y="0"/>
+          <a:ext cx="0" cy="0"/>
+          <a:chOff x="0" y="0"/>
+          <a:chExt cx="0" cy="0"/>
+        </a:xfrm>
+      </p:grpSpPr>
+      <p:sp>
+        <p:nvSpPr>
+          <p:cNvPr id="2" name="标题 1"/>
+          <p:cNvSpPr>
+            <a:spLocks noGrp="1"/>
+          </p:cNvSpPr>
+          <p:nvPr>
+            <p:ph type="title"/>
+          </p:nvPr>
+        </p:nvSpPr>
+        <p:spPr/>
+        <p:txBody>
+          <a:bodyPr>
+            <a:normAutofit/>
+          </a:bodyPr>
+          <a:lstStyle/>
+          <a:p>
+            <a:r>
+              <a:rPr kumimoji="1" lang="en-US" altLang="zh-CN" dirty="0" err="1" smtClean="0">
+                <a:latin typeface="Heiti SC Light"/>
+                <a:ea typeface="Heiti SC Light"/>
+                <a:cs typeface="Heiti SC Light"/>
+              </a:rPr>
+              <a:t>set</a:t>
+            </a:r>
+            <a:r>
+              <a:rPr kumimoji="1" lang="en-US" altLang="zh-CN" dirty="0" err="1" smtClean="0">
+                <a:latin typeface="Heiti SC Light"/>
+                <a:ea typeface="Heiti SC Light"/>
+                <a:cs typeface="Heiti SC Light"/>
+              </a:rPr>
+              <a:t>Timeout</a:t>
+            </a:r>
+            <a:r>
+              <a:rPr kumimoji="1" lang="en-US" altLang="zh-CN" dirty="0" smtClean="0">
+                <a:latin typeface="Heiti SC Light"/>
+                <a:ea typeface="Heiti SC Light"/>
+                <a:cs typeface="Heiti SC Light"/>
+              </a:rPr>
+              <a:t>/</a:t>
+            </a:r>
+            <a:r>
+              <a:rPr kumimoji="1" lang="en-US" altLang="zh-CN" dirty="0" err="1" smtClean="0">
+                <a:latin typeface="Heiti SC Light"/>
+                <a:ea typeface="Heiti SC Light"/>
+                <a:cs typeface="Heiti SC Light"/>
+              </a:rPr>
+              <a:t>setInterval</a:t>
+            </a:r>
+            <a:endParaRPr kumimoji="1" lang="zh-CN" altLang="en-US" dirty="0">
+              <a:latin typeface="Heiti SC Light"/>
+              <a:ea typeface="Heiti SC Light"/>
+              <a:cs typeface="Heiti SC Light"/>
+            </a:endParaRPr>
+          </a:p>
+        </p:txBody>
+      </p:sp>
+      <p:pic>
+        <p:nvPicPr>
+          <p:cNvPr id="4" name="图片 3"/>
+          <p:cNvPicPr>
+            <a:picLocks noChangeAspect="1"/>
+          </p:cNvPicPr>
+          <p:nvPr/>
+        </p:nvPicPr>
+        <p:blipFill>
+          <a:blip r:embed="rId3"/>
+          <a:stretch>
+            <a:fillRect/>
+          </a:stretch>
+        </p:blipFill>
+        <p:spPr>
+          <a:xfrm>
+            <a:off x="1508202" y="2551883"/>
+            <a:ext cx="6347752" cy="4266835"/>
+          </a:xfrm>
+          <a:prstGeom prst="rect">
+            <a:avLst/>
+          </a:prstGeom>
+        </p:spPr>
+      </p:pic>
+    </p:spTree>
+    <p:extLst>
+      <p:ext uri="{BB962C8B-B14F-4D97-AF65-F5344CB8AC3E}">
+        <p14:creationId xmlns:p14="http://schemas.microsoft.com/office/powerpoint/2010/main" val="947024498"/>
+      </p:ext>
+    </p:extLst>
+  </p:cSld>
+  <p:clrMapOvr>
+    <a:masterClrMapping/>
+  </p:clrMapOvr>
+  <p:timing>
+    <p:tnLst>
+      <p:par>
+        <p:cTn xmlns:p14="http://schemas.microsoft.com/office/powerpoint/2010/main" id="1" dur="indefinite" restart="never" nodeType="tmRoot"/>
+      </p:par>
+    </p:tnLst>
+  </p:timing>
+</p:sld>
+</file>
+
+<file path=ppt/slides/slide32.xml><?xml version="1.0" encoding="utf-8"?>
+<p:sld xmlns:a="http://schemas.openxmlformats.org/drawingml/2006/main" xmlns:r="http://schemas.openxmlformats.org/officeDocument/2006/relationships" xmlns:p="http://schemas.openxmlformats.org/presentationml/2006/main">
+  <p:cSld>
+    <p:spTree>
+      <p:nvGrpSpPr>
+        <p:cNvPr id="1" name=""/>
+        <p:cNvGrpSpPr/>
+        <p:nvPr/>
+      </p:nvGrpSpPr>
+      <p:grpSpPr>
+        <a:xfrm>
+          <a:off x="0" y="0"/>
+          <a:ext cx="0" cy="0"/>
+          <a:chOff x="0" y="0"/>
+          <a:chExt cx="0" cy="0"/>
+        </a:xfrm>
+      </p:grpSpPr>
+      <p:sp>
+        <p:nvSpPr>
+          <p:cNvPr id="2" name="标题 1"/>
+          <p:cNvSpPr>
+            <a:spLocks noGrp="1"/>
+          </p:cNvSpPr>
+          <p:nvPr>
+            <p:ph type="ctrTitle"/>
+          </p:nvPr>
+        </p:nvSpPr>
+        <p:spPr/>
+        <p:txBody>
+          <a:bodyPr/>
+          <a:lstStyle/>
+          <a:p>
+            <a:r>
+              <a:rPr kumimoji="1" lang="en-US" altLang="zh-CN" dirty="0" err="1" smtClean="0">
+                <a:latin typeface="Heiti SC Light"/>
+                <a:ea typeface="Heiti SC Light"/>
+                <a:cs typeface="Heiti SC Light"/>
+              </a:rPr>
+              <a:t>Underscore.js</a:t>
+            </a:r>
+            <a:endParaRPr kumimoji="1" lang="zh-CN" altLang="en-US" dirty="0">
+              <a:latin typeface="Heiti SC Light"/>
+              <a:ea typeface="Heiti SC Light"/>
+              <a:cs typeface="Heiti SC Light"/>
+            </a:endParaRPr>
+          </a:p>
+        </p:txBody>
+      </p:sp>
+      <p:sp>
+        <p:nvSpPr>
+          <p:cNvPr id="4" name="副标题 2"/>
+          <p:cNvSpPr txBox="1">
+            <a:spLocks/>
+          </p:cNvSpPr>
+          <p:nvPr/>
+        </p:nvSpPr>
+        <p:spPr>
+          <a:xfrm>
+            <a:off x="690032" y="1616406"/>
+            <a:ext cx="7772400" cy="4153985"/>
+          </a:xfrm>
+          <a:prstGeom prst="rect">
+            <a:avLst/>
+          </a:prstGeom>
+        </p:spPr>
+        <p:txBody>
+          <a:bodyPr vert="horz" lIns="91440" tIns="45720" rIns="91440" bIns="45720" rtlCol="0" anchor="b">
+            <a:normAutofit/>
+          </a:bodyPr>
+          <a:lstStyle>
+            <a:lvl1pPr marL="0" indent="0" algn="ctr" defTabSz="914400" rtl="0" eaLnBrk="1" latinLnBrk="0" hangingPunct="1">
+              <a:spcBef>
+                <a:spcPct val="20000"/>
+              </a:spcBef>
+              <a:buClr>
+                <a:schemeClr val="accent1"/>
+              </a:buClr>
+              <a:buSzPct val="100000"/>
+              <a:buFont typeface="Symbol" pitchFamily="18" charset="2"/>
+              <a:buNone/>
+              <a:defRPr sz="2000" kern="1200">
+                <a:solidFill>
+                  <a:srgbClr val="FFFFFF"/>
+                </a:solidFill>
+                <a:latin typeface="+mn-lt"/>
+                <a:ea typeface="+mn-ea"/>
+                <a:cs typeface="+mn-cs"/>
+              </a:defRPr>
+            </a:lvl1pPr>
+            <a:lvl2pPr marL="457200" indent="0" algn="l" defTabSz="914400" rtl="0" eaLnBrk="1" latinLnBrk="0" hangingPunct="1">
+              <a:spcBef>
+                <a:spcPct val="20000"/>
+              </a:spcBef>
+              <a:buClr>
+                <a:schemeClr val="accent1"/>
+              </a:buClr>
+              <a:buSzPct val="100000"/>
+              <a:buFont typeface="Symbol" pitchFamily="18" charset="2"/>
+              <a:buNone/>
+              <a:defRPr sz="1800" kern="1200">
+                <a:solidFill>
+                  <a:schemeClr val="tx1">
+                    <a:tint val="75000"/>
+                  </a:schemeClr>
+                </a:solidFill>
+                <a:latin typeface="+mn-lt"/>
+                <a:ea typeface="+mn-ea"/>
+                <a:cs typeface="+mn-cs"/>
+              </a:defRPr>
+            </a:lvl2pPr>
+            <a:lvl3pPr marL="914400" indent="0" algn="l" defTabSz="914400" rtl="0" eaLnBrk="1" latinLnBrk="0" hangingPunct="1">
+              <a:spcBef>
+                <a:spcPct val="20000"/>
+              </a:spcBef>
+              <a:buClr>
+                <a:schemeClr val="accent1"/>
+              </a:buClr>
+              <a:buSzPct val="100000"/>
+              <a:buFont typeface="Symbol" pitchFamily="18" charset="2"/>
+              <a:buNone/>
+              <a:defRPr sz="1600" kern="1200">
+                <a:solidFill>
+                  <a:schemeClr val="tx1">
+                    <a:tint val="75000"/>
+                  </a:schemeClr>
+                </a:solidFill>
+                <a:latin typeface="+mn-lt"/>
+                <a:ea typeface="+mn-ea"/>
+                <a:cs typeface="+mn-cs"/>
+              </a:defRPr>
+            </a:lvl3pPr>
+            <a:lvl4pPr marL="1371600" indent="0" algn="l" defTabSz="914400" rtl="0" eaLnBrk="1" latinLnBrk="0" hangingPunct="1">
+              <a:spcBef>
+                <a:spcPct val="20000"/>
+              </a:spcBef>
+              <a:buClr>
+                <a:schemeClr val="accent1"/>
+              </a:buClr>
+              <a:buSzPct val="100000"/>
+              <a:buFont typeface="Symbol" pitchFamily="18" charset="2"/>
+              <a:buNone/>
+              <a:defRPr sz="1400" kern="1200">
+                <a:solidFill>
+                  <a:schemeClr val="tx1">
+                    <a:tint val="75000"/>
+                  </a:schemeClr>
+                </a:solidFill>
+                <a:latin typeface="+mn-lt"/>
+                <a:ea typeface="+mn-ea"/>
+                <a:cs typeface="+mn-cs"/>
+              </a:defRPr>
+            </a:lvl4pPr>
+            <a:lvl5pPr marL="1828800" indent="0" algn="l" defTabSz="914400" rtl="0" eaLnBrk="1" latinLnBrk="0" hangingPunct="1">
+              <a:spcBef>
+                <a:spcPct val="20000"/>
+              </a:spcBef>
+              <a:buClr>
+                <a:schemeClr val="accent1"/>
+              </a:buClr>
+              <a:buSzPct val="100000"/>
+              <a:buFont typeface="Symbol" pitchFamily="18" charset="2"/>
+              <a:buNone/>
+              <a:defRPr sz="1400" kern="1200">
+                <a:solidFill>
+                  <a:schemeClr val="tx1">
+                    <a:tint val="75000"/>
+                  </a:schemeClr>
+                </a:solidFill>
+                <a:latin typeface="+mn-lt"/>
+                <a:ea typeface="+mn-ea"/>
+                <a:cs typeface="+mn-cs"/>
+              </a:defRPr>
+            </a:lvl5pPr>
+            <a:lvl6pPr marL="2286000" indent="0" algn="l" defTabSz="914400" rtl="0" eaLnBrk="1" latinLnBrk="0" hangingPunct="1">
+              <a:spcBef>
+                <a:spcPts val="384"/>
+              </a:spcBef>
+              <a:buClr>
+                <a:schemeClr val="accent1"/>
+              </a:buClr>
+              <a:buFont typeface="Symbol" pitchFamily="18" charset="2"/>
+              <a:buNone/>
+              <a:defRPr sz="1400" kern="1200">
+                <a:solidFill>
+                  <a:schemeClr val="tx1">
+                    <a:tint val="75000"/>
+                  </a:schemeClr>
+                </a:solidFill>
+                <a:latin typeface="+mn-lt"/>
+                <a:ea typeface="+mn-ea"/>
+                <a:cs typeface="+mn-cs"/>
+              </a:defRPr>
+            </a:lvl6pPr>
+            <a:lvl7pPr marL="2743200" indent="0" algn="l" defTabSz="914400" rtl="0" eaLnBrk="1" latinLnBrk="0" hangingPunct="1">
+              <a:spcBef>
+                <a:spcPts val="384"/>
+              </a:spcBef>
+              <a:buClr>
+                <a:schemeClr val="accent1"/>
+              </a:buClr>
+              <a:buFont typeface="Symbol" pitchFamily="18" charset="2"/>
+              <a:buNone/>
+              <a:defRPr sz="1400" kern="1200">
+                <a:solidFill>
+                  <a:schemeClr val="tx1">
+                    <a:tint val="75000"/>
+                  </a:schemeClr>
+                </a:solidFill>
+                <a:latin typeface="+mn-lt"/>
+                <a:ea typeface="+mn-ea"/>
+                <a:cs typeface="+mn-cs"/>
+              </a:defRPr>
+            </a:lvl7pPr>
+            <a:lvl8pPr marL="3200400" indent="0" algn="l" defTabSz="914400" rtl="0" eaLnBrk="1" latinLnBrk="0" hangingPunct="1">
+              <a:spcBef>
+                <a:spcPts val="384"/>
+              </a:spcBef>
+              <a:buClr>
+                <a:schemeClr val="accent1"/>
+              </a:buClr>
+              <a:buFont typeface="Symbol" pitchFamily="18" charset="2"/>
+              <a:buNone/>
+              <a:defRPr sz="1400" kern="1200">
+                <a:solidFill>
+                  <a:schemeClr val="tx1">
+                    <a:tint val="75000"/>
+                  </a:schemeClr>
+                </a:solidFill>
+                <a:latin typeface="+mn-lt"/>
+                <a:ea typeface="+mn-ea"/>
+                <a:cs typeface="+mn-cs"/>
+              </a:defRPr>
+            </a:lvl8pPr>
+            <a:lvl9pPr marL="3657600" indent="0" algn="l" defTabSz="914400" rtl="0" eaLnBrk="1" latinLnBrk="0" hangingPunct="1">
+              <a:spcBef>
+                <a:spcPts val="384"/>
+              </a:spcBef>
+              <a:buClr>
+                <a:schemeClr val="accent1"/>
+              </a:buClr>
+              <a:buFont typeface="Symbol" pitchFamily="18" charset="2"/>
+              <a:buNone/>
+              <a:defRPr sz="1400" kern="1200">
+                <a:solidFill>
+                  <a:schemeClr val="tx1">
+                    <a:tint val="75000"/>
+                  </a:schemeClr>
+                </a:solidFill>
+                <a:latin typeface="+mn-lt"/>
+                <a:ea typeface="+mn-ea"/>
+                <a:cs typeface="+mn-cs"/>
+              </a:defRPr>
+            </a:lvl9pPr>
+          </a:lstStyle>
+          <a:p>
+            <a:endParaRPr kumimoji="1" lang="zh-CN" altLang="en-US" dirty="0">
+              <a:solidFill>
+                <a:schemeClr val="tx1"/>
+              </a:solidFill>
+            </a:endParaRPr>
+          </a:p>
+        </p:txBody>
+      </p:sp>
+      <p:sp>
+        <p:nvSpPr>
+          <p:cNvPr id="3" name="副标题 2"/>
+          <p:cNvSpPr>
+            <a:spLocks noGrp="1"/>
+          </p:cNvSpPr>
+          <p:nvPr>
+            <p:ph type="subTitle" idx="1"/>
+          </p:nvPr>
+        </p:nvSpPr>
+        <p:spPr/>
+        <p:txBody>
+          <a:bodyPr/>
+          <a:lstStyle/>
+          <a:p>
+            <a:endParaRPr lang="en-US" altLang="zh-CN" dirty="0" smtClean="0"/>
+          </a:p>
+          <a:p>
+            <a:r>
+              <a:rPr lang="en-US" altLang="zh-CN" dirty="0" smtClean="0"/>
+              <a:t>1000</a:t>
+            </a:r>
+            <a:r>
+              <a:rPr lang="zh-CN" altLang="en-US" dirty="0" smtClean="0"/>
+              <a:t>多行代码</a:t>
+            </a:r>
+            <a:r>
+              <a:rPr lang="en-US" altLang="zh-CN" dirty="0" smtClean="0"/>
+              <a:t>,</a:t>
+            </a:r>
+            <a:r>
+              <a:rPr lang="zh-CN" altLang="en-US" dirty="0"/>
+              <a:t> </a:t>
+            </a:r>
+            <a:r>
+              <a:rPr lang="en-US" altLang="zh-CN" dirty="0" smtClean="0"/>
+              <a:t>80</a:t>
+            </a:r>
+            <a:r>
+              <a:rPr lang="zh-CN" altLang="en-US" dirty="0" smtClean="0"/>
+              <a:t>多个</a:t>
+            </a:r>
+            <a:r>
+              <a:rPr lang="zh-CN" altLang="en-US" dirty="0"/>
+              <a:t>独立的函数</a:t>
+            </a:r>
+            <a:endParaRPr kumimoji="1" lang="zh-CN" altLang="en-US" dirty="0"/>
+          </a:p>
+        </p:txBody>
+      </p:sp>
+    </p:spTree>
+    <p:extLst>
+      <p:ext uri="{BB962C8B-B14F-4D97-AF65-F5344CB8AC3E}">
+        <p14:creationId xmlns:p14="http://schemas.microsoft.com/office/powerpoint/2010/main" val="1900835551"/>
+      </p:ext>
+    </p:extLst>
+  </p:cSld>
+  <p:clrMapOvr>
+    <a:masterClrMapping/>
+  </p:clrMapOvr>
+  <p:timing>
+    <p:tnLst>
+      <p:par>
+        <p:cTn xmlns:p14="http://schemas.microsoft.com/office/powerpoint/2010/main" id="1" dur="indefinite" restart="never" nodeType="tmRoot"/>
+      </p:par>
+    </p:tnLst>
+  </p:timing>
+</p:sld>
+</file>
+
+<file path=ppt/slides/slide33.xml><?xml version="1.0" encoding="utf-8"?>
+<p:sld xmlns:a="http://schemas.openxmlformats.org/drawingml/2006/main" xmlns:r="http://schemas.openxmlformats.org/officeDocument/2006/relationships" xmlns:p="http://schemas.openxmlformats.org/presentationml/2006/main">
+  <p:cSld>
+    <p:spTree>
+      <p:nvGrpSpPr>
+        <p:cNvPr id="1" name=""/>
+        <p:cNvGrpSpPr/>
+        <p:nvPr/>
+      </p:nvGrpSpPr>
+      <p:grpSpPr>
+        <a:xfrm>
+          <a:off x="0" y="0"/>
+          <a:ext cx="0" cy="0"/>
+          <a:chOff x="0" y="0"/>
+          <a:chExt cx="0" cy="0"/>
+        </a:xfrm>
+      </p:grpSpPr>
+      <p:sp>
+        <p:nvSpPr>
+          <p:cNvPr id="2" name="标题 1"/>
+          <p:cNvSpPr>
+            <a:spLocks noGrp="1"/>
+          </p:cNvSpPr>
+          <p:nvPr>
+            <p:ph type="title"/>
+          </p:nvPr>
+        </p:nvSpPr>
+        <p:spPr/>
+        <p:txBody>
+          <a:bodyPr>
+            <a:normAutofit/>
+          </a:bodyPr>
+          <a:lstStyle/>
+          <a:p>
+            <a:r>
+              <a:rPr kumimoji="1" lang="en-US" altLang="zh-CN" dirty="0" err="1">
+                <a:latin typeface="Heiti SC Light"/>
+                <a:ea typeface="Heiti SC Light"/>
+                <a:cs typeface="Heiti SC Light"/>
+              </a:rPr>
+              <a:t>Underscore.js</a:t>
+            </a:r>
+            <a:endParaRPr kumimoji="1" lang="zh-CN" altLang="en-US" dirty="0">
+              <a:latin typeface="Heiti SC Light"/>
+              <a:ea typeface="Heiti SC Light"/>
+              <a:cs typeface="Heiti SC Light"/>
+            </a:endParaRPr>
+          </a:p>
+        </p:txBody>
+      </p:sp>
+      <p:sp>
+        <p:nvSpPr>
+          <p:cNvPr id="8" name="内容占位符 2"/>
+          <p:cNvSpPr>
+            <a:spLocks noGrp="1"/>
+          </p:cNvSpPr>
+          <p:nvPr>
+            <p:ph idx="1"/>
+          </p:nvPr>
+        </p:nvSpPr>
+        <p:spPr>
+          <a:xfrm>
+            <a:off x="872067" y="2449054"/>
+            <a:ext cx="7408333" cy="3677109"/>
+          </a:xfrm>
+        </p:spPr>
+        <p:txBody>
+          <a:bodyPr>
+            <a:normAutofit/>
+          </a:bodyPr>
+          <a:lstStyle/>
+          <a:p>
+            <a:pPr>
+              <a:buFont typeface="Wingdings" charset="2"/>
+              <a:buChar char="Ø"/>
+            </a:pPr>
+            <a:r>
+              <a:rPr kumimoji="1" lang="zh-CN" altLang="en-US" sz="3400" dirty="0" smtClean="0">
+                <a:latin typeface="+mj-ea"/>
+                <a:ea typeface="+mj-ea"/>
+              </a:rPr>
+              <a:t>在这里我们只介绍一下集合相关函数：</a:t>
+            </a:r>
+            <a:endParaRPr kumimoji="1" lang="en-US" altLang="zh-CN" sz="3400" dirty="0" smtClean="0">
+              <a:latin typeface="+mj-ea"/>
+              <a:ea typeface="+mj-ea"/>
+            </a:endParaRPr>
+          </a:p>
+          <a:p>
+            <a:pPr marL="0" indent="0">
+              <a:buNone/>
+            </a:pPr>
+            <a:r>
+              <a:rPr kumimoji="1" lang="en-US" altLang="zh-CN" sz="1800" dirty="0">
+                <a:latin typeface="+mj-ea"/>
+                <a:ea typeface="+mj-ea"/>
+              </a:rPr>
+              <a:t>each</a:t>
+            </a:r>
+            <a:r>
+              <a:rPr kumimoji="1" lang="zh-CN" altLang="en-US" sz="1800" dirty="0">
+                <a:latin typeface="+mj-ea"/>
+                <a:ea typeface="+mj-ea"/>
+              </a:rPr>
+              <a:t>，</a:t>
+            </a:r>
+            <a:r>
+              <a:rPr kumimoji="1" lang="en-US" altLang="zh-CN" sz="1800" dirty="0">
+                <a:latin typeface="+mj-ea"/>
+                <a:ea typeface="+mj-ea"/>
+              </a:rPr>
+              <a:t>map</a:t>
+            </a:r>
+            <a:r>
+              <a:rPr kumimoji="1" lang="zh-CN" altLang="en-US" sz="1800" dirty="0">
+                <a:latin typeface="+mj-ea"/>
+                <a:ea typeface="+mj-ea"/>
+              </a:rPr>
+              <a:t>，</a:t>
+            </a:r>
+            <a:r>
+              <a:rPr kumimoji="1" lang="en-US" altLang="zh-CN" sz="1800" dirty="0">
+                <a:latin typeface="+mj-ea"/>
+                <a:ea typeface="+mj-ea"/>
+              </a:rPr>
+              <a:t>reduce</a:t>
+            </a:r>
+            <a:r>
+              <a:rPr kumimoji="1" lang="zh-CN" altLang="en-US" sz="1800" dirty="0">
+                <a:latin typeface="+mj-ea"/>
+                <a:ea typeface="+mj-ea"/>
+              </a:rPr>
+              <a:t>，</a:t>
+            </a:r>
+            <a:r>
+              <a:rPr kumimoji="1" lang="en-US" altLang="zh-CN" sz="1800" dirty="0" err="1">
+                <a:latin typeface="+mj-ea"/>
+                <a:ea typeface="+mj-ea"/>
+              </a:rPr>
+              <a:t>reduceRight</a:t>
+            </a:r>
+            <a:r>
+              <a:rPr kumimoji="1" lang="zh-CN" altLang="en-US" sz="1800" dirty="0">
+                <a:latin typeface="+mj-ea"/>
+                <a:ea typeface="+mj-ea"/>
+              </a:rPr>
+              <a:t>，</a:t>
+            </a:r>
+            <a:r>
+              <a:rPr kumimoji="1" lang="en-US" altLang="zh-CN" sz="1800" dirty="0">
+                <a:latin typeface="+mj-ea"/>
+                <a:ea typeface="+mj-ea"/>
+              </a:rPr>
+              <a:t>find</a:t>
+            </a:r>
+            <a:r>
+              <a:rPr kumimoji="1" lang="zh-CN" altLang="en-US" sz="1800" dirty="0">
+                <a:latin typeface="+mj-ea"/>
+                <a:ea typeface="+mj-ea"/>
+              </a:rPr>
+              <a:t>，</a:t>
+            </a:r>
+            <a:r>
+              <a:rPr kumimoji="1" lang="en-US" altLang="zh-CN" sz="1800" dirty="0">
+                <a:latin typeface="+mj-ea"/>
+                <a:ea typeface="+mj-ea"/>
+              </a:rPr>
+              <a:t>filter</a:t>
+            </a:r>
+            <a:r>
+              <a:rPr kumimoji="1" lang="zh-CN" altLang="en-US" sz="1800" dirty="0">
+                <a:latin typeface="+mj-ea"/>
+                <a:ea typeface="+mj-ea"/>
+              </a:rPr>
+              <a:t>，</a:t>
+            </a:r>
+            <a:r>
+              <a:rPr kumimoji="1" lang="en-US" altLang="zh-CN" sz="1800" dirty="0">
+                <a:latin typeface="+mj-ea"/>
+                <a:ea typeface="+mj-ea"/>
+              </a:rPr>
+              <a:t>where</a:t>
+            </a:r>
+            <a:r>
+              <a:rPr kumimoji="1" lang="zh-CN" altLang="en-US" sz="1800" dirty="0">
+                <a:latin typeface="+mj-ea"/>
+                <a:ea typeface="+mj-ea"/>
+              </a:rPr>
+              <a:t>，</a:t>
+            </a:r>
+            <a:r>
+              <a:rPr kumimoji="1" lang="en-US" altLang="zh-CN" sz="1800" dirty="0" err="1">
+                <a:latin typeface="+mj-ea"/>
+                <a:ea typeface="+mj-ea"/>
+              </a:rPr>
+              <a:t>findWhere</a:t>
+            </a:r>
+            <a:r>
+              <a:rPr kumimoji="1" lang="zh-CN" altLang="en-US" sz="1800" dirty="0">
+                <a:latin typeface="+mj-ea"/>
+                <a:ea typeface="+mj-ea"/>
+              </a:rPr>
+              <a:t>，</a:t>
+            </a:r>
+            <a:r>
+              <a:rPr kumimoji="1" lang="en-US" altLang="zh-CN" sz="1800" dirty="0">
+                <a:latin typeface="+mj-ea"/>
+                <a:ea typeface="+mj-ea"/>
+              </a:rPr>
+              <a:t>reject</a:t>
+            </a:r>
+            <a:r>
+              <a:rPr kumimoji="1" lang="zh-CN" altLang="en-US" sz="1800" dirty="0">
+                <a:latin typeface="+mj-ea"/>
+                <a:ea typeface="+mj-ea"/>
+              </a:rPr>
+              <a:t>，</a:t>
+            </a:r>
+            <a:r>
+              <a:rPr kumimoji="1" lang="en-US" altLang="zh-CN" sz="1800" dirty="0">
+                <a:latin typeface="+mj-ea"/>
+                <a:ea typeface="+mj-ea"/>
+              </a:rPr>
+              <a:t>every</a:t>
+            </a:r>
+            <a:r>
+              <a:rPr kumimoji="1" lang="zh-CN" altLang="en-US" sz="1800" dirty="0">
+                <a:latin typeface="+mj-ea"/>
+                <a:ea typeface="+mj-ea"/>
+              </a:rPr>
+              <a:t>，</a:t>
+            </a:r>
+            <a:r>
+              <a:rPr kumimoji="1" lang="en-US" altLang="zh-CN" sz="1800" dirty="0">
+                <a:latin typeface="+mj-ea"/>
+                <a:ea typeface="+mj-ea"/>
+              </a:rPr>
+              <a:t>some</a:t>
+            </a:r>
+            <a:r>
+              <a:rPr kumimoji="1" lang="zh-CN" altLang="en-US" sz="1800" dirty="0">
+                <a:latin typeface="+mj-ea"/>
+                <a:ea typeface="+mj-ea"/>
+              </a:rPr>
+              <a:t>，</a:t>
+            </a:r>
+            <a:r>
+              <a:rPr kumimoji="1" lang="en-US" altLang="zh-CN" sz="1800" dirty="0">
+                <a:latin typeface="+mj-ea"/>
+                <a:ea typeface="+mj-ea"/>
+              </a:rPr>
+              <a:t>contains</a:t>
+            </a:r>
+            <a:r>
+              <a:rPr kumimoji="1" lang="zh-CN" altLang="en-US" sz="1800" dirty="0">
+                <a:latin typeface="+mj-ea"/>
+                <a:ea typeface="+mj-ea"/>
+              </a:rPr>
+              <a:t>，</a:t>
+            </a:r>
+            <a:r>
+              <a:rPr kumimoji="1" lang="en-US" altLang="zh-CN" sz="1800" dirty="0">
+                <a:latin typeface="+mj-ea"/>
+                <a:ea typeface="+mj-ea"/>
+              </a:rPr>
+              <a:t>invoke</a:t>
+            </a:r>
+            <a:r>
+              <a:rPr kumimoji="1" lang="zh-CN" altLang="en-US" sz="1800" dirty="0">
+                <a:latin typeface="+mj-ea"/>
+                <a:ea typeface="+mj-ea"/>
+              </a:rPr>
+              <a:t>，</a:t>
+            </a:r>
+            <a:r>
+              <a:rPr kumimoji="1" lang="en-US" altLang="zh-CN" sz="1800" dirty="0">
+                <a:latin typeface="+mj-ea"/>
+                <a:ea typeface="+mj-ea"/>
+              </a:rPr>
+              <a:t>pluck</a:t>
+            </a:r>
+            <a:r>
+              <a:rPr kumimoji="1" lang="zh-CN" altLang="en-US" sz="1800" dirty="0">
+                <a:latin typeface="+mj-ea"/>
+                <a:ea typeface="+mj-ea"/>
+              </a:rPr>
+              <a:t>，</a:t>
+            </a:r>
+            <a:r>
+              <a:rPr kumimoji="1" lang="en-US" altLang="zh-CN" sz="1800" dirty="0">
+                <a:latin typeface="+mj-ea"/>
+                <a:ea typeface="+mj-ea"/>
+              </a:rPr>
+              <a:t>max</a:t>
+            </a:r>
+            <a:r>
+              <a:rPr kumimoji="1" lang="zh-CN" altLang="en-US" sz="1800" dirty="0">
+                <a:latin typeface="+mj-ea"/>
+                <a:ea typeface="+mj-ea"/>
+              </a:rPr>
+              <a:t>，</a:t>
+            </a:r>
+            <a:r>
+              <a:rPr kumimoji="1" lang="en-US" altLang="zh-CN" sz="1800" dirty="0">
+                <a:latin typeface="+mj-ea"/>
+                <a:ea typeface="+mj-ea"/>
+              </a:rPr>
+              <a:t>min</a:t>
+            </a:r>
+            <a:r>
+              <a:rPr kumimoji="1" lang="zh-CN" altLang="en-US" sz="1800" dirty="0">
+                <a:latin typeface="+mj-ea"/>
+                <a:ea typeface="+mj-ea"/>
+              </a:rPr>
+              <a:t>，</a:t>
+            </a:r>
+            <a:r>
+              <a:rPr kumimoji="1" lang="en-US" altLang="zh-CN" sz="1800" dirty="0" err="1">
+                <a:latin typeface="+mj-ea"/>
+                <a:ea typeface="+mj-ea"/>
+              </a:rPr>
+              <a:t>sortBy</a:t>
+            </a:r>
+            <a:r>
+              <a:rPr kumimoji="1" lang="zh-CN" altLang="en-US" sz="1800" dirty="0">
+                <a:latin typeface="+mj-ea"/>
+                <a:ea typeface="+mj-ea"/>
+              </a:rPr>
+              <a:t>，</a:t>
+            </a:r>
+            <a:r>
+              <a:rPr kumimoji="1" lang="en-US" altLang="zh-CN" sz="1800" dirty="0" err="1">
+                <a:latin typeface="+mj-ea"/>
+                <a:ea typeface="+mj-ea"/>
+              </a:rPr>
+              <a:t>groupBy</a:t>
+            </a:r>
+            <a:r>
+              <a:rPr kumimoji="1" lang="zh-CN" altLang="en-US" sz="1800" dirty="0">
+                <a:latin typeface="+mj-ea"/>
+                <a:ea typeface="+mj-ea"/>
+              </a:rPr>
+              <a:t>，</a:t>
+            </a:r>
+            <a:r>
+              <a:rPr kumimoji="1" lang="en-US" altLang="zh-CN" sz="1800" dirty="0" err="1">
+                <a:latin typeface="+mj-ea"/>
+                <a:ea typeface="+mj-ea"/>
+              </a:rPr>
+              <a:t>indexBy</a:t>
+            </a:r>
+            <a:r>
+              <a:rPr kumimoji="1" lang="zh-CN" altLang="en-US" sz="1800" dirty="0">
+                <a:latin typeface="+mj-ea"/>
+                <a:ea typeface="+mj-ea"/>
+              </a:rPr>
+              <a:t>，</a:t>
+            </a:r>
+            <a:r>
+              <a:rPr kumimoji="1" lang="en-US" altLang="zh-CN" sz="1800" dirty="0" err="1">
+                <a:latin typeface="+mj-ea"/>
+                <a:ea typeface="+mj-ea"/>
+              </a:rPr>
+              <a:t>countBy</a:t>
+            </a:r>
+            <a:r>
+              <a:rPr kumimoji="1" lang="zh-CN" altLang="en-US" sz="1800" dirty="0">
+                <a:latin typeface="+mj-ea"/>
+                <a:ea typeface="+mj-ea"/>
+              </a:rPr>
+              <a:t>，</a:t>
+            </a:r>
+            <a:r>
+              <a:rPr kumimoji="1" lang="en-US" altLang="zh-CN" sz="1800" dirty="0">
+                <a:latin typeface="+mj-ea"/>
+                <a:ea typeface="+mj-ea"/>
+              </a:rPr>
+              <a:t>shuffle</a:t>
+            </a:r>
+            <a:r>
+              <a:rPr kumimoji="1" lang="zh-CN" altLang="en-US" sz="1800" dirty="0">
+                <a:latin typeface="+mj-ea"/>
+                <a:ea typeface="+mj-ea"/>
+              </a:rPr>
+              <a:t>，</a:t>
+            </a:r>
+            <a:r>
+              <a:rPr kumimoji="1" lang="en-US" altLang="zh-CN" sz="1800" dirty="0">
+                <a:latin typeface="+mj-ea"/>
+                <a:ea typeface="+mj-ea"/>
+              </a:rPr>
+              <a:t>sample</a:t>
+            </a:r>
+            <a:r>
+              <a:rPr kumimoji="1" lang="zh-CN" altLang="en-US" sz="1800" dirty="0">
+                <a:latin typeface="+mj-ea"/>
+                <a:ea typeface="+mj-ea"/>
+              </a:rPr>
+              <a:t>，</a:t>
+            </a:r>
+            <a:r>
+              <a:rPr kumimoji="1" lang="en-US" altLang="zh-CN" sz="1800" dirty="0" err="1">
+                <a:latin typeface="+mj-ea"/>
+                <a:ea typeface="+mj-ea"/>
+              </a:rPr>
+              <a:t>toArray</a:t>
+            </a:r>
+            <a:r>
+              <a:rPr kumimoji="1" lang="zh-CN" altLang="en-US" sz="1800" dirty="0">
+                <a:latin typeface="+mj-ea"/>
+                <a:ea typeface="+mj-ea"/>
+              </a:rPr>
+              <a:t>，</a:t>
+            </a:r>
+            <a:r>
+              <a:rPr kumimoji="1" lang="en-US" altLang="zh-CN" sz="1800" dirty="0">
+                <a:latin typeface="+mj-ea"/>
+                <a:ea typeface="+mj-ea"/>
+              </a:rPr>
+              <a:t>size</a:t>
+            </a:r>
+            <a:endParaRPr kumimoji="1" lang="en-US" altLang="zh-CN" sz="3400" dirty="0">
+              <a:latin typeface="+mj-ea"/>
+              <a:ea typeface="+mj-ea"/>
+            </a:endParaRPr>
+          </a:p>
+          <a:p>
+            <a:pPr marL="0" indent="0">
+              <a:buNone/>
+            </a:pPr>
+            <a:endParaRPr kumimoji="1" lang="zh-CN" altLang="en-US" sz="3400" dirty="0">
+              <a:latin typeface="+mj-ea"/>
+              <a:ea typeface="+mj-ea"/>
+            </a:endParaRPr>
+          </a:p>
+        </p:txBody>
+      </p:sp>
+    </p:spTree>
+    <p:extLst>
+      <p:ext uri="{BB962C8B-B14F-4D97-AF65-F5344CB8AC3E}">
+        <p14:creationId xmlns:p14="http://schemas.microsoft.com/office/powerpoint/2010/main" val="3270779404"/>
       </p:ext>
     </p:extLst>
   </p:cSld>

--- a/JavaScriptFunctionObject.pptx
+++ b/JavaScriptFunctionObject.pptx
@@ -29303,11 +29303,53 @@
               <a:t>，</a:t>
             </a:r>
             <a:r>
-              <a:rPr kumimoji="1" lang="en-US" altLang="zh-CN" sz="1800" dirty="0">
+              <a:rPr kumimoji="1" lang="en-US" altLang="zh-CN" sz="1800" dirty="0" smtClean="0">
                 <a:latin typeface="+mj-ea"/>
                 <a:ea typeface="+mj-ea"/>
               </a:rPr>
               <a:t>size</a:t>
+            </a:r>
+          </a:p>
+          <a:p>
+            <a:pPr marL="0" indent="0">
+              <a:buNone/>
+            </a:pPr>
+            <a:endParaRPr kumimoji="1" lang="en-US" altLang="zh-CN" sz="1800" dirty="0">
+              <a:latin typeface="+mj-ea"/>
+              <a:ea typeface="+mj-ea"/>
+            </a:endParaRPr>
+          </a:p>
+          <a:p>
+            <a:pPr marL="0" indent="0">
+              <a:buNone/>
+            </a:pPr>
+            <a:r>
+              <a:rPr kumimoji="1" lang="zh-CN" altLang="zh-CN" sz="1800" dirty="0" smtClean="0">
+                <a:latin typeface="+mj-ea"/>
+                <a:ea typeface="+mj-ea"/>
+              </a:rPr>
+              <a:t>c</a:t>
+            </a:r>
+            <a:r>
+              <a:rPr kumimoji="1" lang="en-US" altLang="zh-CN" sz="1800" dirty="0" err="1" smtClean="0">
+                <a:latin typeface="+mj-ea"/>
+                <a:ea typeface="+mj-ea"/>
+              </a:rPr>
+              <a:t>hain</a:t>
+            </a:r>
+            <a:r>
+              <a:rPr kumimoji="1" lang="zh-CN" altLang="zh-CN" sz="1800" dirty="0" smtClean="0">
+                <a:latin typeface="+mj-ea"/>
+                <a:ea typeface="+mj-ea"/>
+              </a:rPr>
+              <a:t>/</a:t>
+            </a:r>
+            <a:r>
+              <a:rPr kumimoji="1" lang="en-US" altLang="zh-CN" sz="1800" dirty="0" smtClean="0">
+                <a:latin typeface="+mj-ea"/>
+                <a:ea typeface="+mj-ea"/>
+              </a:rPr>
+              <a:t>value</a:t>
             </a:r>
             <a:endParaRPr kumimoji="1" lang="en-US" altLang="zh-CN" sz="3400" dirty="0">
               <a:latin typeface="+mj-ea"/>

--- a/JavaScriptFunctionObject.pptx
+++ b/JavaScriptFunctionObject.pptx
@@ -224,7 +224,7 @@
           <a:p>
             <a:fld id="{317286D4-F5AA-6C46-BE6D-415A806E88D7}" type="datetimeFigureOut">
               <a:rPr kumimoji="1" lang="zh-CN" altLang="en-US" smtClean="0"/>
-              <a:t>13-10-3</a:t>
+              <a:t>2013/10/5</a:t>
             </a:fld>
             <a:endParaRPr kumimoji="1" lang="zh-CN" altLang="en-US"/>
           </a:p>
@@ -4637,7 +4637,7 @@
             <a:fld id="{E30E2307-1E40-4E12-8716-25BFDA8E7013}" type="datetime1">
               <a:rPr lang="en-US" smtClean="0"/>
               <a:pPr/>
-              <a:t>13-10-2</a:t>
+              <a:t>10/5/2013</a:t>
             </a:fld>
             <a:endParaRPr lang="en-US"/>
           </a:p>
@@ -4820,7 +4820,7 @@
             <a:fld id="{E5CFCF5A-EA79-452C-A52C-1A2668C2E7DF}" type="datetime1">
               <a:rPr lang="en-US" smtClean="0"/>
               <a:pPr/>
-              <a:t>13-10-2</a:t>
+              <a:t>10/5/2013</a:t>
             </a:fld>
             <a:endParaRPr lang="en-US"/>
           </a:p>
@@ -4973,7 +4973,7 @@
             <a:fld id="{2E5C4C28-BD4B-4892-9A2D-6E19BD753A9A}" type="datetime1">
               <a:rPr lang="en-US" smtClean="0"/>
               <a:pPr/>
-              <a:t>13-10-2</a:t>
+              <a:t>10/5/2013</a:t>
             </a:fld>
             <a:endParaRPr lang="en-US"/>
           </a:p>
@@ -6801,7 +6801,7 @@
             <a:fld id="{61FD9D02-426E-46C9-9EE9-0DE1EF8B2838}" type="datetime1">
               <a:rPr lang="en-US" smtClean="0"/>
               <a:pPr/>
-              <a:t>13-10-2</a:t>
+              <a:t>10/5/2013</a:t>
             </a:fld>
             <a:endParaRPr lang="en-US"/>
           </a:p>
@@ -8673,7 +8673,7 @@
             <a:fld id="{7B8AEBBE-F8B2-42CF-9895-E86A608384EB}" type="datetime1">
               <a:rPr lang="en-US" smtClean="0"/>
               <a:pPr/>
-              <a:t>13-10-2</a:t>
+              <a:t>10/5/2013</a:t>
             </a:fld>
             <a:endParaRPr lang="en-US"/>
           </a:p>
@@ -8788,7 +8788,7 @@
             <a:fld id="{E1FAA6B6-10E5-4810-BC9F-DA72D8452E73}" type="datetime1">
               <a:rPr lang="en-US" smtClean="0"/>
               <a:pPr/>
-              <a:t>13-10-2</a:t>
+              <a:t>10/5/2013</a:t>
             </a:fld>
             <a:endParaRPr lang="en-US"/>
           </a:p>
@@ -9331,7 +9331,7 @@
             <a:fld id="{6D18D072-EF12-4AA2-BD71-ABC68B06D0E2}" type="datetime1">
               <a:rPr lang="en-US" smtClean="0"/>
               <a:pPr/>
-              <a:t>13-10-2</a:t>
+              <a:t>10/5/2013</a:t>
             </a:fld>
             <a:endParaRPr lang="en-US"/>
           </a:p>
@@ -9446,7 +9446,7 @@
             <a:fld id="{B8CDBF60-6CC3-4B74-A60D-3486985E4346}" type="datetime1">
               <a:rPr lang="en-US" smtClean="0"/>
               <a:pPr/>
-              <a:t>13-10-2</a:t>
+              <a:t>10/5/2013</a:t>
             </a:fld>
             <a:endParaRPr lang="en-US"/>
           </a:p>
@@ -11159,7 +11159,7 @@
             <a:fld id="{22714818-984F-4759-BF72-A33BDC1963BD}" type="datetime1">
               <a:rPr lang="en-US" smtClean="0"/>
               <a:pPr/>
-              <a:t>13-10-2</a:t>
+              <a:t>10/5/2013</a:t>
             </a:fld>
             <a:endParaRPr lang="en-US"/>
           </a:p>
@@ -11312,7 +11312,7 @@
             <a:fld id="{9EA7E191-5F94-4FC1-B823-BD7CABF7FA06}" type="datetime1">
               <a:rPr lang="en-US" smtClean="0"/>
               <a:pPr/>
-              <a:t>13-10-2</a:t>
+              <a:t>10/5/2013</a:t>
             </a:fld>
             <a:endParaRPr lang="en-US"/>
           </a:p>
@@ -14929,7 +14929,7 @@
             <a:fld id="{88856D55-EFBE-4F9B-8A5F-09D42CA22A9B}" type="datetime1">
               <a:rPr lang="en-US" smtClean="0"/>
               <a:pPr/>
-              <a:t>13-10-2</a:t>
+              <a:t>10/5/2013</a:t>
             </a:fld>
             <a:endParaRPr lang="en-US"/>
           </a:p>
@@ -16790,7 +16790,7 @@
             <a:fld id="{9D1D110F-3F4E-48D9-B8AA-5D0E825AFDBA}" type="datetime1">
               <a:rPr lang="en-US" smtClean="0"/>
               <a:pPr/>
-              <a:t>13-10-2</a:t>
+              <a:t>10/5/2013</a:t>
             </a:fld>
             <a:endParaRPr lang="en-US"/>
           </a:p>
@@ -17386,7 +17386,7 @@
   <p:timing>
     <p:tnLst>
       <p:par>
-        <p:cTn xmlns:p14="http://schemas.microsoft.com/office/powerpoint/2010/main" id="1" dur="indefinite" restart="never" nodeType="tmRoot"/>
+        <p:cTn id="1" dur="indefinite" restart="never" nodeType="tmRoot"/>
       </p:par>
     </p:tnLst>
   </p:timing>
@@ -17696,7 +17696,7 @@
   <p:timing>
     <p:tnLst>
       <p:par>
-        <p:cTn xmlns:p14="http://schemas.microsoft.com/office/powerpoint/2010/main" id="1" dur="indefinite" restart="never" nodeType="tmRoot"/>
+        <p:cTn id="1" dur="indefinite" restart="never" nodeType="tmRoot"/>
       </p:par>
     </p:tnLst>
   </p:timing>
@@ -18578,7 +18578,7 @@
   <p:timing>
     <p:tnLst>
       <p:par>
-        <p:cTn xmlns:p14="http://schemas.microsoft.com/office/powerpoint/2010/main" id="1" dur="indefinite" restart="never" nodeType="tmRoot">
+        <p:cTn id="1" dur="indefinite" restart="never" nodeType="tmRoot">
           <p:childTnLst>
             <p:seq concurrent="1" nextAc="seek">
               <p:cTn id="2" dur="indefinite" nodeType="mainSeq">
@@ -19549,7 +19549,7 @@
   <p:timing>
     <p:tnLst>
       <p:par>
-        <p:cTn xmlns:p14="http://schemas.microsoft.com/office/powerpoint/2010/main" id="1" dur="indefinite" restart="never" nodeType="tmRoot"/>
+        <p:cTn id="1" dur="indefinite" restart="never" nodeType="tmRoot"/>
       </p:par>
     </p:tnLst>
   </p:timing>
@@ -19874,7 +19874,7 @@
   <p:timing>
     <p:tnLst>
       <p:par>
-        <p:cTn xmlns:p14="http://schemas.microsoft.com/office/powerpoint/2010/main" id="1" dur="indefinite" restart="never" nodeType="tmRoot"/>
+        <p:cTn id="1" dur="indefinite" restart="never" nodeType="tmRoot"/>
       </p:par>
     </p:tnLst>
   </p:timing>
@@ -20332,7 +20332,7 @@
   <p:timing>
     <p:tnLst>
       <p:par>
-        <p:cTn xmlns:p14="http://schemas.microsoft.com/office/powerpoint/2010/main" id="1" dur="indefinite" restart="never" nodeType="tmRoot"/>
+        <p:cTn id="1" dur="indefinite" restart="never" nodeType="tmRoot"/>
       </p:par>
     </p:tnLst>
   </p:timing>
@@ -20857,7 +20857,7 @@
   <p:timing>
     <p:tnLst>
       <p:par>
-        <p:cTn xmlns:p14="http://schemas.microsoft.com/office/powerpoint/2010/main" id="1" dur="indefinite" restart="never" nodeType="tmRoot"/>
+        <p:cTn id="1" dur="indefinite" restart="never" nodeType="tmRoot"/>
       </p:par>
     </p:tnLst>
   </p:timing>
@@ -21712,7 +21712,7 @@
   <p:timing>
     <p:tnLst>
       <p:par>
-        <p:cTn xmlns:p14="http://schemas.microsoft.com/office/powerpoint/2010/main" id="1" dur="indefinite" restart="never" nodeType="tmRoot">
+        <p:cTn id="1" dur="indefinite" restart="never" nodeType="tmRoot">
           <p:childTnLst>
             <p:seq concurrent="1" nextAc="seek">
               <p:cTn id="2" dur="indefinite" nodeType="mainSeq">
@@ -22328,7 +22328,7 @@
   <p:timing>
     <p:tnLst>
       <p:par>
-        <p:cTn xmlns:p14="http://schemas.microsoft.com/office/powerpoint/2010/main" id="1" dur="indefinite" restart="never" nodeType="tmRoot"/>
+        <p:cTn id="1" dur="indefinite" restart="never" nodeType="tmRoot"/>
       </p:par>
     </p:tnLst>
   </p:timing>
@@ -22791,7 +22791,7 @@
   <p:timing>
     <p:tnLst>
       <p:par>
-        <p:cTn xmlns:p14="http://schemas.microsoft.com/office/powerpoint/2010/main" id="1" dur="indefinite" restart="never" nodeType="tmRoot"/>
+        <p:cTn id="1" dur="indefinite" restart="never" nodeType="tmRoot"/>
       </p:par>
     </p:tnLst>
   </p:timing>
@@ -23371,7 +23371,7 @@
   <p:timing>
     <p:tnLst>
       <p:par>
-        <p:cTn xmlns:p14="http://schemas.microsoft.com/office/powerpoint/2010/main" id="1" dur="indefinite" restart="never" nodeType="tmRoot"/>
+        <p:cTn id="1" dur="indefinite" restart="never" nodeType="tmRoot"/>
       </p:par>
     </p:tnLst>
   </p:timing>
@@ -23474,15 +23474,7 @@
                 <a:ea typeface="Heiti SC Light"/>
                 <a:cs typeface="Heiti SC Light"/>
               </a:rPr>
-              <a:t>对象的</a:t>
-            </a:r>
-            <a:r>
-              <a:rPr kumimoji="1" lang="zh-CN" altLang="en-US" dirty="0" smtClean="0">
-                <a:latin typeface="Heiti SC Light"/>
-                <a:ea typeface="Heiti SC Light"/>
-                <a:cs typeface="Heiti SC Light"/>
-              </a:rPr>
-              <a:t>用法</a:t>
+              <a:t>对象的用法</a:t>
             </a:r>
             <a:endParaRPr kumimoji="1" lang="en-US" altLang="zh-CN" dirty="0" smtClean="0">
               <a:latin typeface="Heiti SC Light"/>
@@ -23805,7 +23797,7 @@
   <p:timing>
     <p:tnLst>
       <p:par>
-        <p:cTn xmlns:p14="http://schemas.microsoft.com/office/powerpoint/2010/main" id="1" dur="indefinite" restart="never" nodeType="tmRoot"/>
+        <p:cTn id="1" dur="indefinite" restart="never" nodeType="tmRoot"/>
       </p:par>
     </p:tnLst>
   </p:timing>
@@ -24298,7 +24290,7 @@
   <p:timing>
     <p:tnLst>
       <p:par>
-        <p:cTn xmlns:p14="http://schemas.microsoft.com/office/powerpoint/2010/main" id="1" dur="indefinite" restart="never" nodeType="tmRoot"/>
+        <p:cTn id="1" dur="indefinite" restart="never" nodeType="tmRoot"/>
       </p:par>
     </p:tnLst>
   </p:timing>
@@ -24804,7 +24796,7 @@
   <p:timing>
     <p:tnLst>
       <p:par>
-        <p:cTn xmlns:p14="http://schemas.microsoft.com/office/powerpoint/2010/main" id="1" dur="indefinite" restart="never" nodeType="tmRoot"/>
+        <p:cTn id="1" dur="indefinite" restart="never" nodeType="tmRoot"/>
       </p:par>
     </p:tnLst>
   </p:timing>
@@ -25004,15 +24996,7 @@
                 <a:ea typeface="Heiti SC Light"/>
                 <a:cs typeface="Heiti SC Light"/>
               </a:rPr>
-              <a:t>b</a:t>
-            </a:r>
-            <a:r>
-              <a:rPr kumimoji="1" lang="en-US" altLang="zh-CN" dirty="0" smtClean="0">
-                <a:latin typeface="Heiti SC Light"/>
-                <a:ea typeface="Heiti SC Light"/>
-                <a:cs typeface="Heiti SC Light"/>
-              </a:rPr>
-              <a:t>ind()</a:t>
+              <a:t>bind()</a:t>
             </a:r>
             <a:r>
               <a:rPr kumimoji="1" lang="zh-CN" altLang="en-US" dirty="0" smtClean="0">
@@ -25258,7 +25242,7 @@
   <p:timing>
     <p:tnLst>
       <p:par>
-        <p:cTn xmlns:p14="http://schemas.microsoft.com/office/powerpoint/2010/main" id="1" dur="indefinite" restart="never" nodeType="tmRoot"/>
+        <p:cTn id="1" dur="indefinite" restart="never" nodeType="tmRoot"/>
       </p:par>
     </p:tnLst>
   </p:timing>
@@ -25576,7 +25560,7 @@
   <p:timing>
     <p:tnLst>
       <p:par>
-        <p:cTn xmlns:p14="http://schemas.microsoft.com/office/powerpoint/2010/main" id="1" dur="indefinite" restart="never" nodeType="tmRoot"/>
+        <p:cTn id="1" dur="indefinite" restart="never" nodeType="tmRoot"/>
       </p:par>
     </p:tnLst>
   </p:timing>
@@ -25989,7 +25973,7 @@
   <p:timing>
     <p:tnLst>
       <p:par>
-        <p:cTn xmlns:p14="http://schemas.microsoft.com/office/powerpoint/2010/main" id="1" dur="indefinite" restart="never" nodeType="tmRoot"/>
+        <p:cTn id="1" dur="indefinite" restart="never" nodeType="tmRoot"/>
       </p:par>
     </p:tnLst>
   </p:timing>
@@ -26358,7 +26342,7 @@
   <p:timing>
     <p:tnLst>
       <p:par>
-        <p:cTn xmlns:p14="http://schemas.microsoft.com/office/powerpoint/2010/main" id="1" dur="indefinite" restart="never" nodeType="tmRoot"/>
+        <p:cTn id="1" dur="indefinite" restart="never" nodeType="tmRoot"/>
       </p:par>
     </p:tnLst>
   </p:timing>
@@ -26752,7 +26736,7 @@
   <p:timing>
     <p:tnLst>
       <p:par>
-        <p:cTn xmlns:p14="http://schemas.microsoft.com/office/powerpoint/2010/main" id="1" dur="indefinite" restart="never" nodeType="tmRoot"/>
+        <p:cTn id="1" dur="indefinite" restart="never" nodeType="tmRoot"/>
       </p:par>
     </p:tnLst>
   </p:timing>
@@ -27017,7 +27001,7 @@
   <p:timing>
     <p:tnLst>
       <p:par>
-        <p:cTn xmlns:p14="http://schemas.microsoft.com/office/powerpoint/2010/main" id="1" dur="indefinite" restart="never" nodeType="tmRoot">
+        <p:cTn id="1" dur="indefinite" restart="never" nodeType="tmRoot">
           <p:childTnLst>
             <p:seq concurrent="1" nextAc="seek">
               <p:cTn id="2" dur="indefinite" nodeType="mainSeq">
@@ -27258,7 +27242,7 @@
   <p:timing>
     <p:tnLst>
       <p:par>
-        <p:cTn xmlns:p14="http://schemas.microsoft.com/office/powerpoint/2010/main" id="1" dur="indefinite" restart="never" nodeType="tmRoot"/>
+        <p:cTn id="1" dur="indefinite" restart="never" nodeType="tmRoot"/>
       </p:par>
     </p:tnLst>
   </p:timing>
@@ -27497,7 +27481,7 @@
   <p:timing>
     <p:tnLst>
       <p:par>
-        <p:cTn xmlns:p14="http://schemas.microsoft.com/office/powerpoint/2010/main" id="1" dur="indefinite" restart="never" nodeType="tmRoot"/>
+        <p:cTn id="1" dur="indefinite" restart="never" nodeType="tmRoot"/>
       </p:par>
     </p:tnLst>
   </p:timing>
@@ -27717,15 +27701,7 @@
                 <a:ea typeface="Heiti SC Light"/>
                 <a:cs typeface="Heiti SC Light"/>
               </a:rPr>
-              <a:t>执行</a:t>
-            </a:r>
-            <a:r>
-              <a:rPr kumimoji="1" lang="zh-CN" altLang="en-US" dirty="0" smtClean="0">
-                <a:latin typeface="Heiti SC Light"/>
-                <a:ea typeface="Heiti SC Light"/>
-                <a:cs typeface="Heiti SC Light"/>
-              </a:rPr>
-              <a:t>超快速</a:t>
+              <a:t>执行超快速</a:t>
             </a:r>
             <a:endParaRPr kumimoji="1" lang="en-US" altLang="zh-CN" dirty="0">
               <a:latin typeface="Heiti SC Light"/>
@@ -28154,7 +28130,7 @@
   <p:timing>
     <p:tnLst>
       <p:par>
-        <p:cTn xmlns:p14="http://schemas.microsoft.com/office/powerpoint/2010/main" id="1" dur="indefinite" restart="never" nodeType="tmRoot"/>
+        <p:cTn id="1" dur="indefinite" restart="never" nodeType="tmRoot"/>
       </p:par>
     </p:tnLst>
   </p:timing>
@@ -28201,15 +28177,7 @@
                 <a:ea typeface="Heiti SC Light"/>
                 <a:cs typeface="Heiti SC Light"/>
               </a:rPr>
-              <a:t>set</a:t>
-            </a:r>
-            <a:r>
-              <a:rPr kumimoji="1" lang="en-US" altLang="zh-CN" dirty="0" err="1" smtClean="0">
-                <a:latin typeface="Heiti SC Light"/>
-                <a:ea typeface="Heiti SC Light"/>
-                <a:cs typeface="Heiti SC Light"/>
-              </a:rPr>
-              <a:t>Timeout</a:t>
+              <a:t>setTimeout</a:t>
             </a:r>
             <a:r>
               <a:rPr kumimoji="1" lang="en-US" altLang="zh-CN" dirty="0" smtClean="0">
@@ -28430,7 +28398,7 @@
   <p:timing>
     <p:tnLst>
       <p:par>
-        <p:cTn xmlns:p14="http://schemas.microsoft.com/office/powerpoint/2010/main" id="1" dur="indefinite" restart="never" nodeType="tmRoot"/>
+        <p:cTn id="1" dur="indefinite" restart="never" nodeType="tmRoot"/>
       </p:par>
     </p:tnLst>
   </p:timing>
@@ -28477,15 +28445,7 @@
                 <a:ea typeface="Heiti SC Light"/>
                 <a:cs typeface="Heiti SC Light"/>
               </a:rPr>
-              <a:t>set</a:t>
-            </a:r>
-            <a:r>
-              <a:rPr kumimoji="1" lang="en-US" altLang="zh-CN" dirty="0" err="1" smtClean="0">
-                <a:latin typeface="Heiti SC Light"/>
-                <a:ea typeface="Heiti SC Light"/>
-                <a:cs typeface="Heiti SC Light"/>
-              </a:rPr>
-              <a:t>Timeout</a:t>
+              <a:t>setTimeout</a:t>
             </a:r>
             <a:r>
               <a:rPr kumimoji="1" lang="en-US" altLang="zh-CN" dirty="0" smtClean="0">
@@ -28548,7 +28508,7 @@
   <p:timing>
     <p:tnLst>
       <p:par>
-        <p:cTn xmlns:p14="http://schemas.microsoft.com/office/powerpoint/2010/main" id="1" dur="indefinite" restart="never" nodeType="tmRoot"/>
+        <p:cTn id="1" dur="indefinite" restart="never" nodeType="tmRoot"/>
       </p:par>
     </p:tnLst>
   </p:timing>
@@ -28881,7 +28841,7 @@
   <p:timing>
     <p:tnLst>
       <p:par>
-        <p:cTn xmlns:p14="http://schemas.microsoft.com/office/powerpoint/2010/main" id="1" dur="indefinite" restart="never" nodeType="tmRoot"/>
+        <p:cTn id="1" dur="indefinite" restart="never" nodeType="tmRoot"/>
       </p:par>
     </p:tnLst>
   </p:timing>
@@ -28951,7 +28911,7 @@
         <p:spPr>
           <a:xfrm>
             <a:off x="872067" y="2449054"/>
-            <a:ext cx="7408333" cy="3677109"/>
+            <a:ext cx="4971521" cy="3677109"/>
           </a:xfrm>
         </p:spPr>
         <p:txBody>
@@ -29367,6 +29327,60 @@
           </a:p>
         </p:txBody>
       </p:sp>
+      <p:pic>
+        <p:nvPicPr>
+          <p:cNvPr id="1026" name="Picture 2"/>
+          <p:cNvPicPr>
+            <a:picLocks noChangeAspect="1" noChangeArrowheads="1"/>
+          </p:cNvPicPr>
+          <p:nvPr/>
+        </p:nvPicPr>
+        <p:blipFill>
+          <a:blip r:embed="rId3" cstate="email">
+            <a:extLst>
+              <a:ext uri="{28A0092B-C50C-407E-A947-70E740481C1C}">
+                <a14:useLocalDpi xmlns:a14="http://schemas.microsoft.com/office/drawing/2010/main" val="0"/>
+              </a:ext>
+            </a:extLst>
+          </a:blip>
+          <a:srcRect/>
+          <a:stretch>
+            <a:fillRect/>
+          </a:stretch>
+        </p:blipFill>
+        <p:spPr bwMode="auto">
+          <a:xfrm>
+            <a:off x="6172201" y="2786062"/>
+            <a:ext cx="2257424" cy="2962600"/>
+          </a:xfrm>
+          <a:prstGeom prst="rect">
+            <a:avLst/>
+          </a:prstGeom>
+          <a:noFill/>
+          <a:ln>
+            <a:noFill/>
+          </a:ln>
+          <a:extLst>
+            <a:ext uri="{909E8E84-426E-40DD-AFC4-6F175D3DCCD1}">
+              <a14:hiddenFill xmlns:a14="http://schemas.microsoft.com/office/drawing/2010/main">
+                <a:solidFill>
+                  <a:schemeClr val="accent1"/>
+                </a:solidFill>
+              </a14:hiddenFill>
+            </a:ext>
+            <a:ext uri="{91240B29-F687-4F45-9708-019B960494DF}">
+              <a14:hiddenLine xmlns:a14="http://schemas.microsoft.com/office/drawing/2010/main" w="9525">
+                <a:solidFill>
+                  <a:schemeClr val="tx1"/>
+                </a:solidFill>
+                <a:miter lim="800000"/>
+                <a:headEnd/>
+                <a:tailEnd/>
+              </a14:hiddenLine>
+            </a:ext>
+          </a:extLst>
+        </p:spPr>
+      </p:pic>
     </p:spTree>
     <p:extLst>
       <p:ext uri="{BB962C8B-B14F-4D97-AF65-F5344CB8AC3E}">
@@ -29380,7 +29394,7 @@
   <p:timing>
     <p:tnLst>
       <p:par>
-        <p:cTn xmlns:p14="http://schemas.microsoft.com/office/powerpoint/2010/main" id="1" dur="indefinite" restart="never" nodeType="tmRoot"/>
+        <p:cTn id="1" dur="indefinite" restart="never" nodeType="tmRoot"/>
       </p:par>
     </p:tnLst>
   </p:timing>
@@ -29693,7 +29707,7 @@
   <p:timing>
     <p:tnLst>
       <p:par>
-        <p:cTn xmlns:p14="http://schemas.microsoft.com/office/powerpoint/2010/main" id="1" dur="indefinite" restart="never" nodeType="tmRoot"/>
+        <p:cTn id="1" dur="indefinite" restart="never" nodeType="tmRoot"/>
       </p:par>
     </p:tnLst>
   </p:timing>
@@ -30042,7 +30056,7 @@
   <p:timing>
     <p:tnLst>
       <p:par>
-        <p:cTn xmlns:p14="http://schemas.microsoft.com/office/powerpoint/2010/main" id="1" dur="indefinite" restart="never" nodeType="tmRoot"/>
+        <p:cTn id="1" dur="indefinite" restart="never" nodeType="tmRoot"/>
       </p:par>
     </p:tnLst>
   </p:timing>
@@ -30132,11 +30146,6 @@
               </a:rPr>
               <a:t>Oriented</a:t>
             </a:r>
-            <a:endParaRPr kumimoji="1" lang="en-US" altLang="zh-CN" dirty="0" smtClean="0">
-              <a:latin typeface="Heiti SC Light"/>
-              <a:ea typeface="Heiti SC Light"/>
-              <a:cs typeface="Heiti SC Light"/>
-            </a:endParaRPr>
           </a:p>
           <a:p>
             <a:pPr lvl="1">
@@ -30359,15 +30368,7 @@
                 <a:ea typeface="Heiti SC Light"/>
                 <a:cs typeface="Heiti SC Light"/>
               </a:rPr>
-              <a:t>其实属于那种类型并不重要，关键是掌握</a:t>
-            </a:r>
-            <a:r>
-              <a:rPr kumimoji="1" lang="zh-CN" altLang="en-US" dirty="0" smtClean="0">
-                <a:latin typeface="Heiti SC Light"/>
-                <a:ea typeface="Heiti SC Light"/>
-                <a:cs typeface="Heiti SC Light"/>
-              </a:rPr>
-              <a:t>特性</a:t>
+              <a:t>其实属于那种类型并不重要，关键是掌握特性</a:t>
             </a:r>
             <a:endParaRPr kumimoji="1" lang="en-US" altLang="zh-CN" dirty="0" smtClean="0">
               <a:latin typeface="Heiti SC Light"/>
@@ -30679,7 +30680,7 @@
   <p:timing>
     <p:tnLst>
       <p:par>
-        <p:cTn xmlns:p14="http://schemas.microsoft.com/office/powerpoint/2010/main" id="1" dur="indefinite" restart="never" nodeType="tmRoot">
+        <p:cTn id="1" dur="indefinite" restart="never" nodeType="tmRoot">
           <p:childTnLst>
             <p:seq concurrent="1" nextAc="seek">
               <p:cTn id="2" dur="indefinite" nodeType="mainSeq">
@@ -31219,11 +31220,6 @@
               </a:rPr>
               <a:t>);</a:t>
             </a:r>
-            <a:endParaRPr kumimoji="1" lang="en-US" altLang="zh-CN" sz="2000" dirty="0">
-              <a:latin typeface="Heiti SC Light"/>
-              <a:ea typeface="Heiti SC Light"/>
-              <a:cs typeface="Heiti SC Light"/>
-            </a:endParaRPr>
           </a:p>
         </p:txBody>
       </p:sp>
@@ -31494,7 +31490,7 @@
   <p:timing>
     <p:tnLst>
       <p:par>
-        <p:cTn xmlns:p14="http://schemas.microsoft.com/office/powerpoint/2010/main" id="1" dur="indefinite" restart="never" nodeType="tmRoot"/>
+        <p:cTn id="1" dur="indefinite" restart="never" nodeType="tmRoot"/>
       </p:par>
     </p:tnLst>
   </p:timing>
@@ -31993,7 +31989,7 @@
   <p:timing>
     <p:tnLst>
       <p:par>
-        <p:cTn xmlns:p14="http://schemas.microsoft.com/office/powerpoint/2010/main" id="1" dur="indefinite" restart="never" nodeType="tmRoot"/>
+        <p:cTn id="1" dur="indefinite" restart="never" nodeType="tmRoot"/>
       </p:par>
     </p:tnLst>
   </p:timing>
@@ -32710,7 +32706,7 @@
   <p:timing>
     <p:tnLst>
       <p:par>
-        <p:cTn xmlns:p14="http://schemas.microsoft.com/office/powerpoint/2010/main" id="1" dur="indefinite" restart="never" nodeType="tmRoot">
+        <p:cTn id="1" dur="indefinite" restart="never" nodeType="tmRoot">
           <p:childTnLst>
             <p:seq concurrent="1" nextAc="seek">
               <p:cTn id="2" dur="indefinite" nodeType="mainSeq">
